--- a/Mod-2_Conception-des-microservices/Mod-2_Conception-des-microservices.pptx
+++ b/Mod-2_Conception-des-microservices/Mod-2_Conception-des-microservices.pptx
@@ -5,7 +5,7 @@
     <p:sldMasterId id="2147483648" r:id="rId1"/>
   </p:sldMasterIdLst>
   <p:notesMasterIdLst>
-    <p:notesMasterId r:id="rId18"/>
+    <p:notesMasterId r:id="rId25"/>
   </p:notesMasterIdLst>
   <p:sldIdLst>
     <p:sldId id="256" r:id="rId2"/>
@@ -20,15 +20,22 @@
     <p:sldId id="285" r:id="rId11"/>
     <p:sldId id="281" r:id="rId12"/>
     <p:sldId id="286" r:id="rId13"/>
-    <p:sldId id="280" r:id="rId14"/>
-    <p:sldId id="277" r:id="rId15"/>
-    <p:sldId id="282" r:id="rId16"/>
-    <p:sldId id="273" r:id="rId17"/>
+    <p:sldId id="273" r:id="rId14"/>
+    <p:sldId id="287" r:id="rId15"/>
+    <p:sldId id="288" r:id="rId16"/>
+    <p:sldId id="289" r:id="rId17"/>
+    <p:sldId id="290" r:id="rId18"/>
+    <p:sldId id="291" r:id="rId19"/>
+    <p:sldId id="292" r:id="rId20"/>
+    <p:sldId id="293" r:id="rId21"/>
+    <p:sldId id="280" r:id="rId22"/>
+    <p:sldId id="277" r:id="rId23"/>
+    <p:sldId id="282" r:id="rId24"/>
   </p:sldIdLst>
   <p:sldSz cx="12192000" cy="6858000"/>
   <p:notesSz cx="6858000" cy="9144000"/>
   <p:custDataLst>
-    <p:tags r:id="rId19"/>
+    <p:tags r:id="rId26"/>
   </p:custDataLst>
   <p:defaultTextStyle>
     <a:defPPr>
@@ -145,14 +152,22 @@
           </p14:sldIdLst>
         </p14:section>
         <p14:section name="Quizz" id="{F4E9CED8-1E9B-47D7-946E-33A2F9CEB376}">
-          <p14:sldIdLst/>
+          <p14:sldIdLst>
+            <p14:sldId id="273"/>
+            <p14:sldId id="287"/>
+            <p14:sldId id="288"/>
+            <p14:sldId id="289"/>
+            <p14:sldId id="290"/>
+            <p14:sldId id="291"/>
+            <p14:sldId id="292"/>
+            <p14:sldId id="293"/>
+          </p14:sldIdLst>
         </p14:section>
         <p14:section name="Lab" id="{E0E5D6CF-D763-439F-8C69-E0CFBC15270E}">
           <p14:sldIdLst>
             <p14:sldId id="280"/>
             <p14:sldId id="277"/>
             <p14:sldId id="282"/>
-            <p14:sldId id="273"/>
           </p14:sldIdLst>
         </p14:section>
       </p14:sectionLst>
@@ -1097,7 +1112,7 @@
     </p:spTree>
     <p:extLst>
       <p:ext uri="{BB962C8B-B14F-4D97-AF65-F5344CB8AC3E}">
-        <p14:creationId xmlns:p14="http://schemas.microsoft.com/office/powerpoint/2010/main" val="1266876340"/>
+        <p14:creationId xmlns:p14="http://schemas.microsoft.com/office/powerpoint/2010/main" val="1741468182"/>
       </p:ext>
     </p:extLst>
   </p:cSld>
@@ -1172,7 +1187,7 @@
           <a:p>
             <a:fld id="{29446431-D0D5-4BC1-9605-93B358FA0494}" type="slidenum">
               <a:rPr lang="fr-FR" smtClean="0"/>
-              <a:t>16</a:t>
+              <a:t>21</a:t>
             </a:fld>
             <a:endParaRPr lang="fr-FR"/>
           </a:p>
@@ -1181,7 +1196,7 @@
     </p:spTree>
     <p:extLst>
       <p:ext uri="{BB962C8B-B14F-4D97-AF65-F5344CB8AC3E}">
-        <p14:creationId xmlns:p14="http://schemas.microsoft.com/office/powerpoint/2010/main" val="1741468182"/>
+        <p14:creationId xmlns:p14="http://schemas.microsoft.com/office/powerpoint/2010/main" val="1266876340"/>
       </p:ext>
     </p:extLst>
   </p:cSld>
@@ -5964,10 +5979,10 @@
       </p:grpSpPr>
       <p:sp>
         <p:nvSpPr>
-          <p:cNvPr id="3" name="Espace réservé du contenu 2">
-            <a:extLst>
-              <a:ext uri="{FF2B5EF4-FFF2-40B4-BE49-F238E27FC236}">
-                <a16:creationId xmlns:a16="http://schemas.microsoft.com/office/drawing/2014/main" id="{5D1598F1-3F5E-181B-29E7-26081FFE38F7}"/>
+          <p:cNvPr id="4" name="Titre 1">
+            <a:extLst>
+              <a:ext uri="{FF2B5EF4-FFF2-40B4-BE49-F238E27FC236}">
+                <a16:creationId xmlns:a16="http://schemas.microsoft.com/office/drawing/2014/main" id="{0BBD490F-0135-83AC-A1D0-18C01882B938}"/>
               </a:ext>
             </a:extLst>
           </p:cNvPr>
@@ -5975,13 +5990,13 @@
             <a:spLocks noGrp="1"/>
           </p:cNvSpPr>
           <p:nvPr>
-            <p:ph idx="1"/>
+            <p:ph type="title"/>
           </p:nvPr>
         </p:nvSpPr>
         <p:spPr>
           <a:xfrm>
-            <a:off x="223520" y="1059656"/>
-            <a:ext cx="5872479" cy="5160163"/>
+            <a:off x="2681714" y="2713346"/>
+            <a:ext cx="6828572" cy="1128713"/>
           </a:xfrm>
         </p:spPr>
         <p:txBody>
@@ -5990,64 +6005,3448 @@
           </a:bodyPr>
           <a:lstStyle/>
           <a:p>
-            <a:pPr marL="0" indent="0">
-              <a:lnSpc>
-                <a:spcPct val="200000"/>
-              </a:lnSpc>
-              <a:buNone/>
+            <a:pPr algn="ctr"/>
+            <a:r>
+              <a:rPr lang="fr-FR" sz="4100" b="1" dirty="0">
+                <a:solidFill>
+                  <a:schemeClr val="tx2"/>
+                </a:solidFill>
+                <a:latin typeface="Lora" pitchFamily="2" charset="0"/>
+              </a:rPr>
+              <a:t>Contrôle de connaissances</a:t>
+            </a:r>
+          </a:p>
+        </p:txBody>
+      </p:sp>
+    </p:spTree>
+    <p:extLst>
+      <p:ext uri="{BB962C8B-B14F-4D97-AF65-F5344CB8AC3E}">
+        <p14:creationId xmlns:p14="http://schemas.microsoft.com/office/powerpoint/2010/main" val="1610341630"/>
+      </p:ext>
+    </p:extLst>
+  </p:cSld>
+  <p:clrMapOvr>
+    <a:masterClrMapping/>
+  </p:clrMapOvr>
+</p:sld>
+</file>
+
+<file path=ppt/slides/slide14.xml><?xml version="1.0" encoding="utf-8"?>
+<p:sld xmlns:a="http://schemas.openxmlformats.org/drawingml/2006/main" xmlns:r="http://schemas.openxmlformats.org/officeDocument/2006/relationships" xmlns:p="http://schemas.openxmlformats.org/presentationml/2006/main" showMasterSp="0">
+  <p:cSld>
+    <p:bg>
+      <p:bgPr>
+        <a:solidFill>
+          <a:srgbClr val="FFFFFF"/>
+        </a:solidFill>
+        <a:effectLst/>
+      </p:bgPr>
+    </p:bg>
+    <p:spTree>
+      <p:nvGrpSpPr>
+        <p:cNvPr id="1" name=""/>
+        <p:cNvGrpSpPr/>
+        <p:nvPr/>
+      </p:nvGrpSpPr>
+      <p:grpSpPr>
+        <a:xfrm>
+          <a:off x="0" y="0"/>
+          <a:ext cx="0" cy="0"/>
+          <a:chOff x="0" y="0"/>
+          <a:chExt cx="0" cy="0"/>
+        </a:xfrm>
+      </p:grpSpPr>
+      <p:sp>
+        <p:nvSpPr>
+          <p:cNvPr id="2" name="Rectangle : coins arrondis 1">
+            <a:extLst>
+              <a:ext uri="{FF2B5EF4-FFF2-40B4-BE49-F238E27FC236}">
+                <a16:creationId xmlns:a16="http://schemas.microsoft.com/office/drawing/2014/main" id="{60CB7320-AD62-5EAF-DF48-5110C079D630}"/>
+              </a:ext>
+            </a:extLst>
+          </p:cNvPr>
+          <p:cNvSpPr/>
+          <p:nvPr>
+            <p:custDataLst>
+              <p:tags r:id="rId2"/>
+            </p:custDataLst>
+          </p:nvPr>
+        </p:nvSpPr>
+        <p:spPr>
+          <a:xfrm>
+            <a:off x="6286500" y="430530"/>
+            <a:ext cx="5524500" cy="891540"/>
+          </a:xfrm>
+          <a:prstGeom prst="roundRect">
+            <a:avLst/>
+          </a:prstGeom>
+          <a:solidFill>
+            <a:srgbClr val="F4F4F4"/>
+          </a:solidFill>
+          <a:ln w="19050" cap="flat" cmpd="sng" algn="ctr">
+            <a:noFill/>
+            <a:prstDash val="solid"/>
+            <a:miter lim="800000"/>
+          </a:ln>
+          <a:effectLst/>
+          <a:extLst>
+            <a:ext uri="{91240B29-F687-4F45-9708-019B960494DF}">
+              <a14:hiddenLine xmlns:a14="http://schemas.microsoft.com/office/drawing/2010/main" w="19050" cap="flat" cmpd="sng" algn="ctr">
+                <a:solidFill>
+                  <a:schemeClr val="accent1">
+                    <a:shade val="15000"/>
+                  </a:schemeClr>
+                </a:solidFill>
+                <a:prstDash val="solid"/>
+                <a:miter lim="800000"/>
+              </a14:hiddenLine>
+            </a:ext>
+          </a:extLst>
+        </p:spPr>
+        <p:style>
+          <a:lnRef idx="2">
+            <a:schemeClr val="accent1">
+              <a:shade val="15000"/>
+            </a:schemeClr>
+          </a:lnRef>
+          <a:fillRef idx="1">
+            <a:schemeClr val="accent1"/>
+          </a:fillRef>
+          <a:effectRef idx="0">
+            <a:schemeClr val="accent1"/>
+          </a:effectRef>
+          <a:fontRef idx="minor">
+            <a:schemeClr val="lt1"/>
+          </a:fontRef>
+        </p:style>
+        <p:txBody>
+          <a:bodyPr lIns="317500" rIns="1143000" rtlCol="0" anchor="ctr">
+            <a:normAutofit/>
+          </a:bodyPr>
+          <a:lstStyle/>
+          <a:p>
+            <a:r>
+              <a:rPr lang="en-US" sz="2000">
+                <a:solidFill>
+                  <a:srgbClr val="5B5B5B"/>
+                </a:solidFill>
+              </a:rPr>
+              <a:t>Please download and install the Slido app on all computers you use</a:t>
+            </a:r>
+            <a:endParaRPr lang="fr-FR" sz="2000">
+              <a:solidFill>
+                <a:srgbClr val="5B5B5B"/>
+              </a:solidFill>
+            </a:endParaRPr>
+          </a:p>
+        </p:txBody>
+      </p:sp>
+      <p:pic>
+        <p:nvPicPr>
+          <p:cNvPr id="4" name="Graphique 3">
+            <a:extLst>
+              <a:ext uri="{FF2B5EF4-FFF2-40B4-BE49-F238E27FC236}">
+                <a16:creationId xmlns:a16="http://schemas.microsoft.com/office/drawing/2014/main" id="{5187F3FD-FFA6-84F4-55D0-4C4C9D2C8C1A}"/>
+              </a:ext>
+            </a:extLst>
+          </p:cNvPr>
+          <p:cNvPicPr>
+            <a:picLocks/>
+          </p:cNvPicPr>
+          <p:nvPr>
+            <p:custDataLst>
+              <p:tags r:id="rId3"/>
+            </p:custDataLst>
+          </p:nvPr>
+        </p:nvPicPr>
+        <p:blipFill>
+          <a:blip r:embed="rId9">
+            <a:extLst>
+              <a:ext uri="{96DAC541-7B7A-43D3-8B79-37D633B846F1}">
+                <asvg:svgBlip xmlns:asvg="http://schemas.microsoft.com/office/drawing/2016/SVG/main" r:embed="rId10"/>
+              </a:ext>
+            </a:extLst>
+          </a:blip>
+          <a:stretch>
+            <a:fillRect/>
+          </a:stretch>
+        </p:blipFill>
+        <p:spPr>
+          <a:xfrm>
+            <a:off x="10826048" y="577634"/>
+            <a:ext cx="597332" cy="597332"/>
+          </a:xfrm>
+          <a:prstGeom prst="rect">
+            <a:avLst/>
+          </a:prstGeom>
+        </p:spPr>
+      </p:pic>
+      <p:pic>
+        <p:nvPicPr>
+          <p:cNvPr id="6" name="Graphique 5">
+            <a:extLst>
+              <a:ext uri="{FF2B5EF4-FFF2-40B4-BE49-F238E27FC236}">
+                <a16:creationId xmlns:a16="http://schemas.microsoft.com/office/drawing/2014/main" id="{A5678D6A-851B-EC50-CD8C-ECAB86FE3E41}"/>
+              </a:ext>
+            </a:extLst>
+          </p:cNvPr>
+          <p:cNvPicPr>
+            <a:picLocks/>
+          </p:cNvPicPr>
+          <p:nvPr>
+            <p:custDataLst>
+              <p:tags r:id="rId4"/>
+            </p:custDataLst>
+          </p:nvPr>
+        </p:nvPicPr>
+        <p:blipFill>
+          <a:blip r:embed="rId11">
+            <a:extLst>
+              <a:ext uri="{96DAC541-7B7A-43D3-8B79-37D633B846F1}">
+                <asvg:svgBlip xmlns:asvg="http://schemas.microsoft.com/office/drawing/2016/SVG/main" r:embed="rId12"/>
+              </a:ext>
+            </a:extLst>
+          </a:blip>
+          <a:stretch>
+            <a:fillRect/>
+          </a:stretch>
+        </p:blipFill>
+        <p:spPr>
+          <a:xfrm>
+            <a:off x="3901440" y="617220"/>
+            <a:ext cx="1036320" cy="518160"/>
+          </a:xfrm>
+          <a:prstGeom prst="rect">
+            <a:avLst/>
+          </a:prstGeom>
+        </p:spPr>
+      </p:pic>
+      <p:pic>
+        <p:nvPicPr>
+          <p:cNvPr id="8" name="Graphique 7">
+            <a:extLst>
+              <a:ext uri="{FF2B5EF4-FFF2-40B4-BE49-F238E27FC236}">
+                <a16:creationId xmlns:a16="http://schemas.microsoft.com/office/drawing/2014/main" id="{CD756865-EBF8-45E9-CCF2-EF6AD4D48B36}"/>
+              </a:ext>
+            </a:extLst>
+          </p:cNvPr>
+          <p:cNvPicPr>
+            <a:picLocks/>
+          </p:cNvPicPr>
+          <p:nvPr>
+            <p:custDataLst>
+              <p:tags r:id="rId5"/>
+            </p:custDataLst>
+          </p:nvPr>
+        </p:nvPicPr>
+        <p:blipFill>
+          <a:blip r:embed="rId13">
+            <a:extLst>
+              <a:ext uri="{96DAC541-7B7A-43D3-8B79-37D633B846F1}">
+                <asvg:svgBlip xmlns:asvg="http://schemas.microsoft.com/office/drawing/2016/SVG/main" r:embed="rId14"/>
+              </a:ext>
+            </a:extLst>
+          </a:blip>
+          <a:stretch>
+            <a:fillRect/>
+          </a:stretch>
+        </p:blipFill>
+        <p:spPr>
+          <a:xfrm>
+            <a:off x="1158240" y="2270760"/>
+            <a:ext cx="2316480" cy="2316480"/>
+          </a:xfrm>
+          <a:prstGeom prst="rect">
+            <a:avLst/>
+          </a:prstGeom>
+        </p:spPr>
+      </p:pic>
+      <p:sp>
+        <p:nvSpPr>
+          <p:cNvPr id="9" name="Rectangle 8">
+            <a:extLst>
+              <a:ext uri="{FF2B5EF4-FFF2-40B4-BE49-F238E27FC236}">
+                <a16:creationId xmlns:a16="http://schemas.microsoft.com/office/drawing/2014/main" id="{5FAD2035-5687-35D9-4985-B187DED3C635}"/>
+              </a:ext>
+            </a:extLst>
+          </p:cNvPr>
+          <p:cNvSpPr/>
+          <p:nvPr>
+            <p:custDataLst>
+              <p:tags r:id="rId6"/>
+            </p:custDataLst>
+          </p:nvPr>
+        </p:nvSpPr>
+        <p:spPr>
+          <a:xfrm>
+            <a:off x="3901440" y="2571750"/>
+            <a:ext cx="7315199" cy="1714500"/>
+          </a:xfrm>
+          <a:prstGeom prst="rect">
+            <a:avLst/>
+          </a:prstGeom>
+          <a:noFill/>
+          <a:ln w="19050" cap="flat" cmpd="sng" algn="ctr">
+            <a:solidFill>
+              <a:srgbClr val="FFFFFF"/>
+            </a:solidFill>
+            <a:prstDash val="solid"/>
+            <a:miter lim="800000"/>
+          </a:ln>
+          <a:effectLst/>
+          <a:extLst>
+            <a:ext uri="{909E8E84-426E-40DD-AFC4-6F175D3DCCD1}">
+              <a14:hiddenFill xmlns:a14="http://schemas.microsoft.com/office/drawing/2010/main">
+                <a:solidFill>
+                  <a:schemeClr val="accent1"/>
+                </a:solidFill>
+              </a14:hiddenFill>
+            </a:ext>
+          </a:extLst>
+        </p:spPr>
+        <p:style>
+          <a:lnRef idx="2">
+            <a:schemeClr val="accent1">
+              <a:shade val="15000"/>
+            </a:schemeClr>
+          </a:lnRef>
+          <a:fillRef idx="1">
+            <a:schemeClr val="accent1"/>
+          </a:fillRef>
+          <a:effectRef idx="0">
+            <a:schemeClr val="accent1"/>
+          </a:effectRef>
+          <a:fontRef idx="minor">
+            <a:schemeClr val="lt1"/>
+          </a:fontRef>
+        </p:style>
+        <p:txBody>
+          <a:bodyPr rtlCol="0" anchor="ctr"/>
+          <a:lstStyle/>
+          <a:p>
+            <a:r>
+              <a:rPr lang="fr-FR" sz="4000" b="1">
+                <a:solidFill>
+                  <a:srgbClr val="5B5B5B"/>
+                </a:solidFill>
+              </a:rPr>
+              <a:t>Le "Bounded Context" dans le DDD permet de : (SELECTIONNER DEUX PROPOSITIONS)</a:t>
+            </a:r>
+          </a:p>
+        </p:txBody>
+      </p:sp>
+      <p:sp>
+        <p:nvSpPr>
+          <p:cNvPr id="10" name="Rectangle 9">
+            <a:extLst>
+              <a:ext uri="{FF2B5EF4-FFF2-40B4-BE49-F238E27FC236}">
+                <a16:creationId xmlns:a16="http://schemas.microsoft.com/office/drawing/2014/main" id="{7C0D1A81-85A5-2B3A-3401-835C52B580A1}"/>
+              </a:ext>
+            </a:extLst>
+          </p:cNvPr>
+          <p:cNvSpPr/>
+          <p:nvPr>
+            <p:custDataLst>
+              <p:tags r:id="rId7"/>
+            </p:custDataLst>
+          </p:nvPr>
+        </p:nvSpPr>
+        <p:spPr>
+          <a:xfrm>
+            <a:off x="3901440" y="6032500"/>
+            <a:ext cx="7315199" cy="518160"/>
+          </a:xfrm>
+          <a:prstGeom prst="rect">
+            <a:avLst/>
+          </a:prstGeom>
+          <a:noFill/>
+          <a:ln w="19050" cap="flat" cmpd="sng" algn="ctr">
+            <a:noFill/>
+            <a:prstDash val="solid"/>
+            <a:miter lim="800000"/>
+          </a:ln>
+          <a:effectLst/>
+          <a:extLst>
+            <a:ext uri="{909E8E84-426E-40DD-AFC4-6F175D3DCCD1}">
+              <a14:hiddenFill xmlns:a14="http://schemas.microsoft.com/office/drawing/2010/main">
+                <a:solidFill>
+                  <a:schemeClr val="accent1"/>
+                </a:solidFill>
+              </a14:hiddenFill>
+            </a:ext>
+            <a:ext uri="{91240B29-F687-4F45-9708-019B960494DF}">
+              <a14:hiddenLine xmlns:a14="http://schemas.microsoft.com/office/drawing/2010/main" w="19050" cap="flat" cmpd="sng" algn="ctr">
+                <a:solidFill>
+                  <a:schemeClr val="accent1">
+                    <a:shade val="15000"/>
+                  </a:schemeClr>
+                </a:solidFill>
+                <a:prstDash val="solid"/>
+                <a:miter lim="800000"/>
+              </a14:hiddenLine>
+            </a:ext>
+          </a:extLst>
+        </p:spPr>
+        <p:style>
+          <a:lnRef idx="2">
+            <a:schemeClr val="accent1">
+              <a:shade val="15000"/>
+            </a:schemeClr>
+          </a:lnRef>
+          <a:fillRef idx="1">
+            <a:schemeClr val="accent1"/>
+          </a:fillRef>
+          <a:effectRef idx="0">
+            <a:schemeClr val="accent1"/>
+          </a:effectRef>
+          <a:fontRef idx="minor">
+            <a:schemeClr val="lt1"/>
+          </a:fontRef>
+        </p:style>
+        <p:txBody>
+          <a:bodyPr rtlCol="0" anchor="ctr">
+            <a:normAutofit/>
+          </a:bodyPr>
+          <a:lstStyle/>
+          <a:p>
+            <a:r>
+              <a:rPr lang="en-US" sz="2200" b="1">
+                <a:solidFill>
+                  <a:srgbClr val="5B5B5B"/>
+                </a:solidFill>
+              </a:rPr>
+              <a:t>ⓘ</a:t>
+            </a:r>
+            <a:r>
+              <a:rPr lang="en-US" sz="2000">
+                <a:solidFill>
+                  <a:srgbClr val="5B5B5B"/>
+                </a:solidFill>
+              </a:rPr>
+              <a:t> Start presenting to display the poll results on this slide.</a:t>
+            </a:r>
+            <a:endParaRPr lang="fr-FR" sz="2000">
+              <a:solidFill>
+                <a:srgbClr val="5B5B5B"/>
+              </a:solidFill>
+            </a:endParaRPr>
+          </a:p>
+        </p:txBody>
+      </p:sp>
+    </p:spTree>
+    <p:custDataLst>
+      <p:tags r:id="rId1"/>
+    </p:custDataLst>
+    <p:extLst>
+      <p:ext uri="{BB962C8B-B14F-4D97-AF65-F5344CB8AC3E}">
+        <p14:creationId xmlns:p14="http://schemas.microsoft.com/office/powerpoint/2010/main" val="3531974573"/>
+      </p:ext>
+    </p:extLst>
+  </p:cSld>
+  <p:clrMapOvr>
+    <a:masterClrMapping/>
+  </p:clrMapOvr>
+  <p:timing>
+    <p:tnLst>
+      <p:par>
+        <p:cTn id="1" dur="indefinite" restart="never" nodeType="tmRoot">
+          <p:childTnLst>
+            <p:seq concurrent="1" nextAc="seek">
+              <p:cTn id="2" dur="indefinite" nodeType="mainSeq">
+                <p:childTnLst>
+                  <p:par>
+                    <p:cTn id="3" fill="hold">
+                      <p:stCondLst>
+                        <p:cond delay="indefinite"/>
+                      </p:stCondLst>
+                      <p:childTnLst>
+                        <p:par>
+                          <p:cTn id="4" fill="hold">
+                            <p:stCondLst>
+                              <p:cond delay="0"/>
+                            </p:stCondLst>
+                            <p:childTnLst>
+                              <p:par>
+                                <p:cTn id="5" presetID="26" presetClass="emph" presetSubtype="0" fill="hold" grpId="0" nodeType="clickEffect">
+                                  <p:stCondLst>
+                                    <p:cond delay="0"/>
+                                  </p:stCondLst>
+                                  <p:childTnLst>
+                                    <p:animEffect transition="out" filter="fade">
+                                      <p:cBhvr>
+                                        <p:cTn id="6" dur="50" tmFilter="0, 0; .2, .5; .8, .5; 1, 0"/>
+                                        <p:tgtEl>
+                                          <p:spTgt spid="9"/>
+                                        </p:tgtEl>
+                                      </p:cBhvr>
+                                    </p:animEffect>
+                                    <p:animScale>
+                                      <p:cBhvr>
+                                        <p:cTn id="7" dur="25" autoRev="1" fill="hold"/>
+                                        <p:tgtEl>
+                                          <p:spTgt spid="9"/>
+                                        </p:tgtEl>
+                                      </p:cBhvr>
+                                      <p:by x="105000" y="105000"/>
+                                    </p:animScale>
+                                  </p:childTnLst>
+                                </p:cTn>
+                              </p:par>
+                            </p:childTnLst>
+                          </p:cTn>
+                        </p:par>
+                      </p:childTnLst>
+                    </p:cTn>
+                  </p:par>
+                  <p:par>
+                    <p:cTn id="8" fill="hold">
+                      <p:stCondLst>
+                        <p:cond delay="indefinite"/>
+                      </p:stCondLst>
+                      <p:childTnLst>
+                        <p:par>
+                          <p:cTn id="9" fill="hold">
+                            <p:stCondLst>
+                              <p:cond delay="0"/>
+                            </p:stCondLst>
+                            <p:childTnLst>
+                              <p:par>
+                                <p:cTn id="10" presetID="26" presetClass="emph" presetSubtype="0" fill="hold" grpId="1" nodeType="clickEffect">
+                                  <p:stCondLst>
+                                    <p:cond delay="0"/>
+                                  </p:stCondLst>
+                                  <p:childTnLst>
+                                    <p:animEffect transition="out" filter="fade">
+                                      <p:cBhvr>
+                                        <p:cTn id="11" dur="50" tmFilter="0, 0; .2, .5; .8, .5; 1, 0"/>
+                                        <p:tgtEl>
+                                          <p:spTgt spid="9"/>
+                                        </p:tgtEl>
+                                      </p:cBhvr>
+                                    </p:animEffect>
+                                    <p:animScale>
+                                      <p:cBhvr>
+                                        <p:cTn id="12" dur="25" autoRev="1" fill="hold"/>
+                                        <p:tgtEl>
+                                          <p:spTgt spid="9"/>
+                                        </p:tgtEl>
+                                      </p:cBhvr>
+                                      <p:by x="105000" y="105000"/>
+                                    </p:animScale>
+                                  </p:childTnLst>
+                                </p:cTn>
+                              </p:par>
+                            </p:childTnLst>
+                          </p:cTn>
+                        </p:par>
+                      </p:childTnLst>
+                    </p:cTn>
+                  </p:par>
+                  <p:par>
+                    <p:cTn id="13" fill="hold">
+                      <p:stCondLst>
+                        <p:cond delay="indefinite"/>
+                      </p:stCondLst>
+                      <p:childTnLst>
+                        <p:par>
+                          <p:cTn id="14" fill="hold">
+                            <p:stCondLst>
+                              <p:cond delay="0"/>
+                            </p:stCondLst>
+                            <p:childTnLst>
+                              <p:par>
+                                <p:cTn id="15" presetID="26" presetClass="emph" presetSubtype="0" fill="hold" grpId="2" nodeType="clickEffect">
+                                  <p:stCondLst>
+                                    <p:cond delay="0"/>
+                                  </p:stCondLst>
+                                  <p:childTnLst>
+                                    <p:animEffect transition="out" filter="fade">
+                                      <p:cBhvr>
+                                        <p:cTn id="16" dur="50" tmFilter="0, 0; .2, .5; .8, .5; 1, 0"/>
+                                        <p:tgtEl>
+                                          <p:spTgt spid="9"/>
+                                        </p:tgtEl>
+                                      </p:cBhvr>
+                                    </p:animEffect>
+                                    <p:animScale>
+                                      <p:cBhvr>
+                                        <p:cTn id="17" dur="25" autoRev="1" fill="hold"/>
+                                        <p:tgtEl>
+                                          <p:spTgt spid="9"/>
+                                        </p:tgtEl>
+                                      </p:cBhvr>
+                                      <p:by x="105000" y="105000"/>
+                                    </p:animScale>
+                                  </p:childTnLst>
+                                </p:cTn>
+                              </p:par>
+                            </p:childTnLst>
+                          </p:cTn>
+                        </p:par>
+                      </p:childTnLst>
+                    </p:cTn>
+                  </p:par>
+                </p:childTnLst>
+              </p:cTn>
+              <p:prevCondLst>
+                <p:cond evt="onPrev" delay="0">
+                  <p:tgtEl>
+                    <p:sldTgt/>
+                  </p:tgtEl>
+                </p:cond>
+              </p:prevCondLst>
+              <p:nextCondLst>
+                <p:cond evt="onNext" delay="0">
+                  <p:tgtEl>
+                    <p:sldTgt/>
+                  </p:tgtEl>
+                </p:cond>
+              </p:nextCondLst>
+            </p:seq>
+          </p:childTnLst>
+        </p:cTn>
+      </p:par>
+    </p:tnLst>
+    <p:bldLst>
+      <p:bldP spid="9" grpId="0" animBg="1"/>
+      <p:bldP spid="9" grpId="1" animBg="1"/>
+      <p:bldP spid="9" grpId="2" animBg="1"/>
+    </p:bldLst>
+  </p:timing>
+</p:sld>
+</file>
+
+<file path=ppt/slides/slide15.xml><?xml version="1.0" encoding="utf-8"?>
+<p:sld xmlns:a="http://schemas.openxmlformats.org/drawingml/2006/main" xmlns:r="http://schemas.openxmlformats.org/officeDocument/2006/relationships" xmlns:p="http://schemas.openxmlformats.org/presentationml/2006/main" showMasterSp="0">
+  <p:cSld>
+    <p:bg>
+      <p:bgPr>
+        <a:solidFill>
+          <a:srgbClr val="FFFFFF"/>
+        </a:solidFill>
+        <a:effectLst/>
+      </p:bgPr>
+    </p:bg>
+    <p:spTree>
+      <p:nvGrpSpPr>
+        <p:cNvPr id="1" name=""/>
+        <p:cNvGrpSpPr/>
+        <p:nvPr/>
+      </p:nvGrpSpPr>
+      <p:grpSpPr>
+        <a:xfrm>
+          <a:off x="0" y="0"/>
+          <a:ext cx="0" cy="0"/>
+          <a:chOff x="0" y="0"/>
+          <a:chExt cx="0" cy="0"/>
+        </a:xfrm>
+      </p:grpSpPr>
+      <p:sp>
+        <p:nvSpPr>
+          <p:cNvPr id="2" name="Rectangle : coins arrondis 1">
+            <a:extLst>
+              <a:ext uri="{FF2B5EF4-FFF2-40B4-BE49-F238E27FC236}">
+                <a16:creationId xmlns:a16="http://schemas.microsoft.com/office/drawing/2014/main" id="{AF7EEA08-A735-8871-F3C1-602870D729D9}"/>
+              </a:ext>
+            </a:extLst>
+          </p:cNvPr>
+          <p:cNvSpPr/>
+          <p:nvPr>
+            <p:custDataLst>
+              <p:tags r:id="rId2"/>
+            </p:custDataLst>
+          </p:nvPr>
+        </p:nvSpPr>
+        <p:spPr>
+          <a:xfrm>
+            <a:off x="6286500" y="430530"/>
+            <a:ext cx="5524500" cy="891540"/>
+          </a:xfrm>
+          <a:prstGeom prst="roundRect">
+            <a:avLst/>
+          </a:prstGeom>
+          <a:solidFill>
+            <a:srgbClr val="F4F4F4"/>
+          </a:solidFill>
+          <a:ln w="19050" cap="flat" cmpd="sng" algn="ctr">
+            <a:noFill/>
+            <a:prstDash val="solid"/>
+            <a:miter lim="800000"/>
+          </a:ln>
+          <a:effectLst/>
+          <a:extLst>
+            <a:ext uri="{91240B29-F687-4F45-9708-019B960494DF}">
+              <a14:hiddenLine xmlns:a14="http://schemas.microsoft.com/office/drawing/2010/main" w="19050" cap="flat" cmpd="sng" algn="ctr">
+                <a:solidFill>
+                  <a:schemeClr val="accent1">
+                    <a:shade val="15000"/>
+                  </a:schemeClr>
+                </a:solidFill>
+                <a:prstDash val="solid"/>
+                <a:miter lim="800000"/>
+              </a14:hiddenLine>
+            </a:ext>
+          </a:extLst>
+        </p:spPr>
+        <p:style>
+          <a:lnRef idx="2">
+            <a:schemeClr val="accent1">
+              <a:shade val="15000"/>
+            </a:schemeClr>
+          </a:lnRef>
+          <a:fillRef idx="1">
+            <a:schemeClr val="accent1"/>
+          </a:fillRef>
+          <a:effectRef idx="0">
+            <a:schemeClr val="accent1"/>
+          </a:effectRef>
+          <a:fontRef idx="minor">
+            <a:schemeClr val="lt1"/>
+          </a:fontRef>
+        </p:style>
+        <p:txBody>
+          <a:bodyPr lIns="317500" rIns="1143000" rtlCol="0" anchor="ctr">
+            <a:normAutofit/>
+          </a:bodyPr>
+          <a:lstStyle/>
+          <a:p>
+            <a:r>
+              <a:rPr lang="en-US" sz="2000">
+                <a:solidFill>
+                  <a:srgbClr val="5B5B5B"/>
+                </a:solidFill>
+              </a:rPr>
+              <a:t>Please download and install the Slido app on all computers you use</a:t>
+            </a:r>
+            <a:endParaRPr lang="fr-FR" sz="2000">
+              <a:solidFill>
+                <a:srgbClr val="5B5B5B"/>
+              </a:solidFill>
+            </a:endParaRPr>
+          </a:p>
+        </p:txBody>
+      </p:sp>
+      <p:pic>
+        <p:nvPicPr>
+          <p:cNvPr id="4" name="Graphique 3">
+            <a:extLst>
+              <a:ext uri="{FF2B5EF4-FFF2-40B4-BE49-F238E27FC236}">
+                <a16:creationId xmlns:a16="http://schemas.microsoft.com/office/drawing/2014/main" id="{D23A052D-E7DE-5832-A198-7E9E78839EEE}"/>
+              </a:ext>
+            </a:extLst>
+          </p:cNvPr>
+          <p:cNvPicPr>
+            <a:picLocks/>
+          </p:cNvPicPr>
+          <p:nvPr>
+            <p:custDataLst>
+              <p:tags r:id="rId3"/>
+            </p:custDataLst>
+          </p:nvPr>
+        </p:nvPicPr>
+        <p:blipFill>
+          <a:blip r:embed="rId9">
+            <a:extLst>
+              <a:ext uri="{96DAC541-7B7A-43D3-8B79-37D633B846F1}">
+                <asvg:svgBlip xmlns:asvg="http://schemas.microsoft.com/office/drawing/2016/SVG/main" r:embed="rId10"/>
+              </a:ext>
+            </a:extLst>
+          </a:blip>
+          <a:stretch>
+            <a:fillRect/>
+          </a:stretch>
+        </p:blipFill>
+        <p:spPr>
+          <a:xfrm>
+            <a:off x="10826048" y="577634"/>
+            <a:ext cx="597332" cy="597332"/>
+          </a:xfrm>
+          <a:prstGeom prst="rect">
+            <a:avLst/>
+          </a:prstGeom>
+        </p:spPr>
+      </p:pic>
+      <p:pic>
+        <p:nvPicPr>
+          <p:cNvPr id="6" name="Graphique 5">
+            <a:extLst>
+              <a:ext uri="{FF2B5EF4-FFF2-40B4-BE49-F238E27FC236}">
+                <a16:creationId xmlns:a16="http://schemas.microsoft.com/office/drawing/2014/main" id="{C2B5D0E0-2ACA-B30E-4BE3-DB5856F17170}"/>
+              </a:ext>
+            </a:extLst>
+          </p:cNvPr>
+          <p:cNvPicPr>
+            <a:picLocks/>
+          </p:cNvPicPr>
+          <p:nvPr>
+            <p:custDataLst>
+              <p:tags r:id="rId4"/>
+            </p:custDataLst>
+          </p:nvPr>
+        </p:nvPicPr>
+        <p:blipFill>
+          <a:blip r:embed="rId11">
+            <a:extLst>
+              <a:ext uri="{96DAC541-7B7A-43D3-8B79-37D633B846F1}">
+                <asvg:svgBlip xmlns:asvg="http://schemas.microsoft.com/office/drawing/2016/SVG/main" r:embed="rId12"/>
+              </a:ext>
+            </a:extLst>
+          </a:blip>
+          <a:stretch>
+            <a:fillRect/>
+          </a:stretch>
+        </p:blipFill>
+        <p:spPr>
+          <a:xfrm>
+            <a:off x="3901440" y="617220"/>
+            <a:ext cx="1036320" cy="518160"/>
+          </a:xfrm>
+          <a:prstGeom prst="rect">
+            <a:avLst/>
+          </a:prstGeom>
+        </p:spPr>
+      </p:pic>
+      <p:pic>
+        <p:nvPicPr>
+          <p:cNvPr id="8" name="Graphique 7">
+            <a:extLst>
+              <a:ext uri="{FF2B5EF4-FFF2-40B4-BE49-F238E27FC236}">
+                <a16:creationId xmlns:a16="http://schemas.microsoft.com/office/drawing/2014/main" id="{AB2ECAB0-C114-063D-D889-AA2BEE1A0EB3}"/>
+              </a:ext>
+            </a:extLst>
+          </p:cNvPr>
+          <p:cNvPicPr>
+            <a:picLocks/>
+          </p:cNvPicPr>
+          <p:nvPr>
+            <p:custDataLst>
+              <p:tags r:id="rId5"/>
+            </p:custDataLst>
+          </p:nvPr>
+        </p:nvPicPr>
+        <p:blipFill>
+          <a:blip r:embed="rId13">
+            <a:extLst>
+              <a:ext uri="{96DAC541-7B7A-43D3-8B79-37D633B846F1}">
+                <asvg:svgBlip xmlns:asvg="http://schemas.microsoft.com/office/drawing/2016/SVG/main" r:embed="rId14"/>
+              </a:ext>
+            </a:extLst>
+          </a:blip>
+          <a:stretch>
+            <a:fillRect/>
+          </a:stretch>
+        </p:blipFill>
+        <p:spPr>
+          <a:xfrm>
+            <a:off x="1158240" y="2270760"/>
+            <a:ext cx="2316480" cy="2316480"/>
+          </a:xfrm>
+          <a:prstGeom prst="rect">
+            <a:avLst/>
+          </a:prstGeom>
+        </p:spPr>
+      </p:pic>
+      <p:sp>
+        <p:nvSpPr>
+          <p:cNvPr id="9" name="Rectangle 8">
+            <a:extLst>
+              <a:ext uri="{FF2B5EF4-FFF2-40B4-BE49-F238E27FC236}">
+                <a16:creationId xmlns:a16="http://schemas.microsoft.com/office/drawing/2014/main" id="{3E820634-1A73-AF98-EFD3-713B505BA394}"/>
+              </a:ext>
+            </a:extLst>
+          </p:cNvPr>
+          <p:cNvSpPr/>
+          <p:nvPr>
+            <p:custDataLst>
+              <p:tags r:id="rId6"/>
+            </p:custDataLst>
+          </p:nvPr>
+        </p:nvSpPr>
+        <p:spPr>
+          <a:xfrm>
+            <a:off x="3901440" y="2571750"/>
+            <a:ext cx="7315199" cy="1714500"/>
+          </a:xfrm>
+          <a:prstGeom prst="rect">
+            <a:avLst/>
+          </a:prstGeom>
+          <a:noFill/>
+          <a:ln w="19050" cap="flat" cmpd="sng" algn="ctr">
+            <a:solidFill>
+              <a:srgbClr val="FFFFFF"/>
+            </a:solidFill>
+            <a:prstDash val="solid"/>
+            <a:miter lim="800000"/>
+          </a:ln>
+          <a:effectLst/>
+          <a:extLst>
+            <a:ext uri="{909E8E84-426E-40DD-AFC4-6F175D3DCCD1}">
+              <a14:hiddenFill xmlns:a14="http://schemas.microsoft.com/office/drawing/2010/main">
+                <a:solidFill>
+                  <a:schemeClr val="accent1"/>
+                </a:solidFill>
+              </a14:hiddenFill>
+            </a:ext>
+          </a:extLst>
+        </p:spPr>
+        <p:style>
+          <a:lnRef idx="2">
+            <a:schemeClr val="accent1">
+              <a:shade val="15000"/>
+            </a:schemeClr>
+          </a:lnRef>
+          <a:fillRef idx="1">
+            <a:schemeClr val="accent1"/>
+          </a:fillRef>
+          <a:effectRef idx="0">
+            <a:schemeClr val="accent1"/>
+          </a:effectRef>
+          <a:fontRef idx="minor">
+            <a:schemeClr val="lt1"/>
+          </a:fontRef>
+        </p:style>
+        <p:txBody>
+          <a:bodyPr rtlCol="0" anchor="ctr"/>
+          <a:lstStyle/>
+          <a:p>
+            <a:r>
+              <a:rPr lang="fr-FR" sz="2400" b="1">
+                <a:solidFill>
+                  <a:srgbClr val="5B5B5B"/>
+                </a:solidFill>
+              </a:rPr>
+              <a:t>Un microservice peut avoir accès directement à la base de données d'un autre microservice pour récupérer des informations.</a:t>
+            </a:r>
+          </a:p>
+        </p:txBody>
+      </p:sp>
+      <p:sp>
+        <p:nvSpPr>
+          <p:cNvPr id="10" name="Rectangle 9">
+            <a:extLst>
+              <a:ext uri="{FF2B5EF4-FFF2-40B4-BE49-F238E27FC236}">
+                <a16:creationId xmlns:a16="http://schemas.microsoft.com/office/drawing/2014/main" id="{66E289F1-59CF-0489-FBA3-58E521E50FD0}"/>
+              </a:ext>
+            </a:extLst>
+          </p:cNvPr>
+          <p:cNvSpPr/>
+          <p:nvPr>
+            <p:custDataLst>
+              <p:tags r:id="rId7"/>
+            </p:custDataLst>
+          </p:nvPr>
+        </p:nvSpPr>
+        <p:spPr>
+          <a:xfrm>
+            <a:off x="3901440" y="6032500"/>
+            <a:ext cx="7315199" cy="518160"/>
+          </a:xfrm>
+          <a:prstGeom prst="rect">
+            <a:avLst/>
+          </a:prstGeom>
+          <a:noFill/>
+          <a:ln w="19050" cap="flat" cmpd="sng" algn="ctr">
+            <a:noFill/>
+            <a:prstDash val="solid"/>
+            <a:miter lim="800000"/>
+          </a:ln>
+          <a:effectLst/>
+          <a:extLst>
+            <a:ext uri="{909E8E84-426E-40DD-AFC4-6F175D3DCCD1}">
+              <a14:hiddenFill xmlns:a14="http://schemas.microsoft.com/office/drawing/2010/main">
+                <a:solidFill>
+                  <a:schemeClr val="accent1"/>
+                </a:solidFill>
+              </a14:hiddenFill>
+            </a:ext>
+            <a:ext uri="{91240B29-F687-4F45-9708-019B960494DF}">
+              <a14:hiddenLine xmlns:a14="http://schemas.microsoft.com/office/drawing/2010/main" w="19050" cap="flat" cmpd="sng" algn="ctr">
+                <a:solidFill>
+                  <a:schemeClr val="accent1">
+                    <a:shade val="15000"/>
+                  </a:schemeClr>
+                </a:solidFill>
+                <a:prstDash val="solid"/>
+                <a:miter lim="800000"/>
+              </a14:hiddenLine>
+            </a:ext>
+          </a:extLst>
+        </p:spPr>
+        <p:style>
+          <a:lnRef idx="2">
+            <a:schemeClr val="accent1">
+              <a:shade val="15000"/>
+            </a:schemeClr>
+          </a:lnRef>
+          <a:fillRef idx="1">
+            <a:schemeClr val="accent1"/>
+          </a:fillRef>
+          <a:effectRef idx="0">
+            <a:schemeClr val="accent1"/>
+          </a:effectRef>
+          <a:fontRef idx="minor">
+            <a:schemeClr val="lt1"/>
+          </a:fontRef>
+        </p:style>
+        <p:txBody>
+          <a:bodyPr rtlCol="0" anchor="ctr">
+            <a:normAutofit/>
+          </a:bodyPr>
+          <a:lstStyle/>
+          <a:p>
+            <a:r>
+              <a:rPr lang="en-US" sz="2200" b="1">
+                <a:solidFill>
+                  <a:srgbClr val="5B5B5B"/>
+                </a:solidFill>
+              </a:rPr>
+              <a:t>ⓘ</a:t>
+            </a:r>
+            <a:r>
+              <a:rPr lang="en-US" sz="2000">
+                <a:solidFill>
+                  <a:srgbClr val="5B5B5B"/>
+                </a:solidFill>
+              </a:rPr>
+              <a:t> Start presenting to display the poll results on this slide.</a:t>
+            </a:r>
+            <a:endParaRPr lang="fr-FR" sz="2000">
+              <a:solidFill>
+                <a:srgbClr val="5B5B5B"/>
+              </a:solidFill>
+            </a:endParaRPr>
+          </a:p>
+        </p:txBody>
+      </p:sp>
+    </p:spTree>
+    <p:custDataLst>
+      <p:tags r:id="rId1"/>
+    </p:custDataLst>
+    <p:extLst>
+      <p:ext uri="{BB962C8B-B14F-4D97-AF65-F5344CB8AC3E}">
+        <p14:creationId xmlns:p14="http://schemas.microsoft.com/office/powerpoint/2010/main" val="1005620945"/>
+      </p:ext>
+    </p:extLst>
+  </p:cSld>
+  <p:clrMapOvr>
+    <a:masterClrMapping/>
+  </p:clrMapOvr>
+  <p:timing>
+    <p:tnLst>
+      <p:par>
+        <p:cTn id="1" dur="indefinite" restart="never" nodeType="tmRoot">
+          <p:childTnLst>
+            <p:seq concurrent="1" nextAc="seek">
+              <p:cTn id="2" dur="indefinite" nodeType="mainSeq">
+                <p:childTnLst>
+                  <p:par>
+                    <p:cTn id="3" fill="hold">
+                      <p:stCondLst>
+                        <p:cond delay="indefinite"/>
+                      </p:stCondLst>
+                      <p:childTnLst>
+                        <p:par>
+                          <p:cTn id="4" fill="hold">
+                            <p:stCondLst>
+                              <p:cond delay="0"/>
+                            </p:stCondLst>
+                            <p:childTnLst>
+                              <p:par>
+                                <p:cTn id="5" presetID="26" presetClass="emph" presetSubtype="0" fill="hold" grpId="0" nodeType="clickEffect">
+                                  <p:stCondLst>
+                                    <p:cond delay="0"/>
+                                  </p:stCondLst>
+                                  <p:childTnLst>
+                                    <p:animEffect transition="out" filter="fade">
+                                      <p:cBhvr>
+                                        <p:cTn id="6" dur="50" tmFilter="0, 0; .2, .5; .8, .5; 1, 0"/>
+                                        <p:tgtEl>
+                                          <p:spTgt spid="9"/>
+                                        </p:tgtEl>
+                                      </p:cBhvr>
+                                    </p:animEffect>
+                                    <p:animScale>
+                                      <p:cBhvr>
+                                        <p:cTn id="7" dur="25" autoRev="1" fill="hold"/>
+                                        <p:tgtEl>
+                                          <p:spTgt spid="9"/>
+                                        </p:tgtEl>
+                                      </p:cBhvr>
+                                      <p:by x="105000" y="105000"/>
+                                    </p:animScale>
+                                  </p:childTnLst>
+                                </p:cTn>
+                              </p:par>
+                            </p:childTnLst>
+                          </p:cTn>
+                        </p:par>
+                      </p:childTnLst>
+                    </p:cTn>
+                  </p:par>
+                  <p:par>
+                    <p:cTn id="8" fill="hold">
+                      <p:stCondLst>
+                        <p:cond delay="indefinite"/>
+                      </p:stCondLst>
+                      <p:childTnLst>
+                        <p:par>
+                          <p:cTn id="9" fill="hold">
+                            <p:stCondLst>
+                              <p:cond delay="0"/>
+                            </p:stCondLst>
+                            <p:childTnLst>
+                              <p:par>
+                                <p:cTn id="10" presetID="26" presetClass="emph" presetSubtype="0" fill="hold" grpId="1" nodeType="clickEffect">
+                                  <p:stCondLst>
+                                    <p:cond delay="0"/>
+                                  </p:stCondLst>
+                                  <p:childTnLst>
+                                    <p:animEffect transition="out" filter="fade">
+                                      <p:cBhvr>
+                                        <p:cTn id="11" dur="50" tmFilter="0, 0; .2, .5; .8, .5; 1, 0"/>
+                                        <p:tgtEl>
+                                          <p:spTgt spid="9"/>
+                                        </p:tgtEl>
+                                      </p:cBhvr>
+                                    </p:animEffect>
+                                    <p:animScale>
+                                      <p:cBhvr>
+                                        <p:cTn id="12" dur="25" autoRev="1" fill="hold"/>
+                                        <p:tgtEl>
+                                          <p:spTgt spid="9"/>
+                                        </p:tgtEl>
+                                      </p:cBhvr>
+                                      <p:by x="105000" y="105000"/>
+                                    </p:animScale>
+                                  </p:childTnLst>
+                                </p:cTn>
+                              </p:par>
+                            </p:childTnLst>
+                          </p:cTn>
+                        </p:par>
+                      </p:childTnLst>
+                    </p:cTn>
+                  </p:par>
+                </p:childTnLst>
+              </p:cTn>
+              <p:prevCondLst>
+                <p:cond evt="onPrev" delay="0">
+                  <p:tgtEl>
+                    <p:sldTgt/>
+                  </p:tgtEl>
+                </p:cond>
+              </p:prevCondLst>
+              <p:nextCondLst>
+                <p:cond evt="onNext" delay="0">
+                  <p:tgtEl>
+                    <p:sldTgt/>
+                  </p:tgtEl>
+                </p:cond>
+              </p:nextCondLst>
+            </p:seq>
+          </p:childTnLst>
+        </p:cTn>
+      </p:par>
+    </p:tnLst>
+    <p:bldLst>
+      <p:bldP spid="9" grpId="0" animBg="1"/>
+      <p:bldP spid="9" grpId="1" animBg="1"/>
+    </p:bldLst>
+  </p:timing>
+</p:sld>
+</file>
+
+<file path=ppt/slides/slide16.xml><?xml version="1.0" encoding="utf-8"?>
+<p:sld xmlns:a="http://schemas.openxmlformats.org/drawingml/2006/main" xmlns:r="http://schemas.openxmlformats.org/officeDocument/2006/relationships" xmlns:p="http://schemas.openxmlformats.org/presentationml/2006/main" showMasterSp="0">
+  <p:cSld>
+    <p:bg>
+      <p:bgPr>
+        <a:solidFill>
+          <a:srgbClr val="FFFFFF"/>
+        </a:solidFill>
+        <a:effectLst/>
+      </p:bgPr>
+    </p:bg>
+    <p:spTree>
+      <p:nvGrpSpPr>
+        <p:cNvPr id="1" name=""/>
+        <p:cNvGrpSpPr/>
+        <p:nvPr/>
+      </p:nvGrpSpPr>
+      <p:grpSpPr>
+        <a:xfrm>
+          <a:off x="0" y="0"/>
+          <a:ext cx="0" cy="0"/>
+          <a:chOff x="0" y="0"/>
+          <a:chExt cx="0" cy="0"/>
+        </a:xfrm>
+      </p:grpSpPr>
+      <p:sp>
+        <p:nvSpPr>
+          <p:cNvPr id="2" name="Rectangle : coins arrondis 1">
+            <a:extLst>
+              <a:ext uri="{FF2B5EF4-FFF2-40B4-BE49-F238E27FC236}">
+                <a16:creationId xmlns:a16="http://schemas.microsoft.com/office/drawing/2014/main" id="{56BAE6A5-6DE7-41DF-D6B2-00DB73728984}"/>
+              </a:ext>
+            </a:extLst>
+          </p:cNvPr>
+          <p:cNvSpPr/>
+          <p:nvPr>
+            <p:custDataLst>
+              <p:tags r:id="rId2"/>
+            </p:custDataLst>
+          </p:nvPr>
+        </p:nvSpPr>
+        <p:spPr>
+          <a:xfrm>
+            <a:off x="6286500" y="430530"/>
+            <a:ext cx="5524500" cy="891540"/>
+          </a:xfrm>
+          <a:prstGeom prst="roundRect">
+            <a:avLst/>
+          </a:prstGeom>
+          <a:solidFill>
+            <a:srgbClr val="F4F4F4"/>
+          </a:solidFill>
+          <a:ln w="19050" cap="flat" cmpd="sng" algn="ctr">
+            <a:noFill/>
+            <a:prstDash val="solid"/>
+            <a:miter lim="800000"/>
+          </a:ln>
+          <a:effectLst/>
+          <a:extLst>
+            <a:ext uri="{91240B29-F687-4F45-9708-019B960494DF}">
+              <a14:hiddenLine xmlns:a14="http://schemas.microsoft.com/office/drawing/2010/main" w="19050" cap="flat" cmpd="sng" algn="ctr">
+                <a:solidFill>
+                  <a:schemeClr val="accent1">
+                    <a:shade val="15000"/>
+                  </a:schemeClr>
+                </a:solidFill>
+                <a:prstDash val="solid"/>
+                <a:miter lim="800000"/>
+              </a14:hiddenLine>
+            </a:ext>
+          </a:extLst>
+        </p:spPr>
+        <p:style>
+          <a:lnRef idx="2">
+            <a:schemeClr val="accent1">
+              <a:shade val="15000"/>
+            </a:schemeClr>
+          </a:lnRef>
+          <a:fillRef idx="1">
+            <a:schemeClr val="accent1"/>
+          </a:fillRef>
+          <a:effectRef idx="0">
+            <a:schemeClr val="accent1"/>
+          </a:effectRef>
+          <a:fontRef idx="minor">
+            <a:schemeClr val="lt1"/>
+          </a:fontRef>
+        </p:style>
+        <p:txBody>
+          <a:bodyPr lIns="317500" rIns="1143000" rtlCol="0" anchor="ctr">
+            <a:normAutofit/>
+          </a:bodyPr>
+          <a:lstStyle/>
+          <a:p>
+            <a:r>
+              <a:rPr lang="en-US" sz="2000">
+                <a:solidFill>
+                  <a:srgbClr val="5B5B5B"/>
+                </a:solidFill>
+              </a:rPr>
+              <a:t>Please download and install the Slido app on all computers you use</a:t>
+            </a:r>
+            <a:endParaRPr lang="fr-FR" sz="2000">
+              <a:solidFill>
+                <a:srgbClr val="5B5B5B"/>
+              </a:solidFill>
+            </a:endParaRPr>
+          </a:p>
+        </p:txBody>
+      </p:sp>
+      <p:pic>
+        <p:nvPicPr>
+          <p:cNvPr id="4" name="Graphique 3">
+            <a:extLst>
+              <a:ext uri="{FF2B5EF4-FFF2-40B4-BE49-F238E27FC236}">
+                <a16:creationId xmlns:a16="http://schemas.microsoft.com/office/drawing/2014/main" id="{B129B686-5C2B-872C-763C-3BB4B904553F}"/>
+              </a:ext>
+            </a:extLst>
+          </p:cNvPr>
+          <p:cNvPicPr>
+            <a:picLocks/>
+          </p:cNvPicPr>
+          <p:nvPr>
+            <p:custDataLst>
+              <p:tags r:id="rId3"/>
+            </p:custDataLst>
+          </p:nvPr>
+        </p:nvPicPr>
+        <p:blipFill>
+          <a:blip r:embed="rId9">
+            <a:extLst>
+              <a:ext uri="{96DAC541-7B7A-43D3-8B79-37D633B846F1}">
+                <asvg:svgBlip xmlns:asvg="http://schemas.microsoft.com/office/drawing/2016/SVG/main" r:embed="rId10"/>
+              </a:ext>
+            </a:extLst>
+          </a:blip>
+          <a:stretch>
+            <a:fillRect/>
+          </a:stretch>
+        </p:blipFill>
+        <p:spPr>
+          <a:xfrm>
+            <a:off x="10826048" y="577634"/>
+            <a:ext cx="597332" cy="597332"/>
+          </a:xfrm>
+          <a:prstGeom prst="rect">
+            <a:avLst/>
+          </a:prstGeom>
+        </p:spPr>
+      </p:pic>
+      <p:pic>
+        <p:nvPicPr>
+          <p:cNvPr id="6" name="Graphique 5">
+            <a:extLst>
+              <a:ext uri="{FF2B5EF4-FFF2-40B4-BE49-F238E27FC236}">
+                <a16:creationId xmlns:a16="http://schemas.microsoft.com/office/drawing/2014/main" id="{C578E19F-E4A7-A639-531F-425267DC5842}"/>
+              </a:ext>
+            </a:extLst>
+          </p:cNvPr>
+          <p:cNvPicPr>
+            <a:picLocks/>
+          </p:cNvPicPr>
+          <p:nvPr>
+            <p:custDataLst>
+              <p:tags r:id="rId4"/>
+            </p:custDataLst>
+          </p:nvPr>
+        </p:nvPicPr>
+        <p:blipFill>
+          <a:blip r:embed="rId11">
+            <a:extLst>
+              <a:ext uri="{96DAC541-7B7A-43D3-8B79-37D633B846F1}">
+                <asvg:svgBlip xmlns:asvg="http://schemas.microsoft.com/office/drawing/2016/SVG/main" r:embed="rId12"/>
+              </a:ext>
+            </a:extLst>
+          </a:blip>
+          <a:stretch>
+            <a:fillRect/>
+          </a:stretch>
+        </p:blipFill>
+        <p:spPr>
+          <a:xfrm>
+            <a:off x="3901440" y="617220"/>
+            <a:ext cx="1036320" cy="518160"/>
+          </a:xfrm>
+          <a:prstGeom prst="rect">
+            <a:avLst/>
+          </a:prstGeom>
+        </p:spPr>
+      </p:pic>
+      <p:pic>
+        <p:nvPicPr>
+          <p:cNvPr id="8" name="Graphique 7">
+            <a:extLst>
+              <a:ext uri="{FF2B5EF4-FFF2-40B4-BE49-F238E27FC236}">
+                <a16:creationId xmlns:a16="http://schemas.microsoft.com/office/drawing/2014/main" id="{1C993D74-7752-15C9-568E-55372F2A149A}"/>
+              </a:ext>
+            </a:extLst>
+          </p:cNvPr>
+          <p:cNvPicPr>
+            <a:picLocks/>
+          </p:cNvPicPr>
+          <p:nvPr>
+            <p:custDataLst>
+              <p:tags r:id="rId5"/>
+            </p:custDataLst>
+          </p:nvPr>
+        </p:nvPicPr>
+        <p:blipFill>
+          <a:blip r:embed="rId13">
+            <a:extLst>
+              <a:ext uri="{96DAC541-7B7A-43D3-8B79-37D633B846F1}">
+                <asvg:svgBlip xmlns:asvg="http://schemas.microsoft.com/office/drawing/2016/SVG/main" r:embed="rId14"/>
+              </a:ext>
+            </a:extLst>
+          </a:blip>
+          <a:stretch>
+            <a:fillRect/>
+          </a:stretch>
+        </p:blipFill>
+        <p:spPr>
+          <a:xfrm>
+            <a:off x="1158240" y="2270760"/>
+            <a:ext cx="2316480" cy="2316480"/>
+          </a:xfrm>
+          <a:prstGeom prst="rect">
+            <a:avLst/>
+          </a:prstGeom>
+        </p:spPr>
+      </p:pic>
+      <p:sp>
+        <p:nvSpPr>
+          <p:cNvPr id="9" name="Rectangle 8">
+            <a:extLst>
+              <a:ext uri="{FF2B5EF4-FFF2-40B4-BE49-F238E27FC236}">
+                <a16:creationId xmlns:a16="http://schemas.microsoft.com/office/drawing/2014/main" id="{D9E1F5CB-FF5C-BB06-6C55-C6866AFEB21D}"/>
+              </a:ext>
+            </a:extLst>
+          </p:cNvPr>
+          <p:cNvSpPr/>
+          <p:nvPr>
+            <p:custDataLst>
+              <p:tags r:id="rId6"/>
+            </p:custDataLst>
+          </p:nvPr>
+        </p:nvSpPr>
+        <p:spPr>
+          <a:xfrm>
+            <a:off x="3901440" y="2571750"/>
+            <a:ext cx="7315199" cy="1714500"/>
+          </a:xfrm>
+          <a:prstGeom prst="rect">
+            <a:avLst/>
+          </a:prstGeom>
+          <a:noFill/>
+          <a:ln w="19050" cap="flat" cmpd="sng" algn="ctr">
+            <a:solidFill>
+              <a:srgbClr val="FFFFFF"/>
+            </a:solidFill>
+            <a:prstDash val="solid"/>
+            <a:miter lim="800000"/>
+          </a:ln>
+          <a:effectLst/>
+          <a:extLst>
+            <a:ext uri="{909E8E84-426E-40DD-AFC4-6F175D3DCCD1}">
+              <a14:hiddenFill xmlns:a14="http://schemas.microsoft.com/office/drawing/2010/main">
+                <a:solidFill>
+                  <a:schemeClr val="accent1"/>
+                </a:solidFill>
+              </a14:hiddenFill>
+            </a:ext>
+          </a:extLst>
+        </p:spPr>
+        <p:style>
+          <a:lnRef idx="2">
+            <a:schemeClr val="accent1">
+              <a:shade val="15000"/>
+            </a:schemeClr>
+          </a:lnRef>
+          <a:fillRef idx="1">
+            <a:schemeClr val="accent1"/>
+          </a:fillRef>
+          <a:effectRef idx="0">
+            <a:schemeClr val="accent1"/>
+          </a:effectRef>
+          <a:fontRef idx="minor">
+            <a:schemeClr val="lt1"/>
+          </a:fontRef>
+        </p:style>
+        <p:txBody>
+          <a:bodyPr rtlCol="0" anchor="ctr"/>
+          <a:lstStyle/>
+          <a:p>
+            <a:r>
+              <a:rPr lang="fr-FR" sz="4000" b="1">
+                <a:solidFill>
+                  <a:srgbClr val="5B5B5B"/>
+                </a:solidFill>
+              </a:rPr>
+              <a:t>Qu'est-ce qu'un service anémique ?</a:t>
+            </a:r>
+          </a:p>
+        </p:txBody>
+      </p:sp>
+      <p:sp>
+        <p:nvSpPr>
+          <p:cNvPr id="10" name="Rectangle 9">
+            <a:extLst>
+              <a:ext uri="{FF2B5EF4-FFF2-40B4-BE49-F238E27FC236}">
+                <a16:creationId xmlns:a16="http://schemas.microsoft.com/office/drawing/2014/main" id="{15C5C778-3C8C-6D5D-3794-2932646265E2}"/>
+              </a:ext>
+            </a:extLst>
+          </p:cNvPr>
+          <p:cNvSpPr/>
+          <p:nvPr>
+            <p:custDataLst>
+              <p:tags r:id="rId7"/>
+            </p:custDataLst>
+          </p:nvPr>
+        </p:nvSpPr>
+        <p:spPr>
+          <a:xfrm>
+            <a:off x="3901440" y="6032500"/>
+            <a:ext cx="7315199" cy="518160"/>
+          </a:xfrm>
+          <a:prstGeom prst="rect">
+            <a:avLst/>
+          </a:prstGeom>
+          <a:noFill/>
+          <a:ln w="19050" cap="flat" cmpd="sng" algn="ctr">
+            <a:noFill/>
+            <a:prstDash val="solid"/>
+            <a:miter lim="800000"/>
+          </a:ln>
+          <a:effectLst/>
+          <a:extLst>
+            <a:ext uri="{909E8E84-426E-40DD-AFC4-6F175D3DCCD1}">
+              <a14:hiddenFill xmlns:a14="http://schemas.microsoft.com/office/drawing/2010/main">
+                <a:solidFill>
+                  <a:schemeClr val="accent1"/>
+                </a:solidFill>
+              </a14:hiddenFill>
+            </a:ext>
+            <a:ext uri="{91240B29-F687-4F45-9708-019B960494DF}">
+              <a14:hiddenLine xmlns:a14="http://schemas.microsoft.com/office/drawing/2010/main" w="19050" cap="flat" cmpd="sng" algn="ctr">
+                <a:solidFill>
+                  <a:schemeClr val="accent1">
+                    <a:shade val="15000"/>
+                  </a:schemeClr>
+                </a:solidFill>
+                <a:prstDash val="solid"/>
+                <a:miter lim="800000"/>
+              </a14:hiddenLine>
+            </a:ext>
+          </a:extLst>
+        </p:spPr>
+        <p:style>
+          <a:lnRef idx="2">
+            <a:schemeClr val="accent1">
+              <a:shade val="15000"/>
+            </a:schemeClr>
+          </a:lnRef>
+          <a:fillRef idx="1">
+            <a:schemeClr val="accent1"/>
+          </a:fillRef>
+          <a:effectRef idx="0">
+            <a:schemeClr val="accent1"/>
+          </a:effectRef>
+          <a:fontRef idx="minor">
+            <a:schemeClr val="lt1"/>
+          </a:fontRef>
+        </p:style>
+        <p:txBody>
+          <a:bodyPr rtlCol="0" anchor="ctr">
+            <a:normAutofit/>
+          </a:bodyPr>
+          <a:lstStyle/>
+          <a:p>
+            <a:r>
+              <a:rPr lang="en-US" sz="2200" b="1">
+                <a:solidFill>
+                  <a:srgbClr val="5B5B5B"/>
+                </a:solidFill>
+              </a:rPr>
+              <a:t>ⓘ</a:t>
+            </a:r>
+            <a:r>
+              <a:rPr lang="en-US" sz="2000">
+                <a:solidFill>
+                  <a:srgbClr val="5B5B5B"/>
+                </a:solidFill>
+              </a:rPr>
+              <a:t> Start presenting to display the poll results on this slide.</a:t>
+            </a:r>
+            <a:endParaRPr lang="fr-FR" sz="2000">
+              <a:solidFill>
+                <a:srgbClr val="5B5B5B"/>
+              </a:solidFill>
+            </a:endParaRPr>
+          </a:p>
+        </p:txBody>
+      </p:sp>
+    </p:spTree>
+    <p:custDataLst>
+      <p:tags r:id="rId1"/>
+    </p:custDataLst>
+    <p:extLst>
+      <p:ext uri="{BB962C8B-B14F-4D97-AF65-F5344CB8AC3E}">
+        <p14:creationId xmlns:p14="http://schemas.microsoft.com/office/powerpoint/2010/main" val="763254123"/>
+      </p:ext>
+    </p:extLst>
+  </p:cSld>
+  <p:clrMapOvr>
+    <a:masterClrMapping/>
+  </p:clrMapOvr>
+  <p:timing>
+    <p:tnLst>
+      <p:par>
+        <p:cTn id="1" dur="indefinite" restart="never" nodeType="tmRoot">
+          <p:childTnLst>
+            <p:seq concurrent="1" nextAc="seek">
+              <p:cTn id="2" dur="indefinite" nodeType="mainSeq">
+                <p:childTnLst>
+                  <p:par>
+                    <p:cTn id="3" fill="hold">
+                      <p:stCondLst>
+                        <p:cond delay="indefinite"/>
+                      </p:stCondLst>
+                      <p:childTnLst>
+                        <p:par>
+                          <p:cTn id="4" fill="hold">
+                            <p:stCondLst>
+                              <p:cond delay="0"/>
+                            </p:stCondLst>
+                            <p:childTnLst>
+                              <p:par>
+                                <p:cTn id="5" presetID="26" presetClass="emph" presetSubtype="0" fill="hold" grpId="0" nodeType="clickEffect">
+                                  <p:stCondLst>
+                                    <p:cond delay="0"/>
+                                  </p:stCondLst>
+                                  <p:childTnLst>
+                                    <p:animEffect transition="out" filter="fade">
+                                      <p:cBhvr>
+                                        <p:cTn id="6" dur="50" tmFilter="0, 0; .2, .5; .8, .5; 1, 0"/>
+                                        <p:tgtEl>
+                                          <p:spTgt spid="9"/>
+                                        </p:tgtEl>
+                                      </p:cBhvr>
+                                    </p:animEffect>
+                                    <p:animScale>
+                                      <p:cBhvr>
+                                        <p:cTn id="7" dur="25" autoRev="1" fill="hold"/>
+                                        <p:tgtEl>
+                                          <p:spTgt spid="9"/>
+                                        </p:tgtEl>
+                                      </p:cBhvr>
+                                      <p:by x="105000" y="105000"/>
+                                    </p:animScale>
+                                  </p:childTnLst>
+                                </p:cTn>
+                              </p:par>
+                            </p:childTnLst>
+                          </p:cTn>
+                        </p:par>
+                      </p:childTnLst>
+                    </p:cTn>
+                  </p:par>
+                  <p:par>
+                    <p:cTn id="8" fill="hold">
+                      <p:stCondLst>
+                        <p:cond delay="indefinite"/>
+                      </p:stCondLst>
+                      <p:childTnLst>
+                        <p:par>
+                          <p:cTn id="9" fill="hold">
+                            <p:stCondLst>
+                              <p:cond delay="0"/>
+                            </p:stCondLst>
+                            <p:childTnLst>
+                              <p:par>
+                                <p:cTn id="10" presetID="26" presetClass="emph" presetSubtype="0" fill="hold" grpId="1" nodeType="clickEffect">
+                                  <p:stCondLst>
+                                    <p:cond delay="0"/>
+                                  </p:stCondLst>
+                                  <p:childTnLst>
+                                    <p:animEffect transition="out" filter="fade">
+                                      <p:cBhvr>
+                                        <p:cTn id="11" dur="50" tmFilter="0, 0; .2, .5; .8, .5; 1, 0"/>
+                                        <p:tgtEl>
+                                          <p:spTgt spid="9"/>
+                                        </p:tgtEl>
+                                      </p:cBhvr>
+                                    </p:animEffect>
+                                    <p:animScale>
+                                      <p:cBhvr>
+                                        <p:cTn id="12" dur="25" autoRev="1" fill="hold"/>
+                                        <p:tgtEl>
+                                          <p:spTgt spid="9"/>
+                                        </p:tgtEl>
+                                      </p:cBhvr>
+                                      <p:by x="105000" y="105000"/>
+                                    </p:animScale>
+                                  </p:childTnLst>
+                                </p:cTn>
+                              </p:par>
+                            </p:childTnLst>
+                          </p:cTn>
+                        </p:par>
+                      </p:childTnLst>
+                    </p:cTn>
+                  </p:par>
+                </p:childTnLst>
+              </p:cTn>
+              <p:prevCondLst>
+                <p:cond evt="onPrev" delay="0">
+                  <p:tgtEl>
+                    <p:sldTgt/>
+                  </p:tgtEl>
+                </p:cond>
+              </p:prevCondLst>
+              <p:nextCondLst>
+                <p:cond evt="onNext" delay="0">
+                  <p:tgtEl>
+                    <p:sldTgt/>
+                  </p:tgtEl>
+                </p:cond>
+              </p:nextCondLst>
+            </p:seq>
+          </p:childTnLst>
+        </p:cTn>
+      </p:par>
+    </p:tnLst>
+    <p:bldLst>
+      <p:bldP spid="9" grpId="0" animBg="1"/>
+      <p:bldP spid="9" grpId="1" animBg="1"/>
+    </p:bldLst>
+  </p:timing>
+</p:sld>
+</file>
+
+<file path=ppt/slides/slide17.xml><?xml version="1.0" encoding="utf-8"?>
+<p:sld xmlns:a="http://schemas.openxmlformats.org/drawingml/2006/main" xmlns:r="http://schemas.openxmlformats.org/officeDocument/2006/relationships" xmlns:p="http://schemas.openxmlformats.org/presentationml/2006/main" showMasterSp="0">
+  <p:cSld>
+    <p:bg>
+      <p:bgPr>
+        <a:solidFill>
+          <a:srgbClr val="FFFFFF"/>
+        </a:solidFill>
+        <a:effectLst/>
+      </p:bgPr>
+    </p:bg>
+    <p:spTree>
+      <p:nvGrpSpPr>
+        <p:cNvPr id="1" name=""/>
+        <p:cNvGrpSpPr/>
+        <p:nvPr/>
+      </p:nvGrpSpPr>
+      <p:grpSpPr>
+        <a:xfrm>
+          <a:off x="0" y="0"/>
+          <a:ext cx="0" cy="0"/>
+          <a:chOff x="0" y="0"/>
+          <a:chExt cx="0" cy="0"/>
+        </a:xfrm>
+      </p:grpSpPr>
+      <p:sp>
+        <p:nvSpPr>
+          <p:cNvPr id="2" name="Rectangle : coins arrondis 1">
+            <a:extLst>
+              <a:ext uri="{FF2B5EF4-FFF2-40B4-BE49-F238E27FC236}">
+                <a16:creationId xmlns:a16="http://schemas.microsoft.com/office/drawing/2014/main" id="{2DD5BAA4-CB91-5D72-70E9-807D106F099E}"/>
+              </a:ext>
+            </a:extLst>
+          </p:cNvPr>
+          <p:cNvSpPr/>
+          <p:nvPr>
+            <p:custDataLst>
+              <p:tags r:id="rId2"/>
+            </p:custDataLst>
+          </p:nvPr>
+        </p:nvSpPr>
+        <p:spPr>
+          <a:xfrm>
+            <a:off x="6286500" y="430530"/>
+            <a:ext cx="5524500" cy="891540"/>
+          </a:xfrm>
+          <a:prstGeom prst="roundRect">
+            <a:avLst/>
+          </a:prstGeom>
+          <a:solidFill>
+            <a:srgbClr val="F4F4F4"/>
+          </a:solidFill>
+          <a:ln w="19050" cap="flat" cmpd="sng" algn="ctr">
+            <a:noFill/>
+            <a:prstDash val="solid"/>
+            <a:miter lim="800000"/>
+          </a:ln>
+          <a:effectLst/>
+          <a:extLst>
+            <a:ext uri="{91240B29-F687-4F45-9708-019B960494DF}">
+              <a14:hiddenLine xmlns:a14="http://schemas.microsoft.com/office/drawing/2010/main" w="19050" cap="flat" cmpd="sng" algn="ctr">
+                <a:solidFill>
+                  <a:schemeClr val="accent1">
+                    <a:shade val="15000"/>
+                  </a:schemeClr>
+                </a:solidFill>
+                <a:prstDash val="solid"/>
+                <a:miter lim="800000"/>
+              </a14:hiddenLine>
+            </a:ext>
+          </a:extLst>
+        </p:spPr>
+        <p:style>
+          <a:lnRef idx="2">
+            <a:schemeClr val="accent1">
+              <a:shade val="15000"/>
+            </a:schemeClr>
+          </a:lnRef>
+          <a:fillRef idx="1">
+            <a:schemeClr val="accent1"/>
+          </a:fillRef>
+          <a:effectRef idx="0">
+            <a:schemeClr val="accent1"/>
+          </a:effectRef>
+          <a:fontRef idx="minor">
+            <a:schemeClr val="lt1"/>
+          </a:fontRef>
+        </p:style>
+        <p:txBody>
+          <a:bodyPr lIns="317500" rIns="1143000" rtlCol="0" anchor="ctr">
+            <a:normAutofit/>
+          </a:bodyPr>
+          <a:lstStyle/>
+          <a:p>
+            <a:r>
+              <a:rPr lang="en-US" sz="2000">
+                <a:solidFill>
+                  <a:srgbClr val="5B5B5B"/>
+                </a:solidFill>
+              </a:rPr>
+              <a:t>Please download and install the Slido app on all computers you use</a:t>
+            </a:r>
+            <a:endParaRPr lang="fr-FR" sz="2000">
+              <a:solidFill>
+                <a:srgbClr val="5B5B5B"/>
+              </a:solidFill>
+            </a:endParaRPr>
+          </a:p>
+        </p:txBody>
+      </p:sp>
+      <p:pic>
+        <p:nvPicPr>
+          <p:cNvPr id="4" name="Graphique 3">
+            <a:extLst>
+              <a:ext uri="{FF2B5EF4-FFF2-40B4-BE49-F238E27FC236}">
+                <a16:creationId xmlns:a16="http://schemas.microsoft.com/office/drawing/2014/main" id="{F7419354-3A61-8159-F1E9-B87B65C256EA}"/>
+              </a:ext>
+            </a:extLst>
+          </p:cNvPr>
+          <p:cNvPicPr>
+            <a:picLocks/>
+          </p:cNvPicPr>
+          <p:nvPr>
+            <p:custDataLst>
+              <p:tags r:id="rId3"/>
+            </p:custDataLst>
+          </p:nvPr>
+        </p:nvPicPr>
+        <p:blipFill>
+          <a:blip r:embed="rId9">
+            <a:extLst>
+              <a:ext uri="{96DAC541-7B7A-43D3-8B79-37D633B846F1}">
+                <asvg:svgBlip xmlns:asvg="http://schemas.microsoft.com/office/drawing/2016/SVG/main" r:embed="rId10"/>
+              </a:ext>
+            </a:extLst>
+          </a:blip>
+          <a:stretch>
+            <a:fillRect/>
+          </a:stretch>
+        </p:blipFill>
+        <p:spPr>
+          <a:xfrm>
+            <a:off x="10826048" y="577634"/>
+            <a:ext cx="597332" cy="597332"/>
+          </a:xfrm>
+          <a:prstGeom prst="rect">
+            <a:avLst/>
+          </a:prstGeom>
+        </p:spPr>
+      </p:pic>
+      <p:pic>
+        <p:nvPicPr>
+          <p:cNvPr id="6" name="Graphique 5">
+            <a:extLst>
+              <a:ext uri="{FF2B5EF4-FFF2-40B4-BE49-F238E27FC236}">
+                <a16:creationId xmlns:a16="http://schemas.microsoft.com/office/drawing/2014/main" id="{2955A52D-CFD7-3791-32CF-8EE2DDA5EB65}"/>
+              </a:ext>
+            </a:extLst>
+          </p:cNvPr>
+          <p:cNvPicPr>
+            <a:picLocks/>
+          </p:cNvPicPr>
+          <p:nvPr>
+            <p:custDataLst>
+              <p:tags r:id="rId4"/>
+            </p:custDataLst>
+          </p:nvPr>
+        </p:nvPicPr>
+        <p:blipFill>
+          <a:blip r:embed="rId11">
+            <a:extLst>
+              <a:ext uri="{96DAC541-7B7A-43D3-8B79-37D633B846F1}">
+                <asvg:svgBlip xmlns:asvg="http://schemas.microsoft.com/office/drawing/2016/SVG/main" r:embed="rId12"/>
+              </a:ext>
+            </a:extLst>
+          </a:blip>
+          <a:stretch>
+            <a:fillRect/>
+          </a:stretch>
+        </p:blipFill>
+        <p:spPr>
+          <a:xfrm>
+            <a:off x="3901440" y="617220"/>
+            <a:ext cx="1036320" cy="518160"/>
+          </a:xfrm>
+          <a:prstGeom prst="rect">
+            <a:avLst/>
+          </a:prstGeom>
+        </p:spPr>
+      </p:pic>
+      <p:pic>
+        <p:nvPicPr>
+          <p:cNvPr id="8" name="Graphique 7">
+            <a:extLst>
+              <a:ext uri="{FF2B5EF4-FFF2-40B4-BE49-F238E27FC236}">
+                <a16:creationId xmlns:a16="http://schemas.microsoft.com/office/drawing/2014/main" id="{0E764B5C-5F80-DB8C-2364-87F82A92E8AF}"/>
+              </a:ext>
+            </a:extLst>
+          </p:cNvPr>
+          <p:cNvPicPr>
+            <a:picLocks/>
+          </p:cNvPicPr>
+          <p:nvPr>
+            <p:custDataLst>
+              <p:tags r:id="rId5"/>
+            </p:custDataLst>
+          </p:nvPr>
+        </p:nvPicPr>
+        <p:blipFill>
+          <a:blip r:embed="rId13">
+            <a:extLst>
+              <a:ext uri="{96DAC541-7B7A-43D3-8B79-37D633B846F1}">
+                <asvg:svgBlip xmlns:asvg="http://schemas.microsoft.com/office/drawing/2016/SVG/main" r:embed="rId14"/>
+              </a:ext>
+            </a:extLst>
+          </a:blip>
+          <a:stretch>
+            <a:fillRect/>
+          </a:stretch>
+        </p:blipFill>
+        <p:spPr>
+          <a:xfrm>
+            <a:off x="1158240" y="2270760"/>
+            <a:ext cx="2316480" cy="2316480"/>
+          </a:xfrm>
+          <a:prstGeom prst="rect">
+            <a:avLst/>
+          </a:prstGeom>
+        </p:spPr>
+      </p:pic>
+      <p:sp>
+        <p:nvSpPr>
+          <p:cNvPr id="9" name="Rectangle 8">
+            <a:extLst>
+              <a:ext uri="{FF2B5EF4-FFF2-40B4-BE49-F238E27FC236}">
+                <a16:creationId xmlns:a16="http://schemas.microsoft.com/office/drawing/2014/main" id="{CF2DC4DE-B9A2-ABD2-7229-7CAAED53E95A}"/>
+              </a:ext>
+            </a:extLst>
+          </p:cNvPr>
+          <p:cNvSpPr/>
+          <p:nvPr>
+            <p:custDataLst>
+              <p:tags r:id="rId6"/>
+            </p:custDataLst>
+          </p:nvPr>
+        </p:nvSpPr>
+        <p:spPr>
+          <a:xfrm>
+            <a:off x="3901440" y="2571750"/>
+            <a:ext cx="7315199" cy="1714500"/>
+          </a:xfrm>
+          <a:prstGeom prst="rect">
+            <a:avLst/>
+          </a:prstGeom>
+          <a:noFill/>
+          <a:ln w="19050" cap="flat" cmpd="sng" algn="ctr">
+            <a:solidFill>
+              <a:srgbClr val="FFFFFF"/>
+            </a:solidFill>
+            <a:prstDash val="solid"/>
+            <a:miter lim="800000"/>
+          </a:ln>
+          <a:effectLst/>
+          <a:extLst>
+            <a:ext uri="{909E8E84-426E-40DD-AFC4-6F175D3DCCD1}">
+              <a14:hiddenFill xmlns:a14="http://schemas.microsoft.com/office/drawing/2010/main">
+                <a:solidFill>
+                  <a:schemeClr val="accent1"/>
+                </a:solidFill>
+              </a14:hiddenFill>
+            </a:ext>
+          </a:extLst>
+        </p:spPr>
+        <p:style>
+          <a:lnRef idx="2">
+            <a:schemeClr val="accent1">
+              <a:shade val="15000"/>
+            </a:schemeClr>
+          </a:lnRef>
+          <a:fillRef idx="1">
+            <a:schemeClr val="accent1"/>
+          </a:fillRef>
+          <a:effectRef idx="0">
+            <a:schemeClr val="accent1"/>
+          </a:effectRef>
+          <a:fontRef idx="minor">
+            <a:schemeClr val="lt1"/>
+          </a:fontRef>
+        </p:style>
+        <p:txBody>
+          <a:bodyPr rtlCol="0" anchor="ctr"/>
+          <a:lstStyle/>
+          <a:p>
+            <a:r>
+              <a:rPr lang="fr-FR" sz="3800" b="1">
+                <a:solidFill>
+                  <a:srgbClr val="5B5B5B"/>
+                </a:solidFill>
+              </a:rPr>
+              <a:t>Pourquoi est-il important de versionner les API dans une architecture microservices ?</a:t>
+            </a:r>
+          </a:p>
+        </p:txBody>
+      </p:sp>
+      <p:sp>
+        <p:nvSpPr>
+          <p:cNvPr id="10" name="Rectangle 9">
+            <a:extLst>
+              <a:ext uri="{FF2B5EF4-FFF2-40B4-BE49-F238E27FC236}">
+                <a16:creationId xmlns:a16="http://schemas.microsoft.com/office/drawing/2014/main" id="{25577C88-7EB9-FDBE-651C-1845015969F9}"/>
+              </a:ext>
+            </a:extLst>
+          </p:cNvPr>
+          <p:cNvSpPr/>
+          <p:nvPr>
+            <p:custDataLst>
+              <p:tags r:id="rId7"/>
+            </p:custDataLst>
+          </p:nvPr>
+        </p:nvSpPr>
+        <p:spPr>
+          <a:xfrm>
+            <a:off x="3901440" y="6032500"/>
+            <a:ext cx="7315199" cy="518160"/>
+          </a:xfrm>
+          <a:prstGeom prst="rect">
+            <a:avLst/>
+          </a:prstGeom>
+          <a:noFill/>
+          <a:ln w="19050" cap="flat" cmpd="sng" algn="ctr">
+            <a:noFill/>
+            <a:prstDash val="solid"/>
+            <a:miter lim="800000"/>
+          </a:ln>
+          <a:effectLst/>
+          <a:extLst>
+            <a:ext uri="{909E8E84-426E-40DD-AFC4-6F175D3DCCD1}">
+              <a14:hiddenFill xmlns:a14="http://schemas.microsoft.com/office/drawing/2010/main">
+                <a:solidFill>
+                  <a:schemeClr val="accent1"/>
+                </a:solidFill>
+              </a14:hiddenFill>
+            </a:ext>
+            <a:ext uri="{91240B29-F687-4F45-9708-019B960494DF}">
+              <a14:hiddenLine xmlns:a14="http://schemas.microsoft.com/office/drawing/2010/main" w="19050" cap="flat" cmpd="sng" algn="ctr">
+                <a:solidFill>
+                  <a:schemeClr val="accent1">
+                    <a:shade val="15000"/>
+                  </a:schemeClr>
+                </a:solidFill>
+                <a:prstDash val="solid"/>
+                <a:miter lim="800000"/>
+              </a14:hiddenLine>
+            </a:ext>
+          </a:extLst>
+        </p:spPr>
+        <p:style>
+          <a:lnRef idx="2">
+            <a:schemeClr val="accent1">
+              <a:shade val="15000"/>
+            </a:schemeClr>
+          </a:lnRef>
+          <a:fillRef idx="1">
+            <a:schemeClr val="accent1"/>
+          </a:fillRef>
+          <a:effectRef idx="0">
+            <a:schemeClr val="accent1"/>
+          </a:effectRef>
+          <a:fontRef idx="minor">
+            <a:schemeClr val="lt1"/>
+          </a:fontRef>
+        </p:style>
+        <p:txBody>
+          <a:bodyPr rtlCol="0" anchor="ctr">
+            <a:normAutofit/>
+          </a:bodyPr>
+          <a:lstStyle/>
+          <a:p>
+            <a:r>
+              <a:rPr lang="en-US" sz="2200" b="1">
+                <a:solidFill>
+                  <a:srgbClr val="5B5B5B"/>
+                </a:solidFill>
+              </a:rPr>
+              <a:t>ⓘ</a:t>
+            </a:r>
+            <a:r>
+              <a:rPr lang="en-US" sz="2000">
+                <a:solidFill>
+                  <a:srgbClr val="5B5B5B"/>
+                </a:solidFill>
+              </a:rPr>
+              <a:t> Start presenting to display the poll results on this slide.</a:t>
+            </a:r>
+            <a:endParaRPr lang="fr-FR" sz="2000">
+              <a:solidFill>
+                <a:srgbClr val="5B5B5B"/>
+              </a:solidFill>
+            </a:endParaRPr>
+          </a:p>
+        </p:txBody>
+      </p:sp>
+    </p:spTree>
+    <p:custDataLst>
+      <p:tags r:id="rId1"/>
+    </p:custDataLst>
+    <p:extLst>
+      <p:ext uri="{BB962C8B-B14F-4D97-AF65-F5344CB8AC3E}">
+        <p14:creationId xmlns:p14="http://schemas.microsoft.com/office/powerpoint/2010/main" val="2771338718"/>
+      </p:ext>
+    </p:extLst>
+  </p:cSld>
+  <p:clrMapOvr>
+    <a:masterClrMapping/>
+  </p:clrMapOvr>
+  <p:timing>
+    <p:tnLst>
+      <p:par>
+        <p:cTn id="1" dur="indefinite" restart="never" nodeType="tmRoot">
+          <p:childTnLst>
+            <p:seq concurrent="1" nextAc="seek">
+              <p:cTn id="2" dur="indefinite" nodeType="mainSeq">
+                <p:childTnLst>
+                  <p:par>
+                    <p:cTn id="3" fill="hold">
+                      <p:stCondLst>
+                        <p:cond delay="indefinite"/>
+                      </p:stCondLst>
+                      <p:childTnLst>
+                        <p:par>
+                          <p:cTn id="4" fill="hold">
+                            <p:stCondLst>
+                              <p:cond delay="0"/>
+                            </p:stCondLst>
+                            <p:childTnLst>
+                              <p:par>
+                                <p:cTn id="5" presetID="26" presetClass="emph" presetSubtype="0" fill="hold" grpId="0" nodeType="clickEffect">
+                                  <p:stCondLst>
+                                    <p:cond delay="0"/>
+                                  </p:stCondLst>
+                                  <p:childTnLst>
+                                    <p:animEffect transition="out" filter="fade">
+                                      <p:cBhvr>
+                                        <p:cTn id="6" dur="50" tmFilter="0, 0; .2, .5; .8, .5; 1, 0"/>
+                                        <p:tgtEl>
+                                          <p:spTgt spid="9"/>
+                                        </p:tgtEl>
+                                      </p:cBhvr>
+                                    </p:animEffect>
+                                    <p:animScale>
+                                      <p:cBhvr>
+                                        <p:cTn id="7" dur="25" autoRev="1" fill="hold"/>
+                                        <p:tgtEl>
+                                          <p:spTgt spid="9"/>
+                                        </p:tgtEl>
+                                      </p:cBhvr>
+                                      <p:by x="105000" y="105000"/>
+                                    </p:animScale>
+                                  </p:childTnLst>
+                                </p:cTn>
+                              </p:par>
+                            </p:childTnLst>
+                          </p:cTn>
+                        </p:par>
+                      </p:childTnLst>
+                    </p:cTn>
+                  </p:par>
+                  <p:par>
+                    <p:cTn id="8" fill="hold">
+                      <p:stCondLst>
+                        <p:cond delay="indefinite"/>
+                      </p:stCondLst>
+                      <p:childTnLst>
+                        <p:par>
+                          <p:cTn id="9" fill="hold">
+                            <p:stCondLst>
+                              <p:cond delay="0"/>
+                            </p:stCondLst>
+                            <p:childTnLst>
+                              <p:par>
+                                <p:cTn id="10" presetID="26" presetClass="emph" presetSubtype="0" fill="hold" grpId="1" nodeType="clickEffect">
+                                  <p:stCondLst>
+                                    <p:cond delay="0"/>
+                                  </p:stCondLst>
+                                  <p:childTnLst>
+                                    <p:animEffect transition="out" filter="fade">
+                                      <p:cBhvr>
+                                        <p:cTn id="11" dur="50" tmFilter="0, 0; .2, .5; .8, .5; 1, 0"/>
+                                        <p:tgtEl>
+                                          <p:spTgt spid="9"/>
+                                        </p:tgtEl>
+                                      </p:cBhvr>
+                                    </p:animEffect>
+                                    <p:animScale>
+                                      <p:cBhvr>
+                                        <p:cTn id="12" dur="25" autoRev="1" fill="hold"/>
+                                        <p:tgtEl>
+                                          <p:spTgt spid="9"/>
+                                        </p:tgtEl>
+                                      </p:cBhvr>
+                                      <p:by x="105000" y="105000"/>
+                                    </p:animScale>
+                                  </p:childTnLst>
+                                </p:cTn>
+                              </p:par>
+                            </p:childTnLst>
+                          </p:cTn>
+                        </p:par>
+                      </p:childTnLst>
+                    </p:cTn>
+                  </p:par>
+                </p:childTnLst>
+              </p:cTn>
+              <p:prevCondLst>
+                <p:cond evt="onPrev" delay="0">
+                  <p:tgtEl>
+                    <p:sldTgt/>
+                  </p:tgtEl>
+                </p:cond>
+              </p:prevCondLst>
+              <p:nextCondLst>
+                <p:cond evt="onNext" delay="0">
+                  <p:tgtEl>
+                    <p:sldTgt/>
+                  </p:tgtEl>
+                </p:cond>
+              </p:nextCondLst>
+            </p:seq>
+          </p:childTnLst>
+        </p:cTn>
+      </p:par>
+    </p:tnLst>
+    <p:bldLst>
+      <p:bldP spid="9" grpId="0" animBg="1"/>
+      <p:bldP spid="9" grpId="1" animBg="1"/>
+    </p:bldLst>
+  </p:timing>
+</p:sld>
+</file>
+
+<file path=ppt/slides/slide18.xml><?xml version="1.0" encoding="utf-8"?>
+<p:sld xmlns:a="http://schemas.openxmlformats.org/drawingml/2006/main" xmlns:r="http://schemas.openxmlformats.org/officeDocument/2006/relationships" xmlns:p="http://schemas.openxmlformats.org/presentationml/2006/main" showMasterSp="0">
+  <p:cSld>
+    <p:bg>
+      <p:bgPr>
+        <a:solidFill>
+          <a:srgbClr val="FFFFFF"/>
+        </a:solidFill>
+        <a:effectLst/>
+      </p:bgPr>
+    </p:bg>
+    <p:spTree>
+      <p:nvGrpSpPr>
+        <p:cNvPr id="1" name=""/>
+        <p:cNvGrpSpPr/>
+        <p:nvPr/>
+      </p:nvGrpSpPr>
+      <p:grpSpPr>
+        <a:xfrm>
+          <a:off x="0" y="0"/>
+          <a:ext cx="0" cy="0"/>
+          <a:chOff x="0" y="0"/>
+          <a:chExt cx="0" cy="0"/>
+        </a:xfrm>
+      </p:grpSpPr>
+      <p:sp>
+        <p:nvSpPr>
+          <p:cNvPr id="2" name="Rectangle : coins arrondis 1">
+            <a:extLst>
+              <a:ext uri="{FF2B5EF4-FFF2-40B4-BE49-F238E27FC236}">
+                <a16:creationId xmlns:a16="http://schemas.microsoft.com/office/drawing/2014/main" id="{F6469695-51AB-FEA6-B405-428C36B8D86B}"/>
+              </a:ext>
+            </a:extLst>
+          </p:cNvPr>
+          <p:cNvSpPr/>
+          <p:nvPr>
+            <p:custDataLst>
+              <p:tags r:id="rId2"/>
+            </p:custDataLst>
+          </p:nvPr>
+        </p:nvSpPr>
+        <p:spPr>
+          <a:xfrm>
+            <a:off x="6286500" y="430530"/>
+            <a:ext cx="5524500" cy="891540"/>
+          </a:xfrm>
+          <a:prstGeom prst="roundRect">
+            <a:avLst/>
+          </a:prstGeom>
+          <a:solidFill>
+            <a:srgbClr val="F4F4F4"/>
+          </a:solidFill>
+          <a:ln w="19050" cap="flat" cmpd="sng" algn="ctr">
+            <a:noFill/>
+            <a:prstDash val="solid"/>
+            <a:miter lim="800000"/>
+          </a:ln>
+          <a:effectLst/>
+          <a:extLst>
+            <a:ext uri="{91240B29-F687-4F45-9708-019B960494DF}">
+              <a14:hiddenLine xmlns:a14="http://schemas.microsoft.com/office/drawing/2010/main" w="19050" cap="flat" cmpd="sng" algn="ctr">
+                <a:solidFill>
+                  <a:schemeClr val="accent1">
+                    <a:shade val="15000"/>
+                  </a:schemeClr>
+                </a:solidFill>
+                <a:prstDash val="solid"/>
+                <a:miter lim="800000"/>
+              </a14:hiddenLine>
+            </a:ext>
+          </a:extLst>
+        </p:spPr>
+        <p:style>
+          <a:lnRef idx="2">
+            <a:schemeClr val="accent1">
+              <a:shade val="15000"/>
+            </a:schemeClr>
+          </a:lnRef>
+          <a:fillRef idx="1">
+            <a:schemeClr val="accent1"/>
+          </a:fillRef>
+          <a:effectRef idx="0">
+            <a:schemeClr val="accent1"/>
+          </a:effectRef>
+          <a:fontRef idx="minor">
+            <a:schemeClr val="lt1"/>
+          </a:fontRef>
+        </p:style>
+        <p:txBody>
+          <a:bodyPr lIns="317500" rIns="1143000" rtlCol="0" anchor="ctr">
+            <a:normAutofit/>
+          </a:bodyPr>
+          <a:lstStyle/>
+          <a:p>
+            <a:r>
+              <a:rPr lang="en-US" sz="2000">
+                <a:solidFill>
+                  <a:srgbClr val="5B5B5B"/>
+                </a:solidFill>
+              </a:rPr>
+              <a:t>Please download and install the Slido app on all computers you use</a:t>
+            </a:r>
+            <a:endParaRPr lang="fr-FR" sz="2000">
+              <a:solidFill>
+                <a:srgbClr val="5B5B5B"/>
+              </a:solidFill>
+            </a:endParaRPr>
+          </a:p>
+        </p:txBody>
+      </p:sp>
+      <p:pic>
+        <p:nvPicPr>
+          <p:cNvPr id="4" name="Graphique 3">
+            <a:extLst>
+              <a:ext uri="{FF2B5EF4-FFF2-40B4-BE49-F238E27FC236}">
+                <a16:creationId xmlns:a16="http://schemas.microsoft.com/office/drawing/2014/main" id="{C12D82C9-0CE6-5314-4376-6C247591EB4C}"/>
+              </a:ext>
+            </a:extLst>
+          </p:cNvPr>
+          <p:cNvPicPr>
+            <a:picLocks/>
+          </p:cNvPicPr>
+          <p:nvPr>
+            <p:custDataLst>
+              <p:tags r:id="rId3"/>
+            </p:custDataLst>
+          </p:nvPr>
+        </p:nvPicPr>
+        <p:blipFill>
+          <a:blip r:embed="rId9">
+            <a:extLst>
+              <a:ext uri="{96DAC541-7B7A-43D3-8B79-37D633B846F1}">
+                <asvg:svgBlip xmlns:asvg="http://schemas.microsoft.com/office/drawing/2016/SVG/main" r:embed="rId10"/>
+              </a:ext>
+            </a:extLst>
+          </a:blip>
+          <a:stretch>
+            <a:fillRect/>
+          </a:stretch>
+        </p:blipFill>
+        <p:spPr>
+          <a:xfrm>
+            <a:off x="10826048" y="577634"/>
+            <a:ext cx="597332" cy="597332"/>
+          </a:xfrm>
+          <a:prstGeom prst="rect">
+            <a:avLst/>
+          </a:prstGeom>
+        </p:spPr>
+      </p:pic>
+      <p:pic>
+        <p:nvPicPr>
+          <p:cNvPr id="6" name="Graphique 5">
+            <a:extLst>
+              <a:ext uri="{FF2B5EF4-FFF2-40B4-BE49-F238E27FC236}">
+                <a16:creationId xmlns:a16="http://schemas.microsoft.com/office/drawing/2014/main" id="{B7305740-1131-82A2-4168-BEF09A1EB7E4}"/>
+              </a:ext>
+            </a:extLst>
+          </p:cNvPr>
+          <p:cNvPicPr>
+            <a:picLocks/>
+          </p:cNvPicPr>
+          <p:nvPr>
+            <p:custDataLst>
+              <p:tags r:id="rId4"/>
+            </p:custDataLst>
+          </p:nvPr>
+        </p:nvPicPr>
+        <p:blipFill>
+          <a:blip r:embed="rId11">
+            <a:extLst>
+              <a:ext uri="{96DAC541-7B7A-43D3-8B79-37D633B846F1}">
+                <asvg:svgBlip xmlns:asvg="http://schemas.microsoft.com/office/drawing/2016/SVG/main" r:embed="rId12"/>
+              </a:ext>
+            </a:extLst>
+          </a:blip>
+          <a:stretch>
+            <a:fillRect/>
+          </a:stretch>
+        </p:blipFill>
+        <p:spPr>
+          <a:xfrm>
+            <a:off x="3901440" y="617220"/>
+            <a:ext cx="1036320" cy="518160"/>
+          </a:xfrm>
+          <a:prstGeom prst="rect">
+            <a:avLst/>
+          </a:prstGeom>
+        </p:spPr>
+      </p:pic>
+      <p:pic>
+        <p:nvPicPr>
+          <p:cNvPr id="8" name="Graphique 7">
+            <a:extLst>
+              <a:ext uri="{FF2B5EF4-FFF2-40B4-BE49-F238E27FC236}">
+                <a16:creationId xmlns:a16="http://schemas.microsoft.com/office/drawing/2014/main" id="{F19C87FA-9E62-DE1F-7DE1-C83AB43A24C1}"/>
+              </a:ext>
+            </a:extLst>
+          </p:cNvPr>
+          <p:cNvPicPr>
+            <a:picLocks/>
+          </p:cNvPicPr>
+          <p:nvPr>
+            <p:custDataLst>
+              <p:tags r:id="rId5"/>
+            </p:custDataLst>
+          </p:nvPr>
+        </p:nvPicPr>
+        <p:blipFill>
+          <a:blip r:embed="rId13">
+            <a:extLst>
+              <a:ext uri="{96DAC541-7B7A-43D3-8B79-37D633B846F1}">
+                <asvg:svgBlip xmlns:asvg="http://schemas.microsoft.com/office/drawing/2016/SVG/main" r:embed="rId14"/>
+              </a:ext>
+            </a:extLst>
+          </a:blip>
+          <a:stretch>
+            <a:fillRect/>
+          </a:stretch>
+        </p:blipFill>
+        <p:spPr>
+          <a:xfrm>
+            <a:off x="1158240" y="2270760"/>
+            <a:ext cx="2316480" cy="2316480"/>
+          </a:xfrm>
+          <a:prstGeom prst="rect">
+            <a:avLst/>
+          </a:prstGeom>
+        </p:spPr>
+      </p:pic>
+      <p:sp>
+        <p:nvSpPr>
+          <p:cNvPr id="9" name="Rectangle 8">
+            <a:extLst>
+              <a:ext uri="{FF2B5EF4-FFF2-40B4-BE49-F238E27FC236}">
+                <a16:creationId xmlns:a16="http://schemas.microsoft.com/office/drawing/2014/main" id="{3F49276E-DA6C-7EFB-D55B-16DD05B390F6}"/>
+              </a:ext>
+            </a:extLst>
+          </p:cNvPr>
+          <p:cNvSpPr/>
+          <p:nvPr>
+            <p:custDataLst>
+              <p:tags r:id="rId6"/>
+            </p:custDataLst>
+          </p:nvPr>
+        </p:nvSpPr>
+        <p:spPr>
+          <a:xfrm>
+            <a:off x="3901440" y="2571750"/>
+            <a:ext cx="7315199" cy="1714500"/>
+          </a:xfrm>
+          <a:prstGeom prst="rect">
+            <a:avLst/>
+          </a:prstGeom>
+          <a:noFill/>
+          <a:ln w="19050" cap="flat" cmpd="sng" algn="ctr">
+            <a:solidFill>
+              <a:srgbClr val="FFFFFF"/>
+            </a:solidFill>
+            <a:prstDash val="solid"/>
+            <a:miter lim="800000"/>
+          </a:ln>
+          <a:effectLst/>
+          <a:extLst>
+            <a:ext uri="{909E8E84-426E-40DD-AFC4-6F175D3DCCD1}">
+              <a14:hiddenFill xmlns:a14="http://schemas.microsoft.com/office/drawing/2010/main">
+                <a:solidFill>
+                  <a:schemeClr val="accent1"/>
+                </a:solidFill>
+              </a14:hiddenFill>
+            </a:ext>
+          </a:extLst>
+        </p:spPr>
+        <p:style>
+          <a:lnRef idx="2">
+            <a:schemeClr val="accent1">
+              <a:shade val="15000"/>
+            </a:schemeClr>
+          </a:lnRef>
+          <a:fillRef idx="1">
+            <a:schemeClr val="accent1"/>
+          </a:fillRef>
+          <a:effectRef idx="0">
+            <a:schemeClr val="accent1"/>
+          </a:effectRef>
+          <a:fontRef idx="minor">
+            <a:schemeClr val="lt1"/>
+          </a:fontRef>
+        </p:style>
+        <p:txBody>
+          <a:bodyPr rtlCol="0" anchor="ctr"/>
+          <a:lstStyle/>
+          <a:p>
+            <a:r>
+              <a:rPr lang="fr-FR" sz="2400" b="1">
+                <a:solidFill>
+                  <a:srgbClr val="5B5B5B"/>
+                </a:solidFill>
+              </a:rPr>
+              <a:t>Le langage omniprésent (Ubiquitous Language) rend ambigüe la communication entre les développeurs et les équipes métiers.</a:t>
+            </a:r>
+          </a:p>
+        </p:txBody>
+      </p:sp>
+      <p:sp>
+        <p:nvSpPr>
+          <p:cNvPr id="10" name="Rectangle 9">
+            <a:extLst>
+              <a:ext uri="{FF2B5EF4-FFF2-40B4-BE49-F238E27FC236}">
+                <a16:creationId xmlns:a16="http://schemas.microsoft.com/office/drawing/2014/main" id="{6304014E-105C-EFA9-9FDA-8A7978B2A50B}"/>
+              </a:ext>
+            </a:extLst>
+          </p:cNvPr>
+          <p:cNvSpPr/>
+          <p:nvPr>
+            <p:custDataLst>
+              <p:tags r:id="rId7"/>
+            </p:custDataLst>
+          </p:nvPr>
+        </p:nvSpPr>
+        <p:spPr>
+          <a:xfrm>
+            <a:off x="3901440" y="6032500"/>
+            <a:ext cx="7315199" cy="518160"/>
+          </a:xfrm>
+          <a:prstGeom prst="rect">
+            <a:avLst/>
+          </a:prstGeom>
+          <a:noFill/>
+          <a:ln w="19050" cap="flat" cmpd="sng" algn="ctr">
+            <a:noFill/>
+            <a:prstDash val="solid"/>
+            <a:miter lim="800000"/>
+          </a:ln>
+          <a:effectLst/>
+          <a:extLst>
+            <a:ext uri="{909E8E84-426E-40DD-AFC4-6F175D3DCCD1}">
+              <a14:hiddenFill xmlns:a14="http://schemas.microsoft.com/office/drawing/2010/main">
+                <a:solidFill>
+                  <a:schemeClr val="accent1"/>
+                </a:solidFill>
+              </a14:hiddenFill>
+            </a:ext>
+            <a:ext uri="{91240B29-F687-4F45-9708-019B960494DF}">
+              <a14:hiddenLine xmlns:a14="http://schemas.microsoft.com/office/drawing/2010/main" w="19050" cap="flat" cmpd="sng" algn="ctr">
+                <a:solidFill>
+                  <a:schemeClr val="accent1">
+                    <a:shade val="15000"/>
+                  </a:schemeClr>
+                </a:solidFill>
+                <a:prstDash val="solid"/>
+                <a:miter lim="800000"/>
+              </a14:hiddenLine>
+            </a:ext>
+          </a:extLst>
+        </p:spPr>
+        <p:style>
+          <a:lnRef idx="2">
+            <a:schemeClr val="accent1">
+              <a:shade val="15000"/>
+            </a:schemeClr>
+          </a:lnRef>
+          <a:fillRef idx="1">
+            <a:schemeClr val="accent1"/>
+          </a:fillRef>
+          <a:effectRef idx="0">
+            <a:schemeClr val="accent1"/>
+          </a:effectRef>
+          <a:fontRef idx="minor">
+            <a:schemeClr val="lt1"/>
+          </a:fontRef>
+        </p:style>
+        <p:txBody>
+          <a:bodyPr rtlCol="0" anchor="ctr">
+            <a:normAutofit/>
+          </a:bodyPr>
+          <a:lstStyle/>
+          <a:p>
+            <a:r>
+              <a:rPr lang="en-US" sz="2200" b="1">
+                <a:solidFill>
+                  <a:srgbClr val="5B5B5B"/>
+                </a:solidFill>
+              </a:rPr>
+              <a:t>ⓘ</a:t>
+            </a:r>
+            <a:r>
+              <a:rPr lang="en-US" sz="2000">
+                <a:solidFill>
+                  <a:srgbClr val="5B5B5B"/>
+                </a:solidFill>
+              </a:rPr>
+              <a:t> Start presenting to display the poll results on this slide.</a:t>
+            </a:r>
+            <a:endParaRPr lang="fr-FR" sz="2000">
+              <a:solidFill>
+                <a:srgbClr val="5B5B5B"/>
+              </a:solidFill>
+            </a:endParaRPr>
+          </a:p>
+        </p:txBody>
+      </p:sp>
+    </p:spTree>
+    <p:custDataLst>
+      <p:tags r:id="rId1"/>
+    </p:custDataLst>
+    <p:extLst>
+      <p:ext uri="{BB962C8B-B14F-4D97-AF65-F5344CB8AC3E}">
+        <p14:creationId xmlns:p14="http://schemas.microsoft.com/office/powerpoint/2010/main" val="3423107429"/>
+      </p:ext>
+    </p:extLst>
+  </p:cSld>
+  <p:clrMapOvr>
+    <a:masterClrMapping/>
+  </p:clrMapOvr>
+  <p:timing>
+    <p:tnLst>
+      <p:par>
+        <p:cTn id="1" dur="indefinite" restart="never" nodeType="tmRoot">
+          <p:childTnLst>
+            <p:seq concurrent="1" nextAc="seek">
+              <p:cTn id="2" dur="indefinite" nodeType="mainSeq">
+                <p:childTnLst>
+                  <p:par>
+                    <p:cTn id="3" fill="hold">
+                      <p:stCondLst>
+                        <p:cond delay="indefinite"/>
+                      </p:stCondLst>
+                      <p:childTnLst>
+                        <p:par>
+                          <p:cTn id="4" fill="hold">
+                            <p:stCondLst>
+                              <p:cond delay="0"/>
+                            </p:stCondLst>
+                            <p:childTnLst>
+                              <p:par>
+                                <p:cTn id="5" presetID="26" presetClass="emph" presetSubtype="0" fill="hold" grpId="0" nodeType="clickEffect">
+                                  <p:stCondLst>
+                                    <p:cond delay="0"/>
+                                  </p:stCondLst>
+                                  <p:childTnLst>
+                                    <p:animEffect transition="out" filter="fade">
+                                      <p:cBhvr>
+                                        <p:cTn id="6" dur="50" tmFilter="0, 0; .2, .5; .8, .5; 1, 0"/>
+                                        <p:tgtEl>
+                                          <p:spTgt spid="9"/>
+                                        </p:tgtEl>
+                                      </p:cBhvr>
+                                    </p:animEffect>
+                                    <p:animScale>
+                                      <p:cBhvr>
+                                        <p:cTn id="7" dur="25" autoRev="1" fill="hold"/>
+                                        <p:tgtEl>
+                                          <p:spTgt spid="9"/>
+                                        </p:tgtEl>
+                                      </p:cBhvr>
+                                      <p:by x="105000" y="105000"/>
+                                    </p:animScale>
+                                  </p:childTnLst>
+                                </p:cTn>
+                              </p:par>
+                            </p:childTnLst>
+                          </p:cTn>
+                        </p:par>
+                      </p:childTnLst>
+                    </p:cTn>
+                  </p:par>
+                  <p:par>
+                    <p:cTn id="8" fill="hold">
+                      <p:stCondLst>
+                        <p:cond delay="indefinite"/>
+                      </p:stCondLst>
+                      <p:childTnLst>
+                        <p:par>
+                          <p:cTn id="9" fill="hold">
+                            <p:stCondLst>
+                              <p:cond delay="0"/>
+                            </p:stCondLst>
+                            <p:childTnLst>
+                              <p:par>
+                                <p:cTn id="10" presetID="26" presetClass="emph" presetSubtype="0" fill="hold" grpId="1" nodeType="clickEffect">
+                                  <p:stCondLst>
+                                    <p:cond delay="0"/>
+                                  </p:stCondLst>
+                                  <p:childTnLst>
+                                    <p:animEffect transition="out" filter="fade">
+                                      <p:cBhvr>
+                                        <p:cTn id="11" dur="50" tmFilter="0, 0; .2, .5; .8, .5; 1, 0"/>
+                                        <p:tgtEl>
+                                          <p:spTgt spid="9"/>
+                                        </p:tgtEl>
+                                      </p:cBhvr>
+                                    </p:animEffect>
+                                    <p:animScale>
+                                      <p:cBhvr>
+                                        <p:cTn id="12" dur="25" autoRev="1" fill="hold"/>
+                                        <p:tgtEl>
+                                          <p:spTgt spid="9"/>
+                                        </p:tgtEl>
+                                      </p:cBhvr>
+                                      <p:by x="105000" y="105000"/>
+                                    </p:animScale>
+                                  </p:childTnLst>
+                                </p:cTn>
+                              </p:par>
+                            </p:childTnLst>
+                          </p:cTn>
+                        </p:par>
+                      </p:childTnLst>
+                    </p:cTn>
+                  </p:par>
+                </p:childTnLst>
+              </p:cTn>
+              <p:prevCondLst>
+                <p:cond evt="onPrev" delay="0">
+                  <p:tgtEl>
+                    <p:sldTgt/>
+                  </p:tgtEl>
+                </p:cond>
+              </p:prevCondLst>
+              <p:nextCondLst>
+                <p:cond evt="onNext" delay="0">
+                  <p:tgtEl>
+                    <p:sldTgt/>
+                  </p:tgtEl>
+                </p:cond>
+              </p:nextCondLst>
+            </p:seq>
+          </p:childTnLst>
+        </p:cTn>
+      </p:par>
+    </p:tnLst>
+    <p:bldLst>
+      <p:bldP spid="9" grpId="0" animBg="1"/>
+      <p:bldP spid="9" grpId="1" animBg="1"/>
+    </p:bldLst>
+  </p:timing>
+</p:sld>
+</file>
+
+<file path=ppt/slides/slide19.xml><?xml version="1.0" encoding="utf-8"?>
+<p:sld xmlns:a="http://schemas.openxmlformats.org/drawingml/2006/main" xmlns:r="http://schemas.openxmlformats.org/officeDocument/2006/relationships" xmlns:p="http://schemas.openxmlformats.org/presentationml/2006/main" showMasterSp="0">
+  <p:cSld>
+    <p:bg>
+      <p:bgPr>
+        <a:solidFill>
+          <a:srgbClr val="FFFFFF"/>
+        </a:solidFill>
+        <a:effectLst/>
+      </p:bgPr>
+    </p:bg>
+    <p:spTree>
+      <p:nvGrpSpPr>
+        <p:cNvPr id="1" name=""/>
+        <p:cNvGrpSpPr/>
+        <p:nvPr/>
+      </p:nvGrpSpPr>
+      <p:grpSpPr>
+        <a:xfrm>
+          <a:off x="0" y="0"/>
+          <a:ext cx="0" cy="0"/>
+          <a:chOff x="0" y="0"/>
+          <a:chExt cx="0" cy="0"/>
+        </a:xfrm>
+      </p:grpSpPr>
+      <p:sp>
+        <p:nvSpPr>
+          <p:cNvPr id="2" name="Rectangle : coins arrondis 1">
+            <a:extLst>
+              <a:ext uri="{FF2B5EF4-FFF2-40B4-BE49-F238E27FC236}">
+                <a16:creationId xmlns:a16="http://schemas.microsoft.com/office/drawing/2014/main" id="{F68EF3C5-43F6-C5CB-3F54-1E30F7C7EB4E}"/>
+              </a:ext>
+            </a:extLst>
+          </p:cNvPr>
+          <p:cNvSpPr/>
+          <p:nvPr>
+            <p:custDataLst>
+              <p:tags r:id="rId2"/>
+            </p:custDataLst>
+          </p:nvPr>
+        </p:nvSpPr>
+        <p:spPr>
+          <a:xfrm>
+            <a:off x="6286500" y="430530"/>
+            <a:ext cx="5524500" cy="891540"/>
+          </a:xfrm>
+          <a:prstGeom prst="roundRect">
+            <a:avLst/>
+          </a:prstGeom>
+          <a:solidFill>
+            <a:srgbClr val="F4F4F4"/>
+          </a:solidFill>
+          <a:ln w="19050" cap="flat" cmpd="sng" algn="ctr">
+            <a:noFill/>
+            <a:prstDash val="solid"/>
+            <a:miter lim="800000"/>
+          </a:ln>
+          <a:effectLst/>
+          <a:extLst>
+            <a:ext uri="{91240B29-F687-4F45-9708-019B960494DF}">
+              <a14:hiddenLine xmlns:a14="http://schemas.microsoft.com/office/drawing/2010/main" w="19050" cap="flat" cmpd="sng" algn="ctr">
+                <a:solidFill>
+                  <a:schemeClr val="accent1">
+                    <a:shade val="15000"/>
+                  </a:schemeClr>
+                </a:solidFill>
+                <a:prstDash val="solid"/>
+                <a:miter lim="800000"/>
+              </a14:hiddenLine>
+            </a:ext>
+          </a:extLst>
+        </p:spPr>
+        <p:style>
+          <a:lnRef idx="2">
+            <a:schemeClr val="accent1">
+              <a:shade val="15000"/>
+            </a:schemeClr>
+          </a:lnRef>
+          <a:fillRef idx="1">
+            <a:schemeClr val="accent1"/>
+          </a:fillRef>
+          <a:effectRef idx="0">
+            <a:schemeClr val="accent1"/>
+          </a:effectRef>
+          <a:fontRef idx="minor">
+            <a:schemeClr val="lt1"/>
+          </a:fontRef>
+        </p:style>
+        <p:txBody>
+          <a:bodyPr lIns="317500" rIns="1143000" rtlCol="0" anchor="ctr">
+            <a:normAutofit/>
+          </a:bodyPr>
+          <a:lstStyle/>
+          <a:p>
+            <a:r>
+              <a:rPr lang="en-US" sz="2000">
+                <a:solidFill>
+                  <a:srgbClr val="5B5B5B"/>
+                </a:solidFill>
+              </a:rPr>
+              <a:t>Please download and install the Slido app on all computers you use</a:t>
+            </a:r>
+            <a:endParaRPr lang="fr-FR" sz="2000">
+              <a:solidFill>
+                <a:srgbClr val="5B5B5B"/>
+              </a:solidFill>
+            </a:endParaRPr>
+          </a:p>
+        </p:txBody>
+      </p:sp>
+      <p:pic>
+        <p:nvPicPr>
+          <p:cNvPr id="4" name="Graphique 3">
+            <a:extLst>
+              <a:ext uri="{FF2B5EF4-FFF2-40B4-BE49-F238E27FC236}">
+                <a16:creationId xmlns:a16="http://schemas.microsoft.com/office/drawing/2014/main" id="{B1191DB7-03B2-E5FE-8305-2EDE56AFF6E1}"/>
+              </a:ext>
+            </a:extLst>
+          </p:cNvPr>
+          <p:cNvPicPr>
+            <a:picLocks/>
+          </p:cNvPicPr>
+          <p:nvPr>
+            <p:custDataLst>
+              <p:tags r:id="rId3"/>
+            </p:custDataLst>
+          </p:nvPr>
+        </p:nvPicPr>
+        <p:blipFill>
+          <a:blip r:embed="rId9">
+            <a:extLst>
+              <a:ext uri="{96DAC541-7B7A-43D3-8B79-37D633B846F1}">
+                <asvg:svgBlip xmlns:asvg="http://schemas.microsoft.com/office/drawing/2016/SVG/main" r:embed="rId10"/>
+              </a:ext>
+            </a:extLst>
+          </a:blip>
+          <a:stretch>
+            <a:fillRect/>
+          </a:stretch>
+        </p:blipFill>
+        <p:spPr>
+          <a:xfrm>
+            <a:off x="10826048" y="577634"/>
+            <a:ext cx="597332" cy="597332"/>
+          </a:xfrm>
+          <a:prstGeom prst="rect">
+            <a:avLst/>
+          </a:prstGeom>
+        </p:spPr>
+      </p:pic>
+      <p:pic>
+        <p:nvPicPr>
+          <p:cNvPr id="6" name="Graphique 5">
+            <a:extLst>
+              <a:ext uri="{FF2B5EF4-FFF2-40B4-BE49-F238E27FC236}">
+                <a16:creationId xmlns:a16="http://schemas.microsoft.com/office/drawing/2014/main" id="{79A086D1-0323-E1CC-FA53-FA5A4866FF45}"/>
+              </a:ext>
+            </a:extLst>
+          </p:cNvPr>
+          <p:cNvPicPr>
+            <a:picLocks/>
+          </p:cNvPicPr>
+          <p:nvPr>
+            <p:custDataLst>
+              <p:tags r:id="rId4"/>
+            </p:custDataLst>
+          </p:nvPr>
+        </p:nvPicPr>
+        <p:blipFill>
+          <a:blip r:embed="rId11">
+            <a:extLst>
+              <a:ext uri="{96DAC541-7B7A-43D3-8B79-37D633B846F1}">
+                <asvg:svgBlip xmlns:asvg="http://schemas.microsoft.com/office/drawing/2016/SVG/main" r:embed="rId12"/>
+              </a:ext>
+            </a:extLst>
+          </a:blip>
+          <a:stretch>
+            <a:fillRect/>
+          </a:stretch>
+        </p:blipFill>
+        <p:spPr>
+          <a:xfrm>
+            <a:off x="3901440" y="617220"/>
+            <a:ext cx="1036320" cy="518160"/>
+          </a:xfrm>
+          <a:prstGeom prst="rect">
+            <a:avLst/>
+          </a:prstGeom>
+        </p:spPr>
+      </p:pic>
+      <p:pic>
+        <p:nvPicPr>
+          <p:cNvPr id="8" name="Graphique 7">
+            <a:extLst>
+              <a:ext uri="{FF2B5EF4-FFF2-40B4-BE49-F238E27FC236}">
+                <a16:creationId xmlns:a16="http://schemas.microsoft.com/office/drawing/2014/main" id="{EFDE8153-75A7-AC2B-9EB5-50BC04C720F4}"/>
+              </a:ext>
+            </a:extLst>
+          </p:cNvPr>
+          <p:cNvPicPr>
+            <a:picLocks/>
+          </p:cNvPicPr>
+          <p:nvPr>
+            <p:custDataLst>
+              <p:tags r:id="rId5"/>
+            </p:custDataLst>
+          </p:nvPr>
+        </p:nvPicPr>
+        <p:blipFill>
+          <a:blip r:embed="rId13">
+            <a:extLst>
+              <a:ext uri="{96DAC541-7B7A-43D3-8B79-37D633B846F1}">
+                <asvg:svgBlip xmlns:asvg="http://schemas.microsoft.com/office/drawing/2016/SVG/main" r:embed="rId14"/>
+              </a:ext>
+            </a:extLst>
+          </a:blip>
+          <a:stretch>
+            <a:fillRect/>
+          </a:stretch>
+        </p:blipFill>
+        <p:spPr>
+          <a:xfrm>
+            <a:off x="1158240" y="2270760"/>
+            <a:ext cx="2316480" cy="2316480"/>
+          </a:xfrm>
+          <a:prstGeom prst="rect">
+            <a:avLst/>
+          </a:prstGeom>
+        </p:spPr>
+      </p:pic>
+      <p:sp>
+        <p:nvSpPr>
+          <p:cNvPr id="9" name="Rectangle 8">
+            <a:extLst>
+              <a:ext uri="{FF2B5EF4-FFF2-40B4-BE49-F238E27FC236}">
+                <a16:creationId xmlns:a16="http://schemas.microsoft.com/office/drawing/2014/main" id="{7BD806CF-321C-EB53-D6BF-8E8120F2F97B}"/>
+              </a:ext>
+            </a:extLst>
+          </p:cNvPr>
+          <p:cNvSpPr/>
+          <p:nvPr>
+            <p:custDataLst>
+              <p:tags r:id="rId6"/>
+            </p:custDataLst>
+          </p:nvPr>
+        </p:nvSpPr>
+        <p:spPr>
+          <a:xfrm>
+            <a:off x="3901440" y="2571750"/>
+            <a:ext cx="7315199" cy="1714500"/>
+          </a:xfrm>
+          <a:prstGeom prst="rect">
+            <a:avLst/>
+          </a:prstGeom>
+          <a:noFill/>
+          <a:ln w="19050" cap="flat" cmpd="sng" algn="ctr">
+            <a:solidFill>
+              <a:srgbClr val="FFFFFF"/>
+            </a:solidFill>
+            <a:prstDash val="solid"/>
+            <a:miter lim="800000"/>
+          </a:ln>
+          <a:effectLst/>
+          <a:extLst>
+            <a:ext uri="{909E8E84-426E-40DD-AFC4-6F175D3DCCD1}">
+              <a14:hiddenFill xmlns:a14="http://schemas.microsoft.com/office/drawing/2010/main">
+                <a:solidFill>
+                  <a:schemeClr val="accent1"/>
+                </a:solidFill>
+              </a14:hiddenFill>
+            </a:ext>
+          </a:extLst>
+        </p:spPr>
+        <p:style>
+          <a:lnRef idx="2">
+            <a:schemeClr val="accent1">
+              <a:shade val="15000"/>
+            </a:schemeClr>
+          </a:lnRef>
+          <a:fillRef idx="1">
+            <a:schemeClr val="accent1"/>
+          </a:fillRef>
+          <a:effectRef idx="0">
+            <a:schemeClr val="accent1"/>
+          </a:effectRef>
+          <a:fontRef idx="minor">
+            <a:schemeClr val="lt1"/>
+          </a:fontRef>
+        </p:style>
+        <p:txBody>
+          <a:bodyPr rtlCol="0" anchor="ctr"/>
+          <a:lstStyle/>
+          <a:p>
+            <a:r>
+              <a:rPr lang="fr-FR" sz="2400" b="1">
+                <a:solidFill>
+                  <a:srgbClr val="5B5B5B"/>
+                </a:solidFill>
+              </a:rPr>
+              <a:t>Quels sont les avantages du Domain Driven Design (DDD) dans une architecture microservices ? (SELECTIONNER DEUX PROPOSITIONS)</a:t>
+            </a:r>
+          </a:p>
+        </p:txBody>
+      </p:sp>
+      <p:sp>
+        <p:nvSpPr>
+          <p:cNvPr id="10" name="Rectangle 9">
+            <a:extLst>
+              <a:ext uri="{FF2B5EF4-FFF2-40B4-BE49-F238E27FC236}">
+                <a16:creationId xmlns:a16="http://schemas.microsoft.com/office/drawing/2014/main" id="{DF7B6AAB-5991-E0E8-DFA2-A28C7902CF22}"/>
+              </a:ext>
+            </a:extLst>
+          </p:cNvPr>
+          <p:cNvSpPr/>
+          <p:nvPr>
+            <p:custDataLst>
+              <p:tags r:id="rId7"/>
+            </p:custDataLst>
+          </p:nvPr>
+        </p:nvSpPr>
+        <p:spPr>
+          <a:xfrm>
+            <a:off x="3901440" y="6032500"/>
+            <a:ext cx="7315199" cy="518160"/>
+          </a:xfrm>
+          <a:prstGeom prst="rect">
+            <a:avLst/>
+          </a:prstGeom>
+          <a:noFill/>
+          <a:ln w="19050" cap="flat" cmpd="sng" algn="ctr">
+            <a:noFill/>
+            <a:prstDash val="solid"/>
+            <a:miter lim="800000"/>
+          </a:ln>
+          <a:effectLst/>
+          <a:extLst>
+            <a:ext uri="{909E8E84-426E-40DD-AFC4-6F175D3DCCD1}">
+              <a14:hiddenFill xmlns:a14="http://schemas.microsoft.com/office/drawing/2010/main">
+                <a:solidFill>
+                  <a:schemeClr val="accent1"/>
+                </a:solidFill>
+              </a14:hiddenFill>
+            </a:ext>
+            <a:ext uri="{91240B29-F687-4F45-9708-019B960494DF}">
+              <a14:hiddenLine xmlns:a14="http://schemas.microsoft.com/office/drawing/2010/main" w="19050" cap="flat" cmpd="sng" algn="ctr">
+                <a:solidFill>
+                  <a:schemeClr val="accent1">
+                    <a:shade val="15000"/>
+                  </a:schemeClr>
+                </a:solidFill>
+                <a:prstDash val="solid"/>
+                <a:miter lim="800000"/>
+              </a14:hiddenLine>
+            </a:ext>
+          </a:extLst>
+        </p:spPr>
+        <p:style>
+          <a:lnRef idx="2">
+            <a:schemeClr val="accent1">
+              <a:shade val="15000"/>
+            </a:schemeClr>
+          </a:lnRef>
+          <a:fillRef idx="1">
+            <a:schemeClr val="accent1"/>
+          </a:fillRef>
+          <a:effectRef idx="0">
+            <a:schemeClr val="accent1"/>
+          </a:effectRef>
+          <a:fontRef idx="minor">
+            <a:schemeClr val="lt1"/>
+          </a:fontRef>
+        </p:style>
+        <p:txBody>
+          <a:bodyPr rtlCol="0" anchor="ctr">
+            <a:normAutofit/>
+          </a:bodyPr>
+          <a:lstStyle/>
+          <a:p>
+            <a:r>
+              <a:rPr lang="en-US" sz="2200" b="1">
+                <a:solidFill>
+                  <a:srgbClr val="5B5B5B"/>
+                </a:solidFill>
+              </a:rPr>
+              <a:t>ⓘ</a:t>
+            </a:r>
+            <a:r>
+              <a:rPr lang="en-US" sz="2000">
+                <a:solidFill>
+                  <a:srgbClr val="5B5B5B"/>
+                </a:solidFill>
+              </a:rPr>
+              <a:t> Start presenting to display the poll results on this slide.</a:t>
+            </a:r>
+            <a:endParaRPr lang="fr-FR" sz="2000">
+              <a:solidFill>
+                <a:srgbClr val="5B5B5B"/>
+              </a:solidFill>
+            </a:endParaRPr>
+          </a:p>
+        </p:txBody>
+      </p:sp>
+    </p:spTree>
+    <p:custDataLst>
+      <p:tags r:id="rId1"/>
+    </p:custDataLst>
+    <p:extLst>
+      <p:ext uri="{BB962C8B-B14F-4D97-AF65-F5344CB8AC3E}">
+        <p14:creationId xmlns:p14="http://schemas.microsoft.com/office/powerpoint/2010/main" val="766139912"/>
+      </p:ext>
+    </p:extLst>
+  </p:cSld>
+  <p:clrMapOvr>
+    <a:masterClrMapping/>
+  </p:clrMapOvr>
+  <p:timing>
+    <p:tnLst>
+      <p:par>
+        <p:cTn id="1" dur="indefinite" restart="never" nodeType="tmRoot">
+          <p:childTnLst>
+            <p:seq concurrent="1" nextAc="seek">
+              <p:cTn id="2" dur="indefinite" nodeType="mainSeq">
+                <p:childTnLst>
+                  <p:par>
+                    <p:cTn id="3" fill="hold">
+                      <p:stCondLst>
+                        <p:cond delay="indefinite"/>
+                      </p:stCondLst>
+                      <p:childTnLst>
+                        <p:par>
+                          <p:cTn id="4" fill="hold">
+                            <p:stCondLst>
+                              <p:cond delay="0"/>
+                            </p:stCondLst>
+                            <p:childTnLst>
+                              <p:par>
+                                <p:cTn id="5" presetID="26" presetClass="emph" presetSubtype="0" fill="hold" grpId="0" nodeType="clickEffect">
+                                  <p:stCondLst>
+                                    <p:cond delay="0"/>
+                                  </p:stCondLst>
+                                  <p:childTnLst>
+                                    <p:animEffect transition="out" filter="fade">
+                                      <p:cBhvr>
+                                        <p:cTn id="6" dur="50" tmFilter="0, 0; .2, .5; .8, .5; 1, 0"/>
+                                        <p:tgtEl>
+                                          <p:spTgt spid="9"/>
+                                        </p:tgtEl>
+                                      </p:cBhvr>
+                                    </p:animEffect>
+                                    <p:animScale>
+                                      <p:cBhvr>
+                                        <p:cTn id="7" dur="25" autoRev="1" fill="hold"/>
+                                        <p:tgtEl>
+                                          <p:spTgt spid="9"/>
+                                        </p:tgtEl>
+                                      </p:cBhvr>
+                                      <p:by x="105000" y="105000"/>
+                                    </p:animScale>
+                                  </p:childTnLst>
+                                </p:cTn>
+                              </p:par>
+                            </p:childTnLst>
+                          </p:cTn>
+                        </p:par>
+                      </p:childTnLst>
+                    </p:cTn>
+                  </p:par>
+                  <p:par>
+                    <p:cTn id="8" fill="hold">
+                      <p:stCondLst>
+                        <p:cond delay="indefinite"/>
+                      </p:stCondLst>
+                      <p:childTnLst>
+                        <p:par>
+                          <p:cTn id="9" fill="hold">
+                            <p:stCondLst>
+                              <p:cond delay="0"/>
+                            </p:stCondLst>
+                            <p:childTnLst>
+                              <p:par>
+                                <p:cTn id="10" presetID="26" presetClass="emph" presetSubtype="0" fill="hold" grpId="1" nodeType="clickEffect">
+                                  <p:stCondLst>
+                                    <p:cond delay="0"/>
+                                  </p:stCondLst>
+                                  <p:childTnLst>
+                                    <p:animEffect transition="out" filter="fade">
+                                      <p:cBhvr>
+                                        <p:cTn id="11" dur="50" tmFilter="0, 0; .2, .5; .8, .5; 1, 0"/>
+                                        <p:tgtEl>
+                                          <p:spTgt spid="9"/>
+                                        </p:tgtEl>
+                                      </p:cBhvr>
+                                    </p:animEffect>
+                                    <p:animScale>
+                                      <p:cBhvr>
+                                        <p:cTn id="12" dur="25" autoRev="1" fill="hold"/>
+                                        <p:tgtEl>
+                                          <p:spTgt spid="9"/>
+                                        </p:tgtEl>
+                                      </p:cBhvr>
+                                      <p:by x="105000" y="105000"/>
+                                    </p:animScale>
+                                  </p:childTnLst>
+                                </p:cTn>
+                              </p:par>
+                            </p:childTnLst>
+                          </p:cTn>
+                        </p:par>
+                      </p:childTnLst>
+                    </p:cTn>
+                  </p:par>
+                </p:childTnLst>
+              </p:cTn>
+              <p:prevCondLst>
+                <p:cond evt="onPrev" delay="0">
+                  <p:tgtEl>
+                    <p:sldTgt/>
+                  </p:tgtEl>
+                </p:cond>
+              </p:prevCondLst>
+              <p:nextCondLst>
+                <p:cond evt="onNext" delay="0">
+                  <p:tgtEl>
+                    <p:sldTgt/>
+                  </p:tgtEl>
+                </p:cond>
+              </p:nextCondLst>
+            </p:seq>
+          </p:childTnLst>
+        </p:cTn>
+      </p:par>
+    </p:tnLst>
+    <p:bldLst>
+      <p:bldP spid="9" grpId="0" animBg="1"/>
+      <p:bldP spid="9" grpId="1" animBg="1"/>
+    </p:bldLst>
+  </p:timing>
+</p:sld>
+</file>
+
+<file path=ppt/slides/slide2.xml><?xml version="1.0" encoding="utf-8"?>
+<p:sld xmlns:a="http://schemas.openxmlformats.org/drawingml/2006/main" xmlns:r="http://schemas.openxmlformats.org/officeDocument/2006/relationships" xmlns:p="http://schemas.openxmlformats.org/presentationml/2006/main">
+  <p:cSld>
+    <p:spTree>
+      <p:nvGrpSpPr>
+        <p:cNvPr id="1" name=""/>
+        <p:cNvGrpSpPr/>
+        <p:nvPr/>
+      </p:nvGrpSpPr>
+      <p:grpSpPr>
+        <a:xfrm>
+          <a:off x="0" y="0"/>
+          <a:ext cx="0" cy="0"/>
+          <a:chOff x="0" y="0"/>
+          <a:chExt cx="0" cy="0"/>
+        </a:xfrm>
+      </p:grpSpPr>
+      <p:sp>
+        <p:nvSpPr>
+          <p:cNvPr id="3" name="Espace réservé du contenu 2">
+            <a:extLst>
+              <a:ext uri="{FF2B5EF4-FFF2-40B4-BE49-F238E27FC236}">
+                <a16:creationId xmlns:a16="http://schemas.microsoft.com/office/drawing/2014/main" id="{5D1598F1-3F5E-181B-29E7-26081FFE38F7}"/>
+              </a:ext>
+            </a:extLst>
+          </p:cNvPr>
+          <p:cNvSpPr>
+            <a:spLocks noGrp="1"/>
+          </p:cNvSpPr>
+          <p:nvPr>
+            <p:ph idx="1"/>
+          </p:nvPr>
+        </p:nvSpPr>
+        <p:spPr>
+          <a:xfrm>
+            <a:off x="320040" y="1287145"/>
+            <a:ext cx="10515600" cy="4036695"/>
+          </a:xfrm>
+        </p:spPr>
+        <p:txBody>
+          <a:bodyPr>
+            <a:noAutofit/>
+          </a:bodyPr>
+          <a:lstStyle/>
+          <a:p>
+            <a:pPr>
+              <a:lnSpc>
+                <a:spcPct val="150000"/>
+              </a:lnSpc>
             </a:pPr>
             <a:r>
-              <a:rPr lang="fr-FR" sz="2200" b="1" dirty="0"/>
-              <a:t>Dans cet atelier, nous allons:</a:t>
+              <a:rPr lang="fr-FR" sz="2200" dirty="0"/>
+              <a:t>Quelques questions de notre DSI</a:t>
             </a:r>
           </a:p>
           <a:p>
             <a:pPr>
               <a:lnSpc>
-                <a:spcPct val="200000"/>
+                <a:spcPct val="150000"/>
               </a:lnSpc>
             </a:pPr>
             <a:r>
               <a:rPr lang="fr-FR" sz="2200" dirty="0"/>
-              <a:t>Analyser notre architecture monolithique</a:t>
-            </a:r>
-          </a:p>
-          <a:p>
-            <a:pPr>
-              <a:lnSpc>
-                <a:spcPct val="200000"/>
-              </a:lnSpc>
-            </a:pPr>
-            <a:r>
-              <a:rPr lang="fr-FR" sz="2200" dirty="0"/>
-              <a:t>Identifier les contextes et les délimiter</a:t>
-            </a:r>
-          </a:p>
-          <a:p>
-            <a:pPr>
-              <a:lnSpc>
-                <a:spcPct val="200000"/>
-              </a:lnSpc>
-            </a:pPr>
-            <a:r>
-              <a:rPr lang="fr-FR" sz="2200" dirty="0"/>
-              <a:t>Identifier les contextes éligibles pour devenir des services</a:t>
-            </a:r>
-          </a:p>
-          <a:p>
-            <a:pPr>
-              <a:lnSpc>
-                <a:spcPct val="200000"/>
-              </a:lnSpc>
-            </a:pPr>
-            <a:r>
-              <a:rPr lang="fr-FR" sz="2200" dirty="0"/>
-              <a:t>Construire notre architecture </a:t>
+              <a:t>Principes de découpage des </a:t>
             </a:r>
             <a:r>
               <a:rPr lang="fr-FR" sz="2200" dirty="0" err="1"/>
               <a:t>microservices</a:t>
             </a:r>
+            <a:endParaRPr lang="fr-FR" sz="2200" dirty="0"/>
+          </a:p>
+          <a:p>
+            <a:pPr>
+              <a:lnSpc>
+                <a:spcPct val="150000"/>
+              </a:lnSpc>
+            </a:pPr>
+            <a:r>
+              <a:rPr lang="fr-FR" sz="2200" dirty="0"/>
+              <a:t>Principes de conception des </a:t>
+            </a:r>
+            <a:r>
+              <a:rPr lang="fr-FR" sz="2200" dirty="0" err="1"/>
+              <a:t>microservices</a:t>
+            </a:r>
+            <a:endParaRPr lang="fr-FR" sz="2200" dirty="0"/>
+          </a:p>
+          <a:p>
+            <a:pPr>
+              <a:lnSpc>
+                <a:spcPct val="150000"/>
+              </a:lnSpc>
+            </a:pPr>
+            <a:r>
+              <a:rPr lang="fr-FR" sz="2200" dirty="0"/>
+              <a:t>Répondre aux questions</a:t>
+            </a:r>
+          </a:p>
+          <a:p>
+            <a:pPr>
+              <a:lnSpc>
+                <a:spcPct val="150000"/>
+              </a:lnSpc>
+            </a:pPr>
+            <a:r>
+              <a:rPr lang="fr-FR" sz="2200" dirty="0"/>
+              <a:t>Contrôle de connaissances</a:t>
+            </a:r>
+          </a:p>
+          <a:p>
+            <a:pPr>
+              <a:lnSpc>
+                <a:spcPct val="150000"/>
+              </a:lnSpc>
+            </a:pPr>
+            <a:r>
+              <a:rPr lang="fr-FR" sz="2200" b="1" dirty="0"/>
+              <a:t>Atelier : Découper un monolithe en </a:t>
+            </a:r>
+            <a:r>
+              <a:rPr lang="fr-FR" sz="2200" b="1" dirty="0" err="1"/>
+              <a:t>microservices</a:t>
+            </a:r>
+            <a:endParaRPr lang="fr-FR" sz="2200" b="1" dirty="0"/>
+          </a:p>
+          <a:p>
+            <a:pPr>
+              <a:lnSpc>
+                <a:spcPct val="150000"/>
+              </a:lnSpc>
+            </a:pPr>
             <a:endParaRPr lang="fr-FR" sz="2200" dirty="0"/>
           </a:p>
         </p:txBody>
@@ -6068,8 +9467,8 @@
         </p:nvSpPr>
         <p:spPr>
           <a:xfrm>
-            <a:off x="223520" y="229369"/>
-            <a:ext cx="7680960" cy="446074"/>
+            <a:off x="223520" y="309791"/>
+            <a:ext cx="3027680" cy="400368"/>
           </a:xfrm>
           <a:prstGeom prst="rect">
             <a:avLst/>
@@ -6101,13 +9500,8 @@
           <a:p>
             <a:r>
               <a:rPr lang="fr-FR" sz="2800" b="1" dirty="0"/>
-              <a:t>Atelier : Découper un monolithe en </a:t>
-            </a:r>
-            <a:r>
-              <a:rPr lang="fr-FR" sz="2800" b="1" dirty="0" err="1"/>
-              <a:t>microservices</a:t>
-            </a:r>
-            <a:endParaRPr lang="fr-FR" sz="2800" b="1" dirty="0"/>
+              <a:t>Dans ce module …</a:t>
+            </a:r>
           </a:p>
         </p:txBody>
       </p:sp>
@@ -6165,7 +9559,7 @@
         </p:nvSpPr>
         <p:spPr>
           <a:xfrm>
-            <a:off x="121794" y="6617710"/>
+            <a:off x="4324350" y="6643878"/>
             <a:ext cx="2890647" cy="214122"/>
           </a:xfrm>
           <a:prstGeom prst="rect">
@@ -6345,22 +9739,27 @@
               <a:buNone/>
             </a:pPr>
             <a:r>
-              <a:rPr lang="fr-FR" sz="1100" b="1" dirty="0">
+              <a:rPr lang="fr-FR" sz="1100" b="1">
                 <a:solidFill>
                   <a:schemeClr val="tx2"/>
                 </a:solidFill>
               </a:rPr>
               <a:t>Préparé et Présenté par Daniel  Lawson</a:t>
             </a:r>
+            <a:endParaRPr lang="fr-FR" sz="1100" b="1" dirty="0">
+              <a:solidFill>
+                <a:schemeClr val="tx2"/>
+              </a:solidFill>
+            </a:endParaRPr>
           </a:p>
         </p:txBody>
       </p:sp>
       <p:pic>
         <p:nvPicPr>
-          <p:cNvPr id="2050" name="Picture 2" descr="Science, Expérience, Recherche">
-            <a:extLst>
-              <a:ext uri="{FF2B5EF4-FFF2-40B4-BE49-F238E27FC236}">
-                <a16:creationId xmlns:a16="http://schemas.microsoft.com/office/drawing/2014/main" id="{2A162B4A-1099-686D-3511-A50E93291473}"/>
+          <p:cNvPr id="1026" name="Picture 2" descr="Flacons, Chimie, Chimique, Expérience">
+            <a:extLst>
+              <a:ext uri="{FF2B5EF4-FFF2-40B4-BE49-F238E27FC236}">
+                <a16:creationId xmlns:a16="http://schemas.microsoft.com/office/drawing/2014/main" id="{891AC83A-3460-B500-E04B-7A13E0314991}"/>
               </a:ext>
             </a:extLst>
           </p:cNvPr>
@@ -6370,7 +9769,7 @@
           <p:nvPr/>
         </p:nvPicPr>
         <p:blipFill>
-          <a:blip r:embed="rId3">
+          <a:blip r:embed="rId2">
             <a:extLst>
               <a:ext uri="{28A0092B-C50C-407E-A947-70E740481C1C}">
                 <a14:useLocalDpi xmlns:a14="http://schemas.microsoft.com/office/drawing/2010/main" val="0"/>
@@ -6384,8 +9783,8 @@
         </p:blipFill>
         <p:spPr bwMode="auto">
           <a:xfrm>
-            <a:off x="6217920" y="883920"/>
-            <a:ext cx="5974080" cy="5974080"/>
+            <a:off x="7214997" y="4155440"/>
+            <a:ext cx="1051964" cy="1083310"/>
           </a:xfrm>
           <a:prstGeom prst="rect">
             <a:avLst/>
@@ -6402,50 +9801,10 @@
           </a:extLst>
         </p:spPr>
       </p:pic>
-      <p:sp>
-        <p:nvSpPr>
-          <p:cNvPr id="2" name="ZoneTexte 1">
-            <a:extLst>
-              <a:ext uri="{FF2B5EF4-FFF2-40B4-BE49-F238E27FC236}">
-                <a16:creationId xmlns:a16="http://schemas.microsoft.com/office/drawing/2014/main" id="{B750248E-14FB-35CE-A7F3-F017DB5C389E}"/>
-              </a:ext>
-            </a:extLst>
-          </p:cNvPr>
-          <p:cNvSpPr txBox="1"/>
-          <p:nvPr/>
-        </p:nvSpPr>
-        <p:spPr>
-          <a:xfrm>
-            <a:off x="8504872" y="1152525"/>
-            <a:ext cx="1400175" cy="769441"/>
-          </a:xfrm>
-          <a:prstGeom prst="rect">
-            <a:avLst/>
-          </a:prstGeom>
-          <a:noFill/>
-        </p:spPr>
-        <p:txBody>
-          <a:bodyPr wrap="square" rtlCol="0">
-            <a:spAutoFit/>
-          </a:bodyPr>
-          <a:lstStyle/>
-          <a:p>
-            <a:pPr algn="ctr"/>
-            <a:r>
-              <a:rPr lang="fr-FR" sz="4400" b="1" dirty="0">
-                <a:solidFill>
-                  <a:schemeClr val="bg1"/>
-                </a:solidFill>
-              </a:rPr>
-              <a:t>LAB</a:t>
-            </a:r>
-          </a:p>
-        </p:txBody>
-      </p:sp>
     </p:spTree>
     <p:extLst>
       <p:ext uri="{BB962C8B-B14F-4D97-AF65-F5344CB8AC3E}">
-        <p14:creationId xmlns:p14="http://schemas.microsoft.com/office/powerpoint/2010/main" val="1619280332"/>
+        <p14:creationId xmlns:p14="http://schemas.microsoft.com/office/powerpoint/2010/main" val="1603475869"/>
       </p:ext>
     </p:extLst>
   </p:cSld>
@@ -6455,7 +9814,592 @@
 </p:sld>
 </file>
 
-<file path=ppt/slides/slide14.xml><?xml version="1.0" encoding="utf-8"?>
+<file path=ppt/slides/slide20.xml><?xml version="1.0" encoding="utf-8"?>
+<p:sld xmlns:a="http://schemas.openxmlformats.org/drawingml/2006/main" xmlns:r="http://schemas.openxmlformats.org/officeDocument/2006/relationships" xmlns:p="http://schemas.openxmlformats.org/presentationml/2006/main" showMasterSp="0">
+  <p:cSld>
+    <p:bg>
+      <p:bgPr>
+        <a:solidFill>
+          <a:srgbClr val="FFFFFF"/>
+        </a:solidFill>
+        <a:effectLst/>
+      </p:bgPr>
+    </p:bg>
+    <p:spTree>
+      <p:nvGrpSpPr>
+        <p:cNvPr id="1" name=""/>
+        <p:cNvGrpSpPr/>
+        <p:nvPr/>
+      </p:nvGrpSpPr>
+      <p:grpSpPr>
+        <a:xfrm>
+          <a:off x="0" y="0"/>
+          <a:ext cx="0" cy="0"/>
+          <a:chOff x="0" y="0"/>
+          <a:chExt cx="0" cy="0"/>
+        </a:xfrm>
+      </p:grpSpPr>
+      <p:sp>
+        <p:nvSpPr>
+          <p:cNvPr id="2" name="Rectangle : coins arrondis 1">
+            <a:extLst>
+              <a:ext uri="{FF2B5EF4-FFF2-40B4-BE49-F238E27FC236}">
+                <a16:creationId xmlns:a16="http://schemas.microsoft.com/office/drawing/2014/main" id="{EA23F1D6-C8C2-2AA3-27E4-F033CD3CA278}"/>
+              </a:ext>
+            </a:extLst>
+          </p:cNvPr>
+          <p:cNvSpPr/>
+          <p:nvPr>
+            <p:custDataLst>
+              <p:tags r:id="rId2"/>
+            </p:custDataLst>
+          </p:nvPr>
+        </p:nvSpPr>
+        <p:spPr>
+          <a:xfrm>
+            <a:off x="6286500" y="430530"/>
+            <a:ext cx="5524500" cy="891540"/>
+          </a:xfrm>
+          <a:prstGeom prst="roundRect">
+            <a:avLst/>
+          </a:prstGeom>
+          <a:solidFill>
+            <a:srgbClr val="F4F4F4"/>
+          </a:solidFill>
+          <a:ln w="19050" cap="flat" cmpd="sng" algn="ctr">
+            <a:noFill/>
+            <a:prstDash val="solid"/>
+            <a:miter lim="800000"/>
+          </a:ln>
+          <a:effectLst/>
+          <a:extLst>
+            <a:ext uri="{91240B29-F687-4F45-9708-019B960494DF}">
+              <a14:hiddenLine xmlns:a14="http://schemas.microsoft.com/office/drawing/2010/main" w="19050" cap="flat" cmpd="sng" algn="ctr">
+                <a:solidFill>
+                  <a:schemeClr val="accent1">
+                    <a:shade val="15000"/>
+                  </a:schemeClr>
+                </a:solidFill>
+                <a:prstDash val="solid"/>
+                <a:miter lim="800000"/>
+              </a14:hiddenLine>
+            </a:ext>
+          </a:extLst>
+        </p:spPr>
+        <p:style>
+          <a:lnRef idx="2">
+            <a:schemeClr val="accent1">
+              <a:shade val="15000"/>
+            </a:schemeClr>
+          </a:lnRef>
+          <a:fillRef idx="1">
+            <a:schemeClr val="accent1"/>
+          </a:fillRef>
+          <a:effectRef idx="0">
+            <a:schemeClr val="accent1"/>
+          </a:effectRef>
+          <a:fontRef idx="minor">
+            <a:schemeClr val="lt1"/>
+          </a:fontRef>
+        </p:style>
+        <p:txBody>
+          <a:bodyPr lIns="317500" rIns="1143000" rtlCol="0" anchor="ctr">
+            <a:normAutofit/>
+          </a:bodyPr>
+          <a:lstStyle/>
+          <a:p>
+            <a:r>
+              <a:rPr lang="en-US" sz="2000">
+                <a:solidFill>
+                  <a:srgbClr val="5B5B5B"/>
+                </a:solidFill>
+              </a:rPr>
+              <a:t>Please download and install the Slido app on all computers you use</a:t>
+            </a:r>
+            <a:endParaRPr lang="fr-FR" sz="2000">
+              <a:solidFill>
+                <a:srgbClr val="5B5B5B"/>
+              </a:solidFill>
+            </a:endParaRPr>
+          </a:p>
+        </p:txBody>
+      </p:sp>
+      <p:pic>
+        <p:nvPicPr>
+          <p:cNvPr id="4" name="Graphique 3">
+            <a:extLst>
+              <a:ext uri="{FF2B5EF4-FFF2-40B4-BE49-F238E27FC236}">
+                <a16:creationId xmlns:a16="http://schemas.microsoft.com/office/drawing/2014/main" id="{52C54BAB-F068-B590-960D-E816BAD2A216}"/>
+              </a:ext>
+            </a:extLst>
+          </p:cNvPr>
+          <p:cNvPicPr>
+            <a:picLocks/>
+          </p:cNvPicPr>
+          <p:nvPr>
+            <p:custDataLst>
+              <p:tags r:id="rId3"/>
+            </p:custDataLst>
+          </p:nvPr>
+        </p:nvPicPr>
+        <p:blipFill>
+          <a:blip r:embed="rId9">
+            <a:extLst>
+              <a:ext uri="{96DAC541-7B7A-43D3-8B79-37D633B846F1}">
+                <asvg:svgBlip xmlns:asvg="http://schemas.microsoft.com/office/drawing/2016/SVG/main" r:embed="rId10"/>
+              </a:ext>
+            </a:extLst>
+          </a:blip>
+          <a:stretch>
+            <a:fillRect/>
+          </a:stretch>
+        </p:blipFill>
+        <p:spPr>
+          <a:xfrm>
+            <a:off x="10826048" y="577634"/>
+            <a:ext cx="597332" cy="597332"/>
+          </a:xfrm>
+          <a:prstGeom prst="rect">
+            <a:avLst/>
+          </a:prstGeom>
+        </p:spPr>
+      </p:pic>
+      <p:pic>
+        <p:nvPicPr>
+          <p:cNvPr id="6" name="Graphique 5">
+            <a:extLst>
+              <a:ext uri="{FF2B5EF4-FFF2-40B4-BE49-F238E27FC236}">
+                <a16:creationId xmlns:a16="http://schemas.microsoft.com/office/drawing/2014/main" id="{E3AC3A82-216A-4007-1F57-F67BC75C37D9}"/>
+              </a:ext>
+            </a:extLst>
+          </p:cNvPr>
+          <p:cNvPicPr>
+            <a:picLocks/>
+          </p:cNvPicPr>
+          <p:nvPr>
+            <p:custDataLst>
+              <p:tags r:id="rId4"/>
+            </p:custDataLst>
+          </p:nvPr>
+        </p:nvPicPr>
+        <p:blipFill>
+          <a:blip r:embed="rId11">
+            <a:extLst>
+              <a:ext uri="{96DAC541-7B7A-43D3-8B79-37D633B846F1}">
+                <asvg:svgBlip xmlns:asvg="http://schemas.microsoft.com/office/drawing/2016/SVG/main" r:embed="rId12"/>
+              </a:ext>
+            </a:extLst>
+          </a:blip>
+          <a:stretch>
+            <a:fillRect/>
+          </a:stretch>
+        </p:blipFill>
+        <p:spPr>
+          <a:xfrm>
+            <a:off x="3901440" y="617220"/>
+            <a:ext cx="1036320" cy="518160"/>
+          </a:xfrm>
+          <a:prstGeom prst="rect">
+            <a:avLst/>
+          </a:prstGeom>
+        </p:spPr>
+      </p:pic>
+      <p:pic>
+        <p:nvPicPr>
+          <p:cNvPr id="8" name="Graphique 7">
+            <a:extLst>
+              <a:ext uri="{FF2B5EF4-FFF2-40B4-BE49-F238E27FC236}">
+                <a16:creationId xmlns:a16="http://schemas.microsoft.com/office/drawing/2014/main" id="{EA86AA5D-7D94-EF9D-C61F-BAD646650246}"/>
+              </a:ext>
+            </a:extLst>
+          </p:cNvPr>
+          <p:cNvPicPr>
+            <a:picLocks/>
+          </p:cNvPicPr>
+          <p:nvPr>
+            <p:custDataLst>
+              <p:tags r:id="rId5"/>
+            </p:custDataLst>
+          </p:nvPr>
+        </p:nvPicPr>
+        <p:blipFill>
+          <a:blip r:embed="rId13">
+            <a:extLst>
+              <a:ext uri="{96DAC541-7B7A-43D3-8B79-37D633B846F1}">
+                <asvg:svgBlip xmlns:asvg="http://schemas.microsoft.com/office/drawing/2016/SVG/main" r:embed="rId14"/>
+              </a:ext>
+            </a:extLst>
+          </a:blip>
+          <a:stretch>
+            <a:fillRect/>
+          </a:stretch>
+        </p:blipFill>
+        <p:spPr>
+          <a:xfrm>
+            <a:off x="1158240" y="2270760"/>
+            <a:ext cx="2316480" cy="2316480"/>
+          </a:xfrm>
+          <a:prstGeom prst="rect">
+            <a:avLst/>
+          </a:prstGeom>
+        </p:spPr>
+      </p:pic>
+      <p:sp>
+        <p:nvSpPr>
+          <p:cNvPr id="9" name="Rectangle 8">
+            <a:extLst>
+              <a:ext uri="{FF2B5EF4-FFF2-40B4-BE49-F238E27FC236}">
+                <a16:creationId xmlns:a16="http://schemas.microsoft.com/office/drawing/2014/main" id="{AD210805-A6E2-1FE5-FA77-69E52E224AFF}"/>
+              </a:ext>
+            </a:extLst>
+          </p:cNvPr>
+          <p:cNvSpPr/>
+          <p:nvPr>
+            <p:custDataLst>
+              <p:tags r:id="rId6"/>
+            </p:custDataLst>
+          </p:nvPr>
+        </p:nvSpPr>
+        <p:spPr>
+          <a:xfrm>
+            <a:off x="3901440" y="2571750"/>
+            <a:ext cx="7315199" cy="1714500"/>
+          </a:xfrm>
+          <a:prstGeom prst="rect">
+            <a:avLst/>
+          </a:prstGeom>
+          <a:noFill/>
+          <a:ln w="19050" cap="flat" cmpd="sng" algn="ctr">
+            <a:solidFill>
+              <a:srgbClr val="FFFFFF"/>
+            </a:solidFill>
+            <a:prstDash val="solid"/>
+            <a:miter lim="800000"/>
+          </a:ln>
+          <a:effectLst/>
+          <a:extLst>
+            <a:ext uri="{909E8E84-426E-40DD-AFC4-6F175D3DCCD1}">
+              <a14:hiddenFill xmlns:a14="http://schemas.microsoft.com/office/drawing/2010/main">
+                <a:solidFill>
+                  <a:schemeClr val="accent1"/>
+                </a:solidFill>
+              </a14:hiddenFill>
+            </a:ext>
+          </a:extLst>
+        </p:spPr>
+        <p:style>
+          <a:lnRef idx="2">
+            <a:schemeClr val="accent1">
+              <a:shade val="15000"/>
+            </a:schemeClr>
+          </a:lnRef>
+          <a:fillRef idx="1">
+            <a:schemeClr val="accent1"/>
+          </a:fillRef>
+          <a:effectRef idx="0">
+            <a:schemeClr val="accent1"/>
+          </a:effectRef>
+          <a:fontRef idx="minor">
+            <a:schemeClr val="lt1"/>
+          </a:fontRef>
+        </p:style>
+        <p:txBody>
+          <a:bodyPr rtlCol="0" anchor="ctr"/>
+          <a:lstStyle/>
+          <a:p>
+            <a:r>
+              <a:rPr lang="fr-FR" sz="2800" b="1">
+                <a:solidFill>
+                  <a:srgbClr val="5B5B5B"/>
+                </a:solidFill>
+              </a:rPr>
+              <a:t>Quel est l'avantage principal de l'utilisation de templates API dans le développement de microservices ?</a:t>
+            </a:r>
+          </a:p>
+        </p:txBody>
+      </p:sp>
+      <p:sp>
+        <p:nvSpPr>
+          <p:cNvPr id="10" name="Rectangle 9">
+            <a:extLst>
+              <a:ext uri="{FF2B5EF4-FFF2-40B4-BE49-F238E27FC236}">
+                <a16:creationId xmlns:a16="http://schemas.microsoft.com/office/drawing/2014/main" id="{E7557451-D671-F9C2-5154-83D0E0137935}"/>
+              </a:ext>
+            </a:extLst>
+          </p:cNvPr>
+          <p:cNvSpPr/>
+          <p:nvPr>
+            <p:custDataLst>
+              <p:tags r:id="rId7"/>
+            </p:custDataLst>
+          </p:nvPr>
+        </p:nvSpPr>
+        <p:spPr>
+          <a:xfrm>
+            <a:off x="3901440" y="6032500"/>
+            <a:ext cx="7315199" cy="518160"/>
+          </a:xfrm>
+          <a:prstGeom prst="rect">
+            <a:avLst/>
+          </a:prstGeom>
+          <a:noFill/>
+          <a:ln w="19050" cap="flat" cmpd="sng" algn="ctr">
+            <a:noFill/>
+            <a:prstDash val="solid"/>
+            <a:miter lim="800000"/>
+          </a:ln>
+          <a:effectLst/>
+          <a:extLst>
+            <a:ext uri="{909E8E84-426E-40DD-AFC4-6F175D3DCCD1}">
+              <a14:hiddenFill xmlns:a14="http://schemas.microsoft.com/office/drawing/2010/main">
+                <a:solidFill>
+                  <a:schemeClr val="accent1"/>
+                </a:solidFill>
+              </a14:hiddenFill>
+            </a:ext>
+            <a:ext uri="{91240B29-F687-4F45-9708-019B960494DF}">
+              <a14:hiddenLine xmlns:a14="http://schemas.microsoft.com/office/drawing/2010/main" w="19050" cap="flat" cmpd="sng" algn="ctr">
+                <a:solidFill>
+                  <a:schemeClr val="accent1">
+                    <a:shade val="15000"/>
+                  </a:schemeClr>
+                </a:solidFill>
+                <a:prstDash val="solid"/>
+                <a:miter lim="800000"/>
+              </a14:hiddenLine>
+            </a:ext>
+          </a:extLst>
+        </p:spPr>
+        <p:style>
+          <a:lnRef idx="2">
+            <a:schemeClr val="accent1">
+              <a:shade val="15000"/>
+            </a:schemeClr>
+          </a:lnRef>
+          <a:fillRef idx="1">
+            <a:schemeClr val="accent1"/>
+          </a:fillRef>
+          <a:effectRef idx="0">
+            <a:schemeClr val="accent1"/>
+          </a:effectRef>
+          <a:fontRef idx="minor">
+            <a:schemeClr val="lt1"/>
+          </a:fontRef>
+        </p:style>
+        <p:txBody>
+          <a:bodyPr rtlCol="0" anchor="ctr">
+            <a:normAutofit/>
+          </a:bodyPr>
+          <a:lstStyle/>
+          <a:p>
+            <a:r>
+              <a:rPr lang="en-US" sz="2200" b="1">
+                <a:solidFill>
+                  <a:srgbClr val="5B5B5B"/>
+                </a:solidFill>
+              </a:rPr>
+              <a:t>ⓘ</a:t>
+            </a:r>
+            <a:r>
+              <a:rPr lang="en-US" sz="2000">
+                <a:solidFill>
+                  <a:srgbClr val="5B5B5B"/>
+                </a:solidFill>
+              </a:rPr>
+              <a:t> Start presenting to display the poll results on this slide.</a:t>
+            </a:r>
+            <a:endParaRPr lang="fr-FR" sz="2000">
+              <a:solidFill>
+                <a:srgbClr val="5B5B5B"/>
+              </a:solidFill>
+            </a:endParaRPr>
+          </a:p>
+        </p:txBody>
+      </p:sp>
+    </p:spTree>
+    <p:custDataLst>
+      <p:tags r:id="rId1"/>
+    </p:custDataLst>
+    <p:extLst>
+      <p:ext uri="{BB962C8B-B14F-4D97-AF65-F5344CB8AC3E}">
+        <p14:creationId xmlns:p14="http://schemas.microsoft.com/office/powerpoint/2010/main" val="1339652441"/>
+      </p:ext>
+    </p:extLst>
+  </p:cSld>
+  <p:clrMapOvr>
+    <a:masterClrMapping/>
+  </p:clrMapOvr>
+  <p:timing>
+    <p:tnLst>
+      <p:par>
+        <p:cTn id="1" dur="indefinite" restart="never" nodeType="tmRoot">
+          <p:childTnLst>
+            <p:seq concurrent="1" nextAc="seek">
+              <p:cTn id="2" dur="indefinite" nodeType="mainSeq">
+                <p:childTnLst>
+                  <p:par>
+                    <p:cTn id="3" fill="hold">
+                      <p:stCondLst>
+                        <p:cond delay="indefinite"/>
+                      </p:stCondLst>
+                      <p:childTnLst>
+                        <p:par>
+                          <p:cTn id="4" fill="hold">
+                            <p:stCondLst>
+                              <p:cond delay="0"/>
+                            </p:stCondLst>
+                            <p:childTnLst>
+                              <p:par>
+                                <p:cTn id="5" presetID="26" presetClass="emph" presetSubtype="0" fill="hold" grpId="0" nodeType="clickEffect">
+                                  <p:stCondLst>
+                                    <p:cond delay="0"/>
+                                  </p:stCondLst>
+                                  <p:childTnLst>
+                                    <p:animEffect transition="out" filter="fade">
+                                      <p:cBhvr>
+                                        <p:cTn id="6" dur="50" tmFilter="0, 0; .2, .5; .8, .5; 1, 0"/>
+                                        <p:tgtEl>
+                                          <p:spTgt spid="9"/>
+                                        </p:tgtEl>
+                                      </p:cBhvr>
+                                    </p:animEffect>
+                                    <p:animScale>
+                                      <p:cBhvr>
+                                        <p:cTn id="7" dur="25" autoRev="1" fill="hold"/>
+                                        <p:tgtEl>
+                                          <p:spTgt spid="9"/>
+                                        </p:tgtEl>
+                                      </p:cBhvr>
+                                      <p:by x="105000" y="105000"/>
+                                    </p:animScale>
+                                  </p:childTnLst>
+                                </p:cTn>
+                              </p:par>
+                            </p:childTnLst>
+                          </p:cTn>
+                        </p:par>
+                      </p:childTnLst>
+                    </p:cTn>
+                  </p:par>
+                  <p:par>
+                    <p:cTn id="8" fill="hold">
+                      <p:stCondLst>
+                        <p:cond delay="indefinite"/>
+                      </p:stCondLst>
+                      <p:childTnLst>
+                        <p:par>
+                          <p:cTn id="9" fill="hold">
+                            <p:stCondLst>
+                              <p:cond delay="0"/>
+                            </p:stCondLst>
+                            <p:childTnLst>
+                              <p:par>
+                                <p:cTn id="10" presetID="26" presetClass="emph" presetSubtype="0" fill="hold" grpId="1" nodeType="clickEffect">
+                                  <p:stCondLst>
+                                    <p:cond delay="0"/>
+                                  </p:stCondLst>
+                                  <p:childTnLst>
+                                    <p:animEffect transition="out" filter="fade">
+                                      <p:cBhvr>
+                                        <p:cTn id="11" dur="50" tmFilter="0, 0; .2, .5; .8, .5; 1, 0"/>
+                                        <p:tgtEl>
+                                          <p:spTgt spid="9"/>
+                                        </p:tgtEl>
+                                      </p:cBhvr>
+                                    </p:animEffect>
+                                    <p:animScale>
+                                      <p:cBhvr>
+                                        <p:cTn id="12" dur="25" autoRev="1" fill="hold"/>
+                                        <p:tgtEl>
+                                          <p:spTgt spid="9"/>
+                                        </p:tgtEl>
+                                      </p:cBhvr>
+                                      <p:by x="105000" y="105000"/>
+                                    </p:animScale>
+                                  </p:childTnLst>
+                                </p:cTn>
+                              </p:par>
+                            </p:childTnLst>
+                          </p:cTn>
+                        </p:par>
+                      </p:childTnLst>
+                    </p:cTn>
+                  </p:par>
+                  <p:par>
+                    <p:cTn id="13" fill="hold">
+                      <p:stCondLst>
+                        <p:cond delay="indefinite"/>
+                      </p:stCondLst>
+                      <p:childTnLst>
+                        <p:par>
+                          <p:cTn id="14" fill="hold">
+                            <p:stCondLst>
+                              <p:cond delay="0"/>
+                            </p:stCondLst>
+                            <p:childTnLst>
+                              <p:par>
+                                <p:cTn id="15" presetID="26" presetClass="emph" presetSubtype="0" fill="hold" grpId="2" nodeType="clickEffect">
+                                  <p:stCondLst>
+                                    <p:cond delay="0"/>
+                                  </p:stCondLst>
+                                  <p:childTnLst>
+                                    <p:animEffect transition="out" filter="fade">
+                                      <p:cBhvr>
+                                        <p:cTn id="16" dur="50" tmFilter="0, 0; .2, .5; .8, .5; 1, 0"/>
+                                        <p:tgtEl>
+                                          <p:spTgt spid="9"/>
+                                        </p:tgtEl>
+                                      </p:cBhvr>
+                                    </p:animEffect>
+                                    <p:animScale>
+                                      <p:cBhvr>
+                                        <p:cTn id="17" dur="25" autoRev="1" fill="hold"/>
+                                        <p:tgtEl>
+                                          <p:spTgt spid="9"/>
+                                        </p:tgtEl>
+                                      </p:cBhvr>
+                                      <p:by x="105000" y="105000"/>
+                                    </p:animScale>
+                                  </p:childTnLst>
+                                </p:cTn>
+                              </p:par>
+                            </p:childTnLst>
+                          </p:cTn>
+                        </p:par>
+                      </p:childTnLst>
+                    </p:cTn>
+                  </p:par>
+                </p:childTnLst>
+              </p:cTn>
+              <p:prevCondLst>
+                <p:cond evt="onPrev" delay="0">
+                  <p:tgtEl>
+                    <p:sldTgt/>
+                  </p:tgtEl>
+                </p:cond>
+              </p:prevCondLst>
+              <p:nextCondLst>
+                <p:cond evt="onNext" delay="0">
+                  <p:tgtEl>
+                    <p:sldTgt/>
+                  </p:tgtEl>
+                </p:cond>
+              </p:nextCondLst>
+            </p:seq>
+          </p:childTnLst>
+        </p:cTn>
+      </p:par>
+    </p:tnLst>
+    <p:bldLst>
+      <p:bldP spid="9" grpId="0" animBg="1"/>
+      <p:bldP spid="9" grpId="1" animBg="1"/>
+      <p:bldP spid="9" grpId="2" animBg="1"/>
+    </p:bldLst>
+  </p:timing>
+</p:sld>
+</file>
+
+<file path=ppt/slides/slide21.xml><?xml version="1.0" encoding="utf-8"?>
 <p:sld xmlns:a="http://schemas.openxmlformats.org/drawingml/2006/main" xmlns:r="http://schemas.openxmlformats.org/officeDocument/2006/relationships" xmlns:p="http://schemas.openxmlformats.org/presentationml/2006/main">
   <p:cSld>
     <p:spTree>
@@ -6474,216 +10418,100 @@
       </p:grpSpPr>
       <p:sp>
         <p:nvSpPr>
-          <p:cNvPr id="6" name="Sous-titre 2">
-            <a:extLst>
-              <a:ext uri="{FF2B5EF4-FFF2-40B4-BE49-F238E27FC236}">
-                <a16:creationId xmlns:a16="http://schemas.microsoft.com/office/drawing/2014/main" id="{3BCD69F1-18A3-8D63-D68C-8F4620299F31}"/>
-              </a:ext>
-            </a:extLst>
-          </p:cNvPr>
-          <p:cNvSpPr txBox="1">
-            <a:spLocks/>
+          <p:cNvPr id="3" name="Espace réservé du contenu 2">
+            <a:extLst>
+              <a:ext uri="{FF2B5EF4-FFF2-40B4-BE49-F238E27FC236}">
+                <a16:creationId xmlns:a16="http://schemas.microsoft.com/office/drawing/2014/main" id="{5D1598F1-3F5E-181B-29E7-26081FFE38F7}"/>
+              </a:ext>
+            </a:extLst>
+          </p:cNvPr>
+          <p:cNvSpPr>
+            <a:spLocks noGrp="1"/>
           </p:cNvSpPr>
-          <p:nvPr/>
+          <p:nvPr>
+            <p:ph idx="1"/>
+          </p:nvPr>
         </p:nvSpPr>
         <p:spPr>
           <a:xfrm>
-            <a:off x="4533356" y="6517441"/>
-            <a:ext cx="2890647" cy="214122"/>
+            <a:off x="223520" y="1059656"/>
+            <a:ext cx="5872479" cy="5160163"/>
           </a:xfrm>
-          <a:prstGeom prst="rect">
-            <a:avLst/>
-          </a:prstGeom>
         </p:spPr>
         <p:txBody>
-          <a:bodyPr vert="horz" lIns="91440" tIns="45720" rIns="91440" bIns="45720" rtlCol="0">
+          <a:bodyPr>
             <a:noAutofit/>
           </a:bodyPr>
-          <a:lstStyle>
-            <a:lvl1pPr marL="228600" indent="-228600" algn="l" defTabSz="914400" rtl="0" eaLnBrk="1" latinLnBrk="0" hangingPunct="1">
-              <a:lnSpc>
-                <a:spcPct val="90000"/>
-              </a:lnSpc>
-              <a:spcBef>
-                <a:spcPts val="1000"/>
-              </a:spcBef>
-              <a:buFont typeface="Arial" panose="020B0604020202020204" pitchFamily="34" charset="0"/>
-              <a:buChar char="•"/>
-              <a:defRPr sz="2800" kern="1200">
-                <a:solidFill>
-                  <a:schemeClr val="tx1"/>
-                </a:solidFill>
-                <a:latin typeface="+mn-lt"/>
-                <a:ea typeface="+mn-ea"/>
-                <a:cs typeface="+mn-cs"/>
-              </a:defRPr>
-            </a:lvl1pPr>
-            <a:lvl2pPr marL="685800" indent="-228600" algn="l" defTabSz="914400" rtl="0" eaLnBrk="1" latinLnBrk="0" hangingPunct="1">
-              <a:lnSpc>
-                <a:spcPct val="90000"/>
-              </a:lnSpc>
-              <a:spcBef>
-                <a:spcPts val="500"/>
-              </a:spcBef>
-              <a:buFont typeface="Arial" panose="020B0604020202020204" pitchFamily="34" charset="0"/>
-              <a:buChar char="•"/>
-              <a:defRPr sz="2400" kern="1200">
-                <a:solidFill>
-                  <a:schemeClr val="tx1"/>
-                </a:solidFill>
-                <a:latin typeface="+mn-lt"/>
-                <a:ea typeface="+mn-ea"/>
-                <a:cs typeface="+mn-cs"/>
-              </a:defRPr>
-            </a:lvl2pPr>
-            <a:lvl3pPr marL="1143000" indent="-228600" algn="l" defTabSz="914400" rtl="0" eaLnBrk="1" latinLnBrk="0" hangingPunct="1">
-              <a:lnSpc>
-                <a:spcPct val="90000"/>
-              </a:lnSpc>
-              <a:spcBef>
-                <a:spcPts val="500"/>
-              </a:spcBef>
-              <a:buFont typeface="Arial" panose="020B0604020202020204" pitchFamily="34" charset="0"/>
-              <a:buChar char="•"/>
-              <a:defRPr sz="2000" kern="1200">
-                <a:solidFill>
-                  <a:schemeClr val="tx1"/>
-                </a:solidFill>
-                <a:latin typeface="+mn-lt"/>
-                <a:ea typeface="+mn-ea"/>
-                <a:cs typeface="+mn-cs"/>
-              </a:defRPr>
-            </a:lvl3pPr>
-            <a:lvl4pPr marL="1600200" indent="-228600" algn="l" defTabSz="914400" rtl="0" eaLnBrk="1" latinLnBrk="0" hangingPunct="1">
-              <a:lnSpc>
-                <a:spcPct val="90000"/>
-              </a:lnSpc>
-              <a:spcBef>
-                <a:spcPts val="500"/>
-              </a:spcBef>
-              <a:buFont typeface="Arial" panose="020B0604020202020204" pitchFamily="34" charset="0"/>
-              <a:buChar char="•"/>
-              <a:defRPr sz="1800" kern="1200">
-                <a:solidFill>
-                  <a:schemeClr val="tx1"/>
-                </a:solidFill>
-                <a:latin typeface="+mn-lt"/>
-                <a:ea typeface="+mn-ea"/>
-                <a:cs typeface="+mn-cs"/>
-              </a:defRPr>
-            </a:lvl4pPr>
-            <a:lvl5pPr marL="2057400" indent="-228600" algn="l" defTabSz="914400" rtl="0" eaLnBrk="1" latinLnBrk="0" hangingPunct="1">
-              <a:lnSpc>
-                <a:spcPct val="90000"/>
-              </a:lnSpc>
-              <a:spcBef>
-                <a:spcPts val="500"/>
-              </a:spcBef>
-              <a:buFont typeface="Arial" panose="020B0604020202020204" pitchFamily="34" charset="0"/>
-              <a:buChar char="•"/>
-              <a:defRPr sz="1800" kern="1200">
-                <a:solidFill>
-                  <a:schemeClr val="tx1"/>
-                </a:solidFill>
-                <a:latin typeface="+mn-lt"/>
-                <a:ea typeface="+mn-ea"/>
-                <a:cs typeface="+mn-cs"/>
-              </a:defRPr>
-            </a:lvl5pPr>
-            <a:lvl6pPr marL="2514600" indent="-228600" algn="l" defTabSz="914400" rtl="0" eaLnBrk="1" latinLnBrk="0" hangingPunct="1">
-              <a:lnSpc>
-                <a:spcPct val="90000"/>
-              </a:lnSpc>
-              <a:spcBef>
-                <a:spcPts val="500"/>
-              </a:spcBef>
-              <a:buFont typeface="Arial" panose="020B0604020202020204" pitchFamily="34" charset="0"/>
-              <a:buChar char="•"/>
-              <a:defRPr sz="1800" kern="1200">
-                <a:solidFill>
-                  <a:schemeClr val="tx1"/>
-                </a:solidFill>
-                <a:latin typeface="+mn-lt"/>
-                <a:ea typeface="+mn-ea"/>
-                <a:cs typeface="+mn-cs"/>
-              </a:defRPr>
-            </a:lvl6pPr>
-            <a:lvl7pPr marL="2971800" indent="-228600" algn="l" defTabSz="914400" rtl="0" eaLnBrk="1" latinLnBrk="0" hangingPunct="1">
-              <a:lnSpc>
-                <a:spcPct val="90000"/>
-              </a:lnSpc>
-              <a:spcBef>
-                <a:spcPts val="500"/>
-              </a:spcBef>
-              <a:buFont typeface="Arial" panose="020B0604020202020204" pitchFamily="34" charset="0"/>
-              <a:buChar char="•"/>
-              <a:defRPr sz="1800" kern="1200">
-                <a:solidFill>
-                  <a:schemeClr val="tx1"/>
-                </a:solidFill>
-                <a:latin typeface="+mn-lt"/>
-                <a:ea typeface="+mn-ea"/>
-                <a:cs typeface="+mn-cs"/>
-              </a:defRPr>
-            </a:lvl7pPr>
-            <a:lvl8pPr marL="3429000" indent="-228600" algn="l" defTabSz="914400" rtl="0" eaLnBrk="1" latinLnBrk="0" hangingPunct="1">
-              <a:lnSpc>
-                <a:spcPct val="90000"/>
-              </a:lnSpc>
-              <a:spcBef>
-                <a:spcPts val="500"/>
-              </a:spcBef>
-              <a:buFont typeface="Arial" panose="020B0604020202020204" pitchFamily="34" charset="0"/>
-              <a:buChar char="•"/>
-              <a:defRPr sz="1800" kern="1200">
-                <a:solidFill>
-                  <a:schemeClr val="tx1"/>
-                </a:solidFill>
-                <a:latin typeface="+mn-lt"/>
-                <a:ea typeface="+mn-ea"/>
-                <a:cs typeface="+mn-cs"/>
-              </a:defRPr>
-            </a:lvl8pPr>
-            <a:lvl9pPr marL="3886200" indent="-228600" algn="l" defTabSz="914400" rtl="0" eaLnBrk="1" latinLnBrk="0" hangingPunct="1">
-              <a:lnSpc>
-                <a:spcPct val="90000"/>
-              </a:lnSpc>
-              <a:spcBef>
-                <a:spcPts val="500"/>
-              </a:spcBef>
-              <a:buFont typeface="Arial" panose="020B0604020202020204" pitchFamily="34" charset="0"/>
-              <a:buChar char="•"/>
-              <a:defRPr sz="1800" kern="1200">
-                <a:solidFill>
-                  <a:schemeClr val="tx1"/>
-                </a:solidFill>
-                <a:latin typeface="+mn-lt"/>
-                <a:ea typeface="+mn-ea"/>
-                <a:cs typeface="+mn-cs"/>
-              </a:defRPr>
-            </a:lvl9pPr>
-          </a:lstStyle>
+          <a:lstStyle/>
           <a:p>
             <a:pPr marL="0" indent="0">
+              <a:lnSpc>
+                <a:spcPct val="200000"/>
+              </a:lnSpc>
               <a:buNone/>
             </a:pPr>
             <a:r>
-              <a:rPr lang="fr-FR" sz="1100" b="1" dirty="0">
-                <a:solidFill>
-                  <a:schemeClr val="tx2"/>
-                </a:solidFill>
-              </a:rPr>
-              <a:t>Préparé et Présenté par Daniel  Lawson</a:t>
-            </a:r>
+              <a:rPr lang="fr-FR" sz="2200" b="1" dirty="0"/>
+              <a:t>Dans cet atelier, nous allons:</a:t>
+            </a:r>
+          </a:p>
+          <a:p>
+            <a:pPr>
+              <a:lnSpc>
+                <a:spcPct val="200000"/>
+              </a:lnSpc>
+            </a:pPr>
+            <a:r>
+              <a:rPr lang="fr-FR" sz="2200" dirty="0"/>
+              <a:t>Analyser notre architecture monolithique</a:t>
+            </a:r>
+          </a:p>
+          <a:p>
+            <a:pPr>
+              <a:lnSpc>
+                <a:spcPct val="200000"/>
+              </a:lnSpc>
+            </a:pPr>
+            <a:r>
+              <a:rPr lang="fr-FR" sz="2200" dirty="0"/>
+              <a:t>Identifier les contextes et les délimiter</a:t>
+            </a:r>
+          </a:p>
+          <a:p>
+            <a:pPr>
+              <a:lnSpc>
+                <a:spcPct val="200000"/>
+              </a:lnSpc>
+            </a:pPr>
+            <a:r>
+              <a:rPr lang="fr-FR" sz="2200" dirty="0"/>
+              <a:t>Identifier les contextes éligibles pour devenir des services</a:t>
+            </a:r>
+          </a:p>
+          <a:p>
+            <a:pPr>
+              <a:lnSpc>
+                <a:spcPct val="200000"/>
+              </a:lnSpc>
+            </a:pPr>
+            <a:r>
+              <a:rPr lang="fr-FR" sz="2200" dirty="0"/>
+              <a:t>Construire notre architecture </a:t>
+            </a:r>
+            <a:r>
+              <a:rPr lang="fr-FR" sz="2200" dirty="0" err="1"/>
+              <a:t>microservices</a:t>
+            </a:r>
+            <a:endParaRPr lang="fr-FR" sz="2200" dirty="0"/>
           </a:p>
         </p:txBody>
       </p:sp>
       <p:sp>
         <p:nvSpPr>
-          <p:cNvPr id="7" name="Titre 1">
-            <a:extLst>
-              <a:ext uri="{FF2B5EF4-FFF2-40B4-BE49-F238E27FC236}">
-                <a16:creationId xmlns:a16="http://schemas.microsoft.com/office/drawing/2014/main" id="{D122964A-2BA9-92D7-4F45-EFEFCAE30085}"/>
+          <p:cNvPr id="4" name="Titre 1">
+            <a:extLst>
+              <a:ext uri="{FF2B5EF4-FFF2-40B4-BE49-F238E27FC236}">
+                <a16:creationId xmlns:a16="http://schemas.microsoft.com/office/drawing/2014/main" id="{9F8046C7-59C6-E9C9-C220-2A88E0E8AA74}"/>
               </a:ext>
             </a:extLst>
           </p:cNvPr>
@@ -6739,10 +10567,10 @@
       </p:sp>
       <p:cxnSp>
         <p:nvCxnSpPr>
-          <p:cNvPr id="8" name="Connecteur droit 7">
-            <a:extLst>
-              <a:ext uri="{FF2B5EF4-FFF2-40B4-BE49-F238E27FC236}">
-                <a16:creationId xmlns:a16="http://schemas.microsoft.com/office/drawing/2014/main" id="{532989CB-805A-AC94-902B-454502F05937}"/>
+          <p:cNvPr id="5" name="Connecteur droit 4">
+            <a:extLst>
+              <a:ext uri="{FF2B5EF4-FFF2-40B4-BE49-F238E27FC236}">
+                <a16:creationId xmlns:a16="http://schemas.microsoft.com/office/drawing/2014/main" id="{555718AF-B7AD-AAD3-6D4E-C60371FD6A96}"/>
               </a:ext>
             </a:extLst>
           </p:cNvPr>
@@ -6777,10 +10605,263 @@
       </p:cxnSp>
       <p:sp>
         <p:nvSpPr>
-          <p:cNvPr id="9" name="ZoneTexte 8">
-            <a:extLst>
-              <a:ext uri="{FF2B5EF4-FFF2-40B4-BE49-F238E27FC236}">
-                <a16:creationId xmlns:a16="http://schemas.microsoft.com/office/drawing/2014/main" id="{D15A4471-AA2D-82AE-EDE6-DA6191814647}"/>
+          <p:cNvPr id="6" name="Sous-titre 2">
+            <a:extLst>
+              <a:ext uri="{FF2B5EF4-FFF2-40B4-BE49-F238E27FC236}">
+                <a16:creationId xmlns:a16="http://schemas.microsoft.com/office/drawing/2014/main" id="{02826535-6718-FF2C-7532-A8BEE5D7C409}"/>
+              </a:ext>
+            </a:extLst>
+          </p:cNvPr>
+          <p:cNvSpPr txBox="1">
+            <a:spLocks/>
+          </p:cNvSpPr>
+          <p:nvPr/>
+        </p:nvSpPr>
+        <p:spPr>
+          <a:xfrm>
+            <a:off x="121794" y="6617710"/>
+            <a:ext cx="2890647" cy="214122"/>
+          </a:xfrm>
+          <a:prstGeom prst="rect">
+            <a:avLst/>
+          </a:prstGeom>
+        </p:spPr>
+        <p:txBody>
+          <a:bodyPr vert="horz" lIns="91440" tIns="45720" rIns="91440" bIns="45720" rtlCol="0">
+            <a:noAutofit/>
+          </a:bodyPr>
+          <a:lstStyle>
+            <a:lvl1pPr marL="228600" indent="-228600" algn="l" defTabSz="914400" rtl="0" eaLnBrk="1" latinLnBrk="0" hangingPunct="1">
+              <a:lnSpc>
+                <a:spcPct val="90000"/>
+              </a:lnSpc>
+              <a:spcBef>
+                <a:spcPts val="1000"/>
+              </a:spcBef>
+              <a:buFont typeface="Arial" panose="020B0604020202020204" pitchFamily="34" charset="0"/>
+              <a:buChar char="•"/>
+              <a:defRPr sz="2800" kern="1200">
+                <a:solidFill>
+                  <a:schemeClr val="tx1"/>
+                </a:solidFill>
+                <a:latin typeface="+mn-lt"/>
+                <a:ea typeface="+mn-ea"/>
+                <a:cs typeface="+mn-cs"/>
+              </a:defRPr>
+            </a:lvl1pPr>
+            <a:lvl2pPr marL="685800" indent="-228600" algn="l" defTabSz="914400" rtl="0" eaLnBrk="1" latinLnBrk="0" hangingPunct="1">
+              <a:lnSpc>
+                <a:spcPct val="90000"/>
+              </a:lnSpc>
+              <a:spcBef>
+                <a:spcPts val="500"/>
+              </a:spcBef>
+              <a:buFont typeface="Arial" panose="020B0604020202020204" pitchFamily="34" charset="0"/>
+              <a:buChar char="•"/>
+              <a:defRPr sz="2400" kern="1200">
+                <a:solidFill>
+                  <a:schemeClr val="tx1"/>
+                </a:solidFill>
+                <a:latin typeface="+mn-lt"/>
+                <a:ea typeface="+mn-ea"/>
+                <a:cs typeface="+mn-cs"/>
+              </a:defRPr>
+            </a:lvl2pPr>
+            <a:lvl3pPr marL="1143000" indent="-228600" algn="l" defTabSz="914400" rtl="0" eaLnBrk="1" latinLnBrk="0" hangingPunct="1">
+              <a:lnSpc>
+                <a:spcPct val="90000"/>
+              </a:lnSpc>
+              <a:spcBef>
+                <a:spcPts val="500"/>
+              </a:spcBef>
+              <a:buFont typeface="Arial" panose="020B0604020202020204" pitchFamily="34" charset="0"/>
+              <a:buChar char="•"/>
+              <a:defRPr sz="2000" kern="1200">
+                <a:solidFill>
+                  <a:schemeClr val="tx1"/>
+                </a:solidFill>
+                <a:latin typeface="+mn-lt"/>
+                <a:ea typeface="+mn-ea"/>
+                <a:cs typeface="+mn-cs"/>
+              </a:defRPr>
+            </a:lvl3pPr>
+            <a:lvl4pPr marL="1600200" indent="-228600" algn="l" defTabSz="914400" rtl="0" eaLnBrk="1" latinLnBrk="0" hangingPunct="1">
+              <a:lnSpc>
+                <a:spcPct val="90000"/>
+              </a:lnSpc>
+              <a:spcBef>
+                <a:spcPts val="500"/>
+              </a:spcBef>
+              <a:buFont typeface="Arial" panose="020B0604020202020204" pitchFamily="34" charset="0"/>
+              <a:buChar char="•"/>
+              <a:defRPr sz="1800" kern="1200">
+                <a:solidFill>
+                  <a:schemeClr val="tx1"/>
+                </a:solidFill>
+                <a:latin typeface="+mn-lt"/>
+                <a:ea typeface="+mn-ea"/>
+                <a:cs typeface="+mn-cs"/>
+              </a:defRPr>
+            </a:lvl4pPr>
+            <a:lvl5pPr marL="2057400" indent="-228600" algn="l" defTabSz="914400" rtl="0" eaLnBrk="1" latinLnBrk="0" hangingPunct="1">
+              <a:lnSpc>
+                <a:spcPct val="90000"/>
+              </a:lnSpc>
+              <a:spcBef>
+                <a:spcPts val="500"/>
+              </a:spcBef>
+              <a:buFont typeface="Arial" panose="020B0604020202020204" pitchFamily="34" charset="0"/>
+              <a:buChar char="•"/>
+              <a:defRPr sz="1800" kern="1200">
+                <a:solidFill>
+                  <a:schemeClr val="tx1"/>
+                </a:solidFill>
+                <a:latin typeface="+mn-lt"/>
+                <a:ea typeface="+mn-ea"/>
+                <a:cs typeface="+mn-cs"/>
+              </a:defRPr>
+            </a:lvl5pPr>
+            <a:lvl6pPr marL="2514600" indent="-228600" algn="l" defTabSz="914400" rtl="0" eaLnBrk="1" latinLnBrk="0" hangingPunct="1">
+              <a:lnSpc>
+                <a:spcPct val="90000"/>
+              </a:lnSpc>
+              <a:spcBef>
+                <a:spcPts val="500"/>
+              </a:spcBef>
+              <a:buFont typeface="Arial" panose="020B0604020202020204" pitchFamily="34" charset="0"/>
+              <a:buChar char="•"/>
+              <a:defRPr sz="1800" kern="1200">
+                <a:solidFill>
+                  <a:schemeClr val="tx1"/>
+                </a:solidFill>
+                <a:latin typeface="+mn-lt"/>
+                <a:ea typeface="+mn-ea"/>
+                <a:cs typeface="+mn-cs"/>
+              </a:defRPr>
+            </a:lvl6pPr>
+            <a:lvl7pPr marL="2971800" indent="-228600" algn="l" defTabSz="914400" rtl="0" eaLnBrk="1" latinLnBrk="0" hangingPunct="1">
+              <a:lnSpc>
+                <a:spcPct val="90000"/>
+              </a:lnSpc>
+              <a:spcBef>
+                <a:spcPts val="500"/>
+              </a:spcBef>
+              <a:buFont typeface="Arial" panose="020B0604020202020204" pitchFamily="34" charset="0"/>
+              <a:buChar char="•"/>
+              <a:defRPr sz="1800" kern="1200">
+                <a:solidFill>
+                  <a:schemeClr val="tx1"/>
+                </a:solidFill>
+                <a:latin typeface="+mn-lt"/>
+                <a:ea typeface="+mn-ea"/>
+                <a:cs typeface="+mn-cs"/>
+              </a:defRPr>
+            </a:lvl7pPr>
+            <a:lvl8pPr marL="3429000" indent="-228600" algn="l" defTabSz="914400" rtl="0" eaLnBrk="1" latinLnBrk="0" hangingPunct="1">
+              <a:lnSpc>
+                <a:spcPct val="90000"/>
+              </a:lnSpc>
+              <a:spcBef>
+                <a:spcPts val="500"/>
+              </a:spcBef>
+              <a:buFont typeface="Arial" panose="020B0604020202020204" pitchFamily="34" charset="0"/>
+              <a:buChar char="•"/>
+              <a:defRPr sz="1800" kern="1200">
+                <a:solidFill>
+                  <a:schemeClr val="tx1"/>
+                </a:solidFill>
+                <a:latin typeface="+mn-lt"/>
+                <a:ea typeface="+mn-ea"/>
+                <a:cs typeface="+mn-cs"/>
+              </a:defRPr>
+            </a:lvl8pPr>
+            <a:lvl9pPr marL="3886200" indent="-228600" algn="l" defTabSz="914400" rtl="0" eaLnBrk="1" latinLnBrk="0" hangingPunct="1">
+              <a:lnSpc>
+                <a:spcPct val="90000"/>
+              </a:lnSpc>
+              <a:spcBef>
+                <a:spcPts val="500"/>
+              </a:spcBef>
+              <a:buFont typeface="Arial" panose="020B0604020202020204" pitchFamily="34" charset="0"/>
+              <a:buChar char="•"/>
+              <a:defRPr sz="1800" kern="1200">
+                <a:solidFill>
+                  <a:schemeClr val="tx1"/>
+                </a:solidFill>
+                <a:latin typeface="+mn-lt"/>
+                <a:ea typeface="+mn-ea"/>
+                <a:cs typeface="+mn-cs"/>
+              </a:defRPr>
+            </a:lvl9pPr>
+          </a:lstStyle>
+          <a:p>
+            <a:pPr marL="0" indent="0">
+              <a:buNone/>
+            </a:pPr>
+            <a:r>
+              <a:rPr lang="fr-FR" sz="1100" b="1" dirty="0">
+                <a:solidFill>
+                  <a:schemeClr val="tx2"/>
+                </a:solidFill>
+              </a:rPr>
+              <a:t>Préparé et Présenté par Daniel  Lawson</a:t>
+            </a:r>
+          </a:p>
+        </p:txBody>
+      </p:sp>
+      <p:pic>
+        <p:nvPicPr>
+          <p:cNvPr id="2050" name="Picture 2" descr="Science, Expérience, Recherche">
+            <a:extLst>
+              <a:ext uri="{FF2B5EF4-FFF2-40B4-BE49-F238E27FC236}">
+                <a16:creationId xmlns:a16="http://schemas.microsoft.com/office/drawing/2014/main" id="{2A162B4A-1099-686D-3511-A50E93291473}"/>
+              </a:ext>
+            </a:extLst>
+          </p:cNvPr>
+          <p:cNvPicPr>
+            <a:picLocks noChangeAspect="1" noChangeArrowheads="1"/>
+          </p:cNvPicPr>
+          <p:nvPr/>
+        </p:nvPicPr>
+        <p:blipFill>
+          <a:blip r:embed="rId3">
+            <a:extLst>
+              <a:ext uri="{28A0092B-C50C-407E-A947-70E740481C1C}">
+                <a14:useLocalDpi xmlns:a14="http://schemas.microsoft.com/office/drawing/2010/main" val="0"/>
+              </a:ext>
+            </a:extLst>
+          </a:blip>
+          <a:srcRect/>
+          <a:stretch>
+            <a:fillRect/>
+          </a:stretch>
+        </p:blipFill>
+        <p:spPr bwMode="auto">
+          <a:xfrm>
+            <a:off x="6217920" y="883920"/>
+            <a:ext cx="5974080" cy="5974080"/>
+          </a:xfrm>
+          <a:prstGeom prst="rect">
+            <a:avLst/>
+          </a:prstGeom>
+          <a:noFill/>
+          <a:extLst>
+            <a:ext uri="{909E8E84-426E-40DD-AFC4-6F175D3DCCD1}">
+              <a14:hiddenFill xmlns:a14="http://schemas.microsoft.com/office/drawing/2010/main">
+                <a:solidFill>
+                  <a:srgbClr val="FFFFFF"/>
+                </a:solidFill>
+              </a14:hiddenFill>
+            </a:ext>
+          </a:extLst>
+        </p:spPr>
+      </p:pic>
+      <p:sp>
+        <p:nvSpPr>
+          <p:cNvPr id="2" name="ZoneTexte 1">
+            <a:extLst>
+              <a:ext uri="{FF2B5EF4-FFF2-40B4-BE49-F238E27FC236}">
+                <a16:creationId xmlns:a16="http://schemas.microsoft.com/office/drawing/2014/main" id="{B750248E-14FB-35CE-A7F3-F017DB5C389E}"/>
               </a:ext>
             </a:extLst>
           </p:cNvPr>
@@ -6789,8 +10870,8 @@
         </p:nvSpPr>
         <p:spPr>
           <a:xfrm>
-            <a:off x="223520" y="1072832"/>
-            <a:ext cx="6045200" cy="400110"/>
+            <a:off x="8504872" y="1152525"/>
+            <a:ext cx="1400175" cy="769441"/>
           </a:xfrm>
           <a:prstGeom prst="rect">
             <a:avLst/>
@@ -6803,131 +10884,22 @@
           </a:bodyPr>
           <a:lstStyle/>
           <a:p>
-            <a:r>
-              <a:rPr lang="fr-FR" sz="2000" b="1" dirty="0"/>
-              <a:t>Modules fonctionnels de l’application monolithe : </a:t>
-            </a:r>
-          </a:p>
-        </p:txBody>
-      </p:sp>
-      <p:sp>
-        <p:nvSpPr>
-          <p:cNvPr id="11" name="ZoneTexte 10">
-            <a:extLst>
-              <a:ext uri="{FF2B5EF4-FFF2-40B4-BE49-F238E27FC236}">
-                <a16:creationId xmlns:a16="http://schemas.microsoft.com/office/drawing/2014/main" id="{A4DA49AF-D8C2-23F8-43E6-82024B6DDBC9}"/>
-              </a:ext>
-            </a:extLst>
-          </p:cNvPr>
-          <p:cNvSpPr txBox="1"/>
-          <p:nvPr/>
-        </p:nvSpPr>
-        <p:spPr>
-          <a:xfrm>
-            <a:off x="223520" y="1678224"/>
-            <a:ext cx="11887200" cy="4801314"/>
-          </a:xfrm>
-          <a:prstGeom prst="rect">
-            <a:avLst/>
-          </a:prstGeom>
-          <a:noFill/>
-        </p:spPr>
-        <p:txBody>
-          <a:bodyPr wrap="square">
-            <a:spAutoFit/>
-          </a:bodyPr>
-          <a:lstStyle/>
-          <a:p>
-            <a:r>
-              <a:rPr lang="fr-FR" b="1" dirty="0"/>
-              <a:t>Catalogue des restaurants : </a:t>
-            </a:r>
-          </a:p>
-          <a:p>
-            <a:r>
-              <a:rPr lang="fr-FR" dirty="0"/>
-              <a:t>Gestion des restaurants (ajout, suppression, mise à jour), Gestion des menus (plats, prix, options personnalisées), </a:t>
-            </a:r>
-          </a:p>
-          <a:p>
-            <a:endParaRPr lang="fr-FR" dirty="0"/>
-          </a:p>
-          <a:p>
-            <a:r>
-              <a:rPr lang="fr-FR" b="1" dirty="0"/>
-              <a:t>Gestion des utilisateurs :</a:t>
-            </a:r>
-          </a:p>
-          <a:p>
-            <a:r>
-              <a:rPr lang="fr-FR" dirty="0"/>
-              <a:t>Inscription et connexion des utilisateurs (clients et restaurateurs), Gestion des rôles (client, restaurateur, livreur)</a:t>
-            </a:r>
-          </a:p>
-          <a:p>
-            <a:r>
-              <a:rPr lang="fr-FR" dirty="0"/>
-              <a:t>Profil utilisateur (adresses, préférences alimentaires)</a:t>
-            </a:r>
-          </a:p>
-          <a:p>
-            <a:endParaRPr lang="fr-FR" dirty="0"/>
-          </a:p>
-          <a:p>
-            <a:r>
-              <a:rPr lang="fr-FR" b="1" dirty="0"/>
-              <a:t>Commandes :</a:t>
-            </a:r>
-          </a:p>
-          <a:p>
-            <a:r>
-              <a:rPr lang="fr-FR" dirty="0"/>
-              <a:t>Création des commandes (sélection de plats, personnalisation), Calcul du prix total (plats, taxes, frais de livraison)</a:t>
-            </a:r>
-          </a:p>
-          <a:p>
-            <a:r>
-              <a:rPr lang="fr-FR" dirty="0"/>
-              <a:t>Suivi des statuts de commande (en attente, en cours, livrée)</a:t>
-            </a:r>
-          </a:p>
-          <a:p>
-            <a:endParaRPr lang="fr-FR" dirty="0"/>
-          </a:p>
-          <a:p>
-            <a:r>
-              <a:rPr lang="fr-FR" b="1" dirty="0"/>
-              <a:t>Paiements :</a:t>
-            </a:r>
-          </a:p>
-          <a:p>
-            <a:r>
-              <a:rPr lang="fr-FR" dirty="0"/>
-              <a:t>Gestion des moyens de paiement (cartes, PayPal, etc.), Validation des paiements en ligne, Gestion des remboursements</a:t>
-            </a:r>
-          </a:p>
-          <a:p>
-            <a:endParaRPr lang="fr-FR" dirty="0"/>
-          </a:p>
-          <a:p>
-            <a:r>
-              <a:rPr lang="fr-FR" b="1" dirty="0"/>
-              <a:t>Gestion des livreurs : </a:t>
-            </a:r>
-            <a:r>
-              <a:rPr lang="fr-FR" dirty="0"/>
-              <a:t>Attribution des commandes aux livreurs, Gestion des disponibilités des livreurs</a:t>
-            </a:r>
-          </a:p>
-          <a:p>
-            <a:endParaRPr lang="fr-FR" dirty="0"/>
+            <a:pPr algn="ctr"/>
+            <a:r>
+              <a:rPr lang="fr-FR" sz="4400" b="1" dirty="0">
+                <a:solidFill>
+                  <a:schemeClr val="bg1"/>
+                </a:solidFill>
+              </a:rPr>
+              <a:t>LAB</a:t>
+            </a:r>
           </a:p>
         </p:txBody>
       </p:sp>
     </p:spTree>
     <p:extLst>
       <p:ext uri="{BB962C8B-B14F-4D97-AF65-F5344CB8AC3E}">
-        <p14:creationId xmlns:p14="http://schemas.microsoft.com/office/powerpoint/2010/main" val="1850163373"/>
+        <p14:creationId xmlns:p14="http://schemas.microsoft.com/office/powerpoint/2010/main" val="1619280332"/>
       </p:ext>
     </p:extLst>
   </p:cSld>
@@ -6937,7 +10909,7 @@
 </p:sld>
 </file>
 
-<file path=ppt/slides/slide15.xml><?xml version="1.0" encoding="utf-8"?>
+<file path=ppt/slides/slide22.xml><?xml version="1.0" encoding="utf-8"?>
 <p:sld xmlns:a="http://schemas.openxmlformats.org/drawingml/2006/main" xmlns:r="http://schemas.openxmlformats.org/officeDocument/2006/relationships" xmlns:p="http://schemas.openxmlformats.org/presentationml/2006/main">
   <p:cSld>
     <p:spTree>
@@ -7307,7 +11279,7 @@
         <p:spPr>
           <a:xfrm>
             <a:off x="223520" y="1678224"/>
-            <a:ext cx="11887200" cy="3693319"/>
+            <a:ext cx="11887200" cy="4801314"/>
           </a:xfrm>
           <a:prstGeom prst="rect">
             <a:avLst/>
@@ -7322,25 +11294,34 @@
           <a:p>
             <a:r>
               <a:rPr lang="fr-FR" b="1" dirty="0"/>
-              <a:t>Livraison et suivi des commandes :</a:t>
+              <a:t>Catalogue des restaurants : </a:t>
             </a:r>
           </a:p>
           <a:p>
             <a:r>
               <a:rPr lang="fr-FR" dirty="0"/>
-              <a:t>Suivi en temps réel des commandes (restaurant → livreur → client)</a:t>
+              <a:t>Gestion des restaurants (ajout, suppression, mise à jour), Gestion des menus (plats, prix, options personnalisées), </a:t>
+            </a:r>
+          </a:p>
+          <a:p>
+            <a:endParaRPr lang="fr-FR" dirty="0"/>
+          </a:p>
+          <a:p>
+            <a:r>
+              <a:rPr lang="fr-FR" b="1" dirty="0"/>
+              <a:t>Gestion des utilisateurs :</a:t>
             </a:r>
           </a:p>
           <a:p>
             <a:r>
               <a:rPr lang="fr-FR" dirty="0"/>
-              <a:t>Calcul automatique des itinéraires pour les livreurs</a:t>
+              <a:t>Inscription et connexion des utilisateurs (clients et restaurateurs), Gestion des rôles (client, restaurateur, livreur)</a:t>
             </a:r>
           </a:p>
           <a:p>
             <a:r>
               <a:rPr lang="fr-FR" dirty="0"/>
-              <a:t>Notifications en temps réel pour les clients et les livreurs (via SMS ou application)</a:t>
+              <a:t>Profil utilisateur (adresses, préférences alimentaires)</a:t>
             </a:r>
           </a:p>
           <a:p>
@@ -7349,19 +11330,19 @@
           <a:p>
             <a:r>
               <a:rPr lang="fr-FR" b="1" dirty="0"/>
-              <a:t>Système de notation et avis :</a:t>
+              <a:t>Commandes :</a:t>
             </a:r>
           </a:p>
           <a:p>
             <a:r>
               <a:rPr lang="fr-FR" dirty="0"/>
-              <a:t>Système de notation des restaurants et des livreurs par les clients</a:t>
+              <a:t>Création des commandes (sélection de plats, personnalisation), Calcul du prix total (plats, taxes, frais de livraison)</a:t>
             </a:r>
           </a:p>
           <a:p>
             <a:r>
               <a:rPr lang="fr-FR" dirty="0"/>
-              <a:t>Gestion des avis clients (commentaires, évaluations)</a:t>
+              <a:t>Suivi des statuts de commande (en attente, en cours, livrée)</a:t>
             </a:r>
           </a:p>
           <a:p>
@@ -7370,19 +11351,26 @@
           <a:p>
             <a:r>
               <a:rPr lang="fr-FR" b="1" dirty="0"/>
-              <a:t>Promotions et réductions :</a:t>
+              <a:t>Paiements :</a:t>
             </a:r>
           </a:p>
           <a:p>
             <a:r>
               <a:rPr lang="fr-FR" dirty="0"/>
-              <a:t>Gestion des codes promotionnels</a:t>
-            </a:r>
-          </a:p>
-          <a:p>
+              <a:t>Gestion des moyens de paiement (cartes, PayPal, etc.), Validation des paiements en ligne, Gestion des remboursements</a:t>
+            </a:r>
+          </a:p>
+          <a:p>
+            <a:endParaRPr lang="fr-FR" dirty="0"/>
+          </a:p>
+          <a:p>
+            <a:r>
+              <a:rPr lang="fr-FR" b="1" dirty="0"/>
+              <a:t>Gestion des livreurs : </a:t>
+            </a:r>
             <a:r>
               <a:rPr lang="fr-FR" dirty="0"/>
-              <a:t>Application automatique des réductions en fonction des conditions (restaurants participants, montants, etc.)</a:t>
+              <a:t>Attribution des commandes aux livreurs, Gestion des disponibilités des livreurs</a:t>
             </a:r>
           </a:p>
           <a:p>
@@ -7393,7 +11381,7 @@
     </p:spTree>
     <p:extLst>
       <p:ext uri="{BB962C8B-B14F-4D97-AF65-F5344CB8AC3E}">
-        <p14:creationId xmlns:p14="http://schemas.microsoft.com/office/powerpoint/2010/main" val="2650891039"/>
+        <p14:creationId xmlns:p14="http://schemas.microsoft.com/office/powerpoint/2010/main" val="1850163373"/>
       </p:ext>
     </p:extLst>
   </p:cSld>
@@ -7403,7 +11391,7 @@
 </p:sld>
 </file>
 
-<file path=ppt/slides/slide16.xml><?xml version="1.0" encoding="utf-8"?>
+<file path=ppt/slides/slide23.xml><?xml version="1.0" encoding="utf-8"?>
 <p:sld xmlns:a="http://schemas.openxmlformats.org/drawingml/2006/main" xmlns:r="http://schemas.openxmlformats.org/officeDocument/2006/relationships" xmlns:p="http://schemas.openxmlformats.org/presentationml/2006/main">
   <p:cSld>
     <p:spTree>
@@ -7422,199 +11410,10 @@
       </p:grpSpPr>
       <p:sp>
         <p:nvSpPr>
-          <p:cNvPr id="4" name="Titre 1">
-            <a:extLst>
-              <a:ext uri="{FF2B5EF4-FFF2-40B4-BE49-F238E27FC236}">
-                <a16:creationId xmlns:a16="http://schemas.microsoft.com/office/drawing/2014/main" id="{0BBD490F-0135-83AC-A1D0-18C01882B938}"/>
-              </a:ext>
-            </a:extLst>
-          </p:cNvPr>
-          <p:cNvSpPr>
-            <a:spLocks noGrp="1"/>
-          </p:cNvSpPr>
-          <p:nvPr>
-            <p:ph type="title"/>
-          </p:nvPr>
-        </p:nvSpPr>
-        <p:spPr>
-          <a:xfrm>
-            <a:off x="2681714" y="2713346"/>
-            <a:ext cx="6828572" cy="1128713"/>
-          </a:xfrm>
-        </p:spPr>
-        <p:txBody>
-          <a:bodyPr>
-            <a:noAutofit/>
-          </a:bodyPr>
-          <a:lstStyle/>
-          <a:p>
-            <a:pPr algn="ctr"/>
-            <a:r>
-              <a:rPr lang="fr-FR" sz="4100" b="1" dirty="0">
-                <a:solidFill>
-                  <a:schemeClr val="tx2"/>
-                </a:solidFill>
-                <a:latin typeface="Lora" pitchFamily="2" charset="0"/>
-              </a:rPr>
-              <a:t>Fin du module</a:t>
-            </a:r>
-          </a:p>
-        </p:txBody>
-      </p:sp>
-    </p:spTree>
-    <p:extLst>
-      <p:ext uri="{BB962C8B-B14F-4D97-AF65-F5344CB8AC3E}">
-        <p14:creationId xmlns:p14="http://schemas.microsoft.com/office/powerpoint/2010/main" val="1610341630"/>
-      </p:ext>
-    </p:extLst>
-  </p:cSld>
-  <p:clrMapOvr>
-    <a:masterClrMapping/>
-  </p:clrMapOvr>
-</p:sld>
-</file>
-
-<file path=ppt/slides/slide2.xml><?xml version="1.0" encoding="utf-8"?>
-<p:sld xmlns:a="http://schemas.openxmlformats.org/drawingml/2006/main" xmlns:r="http://schemas.openxmlformats.org/officeDocument/2006/relationships" xmlns:p="http://schemas.openxmlformats.org/presentationml/2006/main">
-  <p:cSld>
-    <p:spTree>
-      <p:nvGrpSpPr>
-        <p:cNvPr id="1" name=""/>
-        <p:cNvGrpSpPr/>
-        <p:nvPr/>
-      </p:nvGrpSpPr>
-      <p:grpSpPr>
-        <a:xfrm>
-          <a:off x="0" y="0"/>
-          <a:ext cx="0" cy="0"/>
-          <a:chOff x="0" y="0"/>
-          <a:chExt cx="0" cy="0"/>
-        </a:xfrm>
-      </p:grpSpPr>
-      <p:sp>
-        <p:nvSpPr>
-          <p:cNvPr id="3" name="Espace réservé du contenu 2">
-            <a:extLst>
-              <a:ext uri="{FF2B5EF4-FFF2-40B4-BE49-F238E27FC236}">
-                <a16:creationId xmlns:a16="http://schemas.microsoft.com/office/drawing/2014/main" id="{5D1598F1-3F5E-181B-29E7-26081FFE38F7}"/>
-              </a:ext>
-            </a:extLst>
-          </p:cNvPr>
-          <p:cNvSpPr>
-            <a:spLocks noGrp="1"/>
-          </p:cNvSpPr>
-          <p:nvPr>
-            <p:ph idx="1"/>
-          </p:nvPr>
-        </p:nvSpPr>
-        <p:spPr>
-          <a:xfrm>
-            <a:off x="320040" y="1287145"/>
-            <a:ext cx="10515600" cy="4036695"/>
-          </a:xfrm>
-        </p:spPr>
-        <p:txBody>
-          <a:bodyPr>
-            <a:noAutofit/>
-          </a:bodyPr>
-          <a:lstStyle/>
-          <a:p>
-            <a:pPr>
-              <a:lnSpc>
-                <a:spcPct val="150000"/>
-              </a:lnSpc>
-            </a:pPr>
-            <a:r>
-              <a:rPr lang="fr-FR" sz="2200" dirty="0"/>
-              <a:t>Quelques questions de notre DSI</a:t>
-            </a:r>
-          </a:p>
-          <a:p>
-            <a:pPr>
-              <a:lnSpc>
-                <a:spcPct val="150000"/>
-              </a:lnSpc>
-            </a:pPr>
-            <a:r>
-              <a:rPr lang="fr-FR" sz="2200" dirty="0"/>
-              <a:t>Principes de découpage des </a:t>
-            </a:r>
-            <a:r>
-              <a:rPr lang="fr-FR" sz="2200" dirty="0" err="1"/>
-              <a:t>microservices</a:t>
-            </a:r>
-            <a:endParaRPr lang="fr-FR" sz="2200" dirty="0"/>
-          </a:p>
-          <a:p>
-            <a:pPr>
-              <a:lnSpc>
-                <a:spcPct val="150000"/>
-              </a:lnSpc>
-            </a:pPr>
-            <a:r>
-              <a:rPr lang="fr-FR" sz="2200" dirty="0"/>
-              <a:t>Principes de conception des </a:t>
-            </a:r>
-            <a:r>
-              <a:rPr lang="fr-FR" sz="2200" dirty="0" err="1"/>
-              <a:t>microservices</a:t>
-            </a:r>
-            <a:endParaRPr lang="fr-FR" sz="2200" dirty="0"/>
-          </a:p>
-          <a:p>
-            <a:pPr>
-              <a:lnSpc>
-                <a:spcPct val="150000"/>
-              </a:lnSpc>
-            </a:pPr>
-            <a:r>
-              <a:rPr lang="fr-FR" sz="2200" dirty="0"/>
-              <a:t>Répondre aux questions</a:t>
-            </a:r>
-          </a:p>
-          <a:p>
-            <a:pPr>
-              <a:lnSpc>
-                <a:spcPct val="150000"/>
-              </a:lnSpc>
-            </a:pPr>
-            <a:r>
-              <a:rPr lang="fr-FR" sz="2200" dirty="0"/>
-              <a:t>Contrôle de connaissances</a:t>
-            </a:r>
-          </a:p>
-          <a:p>
-            <a:pPr>
-              <a:lnSpc>
-                <a:spcPct val="150000"/>
-              </a:lnSpc>
-            </a:pPr>
-            <a:r>
-              <a:rPr lang="fr-FR" sz="2200" b="1" dirty="0"/>
-              <a:t>Atelier : Découper un monolithe en </a:t>
-            </a:r>
-            <a:r>
-              <a:rPr lang="fr-FR" sz="2200" b="1" dirty="0" err="1"/>
-              <a:t>microservices</a:t>
-            </a:r>
-            <a:endParaRPr lang="fr-FR" sz="2200" b="1" dirty="0"/>
-          </a:p>
-          <a:p>
-            <a:pPr>
-              <a:lnSpc>
-                <a:spcPct val="150000"/>
-              </a:lnSpc>
-            </a:pPr>
-            <a:endParaRPr lang="fr-FR" sz="2200" dirty="0"/>
-          </a:p>
-        </p:txBody>
-      </p:sp>
-      <p:sp>
-        <p:nvSpPr>
-          <p:cNvPr id="4" name="Titre 1">
-            <a:extLst>
-              <a:ext uri="{FF2B5EF4-FFF2-40B4-BE49-F238E27FC236}">
-                <a16:creationId xmlns:a16="http://schemas.microsoft.com/office/drawing/2014/main" id="{9F8046C7-59C6-E9C9-C220-2A88E0E8AA74}"/>
+          <p:cNvPr id="6" name="Sous-titre 2">
+            <a:extLst>
+              <a:ext uri="{FF2B5EF4-FFF2-40B4-BE49-F238E27FC236}">
+                <a16:creationId xmlns:a16="http://schemas.microsoft.com/office/drawing/2014/main" id="{3BCD69F1-18A3-8D63-D68C-8F4620299F31}"/>
               </a:ext>
             </a:extLst>
           </p:cNvPr>
@@ -7625,8 +11424,214 @@
         </p:nvSpPr>
         <p:spPr>
           <a:xfrm>
-            <a:off x="223520" y="309791"/>
-            <a:ext cx="3027680" cy="400368"/>
+            <a:off x="4533356" y="6517441"/>
+            <a:ext cx="2890647" cy="214122"/>
+          </a:xfrm>
+          <a:prstGeom prst="rect">
+            <a:avLst/>
+          </a:prstGeom>
+        </p:spPr>
+        <p:txBody>
+          <a:bodyPr vert="horz" lIns="91440" tIns="45720" rIns="91440" bIns="45720" rtlCol="0">
+            <a:noAutofit/>
+          </a:bodyPr>
+          <a:lstStyle>
+            <a:lvl1pPr marL="228600" indent="-228600" algn="l" defTabSz="914400" rtl="0" eaLnBrk="1" latinLnBrk="0" hangingPunct="1">
+              <a:lnSpc>
+                <a:spcPct val="90000"/>
+              </a:lnSpc>
+              <a:spcBef>
+                <a:spcPts val="1000"/>
+              </a:spcBef>
+              <a:buFont typeface="Arial" panose="020B0604020202020204" pitchFamily="34" charset="0"/>
+              <a:buChar char="•"/>
+              <a:defRPr sz="2800" kern="1200">
+                <a:solidFill>
+                  <a:schemeClr val="tx1"/>
+                </a:solidFill>
+                <a:latin typeface="+mn-lt"/>
+                <a:ea typeface="+mn-ea"/>
+                <a:cs typeface="+mn-cs"/>
+              </a:defRPr>
+            </a:lvl1pPr>
+            <a:lvl2pPr marL="685800" indent="-228600" algn="l" defTabSz="914400" rtl="0" eaLnBrk="1" latinLnBrk="0" hangingPunct="1">
+              <a:lnSpc>
+                <a:spcPct val="90000"/>
+              </a:lnSpc>
+              <a:spcBef>
+                <a:spcPts val="500"/>
+              </a:spcBef>
+              <a:buFont typeface="Arial" panose="020B0604020202020204" pitchFamily="34" charset="0"/>
+              <a:buChar char="•"/>
+              <a:defRPr sz="2400" kern="1200">
+                <a:solidFill>
+                  <a:schemeClr val="tx1"/>
+                </a:solidFill>
+                <a:latin typeface="+mn-lt"/>
+                <a:ea typeface="+mn-ea"/>
+                <a:cs typeface="+mn-cs"/>
+              </a:defRPr>
+            </a:lvl2pPr>
+            <a:lvl3pPr marL="1143000" indent="-228600" algn="l" defTabSz="914400" rtl="0" eaLnBrk="1" latinLnBrk="0" hangingPunct="1">
+              <a:lnSpc>
+                <a:spcPct val="90000"/>
+              </a:lnSpc>
+              <a:spcBef>
+                <a:spcPts val="500"/>
+              </a:spcBef>
+              <a:buFont typeface="Arial" panose="020B0604020202020204" pitchFamily="34" charset="0"/>
+              <a:buChar char="•"/>
+              <a:defRPr sz="2000" kern="1200">
+                <a:solidFill>
+                  <a:schemeClr val="tx1"/>
+                </a:solidFill>
+                <a:latin typeface="+mn-lt"/>
+                <a:ea typeface="+mn-ea"/>
+                <a:cs typeface="+mn-cs"/>
+              </a:defRPr>
+            </a:lvl3pPr>
+            <a:lvl4pPr marL="1600200" indent="-228600" algn="l" defTabSz="914400" rtl="0" eaLnBrk="1" latinLnBrk="0" hangingPunct="1">
+              <a:lnSpc>
+                <a:spcPct val="90000"/>
+              </a:lnSpc>
+              <a:spcBef>
+                <a:spcPts val="500"/>
+              </a:spcBef>
+              <a:buFont typeface="Arial" panose="020B0604020202020204" pitchFamily="34" charset="0"/>
+              <a:buChar char="•"/>
+              <a:defRPr sz="1800" kern="1200">
+                <a:solidFill>
+                  <a:schemeClr val="tx1"/>
+                </a:solidFill>
+                <a:latin typeface="+mn-lt"/>
+                <a:ea typeface="+mn-ea"/>
+                <a:cs typeface="+mn-cs"/>
+              </a:defRPr>
+            </a:lvl4pPr>
+            <a:lvl5pPr marL="2057400" indent="-228600" algn="l" defTabSz="914400" rtl="0" eaLnBrk="1" latinLnBrk="0" hangingPunct="1">
+              <a:lnSpc>
+                <a:spcPct val="90000"/>
+              </a:lnSpc>
+              <a:spcBef>
+                <a:spcPts val="500"/>
+              </a:spcBef>
+              <a:buFont typeface="Arial" panose="020B0604020202020204" pitchFamily="34" charset="0"/>
+              <a:buChar char="•"/>
+              <a:defRPr sz="1800" kern="1200">
+                <a:solidFill>
+                  <a:schemeClr val="tx1"/>
+                </a:solidFill>
+                <a:latin typeface="+mn-lt"/>
+                <a:ea typeface="+mn-ea"/>
+                <a:cs typeface="+mn-cs"/>
+              </a:defRPr>
+            </a:lvl5pPr>
+            <a:lvl6pPr marL="2514600" indent="-228600" algn="l" defTabSz="914400" rtl="0" eaLnBrk="1" latinLnBrk="0" hangingPunct="1">
+              <a:lnSpc>
+                <a:spcPct val="90000"/>
+              </a:lnSpc>
+              <a:spcBef>
+                <a:spcPts val="500"/>
+              </a:spcBef>
+              <a:buFont typeface="Arial" panose="020B0604020202020204" pitchFamily="34" charset="0"/>
+              <a:buChar char="•"/>
+              <a:defRPr sz="1800" kern="1200">
+                <a:solidFill>
+                  <a:schemeClr val="tx1"/>
+                </a:solidFill>
+                <a:latin typeface="+mn-lt"/>
+                <a:ea typeface="+mn-ea"/>
+                <a:cs typeface="+mn-cs"/>
+              </a:defRPr>
+            </a:lvl6pPr>
+            <a:lvl7pPr marL="2971800" indent="-228600" algn="l" defTabSz="914400" rtl="0" eaLnBrk="1" latinLnBrk="0" hangingPunct="1">
+              <a:lnSpc>
+                <a:spcPct val="90000"/>
+              </a:lnSpc>
+              <a:spcBef>
+                <a:spcPts val="500"/>
+              </a:spcBef>
+              <a:buFont typeface="Arial" panose="020B0604020202020204" pitchFamily="34" charset="0"/>
+              <a:buChar char="•"/>
+              <a:defRPr sz="1800" kern="1200">
+                <a:solidFill>
+                  <a:schemeClr val="tx1"/>
+                </a:solidFill>
+                <a:latin typeface="+mn-lt"/>
+                <a:ea typeface="+mn-ea"/>
+                <a:cs typeface="+mn-cs"/>
+              </a:defRPr>
+            </a:lvl7pPr>
+            <a:lvl8pPr marL="3429000" indent="-228600" algn="l" defTabSz="914400" rtl="0" eaLnBrk="1" latinLnBrk="0" hangingPunct="1">
+              <a:lnSpc>
+                <a:spcPct val="90000"/>
+              </a:lnSpc>
+              <a:spcBef>
+                <a:spcPts val="500"/>
+              </a:spcBef>
+              <a:buFont typeface="Arial" panose="020B0604020202020204" pitchFamily="34" charset="0"/>
+              <a:buChar char="•"/>
+              <a:defRPr sz="1800" kern="1200">
+                <a:solidFill>
+                  <a:schemeClr val="tx1"/>
+                </a:solidFill>
+                <a:latin typeface="+mn-lt"/>
+                <a:ea typeface="+mn-ea"/>
+                <a:cs typeface="+mn-cs"/>
+              </a:defRPr>
+            </a:lvl8pPr>
+            <a:lvl9pPr marL="3886200" indent="-228600" algn="l" defTabSz="914400" rtl="0" eaLnBrk="1" latinLnBrk="0" hangingPunct="1">
+              <a:lnSpc>
+                <a:spcPct val="90000"/>
+              </a:lnSpc>
+              <a:spcBef>
+                <a:spcPts val="500"/>
+              </a:spcBef>
+              <a:buFont typeface="Arial" panose="020B0604020202020204" pitchFamily="34" charset="0"/>
+              <a:buChar char="•"/>
+              <a:defRPr sz="1800" kern="1200">
+                <a:solidFill>
+                  <a:schemeClr val="tx1"/>
+                </a:solidFill>
+                <a:latin typeface="+mn-lt"/>
+                <a:ea typeface="+mn-ea"/>
+                <a:cs typeface="+mn-cs"/>
+              </a:defRPr>
+            </a:lvl9pPr>
+          </a:lstStyle>
+          <a:p>
+            <a:pPr marL="0" indent="0">
+              <a:buNone/>
+            </a:pPr>
+            <a:r>
+              <a:rPr lang="fr-FR" sz="1100" b="1" dirty="0">
+                <a:solidFill>
+                  <a:schemeClr val="tx2"/>
+                </a:solidFill>
+              </a:rPr>
+              <a:t>Préparé et Présenté par Daniel  Lawson</a:t>
+            </a:r>
+          </a:p>
+        </p:txBody>
+      </p:sp>
+      <p:sp>
+        <p:nvSpPr>
+          <p:cNvPr id="7" name="Titre 1">
+            <a:extLst>
+              <a:ext uri="{FF2B5EF4-FFF2-40B4-BE49-F238E27FC236}">
+                <a16:creationId xmlns:a16="http://schemas.microsoft.com/office/drawing/2014/main" id="{D122964A-2BA9-92D7-4F45-EFEFCAE30085}"/>
+              </a:ext>
+            </a:extLst>
+          </p:cNvPr>
+          <p:cNvSpPr txBox="1">
+            <a:spLocks/>
+          </p:cNvSpPr>
+          <p:nvPr/>
+        </p:nvSpPr>
+        <p:spPr>
+          <a:xfrm>
+            <a:off x="223520" y="229369"/>
+            <a:ext cx="7680960" cy="446074"/>
           </a:xfrm>
           <a:prstGeom prst="rect">
             <a:avLst/>
@@ -7658,17 +11663,22 @@
           <a:p>
             <a:r>
               <a:rPr lang="fr-FR" sz="2800" b="1" dirty="0"/>
-              <a:t>Dans ce module …</a:t>
-            </a:r>
+              <a:t>Atelier : Découper un monolithe en </a:t>
+            </a:r>
+            <a:r>
+              <a:rPr lang="fr-FR" sz="2800" b="1" dirty="0" err="1"/>
+              <a:t>microservices</a:t>
+            </a:r>
+            <a:endParaRPr lang="fr-FR" sz="2800" b="1" dirty="0"/>
           </a:p>
         </p:txBody>
       </p:sp>
       <p:cxnSp>
         <p:nvCxnSpPr>
-          <p:cNvPr id="5" name="Connecteur droit 4">
-            <a:extLst>
-              <a:ext uri="{FF2B5EF4-FFF2-40B4-BE49-F238E27FC236}">
-                <a16:creationId xmlns:a16="http://schemas.microsoft.com/office/drawing/2014/main" id="{555718AF-B7AD-AAD3-6D4E-C60371FD6A96}"/>
+          <p:cNvPr id="8" name="Connecteur droit 7">
+            <a:extLst>
+              <a:ext uri="{FF2B5EF4-FFF2-40B4-BE49-F238E27FC236}">
+                <a16:creationId xmlns:a16="http://schemas.microsoft.com/office/drawing/2014/main" id="{532989CB-805A-AC94-902B-454502F05937}"/>
               </a:ext>
             </a:extLst>
           </p:cNvPr>
@@ -7703,266 +11713,141 @@
       </p:cxnSp>
       <p:sp>
         <p:nvSpPr>
-          <p:cNvPr id="6" name="Sous-titre 2">
-            <a:extLst>
-              <a:ext uri="{FF2B5EF4-FFF2-40B4-BE49-F238E27FC236}">
-                <a16:creationId xmlns:a16="http://schemas.microsoft.com/office/drawing/2014/main" id="{02826535-6718-FF2C-7532-A8BEE5D7C409}"/>
-              </a:ext>
-            </a:extLst>
-          </p:cNvPr>
-          <p:cNvSpPr txBox="1">
-            <a:spLocks/>
-          </p:cNvSpPr>
+          <p:cNvPr id="9" name="ZoneTexte 8">
+            <a:extLst>
+              <a:ext uri="{FF2B5EF4-FFF2-40B4-BE49-F238E27FC236}">
+                <a16:creationId xmlns:a16="http://schemas.microsoft.com/office/drawing/2014/main" id="{D15A4471-AA2D-82AE-EDE6-DA6191814647}"/>
+              </a:ext>
+            </a:extLst>
+          </p:cNvPr>
+          <p:cNvSpPr txBox="1"/>
           <p:nvPr/>
         </p:nvSpPr>
         <p:spPr>
           <a:xfrm>
-            <a:off x="4324350" y="6643878"/>
-            <a:ext cx="2890647" cy="214122"/>
-          </a:xfrm>
-          <a:prstGeom prst="rect">
-            <a:avLst/>
-          </a:prstGeom>
-        </p:spPr>
-        <p:txBody>
-          <a:bodyPr vert="horz" lIns="91440" tIns="45720" rIns="91440" bIns="45720" rtlCol="0">
-            <a:noAutofit/>
-          </a:bodyPr>
-          <a:lstStyle>
-            <a:lvl1pPr marL="228600" indent="-228600" algn="l" defTabSz="914400" rtl="0" eaLnBrk="1" latinLnBrk="0" hangingPunct="1">
-              <a:lnSpc>
-                <a:spcPct val="90000"/>
-              </a:lnSpc>
-              <a:spcBef>
-                <a:spcPts val="1000"/>
-              </a:spcBef>
-              <a:buFont typeface="Arial" panose="020B0604020202020204" pitchFamily="34" charset="0"/>
-              <a:buChar char="•"/>
-              <a:defRPr sz="2800" kern="1200">
-                <a:solidFill>
-                  <a:schemeClr val="tx1"/>
-                </a:solidFill>
-                <a:latin typeface="+mn-lt"/>
-                <a:ea typeface="+mn-ea"/>
-                <a:cs typeface="+mn-cs"/>
-              </a:defRPr>
-            </a:lvl1pPr>
-            <a:lvl2pPr marL="685800" indent="-228600" algn="l" defTabSz="914400" rtl="0" eaLnBrk="1" latinLnBrk="0" hangingPunct="1">
-              <a:lnSpc>
-                <a:spcPct val="90000"/>
-              </a:lnSpc>
-              <a:spcBef>
-                <a:spcPts val="500"/>
-              </a:spcBef>
-              <a:buFont typeface="Arial" panose="020B0604020202020204" pitchFamily="34" charset="0"/>
-              <a:buChar char="•"/>
-              <a:defRPr sz="2400" kern="1200">
-                <a:solidFill>
-                  <a:schemeClr val="tx1"/>
-                </a:solidFill>
-                <a:latin typeface="+mn-lt"/>
-                <a:ea typeface="+mn-ea"/>
-                <a:cs typeface="+mn-cs"/>
-              </a:defRPr>
-            </a:lvl2pPr>
-            <a:lvl3pPr marL="1143000" indent="-228600" algn="l" defTabSz="914400" rtl="0" eaLnBrk="1" latinLnBrk="0" hangingPunct="1">
-              <a:lnSpc>
-                <a:spcPct val="90000"/>
-              </a:lnSpc>
-              <a:spcBef>
-                <a:spcPts val="500"/>
-              </a:spcBef>
-              <a:buFont typeface="Arial" panose="020B0604020202020204" pitchFamily="34" charset="0"/>
-              <a:buChar char="•"/>
-              <a:defRPr sz="2000" kern="1200">
-                <a:solidFill>
-                  <a:schemeClr val="tx1"/>
-                </a:solidFill>
-                <a:latin typeface="+mn-lt"/>
-                <a:ea typeface="+mn-ea"/>
-                <a:cs typeface="+mn-cs"/>
-              </a:defRPr>
-            </a:lvl3pPr>
-            <a:lvl4pPr marL="1600200" indent="-228600" algn="l" defTabSz="914400" rtl="0" eaLnBrk="1" latinLnBrk="0" hangingPunct="1">
-              <a:lnSpc>
-                <a:spcPct val="90000"/>
-              </a:lnSpc>
-              <a:spcBef>
-                <a:spcPts val="500"/>
-              </a:spcBef>
-              <a:buFont typeface="Arial" panose="020B0604020202020204" pitchFamily="34" charset="0"/>
-              <a:buChar char="•"/>
-              <a:defRPr sz="1800" kern="1200">
-                <a:solidFill>
-                  <a:schemeClr val="tx1"/>
-                </a:solidFill>
-                <a:latin typeface="+mn-lt"/>
-                <a:ea typeface="+mn-ea"/>
-                <a:cs typeface="+mn-cs"/>
-              </a:defRPr>
-            </a:lvl4pPr>
-            <a:lvl5pPr marL="2057400" indent="-228600" algn="l" defTabSz="914400" rtl="0" eaLnBrk="1" latinLnBrk="0" hangingPunct="1">
-              <a:lnSpc>
-                <a:spcPct val="90000"/>
-              </a:lnSpc>
-              <a:spcBef>
-                <a:spcPts val="500"/>
-              </a:spcBef>
-              <a:buFont typeface="Arial" panose="020B0604020202020204" pitchFamily="34" charset="0"/>
-              <a:buChar char="•"/>
-              <a:defRPr sz="1800" kern="1200">
-                <a:solidFill>
-                  <a:schemeClr val="tx1"/>
-                </a:solidFill>
-                <a:latin typeface="+mn-lt"/>
-                <a:ea typeface="+mn-ea"/>
-                <a:cs typeface="+mn-cs"/>
-              </a:defRPr>
-            </a:lvl5pPr>
-            <a:lvl6pPr marL="2514600" indent="-228600" algn="l" defTabSz="914400" rtl="0" eaLnBrk="1" latinLnBrk="0" hangingPunct="1">
-              <a:lnSpc>
-                <a:spcPct val="90000"/>
-              </a:lnSpc>
-              <a:spcBef>
-                <a:spcPts val="500"/>
-              </a:spcBef>
-              <a:buFont typeface="Arial" panose="020B0604020202020204" pitchFamily="34" charset="0"/>
-              <a:buChar char="•"/>
-              <a:defRPr sz="1800" kern="1200">
-                <a:solidFill>
-                  <a:schemeClr val="tx1"/>
-                </a:solidFill>
-                <a:latin typeface="+mn-lt"/>
-                <a:ea typeface="+mn-ea"/>
-                <a:cs typeface="+mn-cs"/>
-              </a:defRPr>
-            </a:lvl6pPr>
-            <a:lvl7pPr marL="2971800" indent="-228600" algn="l" defTabSz="914400" rtl="0" eaLnBrk="1" latinLnBrk="0" hangingPunct="1">
-              <a:lnSpc>
-                <a:spcPct val="90000"/>
-              </a:lnSpc>
-              <a:spcBef>
-                <a:spcPts val="500"/>
-              </a:spcBef>
-              <a:buFont typeface="Arial" panose="020B0604020202020204" pitchFamily="34" charset="0"/>
-              <a:buChar char="•"/>
-              <a:defRPr sz="1800" kern="1200">
-                <a:solidFill>
-                  <a:schemeClr val="tx1"/>
-                </a:solidFill>
-                <a:latin typeface="+mn-lt"/>
-                <a:ea typeface="+mn-ea"/>
-                <a:cs typeface="+mn-cs"/>
-              </a:defRPr>
-            </a:lvl7pPr>
-            <a:lvl8pPr marL="3429000" indent="-228600" algn="l" defTabSz="914400" rtl="0" eaLnBrk="1" latinLnBrk="0" hangingPunct="1">
-              <a:lnSpc>
-                <a:spcPct val="90000"/>
-              </a:lnSpc>
-              <a:spcBef>
-                <a:spcPts val="500"/>
-              </a:spcBef>
-              <a:buFont typeface="Arial" panose="020B0604020202020204" pitchFamily="34" charset="0"/>
-              <a:buChar char="•"/>
-              <a:defRPr sz="1800" kern="1200">
-                <a:solidFill>
-                  <a:schemeClr val="tx1"/>
-                </a:solidFill>
-                <a:latin typeface="+mn-lt"/>
-                <a:ea typeface="+mn-ea"/>
-                <a:cs typeface="+mn-cs"/>
-              </a:defRPr>
-            </a:lvl8pPr>
-            <a:lvl9pPr marL="3886200" indent="-228600" algn="l" defTabSz="914400" rtl="0" eaLnBrk="1" latinLnBrk="0" hangingPunct="1">
-              <a:lnSpc>
-                <a:spcPct val="90000"/>
-              </a:lnSpc>
-              <a:spcBef>
-                <a:spcPts val="500"/>
-              </a:spcBef>
-              <a:buFont typeface="Arial" panose="020B0604020202020204" pitchFamily="34" charset="0"/>
-              <a:buChar char="•"/>
-              <a:defRPr sz="1800" kern="1200">
-                <a:solidFill>
-                  <a:schemeClr val="tx1"/>
-                </a:solidFill>
-                <a:latin typeface="+mn-lt"/>
-                <a:ea typeface="+mn-ea"/>
-                <a:cs typeface="+mn-cs"/>
-              </a:defRPr>
-            </a:lvl9pPr>
-          </a:lstStyle>
-          <a:p>
-            <a:pPr marL="0" indent="0">
-              <a:buNone/>
-            </a:pPr>
-            <a:r>
-              <a:rPr lang="fr-FR" sz="1100" b="1">
-                <a:solidFill>
-                  <a:schemeClr val="tx2"/>
-                </a:solidFill>
-              </a:rPr>
-              <a:t>Préparé et Présenté par Daniel  Lawson</a:t>
-            </a:r>
-            <a:endParaRPr lang="fr-FR" sz="1100" b="1" dirty="0">
-              <a:solidFill>
-                <a:schemeClr val="tx2"/>
-              </a:solidFill>
-            </a:endParaRPr>
-          </a:p>
-        </p:txBody>
-      </p:sp>
-      <p:pic>
-        <p:nvPicPr>
-          <p:cNvPr id="1026" name="Picture 2" descr="Flacons, Chimie, Chimique, Expérience">
-            <a:extLst>
-              <a:ext uri="{FF2B5EF4-FFF2-40B4-BE49-F238E27FC236}">
-                <a16:creationId xmlns:a16="http://schemas.microsoft.com/office/drawing/2014/main" id="{891AC83A-3460-B500-E04B-7A13E0314991}"/>
-              </a:ext>
-            </a:extLst>
-          </p:cNvPr>
-          <p:cNvPicPr>
-            <a:picLocks noChangeAspect="1" noChangeArrowheads="1"/>
-          </p:cNvPicPr>
-          <p:nvPr/>
-        </p:nvPicPr>
-        <p:blipFill>
-          <a:blip r:embed="rId2">
-            <a:extLst>
-              <a:ext uri="{28A0092B-C50C-407E-A947-70E740481C1C}">
-                <a14:useLocalDpi xmlns:a14="http://schemas.microsoft.com/office/drawing/2010/main" val="0"/>
-              </a:ext>
-            </a:extLst>
-          </a:blip>
-          <a:srcRect/>
-          <a:stretch>
-            <a:fillRect/>
-          </a:stretch>
-        </p:blipFill>
-        <p:spPr bwMode="auto">
-          <a:xfrm>
-            <a:off x="7214997" y="4155440"/>
-            <a:ext cx="1051964" cy="1083310"/>
+            <a:off x="223520" y="1072832"/>
+            <a:ext cx="6045200" cy="400110"/>
           </a:xfrm>
           <a:prstGeom prst="rect">
             <a:avLst/>
           </a:prstGeom>
           <a:noFill/>
-          <a:extLst>
-            <a:ext uri="{909E8E84-426E-40DD-AFC4-6F175D3DCCD1}">
-              <a14:hiddenFill xmlns:a14="http://schemas.microsoft.com/office/drawing/2010/main">
-                <a:solidFill>
-                  <a:srgbClr val="FFFFFF"/>
-                </a:solidFill>
-              </a14:hiddenFill>
-            </a:ext>
-          </a:extLst>
         </p:spPr>
-      </p:pic>
+        <p:txBody>
+          <a:bodyPr wrap="square" rtlCol="0">
+            <a:spAutoFit/>
+          </a:bodyPr>
+          <a:lstStyle/>
+          <a:p>
+            <a:r>
+              <a:rPr lang="fr-FR" sz="2000" b="1" dirty="0"/>
+              <a:t>Modules fonctionnels de l’application monolithe : </a:t>
+            </a:r>
+          </a:p>
+        </p:txBody>
+      </p:sp>
+      <p:sp>
+        <p:nvSpPr>
+          <p:cNvPr id="11" name="ZoneTexte 10">
+            <a:extLst>
+              <a:ext uri="{FF2B5EF4-FFF2-40B4-BE49-F238E27FC236}">
+                <a16:creationId xmlns:a16="http://schemas.microsoft.com/office/drawing/2014/main" id="{A4DA49AF-D8C2-23F8-43E6-82024B6DDBC9}"/>
+              </a:ext>
+            </a:extLst>
+          </p:cNvPr>
+          <p:cNvSpPr txBox="1"/>
+          <p:nvPr/>
+        </p:nvSpPr>
+        <p:spPr>
+          <a:xfrm>
+            <a:off x="223520" y="1678224"/>
+            <a:ext cx="11887200" cy="3693319"/>
+          </a:xfrm>
+          <a:prstGeom prst="rect">
+            <a:avLst/>
+          </a:prstGeom>
+          <a:noFill/>
+        </p:spPr>
+        <p:txBody>
+          <a:bodyPr wrap="square">
+            <a:spAutoFit/>
+          </a:bodyPr>
+          <a:lstStyle/>
+          <a:p>
+            <a:r>
+              <a:rPr lang="fr-FR" b="1" dirty="0"/>
+              <a:t>Livraison et suivi des commandes :</a:t>
+            </a:r>
+          </a:p>
+          <a:p>
+            <a:r>
+              <a:rPr lang="fr-FR" dirty="0"/>
+              <a:t>Suivi en temps réel des commandes (restaurant → livreur → client)</a:t>
+            </a:r>
+          </a:p>
+          <a:p>
+            <a:r>
+              <a:rPr lang="fr-FR" dirty="0"/>
+              <a:t>Calcul automatique des itinéraires pour les livreurs</a:t>
+            </a:r>
+          </a:p>
+          <a:p>
+            <a:r>
+              <a:rPr lang="fr-FR" dirty="0"/>
+              <a:t>Notifications en temps réel pour les clients et les livreurs (via SMS ou application)</a:t>
+            </a:r>
+          </a:p>
+          <a:p>
+            <a:endParaRPr lang="fr-FR" dirty="0"/>
+          </a:p>
+          <a:p>
+            <a:r>
+              <a:rPr lang="fr-FR" b="1" dirty="0"/>
+              <a:t>Système de notation et avis :</a:t>
+            </a:r>
+          </a:p>
+          <a:p>
+            <a:r>
+              <a:rPr lang="fr-FR" dirty="0"/>
+              <a:t>Système de notation des restaurants et des livreurs par les clients</a:t>
+            </a:r>
+          </a:p>
+          <a:p>
+            <a:r>
+              <a:rPr lang="fr-FR" dirty="0"/>
+              <a:t>Gestion des avis clients (commentaires, évaluations)</a:t>
+            </a:r>
+          </a:p>
+          <a:p>
+            <a:endParaRPr lang="fr-FR" dirty="0"/>
+          </a:p>
+          <a:p>
+            <a:r>
+              <a:rPr lang="fr-FR" b="1" dirty="0"/>
+              <a:t>Promotions et réductions :</a:t>
+            </a:r>
+          </a:p>
+          <a:p>
+            <a:r>
+              <a:rPr lang="fr-FR" dirty="0"/>
+              <a:t>Gestion des codes promotionnels</a:t>
+            </a:r>
+          </a:p>
+          <a:p>
+            <a:r>
+              <a:rPr lang="fr-FR" dirty="0"/>
+              <a:t>Application automatique des réductions en fonction des conditions (restaurants participants, montants, etc.)</a:t>
+            </a:r>
+          </a:p>
+          <a:p>
+            <a:endParaRPr lang="fr-FR" dirty="0"/>
+          </a:p>
+        </p:txBody>
+      </p:sp>
     </p:spTree>
     <p:extLst>
       <p:ext uri="{BB962C8B-B14F-4D97-AF65-F5344CB8AC3E}">
-        <p14:creationId xmlns:p14="http://schemas.microsoft.com/office/powerpoint/2010/main" val="1603475869"/>
+        <p14:creationId xmlns:p14="http://schemas.microsoft.com/office/powerpoint/2010/main" val="2650891039"/>
       </p:ext>
     </p:extLst>
   </p:cSld>
@@ -11043,6 +14928,335 @@
   <p:tag name="SLIDO_PRESENTATION_ID" val="00000000-0000-0000-0000-000000000000"/>
   <p:tag name="SLIDO_EVENT_UUID" val="b71ed9fd-604a-4b2c-9ed4-e6fa2e98c9e6"/>
   <p:tag name="SLIDO_EVENT_SECTION_UUID" val="8a4036a7-68d3-4547-a9df-f623b7852a9e"/>
+</p:tagLst>
+</file>
+
+<file path=ppt/tags/tag10.xml><?xml version="1.0" encoding="utf-8"?>
+<p:tagLst xmlns:a="http://schemas.openxmlformats.org/drawingml/2006/main" xmlns:r="http://schemas.openxmlformats.org/officeDocument/2006/relationships" xmlns:p="http://schemas.openxmlformats.org/presentationml/2006/main">
+  <p:tag name="SLIDO_ELEMENT" val="reminder"/>
+</p:tagLst>
+</file>
+
+<file path=ppt/tags/tag11.xml><?xml version="1.0" encoding="utf-8"?>
+<p:tagLst xmlns:a="http://schemas.openxmlformats.org/drawingml/2006/main" xmlns:r="http://schemas.openxmlformats.org/officeDocument/2006/relationships" xmlns:p="http://schemas.openxmlformats.org/presentationml/2006/main">
+  <p:tag name="SLIDO_ELEMENT" val="dotty"/>
+</p:tagLst>
+</file>
+
+<file path=ppt/tags/tag12.xml><?xml version="1.0" encoding="utf-8"?>
+<p:tagLst xmlns:a="http://schemas.openxmlformats.org/drawingml/2006/main" xmlns:r="http://schemas.openxmlformats.org/officeDocument/2006/relationships" xmlns:p="http://schemas.openxmlformats.org/presentationml/2006/main">
+  <p:tag name="SLIDO_ELEMENT" val="logo"/>
+</p:tagLst>
+</file>
+
+<file path=ppt/tags/tag13.xml><?xml version="1.0" encoding="utf-8"?>
+<p:tagLst xmlns:a="http://schemas.openxmlformats.org/drawingml/2006/main" xmlns:r="http://schemas.openxmlformats.org/officeDocument/2006/relationships" xmlns:p="http://schemas.openxmlformats.org/presentationml/2006/main">
+  <p:tag name="SLIDO_ELEMENT" val="interaction_image"/>
+  <p:tag name="INTERACTION_TYPE" val="Quiz"/>
+</p:tagLst>
+</file>
+
+<file path=ppt/tags/tag14.xml><?xml version="1.0" encoding="utf-8"?>
+<p:tagLst xmlns:a="http://schemas.openxmlformats.org/drawingml/2006/main" xmlns:r="http://schemas.openxmlformats.org/officeDocument/2006/relationships" xmlns:p="http://schemas.openxmlformats.org/presentationml/2006/main">
+  <p:tag name="SLIDO_ELEMENT" val="title"/>
+</p:tagLst>
+</file>
+
+<file path=ppt/tags/tag15.xml><?xml version="1.0" encoding="utf-8"?>
+<p:tagLst xmlns:a="http://schemas.openxmlformats.org/drawingml/2006/main" xmlns:r="http://schemas.openxmlformats.org/officeDocument/2006/relationships" xmlns:p="http://schemas.openxmlformats.org/presentationml/2006/main">
+  <p:tag name="SLIDO_ELEMENT" val="footer"/>
+</p:tagLst>
+</file>
+
+<file path=ppt/tags/tag16.xml><?xml version="1.0" encoding="utf-8"?>
+<p:tagLst xmlns:a="http://schemas.openxmlformats.org/drawingml/2006/main" xmlns:r="http://schemas.openxmlformats.org/officeDocument/2006/relationships" xmlns:p="http://schemas.openxmlformats.org/presentationml/2006/main">
+  <p:tag name="SLIDO_METADATA" val="eyJUaW1lc3RhbXAiOjE3MjcwNzcyMjZ9"/>
+  <p:tag name="SLIDO_TYPE" val="SlidoPoll"/>
+  <p:tag name="SLIDO_POLL_UUID" val="ac262b76-55bd-4ea9-bfb4-9f13f66dd8b7"/>
+  <p:tag name="SLIDO_POLL_QUESTION_UUID" val="1b1e2948-19c8-4cad-b1da-bcc6f44d92dc"/>
+  <p:tag name="SLIDO_TIMELINE" val="W3sicG9sbFF1ZXN0aW9uVXVpZCI6IjFiMWUyOTQ4LTE5YzgtNGNhZC1iMWRhLWJjYzZmNDRkOTJkYyIsInNob3dSZXN1bHRzIjpmYWxzZSwic2hvd0NvcnJlY3RBbnN3ZXJzIjpmYWxzZSwidm90aW5nTG9ja2VkIjpmYWxzZX0seyJwb2xsUXVlc3Rpb25VdWlkIjoiMWIxZTI5NDgtMTljOC00Y2FkLWIxZGEtYmNjNmY0NGQ5MmRjIiwic2hvd1Jlc3VsdHMiOnRydWUsInNob3dDb3JyZWN0QW5zd2VycyI6ZmFsc2UsInZvdGluZ0xvY2tlZCI6dHJ1ZX0seyJwb2xsUXVlc3Rpb25VdWlkIjoiMWIxZTI5NDgtMTljOC00Y2FkLWIxZGEtYmNjNmY0NGQ5MmRjIiwic2hvd1Jlc3VsdHMiOnRydWUsInNob3dDb3JyZWN0QW5zd2VycyI6dHJ1ZSwidm90aW5nTG9ja2VkIjp0cnVlfV0="/>
+</p:tagLst>
+</file>
+
+<file path=ppt/tags/tag17.xml><?xml version="1.0" encoding="utf-8"?>
+<p:tagLst xmlns:a="http://schemas.openxmlformats.org/drawingml/2006/main" xmlns:r="http://schemas.openxmlformats.org/officeDocument/2006/relationships" xmlns:p="http://schemas.openxmlformats.org/presentationml/2006/main">
+  <p:tag name="SLIDO_ELEMENT" val="reminder"/>
+</p:tagLst>
+</file>
+
+<file path=ppt/tags/tag18.xml><?xml version="1.0" encoding="utf-8"?>
+<p:tagLst xmlns:a="http://schemas.openxmlformats.org/drawingml/2006/main" xmlns:r="http://schemas.openxmlformats.org/officeDocument/2006/relationships" xmlns:p="http://schemas.openxmlformats.org/presentationml/2006/main">
+  <p:tag name="SLIDO_ELEMENT" val="dotty"/>
+</p:tagLst>
+</file>
+
+<file path=ppt/tags/tag19.xml><?xml version="1.0" encoding="utf-8"?>
+<p:tagLst xmlns:a="http://schemas.openxmlformats.org/drawingml/2006/main" xmlns:r="http://schemas.openxmlformats.org/officeDocument/2006/relationships" xmlns:p="http://schemas.openxmlformats.org/presentationml/2006/main">
+  <p:tag name="SLIDO_ELEMENT" val="logo"/>
+</p:tagLst>
+</file>
+
+<file path=ppt/tags/tag2.xml><?xml version="1.0" encoding="utf-8"?>
+<p:tagLst xmlns:a="http://schemas.openxmlformats.org/drawingml/2006/main" xmlns:r="http://schemas.openxmlformats.org/officeDocument/2006/relationships" xmlns:p="http://schemas.openxmlformats.org/presentationml/2006/main">
+  <p:tag name="SLIDO_METADATA" val="eyJUaW1lc3RhbXAiOjE3MjcwNzcyMjZ9"/>
+  <p:tag name="SLIDO_TYPE" val="SlidoPoll"/>
+  <p:tag name="SLIDO_POLL_UUID" val="ac262b76-55bd-4ea9-bfb4-9f13f66dd8b7"/>
+  <p:tag name="SLIDO_POLL_QUESTION_UUID" val="f4d60df6-d77c-4050-80f5-f82eea279c42"/>
+  <p:tag name="SLIDO_TIMELINE" val="W3sic2NyZWVuIjoiUXVpekpvaW5pbmciLCJzaG93UmVzdWx0cyI6ZmFsc2UsInNob3dDb3JyZWN0QW5zd2VycyI6ZmFsc2UsInZvdGluZ0xvY2tlZCI6ZmFsc2V9LHsicG9sbFF1ZXN0aW9uVXVpZCI6ImY0ZDYwZGY2LWQ3N2MtNDA1MC04MGY1LWY4MmVlYTI3OWM0MiIsInNob3dSZXN1bHRzIjpmYWxzZSwic2hvd0NvcnJlY3RBbnN3ZXJzIjpmYWxzZSwidm90aW5nTG9ja2VkIjpmYWxzZX0seyJwb2xsUXVlc3Rpb25VdWlkIjoiZjRkNjBkZjYtZDc3Yy00MDUwLTgwZjUtZjgyZWVhMjc5YzQyIiwic2hvd1Jlc3VsdHMiOnRydWUsInNob3dDb3JyZWN0QW5zd2VycyI6ZmFsc2UsInZvdGluZ0xvY2tlZCI6dHJ1ZX0seyJwb2xsUXVlc3Rpb25VdWlkIjoiZjRkNjBkZjYtZDc3Yy00MDUwLTgwZjUtZjgyZWVhMjc5YzQyIiwic2hvd1Jlc3VsdHMiOnRydWUsInNob3dDb3JyZWN0QW5zd2VycyI6dHJ1ZSwidm90aW5nTG9ja2VkIjp0cnVlfV0="/>
+</p:tagLst>
+</file>
+
+<file path=ppt/tags/tag20.xml><?xml version="1.0" encoding="utf-8"?>
+<p:tagLst xmlns:a="http://schemas.openxmlformats.org/drawingml/2006/main" xmlns:r="http://schemas.openxmlformats.org/officeDocument/2006/relationships" xmlns:p="http://schemas.openxmlformats.org/presentationml/2006/main">
+  <p:tag name="SLIDO_ELEMENT" val="interaction_image"/>
+  <p:tag name="INTERACTION_TYPE" val="Quiz"/>
+</p:tagLst>
+</file>
+
+<file path=ppt/tags/tag21.xml><?xml version="1.0" encoding="utf-8"?>
+<p:tagLst xmlns:a="http://schemas.openxmlformats.org/drawingml/2006/main" xmlns:r="http://schemas.openxmlformats.org/officeDocument/2006/relationships" xmlns:p="http://schemas.openxmlformats.org/presentationml/2006/main">
+  <p:tag name="SLIDO_ELEMENT" val="title"/>
+</p:tagLst>
+</file>
+
+<file path=ppt/tags/tag22.xml><?xml version="1.0" encoding="utf-8"?>
+<p:tagLst xmlns:a="http://schemas.openxmlformats.org/drawingml/2006/main" xmlns:r="http://schemas.openxmlformats.org/officeDocument/2006/relationships" xmlns:p="http://schemas.openxmlformats.org/presentationml/2006/main">
+  <p:tag name="SLIDO_ELEMENT" val="footer"/>
+</p:tagLst>
+</file>
+
+<file path=ppt/tags/tag23.xml><?xml version="1.0" encoding="utf-8"?>
+<p:tagLst xmlns:a="http://schemas.openxmlformats.org/drawingml/2006/main" xmlns:r="http://schemas.openxmlformats.org/officeDocument/2006/relationships" xmlns:p="http://schemas.openxmlformats.org/presentationml/2006/main">
+  <p:tag name="SLIDO_METADATA" val="eyJUaW1lc3RhbXAiOjE3MjcwNzcyMjZ9"/>
+  <p:tag name="SLIDO_TYPE" val="SlidoPoll"/>
+  <p:tag name="SLIDO_POLL_UUID" val="ac262b76-55bd-4ea9-bfb4-9f13f66dd8b7"/>
+  <p:tag name="SLIDO_POLL_QUESTION_UUID" val="83164306-14a9-4b23-b5b9-a275f33b2d84"/>
+  <p:tag name="SLIDO_TIMELINE" val="W3sicG9sbFF1ZXN0aW9uVXVpZCI6IjgzMTY0MzA2LTE0YTktNGIyMy1iNWI5LWEyNzVmMzNiMmQ4NCIsInNob3dSZXN1bHRzIjpmYWxzZSwic2hvd0NvcnJlY3RBbnN3ZXJzIjpmYWxzZSwidm90aW5nTG9ja2VkIjpmYWxzZX0seyJwb2xsUXVlc3Rpb25VdWlkIjoiODMxNjQzMDYtMTRhOS00YjIzLWI1YjktYTI3NWYzM2IyZDg0Iiwic2hvd1Jlc3VsdHMiOnRydWUsInNob3dDb3JyZWN0QW5zd2VycyI6ZmFsc2UsInZvdGluZ0xvY2tlZCI6dHJ1ZX0seyJwb2xsUXVlc3Rpb25VdWlkIjoiODMxNjQzMDYtMTRhOS00YjIzLWI1YjktYTI3NWYzM2IyZDg0Iiwic2hvd1Jlc3VsdHMiOnRydWUsInNob3dDb3JyZWN0QW5zd2VycyI6dHJ1ZSwidm90aW5nTG9ja2VkIjp0cnVlfV0="/>
+</p:tagLst>
+</file>
+
+<file path=ppt/tags/tag24.xml><?xml version="1.0" encoding="utf-8"?>
+<p:tagLst xmlns:a="http://schemas.openxmlformats.org/drawingml/2006/main" xmlns:r="http://schemas.openxmlformats.org/officeDocument/2006/relationships" xmlns:p="http://schemas.openxmlformats.org/presentationml/2006/main">
+  <p:tag name="SLIDO_ELEMENT" val="reminder"/>
+</p:tagLst>
+</file>
+
+<file path=ppt/tags/tag25.xml><?xml version="1.0" encoding="utf-8"?>
+<p:tagLst xmlns:a="http://schemas.openxmlformats.org/drawingml/2006/main" xmlns:r="http://schemas.openxmlformats.org/officeDocument/2006/relationships" xmlns:p="http://schemas.openxmlformats.org/presentationml/2006/main">
+  <p:tag name="SLIDO_ELEMENT" val="dotty"/>
+</p:tagLst>
+</file>
+
+<file path=ppt/tags/tag26.xml><?xml version="1.0" encoding="utf-8"?>
+<p:tagLst xmlns:a="http://schemas.openxmlformats.org/drawingml/2006/main" xmlns:r="http://schemas.openxmlformats.org/officeDocument/2006/relationships" xmlns:p="http://schemas.openxmlformats.org/presentationml/2006/main">
+  <p:tag name="SLIDO_ELEMENT" val="logo"/>
+</p:tagLst>
+</file>
+
+<file path=ppt/tags/tag27.xml><?xml version="1.0" encoding="utf-8"?>
+<p:tagLst xmlns:a="http://schemas.openxmlformats.org/drawingml/2006/main" xmlns:r="http://schemas.openxmlformats.org/officeDocument/2006/relationships" xmlns:p="http://schemas.openxmlformats.org/presentationml/2006/main">
+  <p:tag name="SLIDO_ELEMENT" val="interaction_image"/>
+  <p:tag name="INTERACTION_TYPE" val="Quiz"/>
+</p:tagLst>
+</file>
+
+<file path=ppt/tags/tag28.xml><?xml version="1.0" encoding="utf-8"?>
+<p:tagLst xmlns:a="http://schemas.openxmlformats.org/drawingml/2006/main" xmlns:r="http://schemas.openxmlformats.org/officeDocument/2006/relationships" xmlns:p="http://schemas.openxmlformats.org/presentationml/2006/main">
+  <p:tag name="SLIDO_ELEMENT" val="title"/>
+</p:tagLst>
+</file>
+
+<file path=ppt/tags/tag29.xml><?xml version="1.0" encoding="utf-8"?>
+<p:tagLst xmlns:a="http://schemas.openxmlformats.org/drawingml/2006/main" xmlns:r="http://schemas.openxmlformats.org/officeDocument/2006/relationships" xmlns:p="http://schemas.openxmlformats.org/presentationml/2006/main">
+  <p:tag name="SLIDO_ELEMENT" val="footer"/>
+</p:tagLst>
+</file>
+
+<file path=ppt/tags/tag3.xml><?xml version="1.0" encoding="utf-8"?>
+<p:tagLst xmlns:a="http://schemas.openxmlformats.org/drawingml/2006/main" xmlns:r="http://schemas.openxmlformats.org/officeDocument/2006/relationships" xmlns:p="http://schemas.openxmlformats.org/presentationml/2006/main">
+  <p:tag name="SLIDO_ELEMENT" val="reminder"/>
+</p:tagLst>
+</file>
+
+<file path=ppt/tags/tag30.xml><?xml version="1.0" encoding="utf-8"?>
+<p:tagLst xmlns:a="http://schemas.openxmlformats.org/drawingml/2006/main" xmlns:r="http://schemas.openxmlformats.org/officeDocument/2006/relationships" xmlns:p="http://schemas.openxmlformats.org/presentationml/2006/main">
+  <p:tag name="SLIDO_METADATA" val="eyJUaW1lc3RhbXAiOjE3MjcwNzcyMjd9"/>
+  <p:tag name="SLIDO_TYPE" val="SlidoPoll"/>
+  <p:tag name="SLIDO_POLL_UUID" val="ac262b76-55bd-4ea9-bfb4-9f13f66dd8b7"/>
+  <p:tag name="SLIDO_POLL_QUESTION_UUID" val="43ed1d94-592a-4525-b62e-aeb028473f84"/>
+  <p:tag name="SLIDO_TIMELINE" val="W3sicG9sbFF1ZXN0aW9uVXVpZCI6IjQzZWQxZDk0LTU5MmEtNDUyNS1iNjJlLWFlYjAyODQ3M2Y4NCIsInNob3dSZXN1bHRzIjpmYWxzZSwic2hvd0NvcnJlY3RBbnN3ZXJzIjpmYWxzZSwidm90aW5nTG9ja2VkIjpmYWxzZX0seyJwb2xsUXVlc3Rpb25VdWlkIjoiNDNlZDFkOTQtNTkyYS00NTI1LWI2MmUtYWViMDI4NDczZjg0Iiwic2hvd1Jlc3VsdHMiOnRydWUsInNob3dDb3JyZWN0QW5zd2VycyI6ZmFsc2UsInZvdGluZ0xvY2tlZCI6dHJ1ZX0seyJwb2xsUXVlc3Rpb25VdWlkIjoiNDNlZDFkOTQtNTkyYS00NTI1LWI2MmUtYWViMDI4NDczZjg0Iiwic2hvd1Jlc3VsdHMiOnRydWUsInNob3dDb3JyZWN0QW5zd2VycyI6dHJ1ZSwidm90aW5nTG9ja2VkIjp0cnVlfV0="/>
+</p:tagLst>
+</file>
+
+<file path=ppt/tags/tag31.xml><?xml version="1.0" encoding="utf-8"?>
+<p:tagLst xmlns:a="http://schemas.openxmlformats.org/drawingml/2006/main" xmlns:r="http://schemas.openxmlformats.org/officeDocument/2006/relationships" xmlns:p="http://schemas.openxmlformats.org/presentationml/2006/main">
+  <p:tag name="SLIDO_ELEMENT" val="reminder"/>
+</p:tagLst>
+</file>
+
+<file path=ppt/tags/tag32.xml><?xml version="1.0" encoding="utf-8"?>
+<p:tagLst xmlns:a="http://schemas.openxmlformats.org/drawingml/2006/main" xmlns:r="http://schemas.openxmlformats.org/officeDocument/2006/relationships" xmlns:p="http://schemas.openxmlformats.org/presentationml/2006/main">
+  <p:tag name="SLIDO_ELEMENT" val="dotty"/>
+</p:tagLst>
+</file>
+
+<file path=ppt/tags/tag33.xml><?xml version="1.0" encoding="utf-8"?>
+<p:tagLst xmlns:a="http://schemas.openxmlformats.org/drawingml/2006/main" xmlns:r="http://schemas.openxmlformats.org/officeDocument/2006/relationships" xmlns:p="http://schemas.openxmlformats.org/presentationml/2006/main">
+  <p:tag name="SLIDO_ELEMENT" val="logo"/>
+</p:tagLst>
+</file>
+
+<file path=ppt/tags/tag34.xml><?xml version="1.0" encoding="utf-8"?>
+<p:tagLst xmlns:a="http://schemas.openxmlformats.org/drawingml/2006/main" xmlns:r="http://schemas.openxmlformats.org/officeDocument/2006/relationships" xmlns:p="http://schemas.openxmlformats.org/presentationml/2006/main">
+  <p:tag name="SLIDO_ELEMENT" val="interaction_image"/>
+  <p:tag name="INTERACTION_TYPE" val="Quiz"/>
+</p:tagLst>
+</file>
+
+<file path=ppt/tags/tag35.xml><?xml version="1.0" encoding="utf-8"?>
+<p:tagLst xmlns:a="http://schemas.openxmlformats.org/drawingml/2006/main" xmlns:r="http://schemas.openxmlformats.org/officeDocument/2006/relationships" xmlns:p="http://schemas.openxmlformats.org/presentationml/2006/main">
+  <p:tag name="SLIDO_ELEMENT" val="title"/>
+</p:tagLst>
+</file>
+
+<file path=ppt/tags/tag36.xml><?xml version="1.0" encoding="utf-8"?>
+<p:tagLst xmlns:a="http://schemas.openxmlformats.org/drawingml/2006/main" xmlns:r="http://schemas.openxmlformats.org/officeDocument/2006/relationships" xmlns:p="http://schemas.openxmlformats.org/presentationml/2006/main">
+  <p:tag name="SLIDO_ELEMENT" val="footer"/>
+</p:tagLst>
+</file>
+
+<file path=ppt/tags/tag37.xml><?xml version="1.0" encoding="utf-8"?>
+<p:tagLst xmlns:a="http://schemas.openxmlformats.org/drawingml/2006/main" xmlns:r="http://schemas.openxmlformats.org/officeDocument/2006/relationships" xmlns:p="http://schemas.openxmlformats.org/presentationml/2006/main">
+  <p:tag name="SLIDO_METADATA" val="eyJUaW1lc3RhbXAiOjE3MjcwNzcyMjd9"/>
+  <p:tag name="SLIDO_TYPE" val="SlidoPoll"/>
+  <p:tag name="SLIDO_POLL_UUID" val="ac262b76-55bd-4ea9-bfb4-9f13f66dd8b7"/>
+  <p:tag name="SLIDO_POLL_QUESTION_UUID" val="58743f7b-5ba8-4e99-98c4-0cd516f0f767"/>
+  <p:tag name="SLIDO_TIMELINE" val="W3sicG9sbFF1ZXN0aW9uVXVpZCI6IjU4NzQzZjdiLTViYTgtNGU5OS05OGM0LTBjZDUxNmYwZjc2NyIsInNob3dSZXN1bHRzIjpmYWxzZSwic2hvd0NvcnJlY3RBbnN3ZXJzIjpmYWxzZSwidm90aW5nTG9ja2VkIjpmYWxzZX0seyJwb2xsUXVlc3Rpb25VdWlkIjoiNTg3NDNmN2ItNWJhOC00ZTk5LTk4YzQtMGNkNTE2ZjBmNzY3Iiwic2hvd1Jlc3VsdHMiOnRydWUsInNob3dDb3JyZWN0QW5zd2VycyI6ZmFsc2UsInZvdGluZ0xvY2tlZCI6dHJ1ZX0seyJwb2xsUXVlc3Rpb25VdWlkIjoiNTg3NDNmN2ItNWJhOC00ZTk5LTk4YzQtMGNkNTE2ZjBmNzY3Iiwic2hvd1Jlc3VsdHMiOnRydWUsInNob3dDb3JyZWN0QW5zd2VycyI6dHJ1ZSwidm90aW5nTG9ja2VkIjp0cnVlfV0="/>
+</p:tagLst>
+</file>
+
+<file path=ppt/tags/tag38.xml><?xml version="1.0" encoding="utf-8"?>
+<p:tagLst xmlns:a="http://schemas.openxmlformats.org/drawingml/2006/main" xmlns:r="http://schemas.openxmlformats.org/officeDocument/2006/relationships" xmlns:p="http://schemas.openxmlformats.org/presentationml/2006/main">
+  <p:tag name="SLIDO_ELEMENT" val="reminder"/>
+</p:tagLst>
+</file>
+
+<file path=ppt/tags/tag39.xml><?xml version="1.0" encoding="utf-8"?>
+<p:tagLst xmlns:a="http://schemas.openxmlformats.org/drawingml/2006/main" xmlns:r="http://schemas.openxmlformats.org/officeDocument/2006/relationships" xmlns:p="http://schemas.openxmlformats.org/presentationml/2006/main">
+  <p:tag name="SLIDO_ELEMENT" val="dotty"/>
+</p:tagLst>
+</file>
+
+<file path=ppt/tags/tag4.xml><?xml version="1.0" encoding="utf-8"?>
+<p:tagLst xmlns:a="http://schemas.openxmlformats.org/drawingml/2006/main" xmlns:r="http://schemas.openxmlformats.org/officeDocument/2006/relationships" xmlns:p="http://schemas.openxmlformats.org/presentationml/2006/main">
+  <p:tag name="SLIDO_ELEMENT" val="dotty"/>
+</p:tagLst>
+</file>
+
+<file path=ppt/tags/tag40.xml><?xml version="1.0" encoding="utf-8"?>
+<p:tagLst xmlns:a="http://schemas.openxmlformats.org/drawingml/2006/main" xmlns:r="http://schemas.openxmlformats.org/officeDocument/2006/relationships" xmlns:p="http://schemas.openxmlformats.org/presentationml/2006/main">
+  <p:tag name="SLIDO_ELEMENT" val="logo"/>
+</p:tagLst>
+</file>
+
+<file path=ppt/tags/tag41.xml><?xml version="1.0" encoding="utf-8"?>
+<p:tagLst xmlns:a="http://schemas.openxmlformats.org/drawingml/2006/main" xmlns:r="http://schemas.openxmlformats.org/officeDocument/2006/relationships" xmlns:p="http://schemas.openxmlformats.org/presentationml/2006/main">
+  <p:tag name="SLIDO_ELEMENT" val="interaction_image"/>
+  <p:tag name="INTERACTION_TYPE" val="Quiz"/>
+</p:tagLst>
+</file>
+
+<file path=ppt/tags/tag42.xml><?xml version="1.0" encoding="utf-8"?>
+<p:tagLst xmlns:a="http://schemas.openxmlformats.org/drawingml/2006/main" xmlns:r="http://schemas.openxmlformats.org/officeDocument/2006/relationships" xmlns:p="http://schemas.openxmlformats.org/presentationml/2006/main">
+  <p:tag name="SLIDO_ELEMENT" val="title"/>
+</p:tagLst>
+</file>
+
+<file path=ppt/tags/tag43.xml><?xml version="1.0" encoding="utf-8"?>
+<p:tagLst xmlns:a="http://schemas.openxmlformats.org/drawingml/2006/main" xmlns:r="http://schemas.openxmlformats.org/officeDocument/2006/relationships" xmlns:p="http://schemas.openxmlformats.org/presentationml/2006/main">
+  <p:tag name="SLIDO_ELEMENT" val="footer"/>
+</p:tagLst>
+</file>
+
+<file path=ppt/tags/tag44.xml><?xml version="1.0" encoding="utf-8"?>
+<p:tagLst xmlns:a="http://schemas.openxmlformats.org/drawingml/2006/main" xmlns:r="http://schemas.openxmlformats.org/officeDocument/2006/relationships" xmlns:p="http://schemas.openxmlformats.org/presentationml/2006/main">
+  <p:tag name="SLIDO_METADATA" val="eyJUaW1lc3RhbXAiOjE3MjcwNzcyMjd9"/>
+  <p:tag name="SLIDO_TYPE" val="SlidoPoll"/>
+  <p:tag name="SLIDO_POLL_UUID" val="ac262b76-55bd-4ea9-bfb4-9f13f66dd8b7"/>
+  <p:tag name="SLIDO_POLL_QUESTION_UUID" val="beb7face-4903-4678-9855-741b5e503280"/>
+  <p:tag name="SLIDO_TIMELINE" val="W3sicG9sbFF1ZXN0aW9uVXVpZCI6ImJlYjdmYWNlLTQ5MDMtNDY3OC05ODU1LTc0MWI1ZTUwMzI4MCIsInNob3dSZXN1bHRzIjpmYWxzZSwic2hvd0NvcnJlY3RBbnN3ZXJzIjpmYWxzZSwidm90aW5nTG9ja2VkIjpmYWxzZX0seyJwb2xsUXVlc3Rpb25VdWlkIjoiYmViN2ZhY2UtNDkwMy00Njc4LTk4NTUtNzQxYjVlNTAzMjgwIiwic2hvd1Jlc3VsdHMiOnRydWUsInNob3dDb3JyZWN0QW5zd2VycyI6ZmFsc2UsInZvdGluZ0xvY2tlZCI6dHJ1ZX0seyJwb2xsUXVlc3Rpb25VdWlkIjoiYmViN2ZhY2UtNDkwMy00Njc4LTk4NTUtNzQxYjVlNTAzMjgwIiwic2hvd1Jlc3VsdHMiOnRydWUsInNob3dDb3JyZWN0QW5zd2VycyI6dHJ1ZSwidm90aW5nTG9ja2VkIjp0cnVlfSx7InNjcmVlbiI6IlF1aXpMZWFkZXJib2FyZCIsInBvbGxRdWVzdGlvblV1aWQiOiJiZWI3ZmFjZS00OTAzLTQ2NzgtOTg1NS03NDFiNWU1MDMyODAiLCJzaG93UmVzdWx0cyI6dHJ1ZSwic2hvd0NvcnJlY3RBbnN3ZXJzIjp0cnVlLCJ2b3RpbmdMb2NrZWQiOnRydWV9XQ=="/>
+</p:tagLst>
+</file>
+
+<file path=ppt/tags/tag45.xml><?xml version="1.0" encoding="utf-8"?>
+<p:tagLst xmlns:a="http://schemas.openxmlformats.org/drawingml/2006/main" xmlns:r="http://schemas.openxmlformats.org/officeDocument/2006/relationships" xmlns:p="http://schemas.openxmlformats.org/presentationml/2006/main">
+  <p:tag name="SLIDO_ELEMENT" val="reminder"/>
+</p:tagLst>
+</file>
+
+<file path=ppt/tags/tag46.xml><?xml version="1.0" encoding="utf-8"?>
+<p:tagLst xmlns:a="http://schemas.openxmlformats.org/drawingml/2006/main" xmlns:r="http://schemas.openxmlformats.org/officeDocument/2006/relationships" xmlns:p="http://schemas.openxmlformats.org/presentationml/2006/main">
+  <p:tag name="SLIDO_ELEMENT" val="dotty"/>
+</p:tagLst>
+</file>
+
+<file path=ppt/tags/tag47.xml><?xml version="1.0" encoding="utf-8"?>
+<p:tagLst xmlns:a="http://schemas.openxmlformats.org/drawingml/2006/main" xmlns:r="http://schemas.openxmlformats.org/officeDocument/2006/relationships" xmlns:p="http://schemas.openxmlformats.org/presentationml/2006/main">
+  <p:tag name="SLIDO_ELEMENT" val="logo"/>
+</p:tagLst>
+</file>
+
+<file path=ppt/tags/tag48.xml><?xml version="1.0" encoding="utf-8"?>
+<p:tagLst xmlns:a="http://schemas.openxmlformats.org/drawingml/2006/main" xmlns:r="http://schemas.openxmlformats.org/officeDocument/2006/relationships" xmlns:p="http://schemas.openxmlformats.org/presentationml/2006/main">
+  <p:tag name="SLIDO_ELEMENT" val="interaction_image"/>
+  <p:tag name="INTERACTION_TYPE" val="Quiz"/>
+</p:tagLst>
+</file>
+
+<file path=ppt/tags/tag49.xml><?xml version="1.0" encoding="utf-8"?>
+<p:tagLst xmlns:a="http://schemas.openxmlformats.org/drawingml/2006/main" xmlns:r="http://schemas.openxmlformats.org/officeDocument/2006/relationships" xmlns:p="http://schemas.openxmlformats.org/presentationml/2006/main">
+  <p:tag name="SLIDO_ELEMENT" val="title"/>
+</p:tagLst>
+</file>
+
+<file path=ppt/tags/tag5.xml><?xml version="1.0" encoding="utf-8"?>
+<p:tagLst xmlns:a="http://schemas.openxmlformats.org/drawingml/2006/main" xmlns:r="http://schemas.openxmlformats.org/officeDocument/2006/relationships" xmlns:p="http://schemas.openxmlformats.org/presentationml/2006/main">
+  <p:tag name="SLIDO_ELEMENT" val="logo"/>
+</p:tagLst>
+</file>
+
+<file path=ppt/tags/tag50.xml><?xml version="1.0" encoding="utf-8"?>
+<p:tagLst xmlns:a="http://schemas.openxmlformats.org/drawingml/2006/main" xmlns:r="http://schemas.openxmlformats.org/officeDocument/2006/relationships" xmlns:p="http://schemas.openxmlformats.org/presentationml/2006/main">
+  <p:tag name="SLIDO_ELEMENT" val="footer"/>
+</p:tagLst>
+</file>
+
+<file path=ppt/tags/tag6.xml><?xml version="1.0" encoding="utf-8"?>
+<p:tagLst xmlns:a="http://schemas.openxmlformats.org/drawingml/2006/main" xmlns:r="http://schemas.openxmlformats.org/officeDocument/2006/relationships" xmlns:p="http://schemas.openxmlformats.org/presentationml/2006/main">
+  <p:tag name="SLIDO_ELEMENT" val="interaction_image"/>
+  <p:tag name="INTERACTION_TYPE" val="Quiz"/>
+</p:tagLst>
+</file>
+
+<file path=ppt/tags/tag7.xml><?xml version="1.0" encoding="utf-8"?>
+<p:tagLst xmlns:a="http://schemas.openxmlformats.org/drawingml/2006/main" xmlns:r="http://schemas.openxmlformats.org/officeDocument/2006/relationships" xmlns:p="http://schemas.openxmlformats.org/presentationml/2006/main">
+  <p:tag name="SLIDO_ELEMENT" val="title"/>
+</p:tagLst>
+</file>
+
+<file path=ppt/tags/tag8.xml><?xml version="1.0" encoding="utf-8"?>
+<p:tagLst xmlns:a="http://schemas.openxmlformats.org/drawingml/2006/main" xmlns:r="http://schemas.openxmlformats.org/officeDocument/2006/relationships" xmlns:p="http://schemas.openxmlformats.org/presentationml/2006/main">
+  <p:tag name="SLIDO_ELEMENT" val="footer"/>
+</p:tagLst>
+</file>
+
+<file path=ppt/tags/tag9.xml><?xml version="1.0" encoding="utf-8"?>
+<p:tagLst xmlns:a="http://schemas.openxmlformats.org/drawingml/2006/main" xmlns:r="http://schemas.openxmlformats.org/officeDocument/2006/relationships" xmlns:p="http://schemas.openxmlformats.org/presentationml/2006/main">
+  <p:tag name="SLIDO_METADATA" val="eyJUaW1lc3RhbXAiOjE3MjcwNzcyMjZ9"/>
+  <p:tag name="SLIDO_TYPE" val="SlidoPoll"/>
+  <p:tag name="SLIDO_POLL_UUID" val="ac262b76-55bd-4ea9-bfb4-9f13f66dd8b7"/>
+  <p:tag name="SLIDO_POLL_QUESTION_UUID" val="54c272a1-61e9-4090-b3e1-2f02d5cb97d0"/>
+  <p:tag name="SLIDO_TIMELINE" val="W3sicG9sbFF1ZXN0aW9uVXVpZCI6IjU0YzI3MmExLTYxZTktNDA5MC1iM2UxLTJmMDJkNWNiOTdkMCIsInNob3dSZXN1bHRzIjpmYWxzZSwic2hvd0NvcnJlY3RBbnN3ZXJzIjpmYWxzZSwidm90aW5nTG9ja2VkIjpmYWxzZX0seyJwb2xsUXVlc3Rpb25VdWlkIjoiNTRjMjcyYTEtNjFlOS00MDkwLWIzZTEtMmYwMmQ1Y2I5N2QwIiwic2hvd1Jlc3VsdHMiOnRydWUsInNob3dDb3JyZWN0QW5zd2VycyI6ZmFsc2UsInZvdGluZ0xvY2tlZCI6dHJ1ZX0seyJwb2xsUXVlc3Rpb25VdWlkIjoiNTRjMjcyYTEtNjFlOS00MDkwLWIzZTEtMmYwMmQ1Y2I5N2QwIiwic2hvd1Jlc3VsdHMiOnRydWUsInNob3dDb3JyZWN0QW5zd2VycyI6dHJ1ZSwidm90aW5nTG9ja2VkIjp0cnVlfV0="/>
 </p:tagLst>
 </file>
 

--- a/Mod-2_Conception-des-microservices/Mod-2_Conception-des-microservices.pptx
+++ b/Mod-2_Conception-des-microservices/Mod-2_Conception-des-microservices.pptx
@@ -5,7 +5,7 @@
     <p:sldMasterId id="2147483648" r:id="rId1"/>
   </p:sldMasterIdLst>
   <p:notesMasterIdLst>
-    <p:notesMasterId r:id="rId25"/>
+    <p:notesMasterId r:id="rId18"/>
   </p:notesMasterIdLst>
   <p:sldIdLst>
     <p:sldId id="256" r:id="rId2"/>
@@ -20,22 +20,15 @@
     <p:sldId id="285" r:id="rId11"/>
     <p:sldId id="281" r:id="rId12"/>
     <p:sldId id="286" r:id="rId13"/>
-    <p:sldId id="273" r:id="rId14"/>
-    <p:sldId id="287" r:id="rId15"/>
-    <p:sldId id="288" r:id="rId16"/>
-    <p:sldId id="289" r:id="rId17"/>
-    <p:sldId id="290" r:id="rId18"/>
-    <p:sldId id="291" r:id="rId19"/>
-    <p:sldId id="292" r:id="rId20"/>
-    <p:sldId id="293" r:id="rId21"/>
-    <p:sldId id="280" r:id="rId22"/>
-    <p:sldId id="277" r:id="rId23"/>
-    <p:sldId id="282" r:id="rId24"/>
+    <p:sldId id="280" r:id="rId14"/>
+    <p:sldId id="277" r:id="rId15"/>
+    <p:sldId id="282" r:id="rId16"/>
+    <p:sldId id="273" r:id="rId17"/>
   </p:sldIdLst>
   <p:sldSz cx="12192000" cy="6858000"/>
   <p:notesSz cx="6858000" cy="9144000"/>
   <p:custDataLst>
-    <p:tags r:id="rId26"/>
+    <p:tags r:id="rId19"/>
   </p:custDataLst>
   <p:defaultTextStyle>
     <a:defPPr>
@@ -152,22 +145,14 @@
           </p14:sldIdLst>
         </p14:section>
         <p14:section name="Quizz" id="{F4E9CED8-1E9B-47D7-946E-33A2F9CEB376}">
-          <p14:sldIdLst>
-            <p14:sldId id="273"/>
-            <p14:sldId id="287"/>
-            <p14:sldId id="288"/>
-            <p14:sldId id="289"/>
-            <p14:sldId id="290"/>
-            <p14:sldId id="291"/>
-            <p14:sldId id="292"/>
-            <p14:sldId id="293"/>
-          </p14:sldIdLst>
+          <p14:sldIdLst/>
         </p14:section>
         <p14:section name="Lab" id="{E0E5D6CF-D763-439F-8C69-E0CFBC15270E}">
           <p14:sldIdLst>
             <p14:sldId id="280"/>
             <p14:sldId id="277"/>
             <p14:sldId id="282"/>
+            <p14:sldId id="273"/>
           </p14:sldIdLst>
         </p14:section>
       </p14:sectionLst>
@@ -1112,7 +1097,7 @@
     </p:spTree>
     <p:extLst>
       <p:ext uri="{BB962C8B-B14F-4D97-AF65-F5344CB8AC3E}">
-        <p14:creationId xmlns:p14="http://schemas.microsoft.com/office/powerpoint/2010/main" val="1741468182"/>
+        <p14:creationId xmlns:p14="http://schemas.microsoft.com/office/powerpoint/2010/main" val="1266876340"/>
       </p:ext>
     </p:extLst>
   </p:cSld>
@@ -1187,7 +1172,7 @@
           <a:p>
             <a:fld id="{29446431-D0D5-4BC1-9605-93B358FA0494}" type="slidenum">
               <a:rPr lang="fr-FR" smtClean="0"/>
-              <a:t>21</a:t>
+              <a:t>16</a:t>
             </a:fld>
             <a:endParaRPr lang="fr-FR"/>
           </a:p>
@@ -1196,7 +1181,7 @@
     </p:spTree>
     <p:extLst>
       <p:ext uri="{BB962C8B-B14F-4D97-AF65-F5344CB8AC3E}">
-        <p14:creationId xmlns:p14="http://schemas.microsoft.com/office/powerpoint/2010/main" val="1266876340"/>
+        <p14:creationId xmlns:p14="http://schemas.microsoft.com/office/powerpoint/2010/main" val="1741468182"/>
       </p:ext>
     </p:extLst>
   </p:cSld>
@@ -5979,10 +5964,10 @@
       </p:grpSpPr>
       <p:sp>
         <p:nvSpPr>
-          <p:cNvPr id="4" name="Titre 1">
-            <a:extLst>
-              <a:ext uri="{FF2B5EF4-FFF2-40B4-BE49-F238E27FC236}">
-                <a16:creationId xmlns:a16="http://schemas.microsoft.com/office/drawing/2014/main" id="{0BBD490F-0135-83AC-A1D0-18C01882B938}"/>
+          <p:cNvPr id="3" name="Espace réservé du contenu 2">
+            <a:extLst>
+              <a:ext uri="{FF2B5EF4-FFF2-40B4-BE49-F238E27FC236}">
+                <a16:creationId xmlns:a16="http://schemas.microsoft.com/office/drawing/2014/main" id="{5D1598F1-3F5E-181B-29E7-26081FFE38F7}"/>
               </a:ext>
             </a:extLst>
           </p:cNvPr>
@@ -5990,13 +5975,13 @@
             <a:spLocks noGrp="1"/>
           </p:cNvSpPr>
           <p:nvPr>
-            <p:ph type="title"/>
+            <p:ph idx="1"/>
           </p:nvPr>
         </p:nvSpPr>
         <p:spPr>
           <a:xfrm>
-            <a:off x="2681714" y="2713346"/>
-            <a:ext cx="6828572" cy="1128713"/>
+            <a:off x="223520" y="1059656"/>
+            <a:ext cx="5872479" cy="5160163"/>
           </a:xfrm>
         </p:spPr>
         <p:txBody>
@@ -6005,3475 +5990,91 @@
           </a:bodyPr>
           <a:lstStyle/>
           <a:p>
-            <a:pPr algn="ctr"/>
-            <a:r>
-              <a:rPr lang="fr-FR" sz="4100" b="1" dirty="0">
-                <a:solidFill>
-                  <a:schemeClr val="tx2"/>
-                </a:solidFill>
-                <a:latin typeface="Lora" pitchFamily="2" charset="0"/>
-              </a:rPr>
-              <a:t>Contrôle de connaissances</a:t>
-            </a:r>
-          </a:p>
-        </p:txBody>
-      </p:sp>
-    </p:spTree>
-    <p:extLst>
-      <p:ext uri="{BB962C8B-B14F-4D97-AF65-F5344CB8AC3E}">
-        <p14:creationId xmlns:p14="http://schemas.microsoft.com/office/powerpoint/2010/main" val="1610341630"/>
-      </p:ext>
-    </p:extLst>
-  </p:cSld>
-  <p:clrMapOvr>
-    <a:masterClrMapping/>
-  </p:clrMapOvr>
-</p:sld>
-</file>
-
-<file path=ppt/slides/slide14.xml><?xml version="1.0" encoding="utf-8"?>
-<p:sld xmlns:a="http://schemas.openxmlformats.org/drawingml/2006/main" xmlns:r="http://schemas.openxmlformats.org/officeDocument/2006/relationships" xmlns:p="http://schemas.openxmlformats.org/presentationml/2006/main" showMasterSp="0">
-  <p:cSld>
-    <p:bg>
-      <p:bgPr>
-        <a:solidFill>
-          <a:srgbClr val="FFFFFF"/>
-        </a:solidFill>
-        <a:effectLst/>
-      </p:bgPr>
-    </p:bg>
-    <p:spTree>
-      <p:nvGrpSpPr>
-        <p:cNvPr id="1" name=""/>
-        <p:cNvGrpSpPr/>
-        <p:nvPr/>
-      </p:nvGrpSpPr>
-      <p:grpSpPr>
-        <a:xfrm>
-          <a:off x="0" y="0"/>
-          <a:ext cx="0" cy="0"/>
-          <a:chOff x="0" y="0"/>
-          <a:chExt cx="0" cy="0"/>
-        </a:xfrm>
-      </p:grpSpPr>
-      <p:sp>
-        <p:nvSpPr>
-          <p:cNvPr id="2" name="Rectangle : coins arrondis 1">
-            <a:extLst>
-              <a:ext uri="{FF2B5EF4-FFF2-40B4-BE49-F238E27FC236}">
-                <a16:creationId xmlns:a16="http://schemas.microsoft.com/office/drawing/2014/main" id="{60CB7320-AD62-5EAF-DF48-5110C079D630}"/>
-              </a:ext>
-            </a:extLst>
-          </p:cNvPr>
-          <p:cNvSpPr/>
-          <p:nvPr>
-            <p:custDataLst>
-              <p:tags r:id="rId2"/>
-            </p:custDataLst>
-          </p:nvPr>
+            <a:pPr marL="0" indent="0">
+              <a:lnSpc>
+                <a:spcPct val="200000"/>
+              </a:lnSpc>
+              <a:buNone/>
+            </a:pPr>
+            <a:r>
+              <a:rPr lang="fr-FR" sz="2200" b="1" dirty="0"/>
+              <a:t>Dans cet atelier, nous allons:</a:t>
+            </a:r>
+          </a:p>
+          <a:p>
+            <a:pPr>
+              <a:lnSpc>
+                <a:spcPct val="200000"/>
+              </a:lnSpc>
+            </a:pPr>
+            <a:r>
+              <a:rPr lang="fr-FR" sz="2200" dirty="0"/>
+              <a:t>Analyser notre architecture monolithique</a:t>
+            </a:r>
+          </a:p>
+          <a:p>
+            <a:pPr>
+              <a:lnSpc>
+                <a:spcPct val="200000"/>
+              </a:lnSpc>
+            </a:pPr>
+            <a:r>
+              <a:rPr lang="fr-FR" sz="2200" dirty="0"/>
+              <a:t>Identifier les contextes et les délimiter</a:t>
+            </a:r>
+          </a:p>
+          <a:p>
+            <a:pPr>
+              <a:lnSpc>
+                <a:spcPct val="200000"/>
+              </a:lnSpc>
+            </a:pPr>
+            <a:r>
+              <a:rPr lang="fr-FR" sz="2200" dirty="0"/>
+              <a:t>Identifier les contextes éligibles pour devenir des services</a:t>
+            </a:r>
+          </a:p>
+          <a:p>
+            <a:pPr>
+              <a:lnSpc>
+                <a:spcPct val="200000"/>
+              </a:lnSpc>
+            </a:pPr>
+            <a:r>
+              <a:rPr lang="fr-FR" sz="2200" dirty="0"/>
+              <a:t>Construire notre architecture </a:t>
+            </a:r>
+            <a:r>
+              <a:rPr lang="fr-FR" sz="2200" dirty="0" err="1"/>
+              <a:t>microservices</a:t>
+            </a:r>
+            <a:endParaRPr lang="fr-FR" sz="2200" dirty="0"/>
+          </a:p>
+        </p:txBody>
+      </p:sp>
+      <p:sp>
+        <p:nvSpPr>
+          <p:cNvPr id="4" name="Titre 1">
+            <a:extLst>
+              <a:ext uri="{FF2B5EF4-FFF2-40B4-BE49-F238E27FC236}">
+                <a16:creationId xmlns:a16="http://schemas.microsoft.com/office/drawing/2014/main" id="{9F8046C7-59C6-E9C9-C220-2A88E0E8AA74}"/>
+              </a:ext>
+            </a:extLst>
+          </p:cNvPr>
+          <p:cNvSpPr txBox="1">
+            <a:spLocks/>
+          </p:cNvSpPr>
+          <p:nvPr/>
         </p:nvSpPr>
         <p:spPr>
           <a:xfrm>
-            <a:off x="6286500" y="430530"/>
-            <a:ext cx="5524500" cy="891540"/>
-          </a:xfrm>
-          <a:prstGeom prst="roundRect">
-            <a:avLst/>
-          </a:prstGeom>
-          <a:solidFill>
-            <a:srgbClr val="F4F4F4"/>
-          </a:solidFill>
-          <a:ln w="19050" cap="flat" cmpd="sng" algn="ctr">
-            <a:noFill/>
-            <a:prstDash val="solid"/>
-            <a:miter lim="800000"/>
-          </a:ln>
-          <a:effectLst/>
-          <a:extLst>
-            <a:ext uri="{91240B29-F687-4F45-9708-019B960494DF}">
-              <a14:hiddenLine xmlns:a14="http://schemas.microsoft.com/office/drawing/2010/main" w="19050" cap="flat" cmpd="sng" algn="ctr">
-                <a:solidFill>
-                  <a:schemeClr val="accent1">
-                    <a:shade val="15000"/>
-                  </a:schemeClr>
-                </a:solidFill>
-                <a:prstDash val="solid"/>
-                <a:miter lim="800000"/>
-              </a14:hiddenLine>
-            </a:ext>
-          </a:extLst>
-        </p:spPr>
-        <p:style>
-          <a:lnRef idx="2">
-            <a:schemeClr val="accent1">
-              <a:shade val="15000"/>
-            </a:schemeClr>
-          </a:lnRef>
-          <a:fillRef idx="1">
-            <a:schemeClr val="accent1"/>
-          </a:fillRef>
-          <a:effectRef idx="0">
-            <a:schemeClr val="accent1"/>
-          </a:effectRef>
-          <a:fontRef idx="minor">
-            <a:schemeClr val="lt1"/>
-          </a:fontRef>
-        </p:style>
-        <p:txBody>
-          <a:bodyPr lIns="317500" rIns="1143000" rtlCol="0" anchor="ctr">
-            <a:normAutofit/>
-          </a:bodyPr>
-          <a:lstStyle/>
-          <a:p>
-            <a:r>
-              <a:rPr lang="en-US" sz="2000">
-                <a:solidFill>
-                  <a:srgbClr val="5B5B5B"/>
-                </a:solidFill>
-              </a:rPr>
-              <a:t>Please download and install the Slido app on all computers you use</a:t>
-            </a:r>
-            <a:endParaRPr lang="fr-FR" sz="2000">
-              <a:solidFill>
-                <a:srgbClr val="5B5B5B"/>
-              </a:solidFill>
-            </a:endParaRPr>
-          </a:p>
-        </p:txBody>
-      </p:sp>
-      <p:pic>
-        <p:nvPicPr>
-          <p:cNvPr id="4" name="Graphique 3">
-            <a:extLst>
-              <a:ext uri="{FF2B5EF4-FFF2-40B4-BE49-F238E27FC236}">
-                <a16:creationId xmlns:a16="http://schemas.microsoft.com/office/drawing/2014/main" id="{5187F3FD-FFA6-84F4-55D0-4C4C9D2C8C1A}"/>
-              </a:ext>
-            </a:extLst>
-          </p:cNvPr>
-          <p:cNvPicPr>
-            <a:picLocks/>
-          </p:cNvPicPr>
-          <p:nvPr>
-            <p:custDataLst>
-              <p:tags r:id="rId3"/>
-            </p:custDataLst>
-          </p:nvPr>
-        </p:nvPicPr>
-        <p:blipFill>
-          <a:blip r:embed="rId9">
-            <a:extLst>
-              <a:ext uri="{96DAC541-7B7A-43D3-8B79-37D633B846F1}">
-                <asvg:svgBlip xmlns:asvg="http://schemas.microsoft.com/office/drawing/2016/SVG/main" r:embed="rId10"/>
-              </a:ext>
-            </a:extLst>
-          </a:blip>
-          <a:stretch>
-            <a:fillRect/>
-          </a:stretch>
-        </p:blipFill>
-        <p:spPr>
-          <a:xfrm>
-            <a:off x="10826048" y="577634"/>
-            <a:ext cx="597332" cy="597332"/>
+            <a:off x="223520" y="229369"/>
+            <a:ext cx="7680960" cy="446074"/>
           </a:xfrm>
           <a:prstGeom prst="rect">
             <a:avLst/>
           </a:prstGeom>
         </p:spPr>
-      </p:pic>
-      <p:pic>
-        <p:nvPicPr>
-          <p:cNvPr id="6" name="Graphique 5">
-            <a:extLst>
-              <a:ext uri="{FF2B5EF4-FFF2-40B4-BE49-F238E27FC236}">
-                <a16:creationId xmlns:a16="http://schemas.microsoft.com/office/drawing/2014/main" id="{A5678D6A-851B-EC50-CD8C-ECAB86FE3E41}"/>
-              </a:ext>
-            </a:extLst>
-          </p:cNvPr>
-          <p:cNvPicPr>
-            <a:picLocks/>
-          </p:cNvPicPr>
-          <p:nvPr>
-            <p:custDataLst>
-              <p:tags r:id="rId4"/>
-            </p:custDataLst>
-          </p:nvPr>
-        </p:nvPicPr>
-        <p:blipFill>
-          <a:blip r:embed="rId11">
-            <a:extLst>
-              <a:ext uri="{96DAC541-7B7A-43D3-8B79-37D633B846F1}">
-                <asvg:svgBlip xmlns:asvg="http://schemas.microsoft.com/office/drawing/2016/SVG/main" r:embed="rId12"/>
-              </a:ext>
-            </a:extLst>
-          </a:blip>
-          <a:stretch>
-            <a:fillRect/>
-          </a:stretch>
-        </p:blipFill>
-        <p:spPr>
-          <a:xfrm>
-            <a:off x="3901440" y="617220"/>
-            <a:ext cx="1036320" cy="518160"/>
-          </a:xfrm>
-          <a:prstGeom prst="rect">
-            <a:avLst/>
-          </a:prstGeom>
-        </p:spPr>
-      </p:pic>
-      <p:pic>
-        <p:nvPicPr>
-          <p:cNvPr id="8" name="Graphique 7">
-            <a:extLst>
-              <a:ext uri="{FF2B5EF4-FFF2-40B4-BE49-F238E27FC236}">
-                <a16:creationId xmlns:a16="http://schemas.microsoft.com/office/drawing/2014/main" id="{CD756865-EBF8-45E9-CCF2-EF6AD4D48B36}"/>
-              </a:ext>
-            </a:extLst>
-          </p:cNvPr>
-          <p:cNvPicPr>
-            <a:picLocks/>
-          </p:cNvPicPr>
-          <p:nvPr>
-            <p:custDataLst>
-              <p:tags r:id="rId5"/>
-            </p:custDataLst>
-          </p:nvPr>
-        </p:nvPicPr>
-        <p:blipFill>
-          <a:blip r:embed="rId13">
-            <a:extLst>
-              <a:ext uri="{96DAC541-7B7A-43D3-8B79-37D633B846F1}">
-                <asvg:svgBlip xmlns:asvg="http://schemas.microsoft.com/office/drawing/2016/SVG/main" r:embed="rId14"/>
-              </a:ext>
-            </a:extLst>
-          </a:blip>
-          <a:stretch>
-            <a:fillRect/>
-          </a:stretch>
-        </p:blipFill>
-        <p:spPr>
-          <a:xfrm>
-            <a:off x="1158240" y="2270760"/>
-            <a:ext cx="2316480" cy="2316480"/>
-          </a:xfrm>
-          <a:prstGeom prst="rect">
-            <a:avLst/>
-          </a:prstGeom>
-        </p:spPr>
-      </p:pic>
-      <p:sp>
-        <p:nvSpPr>
-          <p:cNvPr id="9" name="Rectangle 8">
-            <a:extLst>
-              <a:ext uri="{FF2B5EF4-FFF2-40B4-BE49-F238E27FC236}">
-                <a16:creationId xmlns:a16="http://schemas.microsoft.com/office/drawing/2014/main" id="{5FAD2035-5687-35D9-4985-B187DED3C635}"/>
-              </a:ext>
-            </a:extLst>
-          </p:cNvPr>
-          <p:cNvSpPr/>
-          <p:nvPr>
-            <p:custDataLst>
-              <p:tags r:id="rId6"/>
-            </p:custDataLst>
-          </p:nvPr>
-        </p:nvSpPr>
-        <p:spPr>
-          <a:xfrm>
-            <a:off x="3901440" y="2571750"/>
-            <a:ext cx="7315199" cy="1714500"/>
-          </a:xfrm>
-          <a:prstGeom prst="rect">
-            <a:avLst/>
-          </a:prstGeom>
-          <a:noFill/>
-          <a:ln w="19050" cap="flat" cmpd="sng" algn="ctr">
-            <a:solidFill>
-              <a:srgbClr val="FFFFFF"/>
-            </a:solidFill>
-            <a:prstDash val="solid"/>
-            <a:miter lim="800000"/>
-          </a:ln>
-          <a:effectLst/>
-          <a:extLst>
-            <a:ext uri="{909E8E84-426E-40DD-AFC4-6F175D3DCCD1}">
-              <a14:hiddenFill xmlns:a14="http://schemas.microsoft.com/office/drawing/2010/main">
-                <a:solidFill>
-                  <a:schemeClr val="accent1"/>
-                </a:solidFill>
-              </a14:hiddenFill>
-            </a:ext>
-          </a:extLst>
-        </p:spPr>
-        <p:style>
-          <a:lnRef idx="2">
-            <a:schemeClr val="accent1">
-              <a:shade val="15000"/>
-            </a:schemeClr>
-          </a:lnRef>
-          <a:fillRef idx="1">
-            <a:schemeClr val="accent1"/>
-          </a:fillRef>
-          <a:effectRef idx="0">
-            <a:schemeClr val="accent1"/>
-          </a:effectRef>
-          <a:fontRef idx="minor">
-            <a:schemeClr val="lt1"/>
-          </a:fontRef>
-        </p:style>
-        <p:txBody>
-          <a:bodyPr rtlCol="0" anchor="ctr"/>
-          <a:lstStyle/>
-          <a:p>
-            <a:r>
-              <a:rPr lang="fr-FR" sz="4000" b="1">
-                <a:solidFill>
-                  <a:srgbClr val="5B5B5B"/>
-                </a:solidFill>
-              </a:rPr>
-              <a:t>Le "Bounded Context" dans le DDD permet de : (SELECTIONNER DEUX PROPOSITIONS)</a:t>
-            </a:r>
-          </a:p>
-        </p:txBody>
-      </p:sp>
-      <p:sp>
-        <p:nvSpPr>
-          <p:cNvPr id="10" name="Rectangle 9">
-            <a:extLst>
-              <a:ext uri="{FF2B5EF4-FFF2-40B4-BE49-F238E27FC236}">
-                <a16:creationId xmlns:a16="http://schemas.microsoft.com/office/drawing/2014/main" id="{7C0D1A81-85A5-2B3A-3401-835C52B580A1}"/>
-              </a:ext>
-            </a:extLst>
-          </p:cNvPr>
-          <p:cNvSpPr/>
-          <p:nvPr>
-            <p:custDataLst>
-              <p:tags r:id="rId7"/>
-            </p:custDataLst>
-          </p:nvPr>
-        </p:nvSpPr>
-        <p:spPr>
-          <a:xfrm>
-            <a:off x="3901440" y="6032500"/>
-            <a:ext cx="7315199" cy="518160"/>
-          </a:xfrm>
-          <a:prstGeom prst="rect">
-            <a:avLst/>
-          </a:prstGeom>
-          <a:noFill/>
-          <a:ln w="19050" cap="flat" cmpd="sng" algn="ctr">
-            <a:noFill/>
-            <a:prstDash val="solid"/>
-            <a:miter lim="800000"/>
-          </a:ln>
-          <a:effectLst/>
-          <a:extLst>
-            <a:ext uri="{909E8E84-426E-40DD-AFC4-6F175D3DCCD1}">
-              <a14:hiddenFill xmlns:a14="http://schemas.microsoft.com/office/drawing/2010/main">
-                <a:solidFill>
-                  <a:schemeClr val="accent1"/>
-                </a:solidFill>
-              </a14:hiddenFill>
-            </a:ext>
-            <a:ext uri="{91240B29-F687-4F45-9708-019B960494DF}">
-              <a14:hiddenLine xmlns:a14="http://schemas.microsoft.com/office/drawing/2010/main" w="19050" cap="flat" cmpd="sng" algn="ctr">
-                <a:solidFill>
-                  <a:schemeClr val="accent1">
-                    <a:shade val="15000"/>
-                  </a:schemeClr>
-                </a:solidFill>
-                <a:prstDash val="solid"/>
-                <a:miter lim="800000"/>
-              </a14:hiddenLine>
-            </a:ext>
-          </a:extLst>
-        </p:spPr>
-        <p:style>
-          <a:lnRef idx="2">
-            <a:schemeClr val="accent1">
-              <a:shade val="15000"/>
-            </a:schemeClr>
-          </a:lnRef>
-          <a:fillRef idx="1">
-            <a:schemeClr val="accent1"/>
-          </a:fillRef>
-          <a:effectRef idx="0">
-            <a:schemeClr val="accent1"/>
-          </a:effectRef>
-          <a:fontRef idx="minor">
-            <a:schemeClr val="lt1"/>
-          </a:fontRef>
-        </p:style>
-        <p:txBody>
-          <a:bodyPr rtlCol="0" anchor="ctr">
-            <a:normAutofit/>
-          </a:bodyPr>
-          <a:lstStyle/>
-          <a:p>
-            <a:r>
-              <a:rPr lang="en-US" sz="2200" b="1">
-                <a:solidFill>
-                  <a:srgbClr val="5B5B5B"/>
-                </a:solidFill>
-              </a:rPr>
-              <a:t>ⓘ</a:t>
-            </a:r>
-            <a:r>
-              <a:rPr lang="en-US" sz="2000">
-                <a:solidFill>
-                  <a:srgbClr val="5B5B5B"/>
-                </a:solidFill>
-              </a:rPr>
-              <a:t> Start presenting to display the poll results on this slide.</a:t>
-            </a:r>
-            <a:endParaRPr lang="fr-FR" sz="2000">
-              <a:solidFill>
-                <a:srgbClr val="5B5B5B"/>
-              </a:solidFill>
-            </a:endParaRPr>
-          </a:p>
-        </p:txBody>
-      </p:sp>
-    </p:spTree>
-    <p:custDataLst>
-      <p:tags r:id="rId1"/>
-    </p:custDataLst>
-    <p:extLst>
-      <p:ext uri="{BB962C8B-B14F-4D97-AF65-F5344CB8AC3E}">
-        <p14:creationId xmlns:p14="http://schemas.microsoft.com/office/powerpoint/2010/main" val="3531974573"/>
-      </p:ext>
-    </p:extLst>
-  </p:cSld>
-  <p:clrMapOvr>
-    <a:masterClrMapping/>
-  </p:clrMapOvr>
-  <p:timing>
-    <p:tnLst>
-      <p:par>
-        <p:cTn id="1" dur="indefinite" restart="never" nodeType="tmRoot">
-          <p:childTnLst>
-            <p:seq concurrent="1" nextAc="seek">
-              <p:cTn id="2" dur="indefinite" nodeType="mainSeq">
-                <p:childTnLst>
-                  <p:par>
-                    <p:cTn id="3" fill="hold">
-                      <p:stCondLst>
-                        <p:cond delay="indefinite"/>
-                      </p:stCondLst>
-                      <p:childTnLst>
-                        <p:par>
-                          <p:cTn id="4" fill="hold">
-                            <p:stCondLst>
-                              <p:cond delay="0"/>
-                            </p:stCondLst>
-                            <p:childTnLst>
-                              <p:par>
-                                <p:cTn id="5" presetID="26" presetClass="emph" presetSubtype="0" fill="hold" grpId="0" nodeType="clickEffect">
-                                  <p:stCondLst>
-                                    <p:cond delay="0"/>
-                                  </p:stCondLst>
-                                  <p:childTnLst>
-                                    <p:animEffect transition="out" filter="fade">
-                                      <p:cBhvr>
-                                        <p:cTn id="6" dur="50" tmFilter="0, 0; .2, .5; .8, .5; 1, 0"/>
-                                        <p:tgtEl>
-                                          <p:spTgt spid="9"/>
-                                        </p:tgtEl>
-                                      </p:cBhvr>
-                                    </p:animEffect>
-                                    <p:animScale>
-                                      <p:cBhvr>
-                                        <p:cTn id="7" dur="25" autoRev="1" fill="hold"/>
-                                        <p:tgtEl>
-                                          <p:spTgt spid="9"/>
-                                        </p:tgtEl>
-                                      </p:cBhvr>
-                                      <p:by x="105000" y="105000"/>
-                                    </p:animScale>
-                                  </p:childTnLst>
-                                </p:cTn>
-                              </p:par>
-                            </p:childTnLst>
-                          </p:cTn>
-                        </p:par>
-                      </p:childTnLst>
-                    </p:cTn>
-                  </p:par>
-                  <p:par>
-                    <p:cTn id="8" fill="hold">
-                      <p:stCondLst>
-                        <p:cond delay="indefinite"/>
-                      </p:stCondLst>
-                      <p:childTnLst>
-                        <p:par>
-                          <p:cTn id="9" fill="hold">
-                            <p:stCondLst>
-                              <p:cond delay="0"/>
-                            </p:stCondLst>
-                            <p:childTnLst>
-                              <p:par>
-                                <p:cTn id="10" presetID="26" presetClass="emph" presetSubtype="0" fill="hold" grpId="1" nodeType="clickEffect">
-                                  <p:stCondLst>
-                                    <p:cond delay="0"/>
-                                  </p:stCondLst>
-                                  <p:childTnLst>
-                                    <p:animEffect transition="out" filter="fade">
-                                      <p:cBhvr>
-                                        <p:cTn id="11" dur="50" tmFilter="0, 0; .2, .5; .8, .5; 1, 0"/>
-                                        <p:tgtEl>
-                                          <p:spTgt spid="9"/>
-                                        </p:tgtEl>
-                                      </p:cBhvr>
-                                    </p:animEffect>
-                                    <p:animScale>
-                                      <p:cBhvr>
-                                        <p:cTn id="12" dur="25" autoRev="1" fill="hold"/>
-                                        <p:tgtEl>
-                                          <p:spTgt spid="9"/>
-                                        </p:tgtEl>
-                                      </p:cBhvr>
-                                      <p:by x="105000" y="105000"/>
-                                    </p:animScale>
-                                  </p:childTnLst>
-                                </p:cTn>
-                              </p:par>
-                            </p:childTnLst>
-                          </p:cTn>
-                        </p:par>
-                      </p:childTnLst>
-                    </p:cTn>
-                  </p:par>
-                  <p:par>
-                    <p:cTn id="13" fill="hold">
-                      <p:stCondLst>
-                        <p:cond delay="indefinite"/>
-                      </p:stCondLst>
-                      <p:childTnLst>
-                        <p:par>
-                          <p:cTn id="14" fill="hold">
-                            <p:stCondLst>
-                              <p:cond delay="0"/>
-                            </p:stCondLst>
-                            <p:childTnLst>
-                              <p:par>
-                                <p:cTn id="15" presetID="26" presetClass="emph" presetSubtype="0" fill="hold" grpId="2" nodeType="clickEffect">
-                                  <p:stCondLst>
-                                    <p:cond delay="0"/>
-                                  </p:stCondLst>
-                                  <p:childTnLst>
-                                    <p:animEffect transition="out" filter="fade">
-                                      <p:cBhvr>
-                                        <p:cTn id="16" dur="50" tmFilter="0, 0; .2, .5; .8, .5; 1, 0"/>
-                                        <p:tgtEl>
-                                          <p:spTgt spid="9"/>
-                                        </p:tgtEl>
-                                      </p:cBhvr>
-                                    </p:animEffect>
-                                    <p:animScale>
-                                      <p:cBhvr>
-                                        <p:cTn id="17" dur="25" autoRev="1" fill="hold"/>
-                                        <p:tgtEl>
-                                          <p:spTgt spid="9"/>
-                                        </p:tgtEl>
-                                      </p:cBhvr>
-                                      <p:by x="105000" y="105000"/>
-                                    </p:animScale>
-                                  </p:childTnLst>
-                                </p:cTn>
-                              </p:par>
-                            </p:childTnLst>
-                          </p:cTn>
-                        </p:par>
-                      </p:childTnLst>
-                    </p:cTn>
-                  </p:par>
-                </p:childTnLst>
-              </p:cTn>
-              <p:prevCondLst>
-                <p:cond evt="onPrev" delay="0">
-                  <p:tgtEl>
-                    <p:sldTgt/>
-                  </p:tgtEl>
-                </p:cond>
-              </p:prevCondLst>
-              <p:nextCondLst>
-                <p:cond evt="onNext" delay="0">
-                  <p:tgtEl>
-                    <p:sldTgt/>
-                  </p:tgtEl>
-                </p:cond>
-              </p:nextCondLst>
-            </p:seq>
-          </p:childTnLst>
-        </p:cTn>
-      </p:par>
-    </p:tnLst>
-    <p:bldLst>
-      <p:bldP spid="9" grpId="0" animBg="1"/>
-      <p:bldP spid="9" grpId="1" animBg="1"/>
-      <p:bldP spid="9" grpId="2" animBg="1"/>
-    </p:bldLst>
-  </p:timing>
-</p:sld>
-</file>
-
-<file path=ppt/slides/slide15.xml><?xml version="1.0" encoding="utf-8"?>
-<p:sld xmlns:a="http://schemas.openxmlformats.org/drawingml/2006/main" xmlns:r="http://schemas.openxmlformats.org/officeDocument/2006/relationships" xmlns:p="http://schemas.openxmlformats.org/presentationml/2006/main" showMasterSp="0">
-  <p:cSld>
-    <p:bg>
-      <p:bgPr>
-        <a:solidFill>
-          <a:srgbClr val="FFFFFF"/>
-        </a:solidFill>
-        <a:effectLst/>
-      </p:bgPr>
-    </p:bg>
-    <p:spTree>
-      <p:nvGrpSpPr>
-        <p:cNvPr id="1" name=""/>
-        <p:cNvGrpSpPr/>
-        <p:nvPr/>
-      </p:nvGrpSpPr>
-      <p:grpSpPr>
-        <a:xfrm>
-          <a:off x="0" y="0"/>
-          <a:ext cx="0" cy="0"/>
-          <a:chOff x="0" y="0"/>
-          <a:chExt cx="0" cy="0"/>
-        </a:xfrm>
-      </p:grpSpPr>
-      <p:sp>
-        <p:nvSpPr>
-          <p:cNvPr id="2" name="Rectangle : coins arrondis 1">
-            <a:extLst>
-              <a:ext uri="{FF2B5EF4-FFF2-40B4-BE49-F238E27FC236}">
-                <a16:creationId xmlns:a16="http://schemas.microsoft.com/office/drawing/2014/main" id="{AF7EEA08-A735-8871-F3C1-602870D729D9}"/>
-              </a:ext>
-            </a:extLst>
-          </p:cNvPr>
-          <p:cNvSpPr/>
-          <p:nvPr>
-            <p:custDataLst>
-              <p:tags r:id="rId2"/>
-            </p:custDataLst>
-          </p:nvPr>
-        </p:nvSpPr>
-        <p:spPr>
-          <a:xfrm>
-            <a:off x="6286500" y="430530"/>
-            <a:ext cx="5524500" cy="891540"/>
-          </a:xfrm>
-          <a:prstGeom prst="roundRect">
-            <a:avLst/>
-          </a:prstGeom>
-          <a:solidFill>
-            <a:srgbClr val="F4F4F4"/>
-          </a:solidFill>
-          <a:ln w="19050" cap="flat" cmpd="sng" algn="ctr">
-            <a:noFill/>
-            <a:prstDash val="solid"/>
-            <a:miter lim="800000"/>
-          </a:ln>
-          <a:effectLst/>
-          <a:extLst>
-            <a:ext uri="{91240B29-F687-4F45-9708-019B960494DF}">
-              <a14:hiddenLine xmlns:a14="http://schemas.microsoft.com/office/drawing/2010/main" w="19050" cap="flat" cmpd="sng" algn="ctr">
-                <a:solidFill>
-                  <a:schemeClr val="accent1">
-                    <a:shade val="15000"/>
-                  </a:schemeClr>
-                </a:solidFill>
-                <a:prstDash val="solid"/>
-                <a:miter lim="800000"/>
-              </a14:hiddenLine>
-            </a:ext>
-          </a:extLst>
-        </p:spPr>
-        <p:style>
-          <a:lnRef idx="2">
-            <a:schemeClr val="accent1">
-              <a:shade val="15000"/>
-            </a:schemeClr>
-          </a:lnRef>
-          <a:fillRef idx="1">
-            <a:schemeClr val="accent1"/>
-          </a:fillRef>
-          <a:effectRef idx="0">
-            <a:schemeClr val="accent1"/>
-          </a:effectRef>
-          <a:fontRef idx="minor">
-            <a:schemeClr val="lt1"/>
-          </a:fontRef>
-        </p:style>
-        <p:txBody>
-          <a:bodyPr lIns="317500" rIns="1143000" rtlCol="0" anchor="ctr">
-            <a:normAutofit/>
-          </a:bodyPr>
-          <a:lstStyle/>
-          <a:p>
-            <a:r>
-              <a:rPr lang="en-US" sz="2000">
-                <a:solidFill>
-                  <a:srgbClr val="5B5B5B"/>
-                </a:solidFill>
-              </a:rPr>
-              <a:t>Please download and install the Slido app on all computers you use</a:t>
-            </a:r>
-            <a:endParaRPr lang="fr-FR" sz="2000">
-              <a:solidFill>
-                <a:srgbClr val="5B5B5B"/>
-              </a:solidFill>
-            </a:endParaRPr>
-          </a:p>
-        </p:txBody>
-      </p:sp>
-      <p:pic>
-        <p:nvPicPr>
-          <p:cNvPr id="4" name="Graphique 3">
-            <a:extLst>
-              <a:ext uri="{FF2B5EF4-FFF2-40B4-BE49-F238E27FC236}">
-                <a16:creationId xmlns:a16="http://schemas.microsoft.com/office/drawing/2014/main" id="{D23A052D-E7DE-5832-A198-7E9E78839EEE}"/>
-              </a:ext>
-            </a:extLst>
-          </p:cNvPr>
-          <p:cNvPicPr>
-            <a:picLocks/>
-          </p:cNvPicPr>
-          <p:nvPr>
-            <p:custDataLst>
-              <p:tags r:id="rId3"/>
-            </p:custDataLst>
-          </p:nvPr>
-        </p:nvPicPr>
-        <p:blipFill>
-          <a:blip r:embed="rId9">
-            <a:extLst>
-              <a:ext uri="{96DAC541-7B7A-43D3-8B79-37D633B846F1}">
-                <asvg:svgBlip xmlns:asvg="http://schemas.microsoft.com/office/drawing/2016/SVG/main" r:embed="rId10"/>
-              </a:ext>
-            </a:extLst>
-          </a:blip>
-          <a:stretch>
-            <a:fillRect/>
-          </a:stretch>
-        </p:blipFill>
-        <p:spPr>
-          <a:xfrm>
-            <a:off x="10826048" y="577634"/>
-            <a:ext cx="597332" cy="597332"/>
-          </a:xfrm>
-          <a:prstGeom prst="rect">
-            <a:avLst/>
-          </a:prstGeom>
-        </p:spPr>
-      </p:pic>
-      <p:pic>
-        <p:nvPicPr>
-          <p:cNvPr id="6" name="Graphique 5">
-            <a:extLst>
-              <a:ext uri="{FF2B5EF4-FFF2-40B4-BE49-F238E27FC236}">
-                <a16:creationId xmlns:a16="http://schemas.microsoft.com/office/drawing/2014/main" id="{C2B5D0E0-2ACA-B30E-4BE3-DB5856F17170}"/>
-              </a:ext>
-            </a:extLst>
-          </p:cNvPr>
-          <p:cNvPicPr>
-            <a:picLocks/>
-          </p:cNvPicPr>
-          <p:nvPr>
-            <p:custDataLst>
-              <p:tags r:id="rId4"/>
-            </p:custDataLst>
-          </p:nvPr>
-        </p:nvPicPr>
-        <p:blipFill>
-          <a:blip r:embed="rId11">
-            <a:extLst>
-              <a:ext uri="{96DAC541-7B7A-43D3-8B79-37D633B846F1}">
-                <asvg:svgBlip xmlns:asvg="http://schemas.microsoft.com/office/drawing/2016/SVG/main" r:embed="rId12"/>
-              </a:ext>
-            </a:extLst>
-          </a:blip>
-          <a:stretch>
-            <a:fillRect/>
-          </a:stretch>
-        </p:blipFill>
-        <p:spPr>
-          <a:xfrm>
-            <a:off x="3901440" y="617220"/>
-            <a:ext cx="1036320" cy="518160"/>
-          </a:xfrm>
-          <a:prstGeom prst="rect">
-            <a:avLst/>
-          </a:prstGeom>
-        </p:spPr>
-      </p:pic>
-      <p:pic>
-        <p:nvPicPr>
-          <p:cNvPr id="8" name="Graphique 7">
-            <a:extLst>
-              <a:ext uri="{FF2B5EF4-FFF2-40B4-BE49-F238E27FC236}">
-                <a16:creationId xmlns:a16="http://schemas.microsoft.com/office/drawing/2014/main" id="{AB2ECAB0-C114-063D-D889-AA2BEE1A0EB3}"/>
-              </a:ext>
-            </a:extLst>
-          </p:cNvPr>
-          <p:cNvPicPr>
-            <a:picLocks/>
-          </p:cNvPicPr>
-          <p:nvPr>
-            <p:custDataLst>
-              <p:tags r:id="rId5"/>
-            </p:custDataLst>
-          </p:nvPr>
-        </p:nvPicPr>
-        <p:blipFill>
-          <a:blip r:embed="rId13">
-            <a:extLst>
-              <a:ext uri="{96DAC541-7B7A-43D3-8B79-37D633B846F1}">
-                <asvg:svgBlip xmlns:asvg="http://schemas.microsoft.com/office/drawing/2016/SVG/main" r:embed="rId14"/>
-              </a:ext>
-            </a:extLst>
-          </a:blip>
-          <a:stretch>
-            <a:fillRect/>
-          </a:stretch>
-        </p:blipFill>
-        <p:spPr>
-          <a:xfrm>
-            <a:off x="1158240" y="2270760"/>
-            <a:ext cx="2316480" cy="2316480"/>
-          </a:xfrm>
-          <a:prstGeom prst="rect">
-            <a:avLst/>
-          </a:prstGeom>
-        </p:spPr>
-      </p:pic>
-      <p:sp>
-        <p:nvSpPr>
-          <p:cNvPr id="9" name="Rectangle 8">
-            <a:extLst>
-              <a:ext uri="{FF2B5EF4-FFF2-40B4-BE49-F238E27FC236}">
-                <a16:creationId xmlns:a16="http://schemas.microsoft.com/office/drawing/2014/main" id="{3E820634-1A73-AF98-EFD3-713B505BA394}"/>
-              </a:ext>
-            </a:extLst>
-          </p:cNvPr>
-          <p:cNvSpPr/>
-          <p:nvPr>
-            <p:custDataLst>
-              <p:tags r:id="rId6"/>
-            </p:custDataLst>
-          </p:nvPr>
-        </p:nvSpPr>
-        <p:spPr>
-          <a:xfrm>
-            <a:off x="3901440" y="2571750"/>
-            <a:ext cx="7315199" cy="1714500"/>
-          </a:xfrm>
-          <a:prstGeom prst="rect">
-            <a:avLst/>
-          </a:prstGeom>
-          <a:noFill/>
-          <a:ln w="19050" cap="flat" cmpd="sng" algn="ctr">
-            <a:solidFill>
-              <a:srgbClr val="FFFFFF"/>
-            </a:solidFill>
-            <a:prstDash val="solid"/>
-            <a:miter lim="800000"/>
-          </a:ln>
-          <a:effectLst/>
-          <a:extLst>
-            <a:ext uri="{909E8E84-426E-40DD-AFC4-6F175D3DCCD1}">
-              <a14:hiddenFill xmlns:a14="http://schemas.microsoft.com/office/drawing/2010/main">
-                <a:solidFill>
-                  <a:schemeClr val="accent1"/>
-                </a:solidFill>
-              </a14:hiddenFill>
-            </a:ext>
-          </a:extLst>
-        </p:spPr>
-        <p:style>
-          <a:lnRef idx="2">
-            <a:schemeClr val="accent1">
-              <a:shade val="15000"/>
-            </a:schemeClr>
-          </a:lnRef>
-          <a:fillRef idx="1">
-            <a:schemeClr val="accent1"/>
-          </a:fillRef>
-          <a:effectRef idx="0">
-            <a:schemeClr val="accent1"/>
-          </a:effectRef>
-          <a:fontRef idx="minor">
-            <a:schemeClr val="lt1"/>
-          </a:fontRef>
-        </p:style>
-        <p:txBody>
-          <a:bodyPr rtlCol="0" anchor="ctr"/>
-          <a:lstStyle/>
-          <a:p>
-            <a:r>
-              <a:rPr lang="fr-FR" sz="2400" b="1">
-                <a:solidFill>
-                  <a:srgbClr val="5B5B5B"/>
-                </a:solidFill>
-              </a:rPr>
-              <a:t>Un microservice peut avoir accès directement à la base de données d'un autre microservice pour récupérer des informations.</a:t>
-            </a:r>
-          </a:p>
-        </p:txBody>
-      </p:sp>
-      <p:sp>
-        <p:nvSpPr>
-          <p:cNvPr id="10" name="Rectangle 9">
-            <a:extLst>
-              <a:ext uri="{FF2B5EF4-FFF2-40B4-BE49-F238E27FC236}">
-                <a16:creationId xmlns:a16="http://schemas.microsoft.com/office/drawing/2014/main" id="{66E289F1-59CF-0489-FBA3-58E521E50FD0}"/>
-              </a:ext>
-            </a:extLst>
-          </p:cNvPr>
-          <p:cNvSpPr/>
-          <p:nvPr>
-            <p:custDataLst>
-              <p:tags r:id="rId7"/>
-            </p:custDataLst>
-          </p:nvPr>
-        </p:nvSpPr>
-        <p:spPr>
-          <a:xfrm>
-            <a:off x="3901440" y="6032500"/>
-            <a:ext cx="7315199" cy="518160"/>
-          </a:xfrm>
-          <a:prstGeom prst="rect">
-            <a:avLst/>
-          </a:prstGeom>
-          <a:noFill/>
-          <a:ln w="19050" cap="flat" cmpd="sng" algn="ctr">
-            <a:noFill/>
-            <a:prstDash val="solid"/>
-            <a:miter lim="800000"/>
-          </a:ln>
-          <a:effectLst/>
-          <a:extLst>
-            <a:ext uri="{909E8E84-426E-40DD-AFC4-6F175D3DCCD1}">
-              <a14:hiddenFill xmlns:a14="http://schemas.microsoft.com/office/drawing/2010/main">
-                <a:solidFill>
-                  <a:schemeClr val="accent1"/>
-                </a:solidFill>
-              </a14:hiddenFill>
-            </a:ext>
-            <a:ext uri="{91240B29-F687-4F45-9708-019B960494DF}">
-              <a14:hiddenLine xmlns:a14="http://schemas.microsoft.com/office/drawing/2010/main" w="19050" cap="flat" cmpd="sng" algn="ctr">
-                <a:solidFill>
-                  <a:schemeClr val="accent1">
-                    <a:shade val="15000"/>
-                  </a:schemeClr>
-                </a:solidFill>
-                <a:prstDash val="solid"/>
-                <a:miter lim="800000"/>
-              </a14:hiddenLine>
-            </a:ext>
-          </a:extLst>
-        </p:spPr>
-        <p:style>
-          <a:lnRef idx="2">
-            <a:schemeClr val="accent1">
-              <a:shade val="15000"/>
-            </a:schemeClr>
-          </a:lnRef>
-          <a:fillRef idx="1">
-            <a:schemeClr val="accent1"/>
-          </a:fillRef>
-          <a:effectRef idx="0">
-            <a:schemeClr val="accent1"/>
-          </a:effectRef>
-          <a:fontRef idx="minor">
-            <a:schemeClr val="lt1"/>
-          </a:fontRef>
-        </p:style>
-        <p:txBody>
-          <a:bodyPr rtlCol="0" anchor="ctr">
-            <a:normAutofit/>
-          </a:bodyPr>
-          <a:lstStyle/>
-          <a:p>
-            <a:r>
-              <a:rPr lang="en-US" sz="2200" b="1">
-                <a:solidFill>
-                  <a:srgbClr val="5B5B5B"/>
-                </a:solidFill>
-              </a:rPr>
-              <a:t>ⓘ</a:t>
-            </a:r>
-            <a:r>
-              <a:rPr lang="en-US" sz="2000">
-                <a:solidFill>
-                  <a:srgbClr val="5B5B5B"/>
-                </a:solidFill>
-              </a:rPr>
-              <a:t> Start presenting to display the poll results on this slide.</a:t>
-            </a:r>
-            <a:endParaRPr lang="fr-FR" sz="2000">
-              <a:solidFill>
-                <a:srgbClr val="5B5B5B"/>
-              </a:solidFill>
-            </a:endParaRPr>
-          </a:p>
-        </p:txBody>
-      </p:sp>
-    </p:spTree>
-    <p:custDataLst>
-      <p:tags r:id="rId1"/>
-    </p:custDataLst>
-    <p:extLst>
-      <p:ext uri="{BB962C8B-B14F-4D97-AF65-F5344CB8AC3E}">
-        <p14:creationId xmlns:p14="http://schemas.microsoft.com/office/powerpoint/2010/main" val="1005620945"/>
-      </p:ext>
-    </p:extLst>
-  </p:cSld>
-  <p:clrMapOvr>
-    <a:masterClrMapping/>
-  </p:clrMapOvr>
-  <p:timing>
-    <p:tnLst>
-      <p:par>
-        <p:cTn id="1" dur="indefinite" restart="never" nodeType="tmRoot">
-          <p:childTnLst>
-            <p:seq concurrent="1" nextAc="seek">
-              <p:cTn id="2" dur="indefinite" nodeType="mainSeq">
-                <p:childTnLst>
-                  <p:par>
-                    <p:cTn id="3" fill="hold">
-                      <p:stCondLst>
-                        <p:cond delay="indefinite"/>
-                      </p:stCondLst>
-                      <p:childTnLst>
-                        <p:par>
-                          <p:cTn id="4" fill="hold">
-                            <p:stCondLst>
-                              <p:cond delay="0"/>
-                            </p:stCondLst>
-                            <p:childTnLst>
-                              <p:par>
-                                <p:cTn id="5" presetID="26" presetClass="emph" presetSubtype="0" fill="hold" grpId="0" nodeType="clickEffect">
-                                  <p:stCondLst>
-                                    <p:cond delay="0"/>
-                                  </p:stCondLst>
-                                  <p:childTnLst>
-                                    <p:animEffect transition="out" filter="fade">
-                                      <p:cBhvr>
-                                        <p:cTn id="6" dur="50" tmFilter="0, 0; .2, .5; .8, .5; 1, 0"/>
-                                        <p:tgtEl>
-                                          <p:spTgt spid="9"/>
-                                        </p:tgtEl>
-                                      </p:cBhvr>
-                                    </p:animEffect>
-                                    <p:animScale>
-                                      <p:cBhvr>
-                                        <p:cTn id="7" dur="25" autoRev="1" fill="hold"/>
-                                        <p:tgtEl>
-                                          <p:spTgt spid="9"/>
-                                        </p:tgtEl>
-                                      </p:cBhvr>
-                                      <p:by x="105000" y="105000"/>
-                                    </p:animScale>
-                                  </p:childTnLst>
-                                </p:cTn>
-                              </p:par>
-                            </p:childTnLst>
-                          </p:cTn>
-                        </p:par>
-                      </p:childTnLst>
-                    </p:cTn>
-                  </p:par>
-                  <p:par>
-                    <p:cTn id="8" fill="hold">
-                      <p:stCondLst>
-                        <p:cond delay="indefinite"/>
-                      </p:stCondLst>
-                      <p:childTnLst>
-                        <p:par>
-                          <p:cTn id="9" fill="hold">
-                            <p:stCondLst>
-                              <p:cond delay="0"/>
-                            </p:stCondLst>
-                            <p:childTnLst>
-                              <p:par>
-                                <p:cTn id="10" presetID="26" presetClass="emph" presetSubtype="0" fill="hold" grpId="1" nodeType="clickEffect">
-                                  <p:stCondLst>
-                                    <p:cond delay="0"/>
-                                  </p:stCondLst>
-                                  <p:childTnLst>
-                                    <p:animEffect transition="out" filter="fade">
-                                      <p:cBhvr>
-                                        <p:cTn id="11" dur="50" tmFilter="0, 0; .2, .5; .8, .5; 1, 0"/>
-                                        <p:tgtEl>
-                                          <p:spTgt spid="9"/>
-                                        </p:tgtEl>
-                                      </p:cBhvr>
-                                    </p:animEffect>
-                                    <p:animScale>
-                                      <p:cBhvr>
-                                        <p:cTn id="12" dur="25" autoRev="1" fill="hold"/>
-                                        <p:tgtEl>
-                                          <p:spTgt spid="9"/>
-                                        </p:tgtEl>
-                                      </p:cBhvr>
-                                      <p:by x="105000" y="105000"/>
-                                    </p:animScale>
-                                  </p:childTnLst>
-                                </p:cTn>
-                              </p:par>
-                            </p:childTnLst>
-                          </p:cTn>
-                        </p:par>
-                      </p:childTnLst>
-                    </p:cTn>
-                  </p:par>
-                </p:childTnLst>
-              </p:cTn>
-              <p:prevCondLst>
-                <p:cond evt="onPrev" delay="0">
-                  <p:tgtEl>
-                    <p:sldTgt/>
-                  </p:tgtEl>
-                </p:cond>
-              </p:prevCondLst>
-              <p:nextCondLst>
-                <p:cond evt="onNext" delay="0">
-                  <p:tgtEl>
-                    <p:sldTgt/>
-                  </p:tgtEl>
-                </p:cond>
-              </p:nextCondLst>
-            </p:seq>
-          </p:childTnLst>
-        </p:cTn>
-      </p:par>
-    </p:tnLst>
-    <p:bldLst>
-      <p:bldP spid="9" grpId="0" animBg="1"/>
-      <p:bldP spid="9" grpId="1" animBg="1"/>
-    </p:bldLst>
-  </p:timing>
-</p:sld>
-</file>
-
-<file path=ppt/slides/slide16.xml><?xml version="1.0" encoding="utf-8"?>
-<p:sld xmlns:a="http://schemas.openxmlformats.org/drawingml/2006/main" xmlns:r="http://schemas.openxmlformats.org/officeDocument/2006/relationships" xmlns:p="http://schemas.openxmlformats.org/presentationml/2006/main" showMasterSp="0">
-  <p:cSld>
-    <p:bg>
-      <p:bgPr>
-        <a:solidFill>
-          <a:srgbClr val="FFFFFF"/>
-        </a:solidFill>
-        <a:effectLst/>
-      </p:bgPr>
-    </p:bg>
-    <p:spTree>
-      <p:nvGrpSpPr>
-        <p:cNvPr id="1" name=""/>
-        <p:cNvGrpSpPr/>
-        <p:nvPr/>
-      </p:nvGrpSpPr>
-      <p:grpSpPr>
-        <a:xfrm>
-          <a:off x="0" y="0"/>
-          <a:ext cx="0" cy="0"/>
-          <a:chOff x="0" y="0"/>
-          <a:chExt cx="0" cy="0"/>
-        </a:xfrm>
-      </p:grpSpPr>
-      <p:sp>
-        <p:nvSpPr>
-          <p:cNvPr id="2" name="Rectangle : coins arrondis 1">
-            <a:extLst>
-              <a:ext uri="{FF2B5EF4-FFF2-40B4-BE49-F238E27FC236}">
-                <a16:creationId xmlns:a16="http://schemas.microsoft.com/office/drawing/2014/main" id="{56BAE6A5-6DE7-41DF-D6B2-00DB73728984}"/>
-              </a:ext>
-            </a:extLst>
-          </p:cNvPr>
-          <p:cNvSpPr/>
-          <p:nvPr>
-            <p:custDataLst>
-              <p:tags r:id="rId2"/>
-            </p:custDataLst>
-          </p:nvPr>
-        </p:nvSpPr>
-        <p:spPr>
-          <a:xfrm>
-            <a:off x="6286500" y="430530"/>
-            <a:ext cx="5524500" cy="891540"/>
-          </a:xfrm>
-          <a:prstGeom prst="roundRect">
-            <a:avLst/>
-          </a:prstGeom>
-          <a:solidFill>
-            <a:srgbClr val="F4F4F4"/>
-          </a:solidFill>
-          <a:ln w="19050" cap="flat" cmpd="sng" algn="ctr">
-            <a:noFill/>
-            <a:prstDash val="solid"/>
-            <a:miter lim="800000"/>
-          </a:ln>
-          <a:effectLst/>
-          <a:extLst>
-            <a:ext uri="{91240B29-F687-4F45-9708-019B960494DF}">
-              <a14:hiddenLine xmlns:a14="http://schemas.microsoft.com/office/drawing/2010/main" w="19050" cap="flat" cmpd="sng" algn="ctr">
-                <a:solidFill>
-                  <a:schemeClr val="accent1">
-                    <a:shade val="15000"/>
-                  </a:schemeClr>
-                </a:solidFill>
-                <a:prstDash val="solid"/>
-                <a:miter lim="800000"/>
-              </a14:hiddenLine>
-            </a:ext>
-          </a:extLst>
-        </p:spPr>
-        <p:style>
-          <a:lnRef idx="2">
-            <a:schemeClr val="accent1">
-              <a:shade val="15000"/>
-            </a:schemeClr>
-          </a:lnRef>
-          <a:fillRef idx="1">
-            <a:schemeClr val="accent1"/>
-          </a:fillRef>
-          <a:effectRef idx="0">
-            <a:schemeClr val="accent1"/>
-          </a:effectRef>
-          <a:fontRef idx="minor">
-            <a:schemeClr val="lt1"/>
-          </a:fontRef>
-        </p:style>
-        <p:txBody>
-          <a:bodyPr lIns="317500" rIns="1143000" rtlCol="0" anchor="ctr">
-            <a:normAutofit/>
-          </a:bodyPr>
-          <a:lstStyle/>
-          <a:p>
-            <a:r>
-              <a:rPr lang="en-US" sz="2000">
-                <a:solidFill>
-                  <a:srgbClr val="5B5B5B"/>
-                </a:solidFill>
-              </a:rPr>
-              <a:t>Please download and install the Slido app on all computers you use</a:t>
-            </a:r>
-            <a:endParaRPr lang="fr-FR" sz="2000">
-              <a:solidFill>
-                <a:srgbClr val="5B5B5B"/>
-              </a:solidFill>
-            </a:endParaRPr>
-          </a:p>
-        </p:txBody>
-      </p:sp>
-      <p:pic>
-        <p:nvPicPr>
-          <p:cNvPr id="4" name="Graphique 3">
-            <a:extLst>
-              <a:ext uri="{FF2B5EF4-FFF2-40B4-BE49-F238E27FC236}">
-                <a16:creationId xmlns:a16="http://schemas.microsoft.com/office/drawing/2014/main" id="{B129B686-5C2B-872C-763C-3BB4B904553F}"/>
-              </a:ext>
-            </a:extLst>
-          </p:cNvPr>
-          <p:cNvPicPr>
-            <a:picLocks/>
-          </p:cNvPicPr>
-          <p:nvPr>
-            <p:custDataLst>
-              <p:tags r:id="rId3"/>
-            </p:custDataLst>
-          </p:nvPr>
-        </p:nvPicPr>
-        <p:blipFill>
-          <a:blip r:embed="rId9">
-            <a:extLst>
-              <a:ext uri="{96DAC541-7B7A-43D3-8B79-37D633B846F1}">
-                <asvg:svgBlip xmlns:asvg="http://schemas.microsoft.com/office/drawing/2016/SVG/main" r:embed="rId10"/>
-              </a:ext>
-            </a:extLst>
-          </a:blip>
-          <a:stretch>
-            <a:fillRect/>
-          </a:stretch>
-        </p:blipFill>
-        <p:spPr>
-          <a:xfrm>
-            <a:off x="10826048" y="577634"/>
-            <a:ext cx="597332" cy="597332"/>
-          </a:xfrm>
-          <a:prstGeom prst="rect">
-            <a:avLst/>
-          </a:prstGeom>
-        </p:spPr>
-      </p:pic>
-      <p:pic>
-        <p:nvPicPr>
-          <p:cNvPr id="6" name="Graphique 5">
-            <a:extLst>
-              <a:ext uri="{FF2B5EF4-FFF2-40B4-BE49-F238E27FC236}">
-                <a16:creationId xmlns:a16="http://schemas.microsoft.com/office/drawing/2014/main" id="{C578E19F-E4A7-A639-531F-425267DC5842}"/>
-              </a:ext>
-            </a:extLst>
-          </p:cNvPr>
-          <p:cNvPicPr>
-            <a:picLocks/>
-          </p:cNvPicPr>
-          <p:nvPr>
-            <p:custDataLst>
-              <p:tags r:id="rId4"/>
-            </p:custDataLst>
-          </p:nvPr>
-        </p:nvPicPr>
-        <p:blipFill>
-          <a:blip r:embed="rId11">
-            <a:extLst>
-              <a:ext uri="{96DAC541-7B7A-43D3-8B79-37D633B846F1}">
-                <asvg:svgBlip xmlns:asvg="http://schemas.microsoft.com/office/drawing/2016/SVG/main" r:embed="rId12"/>
-              </a:ext>
-            </a:extLst>
-          </a:blip>
-          <a:stretch>
-            <a:fillRect/>
-          </a:stretch>
-        </p:blipFill>
-        <p:spPr>
-          <a:xfrm>
-            <a:off x="3901440" y="617220"/>
-            <a:ext cx="1036320" cy="518160"/>
-          </a:xfrm>
-          <a:prstGeom prst="rect">
-            <a:avLst/>
-          </a:prstGeom>
-        </p:spPr>
-      </p:pic>
-      <p:pic>
-        <p:nvPicPr>
-          <p:cNvPr id="8" name="Graphique 7">
-            <a:extLst>
-              <a:ext uri="{FF2B5EF4-FFF2-40B4-BE49-F238E27FC236}">
-                <a16:creationId xmlns:a16="http://schemas.microsoft.com/office/drawing/2014/main" id="{1C993D74-7752-15C9-568E-55372F2A149A}"/>
-              </a:ext>
-            </a:extLst>
-          </p:cNvPr>
-          <p:cNvPicPr>
-            <a:picLocks/>
-          </p:cNvPicPr>
-          <p:nvPr>
-            <p:custDataLst>
-              <p:tags r:id="rId5"/>
-            </p:custDataLst>
-          </p:nvPr>
-        </p:nvPicPr>
-        <p:blipFill>
-          <a:blip r:embed="rId13">
-            <a:extLst>
-              <a:ext uri="{96DAC541-7B7A-43D3-8B79-37D633B846F1}">
-                <asvg:svgBlip xmlns:asvg="http://schemas.microsoft.com/office/drawing/2016/SVG/main" r:embed="rId14"/>
-              </a:ext>
-            </a:extLst>
-          </a:blip>
-          <a:stretch>
-            <a:fillRect/>
-          </a:stretch>
-        </p:blipFill>
-        <p:spPr>
-          <a:xfrm>
-            <a:off x="1158240" y="2270760"/>
-            <a:ext cx="2316480" cy="2316480"/>
-          </a:xfrm>
-          <a:prstGeom prst="rect">
-            <a:avLst/>
-          </a:prstGeom>
-        </p:spPr>
-      </p:pic>
-      <p:sp>
-        <p:nvSpPr>
-          <p:cNvPr id="9" name="Rectangle 8">
-            <a:extLst>
-              <a:ext uri="{FF2B5EF4-FFF2-40B4-BE49-F238E27FC236}">
-                <a16:creationId xmlns:a16="http://schemas.microsoft.com/office/drawing/2014/main" id="{D9E1F5CB-FF5C-BB06-6C55-C6866AFEB21D}"/>
-              </a:ext>
-            </a:extLst>
-          </p:cNvPr>
-          <p:cNvSpPr/>
-          <p:nvPr>
-            <p:custDataLst>
-              <p:tags r:id="rId6"/>
-            </p:custDataLst>
-          </p:nvPr>
-        </p:nvSpPr>
-        <p:spPr>
-          <a:xfrm>
-            <a:off x="3901440" y="2571750"/>
-            <a:ext cx="7315199" cy="1714500"/>
-          </a:xfrm>
-          <a:prstGeom prst="rect">
-            <a:avLst/>
-          </a:prstGeom>
-          <a:noFill/>
-          <a:ln w="19050" cap="flat" cmpd="sng" algn="ctr">
-            <a:solidFill>
-              <a:srgbClr val="FFFFFF"/>
-            </a:solidFill>
-            <a:prstDash val="solid"/>
-            <a:miter lim="800000"/>
-          </a:ln>
-          <a:effectLst/>
-          <a:extLst>
-            <a:ext uri="{909E8E84-426E-40DD-AFC4-6F175D3DCCD1}">
-              <a14:hiddenFill xmlns:a14="http://schemas.microsoft.com/office/drawing/2010/main">
-                <a:solidFill>
-                  <a:schemeClr val="accent1"/>
-                </a:solidFill>
-              </a14:hiddenFill>
-            </a:ext>
-          </a:extLst>
-        </p:spPr>
-        <p:style>
-          <a:lnRef idx="2">
-            <a:schemeClr val="accent1">
-              <a:shade val="15000"/>
-            </a:schemeClr>
-          </a:lnRef>
-          <a:fillRef idx="1">
-            <a:schemeClr val="accent1"/>
-          </a:fillRef>
-          <a:effectRef idx="0">
-            <a:schemeClr val="accent1"/>
-          </a:effectRef>
-          <a:fontRef idx="minor">
-            <a:schemeClr val="lt1"/>
-          </a:fontRef>
-        </p:style>
-        <p:txBody>
-          <a:bodyPr rtlCol="0" anchor="ctr"/>
-          <a:lstStyle/>
-          <a:p>
-            <a:r>
-              <a:rPr lang="fr-FR" sz="4000" b="1">
-                <a:solidFill>
-                  <a:srgbClr val="5B5B5B"/>
-                </a:solidFill>
-              </a:rPr>
-              <a:t>Qu'est-ce qu'un service anémique ?</a:t>
-            </a:r>
-          </a:p>
-        </p:txBody>
-      </p:sp>
-      <p:sp>
-        <p:nvSpPr>
-          <p:cNvPr id="10" name="Rectangle 9">
-            <a:extLst>
-              <a:ext uri="{FF2B5EF4-FFF2-40B4-BE49-F238E27FC236}">
-                <a16:creationId xmlns:a16="http://schemas.microsoft.com/office/drawing/2014/main" id="{15C5C778-3C8C-6D5D-3794-2932646265E2}"/>
-              </a:ext>
-            </a:extLst>
-          </p:cNvPr>
-          <p:cNvSpPr/>
-          <p:nvPr>
-            <p:custDataLst>
-              <p:tags r:id="rId7"/>
-            </p:custDataLst>
-          </p:nvPr>
-        </p:nvSpPr>
-        <p:spPr>
-          <a:xfrm>
-            <a:off x="3901440" y="6032500"/>
-            <a:ext cx="7315199" cy="518160"/>
-          </a:xfrm>
-          <a:prstGeom prst="rect">
-            <a:avLst/>
-          </a:prstGeom>
-          <a:noFill/>
-          <a:ln w="19050" cap="flat" cmpd="sng" algn="ctr">
-            <a:noFill/>
-            <a:prstDash val="solid"/>
-            <a:miter lim="800000"/>
-          </a:ln>
-          <a:effectLst/>
-          <a:extLst>
-            <a:ext uri="{909E8E84-426E-40DD-AFC4-6F175D3DCCD1}">
-              <a14:hiddenFill xmlns:a14="http://schemas.microsoft.com/office/drawing/2010/main">
-                <a:solidFill>
-                  <a:schemeClr val="accent1"/>
-                </a:solidFill>
-              </a14:hiddenFill>
-            </a:ext>
-            <a:ext uri="{91240B29-F687-4F45-9708-019B960494DF}">
-              <a14:hiddenLine xmlns:a14="http://schemas.microsoft.com/office/drawing/2010/main" w="19050" cap="flat" cmpd="sng" algn="ctr">
-                <a:solidFill>
-                  <a:schemeClr val="accent1">
-                    <a:shade val="15000"/>
-                  </a:schemeClr>
-                </a:solidFill>
-                <a:prstDash val="solid"/>
-                <a:miter lim="800000"/>
-              </a14:hiddenLine>
-            </a:ext>
-          </a:extLst>
-        </p:spPr>
-        <p:style>
-          <a:lnRef idx="2">
-            <a:schemeClr val="accent1">
-              <a:shade val="15000"/>
-            </a:schemeClr>
-          </a:lnRef>
-          <a:fillRef idx="1">
-            <a:schemeClr val="accent1"/>
-          </a:fillRef>
-          <a:effectRef idx="0">
-            <a:schemeClr val="accent1"/>
-          </a:effectRef>
-          <a:fontRef idx="minor">
-            <a:schemeClr val="lt1"/>
-          </a:fontRef>
-        </p:style>
-        <p:txBody>
-          <a:bodyPr rtlCol="0" anchor="ctr">
-            <a:normAutofit/>
-          </a:bodyPr>
-          <a:lstStyle/>
-          <a:p>
-            <a:r>
-              <a:rPr lang="en-US" sz="2200" b="1">
-                <a:solidFill>
-                  <a:srgbClr val="5B5B5B"/>
-                </a:solidFill>
-              </a:rPr>
-              <a:t>ⓘ</a:t>
-            </a:r>
-            <a:r>
-              <a:rPr lang="en-US" sz="2000">
-                <a:solidFill>
-                  <a:srgbClr val="5B5B5B"/>
-                </a:solidFill>
-              </a:rPr>
-              <a:t> Start presenting to display the poll results on this slide.</a:t>
-            </a:r>
-            <a:endParaRPr lang="fr-FR" sz="2000">
-              <a:solidFill>
-                <a:srgbClr val="5B5B5B"/>
-              </a:solidFill>
-            </a:endParaRPr>
-          </a:p>
-        </p:txBody>
-      </p:sp>
-    </p:spTree>
-    <p:custDataLst>
-      <p:tags r:id="rId1"/>
-    </p:custDataLst>
-    <p:extLst>
-      <p:ext uri="{BB962C8B-B14F-4D97-AF65-F5344CB8AC3E}">
-        <p14:creationId xmlns:p14="http://schemas.microsoft.com/office/powerpoint/2010/main" val="763254123"/>
-      </p:ext>
-    </p:extLst>
-  </p:cSld>
-  <p:clrMapOvr>
-    <a:masterClrMapping/>
-  </p:clrMapOvr>
-  <p:timing>
-    <p:tnLst>
-      <p:par>
-        <p:cTn id="1" dur="indefinite" restart="never" nodeType="tmRoot">
-          <p:childTnLst>
-            <p:seq concurrent="1" nextAc="seek">
-              <p:cTn id="2" dur="indefinite" nodeType="mainSeq">
-                <p:childTnLst>
-                  <p:par>
-                    <p:cTn id="3" fill="hold">
-                      <p:stCondLst>
-                        <p:cond delay="indefinite"/>
-                      </p:stCondLst>
-                      <p:childTnLst>
-                        <p:par>
-                          <p:cTn id="4" fill="hold">
-                            <p:stCondLst>
-                              <p:cond delay="0"/>
-                            </p:stCondLst>
-                            <p:childTnLst>
-                              <p:par>
-                                <p:cTn id="5" presetID="26" presetClass="emph" presetSubtype="0" fill="hold" grpId="0" nodeType="clickEffect">
-                                  <p:stCondLst>
-                                    <p:cond delay="0"/>
-                                  </p:stCondLst>
-                                  <p:childTnLst>
-                                    <p:animEffect transition="out" filter="fade">
-                                      <p:cBhvr>
-                                        <p:cTn id="6" dur="50" tmFilter="0, 0; .2, .5; .8, .5; 1, 0"/>
-                                        <p:tgtEl>
-                                          <p:spTgt spid="9"/>
-                                        </p:tgtEl>
-                                      </p:cBhvr>
-                                    </p:animEffect>
-                                    <p:animScale>
-                                      <p:cBhvr>
-                                        <p:cTn id="7" dur="25" autoRev="1" fill="hold"/>
-                                        <p:tgtEl>
-                                          <p:spTgt spid="9"/>
-                                        </p:tgtEl>
-                                      </p:cBhvr>
-                                      <p:by x="105000" y="105000"/>
-                                    </p:animScale>
-                                  </p:childTnLst>
-                                </p:cTn>
-                              </p:par>
-                            </p:childTnLst>
-                          </p:cTn>
-                        </p:par>
-                      </p:childTnLst>
-                    </p:cTn>
-                  </p:par>
-                  <p:par>
-                    <p:cTn id="8" fill="hold">
-                      <p:stCondLst>
-                        <p:cond delay="indefinite"/>
-                      </p:stCondLst>
-                      <p:childTnLst>
-                        <p:par>
-                          <p:cTn id="9" fill="hold">
-                            <p:stCondLst>
-                              <p:cond delay="0"/>
-                            </p:stCondLst>
-                            <p:childTnLst>
-                              <p:par>
-                                <p:cTn id="10" presetID="26" presetClass="emph" presetSubtype="0" fill="hold" grpId="1" nodeType="clickEffect">
-                                  <p:stCondLst>
-                                    <p:cond delay="0"/>
-                                  </p:stCondLst>
-                                  <p:childTnLst>
-                                    <p:animEffect transition="out" filter="fade">
-                                      <p:cBhvr>
-                                        <p:cTn id="11" dur="50" tmFilter="0, 0; .2, .5; .8, .5; 1, 0"/>
-                                        <p:tgtEl>
-                                          <p:spTgt spid="9"/>
-                                        </p:tgtEl>
-                                      </p:cBhvr>
-                                    </p:animEffect>
-                                    <p:animScale>
-                                      <p:cBhvr>
-                                        <p:cTn id="12" dur="25" autoRev="1" fill="hold"/>
-                                        <p:tgtEl>
-                                          <p:spTgt spid="9"/>
-                                        </p:tgtEl>
-                                      </p:cBhvr>
-                                      <p:by x="105000" y="105000"/>
-                                    </p:animScale>
-                                  </p:childTnLst>
-                                </p:cTn>
-                              </p:par>
-                            </p:childTnLst>
-                          </p:cTn>
-                        </p:par>
-                      </p:childTnLst>
-                    </p:cTn>
-                  </p:par>
-                </p:childTnLst>
-              </p:cTn>
-              <p:prevCondLst>
-                <p:cond evt="onPrev" delay="0">
-                  <p:tgtEl>
-                    <p:sldTgt/>
-                  </p:tgtEl>
-                </p:cond>
-              </p:prevCondLst>
-              <p:nextCondLst>
-                <p:cond evt="onNext" delay="0">
-                  <p:tgtEl>
-                    <p:sldTgt/>
-                  </p:tgtEl>
-                </p:cond>
-              </p:nextCondLst>
-            </p:seq>
-          </p:childTnLst>
-        </p:cTn>
-      </p:par>
-    </p:tnLst>
-    <p:bldLst>
-      <p:bldP spid="9" grpId="0" animBg="1"/>
-      <p:bldP spid="9" grpId="1" animBg="1"/>
-    </p:bldLst>
-  </p:timing>
-</p:sld>
-</file>
-
-<file path=ppt/slides/slide17.xml><?xml version="1.0" encoding="utf-8"?>
-<p:sld xmlns:a="http://schemas.openxmlformats.org/drawingml/2006/main" xmlns:r="http://schemas.openxmlformats.org/officeDocument/2006/relationships" xmlns:p="http://schemas.openxmlformats.org/presentationml/2006/main" showMasterSp="0">
-  <p:cSld>
-    <p:bg>
-      <p:bgPr>
-        <a:solidFill>
-          <a:srgbClr val="FFFFFF"/>
-        </a:solidFill>
-        <a:effectLst/>
-      </p:bgPr>
-    </p:bg>
-    <p:spTree>
-      <p:nvGrpSpPr>
-        <p:cNvPr id="1" name=""/>
-        <p:cNvGrpSpPr/>
-        <p:nvPr/>
-      </p:nvGrpSpPr>
-      <p:grpSpPr>
-        <a:xfrm>
-          <a:off x="0" y="0"/>
-          <a:ext cx="0" cy="0"/>
-          <a:chOff x="0" y="0"/>
-          <a:chExt cx="0" cy="0"/>
-        </a:xfrm>
-      </p:grpSpPr>
-      <p:sp>
-        <p:nvSpPr>
-          <p:cNvPr id="2" name="Rectangle : coins arrondis 1">
-            <a:extLst>
-              <a:ext uri="{FF2B5EF4-FFF2-40B4-BE49-F238E27FC236}">
-                <a16:creationId xmlns:a16="http://schemas.microsoft.com/office/drawing/2014/main" id="{2DD5BAA4-CB91-5D72-70E9-807D106F099E}"/>
-              </a:ext>
-            </a:extLst>
-          </p:cNvPr>
-          <p:cNvSpPr/>
-          <p:nvPr>
-            <p:custDataLst>
-              <p:tags r:id="rId2"/>
-            </p:custDataLst>
-          </p:nvPr>
-        </p:nvSpPr>
-        <p:spPr>
-          <a:xfrm>
-            <a:off x="6286500" y="430530"/>
-            <a:ext cx="5524500" cy="891540"/>
-          </a:xfrm>
-          <a:prstGeom prst="roundRect">
-            <a:avLst/>
-          </a:prstGeom>
-          <a:solidFill>
-            <a:srgbClr val="F4F4F4"/>
-          </a:solidFill>
-          <a:ln w="19050" cap="flat" cmpd="sng" algn="ctr">
-            <a:noFill/>
-            <a:prstDash val="solid"/>
-            <a:miter lim="800000"/>
-          </a:ln>
-          <a:effectLst/>
-          <a:extLst>
-            <a:ext uri="{91240B29-F687-4F45-9708-019B960494DF}">
-              <a14:hiddenLine xmlns:a14="http://schemas.microsoft.com/office/drawing/2010/main" w="19050" cap="flat" cmpd="sng" algn="ctr">
-                <a:solidFill>
-                  <a:schemeClr val="accent1">
-                    <a:shade val="15000"/>
-                  </a:schemeClr>
-                </a:solidFill>
-                <a:prstDash val="solid"/>
-                <a:miter lim="800000"/>
-              </a14:hiddenLine>
-            </a:ext>
-          </a:extLst>
-        </p:spPr>
-        <p:style>
-          <a:lnRef idx="2">
-            <a:schemeClr val="accent1">
-              <a:shade val="15000"/>
-            </a:schemeClr>
-          </a:lnRef>
-          <a:fillRef idx="1">
-            <a:schemeClr val="accent1"/>
-          </a:fillRef>
-          <a:effectRef idx="0">
-            <a:schemeClr val="accent1"/>
-          </a:effectRef>
-          <a:fontRef idx="minor">
-            <a:schemeClr val="lt1"/>
-          </a:fontRef>
-        </p:style>
-        <p:txBody>
-          <a:bodyPr lIns="317500" rIns="1143000" rtlCol="0" anchor="ctr">
-            <a:normAutofit/>
-          </a:bodyPr>
-          <a:lstStyle/>
-          <a:p>
-            <a:r>
-              <a:rPr lang="en-US" sz="2000">
-                <a:solidFill>
-                  <a:srgbClr val="5B5B5B"/>
-                </a:solidFill>
-              </a:rPr>
-              <a:t>Please download and install the Slido app on all computers you use</a:t>
-            </a:r>
-            <a:endParaRPr lang="fr-FR" sz="2000">
-              <a:solidFill>
-                <a:srgbClr val="5B5B5B"/>
-              </a:solidFill>
-            </a:endParaRPr>
-          </a:p>
-        </p:txBody>
-      </p:sp>
-      <p:pic>
-        <p:nvPicPr>
-          <p:cNvPr id="4" name="Graphique 3">
-            <a:extLst>
-              <a:ext uri="{FF2B5EF4-FFF2-40B4-BE49-F238E27FC236}">
-                <a16:creationId xmlns:a16="http://schemas.microsoft.com/office/drawing/2014/main" id="{F7419354-3A61-8159-F1E9-B87B65C256EA}"/>
-              </a:ext>
-            </a:extLst>
-          </p:cNvPr>
-          <p:cNvPicPr>
-            <a:picLocks/>
-          </p:cNvPicPr>
-          <p:nvPr>
-            <p:custDataLst>
-              <p:tags r:id="rId3"/>
-            </p:custDataLst>
-          </p:nvPr>
-        </p:nvPicPr>
-        <p:blipFill>
-          <a:blip r:embed="rId9">
-            <a:extLst>
-              <a:ext uri="{96DAC541-7B7A-43D3-8B79-37D633B846F1}">
-                <asvg:svgBlip xmlns:asvg="http://schemas.microsoft.com/office/drawing/2016/SVG/main" r:embed="rId10"/>
-              </a:ext>
-            </a:extLst>
-          </a:blip>
-          <a:stretch>
-            <a:fillRect/>
-          </a:stretch>
-        </p:blipFill>
-        <p:spPr>
-          <a:xfrm>
-            <a:off x="10826048" y="577634"/>
-            <a:ext cx="597332" cy="597332"/>
-          </a:xfrm>
-          <a:prstGeom prst="rect">
-            <a:avLst/>
-          </a:prstGeom>
-        </p:spPr>
-      </p:pic>
-      <p:pic>
-        <p:nvPicPr>
-          <p:cNvPr id="6" name="Graphique 5">
-            <a:extLst>
-              <a:ext uri="{FF2B5EF4-FFF2-40B4-BE49-F238E27FC236}">
-                <a16:creationId xmlns:a16="http://schemas.microsoft.com/office/drawing/2014/main" id="{2955A52D-CFD7-3791-32CF-8EE2DDA5EB65}"/>
-              </a:ext>
-            </a:extLst>
-          </p:cNvPr>
-          <p:cNvPicPr>
-            <a:picLocks/>
-          </p:cNvPicPr>
-          <p:nvPr>
-            <p:custDataLst>
-              <p:tags r:id="rId4"/>
-            </p:custDataLst>
-          </p:nvPr>
-        </p:nvPicPr>
-        <p:blipFill>
-          <a:blip r:embed="rId11">
-            <a:extLst>
-              <a:ext uri="{96DAC541-7B7A-43D3-8B79-37D633B846F1}">
-                <asvg:svgBlip xmlns:asvg="http://schemas.microsoft.com/office/drawing/2016/SVG/main" r:embed="rId12"/>
-              </a:ext>
-            </a:extLst>
-          </a:blip>
-          <a:stretch>
-            <a:fillRect/>
-          </a:stretch>
-        </p:blipFill>
-        <p:spPr>
-          <a:xfrm>
-            <a:off x="3901440" y="617220"/>
-            <a:ext cx="1036320" cy="518160"/>
-          </a:xfrm>
-          <a:prstGeom prst="rect">
-            <a:avLst/>
-          </a:prstGeom>
-        </p:spPr>
-      </p:pic>
-      <p:pic>
-        <p:nvPicPr>
-          <p:cNvPr id="8" name="Graphique 7">
-            <a:extLst>
-              <a:ext uri="{FF2B5EF4-FFF2-40B4-BE49-F238E27FC236}">
-                <a16:creationId xmlns:a16="http://schemas.microsoft.com/office/drawing/2014/main" id="{0E764B5C-5F80-DB8C-2364-87F82A92E8AF}"/>
-              </a:ext>
-            </a:extLst>
-          </p:cNvPr>
-          <p:cNvPicPr>
-            <a:picLocks/>
-          </p:cNvPicPr>
-          <p:nvPr>
-            <p:custDataLst>
-              <p:tags r:id="rId5"/>
-            </p:custDataLst>
-          </p:nvPr>
-        </p:nvPicPr>
-        <p:blipFill>
-          <a:blip r:embed="rId13">
-            <a:extLst>
-              <a:ext uri="{96DAC541-7B7A-43D3-8B79-37D633B846F1}">
-                <asvg:svgBlip xmlns:asvg="http://schemas.microsoft.com/office/drawing/2016/SVG/main" r:embed="rId14"/>
-              </a:ext>
-            </a:extLst>
-          </a:blip>
-          <a:stretch>
-            <a:fillRect/>
-          </a:stretch>
-        </p:blipFill>
-        <p:spPr>
-          <a:xfrm>
-            <a:off x="1158240" y="2270760"/>
-            <a:ext cx="2316480" cy="2316480"/>
-          </a:xfrm>
-          <a:prstGeom prst="rect">
-            <a:avLst/>
-          </a:prstGeom>
-        </p:spPr>
-      </p:pic>
-      <p:sp>
-        <p:nvSpPr>
-          <p:cNvPr id="9" name="Rectangle 8">
-            <a:extLst>
-              <a:ext uri="{FF2B5EF4-FFF2-40B4-BE49-F238E27FC236}">
-                <a16:creationId xmlns:a16="http://schemas.microsoft.com/office/drawing/2014/main" id="{CF2DC4DE-B9A2-ABD2-7229-7CAAED53E95A}"/>
-              </a:ext>
-            </a:extLst>
-          </p:cNvPr>
-          <p:cNvSpPr/>
-          <p:nvPr>
-            <p:custDataLst>
-              <p:tags r:id="rId6"/>
-            </p:custDataLst>
-          </p:nvPr>
-        </p:nvSpPr>
-        <p:spPr>
-          <a:xfrm>
-            <a:off x="3901440" y="2571750"/>
-            <a:ext cx="7315199" cy="1714500"/>
-          </a:xfrm>
-          <a:prstGeom prst="rect">
-            <a:avLst/>
-          </a:prstGeom>
-          <a:noFill/>
-          <a:ln w="19050" cap="flat" cmpd="sng" algn="ctr">
-            <a:solidFill>
-              <a:srgbClr val="FFFFFF"/>
-            </a:solidFill>
-            <a:prstDash val="solid"/>
-            <a:miter lim="800000"/>
-          </a:ln>
-          <a:effectLst/>
-          <a:extLst>
-            <a:ext uri="{909E8E84-426E-40DD-AFC4-6F175D3DCCD1}">
-              <a14:hiddenFill xmlns:a14="http://schemas.microsoft.com/office/drawing/2010/main">
-                <a:solidFill>
-                  <a:schemeClr val="accent1"/>
-                </a:solidFill>
-              </a14:hiddenFill>
-            </a:ext>
-          </a:extLst>
-        </p:spPr>
-        <p:style>
-          <a:lnRef idx="2">
-            <a:schemeClr val="accent1">
-              <a:shade val="15000"/>
-            </a:schemeClr>
-          </a:lnRef>
-          <a:fillRef idx="1">
-            <a:schemeClr val="accent1"/>
-          </a:fillRef>
-          <a:effectRef idx="0">
-            <a:schemeClr val="accent1"/>
-          </a:effectRef>
-          <a:fontRef idx="minor">
-            <a:schemeClr val="lt1"/>
-          </a:fontRef>
-        </p:style>
-        <p:txBody>
-          <a:bodyPr rtlCol="0" anchor="ctr"/>
-          <a:lstStyle/>
-          <a:p>
-            <a:r>
-              <a:rPr lang="fr-FR" sz="3800" b="1">
-                <a:solidFill>
-                  <a:srgbClr val="5B5B5B"/>
-                </a:solidFill>
-              </a:rPr>
-              <a:t>Pourquoi est-il important de versionner les API dans une architecture microservices ?</a:t>
-            </a:r>
-          </a:p>
-        </p:txBody>
-      </p:sp>
-      <p:sp>
-        <p:nvSpPr>
-          <p:cNvPr id="10" name="Rectangle 9">
-            <a:extLst>
-              <a:ext uri="{FF2B5EF4-FFF2-40B4-BE49-F238E27FC236}">
-                <a16:creationId xmlns:a16="http://schemas.microsoft.com/office/drawing/2014/main" id="{25577C88-7EB9-FDBE-651C-1845015969F9}"/>
-              </a:ext>
-            </a:extLst>
-          </p:cNvPr>
-          <p:cNvSpPr/>
-          <p:nvPr>
-            <p:custDataLst>
-              <p:tags r:id="rId7"/>
-            </p:custDataLst>
-          </p:nvPr>
-        </p:nvSpPr>
-        <p:spPr>
-          <a:xfrm>
-            <a:off x="3901440" y="6032500"/>
-            <a:ext cx="7315199" cy="518160"/>
-          </a:xfrm>
-          <a:prstGeom prst="rect">
-            <a:avLst/>
-          </a:prstGeom>
-          <a:noFill/>
-          <a:ln w="19050" cap="flat" cmpd="sng" algn="ctr">
-            <a:noFill/>
-            <a:prstDash val="solid"/>
-            <a:miter lim="800000"/>
-          </a:ln>
-          <a:effectLst/>
-          <a:extLst>
-            <a:ext uri="{909E8E84-426E-40DD-AFC4-6F175D3DCCD1}">
-              <a14:hiddenFill xmlns:a14="http://schemas.microsoft.com/office/drawing/2010/main">
-                <a:solidFill>
-                  <a:schemeClr val="accent1"/>
-                </a:solidFill>
-              </a14:hiddenFill>
-            </a:ext>
-            <a:ext uri="{91240B29-F687-4F45-9708-019B960494DF}">
-              <a14:hiddenLine xmlns:a14="http://schemas.microsoft.com/office/drawing/2010/main" w="19050" cap="flat" cmpd="sng" algn="ctr">
-                <a:solidFill>
-                  <a:schemeClr val="accent1">
-                    <a:shade val="15000"/>
-                  </a:schemeClr>
-                </a:solidFill>
-                <a:prstDash val="solid"/>
-                <a:miter lim="800000"/>
-              </a14:hiddenLine>
-            </a:ext>
-          </a:extLst>
-        </p:spPr>
-        <p:style>
-          <a:lnRef idx="2">
-            <a:schemeClr val="accent1">
-              <a:shade val="15000"/>
-            </a:schemeClr>
-          </a:lnRef>
-          <a:fillRef idx="1">
-            <a:schemeClr val="accent1"/>
-          </a:fillRef>
-          <a:effectRef idx="0">
-            <a:schemeClr val="accent1"/>
-          </a:effectRef>
-          <a:fontRef idx="minor">
-            <a:schemeClr val="lt1"/>
-          </a:fontRef>
-        </p:style>
-        <p:txBody>
-          <a:bodyPr rtlCol="0" anchor="ctr">
-            <a:normAutofit/>
-          </a:bodyPr>
-          <a:lstStyle/>
-          <a:p>
-            <a:r>
-              <a:rPr lang="en-US" sz="2200" b="1">
-                <a:solidFill>
-                  <a:srgbClr val="5B5B5B"/>
-                </a:solidFill>
-              </a:rPr>
-              <a:t>ⓘ</a:t>
-            </a:r>
-            <a:r>
-              <a:rPr lang="en-US" sz="2000">
-                <a:solidFill>
-                  <a:srgbClr val="5B5B5B"/>
-                </a:solidFill>
-              </a:rPr>
-              <a:t> Start presenting to display the poll results on this slide.</a:t>
-            </a:r>
-            <a:endParaRPr lang="fr-FR" sz="2000">
-              <a:solidFill>
-                <a:srgbClr val="5B5B5B"/>
-              </a:solidFill>
-            </a:endParaRPr>
-          </a:p>
-        </p:txBody>
-      </p:sp>
-    </p:spTree>
-    <p:custDataLst>
-      <p:tags r:id="rId1"/>
-    </p:custDataLst>
-    <p:extLst>
-      <p:ext uri="{BB962C8B-B14F-4D97-AF65-F5344CB8AC3E}">
-        <p14:creationId xmlns:p14="http://schemas.microsoft.com/office/powerpoint/2010/main" val="2771338718"/>
-      </p:ext>
-    </p:extLst>
-  </p:cSld>
-  <p:clrMapOvr>
-    <a:masterClrMapping/>
-  </p:clrMapOvr>
-  <p:timing>
-    <p:tnLst>
-      <p:par>
-        <p:cTn id="1" dur="indefinite" restart="never" nodeType="tmRoot">
-          <p:childTnLst>
-            <p:seq concurrent="1" nextAc="seek">
-              <p:cTn id="2" dur="indefinite" nodeType="mainSeq">
-                <p:childTnLst>
-                  <p:par>
-                    <p:cTn id="3" fill="hold">
-                      <p:stCondLst>
-                        <p:cond delay="indefinite"/>
-                      </p:stCondLst>
-                      <p:childTnLst>
-                        <p:par>
-                          <p:cTn id="4" fill="hold">
-                            <p:stCondLst>
-                              <p:cond delay="0"/>
-                            </p:stCondLst>
-                            <p:childTnLst>
-                              <p:par>
-                                <p:cTn id="5" presetID="26" presetClass="emph" presetSubtype="0" fill="hold" grpId="0" nodeType="clickEffect">
-                                  <p:stCondLst>
-                                    <p:cond delay="0"/>
-                                  </p:stCondLst>
-                                  <p:childTnLst>
-                                    <p:animEffect transition="out" filter="fade">
-                                      <p:cBhvr>
-                                        <p:cTn id="6" dur="50" tmFilter="0, 0; .2, .5; .8, .5; 1, 0"/>
-                                        <p:tgtEl>
-                                          <p:spTgt spid="9"/>
-                                        </p:tgtEl>
-                                      </p:cBhvr>
-                                    </p:animEffect>
-                                    <p:animScale>
-                                      <p:cBhvr>
-                                        <p:cTn id="7" dur="25" autoRev="1" fill="hold"/>
-                                        <p:tgtEl>
-                                          <p:spTgt spid="9"/>
-                                        </p:tgtEl>
-                                      </p:cBhvr>
-                                      <p:by x="105000" y="105000"/>
-                                    </p:animScale>
-                                  </p:childTnLst>
-                                </p:cTn>
-                              </p:par>
-                            </p:childTnLst>
-                          </p:cTn>
-                        </p:par>
-                      </p:childTnLst>
-                    </p:cTn>
-                  </p:par>
-                  <p:par>
-                    <p:cTn id="8" fill="hold">
-                      <p:stCondLst>
-                        <p:cond delay="indefinite"/>
-                      </p:stCondLst>
-                      <p:childTnLst>
-                        <p:par>
-                          <p:cTn id="9" fill="hold">
-                            <p:stCondLst>
-                              <p:cond delay="0"/>
-                            </p:stCondLst>
-                            <p:childTnLst>
-                              <p:par>
-                                <p:cTn id="10" presetID="26" presetClass="emph" presetSubtype="0" fill="hold" grpId="1" nodeType="clickEffect">
-                                  <p:stCondLst>
-                                    <p:cond delay="0"/>
-                                  </p:stCondLst>
-                                  <p:childTnLst>
-                                    <p:animEffect transition="out" filter="fade">
-                                      <p:cBhvr>
-                                        <p:cTn id="11" dur="50" tmFilter="0, 0; .2, .5; .8, .5; 1, 0"/>
-                                        <p:tgtEl>
-                                          <p:spTgt spid="9"/>
-                                        </p:tgtEl>
-                                      </p:cBhvr>
-                                    </p:animEffect>
-                                    <p:animScale>
-                                      <p:cBhvr>
-                                        <p:cTn id="12" dur="25" autoRev="1" fill="hold"/>
-                                        <p:tgtEl>
-                                          <p:spTgt spid="9"/>
-                                        </p:tgtEl>
-                                      </p:cBhvr>
-                                      <p:by x="105000" y="105000"/>
-                                    </p:animScale>
-                                  </p:childTnLst>
-                                </p:cTn>
-                              </p:par>
-                            </p:childTnLst>
-                          </p:cTn>
-                        </p:par>
-                      </p:childTnLst>
-                    </p:cTn>
-                  </p:par>
-                </p:childTnLst>
-              </p:cTn>
-              <p:prevCondLst>
-                <p:cond evt="onPrev" delay="0">
-                  <p:tgtEl>
-                    <p:sldTgt/>
-                  </p:tgtEl>
-                </p:cond>
-              </p:prevCondLst>
-              <p:nextCondLst>
-                <p:cond evt="onNext" delay="0">
-                  <p:tgtEl>
-                    <p:sldTgt/>
-                  </p:tgtEl>
-                </p:cond>
-              </p:nextCondLst>
-            </p:seq>
-          </p:childTnLst>
-        </p:cTn>
-      </p:par>
-    </p:tnLst>
-    <p:bldLst>
-      <p:bldP spid="9" grpId="0" animBg="1"/>
-      <p:bldP spid="9" grpId="1" animBg="1"/>
-    </p:bldLst>
-  </p:timing>
-</p:sld>
-</file>
-
-<file path=ppt/slides/slide18.xml><?xml version="1.0" encoding="utf-8"?>
-<p:sld xmlns:a="http://schemas.openxmlformats.org/drawingml/2006/main" xmlns:r="http://schemas.openxmlformats.org/officeDocument/2006/relationships" xmlns:p="http://schemas.openxmlformats.org/presentationml/2006/main" showMasterSp="0">
-  <p:cSld>
-    <p:bg>
-      <p:bgPr>
-        <a:solidFill>
-          <a:srgbClr val="FFFFFF"/>
-        </a:solidFill>
-        <a:effectLst/>
-      </p:bgPr>
-    </p:bg>
-    <p:spTree>
-      <p:nvGrpSpPr>
-        <p:cNvPr id="1" name=""/>
-        <p:cNvGrpSpPr/>
-        <p:nvPr/>
-      </p:nvGrpSpPr>
-      <p:grpSpPr>
-        <a:xfrm>
-          <a:off x="0" y="0"/>
-          <a:ext cx="0" cy="0"/>
-          <a:chOff x="0" y="0"/>
-          <a:chExt cx="0" cy="0"/>
-        </a:xfrm>
-      </p:grpSpPr>
-      <p:sp>
-        <p:nvSpPr>
-          <p:cNvPr id="2" name="Rectangle : coins arrondis 1">
-            <a:extLst>
-              <a:ext uri="{FF2B5EF4-FFF2-40B4-BE49-F238E27FC236}">
-                <a16:creationId xmlns:a16="http://schemas.microsoft.com/office/drawing/2014/main" id="{F6469695-51AB-FEA6-B405-428C36B8D86B}"/>
-              </a:ext>
-            </a:extLst>
-          </p:cNvPr>
-          <p:cNvSpPr/>
-          <p:nvPr>
-            <p:custDataLst>
-              <p:tags r:id="rId2"/>
-            </p:custDataLst>
-          </p:nvPr>
-        </p:nvSpPr>
-        <p:spPr>
-          <a:xfrm>
-            <a:off x="6286500" y="430530"/>
-            <a:ext cx="5524500" cy="891540"/>
-          </a:xfrm>
-          <a:prstGeom prst="roundRect">
-            <a:avLst/>
-          </a:prstGeom>
-          <a:solidFill>
-            <a:srgbClr val="F4F4F4"/>
-          </a:solidFill>
-          <a:ln w="19050" cap="flat" cmpd="sng" algn="ctr">
-            <a:noFill/>
-            <a:prstDash val="solid"/>
-            <a:miter lim="800000"/>
-          </a:ln>
-          <a:effectLst/>
-          <a:extLst>
-            <a:ext uri="{91240B29-F687-4F45-9708-019B960494DF}">
-              <a14:hiddenLine xmlns:a14="http://schemas.microsoft.com/office/drawing/2010/main" w="19050" cap="flat" cmpd="sng" algn="ctr">
-                <a:solidFill>
-                  <a:schemeClr val="accent1">
-                    <a:shade val="15000"/>
-                  </a:schemeClr>
-                </a:solidFill>
-                <a:prstDash val="solid"/>
-                <a:miter lim="800000"/>
-              </a14:hiddenLine>
-            </a:ext>
-          </a:extLst>
-        </p:spPr>
-        <p:style>
-          <a:lnRef idx="2">
-            <a:schemeClr val="accent1">
-              <a:shade val="15000"/>
-            </a:schemeClr>
-          </a:lnRef>
-          <a:fillRef idx="1">
-            <a:schemeClr val="accent1"/>
-          </a:fillRef>
-          <a:effectRef idx="0">
-            <a:schemeClr val="accent1"/>
-          </a:effectRef>
-          <a:fontRef idx="minor">
-            <a:schemeClr val="lt1"/>
-          </a:fontRef>
-        </p:style>
-        <p:txBody>
-          <a:bodyPr lIns="317500" rIns="1143000" rtlCol="0" anchor="ctr">
-            <a:normAutofit/>
-          </a:bodyPr>
-          <a:lstStyle/>
-          <a:p>
-            <a:r>
-              <a:rPr lang="en-US" sz="2000">
-                <a:solidFill>
-                  <a:srgbClr val="5B5B5B"/>
-                </a:solidFill>
-              </a:rPr>
-              <a:t>Please download and install the Slido app on all computers you use</a:t>
-            </a:r>
-            <a:endParaRPr lang="fr-FR" sz="2000">
-              <a:solidFill>
-                <a:srgbClr val="5B5B5B"/>
-              </a:solidFill>
-            </a:endParaRPr>
-          </a:p>
-        </p:txBody>
-      </p:sp>
-      <p:pic>
-        <p:nvPicPr>
-          <p:cNvPr id="4" name="Graphique 3">
-            <a:extLst>
-              <a:ext uri="{FF2B5EF4-FFF2-40B4-BE49-F238E27FC236}">
-                <a16:creationId xmlns:a16="http://schemas.microsoft.com/office/drawing/2014/main" id="{C12D82C9-0CE6-5314-4376-6C247591EB4C}"/>
-              </a:ext>
-            </a:extLst>
-          </p:cNvPr>
-          <p:cNvPicPr>
-            <a:picLocks/>
-          </p:cNvPicPr>
-          <p:nvPr>
-            <p:custDataLst>
-              <p:tags r:id="rId3"/>
-            </p:custDataLst>
-          </p:nvPr>
-        </p:nvPicPr>
-        <p:blipFill>
-          <a:blip r:embed="rId9">
-            <a:extLst>
-              <a:ext uri="{96DAC541-7B7A-43D3-8B79-37D633B846F1}">
-                <asvg:svgBlip xmlns:asvg="http://schemas.microsoft.com/office/drawing/2016/SVG/main" r:embed="rId10"/>
-              </a:ext>
-            </a:extLst>
-          </a:blip>
-          <a:stretch>
-            <a:fillRect/>
-          </a:stretch>
-        </p:blipFill>
-        <p:spPr>
-          <a:xfrm>
-            <a:off x="10826048" y="577634"/>
-            <a:ext cx="597332" cy="597332"/>
-          </a:xfrm>
-          <a:prstGeom prst="rect">
-            <a:avLst/>
-          </a:prstGeom>
-        </p:spPr>
-      </p:pic>
-      <p:pic>
-        <p:nvPicPr>
-          <p:cNvPr id="6" name="Graphique 5">
-            <a:extLst>
-              <a:ext uri="{FF2B5EF4-FFF2-40B4-BE49-F238E27FC236}">
-                <a16:creationId xmlns:a16="http://schemas.microsoft.com/office/drawing/2014/main" id="{B7305740-1131-82A2-4168-BEF09A1EB7E4}"/>
-              </a:ext>
-            </a:extLst>
-          </p:cNvPr>
-          <p:cNvPicPr>
-            <a:picLocks/>
-          </p:cNvPicPr>
-          <p:nvPr>
-            <p:custDataLst>
-              <p:tags r:id="rId4"/>
-            </p:custDataLst>
-          </p:nvPr>
-        </p:nvPicPr>
-        <p:blipFill>
-          <a:blip r:embed="rId11">
-            <a:extLst>
-              <a:ext uri="{96DAC541-7B7A-43D3-8B79-37D633B846F1}">
-                <asvg:svgBlip xmlns:asvg="http://schemas.microsoft.com/office/drawing/2016/SVG/main" r:embed="rId12"/>
-              </a:ext>
-            </a:extLst>
-          </a:blip>
-          <a:stretch>
-            <a:fillRect/>
-          </a:stretch>
-        </p:blipFill>
-        <p:spPr>
-          <a:xfrm>
-            <a:off x="3901440" y="617220"/>
-            <a:ext cx="1036320" cy="518160"/>
-          </a:xfrm>
-          <a:prstGeom prst="rect">
-            <a:avLst/>
-          </a:prstGeom>
-        </p:spPr>
-      </p:pic>
-      <p:pic>
-        <p:nvPicPr>
-          <p:cNvPr id="8" name="Graphique 7">
-            <a:extLst>
-              <a:ext uri="{FF2B5EF4-FFF2-40B4-BE49-F238E27FC236}">
-                <a16:creationId xmlns:a16="http://schemas.microsoft.com/office/drawing/2014/main" id="{F19C87FA-9E62-DE1F-7DE1-C83AB43A24C1}"/>
-              </a:ext>
-            </a:extLst>
-          </p:cNvPr>
-          <p:cNvPicPr>
-            <a:picLocks/>
-          </p:cNvPicPr>
-          <p:nvPr>
-            <p:custDataLst>
-              <p:tags r:id="rId5"/>
-            </p:custDataLst>
-          </p:nvPr>
-        </p:nvPicPr>
-        <p:blipFill>
-          <a:blip r:embed="rId13">
-            <a:extLst>
-              <a:ext uri="{96DAC541-7B7A-43D3-8B79-37D633B846F1}">
-                <asvg:svgBlip xmlns:asvg="http://schemas.microsoft.com/office/drawing/2016/SVG/main" r:embed="rId14"/>
-              </a:ext>
-            </a:extLst>
-          </a:blip>
-          <a:stretch>
-            <a:fillRect/>
-          </a:stretch>
-        </p:blipFill>
-        <p:spPr>
-          <a:xfrm>
-            <a:off x="1158240" y="2270760"/>
-            <a:ext cx="2316480" cy="2316480"/>
-          </a:xfrm>
-          <a:prstGeom prst="rect">
-            <a:avLst/>
-          </a:prstGeom>
-        </p:spPr>
-      </p:pic>
-      <p:sp>
-        <p:nvSpPr>
-          <p:cNvPr id="9" name="Rectangle 8">
-            <a:extLst>
-              <a:ext uri="{FF2B5EF4-FFF2-40B4-BE49-F238E27FC236}">
-                <a16:creationId xmlns:a16="http://schemas.microsoft.com/office/drawing/2014/main" id="{3F49276E-DA6C-7EFB-D55B-16DD05B390F6}"/>
-              </a:ext>
-            </a:extLst>
-          </p:cNvPr>
-          <p:cNvSpPr/>
-          <p:nvPr>
-            <p:custDataLst>
-              <p:tags r:id="rId6"/>
-            </p:custDataLst>
-          </p:nvPr>
-        </p:nvSpPr>
-        <p:spPr>
-          <a:xfrm>
-            <a:off x="3901440" y="2571750"/>
-            <a:ext cx="7315199" cy="1714500"/>
-          </a:xfrm>
-          <a:prstGeom prst="rect">
-            <a:avLst/>
-          </a:prstGeom>
-          <a:noFill/>
-          <a:ln w="19050" cap="flat" cmpd="sng" algn="ctr">
-            <a:solidFill>
-              <a:srgbClr val="FFFFFF"/>
-            </a:solidFill>
-            <a:prstDash val="solid"/>
-            <a:miter lim="800000"/>
-          </a:ln>
-          <a:effectLst/>
-          <a:extLst>
-            <a:ext uri="{909E8E84-426E-40DD-AFC4-6F175D3DCCD1}">
-              <a14:hiddenFill xmlns:a14="http://schemas.microsoft.com/office/drawing/2010/main">
-                <a:solidFill>
-                  <a:schemeClr val="accent1"/>
-                </a:solidFill>
-              </a14:hiddenFill>
-            </a:ext>
-          </a:extLst>
-        </p:spPr>
-        <p:style>
-          <a:lnRef idx="2">
-            <a:schemeClr val="accent1">
-              <a:shade val="15000"/>
-            </a:schemeClr>
-          </a:lnRef>
-          <a:fillRef idx="1">
-            <a:schemeClr val="accent1"/>
-          </a:fillRef>
-          <a:effectRef idx="0">
-            <a:schemeClr val="accent1"/>
-          </a:effectRef>
-          <a:fontRef idx="minor">
-            <a:schemeClr val="lt1"/>
-          </a:fontRef>
-        </p:style>
-        <p:txBody>
-          <a:bodyPr rtlCol="0" anchor="ctr"/>
-          <a:lstStyle/>
-          <a:p>
-            <a:r>
-              <a:rPr lang="fr-FR" sz="2400" b="1">
-                <a:solidFill>
-                  <a:srgbClr val="5B5B5B"/>
-                </a:solidFill>
-              </a:rPr>
-              <a:t>Le langage omniprésent (Ubiquitous Language) rend ambigüe la communication entre les développeurs et les équipes métiers.</a:t>
-            </a:r>
-          </a:p>
-        </p:txBody>
-      </p:sp>
-      <p:sp>
-        <p:nvSpPr>
-          <p:cNvPr id="10" name="Rectangle 9">
-            <a:extLst>
-              <a:ext uri="{FF2B5EF4-FFF2-40B4-BE49-F238E27FC236}">
-                <a16:creationId xmlns:a16="http://schemas.microsoft.com/office/drawing/2014/main" id="{6304014E-105C-EFA9-9FDA-8A7978B2A50B}"/>
-              </a:ext>
-            </a:extLst>
-          </p:cNvPr>
-          <p:cNvSpPr/>
-          <p:nvPr>
-            <p:custDataLst>
-              <p:tags r:id="rId7"/>
-            </p:custDataLst>
-          </p:nvPr>
-        </p:nvSpPr>
-        <p:spPr>
-          <a:xfrm>
-            <a:off x="3901440" y="6032500"/>
-            <a:ext cx="7315199" cy="518160"/>
-          </a:xfrm>
-          <a:prstGeom prst="rect">
-            <a:avLst/>
-          </a:prstGeom>
-          <a:noFill/>
-          <a:ln w="19050" cap="flat" cmpd="sng" algn="ctr">
-            <a:noFill/>
-            <a:prstDash val="solid"/>
-            <a:miter lim="800000"/>
-          </a:ln>
-          <a:effectLst/>
-          <a:extLst>
-            <a:ext uri="{909E8E84-426E-40DD-AFC4-6F175D3DCCD1}">
-              <a14:hiddenFill xmlns:a14="http://schemas.microsoft.com/office/drawing/2010/main">
-                <a:solidFill>
-                  <a:schemeClr val="accent1"/>
-                </a:solidFill>
-              </a14:hiddenFill>
-            </a:ext>
-            <a:ext uri="{91240B29-F687-4F45-9708-019B960494DF}">
-              <a14:hiddenLine xmlns:a14="http://schemas.microsoft.com/office/drawing/2010/main" w="19050" cap="flat" cmpd="sng" algn="ctr">
-                <a:solidFill>
-                  <a:schemeClr val="accent1">
-                    <a:shade val="15000"/>
-                  </a:schemeClr>
-                </a:solidFill>
-                <a:prstDash val="solid"/>
-                <a:miter lim="800000"/>
-              </a14:hiddenLine>
-            </a:ext>
-          </a:extLst>
-        </p:spPr>
-        <p:style>
-          <a:lnRef idx="2">
-            <a:schemeClr val="accent1">
-              <a:shade val="15000"/>
-            </a:schemeClr>
-          </a:lnRef>
-          <a:fillRef idx="1">
-            <a:schemeClr val="accent1"/>
-          </a:fillRef>
-          <a:effectRef idx="0">
-            <a:schemeClr val="accent1"/>
-          </a:effectRef>
-          <a:fontRef idx="minor">
-            <a:schemeClr val="lt1"/>
-          </a:fontRef>
-        </p:style>
-        <p:txBody>
-          <a:bodyPr rtlCol="0" anchor="ctr">
-            <a:normAutofit/>
-          </a:bodyPr>
-          <a:lstStyle/>
-          <a:p>
-            <a:r>
-              <a:rPr lang="en-US" sz="2200" b="1">
-                <a:solidFill>
-                  <a:srgbClr val="5B5B5B"/>
-                </a:solidFill>
-              </a:rPr>
-              <a:t>ⓘ</a:t>
-            </a:r>
-            <a:r>
-              <a:rPr lang="en-US" sz="2000">
-                <a:solidFill>
-                  <a:srgbClr val="5B5B5B"/>
-                </a:solidFill>
-              </a:rPr>
-              <a:t> Start presenting to display the poll results on this slide.</a:t>
-            </a:r>
-            <a:endParaRPr lang="fr-FR" sz="2000">
-              <a:solidFill>
-                <a:srgbClr val="5B5B5B"/>
-              </a:solidFill>
-            </a:endParaRPr>
-          </a:p>
-        </p:txBody>
-      </p:sp>
-    </p:spTree>
-    <p:custDataLst>
-      <p:tags r:id="rId1"/>
-    </p:custDataLst>
-    <p:extLst>
-      <p:ext uri="{BB962C8B-B14F-4D97-AF65-F5344CB8AC3E}">
-        <p14:creationId xmlns:p14="http://schemas.microsoft.com/office/powerpoint/2010/main" val="3423107429"/>
-      </p:ext>
-    </p:extLst>
-  </p:cSld>
-  <p:clrMapOvr>
-    <a:masterClrMapping/>
-  </p:clrMapOvr>
-  <p:timing>
-    <p:tnLst>
-      <p:par>
-        <p:cTn id="1" dur="indefinite" restart="never" nodeType="tmRoot">
-          <p:childTnLst>
-            <p:seq concurrent="1" nextAc="seek">
-              <p:cTn id="2" dur="indefinite" nodeType="mainSeq">
-                <p:childTnLst>
-                  <p:par>
-                    <p:cTn id="3" fill="hold">
-                      <p:stCondLst>
-                        <p:cond delay="indefinite"/>
-                      </p:stCondLst>
-                      <p:childTnLst>
-                        <p:par>
-                          <p:cTn id="4" fill="hold">
-                            <p:stCondLst>
-                              <p:cond delay="0"/>
-                            </p:stCondLst>
-                            <p:childTnLst>
-                              <p:par>
-                                <p:cTn id="5" presetID="26" presetClass="emph" presetSubtype="0" fill="hold" grpId="0" nodeType="clickEffect">
-                                  <p:stCondLst>
-                                    <p:cond delay="0"/>
-                                  </p:stCondLst>
-                                  <p:childTnLst>
-                                    <p:animEffect transition="out" filter="fade">
-                                      <p:cBhvr>
-                                        <p:cTn id="6" dur="50" tmFilter="0, 0; .2, .5; .8, .5; 1, 0"/>
-                                        <p:tgtEl>
-                                          <p:spTgt spid="9"/>
-                                        </p:tgtEl>
-                                      </p:cBhvr>
-                                    </p:animEffect>
-                                    <p:animScale>
-                                      <p:cBhvr>
-                                        <p:cTn id="7" dur="25" autoRev="1" fill="hold"/>
-                                        <p:tgtEl>
-                                          <p:spTgt spid="9"/>
-                                        </p:tgtEl>
-                                      </p:cBhvr>
-                                      <p:by x="105000" y="105000"/>
-                                    </p:animScale>
-                                  </p:childTnLst>
-                                </p:cTn>
-                              </p:par>
-                            </p:childTnLst>
-                          </p:cTn>
-                        </p:par>
-                      </p:childTnLst>
-                    </p:cTn>
-                  </p:par>
-                  <p:par>
-                    <p:cTn id="8" fill="hold">
-                      <p:stCondLst>
-                        <p:cond delay="indefinite"/>
-                      </p:stCondLst>
-                      <p:childTnLst>
-                        <p:par>
-                          <p:cTn id="9" fill="hold">
-                            <p:stCondLst>
-                              <p:cond delay="0"/>
-                            </p:stCondLst>
-                            <p:childTnLst>
-                              <p:par>
-                                <p:cTn id="10" presetID="26" presetClass="emph" presetSubtype="0" fill="hold" grpId="1" nodeType="clickEffect">
-                                  <p:stCondLst>
-                                    <p:cond delay="0"/>
-                                  </p:stCondLst>
-                                  <p:childTnLst>
-                                    <p:animEffect transition="out" filter="fade">
-                                      <p:cBhvr>
-                                        <p:cTn id="11" dur="50" tmFilter="0, 0; .2, .5; .8, .5; 1, 0"/>
-                                        <p:tgtEl>
-                                          <p:spTgt spid="9"/>
-                                        </p:tgtEl>
-                                      </p:cBhvr>
-                                    </p:animEffect>
-                                    <p:animScale>
-                                      <p:cBhvr>
-                                        <p:cTn id="12" dur="25" autoRev="1" fill="hold"/>
-                                        <p:tgtEl>
-                                          <p:spTgt spid="9"/>
-                                        </p:tgtEl>
-                                      </p:cBhvr>
-                                      <p:by x="105000" y="105000"/>
-                                    </p:animScale>
-                                  </p:childTnLst>
-                                </p:cTn>
-                              </p:par>
-                            </p:childTnLst>
-                          </p:cTn>
-                        </p:par>
-                      </p:childTnLst>
-                    </p:cTn>
-                  </p:par>
-                </p:childTnLst>
-              </p:cTn>
-              <p:prevCondLst>
-                <p:cond evt="onPrev" delay="0">
-                  <p:tgtEl>
-                    <p:sldTgt/>
-                  </p:tgtEl>
-                </p:cond>
-              </p:prevCondLst>
-              <p:nextCondLst>
-                <p:cond evt="onNext" delay="0">
-                  <p:tgtEl>
-                    <p:sldTgt/>
-                  </p:tgtEl>
-                </p:cond>
-              </p:nextCondLst>
-            </p:seq>
-          </p:childTnLst>
-        </p:cTn>
-      </p:par>
-    </p:tnLst>
-    <p:bldLst>
-      <p:bldP spid="9" grpId="0" animBg="1"/>
-      <p:bldP spid="9" grpId="1" animBg="1"/>
-    </p:bldLst>
-  </p:timing>
-</p:sld>
-</file>
-
-<file path=ppt/slides/slide19.xml><?xml version="1.0" encoding="utf-8"?>
-<p:sld xmlns:a="http://schemas.openxmlformats.org/drawingml/2006/main" xmlns:r="http://schemas.openxmlformats.org/officeDocument/2006/relationships" xmlns:p="http://schemas.openxmlformats.org/presentationml/2006/main" showMasterSp="0">
-  <p:cSld>
-    <p:bg>
-      <p:bgPr>
-        <a:solidFill>
-          <a:srgbClr val="FFFFFF"/>
-        </a:solidFill>
-        <a:effectLst/>
-      </p:bgPr>
-    </p:bg>
-    <p:spTree>
-      <p:nvGrpSpPr>
-        <p:cNvPr id="1" name=""/>
-        <p:cNvGrpSpPr/>
-        <p:nvPr/>
-      </p:nvGrpSpPr>
-      <p:grpSpPr>
-        <a:xfrm>
-          <a:off x="0" y="0"/>
-          <a:ext cx="0" cy="0"/>
-          <a:chOff x="0" y="0"/>
-          <a:chExt cx="0" cy="0"/>
-        </a:xfrm>
-      </p:grpSpPr>
-      <p:sp>
-        <p:nvSpPr>
-          <p:cNvPr id="2" name="Rectangle : coins arrondis 1">
-            <a:extLst>
-              <a:ext uri="{FF2B5EF4-FFF2-40B4-BE49-F238E27FC236}">
-                <a16:creationId xmlns:a16="http://schemas.microsoft.com/office/drawing/2014/main" id="{F68EF3C5-43F6-C5CB-3F54-1E30F7C7EB4E}"/>
-              </a:ext>
-            </a:extLst>
-          </p:cNvPr>
-          <p:cNvSpPr/>
-          <p:nvPr>
-            <p:custDataLst>
-              <p:tags r:id="rId2"/>
-            </p:custDataLst>
-          </p:nvPr>
-        </p:nvSpPr>
-        <p:spPr>
-          <a:xfrm>
-            <a:off x="6286500" y="430530"/>
-            <a:ext cx="5524500" cy="891540"/>
-          </a:xfrm>
-          <a:prstGeom prst="roundRect">
-            <a:avLst/>
-          </a:prstGeom>
-          <a:solidFill>
-            <a:srgbClr val="F4F4F4"/>
-          </a:solidFill>
-          <a:ln w="19050" cap="flat" cmpd="sng" algn="ctr">
-            <a:noFill/>
-            <a:prstDash val="solid"/>
-            <a:miter lim="800000"/>
-          </a:ln>
-          <a:effectLst/>
-          <a:extLst>
-            <a:ext uri="{91240B29-F687-4F45-9708-019B960494DF}">
-              <a14:hiddenLine xmlns:a14="http://schemas.microsoft.com/office/drawing/2010/main" w="19050" cap="flat" cmpd="sng" algn="ctr">
-                <a:solidFill>
-                  <a:schemeClr val="accent1">
-                    <a:shade val="15000"/>
-                  </a:schemeClr>
-                </a:solidFill>
-                <a:prstDash val="solid"/>
-                <a:miter lim="800000"/>
-              </a14:hiddenLine>
-            </a:ext>
-          </a:extLst>
-        </p:spPr>
-        <p:style>
-          <a:lnRef idx="2">
-            <a:schemeClr val="accent1">
-              <a:shade val="15000"/>
-            </a:schemeClr>
-          </a:lnRef>
-          <a:fillRef idx="1">
-            <a:schemeClr val="accent1"/>
-          </a:fillRef>
-          <a:effectRef idx="0">
-            <a:schemeClr val="accent1"/>
-          </a:effectRef>
-          <a:fontRef idx="minor">
-            <a:schemeClr val="lt1"/>
-          </a:fontRef>
-        </p:style>
-        <p:txBody>
-          <a:bodyPr lIns="317500" rIns="1143000" rtlCol="0" anchor="ctr">
-            <a:normAutofit/>
-          </a:bodyPr>
-          <a:lstStyle/>
-          <a:p>
-            <a:r>
-              <a:rPr lang="en-US" sz="2000">
-                <a:solidFill>
-                  <a:srgbClr val="5B5B5B"/>
-                </a:solidFill>
-              </a:rPr>
-              <a:t>Please download and install the Slido app on all computers you use</a:t>
-            </a:r>
-            <a:endParaRPr lang="fr-FR" sz="2000">
-              <a:solidFill>
-                <a:srgbClr val="5B5B5B"/>
-              </a:solidFill>
-            </a:endParaRPr>
-          </a:p>
-        </p:txBody>
-      </p:sp>
-      <p:pic>
-        <p:nvPicPr>
-          <p:cNvPr id="4" name="Graphique 3">
-            <a:extLst>
-              <a:ext uri="{FF2B5EF4-FFF2-40B4-BE49-F238E27FC236}">
-                <a16:creationId xmlns:a16="http://schemas.microsoft.com/office/drawing/2014/main" id="{B1191DB7-03B2-E5FE-8305-2EDE56AFF6E1}"/>
-              </a:ext>
-            </a:extLst>
-          </p:cNvPr>
-          <p:cNvPicPr>
-            <a:picLocks/>
-          </p:cNvPicPr>
-          <p:nvPr>
-            <p:custDataLst>
-              <p:tags r:id="rId3"/>
-            </p:custDataLst>
-          </p:nvPr>
-        </p:nvPicPr>
-        <p:blipFill>
-          <a:blip r:embed="rId9">
-            <a:extLst>
-              <a:ext uri="{96DAC541-7B7A-43D3-8B79-37D633B846F1}">
-                <asvg:svgBlip xmlns:asvg="http://schemas.microsoft.com/office/drawing/2016/SVG/main" r:embed="rId10"/>
-              </a:ext>
-            </a:extLst>
-          </a:blip>
-          <a:stretch>
-            <a:fillRect/>
-          </a:stretch>
-        </p:blipFill>
-        <p:spPr>
-          <a:xfrm>
-            <a:off x="10826048" y="577634"/>
-            <a:ext cx="597332" cy="597332"/>
-          </a:xfrm>
-          <a:prstGeom prst="rect">
-            <a:avLst/>
-          </a:prstGeom>
-        </p:spPr>
-      </p:pic>
-      <p:pic>
-        <p:nvPicPr>
-          <p:cNvPr id="6" name="Graphique 5">
-            <a:extLst>
-              <a:ext uri="{FF2B5EF4-FFF2-40B4-BE49-F238E27FC236}">
-                <a16:creationId xmlns:a16="http://schemas.microsoft.com/office/drawing/2014/main" id="{79A086D1-0323-E1CC-FA53-FA5A4866FF45}"/>
-              </a:ext>
-            </a:extLst>
-          </p:cNvPr>
-          <p:cNvPicPr>
-            <a:picLocks/>
-          </p:cNvPicPr>
-          <p:nvPr>
-            <p:custDataLst>
-              <p:tags r:id="rId4"/>
-            </p:custDataLst>
-          </p:nvPr>
-        </p:nvPicPr>
-        <p:blipFill>
-          <a:blip r:embed="rId11">
-            <a:extLst>
-              <a:ext uri="{96DAC541-7B7A-43D3-8B79-37D633B846F1}">
-                <asvg:svgBlip xmlns:asvg="http://schemas.microsoft.com/office/drawing/2016/SVG/main" r:embed="rId12"/>
-              </a:ext>
-            </a:extLst>
-          </a:blip>
-          <a:stretch>
-            <a:fillRect/>
-          </a:stretch>
-        </p:blipFill>
-        <p:spPr>
-          <a:xfrm>
-            <a:off x="3901440" y="617220"/>
-            <a:ext cx="1036320" cy="518160"/>
-          </a:xfrm>
-          <a:prstGeom prst="rect">
-            <a:avLst/>
-          </a:prstGeom>
-        </p:spPr>
-      </p:pic>
-      <p:pic>
-        <p:nvPicPr>
-          <p:cNvPr id="8" name="Graphique 7">
-            <a:extLst>
-              <a:ext uri="{FF2B5EF4-FFF2-40B4-BE49-F238E27FC236}">
-                <a16:creationId xmlns:a16="http://schemas.microsoft.com/office/drawing/2014/main" id="{EFDE8153-75A7-AC2B-9EB5-50BC04C720F4}"/>
-              </a:ext>
-            </a:extLst>
-          </p:cNvPr>
-          <p:cNvPicPr>
-            <a:picLocks/>
-          </p:cNvPicPr>
-          <p:nvPr>
-            <p:custDataLst>
-              <p:tags r:id="rId5"/>
-            </p:custDataLst>
-          </p:nvPr>
-        </p:nvPicPr>
-        <p:blipFill>
-          <a:blip r:embed="rId13">
-            <a:extLst>
-              <a:ext uri="{96DAC541-7B7A-43D3-8B79-37D633B846F1}">
-                <asvg:svgBlip xmlns:asvg="http://schemas.microsoft.com/office/drawing/2016/SVG/main" r:embed="rId14"/>
-              </a:ext>
-            </a:extLst>
-          </a:blip>
-          <a:stretch>
-            <a:fillRect/>
-          </a:stretch>
-        </p:blipFill>
-        <p:spPr>
-          <a:xfrm>
-            <a:off x="1158240" y="2270760"/>
-            <a:ext cx="2316480" cy="2316480"/>
-          </a:xfrm>
-          <a:prstGeom prst="rect">
-            <a:avLst/>
-          </a:prstGeom>
-        </p:spPr>
-      </p:pic>
-      <p:sp>
-        <p:nvSpPr>
-          <p:cNvPr id="9" name="Rectangle 8">
-            <a:extLst>
-              <a:ext uri="{FF2B5EF4-FFF2-40B4-BE49-F238E27FC236}">
-                <a16:creationId xmlns:a16="http://schemas.microsoft.com/office/drawing/2014/main" id="{7BD806CF-321C-EB53-D6BF-8E8120F2F97B}"/>
-              </a:ext>
-            </a:extLst>
-          </p:cNvPr>
-          <p:cNvSpPr/>
-          <p:nvPr>
-            <p:custDataLst>
-              <p:tags r:id="rId6"/>
-            </p:custDataLst>
-          </p:nvPr>
-        </p:nvSpPr>
-        <p:spPr>
-          <a:xfrm>
-            <a:off x="3901440" y="2571750"/>
-            <a:ext cx="7315199" cy="1714500"/>
-          </a:xfrm>
-          <a:prstGeom prst="rect">
-            <a:avLst/>
-          </a:prstGeom>
-          <a:noFill/>
-          <a:ln w="19050" cap="flat" cmpd="sng" algn="ctr">
-            <a:solidFill>
-              <a:srgbClr val="FFFFFF"/>
-            </a:solidFill>
-            <a:prstDash val="solid"/>
-            <a:miter lim="800000"/>
-          </a:ln>
-          <a:effectLst/>
-          <a:extLst>
-            <a:ext uri="{909E8E84-426E-40DD-AFC4-6F175D3DCCD1}">
-              <a14:hiddenFill xmlns:a14="http://schemas.microsoft.com/office/drawing/2010/main">
-                <a:solidFill>
-                  <a:schemeClr val="accent1"/>
-                </a:solidFill>
-              </a14:hiddenFill>
-            </a:ext>
-          </a:extLst>
-        </p:spPr>
-        <p:style>
-          <a:lnRef idx="2">
-            <a:schemeClr val="accent1">
-              <a:shade val="15000"/>
-            </a:schemeClr>
-          </a:lnRef>
-          <a:fillRef idx="1">
-            <a:schemeClr val="accent1"/>
-          </a:fillRef>
-          <a:effectRef idx="0">
-            <a:schemeClr val="accent1"/>
-          </a:effectRef>
-          <a:fontRef idx="minor">
-            <a:schemeClr val="lt1"/>
-          </a:fontRef>
-        </p:style>
-        <p:txBody>
-          <a:bodyPr rtlCol="0" anchor="ctr"/>
-          <a:lstStyle/>
-          <a:p>
-            <a:r>
-              <a:rPr lang="fr-FR" sz="2400" b="1">
-                <a:solidFill>
-                  <a:srgbClr val="5B5B5B"/>
-                </a:solidFill>
-              </a:rPr>
-              <a:t>Quels sont les avantages du Domain Driven Design (DDD) dans une architecture microservices ? (SELECTIONNER DEUX PROPOSITIONS)</a:t>
-            </a:r>
-          </a:p>
-        </p:txBody>
-      </p:sp>
-      <p:sp>
-        <p:nvSpPr>
-          <p:cNvPr id="10" name="Rectangle 9">
-            <a:extLst>
-              <a:ext uri="{FF2B5EF4-FFF2-40B4-BE49-F238E27FC236}">
-                <a16:creationId xmlns:a16="http://schemas.microsoft.com/office/drawing/2014/main" id="{DF7B6AAB-5991-E0E8-DFA2-A28C7902CF22}"/>
-              </a:ext>
-            </a:extLst>
-          </p:cNvPr>
-          <p:cNvSpPr/>
-          <p:nvPr>
-            <p:custDataLst>
-              <p:tags r:id="rId7"/>
-            </p:custDataLst>
-          </p:nvPr>
-        </p:nvSpPr>
-        <p:spPr>
-          <a:xfrm>
-            <a:off x="3901440" y="6032500"/>
-            <a:ext cx="7315199" cy="518160"/>
-          </a:xfrm>
-          <a:prstGeom prst="rect">
-            <a:avLst/>
-          </a:prstGeom>
-          <a:noFill/>
-          <a:ln w="19050" cap="flat" cmpd="sng" algn="ctr">
-            <a:noFill/>
-            <a:prstDash val="solid"/>
-            <a:miter lim="800000"/>
-          </a:ln>
-          <a:effectLst/>
-          <a:extLst>
-            <a:ext uri="{909E8E84-426E-40DD-AFC4-6F175D3DCCD1}">
-              <a14:hiddenFill xmlns:a14="http://schemas.microsoft.com/office/drawing/2010/main">
-                <a:solidFill>
-                  <a:schemeClr val="accent1"/>
-                </a:solidFill>
-              </a14:hiddenFill>
-            </a:ext>
-            <a:ext uri="{91240B29-F687-4F45-9708-019B960494DF}">
-              <a14:hiddenLine xmlns:a14="http://schemas.microsoft.com/office/drawing/2010/main" w="19050" cap="flat" cmpd="sng" algn="ctr">
-                <a:solidFill>
-                  <a:schemeClr val="accent1">
-                    <a:shade val="15000"/>
-                  </a:schemeClr>
-                </a:solidFill>
-                <a:prstDash val="solid"/>
-                <a:miter lim="800000"/>
-              </a14:hiddenLine>
-            </a:ext>
-          </a:extLst>
-        </p:spPr>
-        <p:style>
-          <a:lnRef idx="2">
-            <a:schemeClr val="accent1">
-              <a:shade val="15000"/>
-            </a:schemeClr>
-          </a:lnRef>
-          <a:fillRef idx="1">
-            <a:schemeClr val="accent1"/>
-          </a:fillRef>
-          <a:effectRef idx="0">
-            <a:schemeClr val="accent1"/>
-          </a:effectRef>
-          <a:fontRef idx="minor">
-            <a:schemeClr val="lt1"/>
-          </a:fontRef>
-        </p:style>
-        <p:txBody>
-          <a:bodyPr rtlCol="0" anchor="ctr">
-            <a:normAutofit/>
-          </a:bodyPr>
-          <a:lstStyle/>
-          <a:p>
-            <a:r>
-              <a:rPr lang="en-US" sz="2200" b="1">
-                <a:solidFill>
-                  <a:srgbClr val="5B5B5B"/>
-                </a:solidFill>
-              </a:rPr>
-              <a:t>ⓘ</a:t>
-            </a:r>
-            <a:r>
-              <a:rPr lang="en-US" sz="2000">
-                <a:solidFill>
-                  <a:srgbClr val="5B5B5B"/>
-                </a:solidFill>
-              </a:rPr>
-              <a:t> Start presenting to display the poll results on this slide.</a:t>
-            </a:r>
-            <a:endParaRPr lang="fr-FR" sz="2000">
-              <a:solidFill>
-                <a:srgbClr val="5B5B5B"/>
-              </a:solidFill>
-            </a:endParaRPr>
-          </a:p>
-        </p:txBody>
-      </p:sp>
-    </p:spTree>
-    <p:custDataLst>
-      <p:tags r:id="rId1"/>
-    </p:custDataLst>
-    <p:extLst>
-      <p:ext uri="{BB962C8B-B14F-4D97-AF65-F5344CB8AC3E}">
-        <p14:creationId xmlns:p14="http://schemas.microsoft.com/office/powerpoint/2010/main" val="766139912"/>
-      </p:ext>
-    </p:extLst>
-  </p:cSld>
-  <p:clrMapOvr>
-    <a:masterClrMapping/>
-  </p:clrMapOvr>
-  <p:timing>
-    <p:tnLst>
-      <p:par>
-        <p:cTn id="1" dur="indefinite" restart="never" nodeType="tmRoot">
-          <p:childTnLst>
-            <p:seq concurrent="1" nextAc="seek">
-              <p:cTn id="2" dur="indefinite" nodeType="mainSeq">
-                <p:childTnLst>
-                  <p:par>
-                    <p:cTn id="3" fill="hold">
-                      <p:stCondLst>
-                        <p:cond delay="indefinite"/>
-                      </p:stCondLst>
-                      <p:childTnLst>
-                        <p:par>
-                          <p:cTn id="4" fill="hold">
-                            <p:stCondLst>
-                              <p:cond delay="0"/>
-                            </p:stCondLst>
-                            <p:childTnLst>
-                              <p:par>
-                                <p:cTn id="5" presetID="26" presetClass="emph" presetSubtype="0" fill="hold" grpId="0" nodeType="clickEffect">
-                                  <p:stCondLst>
-                                    <p:cond delay="0"/>
-                                  </p:stCondLst>
-                                  <p:childTnLst>
-                                    <p:animEffect transition="out" filter="fade">
-                                      <p:cBhvr>
-                                        <p:cTn id="6" dur="50" tmFilter="0, 0; .2, .5; .8, .5; 1, 0"/>
-                                        <p:tgtEl>
-                                          <p:spTgt spid="9"/>
-                                        </p:tgtEl>
-                                      </p:cBhvr>
-                                    </p:animEffect>
-                                    <p:animScale>
-                                      <p:cBhvr>
-                                        <p:cTn id="7" dur="25" autoRev="1" fill="hold"/>
-                                        <p:tgtEl>
-                                          <p:spTgt spid="9"/>
-                                        </p:tgtEl>
-                                      </p:cBhvr>
-                                      <p:by x="105000" y="105000"/>
-                                    </p:animScale>
-                                  </p:childTnLst>
-                                </p:cTn>
-                              </p:par>
-                            </p:childTnLst>
-                          </p:cTn>
-                        </p:par>
-                      </p:childTnLst>
-                    </p:cTn>
-                  </p:par>
-                  <p:par>
-                    <p:cTn id="8" fill="hold">
-                      <p:stCondLst>
-                        <p:cond delay="indefinite"/>
-                      </p:stCondLst>
-                      <p:childTnLst>
-                        <p:par>
-                          <p:cTn id="9" fill="hold">
-                            <p:stCondLst>
-                              <p:cond delay="0"/>
-                            </p:stCondLst>
-                            <p:childTnLst>
-                              <p:par>
-                                <p:cTn id="10" presetID="26" presetClass="emph" presetSubtype="0" fill="hold" grpId="1" nodeType="clickEffect">
-                                  <p:stCondLst>
-                                    <p:cond delay="0"/>
-                                  </p:stCondLst>
-                                  <p:childTnLst>
-                                    <p:animEffect transition="out" filter="fade">
-                                      <p:cBhvr>
-                                        <p:cTn id="11" dur="50" tmFilter="0, 0; .2, .5; .8, .5; 1, 0"/>
-                                        <p:tgtEl>
-                                          <p:spTgt spid="9"/>
-                                        </p:tgtEl>
-                                      </p:cBhvr>
-                                    </p:animEffect>
-                                    <p:animScale>
-                                      <p:cBhvr>
-                                        <p:cTn id="12" dur="25" autoRev="1" fill="hold"/>
-                                        <p:tgtEl>
-                                          <p:spTgt spid="9"/>
-                                        </p:tgtEl>
-                                      </p:cBhvr>
-                                      <p:by x="105000" y="105000"/>
-                                    </p:animScale>
-                                  </p:childTnLst>
-                                </p:cTn>
-                              </p:par>
-                            </p:childTnLst>
-                          </p:cTn>
-                        </p:par>
-                      </p:childTnLst>
-                    </p:cTn>
-                  </p:par>
-                </p:childTnLst>
-              </p:cTn>
-              <p:prevCondLst>
-                <p:cond evt="onPrev" delay="0">
-                  <p:tgtEl>
-                    <p:sldTgt/>
-                  </p:tgtEl>
-                </p:cond>
-              </p:prevCondLst>
-              <p:nextCondLst>
-                <p:cond evt="onNext" delay="0">
-                  <p:tgtEl>
-                    <p:sldTgt/>
-                  </p:tgtEl>
-                </p:cond>
-              </p:nextCondLst>
-            </p:seq>
-          </p:childTnLst>
-        </p:cTn>
-      </p:par>
-    </p:tnLst>
-    <p:bldLst>
-      <p:bldP spid="9" grpId="0" animBg="1"/>
-      <p:bldP spid="9" grpId="1" animBg="1"/>
-    </p:bldLst>
-  </p:timing>
-</p:sld>
-</file>
-
-<file path=ppt/slides/slide2.xml><?xml version="1.0" encoding="utf-8"?>
-<p:sld xmlns:a="http://schemas.openxmlformats.org/drawingml/2006/main" xmlns:r="http://schemas.openxmlformats.org/officeDocument/2006/relationships" xmlns:p="http://schemas.openxmlformats.org/presentationml/2006/main">
-  <p:cSld>
-    <p:spTree>
-      <p:nvGrpSpPr>
-        <p:cNvPr id="1" name=""/>
-        <p:cNvGrpSpPr/>
-        <p:nvPr/>
-      </p:nvGrpSpPr>
-      <p:grpSpPr>
-        <a:xfrm>
-          <a:off x="0" y="0"/>
-          <a:ext cx="0" cy="0"/>
-          <a:chOff x="0" y="0"/>
-          <a:chExt cx="0" cy="0"/>
-        </a:xfrm>
-      </p:grpSpPr>
-      <p:sp>
-        <p:nvSpPr>
-          <p:cNvPr id="3" name="Espace réservé du contenu 2">
-            <a:extLst>
-              <a:ext uri="{FF2B5EF4-FFF2-40B4-BE49-F238E27FC236}">
-                <a16:creationId xmlns:a16="http://schemas.microsoft.com/office/drawing/2014/main" id="{5D1598F1-3F5E-181B-29E7-26081FFE38F7}"/>
-              </a:ext>
-            </a:extLst>
-          </p:cNvPr>
-          <p:cNvSpPr>
-            <a:spLocks noGrp="1"/>
-          </p:cNvSpPr>
-          <p:nvPr>
-            <p:ph idx="1"/>
-          </p:nvPr>
-        </p:nvSpPr>
-        <p:spPr>
-          <a:xfrm>
-            <a:off x="320040" y="1287145"/>
-            <a:ext cx="10515600" cy="4036695"/>
-          </a:xfrm>
-        </p:spPr>
-        <p:txBody>
-          <a:bodyPr>
-            <a:noAutofit/>
-          </a:bodyPr>
-          <a:lstStyle/>
-          <a:p>
-            <a:pPr>
-              <a:lnSpc>
-                <a:spcPct val="150000"/>
-              </a:lnSpc>
-            </a:pPr>
-            <a:r>
-              <a:rPr lang="fr-FR" sz="2200" dirty="0"/>
-              <a:t>Quelques questions de notre DSI</a:t>
-            </a:r>
-          </a:p>
-          <a:p>
-            <a:pPr>
-              <a:lnSpc>
-                <a:spcPct val="150000"/>
-              </a:lnSpc>
-            </a:pPr>
-            <a:r>
-              <a:rPr lang="fr-FR" sz="2200" dirty="0"/>
-              <a:t>Principes de découpage des </a:t>
-            </a:r>
-            <a:r>
-              <a:rPr lang="fr-FR" sz="2200" dirty="0" err="1"/>
-              <a:t>microservices</a:t>
-            </a:r>
-            <a:endParaRPr lang="fr-FR" sz="2200" dirty="0"/>
-          </a:p>
-          <a:p>
-            <a:pPr>
-              <a:lnSpc>
-                <a:spcPct val="150000"/>
-              </a:lnSpc>
-            </a:pPr>
-            <a:r>
-              <a:rPr lang="fr-FR" sz="2200" dirty="0"/>
-              <a:t>Principes de conception des </a:t>
-            </a:r>
-            <a:r>
-              <a:rPr lang="fr-FR" sz="2200" dirty="0" err="1"/>
-              <a:t>microservices</a:t>
-            </a:r>
-            <a:endParaRPr lang="fr-FR" sz="2200" dirty="0"/>
-          </a:p>
-          <a:p>
-            <a:pPr>
-              <a:lnSpc>
-                <a:spcPct val="150000"/>
-              </a:lnSpc>
-            </a:pPr>
-            <a:r>
-              <a:rPr lang="fr-FR" sz="2200" dirty="0"/>
-              <a:t>Répondre aux questions</a:t>
-            </a:r>
-          </a:p>
-          <a:p>
-            <a:pPr>
-              <a:lnSpc>
-                <a:spcPct val="150000"/>
-              </a:lnSpc>
-            </a:pPr>
-            <a:r>
-              <a:rPr lang="fr-FR" sz="2200" dirty="0"/>
-              <a:t>Contrôle de connaissances</a:t>
-            </a:r>
-          </a:p>
-          <a:p>
-            <a:pPr>
-              <a:lnSpc>
-                <a:spcPct val="150000"/>
-              </a:lnSpc>
-            </a:pPr>
-            <a:r>
-              <a:rPr lang="fr-FR" sz="2200" b="1" dirty="0"/>
-              <a:t>Atelier : Découper un monolithe en </a:t>
-            </a:r>
-            <a:r>
-              <a:rPr lang="fr-FR" sz="2200" b="1" dirty="0" err="1"/>
-              <a:t>microservices</a:t>
-            </a:r>
-            <a:endParaRPr lang="fr-FR" sz="2200" b="1" dirty="0"/>
-          </a:p>
-          <a:p>
-            <a:pPr>
-              <a:lnSpc>
-                <a:spcPct val="150000"/>
-              </a:lnSpc>
-            </a:pPr>
-            <a:endParaRPr lang="fr-FR" sz="2200" dirty="0"/>
-          </a:p>
-        </p:txBody>
-      </p:sp>
-      <p:sp>
-        <p:nvSpPr>
-          <p:cNvPr id="4" name="Titre 1">
-            <a:extLst>
-              <a:ext uri="{FF2B5EF4-FFF2-40B4-BE49-F238E27FC236}">
-                <a16:creationId xmlns:a16="http://schemas.microsoft.com/office/drawing/2014/main" id="{9F8046C7-59C6-E9C9-C220-2A88E0E8AA74}"/>
-              </a:ext>
-            </a:extLst>
-          </p:cNvPr>
-          <p:cNvSpPr txBox="1">
-            <a:spLocks/>
-          </p:cNvSpPr>
-          <p:nvPr/>
-        </p:nvSpPr>
-        <p:spPr>
-          <a:xfrm>
-            <a:off x="223520" y="309791"/>
-            <a:ext cx="3027680" cy="400368"/>
-          </a:xfrm>
-          <a:prstGeom prst="rect">
-            <a:avLst/>
-          </a:prstGeom>
-        </p:spPr>
         <p:txBody>
           <a:bodyPr vert="horz" lIns="91440" tIns="45720" rIns="91440" bIns="45720" rtlCol="0" anchor="ctr">
             <a:noAutofit/>
@@ -9500,8 +6101,13 @@
           <a:p>
             <a:r>
               <a:rPr lang="fr-FR" sz="2800" b="1" dirty="0"/>
-              <a:t>Dans ce module …</a:t>
-            </a:r>
+              <a:t>Atelier : Découper un monolithe en </a:t>
+            </a:r>
+            <a:r>
+              <a:rPr lang="fr-FR" sz="2800" b="1" dirty="0" err="1"/>
+              <a:t>microservices</a:t>
+            </a:r>
+            <a:endParaRPr lang="fr-FR" sz="2800" b="1" dirty="0"/>
           </a:p>
         </p:txBody>
       </p:sp>
@@ -9559,7 +6165,7 @@
         </p:nvSpPr>
         <p:spPr>
           <a:xfrm>
-            <a:off x="4324350" y="6643878"/>
+            <a:off x="121794" y="6617710"/>
             <a:ext cx="2890647" cy="214122"/>
           </a:xfrm>
           <a:prstGeom prst="rect">
@@ -9739,27 +6345,22 @@
               <a:buNone/>
             </a:pPr>
             <a:r>
-              <a:rPr lang="fr-FR" sz="1100" b="1">
+              <a:rPr lang="fr-FR" sz="1100" b="1" dirty="0">
                 <a:solidFill>
                   <a:schemeClr val="tx2"/>
                 </a:solidFill>
               </a:rPr>
               <a:t>Préparé et Présenté par Daniel  Lawson</a:t>
             </a:r>
-            <a:endParaRPr lang="fr-FR" sz="1100" b="1" dirty="0">
-              <a:solidFill>
-                <a:schemeClr val="tx2"/>
-              </a:solidFill>
-            </a:endParaRPr>
           </a:p>
         </p:txBody>
       </p:sp>
       <p:pic>
         <p:nvPicPr>
-          <p:cNvPr id="1026" name="Picture 2" descr="Flacons, Chimie, Chimique, Expérience">
-            <a:extLst>
-              <a:ext uri="{FF2B5EF4-FFF2-40B4-BE49-F238E27FC236}">
-                <a16:creationId xmlns:a16="http://schemas.microsoft.com/office/drawing/2014/main" id="{891AC83A-3460-B500-E04B-7A13E0314991}"/>
+          <p:cNvPr id="2050" name="Picture 2" descr="Science, Expérience, Recherche">
+            <a:extLst>
+              <a:ext uri="{FF2B5EF4-FFF2-40B4-BE49-F238E27FC236}">
+                <a16:creationId xmlns:a16="http://schemas.microsoft.com/office/drawing/2014/main" id="{2A162B4A-1099-686D-3511-A50E93291473}"/>
               </a:ext>
             </a:extLst>
           </p:cNvPr>
@@ -9769,7 +6370,7 @@
           <p:nvPr/>
         </p:nvPicPr>
         <p:blipFill>
-          <a:blip r:embed="rId2">
+          <a:blip r:embed="rId3">
             <a:extLst>
               <a:ext uri="{28A0092B-C50C-407E-A947-70E740481C1C}">
                 <a14:useLocalDpi xmlns:a14="http://schemas.microsoft.com/office/drawing/2010/main" val="0"/>
@@ -9783,8 +6384,8 @@
         </p:blipFill>
         <p:spPr bwMode="auto">
           <a:xfrm>
-            <a:off x="7214997" y="4155440"/>
-            <a:ext cx="1051964" cy="1083310"/>
+            <a:off x="6217920" y="883920"/>
+            <a:ext cx="5974080" cy="5974080"/>
           </a:xfrm>
           <a:prstGeom prst="rect">
             <a:avLst/>
@@ -9801,10 +6402,50 @@
           </a:extLst>
         </p:spPr>
       </p:pic>
+      <p:sp>
+        <p:nvSpPr>
+          <p:cNvPr id="2" name="ZoneTexte 1">
+            <a:extLst>
+              <a:ext uri="{FF2B5EF4-FFF2-40B4-BE49-F238E27FC236}">
+                <a16:creationId xmlns:a16="http://schemas.microsoft.com/office/drawing/2014/main" id="{B750248E-14FB-35CE-A7F3-F017DB5C389E}"/>
+              </a:ext>
+            </a:extLst>
+          </p:cNvPr>
+          <p:cNvSpPr txBox="1"/>
+          <p:nvPr/>
+        </p:nvSpPr>
+        <p:spPr>
+          <a:xfrm>
+            <a:off x="8504872" y="1152525"/>
+            <a:ext cx="1400175" cy="769441"/>
+          </a:xfrm>
+          <a:prstGeom prst="rect">
+            <a:avLst/>
+          </a:prstGeom>
+          <a:noFill/>
+        </p:spPr>
+        <p:txBody>
+          <a:bodyPr wrap="square" rtlCol="0">
+            <a:spAutoFit/>
+          </a:bodyPr>
+          <a:lstStyle/>
+          <a:p>
+            <a:pPr algn="ctr"/>
+            <a:r>
+              <a:rPr lang="fr-FR" sz="4400" b="1" dirty="0">
+                <a:solidFill>
+                  <a:schemeClr val="bg1"/>
+                </a:solidFill>
+              </a:rPr>
+              <a:t>LAB</a:t>
+            </a:r>
+          </a:p>
+        </p:txBody>
+      </p:sp>
     </p:spTree>
     <p:extLst>
       <p:ext uri="{BB962C8B-B14F-4D97-AF65-F5344CB8AC3E}">
-        <p14:creationId xmlns:p14="http://schemas.microsoft.com/office/powerpoint/2010/main" val="1603475869"/>
+        <p14:creationId xmlns:p14="http://schemas.microsoft.com/office/powerpoint/2010/main" val="1619280332"/>
       </p:ext>
     </p:extLst>
   </p:cSld>
@@ -9814,592 +6455,7 @@
 </p:sld>
 </file>
 
-<file path=ppt/slides/slide20.xml><?xml version="1.0" encoding="utf-8"?>
-<p:sld xmlns:a="http://schemas.openxmlformats.org/drawingml/2006/main" xmlns:r="http://schemas.openxmlformats.org/officeDocument/2006/relationships" xmlns:p="http://schemas.openxmlformats.org/presentationml/2006/main" showMasterSp="0">
-  <p:cSld>
-    <p:bg>
-      <p:bgPr>
-        <a:solidFill>
-          <a:srgbClr val="FFFFFF"/>
-        </a:solidFill>
-        <a:effectLst/>
-      </p:bgPr>
-    </p:bg>
-    <p:spTree>
-      <p:nvGrpSpPr>
-        <p:cNvPr id="1" name=""/>
-        <p:cNvGrpSpPr/>
-        <p:nvPr/>
-      </p:nvGrpSpPr>
-      <p:grpSpPr>
-        <a:xfrm>
-          <a:off x="0" y="0"/>
-          <a:ext cx="0" cy="0"/>
-          <a:chOff x="0" y="0"/>
-          <a:chExt cx="0" cy="0"/>
-        </a:xfrm>
-      </p:grpSpPr>
-      <p:sp>
-        <p:nvSpPr>
-          <p:cNvPr id="2" name="Rectangle : coins arrondis 1">
-            <a:extLst>
-              <a:ext uri="{FF2B5EF4-FFF2-40B4-BE49-F238E27FC236}">
-                <a16:creationId xmlns:a16="http://schemas.microsoft.com/office/drawing/2014/main" id="{EA23F1D6-C8C2-2AA3-27E4-F033CD3CA278}"/>
-              </a:ext>
-            </a:extLst>
-          </p:cNvPr>
-          <p:cNvSpPr/>
-          <p:nvPr>
-            <p:custDataLst>
-              <p:tags r:id="rId2"/>
-            </p:custDataLst>
-          </p:nvPr>
-        </p:nvSpPr>
-        <p:spPr>
-          <a:xfrm>
-            <a:off x="6286500" y="430530"/>
-            <a:ext cx="5524500" cy="891540"/>
-          </a:xfrm>
-          <a:prstGeom prst="roundRect">
-            <a:avLst/>
-          </a:prstGeom>
-          <a:solidFill>
-            <a:srgbClr val="F4F4F4"/>
-          </a:solidFill>
-          <a:ln w="19050" cap="flat" cmpd="sng" algn="ctr">
-            <a:noFill/>
-            <a:prstDash val="solid"/>
-            <a:miter lim="800000"/>
-          </a:ln>
-          <a:effectLst/>
-          <a:extLst>
-            <a:ext uri="{91240B29-F687-4F45-9708-019B960494DF}">
-              <a14:hiddenLine xmlns:a14="http://schemas.microsoft.com/office/drawing/2010/main" w="19050" cap="flat" cmpd="sng" algn="ctr">
-                <a:solidFill>
-                  <a:schemeClr val="accent1">
-                    <a:shade val="15000"/>
-                  </a:schemeClr>
-                </a:solidFill>
-                <a:prstDash val="solid"/>
-                <a:miter lim="800000"/>
-              </a14:hiddenLine>
-            </a:ext>
-          </a:extLst>
-        </p:spPr>
-        <p:style>
-          <a:lnRef idx="2">
-            <a:schemeClr val="accent1">
-              <a:shade val="15000"/>
-            </a:schemeClr>
-          </a:lnRef>
-          <a:fillRef idx="1">
-            <a:schemeClr val="accent1"/>
-          </a:fillRef>
-          <a:effectRef idx="0">
-            <a:schemeClr val="accent1"/>
-          </a:effectRef>
-          <a:fontRef idx="minor">
-            <a:schemeClr val="lt1"/>
-          </a:fontRef>
-        </p:style>
-        <p:txBody>
-          <a:bodyPr lIns="317500" rIns="1143000" rtlCol="0" anchor="ctr">
-            <a:normAutofit/>
-          </a:bodyPr>
-          <a:lstStyle/>
-          <a:p>
-            <a:r>
-              <a:rPr lang="en-US" sz="2000">
-                <a:solidFill>
-                  <a:srgbClr val="5B5B5B"/>
-                </a:solidFill>
-              </a:rPr>
-              <a:t>Please download and install the Slido app on all computers you use</a:t>
-            </a:r>
-            <a:endParaRPr lang="fr-FR" sz="2000">
-              <a:solidFill>
-                <a:srgbClr val="5B5B5B"/>
-              </a:solidFill>
-            </a:endParaRPr>
-          </a:p>
-        </p:txBody>
-      </p:sp>
-      <p:pic>
-        <p:nvPicPr>
-          <p:cNvPr id="4" name="Graphique 3">
-            <a:extLst>
-              <a:ext uri="{FF2B5EF4-FFF2-40B4-BE49-F238E27FC236}">
-                <a16:creationId xmlns:a16="http://schemas.microsoft.com/office/drawing/2014/main" id="{52C54BAB-F068-B590-960D-E816BAD2A216}"/>
-              </a:ext>
-            </a:extLst>
-          </p:cNvPr>
-          <p:cNvPicPr>
-            <a:picLocks/>
-          </p:cNvPicPr>
-          <p:nvPr>
-            <p:custDataLst>
-              <p:tags r:id="rId3"/>
-            </p:custDataLst>
-          </p:nvPr>
-        </p:nvPicPr>
-        <p:blipFill>
-          <a:blip r:embed="rId9">
-            <a:extLst>
-              <a:ext uri="{96DAC541-7B7A-43D3-8B79-37D633B846F1}">
-                <asvg:svgBlip xmlns:asvg="http://schemas.microsoft.com/office/drawing/2016/SVG/main" r:embed="rId10"/>
-              </a:ext>
-            </a:extLst>
-          </a:blip>
-          <a:stretch>
-            <a:fillRect/>
-          </a:stretch>
-        </p:blipFill>
-        <p:spPr>
-          <a:xfrm>
-            <a:off x="10826048" y="577634"/>
-            <a:ext cx="597332" cy="597332"/>
-          </a:xfrm>
-          <a:prstGeom prst="rect">
-            <a:avLst/>
-          </a:prstGeom>
-        </p:spPr>
-      </p:pic>
-      <p:pic>
-        <p:nvPicPr>
-          <p:cNvPr id="6" name="Graphique 5">
-            <a:extLst>
-              <a:ext uri="{FF2B5EF4-FFF2-40B4-BE49-F238E27FC236}">
-                <a16:creationId xmlns:a16="http://schemas.microsoft.com/office/drawing/2014/main" id="{E3AC3A82-216A-4007-1F57-F67BC75C37D9}"/>
-              </a:ext>
-            </a:extLst>
-          </p:cNvPr>
-          <p:cNvPicPr>
-            <a:picLocks/>
-          </p:cNvPicPr>
-          <p:nvPr>
-            <p:custDataLst>
-              <p:tags r:id="rId4"/>
-            </p:custDataLst>
-          </p:nvPr>
-        </p:nvPicPr>
-        <p:blipFill>
-          <a:blip r:embed="rId11">
-            <a:extLst>
-              <a:ext uri="{96DAC541-7B7A-43D3-8B79-37D633B846F1}">
-                <asvg:svgBlip xmlns:asvg="http://schemas.microsoft.com/office/drawing/2016/SVG/main" r:embed="rId12"/>
-              </a:ext>
-            </a:extLst>
-          </a:blip>
-          <a:stretch>
-            <a:fillRect/>
-          </a:stretch>
-        </p:blipFill>
-        <p:spPr>
-          <a:xfrm>
-            <a:off x="3901440" y="617220"/>
-            <a:ext cx="1036320" cy="518160"/>
-          </a:xfrm>
-          <a:prstGeom prst="rect">
-            <a:avLst/>
-          </a:prstGeom>
-        </p:spPr>
-      </p:pic>
-      <p:pic>
-        <p:nvPicPr>
-          <p:cNvPr id="8" name="Graphique 7">
-            <a:extLst>
-              <a:ext uri="{FF2B5EF4-FFF2-40B4-BE49-F238E27FC236}">
-                <a16:creationId xmlns:a16="http://schemas.microsoft.com/office/drawing/2014/main" id="{EA86AA5D-7D94-EF9D-C61F-BAD646650246}"/>
-              </a:ext>
-            </a:extLst>
-          </p:cNvPr>
-          <p:cNvPicPr>
-            <a:picLocks/>
-          </p:cNvPicPr>
-          <p:nvPr>
-            <p:custDataLst>
-              <p:tags r:id="rId5"/>
-            </p:custDataLst>
-          </p:nvPr>
-        </p:nvPicPr>
-        <p:blipFill>
-          <a:blip r:embed="rId13">
-            <a:extLst>
-              <a:ext uri="{96DAC541-7B7A-43D3-8B79-37D633B846F1}">
-                <asvg:svgBlip xmlns:asvg="http://schemas.microsoft.com/office/drawing/2016/SVG/main" r:embed="rId14"/>
-              </a:ext>
-            </a:extLst>
-          </a:blip>
-          <a:stretch>
-            <a:fillRect/>
-          </a:stretch>
-        </p:blipFill>
-        <p:spPr>
-          <a:xfrm>
-            <a:off x="1158240" y="2270760"/>
-            <a:ext cx="2316480" cy="2316480"/>
-          </a:xfrm>
-          <a:prstGeom prst="rect">
-            <a:avLst/>
-          </a:prstGeom>
-        </p:spPr>
-      </p:pic>
-      <p:sp>
-        <p:nvSpPr>
-          <p:cNvPr id="9" name="Rectangle 8">
-            <a:extLst>
-              <a:ext uri="{FF2B5EF4-FFF2-40B4-BE49-F238E27FC236}">
-                <a16:creationId xmlns:a16="http://schemas.microsoft.com/office/drawing/2014/main" id="{AD210805-A6E2-1FE5-FA77-69E52E224AFF}"/>
-              </a:ext>
-            </a:extLst>
-          </p:cNvPr>
-          <p:cNvSpPr/>
-          <p:nvPr>
-            <p:custDataLst>
-              <p:tags r:id="rId6"/>
-            </p:custDataLst>
-          </p:nvPr>
-        </p:nvSpPr>
-        <p:spPr>
-          <a:xfrm>
-            <a:off x="3901440" y="2571750"/>
-            <a:ext cx="7315199" cy="1714500"/>
-          </a:xfrm>
-          <a:prstGeom prst="rect">
-            <a:avLst/>
-          </a:prstGeom>
-          <a:noFill/>
-          <a:ln w="19050" cap="flat" cmpd="sng" algn="ctr">
-            <a:solidFill>
-              <a:srgbClr val="FFFFFF"/>
-            </a:solidFill>
-            <a:prstDash val="solid"/>
-            <a:miter lim="800000"/>
-          </a:ln>
-          <a:effectLst/>
-          <a:extLst>
-            <a:ext uri="{909E8E84-426E-40DD-AFC4-6F175D3DCCD1}">
-              <a14:hiddenFill xmlns:a14="http://schemas.microsoft.com/office/drawing/2010/main">
-                <a:solidFill>
-                  <a:schemeClr val="accent1"/>
-                </a:solidFill>
-              </a14:hiddenFill>
-            </a:ext>
-          </a:extLst>
-        </p:spPr>
-        <p:style>
-          <a:lnRef idx="2">
-            <a:schemeClr val="accent1">
-              <a:shade val="15000"/>
-            </a:schemeClr>
-          </a:lnRef>
-          <a:fillRef idx="1">
-            <a:schemeClr val="accent1"/>
-          </a:fillRef>
-          <a:effectRef idx="0">
-            <a:schemeClr val="accent1"/>
-          </a:effectRef>
-          <a:fontRef idx="minor">
-            <a:schemeClr val="lt1"/>
-          </a:fontRef>
-        </p:style>
-        <p:txBody>
-          <a:bodyPr rtlCol="0" anchor="ctr"/>
-          <a:lstStyle/>
-          <a:p>
-            <a:r>
-              <a:rPr lang="fr-FR" sz="2800" b="1">
-                <a:solidFill>
-                  <a:srgbClr val="5B5B5B"/>
-                </a:solidFill>
-              </a:rPr>
-              <a:t>Quel est l'avantage principal de l'utilisation de templates API dans le développement de microservices ?</a:t>
-            </a:r>
-          </a:p>
-        </p:txBody>
-      </p:sp>
-      <p:sp>
-        <p:nvSpPr>
-          <p:cNvPr id="10" name="Rectangle 9">
-            <a:extLst>
-              <a:ext uri="{FF2B5EF4-FFF2-40B4-BE49-F238E27FC236}">
-                <a16:creationId xmlns:a16="http://schemas.microsoft.com/office/drawing/2014/main" id="{E7557451-D671-F9C2-5154-83D0E0137935}"/>
-              </a:ext>
-            </a:extLst>
-          </p:cNvPr>
-          <p:cNvSpPr/>
-          <p:nvPr>
-            <p:custDataLst>
-              <p:tags r:id="rId7"/>
-            </p:custDataLst>
-          </p:nvPr>
-        </p:nvSpPr>
-        <p:spPr>
-          <a:xfrm>
-            <a:off x="3901440" y="6032500"/>
-            <a:ext cx="7315199" cy="518160"/>
-          </a:xfrm>
-          <a:prstGeom prst="rect">
-            <a:avLst/>
-          </a:prstGeom>
-          <a:noFill/>
-          <a:ln w="19050" cap="flat" cmpd="sng" algn="ctr">
-            <a:noFill/>
-            <a:prstDash val="solid"/>
-            <a:miter lim="800000"/>
-          </a:ln>
-          <a:effectLst/>
-          <a:extLst>
-            <a:ext uri="{909E8E84-426E-40DD-AFC4-6F175D3DCCD1}">
-              <a14:hiddenFill xmlns:a14="http://schemas.microsoft.com/office/drawing/2010/main">
-                <a:solidFill>
-                  <a:schemeClr val="accent1"/>
-                </a:solidFill>
-              </a14:hiddenFill>
-            </a:ext>
-            <a:ext uri="{91240B29-F687-4F45-9708-019B960494DF}">
-              <a14:hiddenLine xmlns:a14="http://schemas.microsoft.com/office/drawing/2010/main" w="19050" cap="flat" cmpd="sng" algn="ctr">
-                <a:solidFill>
-                  <a:schemeClr val="accent1">
-                    <a:shade val="15000"/>
-                  </a:schemeClr>
-                </a:solidFill>
-                <a:prstDash val="solid"/>
-                <a:miter lim="800000"/>
-              </a14:hiddenLine>
-            </a:ext>
-          </a:extLst>
-        </p:spPr>
-        <p:style>
-          <a:lnRef idx="2">
-            <a:schemeClr val="accent1">
-              <a:shade val="15000"/>
-            </a:schemeClr>
-          </a:lnRef>
-          <a:fillRef idx="1">
-            <a:schemeClr val="accent1"/>
-          </a:fillRef>
-          <a:effectRef idx="0">
-            <a:schemeClr val="accent1"/>
-          </a:effectRef>
-          <a:fontRef idx="minor">
-            <a:schemeClr val="lt1"/>
-          </a:fontRef>
-        </p:style>
-        <p:txBody>
-          <a:bodyPr rtlCol="0" anchor="ctr">
-            <a:normAutofit/>
-          </a:bodyPr>
-          <a:lstStyle/>
-          <a:p>
-            <a:r>
-              <a:rPr lang="en-US" sz="2200" b="1">
-                <a:solidFill>
-                  <a:srgbClr val="5B5B5B"/>
-                </a:solidFill>
-              </a:rPr>
-              <a:t>ⓘ</a:t>
-            </a:r>
-            <a:r>
-              <a:rPr lang="en-US" sz="2000">
-                <a:solidFill>
-                  <a:srgbClr val="5B5B5B"/>
-                </a:solidFill>
-              </a:rPr>
-              <a:t> Start presenting to display the poll results on this slide.</a:t>
-            </a:r>
-            <a:endParaRPr lang="fr-FR" sz="2000">
-              <a:solidFill>
-                <a:srgbClr val="5B5B5B"/>
-              </a:solidFill>
-            </a:endParaRPr>
-          </a:p>
-        </p:txBody>
-      </p:sp>
-    </p:spTree>
-    <p:custDataLst>
-      <p:tags r:id="rId1"/>
-    </p:custDataLst>
-    <p:extLst>
-      <p:ext uri="{BB962C8B-B14F-4D97-AF65-F5344CB8AC3E}">
-        <p14:creationId xmlns:p14="http://schemas.microsoft.com/office/powerpoint/2010/main" val="1339652441"/>
-      </p:ext>
-    </p:extLst>
-  </p:cSld>
-  <p:clrMapOvr>
-    <a:masterClrMapping/>
-  </p:clrMapOvr>
-  <p:timing>
-    <p:tnLst>
-      <p:par>
-        <p:cTn id="1" dur="indefinite" restart="never" nodeType="tmRoot">
-          <p:childTnLst>
-            <p:seq concurrent="1" nextAc="seek">
-              <p:cTn id="2" dur="indefinite" nodeType="mainSeq">
-                <p:childTnLst>
-                  <p:par>
-                    <p:cTn id="3" fill="hold">
-                      <p:stCondLst>
-                        <p:cond delay="indefinite"/>
-                      </p:stCondLst>
-                      <p:childTnLst>
-                        <p:par>
-                          <p:cTn id="4" fill="hold">
-                            <p:stCondLst>
-                              <p:cond delay="0"/>
-                            </p:stCondLst>
-                            <p:childTnLst>
-                              <p:par>
-                                <p:cTn id="5" presetID="26" presetClass="emph" presetSubtype="0" fill="hold" grpId="0" nodeType="clickEffect">
-                                  <p:stCondLst>
-                                    <p:cond delay="0"/>
-                                  </p:stCondLst>
-                                  <p:childTnLst>
-                                    <p:animEffect transition="out" filter="fade">
-                                      <p:cBhvr>
-                                        <p:cTn id="6" dur="50" tmFilter="0, 0; .2, .5; .8, .5; 1, 0"/>
-                                        <p:tgtEl>
-                                          <p:spTgt spid="9"/>
-                                        </p:tgtEl>
-                                      </p:cBhvr>
-                                    </p:animEffect>
-                                    <p:animScale>
-                                      <p:cBhvr>
-                                        <p:cTn id="7" dur="25" autoRev="1" fill="hold"/>
-                                        <p:tgtEl>
-                                          <p:spTgt spid="9"/>
-                                        </p:tgtEl>
-                                      </p:cBhvr>
-                                      <p:by x="105000" y="105000"/>
-                                    </p:animScale>
-                                  </p:childTnLst>
-                                </p:cTn>
-                              </p:par>
-                            </p:childTnLst>
-                          </p:cTn>
-                        </p:par>
-                      </p:childTnLst>
-                    </p:cTn>
-                  </p:par>
-                  <p:par>
-                    <p:cTn id="8" fill="hold">
-                      <p:stCondLst>
-                        <p:cond delay="indefinite"/>
-                      </p:stCondLst>
-                      <p:childTnLst>
-                        <p:par>
-                          <p:cTn id="9" fill="hold">
-                            <p:stCondLst>
-                              <p:cond delay="0"/>
-                            </p:stCondLst>
-                            <p:childTnLst>
-                              <p:par>
-                                <p:cTn id="10" presetID="26" presetClass="emph" presetSubtype="0" fill="hold" grpId="1" nodeType="clickEffect">
-                                  <p:stCondLst>
-                                    <p:cond delay="0"/>
-                                  </p:stCondLst>
-                                  <p:childTnLst>
-                                    <p:animEffect transition="out" filter="fade">
-                                      <p:cBhvr>
-                                        <p:cTn id="11" dur="50" tmFilter="0, 0; .2, .5; .8, .5; 1, 0"/>
-                                        <p:tgtEl>
-                                          <p:spTgt spid="9"/>
-                                        </p:tgtEl>
-                                      </p:cBhvr>
-                                    </p:animEffect>
-                                    <p:animScale>
-                                      <p:cBhvr>
-                                        <p:cTn id="12" dur="25" autoRev="1" fill="hold"/>
-                                        <p:tgtEl>
-                                          <p:spTgt spid="9"/>
-                                        </p:tgtEl>
-                                      </p:cBhvr>
-                                      <p:by x="105000" y="105000"/>
-                                    </p:animScale>
-                                  </p:childTnLst>
-                                </p:cTn>
-                              </p:par>
-                            </p:childTnLst>
-                          </p:cTn>
-                        </p:par>
-                      </p:childTnLst>
-                    </p:cTn>
-                  </p:par>
-                  <p:par>
-                    <p:cTn id="13" fill="hold">
-                      <p:stCondLst>
-                        <p:cond delay="indefinite"/>
-                      </p:stCondLst>
-                      <p:childTnLst>
-                        <p:par>
-                          <p:cTn id="14" fill="hold">
-                            <p:stCondLst>
-                              <p:cond delay="0"/>
-                            </p:stCondLst>
-                            <p:childTnLst>
-                              <p:par>
-                                <p:cTn id="15" presetID="26" presetClass="emph" presetSubtype="0" fill="hold" grpId="2" nodeType="clickEffect">
-                                  <p:stCondLst>
-                                    <p:cond delay="0"/>
-                                  </p:stCondLst>
-                                  <p:childTnLst>
-                                    <p:animEffect transition="out" filter="fade">
-                                      <p:cBhvr>
-                                        <p:cTn id="16" dur="50" tmFilter="0, 0; .2, .5; .8, .5; 1, 0"/>
-                                        <p:tgtEl>
-                                          <p:spTgt spid="9"/>
-                                        </p:tgtEl>
-                                      </p:cBhvr>
-                                    </p:animEffect>
-                                    <p:animScale>
-                                      <p:cBhvr>
-                                        <p:cTn id="17" dur="25" autoRev="1" fill="hold"/>
-                                        <p:tgtEl>
-                                          <p:spTgt spid="9"/>
-                                        </p:tgtEl>
-                                      </p:cBhvr>
-                                      <p:by x="105000" y="105000"/>
-                                    </p:animScale>
-                                  </p:childTnLst>
-                                </p:cTn>
-                              </p:par>
-                            </p:childTnLst>
-                          </p:cTn>
-                        </p:par>
-                      </p:childTnLst>
-                    </p:cTn>
-                  </p:par>
-                </p:childTnLst>
-              </p:cTn>
-              <p:prevCondLst>
-                <p:cond evt="onPrev" delay="0">
-                  <p:tgtEl>
-                    <p:sldTgt/>
-                  </p:tgtEl>
-                </p:cond>
-              </p:prevCondLst>
-              <p:nextCondLst>
-                <p:cond evt="onNext" delay="0">
-                  <p:tgtEl>
-                    <p:sldTgt/>
-                  </p:tgtEl>
-                </p:cond>
-              </p:nextCondLst>
-            </p:seq>
-          </p:childTnLst>
-        </p:cTn>
-      </p:par>
-    </p:tnLst>
-    <p:bldLst>
-      <p:bldP spid="9" grpId="0" animBg="1"/>
-      <p:bldP spid="9" grpId="1" animBg="1"/>
-      <p:bldP spid="9" grpId="2" animBg="1"/>
-    </p:bldLst>
-  </p:timing>
-</p:sld>
-</file>
-
-<file path=ppt/slides/slide21.xml><?xml version="1.0" encoding="utf-8"?>
+<file path=ppt/slides/slide14.xml><?xml version="1.0" encoding="utf-8"?>
 <p:sld xmlns:a="http://schemas.openxmlformats.org/drawingml/2006/main" xmlns:r="http://schemas.openxmlformats.org/officeDocument/2006/relationships" xmlns:p="http://schemas.openxmlformats.org/presentationml/2006/main">
   <p:cSld>
     <p:spTree>
@@ -10418,100 +6474,216 @@
       </p:grpSpPr>
       <p:sp>
         <p:nvSpPr>
-          <p:cNvPr id="3" name="Espace réservé du contenu 2">
-            <a:extLst>
-              <a:ext uri="{FF2B5EF4-FFF2-40B4-BE49-F238E27FC236}">
-                <a16:creationId xmlns:a16="http://schemas.microsoft.com/office/drawing/2014/main" id="{5D1598F1-3F5E-181B-29E7-26081FFE38F7}"/>
-              </a:ext>
-            </a:extLst>
-          </p:cNvPr>
-          <p:cNvSpPr>
-            <a:spLocks noGrp="1"/>
-          </p:cNvSpPr>
-          <p:nvPr>
-            <p:ph idx="1"/>
-          </p:nvPr>
+          <p:cNvPr id="6" name="Sous-titre 2">
+            <a:extLst>
+              <a:ext uri="{FF2B5EF4-FFF2-40B4-BE49-F238E27FC236}">
+                <a16:creationId xmlns:a16="http://schemas.microsoft.com/office/drawing/2014/main" id="{3BCD69F1-18A3-8D63-D68C-8F4620299F31}"/>
+              </a:ext>
+            </a:extLst>
+          </p:cNvPr>
+          <p:cNvSpPr txBox="1">
+            <a:spLocks/>
+          </p:cNvSpPr>
+          <p:nvPr/>
         </p:nvSpPr>
         <p:spPr>
           <a:xfrm>
-            <a:off x="223520" y="1059656"/>
-            <a:ext cx="5872479" cy="5160163"/>
+            <a:off x="4533356" y="6517441"/>
+            <a:ext cx="2890647" cy="214122"/>
           </a:xfrm>
+          <a:prstGeom prst="rect">
+            <a:avLst/>
+          </a:prstGeom>
         </p:spPr>
         <p:txBody>
-          <a:bodyPr>
+          <a:bodyPr vert="horz" lIns="91440" tIns="45720" rIns="91440" bIns="45720" rtlCol="0">
             <a:noAutofit/>
           </a:bodyPr>
-          <a:lstStyle/>
+          <a:lstStyle>
+            <a:lvl1pPr marL="228600" indent="-228600" algn="l" defTabSz="914400" rtl="0" eaLnBrk="1" latinLnBrk="0" hangingPunct="1">
+              <a:lnSpc>
+                <a:spcPct val="90000"/>
+              </a:lnSpc>
+              <a:spcBef>
+                <a:spcPts val="1000"/>
+              </a:spcBef>
+              <a:buFont typeface="Arial" panose="020B0604020202020204" pitchFamily="34" charset="0"/>
+              <a:buChar char="•"/>
+              <a:defRPr sz="2800" kern="1200">
+                <a:solidFill>
+                  <a:schemeClr val="tx1"/>
+                </a:solidFill>
+                <a:latin typeface="+mn-lt"/>
+                <a:ea typeface="+mn-ea"/>
+                <a:cs typeface="+mn-cs"/>
+              </a:defRPr>
+            </a:lvl1pPr>
+            <a:lvl2pPr marL="685800" indent="-228600" algn="l" defTabSz="914400" rtl="0" eaLnBrk="1" latinLnBrk="0" hangingPunct="1">
+              <a:lnSpc>
+                <a:spcPct val="90000"/>
+              </a:lnSpc>
+              <a:spcBef>
+                <a:spcPts val="500"/>
+              </a:spcBef>
+              <a:buFont typeface="Arial" panose="020B0604020202020204" pitchFamily="34" charset="0"/>
+              <a:buChar char="•"/>
+              <a:defRPr sz="2400" kern="1200">
+                <a:solidFill>
+                  <a:schemeClr val="tx1"/>
+                </a:solidFill>
+                <a:latin typeface="+mn-lt"/>
+                <a:ea typeface="+mn-ea"/>
+                <a:cs typeface="+mn-cs"/>
+              </a:defRPr>
+            </a:lvl2pPr>
+            <a:lvl3pPr marL="1143000" indent="-228600" algn="l" defTabSz="914400" rtl="0" eaLnBrk="1" latinLnBrk="0" hangingPunct="1">
+              <a:lnSpc>
+                <a:spcPct val="90000"/>
+              </a:lnSpc>
+              <a:spcBef>
+                <a:spcPts val="500"/>
+              </a:spcBef>
+              <a:buFont typeface="Arial" panose="020B0604020202020204" pitchFamily="34" charset="0"/>
+              <a:buChar char="•"/>
+              <a:defRPr sz="2000" kern="1200">
+                <a:solidFill>
+                  <a:schemeClr val="tx1"/>
+                </a:solidFill>
+                <a:latin typeface="+mn-lt"/>
+                <a:ea typeface="+mn-ea"/>
+                <a:cs typeface="+mn-cs"/>
+              </a:defRPr>
+            </a:lvl3pPr>
+            <a:lvl4pPr marL="1600200" indent="-228600" algn="l" defTabSz="914400" rtl="0" eaLnBrk="1" latinLnBrk="0" hangingPunct="1">
+              <a:lnSpc>
+                <a:spcPct val="90000"/>
+              </a:lnSpc>
+              <a:spcBef>
+                <a:spcPts val="500"/>
+              </a:spcBef>
+              <a:buFont typeface="Arial" panose="020B0604020202020204" pitchFamily="34" charset="0"/>
+              <a:buChar char="•"/>
+              <a:defRPr sz="1800" kern="1200">
+                <a:solidFill>
+                  <a:schemeClr val="tx1"/>
+                </a:solidFill>
+                <a:latin typeface="+mn-lt"/>
+                <a:ea typeface="+mn-ea"/>
+                <a:cs typeface="+mn-cs"/>
+              </a:defRPr>
+            </a:lvl4pPr>
+            <a:lvl5pPr marL="2057400" indent="-228600" algn="l" defTabSz="914400" rtl="0" eaLnBrk="1" latinLnBrk="0" hangingPunct="1">
+              <a:lnSpc>
+                <a:spcPct val="90000"/>
+              </a:lnSpc>
+              <a:spcBef>
+                <a:spcPts val="500"/>
+              </a:spcBef>
+              <a:buFont typeface="Arial" panose="020B0604020202020204" pitchFamily="34" charset="0"/>
+              <a:buChar char="•"/>
+              <a:defRPr sz="1800" kern="1200">
+                <a:solidFill>
+                  <a:schemeClr val="tx1"/>
+                </a:solidFill>
+                <a:latin typeface="+mn-lt"/>
+                <a:ea typeface="+mn-ea"/>
+                <a:cs typeface="+mn-cs"/>
+              </a:defRPr>
+            </a:lvl5pPr>
+            <a:lvl6pPr marL="2514600" indent="-228600" algn="l" defTabSz="914400" rtl="0" eaLnBrk="1" latinLnBrk="0" hangingPunct="1">
+              <a:lnSpc>
+                <a:spcPct val="90000"/>
+              </a:lnSpc>
+              <a:spcBef>
+                <a:spcPts val="500"/>
+              </a:spcBef>
+              <a:buFont typeface="Arial" panose="020B0604020202020204" pitchFamily="34" charset="0"/>
+              <a:buChar char="•"/>
+              <a:defRPr sz="1800" kern="1200">
+                <a:solidFill>
+                  <a:schemeClr val="tx1"/>
+                </a:solidFill>
+                <a:latin typeface="+mn-lt"/>
+                <a:ea typeface="+mn-ea"/>
+                <a:cs typeface="+mn-cs"/>
+              </a:defRPr>
+            </a:lvl6pPr>
+            <a:lvl7pPr marL="2971800" indent="-228600" algn="l" defTabSz="914400" rtl="0" eaLnBrk="1" latinLnBrk="0" hangingPunct="1">
+              <a:lnSpc>
+                <a:spcPct val="90000"/>
+              </a:lnSpc>
+              <a:spcBef>
+                <a:spcPts val="500"/>
+              </a:spcBef>
+              <a:buFont typeface="Arial" panose="020B0604020202020204" pitchFamily="34" charset="0"/>
+              <a:buChar char="•"/>
+              <a:defRPr sz="1800" kern="1200">
+                <a:solidFill>
+                  <a:schemeClr val="tx1"/>
+                </a:solidFill>
+                <a:latin typeface="+mn-lt"/>
+                <a:ea typeface="+mn-ea"/>
+                <a:cs typeface="+mn-cs"/>
+              </a:defRPr>
+            </a:lvl7pPr>
+            <a:lvl8pPr marL="3429000" indent="-228600" algn="l" defTabSz="914400" rtl="0" eaLnBrk="1" latinLnBrk="0" hangingPunct="1">
+              <a:lnSpc>
+                <a:spcPct val="90000"/>
+              </a:lnSpc>
+              <a:spcBef>
+                <a:spcPts val="500"/>
+              </a:spcBef>
+              <a:buFont typeface="Arial" panose="020B0604020202020204" pitchFamily="34" charset="0"/>
+              <a:buChar char="•"/>
+              <a:defRPr sz="1800" kern="1200">
+                <a:solidFill>
+                  <a:schemeClr val="tx1"/>
+                </a:solidFill>
+                <a:latin typeface="+mn-lt"/>
+                <a:ea typeface="+mn-ea"/>
+                <a:cs typeface="+mn-cs"/>
+              </a:defRPr>
+            </a:lvl8pPr>
+            <a:lvl9pPr marL="3886200" indent="-228600" algn="l" defTabSz="914400" rtl="0" eaLnBrk="1" latinLnBrk="0" hangingPunct="1">
+              <a:lnSpc>
+                <a:spcPct val="90000"/>
+              </a:lnSpc>
+              <a:spcBef>
+                <a:spcPts val="500"/>
+              </a:spcBef>
+              <a:buFont typeface="Arial" panose="020B0604020202020204" pitchFamily="34" charset="0"/>
+              <a:buChar char="•"/>
+              <a:defRPr sz="1800" kern="1200">
+                <a:solidFill>
+                  <a:schemeClr val="tx1"/>
+                </a:solidFill>
+                <a:latin typeface="+mn-lt"/>
+                <a:ea typeface="+mn-ea"/>
+                <a:cs typeface="+mn-cs"/>
+              </a:defRPr>
+            </a:lvl9pPr>
+          </a:lstStyle>
           <a:p>
             <a:pPr marL="0" indent="0">
-              <a:lnSpc>
-                <a:spcPct val="200000"/>
-              </a:lnSpc>
               <a:buNone/>
             </a:pPr>
             <a:r>
-              <a:rPr lang="fr-FR" sz="2200" b="1" dirty="0"/>
-              <a:t>Dans cet atelier, nous allons:</a:t>
-            </a:r>
-          </a:p>
-          <a:p>
-            <a:pPr>
-              <a:lnSpc>
-                <a:spcPct val="200000"/>
-              </a:lnSpc>
-            </a:pPr>
-            <a:r>
-              <a:rPr lang="fr-FR" sz="2200" dirty="0"/>
-              <a:t>Analyser notre architecture monolithique</a:t>
-            </a:r>
-          </a:p>
-          <a:p>
-            <a:pPr>
-              <a:lnSpc>
-                <a:spcPct val="200000"/>
-              </a:lnSpc>
-            </a:pPr>
-            <a:r>
-              <a:rPr lang="fr-FR" sz="2200" dirty="0"/>
-              <a:t>Identifier les contextes et les délimiter</a:t>
-            </a:r>
-          </a:p>
-          <a:p>
-            <a:pPr>
-              <a:lnSpc>
-                <a:spcPct val="200000"/>
-              </a:lnSpc>
-            </a:pPr>
-            <a:r>
-              <a:rPr lang="fr-FR" sz="2200" dirty="0"/>
-              <a:t>Identifier les contextes éligibles pour devenir des services</a:t>
-            </a:r>
-          </a:p>
-          <a:p>
-            <a:pPr>
-              <a:lnSpc>
-                <a:spcPct val="200000"/>
-              </a:lnSpc>
-            </a:pPr>
-            <a:r>
-              <a:rPr lang="fr-FR" sz="2200" dirty="0"/>
-              <a:t>Construire notre architecture </a:t>
-            </a:r>
-            <a:r>
-              <a:rPr lang="fr-FR" sz="2200" dirty="0" err="1"/>
-              <a:t>microservices</a:t>
-            </a:r>
-            <a:endParaRPr lang="fr-FR" sz="2200" dirty="0"/>
-          </a:p>
-        </p:txBody>
-      </p:sp>
-      <p:sp>
-        <p:nvSpPr>
-          <p:cNvPr id="4" name="Titre 1">
-            <a:extLst>
-              <a:ext uri="{FF2B5EF4-FFF2-40B4-BE49-F238E27FC236}">
-                <a16:creationId xmlns:a16="http://schemas.microsoft.com/office/drawing/2014/main" id="{9F8046C7-59C6-E9C9-C220-2A88E0E8AA74}"/>
+              <a:rPr lang="fr-FR" sz="1100" b="1" dirty="0">
+                <a:solidFill>
+                  <a:schemeClr val="tx2"/>
+                </a:solidFill>
+              </a:rPr>
+              <a:t>Préparé et Présenté par Daniel  Lawson</a:t>
+            </a:r>
+          </a:p>
+        </p:txBody>
+      </p:sp>
+      <p:sp>
+        <p:nvSpPr>
+          <p:cNvPr id="7" name="Titre 1">
+            <a:extLst>
+              <a:ext uri="{FF2B5EF4-FFF2-40B4-BE49-F238E27FC236}">
+                <a16:creationId xmlns:a16="http://schemas.microsoft.com/office/drawing/2014/main" id="{D122964A-2BA9-92D7-4F45-EFEFCAE30085}"/>
               </a:ext>
             </a:extLst>
           </p:cNvPr>
@@ -10567,10 +6739,10 @@
       </p:sp>
       <p:cxnSp>
         <p:nvCxnSpPr>
-          <p:cNvPr id="5" name="Connecteur droit 4">
-            <a:extLst>
-              <a:ext uri="{FF2B5EF4-FFF2-40B4-BE49-F238E27FC236}">
-                <a16:creationId xmlns:a16="http://schemas.microsoft.com/office/drawing/2014/main" id="{555718AF-B7AD-AAD3-6D4E-C60371FD6A96}"/>
+          <p:cNvPr id="8" name="Connecteur droit 7">
+            <a:extLst>
+              <a:ext uri="{FF2B5EF4-FFF2-40B4-BE49-F238E27FC236}">
+                <a16:creationId xmlns:a16="http://schemas.microsoft.com/office/drawing/2014/main" id="{532989CB-805A-AC94-902B-454502F05937}"/>
               </a:ext>
             </a:extLst>
           </p:cNvPr>
@@ -10605,273 +6777,20 @@
       </p:cxnSp>
       <p:sp>
         <p:nvSpPr>
-          <p:cNvPr id="6" name="Sous-titre 2">
-            <a:extLst>
-              <a:ext uri="{FF2B5EF4-FFF2-40B4-BE49-F238E27FC236}">
-                <a16:creationId xmlns:a16="http://schemas.microsoft.com/office/drawing/2014/main" id="{02826535-6718-FF2C-7532-A8BEE5D7C409}"/>
-              </a:ext>
-            </a:extLst>
-          </p:cNvPr>
-          <p:cNvSpPr txBox="1">
-            <a:spLocks/>
-          </p:cNvSpPr>
+          <p:cNvPr id="9" name="ZoneTexte 8">
+            <a:extLst>
+              <a:ext uri="{FF2B5EF4-FFF2-40B4-BE49-F238E27FC236}">
+                <a16:creationId xmlns:a16="http://schemas.microsoft.com/office/drawing/2014/main" id="{D15A4471-AA2D-82AE-EDE6-DA6191814647}"/>
+              </a:ext>
+            </a:extLst>
+          </p:cNvPr>
+          <p:cNvSpPr txBox="1"/>
           <p:nvPr/>
         </p:nvSpPr>
         <p:spPr>
           <a:xfrm>
-            <a:off x="121794" y="6617710"/>
-            <a:ext cx="2890647" cy="214122"/>
-          </a:xfrm>
-          <a:prstGeom prst="rect">
-            <a:avLst/>
-          </a:prstGeom>
-        </p:spPr>
-        <p:txBody>
-          <a:bodyPr vert="horz" lIns="91440" tIns="45720" rIns="91440" bIns="45720" rtlCol="0">
-            <a:noAutofit/>
-          </a:bodyPr>
-          <a:lstStyle>
-            <a:lvl1pPr marL="228600" indent="-228600" algn="l" defTabSz="914400" rtl="0" eaLnBrk="1" latinLnBrk="0" hangingPunct="1">
-              <a:lnSpc>
-                <a:spcPct val="90000"/>
-              </a:lnSpc>
-              <a:spcBef>
-                <a:spcPts val="1000"/>
-              </a:spcBef>
-              <a:buFont typeface="Arial" panose="020B0604020202020204" pitchFamily="34" charset="0"/>
-              <a:buChar char="•"/>
-              <a:defRPr sz="2800" kern="1200">
-                <a:solidFill>
-                  <a:schemeClr val="tx1"/>
-                </a:solidFill>
-                <a:latin typeface="+mn-lt"/>
-                <a:ea typeface="+mn-ea"/>
-                <a:cs typeface="+mn-cs"/>
-              </a:defRPr>
-            </a:lvl1pPr>
-            <a:lvl2pPr marL="685800" indent="-228600" algn="l" defTabSz="914400" rtl="0" eaLnBrk="1" latinLnBrk="0" hangingPunct="1">
-              <a:lnSpc>
-                <a:spcPct val="90000"/>
-              </a:lnSpc>
-              <a:spcBef>
-                <a:spcPts val="500"/>
-              </a:spcBef>
-              <a:buFont typeface="Arial" panose="020B0604020202020204" pitchFamily="34" charset="0"/>
-              <a:buChar char="•"/>
-              <a:defRPr sz="2400" kern="1200">
-                <a:solidFill>
-                  <a:schemeClr val="tx1"/>
-                </a:solidFill>
-                <a:latin typeface="+mn-lt"/>
-                <a:ea typeface="+mn-ea"/>
-                <a:cs typeface="+mn-cs"/>
-              </a:defRPr>
-            </a:lvl2pPr>
-            <a:lvl3pPr marL="1143000" indent="-228600" algn="l" defTabSz="914400" rtl="0" eaLnBrk="1" latinLnBrk="0" hangingPunct="1">
-              <a:lnSpc>
-                <a:spcPct val="90000"/>
-              </a:lnSpc>
-              <a:spcBef>
-                <a:spcPts val="500"/>
-              </a:spcBef>
-              <a:buFont typeface="Arial" panose="020B0604020202020204" pitchFamily="34" charset="0"/>
-              <a:buChar char="•"/>
-              <a:defRPr sz="2000" kern="1200">
-                <a:solidFill>
-                  <a:schemeClr val="tx1"/>
-                </a:solidFill>
-                <a:latin typeface="+mn-lt"/>
-                <a:ea typeface="+mn-ea"/>
-                <a:cs typeface="+mn-cs"/>
-              </a:defRPr>
-            </a:lvl3pPr>
-            <a:lvl4pPr marL="1600200" indent="-228600" algn="l" defTabSz="914400" rtl="0" eaLnBrk="1" latinLnBrk="0" hangingPunct="1">
-              <a:lnSpc>
-                <a:spcPct val="90000"/>
-              </a:lnSpc>
-              <a:spcBef>
-                <a:spcPts val="500"/>
-              </a:spcBef>
-              <a:buFont typeface="Arial" panose="020B0604020202020204" pitchFamily="34" charset="0"/>
-              <a:buChar char="•"/>
-              <a:defRPr sz="1800" kern="1200">
-                <a:solidFill>
-                  <a:schemeClr val="tx1"/>
-                </a:solidFill>
-                <a:latin typeface="+mn-lt"/>
-                <a:ea typeface="+mn-ea"/>
-                <a:cs typeface="+mn-cs"/>
-              </a:defRPr>
-            </a:lvl4pPr>
-            <a:lvl5pPr marL="2057400" indent="-228600" algn="l" defTabSz="914400" rtl="0" eaLnBrk="1" latinLnBrk="0" hangingPunct="1">
-              <a:lnSpc>
-                <a:spcPct val="90000"/>
-              </a:lnSpc>
-              <a:spcBef>
-                <a:spcPts val="500"/>
-              </a:spcBef>
-              <a:buFont typeface="Arial" panose="020B0604020202020204" pitchFamily="34" charset="0"/>
-              <a:buChar char="•"/>
-              <a:defRPr sz="1800" kern="1200">
-                <a:solidFill>
-                  <a:schemeClr val="tx1"/>
-                </a:solidFill>
-                <a:latin typeface="+mn-lt"/>
-                <a:ea typeface="+mn-ea"/>
-                <a:cs typeface="+mn-cs"/>
-              </a:defRPr>
-            </a:lvl5pPr>
-            <a:lvl6pPr marL="2514600" indent="-228600" algn="l" defTabSz="914400" rtl="0" eaLnBrk="1" latinLnBrk="0" hangingPunct="1">
-              <a:lnSpc>
-                <a:spcPct val="90000"/>
-              </a:lnSpc>
-              <a:spcBef>
-                <a:spcPts val="500"/>
-              </a:spcBef>
-              <a:buFont typeface="Arial" panose="020B0604020202020204" pitchFamily="34" charset="0"/>
-              <a:buChar char="•"/>
-              <a:defRPr sz="1800" kern="1200">
-                <a:solidFill>
-                  <a:schemeClr val="tx1"/>
-                </a:solidFill>
-                <a:latin typeface="+mn-lt"/>
-                <a:ea typeface="+mn-ea"/>
-                <a:cs typeface="+mn-cs"/>
-              </a:defRPr>
-            </a:lvl6pPr>
-            <a:lvl7pPr marL="2971800" indent="-228600" algn="l" defTabSz="914400" rtl="0" eaLnBrk="1" latinLnBrk="0" hangingPunct="1">
-              <a:lnSpc>
-                <a:spcPct val="90000"/>
-              </a:lnSpc>
-              <a:spcBef>
-                <a:spcPts val="500"/>
-              </a:spcBef>
-              <a:buFont typeface="Arial" panose="020B0604020202020204" pitchFamily="34" charset="0"/>
-              <a:buChar char="•"/>
-              <a:defRPr sz="1800" kern="1200">
-                <a:solidFill>
-                  <a:schemeClr val="tx1"/>
-                </a:solidFill>
-                <a:latin typeface="+mn-lt"/>
-                <a:ea typeface="+mn-ea"/>
-                <a:cs typeface="+mn-cs"/>
-              </a:defRPr>
-            </a:lvl7pPr>
-            <a:lvl8pPr marL="3429000" indent="-228600" algn="l" defTabSz="914400" rtl="0" eaLnBrk="1" latinLnBrk="0" hangingPunct="1">
-              <a:lnSpc>
-                <a:spcPct val="90000"/>
-              </a:lnSpc>
-              <a:spcBef>
-                <a:spcPts val="500"/>
-              </a:spcBef>
-              <a:buFont typeface="Arial" panose="020B0604020202020204" pitchFamily="34" charset="0"/>
-              <a:buChar char="•"/>
-              <a:defRPr sz="1800" kern="1200">
-                <a:solidFill>
-                  <a:schemeClr val="tx1"/>
-                </a:solidFill>
-                <a:latin typeface="+mn-lt"/>
-                <a:ea typeface="+mn-ea"/>
-                <a:cs typeface="+mn-cs"/>
-              </a:defRPr>
-            </a:lvl8pPr>
-            <a:lvl9pPr marL="3886200" indent="-228600" algn="l" defTabSz="914400" rtl="0" eaLnBrk="1" latinLnBrk="0" hangingPunct="1">
-              <a:lnSpc>
-                <a:spcPct val="90000"/>
-              </a:lnSpc>
-              <a:spcBef>
-                <a:spcPts val="500"/>
-              </a:spcBef>
-              <a:buFont typeface="Arial" panose="020B0604020202020204" pitchFamily="34" charset="0"/>
-              <a:buChar char="•"/>
-              <a:defRPr sz="1800" kern="1200">
-                <a:solidFill>
-                  <a:schemeClr val="tx1"/>
-                </a:solidFill>
-                <a:latin typeface="+mn-lt"/>
-                <a:ea typeface="+mn-ea"/>
-                <a:cs typeface="+mn-cs"/>
-              </a:defRPr>
-            </a:lvl9pPr>
-          </a:lstStyle>
-          <a:p>
-            <a:pPr marL="0" indent="0">
-              <a:buNone/>
-            </a:pPr>
-            <a:r>
-              <a:rPr lang="fr-FR" sz="1100" b="1" dirty="0">
-                <a:solidFill>
-                  <a:schemeClr val="tx2"/>
-                </a:solidFill>
-              </a:rPr>
-              <a:t>Préparé et Présenté par Daniel  Lawson</a:t>
-            </a:r>
-          </a:p>
-        </p:txBody>
-      </p:sp>
-      <p:pic>
-        <p:nvPicPr>
-          <p:cNvPr id="2050" name="Picture 2" descr="Science, Expérience, Recherche">
-            <a:extLst>
-              <a:ext uri="{FF2B5EF4-FFF2-40B4-BE49-F238E27FC236}">
-                <a16:creationId xmlns:a16="http://schemas.microsoft.com/office/drawing/2014/main" id="{2A162B4A-1099-686D-3511-A50E93291473}"/>
-              </a:ext>
-            </a:extLst>
-          </p:cNvPr>
-          <p:cNvPicPr>
-            <a:picLocks noChangeAspect="1" noChangeArrowheads="1"/>
-          </p:cNvPicPr>
-          <p:nvPr/>
-        </p:nvPicPr>
-        <p:blipFill>
-          <a:blip r:embed="rId3">
-            <a:extLst>
-              <a:ext uri="{28A0092B-C50C-407E-A947-70E740481C1C}">
-                <a14:useLocalDpi xmlns:a14="http://schemas.microsoft.com/office/drawing/2010/main" val="0"/>
-              </a:ext>
-            </a:extLst>
-          </a:blip>
-          <a:srcRect/>
-          <a:stretch>
-            <a:fillRect/>
-          </a:stretch>
-        </p:blipFill>
-        <p:spPr bwMode="auto">
-          <a:xfrm>
-            <a:off x="6217920" y="883920"/>
-            <a:ext cx="5974080" cy="5974080"/>
-          </a:xfrm>
-          <a:prstGeom prst="rect">
-            <a:avLst/>
-          </a:prstGeom>
-          <a:noFill/>
-          <a:extLst>
-            <a:ext uri="{909E8E84-426E-40DD-AFC4-6F175D3DCCD1}">
-              <a14:hiddenFill xmlns:a14="http://schemas.microsoft.com/office/drawing/2010/main">
-                <a:solidFill>
-                  <a:srgbClr val="FFFFFF"/>
-                </a:solidFill>
-              </a14:hiddenFill>
-            </a:ext>
-          </a:extLst>
-        </p:spPr>
-      </p:pic>
-      <p:sp>
-        <p:nvSpPr>
-          <p:cNvPr id="2" name="ZoneTexte 1">
-            <a:extLst>
-              <a:ext uri="{FF2B5EF4-FFF2-40B4-BE49-F238E27FC236}">
-                <a16:creationId xmlns:a16="http://schemas.microsoft.com/office/drawing/2014/main" id="{B750248E-14FB-35CE-A7F3-F017DB5C389E}"/>
-              </a:ext>
-            </a:extLst>
-          </p:cNvPr>
-          <p:cNvSpPr txBox="1"/>
-          <p:nvPr/>
-        </p:nvSpPr>
-        <p:spPr>
-          <a:xfrm>
-            <a:off x="8504872" y="1152525"/>
-            <a:ext cx="1400175" cy="769441"/>
+            <a:off x="223520" y="1072832"/>
+            <a:ext cx="6045200" cy="400110"/>
           </a:xfrm>
           <a:prstGeom prst="rect">
             <a:avLst/>
@@ -10884,22 +6803,131 @@
           </a:bodyPr>
           <a:lstStyle/>
           <a:p>
-            <a:pPr algn="ctr"/>
-            <a:r>
-              <a:rPr lang="fr-FR" sz="4400" b="1" dirty="0">
-                <a:solidFill>
-                  <a:schemeClr val="bg1"/>
-                </a:solidFill>
-              </a:rPr>
-              <a:t>LAB</a:t>
-            </a:r>
+            <a:r>
+              <a:rPr lang="fr-FR" sz="2000" b="1" dirty="0"/>
+              <a:t>Modules fonctionnels de l’application monolithe : </a:t>
+            </a:r>
+          </a:p>
+        </p:txBody>
+      </p:sp>
+      <p:sp>
+        <p:nvSpPr>
+          <p:cNvPr id="11" name="ZoneTexte 10">
+            <a:extLst>
+              <a:ext uri="{FF2B5EF4-FFF2-40B4-BE49-F238E27FC236}">
+                <a16:creationId xmlns:a16="http://schemas.microsoft.com/office/drawing/2014/main" id="{A4DA49AF-D8C2-23F8-43E6-82024B6DDBC9}"/>
+              </a:ext>
+            </a:extLst>
+          </p:cNvPr>
+          <p:cNvSpPr txBox="1"/>
+          <p:nvPr/>
+        </p:nvSpPr>
+        <p:spPr>
+          <a:xfrm>
+            <a:off x="223520" y="1678224"/>
+            <a:ext cx="11887200" cy="4801314"/>
+          </a:xfrm>
+          <a:prstGeom prst="rect">
+            <a:avLst/>
+          </a:prstGeom>
+          <a:noFill/>
+        </p:spPr>
+        <p:txBody>
+          <a:bodyPr wrap="square">
+            <a:spAutoFit/>
+          </a:bodyPr>
+          <a:lstStyle/>
+          <a:p>
+            <a:r>
+              <a:rPr lang="fr-FR" b="1" dirty="0"/>
+              <a:t>Catalogue des restaurants : </a:t>
+            </a:r>
+          </a:p>
+          <a:p>
+            <a:r>
+              <a:rPr lang="fr-FR" dirty="0"/>
+              <a:t>Gestion des restaurants (ajout, suppression, mise à jour), Gestion des menus (plats, prix, options personnalisées), </a:t>
+            </a:r>
+          </a:p>
+          <a:p>
+            <a:endParaRPr lang="fr-FR" dirty="0"/>
+          </a:p>
+          <a:p>
+            <a:r>
+              <a:rPr lang="fr-FR" b="1" dirty="0"/>
+              <a:t>Gestion des utilisateurs :</a:t>
+            </a:r>
+          </a:p>
+          <a:p>
+            <a:r>
+              <a:rPr lang="fr-FR" dirty="0"/>
+              <a:t>Inscription et connexion des utilisateurs (clients et restaurateurs), Gestion des rôles (client, restaurateur, livreur)</a:t>
+            </a:r>
+          </a:p>
+          <a:p>
+            <a:r>
+              <a:rPr lang="fr-FR" dirty="0"/>
+              <a:t>Profil utilisateur (adresses, préférences alimentaires)</a:t>
+            </a:r>
+          </a:p>
+          <a:p>
+            <a:endParaRPr lang="fr-FR" dirty="0"/>
+          </a:p>
+          <a:p>
+            <a:r>
+              <a:rPr lang="fr-FR" b="1" dirty="0"/>
+              <a:t>Commandes :</a:t>
+            </a:r>
+          </a:p>
+          <a:p>
+            <a:r>
+              <a:rPr lang="fr-FR" dirty="0"/>
+              <a:t>Création des commandes (sélection de plats, personnalisation), Calcul du prix total (plats, taxes, frais de livraison)</a:t>
+            </a:r>
+          </a:p>
+          <a:p>
+            <a:r>
+              <a:rPr lang="fr-FR" dirty="0"/>
+              <a:t>Suivi des statuts de commande (en attente, en cours, livrée)</a:t>
+            </a:r>
+          </a:p>
+          <a:p>
+            <a:endParaRPr lang="fr-FR" dirty="0"/>
+          </a:p>
+          <a:p>
+            <a:r>
+              <a:rPr lang="fr-FR" b="1" dirty="0"/>
+              <a:t>Paiements :</a:t>
+            </a:r>
+          </a:p>
+          <a:p>
+            <a:r>
+              <a:rPr lang="fr-FR" dirty="0"/>
+              <a:t>Gestion des moyens de paiement (cartes, PayPal, etc.), Validation des paiements en ligne, Gestion des remboursements</a:t>
+            </a:r>
+          </a:p>
+          <a:p>
+            <a:endParaRPr lang="fr-FR" dirty="0"/>
+          </a:p>
+          <a:p>
+            <a:r>
+              <a:rPr lang="fr-FR" b="1" dirty="0"/>
+              <a:t>Gestion des livreurs : </a:t>
+            </a:r>
+            <a:r>
+              <a:rPr lang="fr-FR" dirty="0"/>
+              <a:t>Attribution des commandes aux livreurs, Gestion des disponibilités des livreurs</a:t>
+            </a:r>
+          </a:p>
+          <a:p>
+            <a:endParaRPr lang="fr-FR" dirty="0"/>
           </a:p>
         </p:txBody>
       </p:sp>
     </p:spTree>
     <p:extLst>
       <p:ext uri="{BB962C8B-B14F-4D97-AF65-F5344CB8AC3E}">
-        <p14:creationId xmlns:p14="http://schemas.microsoft.com/office/powerpoint/2010/main" val="1619280332"/>
+        <p14:creationId xmlns:p14="http://schemas.microsoft.com/office/powerpoint/2010/main" val="1850163373"/>
       </p:ext>
     </p:extLst>
   </p:cSld>
@@ -10909,7 +6937,7 @@
 </p:sld>
 </file>
 
-<file path=ppt/slides/slide22.xml><?xml version="1.0" encoding="utf-8"?>
+<file path=ppt/slides/slide15.xml><?xml version="1.0" encoding="utf-8"?>
 <p:sld xmlns:a="http://schemas.openxmlformats.org/drawingml/2006/main" xmlns:r="http://schemas.openxmlformats.org/officeDocument/2006/relationships" xmlns:p="http://schemas.openxmlformats.org/presentationml/2006/main">
   <p:cSld>
     <p:spTree>
@@ -11279,7 +7307,7 @@
         <p:spPr>
           <a:xfrm>
             <a:off x="223520" y="1678224"/>
-            <a:ext cx="11887200" cy="4801314"/>
+            <a:ext cx="11887200" cy="3693319"/>
           </a:xfrm>
           <a:prstGeom prst="rect">
             <a:avLst/>
@@ -11294,13 +7322,25 @@
           <a:p>
             <a:r>
               <a:rPr lang="fr-FR" b="1" dirty="0"/>
-              <a:t>Catalogue des restaurants : </a:t>
+              <a:t>Livraison et suivi des commandes :</a:t>
             </a:r>
           </a:p>
           <a:p>
             <a:r>
               <a:rPr lang="fr-FR" dirty="0"/>
-              <a:t>Gestion des restaurants (ajout, suppression, mise à jour), Gestion des menus (plats, prix, options personnalisées), </a:t>
+              <a:t>Suivi en temps réel des commandes (restaurant → livreur → client)</a:t>
+            </a:r>
+          </a:p>
+          <a:p>
+            <a:r>
+              <a:rPr lang="fr-FR" dirty="0"/>
+              <a:t>Calcul automatique des itinéraires pour les livreurs</a:t>
+            </a:r>
+          </a:p>
+          <a:p>
+            <a:r>
+              <a:rPr lang="fr-FR" dirty="0"/>
+              <a:t>Notifications en temps réel pour les clients et les livreurs (via SMS ou application)</a:t>
             </a:r>
           </a:p>
           <a:p>
@@ -11309,19 +7349,19 @@
           <a:p>
             <a:r>
               <a:rPr lang="fr-FR" b="1" dirty="0"/>
-              <a:t>Gestion des utilisateurs :</a:t>
+              <a:t>Système de notation et avis :</a:t>
             </a:r>
           </a:p>
           <a:p>
             <a:r>
               <a:rPr lang="fr-FR" dirty="0"/>
-              <a:t>Inscription et connexion des utilisateurs (clients et restaurateurs), Gestion des rôles (client, restaurateur, livreur)</a:t>
+              <a:t>Système de notation des restaurants et des livreurs par les clients</a:t>
             </a:r>
           </a:p>
           <a:p>
             <a:r>
               <a:rPr lang="fr-FR" dirty="0"/>
-              <a:t>Profil utilisateur (adresses, préférences alimentaires)</a:t>
+              <a:t>Gestion des avis clients (commentaires, évaluations)</a:t>
             </a:r>
           </a:p>
           <a:p>
@@ -11330,47 +7370,19 @@
           <a:p>
             <a:r>
               <a:rPr lang="fr-FR" b="1" dirty="0"/>
-              <a:t>Commandes :</a:t>
+              <a:t>Promotions et réductions :</a:t>
             </a:r>
           </a:p>
           <a:p>
             <a:r>
               <a:rPr lang="fr-FR" dirty="0"/>
-              <a:t>Création des commandes (sélection de plats, personnalisation), Calcul du prix total (plats, taxes, frais de livraison)</a:t>
+              <a:t>Gestion des codes promotionnels</a:t>
             </a:r>
           </a:p>
           <a:p>
             <a:r>
               <a:rPr lang="fr-FR" dirty="0"/>
-              <a:t>Suivi des statuts de commande (en attente, en cours, livrée)</a:t>
-            </a:r>
-          </a:p>
-          <a:p>
-            <a:endParaRPr lang="fr-FR" dirty="0"/>
-          </a:p>
-          <a:p>
-            <a:r>
-              <a:rPr lang="fr-FR" b="1" dirty="0"/>
-              <a:t>Paiements :</a:t>
-            </a:r>
-          </a:p>
-          <a:p>
-            <a:r>
-              <a:rPr lang="fr-FR" dirty="0"/>
-              <a:t>Gestion des moyens de paiement (cartes, PayPal, etc.), Validation des paiements en ligne, Gestion des remboursements</a:t>
-            </a:r>
-          </a:p>
-          <a:p>
-            <a:endParaRPr lang="fr-FR" dirty="0"/>
-          </a:p>
-          <a:p>
-            <a:r>
-              <a:rPr lang="fr-FR" b="1" dirty="0"/>
-              <a:t>Gestion des livreurs : </a:t>
-            </a:r>
-            <a:r>
-              <a:rPr lang="fr-FR" dirty="0"/>
-              <a:t>Attribution des commandes aux livreurs, Gestion des disponibilités des livreurs</a:t>
+              <a:t>Application automatique des réductions en fonction des conditions (restaurants participants, montants, etc.)</a:t>
             </a:r>
           </a:p>
           <a:p>
@@ -11381,7 +7393,7 @@
     </p:spTree>
     <p:extLst>
       <p:ext uri="{BB962C8B-B14F-4D97-AF65-F5344CB8AC3E}">
-        <p14:creationId xmlns:p14="http://schemas.microsoft.com/office/powerpoint/2010/main" val="1850163373"/>
+        <p14:creationId xmlns:p14="http://schemas.microsoft.com/office/powerpoint/2010/main" val="2650891039"/>
       </p:ext>
     </p:extLst>
   </p:cSld>
@@ -11391,7 +7403,7 @@
 </p:sld>
 </file>
 
-<file path=ppt/slides/slide23.xml><?xml version="1.0" encoding="utf-8"?>
+<file path=ppt/slides/slide16.xml><?xml version="1.0" encoding="utf-8"?>
 <p:sld xmlns:a="http://schemas.openxmlformats.org/drawingml/2006/main" xmlns:r="http://schemas.openxmlformats.org/officeDocument/2006/relationships" xmlns:p="http://schemas.openxmlformats.org/presentationml/2006/main">
   <p:cSld>
     <p:spTree>
@@ -11410,10 +7422,199 @@
       </p:grpSpPr>
       <p:sp>
         <p:nvSpPr>
-          <p:cNvPr id="6" name="Sous-titre 2">
-            <a:extLst>
-              <a:ext uri="{FF2B5EF4-FFF2-40B4-BE49-F238E27FC236}">
-                <a16:creationId xmlns:a16="http://schemas.microsoft.com/office/drawing/2014/main" id="{3BCD69F1-18A3-8D63-D68C-8F4620299F31}"/>
+          <p:cNvPr id="4" name="Titre 1">
+            <a:extLst>
+              <a:ext uri="{FF2B5EF4-FFF2-40B4-BE49-F238E27FC236}">
+                <a16:creationId xmlns:a16="http://schemas.microsoft.com/office/drawing/2014/main" id="{0BBD490F-0135-83AC-A1D0-18C01882B938}"/>
+              </a:ext>
+            </a:extLst>
+          </p:cNvPr>
+          <p:cNvSpPr>
+            <a:spLocks noGrp="1"/>
+          </p:cNvSpPr>
+          <p:nvPr>
+            <p:ph type="title"/>
+          </p:nvPr>
+        </p:nvSpPr>
+        <p:spPr>
+          <a:xfrm>
+            <a:off x="2681714" y="2713346"/>
+            <a:ext cx="6828572" cy="1128713"/>
+          </a:xfrm>
+        </p:spPr>
+        <p:txBody>
+          <a:bodyPr>
+            <a:noAutofit/>
+          </a:bodyPr>
+          <a:lstStyle/>
+          <a:p>
+            <a:pPr algn="ctr"/>
+            <a:r>
+              <a:rPr lang="fr-FR" sz="4100" b="1" dirty="0">
+                <a:solidFill>
+                  <a:schemeClr val="tx2"/>
+                </a:solidFill>
+                <a:latin typeface="Lora" pitchFamily="2" charset="0"/>
+              </a:rPr>
+              <a:t>Fin du module</a:t>
+            </a:r>
+          </a:p>
+        </p:txBody>
+      </p:sp>
+    </p:spTree>
+    <p:extLst>
+      <p:ext uri="{BB962C8B-B14F-4D97-AF65-F5344CB8AC3E}">
+        <p14:creationId xmlns:p14="http://schemas.microsoft.com/office/powerpoint/2010/main" val="1610341630"/>
+      </p:ext>
+    </p:extLst>
+  </p:cSld>
+  <p:clrMapOvr>
+    <a:masterClrMapping/>
+  </p:clrMapOvr>
+</p:sld>
+</file>
+
+<file path=ppt/slides/slide2.xml><?xml version="1.0" encoding="utf-8"?>
+<p:sld xmlns:a="http://schemas.openxmlformats.org/drawingml/2006/main" xmlns:r="http://schemas.openxmlformats.org/officeDocument/2006/relationships" xmlns:p="http://schemas.openxmlformats.org/presentationml/2006/main">
+  <p:cSld>
+    <p:spTree>
+      <p:nvGrpSpPr>
+        <p:cNvPr id="1" name=""/>
+        <p:cNvGrpSpPr/>
+        <p:nvPr/>
+      </p:nvGrpSpPr>
+      <p:grpSpPr>
+        <a:xfrm>
+          <a:off x="0" y="0"/>
+          <a:ext cx="0" cy="0"/>
+          <a:chOff x="0" y="0"/>
+          <a:chExt cx="0" cy="0"/>
+        </a:xfrm>
+      </p:grpSpPr>
+      <p:sp>
+        <p:nvSpPr>
+          <p:cNvPr id="3" name="Espace réservé du contenu 2">
+            <a:extLst>
+              <a:ext uri="{FF2B5EF4-FFF2-40B4-BE49-F238E27FC236}">
+                <a16:creationId xmlns:a16="http://schemas.microsoft.com/office/drawing/2014/main" id="{5D1598F1-3F5E-181B-29E7-26081FFE38F7}"/>
+              </a:ext>
+            </a:extLst>
+          </p:cNvPr>
+          <p:cNvSpPr>
+            <a:spLocks noGrp="1"/>
+          </p:cNvSpPr>
+          <p:nvPr>
+            <p:ph idx="1"/>
+          </p:nvPr>
+        </p:nvSpPr>
+        <p:spPr>
+          <a:xfrm>
+            <a:off x="320040" y="1287145"/>
+            <a:ext cx="10515600" cy="4036695"/>
+          </a:xfrm>
+        </p:spPr>
+        <p:txBody>
+          <a:bodyPr>
+            <a:noAutofit/>
+          </a:bodyPr>
+          <a:lstStyle/>
+          <a:p>
+            <a:pPr>
+              <a:lnSpc>
+                <a:spcPct val="150000"/>
+              </a:lnSpc>
+            </a:pPr>
+            <a:r>
+              <a:rPr lang="fr-FR" sz="2200" dirty="0"/>
+              <a:t>Quelques questions de notre DSI</a:t>
+            </a:r>
+          </a:p>
+          <a:p>
+            <a:pPr>
+              <a:lnSpc>
+                <a:spcPct val="150000"/>
+              </a:lnSpc>
+            </a:pPr>
+            <a:r>
+              <a:rPr lang="fr-FR" sz="2200" dirty="0"/>
+              <a:t>Principes de découpage des </a:t>
+            </a:r>
+            <a:r>
+              <a:rPr lang="fr-FR" sz="2200" dirty="0" err="1"/>
+              <a:t>microservices</a:t>
+            </a:r>
+            <a:endParaRPr lang="fr-FR" sz="2200" dirty="0"/>
+          </a:p>
+          <a:p>
+            <a:pPr>
+              <a:lnSpc>
+                <a:spcPct val="150000"/>
+              </a:lnSpc>
+            </a:pPr>
+            <a:r>
+              <a:rPr lang="fr-FR" sz="2200" dirty="0"/>
+              <a:t>Principes de conception des </a:t>
+            </a:r>
+            <a:r>
+              <a:rPr lang="fr-FR" sz="2200" dirty="0" err="1"/>
+              <a:t>microservices</a:t>
+            </a:r>
+            <a:endParaRPr lang="fr-FR" sz="2200" dirty="0"/>
+          </a:p>
+          <a:p>
+            <a:pPr>
+              <a:lnSpc>
+                <a:spcPct val="150000"/>
+              </a:lnSpc>
+            </a:pPr>
+            <a:r>
+              <a:rPr lang="fr-FR" sz="2200" dirty="0"/>
+              <a:t>Répondre aux questions</a:t>
+            </a:r>
+          </a:p>
+          <a:p>
+            <a:pPr>
+              <a:lnSpc>
+                <a:spcPct val="150000"/>
+              </a:lnSpc>
+            </a:pPr>
+            <a:r>
+              <a:rPr lang="fr-FR" sz="2200" dirty="0"/>
+              <a:t>Contrôle de connaissances</a:t>
+            </a:r>
+          </a:p>
+          <a:p>
+            <a:pPr>
+              <a:lnSpc>
+                <a:spcPct val="150000"/>
+              </a:lnSpc>
+            </a:pPr>
+            <a:r>
+              <a:rPr lang="fr-FR" sz="2200" b="1" dirty="0"/>
+              <a:t>Atelier : Découper un monolithe en </a:t>
+            </a:r>
+            <a:r>
+              <a:rPr lang="fr-FR" sz="2200" b="1" dirty="0" err="1"/>
+              <a:t>microservices</a:t>
+            </a:r>
+            <a:endParaRPr lang="fr-FR" sz="2200" b="1" dirty="0"/>
+          </a:p>
+          <a:p>
+            <a:pPr>
+              <a:lnSpc>
+                <a:spcPct val="150000"/>
+              </a:lnSpc>
+            </a:pPr>
+            <a:endParaRPr lang="fr-FR" sz="2200" dirty="0"/>
+          </a:p>
+        </p:txBody>
+      </p:sp>
+      <p:sp>
+        <p:nvSpPr>
+          <p:cNvPr id="4" name="Titre 1">
+            <a:extLst>
+              <a:ext uri="{FF2B5EF4-FFF2-40B4-BE49-F238E27FC236}">
+                <a16:creationId xmlns:a16="http://schemas.microsoft.com/office/drawing/2014/main" id="{9F8046C7-59C6-E9C9-C220-2A88E0E8AA74}"/>
               </a:ext>
             </a:extLst>
           </p:cNvPr>
@@ -11424,220 +7625,14 @@
         </p:nvSpPr>
         <p:spPr>
           <a:xfrm>
-            <a:off x="4533356" y="6517441"/>
-            <a:ext cx="2890647" cy="214122"/>
+            <a:off x="223520" y="309791"/>
+            <a:ext cx="3027680" cy="400368"/>
           </a:xfrm>
           <a:prstGeom prst="rect">
             <a:avLst/>
           </a:prstGeom>
         </p:spPr>
         <p:txBody>
-          <a:bodyPr vert="horz" lIns="91440" tIns="45720" rIns="91440" bIns="45720" rtlCol="0">
-            <a:noAutofit/>
-          </a:bodyPr>
-          <a:lstStyle>
-            <a:lvl1pPr marL="228600" indent="-228600" algn="l" defTabSz="914400" rtl="0" eaLnBrk="1" latinLnBrk="0" hangingPunct="1">
-              <a:lnSpc>
-                <a:spcPct val="90000"/>
-              </a:lnSpc>
-              <a:spcBef>
-                <a:spcPts val="1000"/>
-              </a:spcBef>
-              <a:buFont typeface="Arial" panose="020B0604020202020204" pitchFamily="34" charset="0"/>
-              <a:buChar char="•"/>
-              <a:defRPr sz="2800" kern="1200">
-                <a:solidFill>
-                  <a:schemeClr val="tx1"/>
-                </a:solidFill>
-                <a:latin typeface="+mn-lt"/>
-                <a:ea typeface="+mn-ea"/>
-                <a:cs typeface="+mn-cs"/>
-              </a:defRPr>
-            </a:lvl1pPr>
-            <a:lvl2pPr marL="685800" indent="-228600" algn="l" defTabSz="914400" rtl="0" eaLnBrk="1" latinLnBrk="0" hangingPunct="1">
-              <a:lnSpc>
-                <a:spcPct val="90000"/>
-              </a:lnSpc>
-              <a:spcBef>
-                <a:spcPts val="500"/>
-              </a:spcBef>
-              <a:buFont typeface="Arial" panose="020B0604020202020204" pitchFamily="34" charset="0"/>
-              <a:buChar char="•"/>
-              <a:defRPr sz="2400" kern="1200">
-                <a:solidFill>
-                  <a:schemeClr val="tx1"/>
-                </a:solidFill>
-                <a:latin typeface="+mn-lt"/>
-                <a:ea typeface="+mn-ea"/>
-                <a:cs typeface="+mn-cs"/>
-              </a:defRPr>
-            </a:lvl2pPr>
-            <a:lvl3pPr marL="1143000" indent="-228600" algn="l" defTabSz="914400" rtl="0" eaLnBrk="1" latinLnBrk="0" hangingPunct="1">
-              <a:lnSpc>
-                <a:spcPct val="90000"/>
-              </a:lnSpc>
-              <a:spcBef>
-                <a:spcPts val="500"/>
-              </a:spcBef>
-              <a:buFont typeface="Arial" panose="020B0604020202020204" pitchFamily="34" charset="0"/>
-              <a:buChar char="•"/>
-              <a:defRPr sz="2000" kern="1200">
-                <a:solidFill>
-                  <a:schemeClr val="tx1"/>
-                </a:solidFill>
-                <a:latin typeface="+mn-lt"/>
-                <a:ea typeface="+mn-ea"/>
-                <a:cs typeface="+mn-cs"/>
-              </a:defRPr>
-            </a:lvl3pPr>
-            <a:lvl4pPr marL="1600200" indent="-228600" algn="l" defTabSz="914400" rtl="0" eaLnBrk="1" latinLnBrk="0" hangingPunct="1">
-              <a:lnSpc>
-                <a:spcPct val="90000"/>
-              </a:lnSpc>
-              <a:spcBef>
-                <a:spcPts val="500"/>
-              </a:spcBef>
-              <a:buFont typeface="Arial" panose="020B0604020202020204" pitchFamily="34" charset="0"/>
-              <a:buChar char="•"/>
-              <a:defRPr sz="1800" kern="1200">
-                <a:solidFill>
-                  <a:schemeClr val="tx1"/>
-                </a:solidFill>
-                <a:latin typeface="+mn-lt"/>
-                <a:ea typeface="+mn-ea"/>
-                <a:cs typeface="+mn-cs"/>
-              </a:defRPr>
-            </a:lvl4pPr>
-            <a:lvl5pPr marL="2057400" indent="-228600" algn="l" defTabSz="914400" rtl="0" eaLnBrk="1" latinLnBrk="0" hangingPunct="1">
-              <a:lnSpc>
-                <a:spcPct val="90000"/>
-              </a:lnSpc>
-              <a:spcBef>
-                <a:spcPts val="500"/>
-              </a:spcBef>
-              <a:buFont typeface="Arial" panose="020B0604020202020204" pitchFamily="34" charset="0"/>
-              <a:buChar char="•"/>
-              <a:defRPr sz="1800" kern="1200">
-                <a:solidFill>
-                  <a:schemeClr val="tx1"/>
-                </a:solidFill>
-                <a:latin typeface="+mn-lt"/>
-                <a:ea typeface="+mn-ea"/>
-                <a:cs typeface="+mn-cs"/>
-              </a:defRPr>
-            </a:lvl5pPr>
-            <a:lvl6pPr marL="2514600" indent="-228600" algn="l" defTabSz="914400" rtl="0" eaLnBrk="1" latinLnBrk="0" hangingPunct="1">
-              <a:lnSpc>
-                <a:spcPct val="90000"/>
-              </a:lnSpc>
-              <a:spcBef>
-                <a:spcPts val="500"/>
-              </a:spcBef>
-              <a:buFont typeface="Arial" panose="020B0604020202020204" pitchFamily="34" charset="0"/>
-              <a:buChar char="•"/>
-              <a:defRPr sz="1800" kern="1200">
-                <a:solidFill>
-                  <a:schemeClr val="tx1"/>
-                </a:solidFill>
-                <a:latin typeface="+mn-lt"/>
-                <a:ea typeface="+mn-ea"/>
-                <a:cs typeface="+mn-cs"/>
-              </a:defRPr>
-            </a:lvl6pPr>
-            <a:lvl7pPr marL="2971800" indent="-228600" algn="l" defTabSz="914400" rtl="0" eaLnBrk="1" latinLnBrk="0" hangingPunct="1">
-              <a:lnSpc>
-                <a:spcPct val="90000"/>
-              </a:lnSpc>
-              <a:spcBef>
-                <a:spcPts val="500"/>
-              </a:spcBef>
-              <a:buFont typeface="Arial" panose="020B0604020202020204" pitchFamily="34" charset="0"/>
-              <a:buChar char="•"/>
-              <a:defRPr sz="1800" kern="1200">
-                <a:solidFill>
-                  <a:schemeClr val="tx1"/>
-                </a:solidFill>
-                <a:latin typeface="+mn-lt"/>
-                <a:ea typeface="+mn-ea"/>
-                <a:cs typeface="+mn-cs"/>
-              </a:defRPr>
-            </a:lvl7pPr>
-            <a:lvl8pPr marL="3429000" indent="-228600" algn="l" defTabSz="914400" rtl="0" eaLnBrk="1" latinLnBrk="0" hangingPunct="1">
-              <a:lnSpc>
-                <a:spcPct val="90000"/>
-              </a:lnSpc>
-              <a:spcBef>
-                <a:spcPts val="500"/>
-              </a:spcBef>
-              <a:buFont typeface="Arial" panose="020B0604020202020204" pitchFamily="34" charset="0"/>
-              <a:buChar char="•"/>
-              <a:defRPr sz="1800" kern="1200">
-                <a:solidFill>
-                  <a:schemeClr val="tx1"/>
-                </a:solidFill>
-                <a:latin typeface="+mn-lt"/>
-                <a:ea typeface="+mn-ea"/>
-                <a:cs typeface="+mn-cs"/>
-              </a:defRPr>
-            </a:lvl8pPr>
-            <a:lvl9pPr marL="3886200" indent="-228600" algn="l" defTabSz="914400" rtl="0" eaLnBrk="1" latinLnBrk="0" hangingPunct="1">
-              <a:lnSpc>
-                <a:spcPct val="90000"/>
-              </a:lnSpc>
-              <a:spcBef>
-                <a:spcPts val="500"/>
-              </a:spcBef>
-              <a:buFont typeface="Arial" panose="020B0604020202020204" pitchFamily="34" charset="0"/>
-              <a:buChar char="•"/>
-              <a:defRPr sz="1800" kern="1200">
-                <a:solidFill>
-                  <a:schemeClr val="tx1"/>
-                </a:solidFill>
-                <a:latin typeface="+mn-lt"/>
-                <a:ea typeface="+mn-ea"/>
-                <a:cs typeface="+mn-cs"/>
-              </a:defRPr>
-            </a:lvl9pPr>
-          </a:lstStyle>
-          <a:p>
-            <a:pPr marL="0" indent="0">
-              <a:buNone/>
-            </a:pPr>
-            <a:r>
-              <a:rPr lang="fr-FR" sz="1100" b="1" dirty="0">
-                <a:solidFill>
-                  <a:schemeClr val="tx2"/>
-                </a:solidFill>
-              </a:rPr>
-              <a:t>Préparé et Présenté par Daniel  Lawson</a:t>
-            </a:r>
-          </a:p>
-        </p:txBody>
-      </p:sp>
-      <p:sp>
-        <p:nvSpPr>
-          <p:cNvPr id="7" name="Titre 1">
-            <a:extLst>
-              <a:ext uri="{FF2B5EF4-FFF2-40B4-BE49-F238E27FC236}">
-                <a16:creationId xmlns:a16="http://schemas.microsoft.com/office/drawing/2014/main" id="{D122964A-2BA9-92D7-4F45-EFEFCAE30085}"/>
-              </a:ext>
-            </a:extLst>
-          </p:cNvPr>
-          <p:cNvSpPr txBox="1">
-            <a:spLocks/>
-          </p:cNvSpPr>
-          <p:nvPr/>
-        </p:nvSpPr>
-        <p:spPr>
-          <a:xfrm>
-            <a:off x="223520" y="229369"/>
-            <a:ext cx="7680960" cy="446074"/>
-          </a:xfrm>
-          <a:prstGeom prst="rect">
-            <a:avLst/>
-          </a:prstGeom>
-        </p:spPr>
-        <p:txBody>
           <a:bodyPr vert="horz" lIns="91440" tIns="45720" rIns="91440" bIns="45720" rtlCol="0" anchor="ctr">
             <a:noAutofit/>
           </a:bodyPr>
@@ -11663,22 +7658,17 @@
           <a:p>
             <a:r>
               <a:rPr lang="fr-FR" sz="2800" b="1" dirty="0"/>
-              <a:t>Atelier : Découper un monolithe en </a:t>
-            </a:r>
-            <a:r>
-              <a:rPr lang="fr-FR" sz="2800" b="1" dirty="0" err="1"/>
-              <a:t>microservices</a:t>
-            </a:r>
-            <a:endParaRPr lang="fr-FR" sz="2800" b="1" dirty="0"/>
+              <a:t>Dans ce module …</a:t>
+            </a:r>
           </a:p>
         </p:txBody>
       </p:sp>
       <p:cxnSp>
         <p:nvCxnSpPr>
-          <p:cNvPr id="8" name="Connecteur droit 7">
-            <a:extLst>
-              <a:ext uri="{FF2B5EF4-FFF2-40B4-BE49-F238E27FC236}">
-                <a16:creationId xmlns:a16="http://schemas.microsoft.com/office/drawing/2014/main" id="{532989CB-805A-AC94-902B-454502F05937}"/>
+          <p:cNvPr id="5" name="Connecteur droit 4">
+            <a:extLst>
+              <a:ext uri="{FF2B5EF4-FFF2-40B4-BE49-F238E27FC236}">
+                <a16:creationId xmlns:a16="http://schemas.microsoft.com/office/drawing/2014/main" id="{555718AF-B7AD-AAD3-6D4E-C60371FD6A96}"/>
               </a:ext>
             </a:extLst>
           </p:cNvPr>
@@ -11713,141 +7703,266 @@
       </p:cxnSp>
       <p:sp>
         <p:nvSpPr>
-          <p:cNvPr id="9" name="ZoneTexte 8">
-            <a:extLst>
-              <a:ext uri="{FF2B5EF4-FFF2-40B4-BE49-F238E27FC236}">
-                <a16:creationId xmlns:a16="http://schemas.microsoft.com/office/drawing/2014/main" id="{D15A4471-AA2D-82AE-EDE6-DA6191814647}"/>
-              </a:ext>
-            </a:extLst>
-          </p:cNvPr>
-          <p:cNvSpPr txBox="1"/>
+          <p:cNvPr id="6" name="Sous-titre 2">
+            <a:extLst>
+              <a:ext uri="{FF2B5EF4-FFF2-40B4-BE49-F238E27FC236}">
+                <a16:creationId xmlns:a16="http://schemas.microsoft.com/office/drawing/2014/main" id="{02826535-6718-FF2C-7532-A8BEE5D7C409}"/>
+              </a:ext>
+            </a:extLst>
+          </p:cNvPr>
+          <p:cNvSpPr txBox="1">
+            <a:spLocks/>
+          </p:cNvSpPr>
           <p:nvPr/>
         </p:nvSpPr>
         <p:spPr>
           <a:xfrm>
-            <a:off x="223520" y="1072832"/>
-            <a:ext cx="6045200" cy="400110"/>
+            <a:off x="4324350" y="6643878"/>
+            <a:ext cx="2890647" cy="214122"/>
+          </a:xfrm>
+          <a:prstGeom prst="rect">
+            <a:avLst/>
+          </a:prstGeom>
+        </p:spPr>
+        <p:txBody>
+          <a:bodyPr vert="horz" lIns="91440" tIns="45720" rIns="91440" bIns="45720" rtlCol="0">
+            <a:noAutofit/>
+          </a:bodyPr>
+          <a:lstStyle>
+            <a:lvl1pPr marL="228600" indent="-228600" algn="l" defTabSz="914400" rtl="0" eaLnBrk="1" latinLnBrk="0" hangingPunct="1">
+              <a:lnSpc>
+                <a:spcPct val="90000"/>
+              </a:lnSpc>
+              <a:spcBef>
+                <a:spcPts val="1000"/>
+              </a:spcBef>
+              <a:buFont typeface="Arial" panose="020B0604020202020204" pitchFamily="34" charset="0"/>
+              <a:buChar char="•"/>
+              <a:defRPr sz="2800" kern="1200">
+                <a:solidFill>
+                  <a:schemeClr val="tx1"/>
+                </a:solidFill>
+                <a:latin typeface="+mn-lt"/>
+                <a:ea typeface="+mn-ea"/>
+                <a:cs typeface="+mn-cs"/>
+              </a:defRPr>
+            </a:lvl1pPr>
+            <a:lvl2pPr marL="685800" indent="-228600" algn="l" defTabSz="914400" rtl="0" eaLnBrk="1" latinLnBrk="0" hangingPunct="1">
+              <a:lnSpc>
+                <a:spcPct val="90000"/>
+              </a:lnSpc>
+              <a:spcBef>
+                <a:spcPts val="500"/>
+              </a:spcBef>
+              <a:buFont typeface="Arial" panose="020B0604020202020204" pitchFamily="34" charset="0"/>
+              <a:buChar char="•"/>
+              <a:defRPr sz="2400" kern="1200">
+                <a:solidFill>
+                  <a:schemeClr val="tx1"/>
+                </a:solidFill>
+                <a:latin typeface="+mn-lt"/>
+                <a:ea typeface="+mn-ea"/>
+                <a:cs typeface="+mn-cs"/>
+              </a:defRPr>
+            </a:lvl2pPr>
+            <a:lvl3pPr marL="1143000" indent="-228600" algn="l" defTabSz="914400" rtl="0" eaLnBrk="1" latinLnBrk="0" hangingPunct="1">
+              <a:lnSpc>
+                <a:spcPct val="90000"/>
+              </a:lnSpc>
+              <a:spcBef>
+                <a:spcPts val="500"/>
+              </a:spcBef>
+              <a:buFont typeface="Arial" panose="020B0604020202020204" pitchFamily="34" charset="0"/>
+              <a:buChar char="•"/>
+              <a:defRPr sz="2000" kern="1200">
+                <a:solidFill>
+                  <a:schemeClr val="tx1"/>
+                </a:solidFill>
+                <a:latin typeface="+mn-lt"/>
+                <a:ea typeface="+mn-ea"/>
+                <a:cs typeface="+mn-cs"/>
+              </a:defRPr>
+            </a:lvl3pPr>
+            <a:lvl4pPr marL="1600200" indent="-228600" algn="l" defTabSz="914400" rtl="0" eaLnBrk="1" latinLnBrk="0" hangingPunct="1">
+              <a:lnSpc>
+                <a:spcPct val="90000"/>
+              </a:lnSpc>
+              <a:spcBef>
+                <a:spcPts val="500"/>
+              </a:spcBef>
+              <a:buFont typeface="Arial" panose="020B0604020202020204" pitchFamily="34" charset="0"/>
+              <a:buChar char="•"/>
+              <a:defRPr sz="1800" kern="1200">
+                <a:solidFill>
+                  <a:schemeClr val="tx1"/>
+                </a:solidFill>
+                <a:latin typeface="+mn-lt"/>
+                <a:ea typeface="+mn-ea"/>
+                <a:cs typeface="+mn-cs"/>
+              </a:defRPr>
+            </a:lvl4pPr>
+            <a:lvl5pPr marL="2057400" indent="-228600" algn="l" defTabSz="914400" rtl="0" eaLnBrk="1" latinLnBrk="0" hangingPunct="1">
+              <a:lnSpc>
+                <a:spcPct val="90000"/>
+              </a:lnSpc>
+              <a:spcBef>
+                <a:spcPts val="500"/>
+              </a:spcBef>
+              <a:buFont typeface="Arial" panose="020B0604020202020204" pitchFamily="34" charset="0"/>
+              <a:buChar char="•"/>
+              <a:defRPr sz="1800" kern="1200">
+                <a:solidFill>
+                  <a:schemeClr val="tx1"/>
+                </a:solidFill>
+                <a:latin typeface="+mn-lt"/>
+                <a:ea typeface="+mn-ea"/>
+                <a:cs typeface="+mn-cs"/>
+              </a:defRPr>
+            </a:lvl5pPr>
+            <a:lvl6pPr marL="2514600" indent="-228600" algn="l" defTabSz="914400" rtl="0" eaLnBrk="1" latinLnBrk="0" hangingPunct="1">
+              <a:lnSpc>
+                <a:spcPct val="90000"/>
+              </a:lnSpc>
+              <a:spcBef>
+                <a:spcPts val="500"/>
+              </a:spcBef>
+              <a:buFont typeface="Arial" panose="020B0604020202020204" pitchFamily="34" charset="0"/>
+              <a:buChar char="•"/>
+              <a:defRPr sz="1800" kern="1200">
+                <a:solidFill>
+                  <a:schemeClr val="tx1"/>
+                </a:solidFill>
+                <a:latin typeface="+mn-lt"/>
+                <a:ea typeface="+mn-ea"/>
+                <a:cs typeface="+mn-cs"/>
+              </a:defRPr>
+            </a:lvl6pPr>
+            <a:lvl7pPr marL="2971800" indent="-228600" algn="l" defTabSz="914400" rtl="0" eaLnBrk="1" latinLnBrk="0" hangingPunct="1">
+              <a:lnSpc>
+                <a:spcPct val="90000"/>
+              </a:lnSpc>
+              <a:spcBef>
+                <a:spcPts val="500"/>
+              </a:spcBef>
+              <a:buFont typeface="Arial" panose="020B0604020202020204" pitchFamily="34" charset="0"/>
+              <a:buChar char="•"/>
+              <a:defRPr sz="1800" kern="1200">
+                <a:solidFill>
+                  <a:schemeClr val="tx1"/>
+                </a:solidFill>
+                <a:latin typeface="+mn-lt"/>
+                <a:ea typeface="+mn-ea"/>
+                <a:cs typeface="+mn-cs"/>
+              </a:defRPr>
+            </a:lvl7pPr>
+            <a:lvl8pPr marL="3429000" indent="-228600" algn="l" defTabSz="914400" rtl="0" eaLnBrk="1" latinLnBrk="0" hangingPunct="1">
+              <a:lnSpc>
+                <a:spcPct val="90000"/>
+              </a:lnSpc>
+              <a:spcBef>
+                <a:spcPts val="500"/>
+              </a:spcBef>
+              <a:buFont typeface="Arial" panose="020B0604020202020204" pitchFamily="34" charset="0"/>
+              <a:buChar char="•"/>
+              <a:defRPr sz="1800" kern="1200">
+                <a:solidFill>
+                  <a:schemeClr val="tx1"/>
+                </a:solidFill>
+                <a:latin typeface="+mn-lt"/>
+                <a:ea typeface="+mn-ea"/>
+                <a:cs typeface="+mn-cs"/>
+              </a:defRPr>
+            </a:lvl8pPr>
+            <a:lvl9pPr marL="3886200" indent="-228600" algn="l" defTabSz="914400" rtl="0" eaLnBrk="1" latinLnBrk="0" hangingPunct="1">
+              <a:lnSpc>
+                <a:spcPct val="90000"/>
+              </a:lnSpc>
+              <a:spcBef>
+                <a:spcPts val="500"/>
+              </a:spcBef>
+              <a:buFont typeface="Arial" panose="020B0604020202020204" pitchFamily="34" charset="0"/>
+              <a:buChar char="•"/>
+              <a:defRPr sz="1800" kern="1200">
+                <a:solidFill>
+                  <a:schemeClr val="tx1"/>
+                </a:solidFill>
+                <a:latin typeface="+mn-lt"/>
+                <a:ea typeface="+mn-ea"/>
+                <a:cs typeface="+mn-cs"/>
+              </a:defRPr>
+            </a:lvl9pPr>
+          </a:lstStyle>
+          <a:p>
+            <a:pPr marL="0" indent="0">
+              <a:buNone/>
+            </a:pPr>
+            <a:r>
+              <a:rPr lang="fr-FR" sz="1100" b="1">
+                <a:solidFill>
+                  <a:schemeClr val="tx2"/>
+                </a:solidFill>
+              </a:rPr>
+              <a:t>Préparé et Présenté par Daniel  Lawson</a:t>
+            </a:r>
+            <a:endParaRPr lang="fr-FR" sz="1100" b="1" dirty="0">
+              <a:solidFill>
+                <a:schemeClr val="tx2"/>
+              </a:solidFill>
+            </a:endParaRPr>
+          </a:p>
+        </p:txBody>
+      </p:sp>
+      <p:pic>
+        <p:nvPicPr>
+          <p:cNvPr id="1026" name="Picture 2" descr="Flacons, Chimie, Chimique, Expérience">
+            <a:extLst>
+              <a:ext uri="{FF2B5EF4-FFF2-40B4-BE49-F238E27FC236}">
+                <a16:creationId xmlns:a16="http://schemas.microsoft.com/office/drawing/2014/main" id="{891AC83A-3460-B500-E04B-7A13E0314991}"/>
+              </a:ext>
+            </a:extLst>
+          </p:cNvPr>
+          <p:cNvPicPr>
+            <a:picLocks noChangeAspect="1" noChangeArrowheads="1"/>
+          </p:cNvPicPr>
+          <p:nvPr/>
+        </p:nvPicPr>
+        <p:blipFill>
+          <a:blip r:embed="rId2">
+            <a:extLst>
+              <a:ext uri="{28A0092B-C50C-407E-A947-70E740481C1C}">
+                <a14:useLocalDpi xmlns:a14="http://schemas.microsoft.com/office/drawing/2010/main" val="0"/>
+              </a:ext>
+            </a:extLst>
+          </a:blip>
+          <a:srcRect/>
+          <a:stretch>
+            <a:fillRect/>
+          </a:stretch>
+        </p:blipFill>
+        <p:spPr bwMode="auto">
+          <a:xfrm>
+            <a:off x="7214997" y="4155440"/>
+            <a:ext cx="1051964" cy="1083310"/>
           </a:xfrm>
           <a:prstGeom prst="rect">
             <a:avLst/>
           </a:prstGeom>
           <a:noFill/>
+          <a:extLst>
+            <a:ext uri="{909E8E84-426E-40DD-AFC4-6F175D3DCCD1}">
+              <a14:hiddenFill xmlns:a14="http://schemas.microsoft.com/office/drawing/2010/main">
+                <a:solidFill>
+                  <a:srgbClr val="FFFFFF"/>
+                </a:solidFill>
+              </a14:hiddenFill>
+            </a:ext>
+          </a:extLst>
         </p:spPr>
-        <p:txBody>
-          <a:bodyPr wrap="square" rtlCol="0">
-            <a:spAutoFit/>
-          </a:bodyPr>
-          <a:lstStyle/>
-          <a:p>
-            <a:r>
-              <a:rPr lang="fr-FR" sz="2000" b="1" dirty="0"/>
-              <a:t>Modules fonctionnels de l’application monolithe : </a:t>
-            </a:r>
-          </a:p>
-        </p:txBody>
-      </p:sp>
-      <p:sp>
-        <p:nvSpPr>
-          <p:cNvPr id="11" name="ZoneTexte 10">
-            <a:extLst>
-              <a:ext uri="{FF2B5EF4-FFF2-40B4-BE49-F238E27FC236}">
-                <a16:creationId xmlns:a16="http://schemas.microsoft.com/office/drawing/2014/main" id="{A4DA49AF-D8C2-23F8-43E6-82024B6DDBC9}"/>
-              </a:ext>
-            </a:extLst>
-          </p:cNvPr>
-          <p:cNvSpPr txBox="1"/>
-          <p:nvPr/>
-        </p:nvSpPr>
-        <p:spPr>
-          <a:xfrm>
-            <a:off x="223520" y="1678224"/>
-            <a:ext cx="11887200" cy="3693319"/>
-          </a:xfrm>
-          <a:prstGeom prst="rect">
-            <a:avLst/>
-          </a:prstGeom>
-          <a:noFill/>
-        </p:spPr>
-        <p:txBody>
-          <a:bodyPr wrap="square">
-            <a:spAutoFit/>
-          </a:bodyPr>
-          <a:lstStyle/>
-          <a:p>
-            <a:r>
-              <a:rPr lang="fr-FR" b="1" dirty="0"/>
-              <a:t>Livraison et suivi des commandes :</a:t>
-            </a:r>
-          </a:p>
-          <a:p>
-            <a:r>
-              <a:rPr lang="fr-FR" dirty="0"/>
-              <a:t>Suivi en temps réel des commandes (restaurant → livreur → client)</a:t>
-            </a:r>
-          </a:p>
-          <a:p>
-            <a:r>
-              <a:rPr lang="fr-FR" dirty="0"/>
-              <a:t>Calcul automatique des itinéraires pour les livreurs</a:t>
-            </a:r>
-          </a:p>
-          <a:p>
-            <a:r>
-              <a:rPr lang="fr-FR" dirty="0"/>
-              <a:t>Notifications en temps réel pour les clients et les livreurs (via SMS ou application)</a:t>
-            </a:r>
-          </a:p>
-          <a:p>
-            <a:endParaRPr lang="fr-FR" dirty="0"/>
-          </a:p>
-          <a:p>
-            <a:r>
-              <a:rPr lang="fr-FR" b="1" dirty="0"/>
-              <a:t>Système de notation et avis :</a:t>
-            </a:r>
-          </a:p>
-          <a:p>
-            <a:r>
-              <a:rPr lang="fr-FR" dirty="0"/>
-              <a:t>Système de notation des restaurants et des livreurs par les clients</a:t>
-            </a:r>
-          </a:p>
-          <a:p>
-            <a:r>
-              <a:rPr lang="fr-FR" dirty="0"/>
-              <a:t>Gestion des avis clients (commentaires, évaluations)</a:t>
-            </a:r>
-          </a:p>
-          <a:p>
-            <a:endParaRPr lang="fr-FR" dirty="0"/>
-          </a:p>
-          <a:p>
-            <a:r>
-              <a:rPr lang="fr-FR" b="1" dirty="0"/>
-              <a:t>Promotions et réductions :</a:t>
-            </a:r>
-          </a:p>
-          <a:p>
-            <a:r>
-              <a:rPr lang="fr-FR" dirty="0"/>
-              <a:t>Gestion des codes promotionnels</a:t>
-            </a:r>
-          </a:p>
-          <a:p>
-            <a:r>
-              <a:rPr lang="fr-FR" dirty="0"/>
-              <a:t>Application automatique des réductions en fonction des conditions (restaurants participants, montants, etc.)</a:t>
-            </a:r>
-          </a:p>
-          <a:p>
-            <a:endParaRPr lang="fr-FR" dirty="0"/>
-          </a:p>
-        </p:txBody>
-      </p:sp>
+      </p:pic>
     </p:spTree>
     <p:extLst>
       <p:ext uri="{BB962C8B-B14F-4D97-AF65-F5344CB8AC3E}">
-        <p14:creationId xmlns:p14="http://schemas.microsoft.com/office/powerpoint/2010/main" val="2650891039"/>
+        <p14:creationId xmlns:p14="http://schemas.microsoft.com/office/powerpoint/2010/main" val="1603475869"/>
       </p:ext>
     </p:extLst>
   </p:cSld>
@@ -14928,335 +11043,6 @@
   <p:tag name="SLIDO_PRESENTATION_ID" val="00000000-0000-0000-0000-000000000000"/>
   <p:tag name="SLIDO_EVENT_UUID" val="b71ed9fd-604a-4b2c-9ed4-e6fa2e98c9e6"/>
   <p:tag name="SLIDO_EVENT_SECTION_UUID" val="8a4036a7-68d3-4547-a9df-f623b7852a9e"/>
-</p:tagLst>
-</file>
-
-<file path=ppt/tags/tag10.xml><?xml version="1.0" encoding="utf-8"?>
-<p:tagLst xmlns:a="http://schemas.openxmlformats.org/drawingml/2006/main" xmlns:r="http://schemas.openxmlformats.org/officeDocument/2006/relationships" xmlns:p="http://schemas.openxmlformats.org/presentationml/2006/main">
-  <p:tag name="SLIDO_ELEMENT" val="reminder"/>
-</p:tagLst>
-</file>
-
-<file path=ppt/tags/tag11.xml><?xml version="1.0" encoding="utf-8"?>
-<p:tagLst xmlns:a="http://schemas.openxmlformats.org/drawingml/2006/main" xmlns:r="http://schemas.openxmlformats.org/officeDocument/2006/relationships" xmlns:p="http://schemas.openxmlformats.org/presentationml/2006/main">
-  <p:tag name="SLIDO_ELEMENT" val="dotty"/>
-</p:tagLst>
-</file>
-
-<file path=ppt/tags/tag12.xml><?xml version="1.0" encoding="utf-8"?>
-<p:tagLst xmlns:a="http://schemas.openxmlformats.org/drawingml/2006/main" xmlns:r="http://schemas.openxmlformats.org/officeDocument/2006/relationships" xmlns:p="http://schemas.openxmlformats.org/presentationml/2006/main">
-  <p:tag name="SLIDO_ELEMENT" val="logo"/>
-</p:tagLst>
-</file>
-
-<file path=ppt/tags/tag13.xml><?xml version="1.0" encoding="utf-8"?>
-<p:tagLst xmlns:a="http://schemas.openxmlformats.org/drawingml/2006/main" xmlns:r="http://schemas.openxmlformats.org/officeDocument/2006/relationships" xmlns:p="http://schemas.openxmlformats.org/presentationml/2006/main">
-  <p:tag name="SLIDO_ELEMENT" val="interaction_image"/>
-  <p:tag name="INTERACTION_TYPE" val="Quiz"/>
-</p:tagLst>
-</file>
-
-<file path=ppt/tags/tag14.xml><?xml version="1.0" encoding="utf-8"?>
-<p:tagLst xmlns:a="http://schemas.openxmlformats.org/drawingml/2006/main" xmlns:r="http://schemas.openxmlformats.org/officeDocument/2006/relationships" xmlns:p="http://schemas.openxmlformats.org/presentationml/2006/main">
-  <p:tag name="SLIDO_ELEMENT" val="title"/>
-</p:tagLst>
-</file>
-
-<file path=ppt/tags/tag15.xml><?xml version="1.0" encoding="utf-8"?>
-<p:tagLst xmlns:a="http://schemas.openxmlformats.org/drawingml/2006/main" xmlns:r="http://schemas.openxmlformats.org/officeDocument/2006/relationships" xmlns:p="http://schemas.openxmlformats.org/presentationml/2006/main">
-  <p:tag name="SLIDO_ELEMENT" val="footer"/>
-</p:tagLst>
-</file>
-
-<file path=ppt/tags/tag16.xml><?xml version="1.0" encoding="utf-8"?>
-<p:tagLst xmlns:a="http://schemas.openxmlformats.org/drawingml/2006/main" xmlns:r="http://schemas.openxmlformats.org/officeDocument/2006/relationships" xmlns:p="http://schemas.openxmlformats.org/presentationml/2006/main">
-  <p:tag name="SLIDO_METADATA" val="eyJUaW1lc3RhbXAiOjE3MjcwNzcyMjZ9"/>
-  <p:tag name="SLIDO_TYPE" val="SlidoPoll"/>
-  <p:tag name="SLIDO_POLL_UUID" val="ac262b76-55bd-4ea9-bfb4-9f13f66dd8b7"/>
-  <p:tag name="SLIDO_POLL_QUESTION_UUID" val="1b1e2948-19c8-4cad-b1da-bcc6f44d92dc"/>
-  <p:tag name="SLIDO_TIMELINE" val="W3sicG9sbFF1ZXN0aW9uVXVpZCI6IjFiMWUyOTQ4LTE5YzgtNGNhZC1iMWRhLWJjYzZmNDRkOTJkYyIsInNob3dSZXN1bHRzIjpmYWxzZSwic2hvd0NvcnJlY3RBbnN3ZXJzIjpmYWxzZSwidm90aW5nTG9ja2VkIjpmYWxzZX0seyJwb2xsUXVlc3Rpb25VdWlkIjoiMWIxZTI5NDgtMTljOC00Y2FkLWIxZGEtYmNjNmY0NGQ5MmRjIiwic2hvd1Jlc3VsdHMiOnRydWUsInNob3dDb3JyZWN0QW5zd2VycyI6ZmFsc2UsInZvdGluZ0xvY2tlZCI6dHJ1ZX0seyJwb2xsUXVlc3Rpb25VdWlkIjoiMWIxZTI5NDgtMTljOC00Y2FkLWIxZGEtYmNjNmY0NGQ5MmRjIiwic2hvd1Jlc3VsdHMiOnRydWUsInNob3dDb3JyZWN0QW5zd2VycyI6dHJ1ZSwidm90aW5nTG9ja2VkIjp0cnVlfV0="/>
-</p:tagLst>
-</file>
-
-<file path=ppt/tags/tag17.xml><?xml version="1.0" encoding="utf-8"?>
-<p:tagLst xmlns:a="http://schemas.openxmlformats.org/drawingml/2006/main" xmlns:r="http://schemas.openxmlformats.org/officeDocument/2006/relationships" xmlns:p="http://schemas.openxmlformats.org/presentationml/2006/main">
-  <p:tag name="SLIDO_ELEMENT" val="reminder"/>
-</p:tagLst>
-</file>
-
-<file path=ppt/tags/tag18.xml><?xml version="1.0" encoding="utf-8"?>
-<p:tagLst xmlns:a="http://schemas.openxmlformats.org/drawingml/2006/main" xmlns:r="http://schemas.openxmlformats.org/officeDocument/2006/relationships" xmlns:p="http://schemas.openxmlformats.org/presentationml/2006/main">
-  <p:tag name="SLIDO_ELEMENT" val="dotty"/>
-</p:tagLst>
-</file>
-
-<file path=ppt/tags/tag19.xml><?xml version="1.0" encoding="utf-8"?>
-<p:tagLst xmlns:a="http://schemas.openxmlformats.org/drawingml/2006/main" xmlns:r="http://schemas.openxmlformats.org/officeDocument/2006/relationships" xmlns:p="http://schemas.openxmlformats.org/presentationml/2006/main">
-  <p:tag name="SLIDO_ELEMENT" val="logo"/>
-</p:tagLst>
-</file>
-
-<file path=ppt/tags/tag2.xml><?xml version="1.0" encoding="utf-8"?>
-<p:tagLst xmlns:a="http://schemas.openxmlformats.org/drawingml/2006/main" xmlns:r="http://schemas.openxmlformats.org/officeDocument/2006/relationships" xmlns:p="http://schemas.openxmlformats.org/presentationml/2006/main">
-  <p:tag name="SLIDO_METADATA" val="eyJUaW1lc3RhbXAiOjE3MjcwNzcyMjZ9"/>
-  <p:tag name="SLIDO_TYPE" val="SlidoPoll"/>
-  <p:tag name="SLIDO_POLL_UUID" val="ac262b76-55bd-4ea9-bfb4-9f13f66dd8b7"/>
-  <p:tag name="SLIDO_POLL_QUESTION_UUID" val="f4d60df6-d77c-4050-80f5-f82eea279c42"/>
-  <p:tag name="SLIDO_TIMELINE" val="W3sic2NyZWVuIjoiUXVpekpvaW5pbmciLCJzaG93UmVzdWx0cyI6ZmFsc2UsInNob3dDb3JyZWN0QW5zd2VycyI6ZmFsc2UsInZvdGluZ0xvY2tlZCI6ZmFsc2V9LHsicG9sbFF1ZXN0aW9uVXVpZCI6ImY0ZDYwZGY2LWQ3N2MtNDA1MC04MGY1LWY4MmVlYTI3OWM0MiIsInNob3dSZXN1bHRzIjpmYWxzZSwic2hvd0NvcnJlY3RBbnN3ZXJzIjpmYWxzZSwidm90aW5nTG9ja2VkIjpmYWxzZX0seyJwb2xsUXVlc3Rpb25VdWlkIjoiZjRkNjBkZjYtZDc3Yy00MDUwLTgwZjUtZjgyZWVhMjc5YzQyIiwic2hvd1Jlc3VsdHMiOnRydWUsInNob3dDb3JyZWN0QW5zd2VycyI6ZmFsc2UsInZvdGluZ0xvY2tlZCI6dHJ1ZX0seyJwb2xsUXVlc3Rpb25VdWlkIjoiZjRkNjBkZjYtZDc3Yy00MDUwLTgwZjUtZjgyZWVhMjc5YzQyIiwic2hvd1Jlc3VsdHMiOnRydWUsInNob3dDb3JyZWN0QW5zd2VycyI6dHJ1ZSwidm90aW5nTG9ja2VkIjp0cnVlfV0="/>
-</p:tagLst>
-</file>
-
-<file path=ppt/tags/tag20.xml><?xml version="1.0" encoding="utf-8"?>
-<p:tagLst xmlns:a="http://schemas.openxmlformats.org/drawingml/2006/main" xmlns:r="http://schemas.openxmlformats.org/officeDocument/2006/relationships" xmlns:p="http://schemas.openxmlformats.org/presentationml/2006/main">
-  <p:tag name="SLIDO_ELEMENT" val="interaction_image"/>
-  <p:tag name="INTERACTION_TYPE" val="Quiz"/>
-</p:tagLst>
-</file>
-
-<file path=ppt/tags/tag21.xml><?xml version="1.0" encoding="utf-8"?>
-<p:tagLst xmlns:a="http://schemas.openxmlformats.org/drawingml/2006/main" xmlns:r="http://schemas.openxmlformats.org/officeDocument/2006/relationships" xmlns:p="http://schemas.openxmlformats.org/presentationml/2006/main">
-  <p:tag name="SLIDO_ELEMENT" val="title"/>
-</p:tagLst>
-</file>
-
-<file path=ppt/tags/tag22.xml><?xml version="1.0" encoding="utf-8"?>
-<p:tagLst xmlns:a="http://schemas.openxmlformats.org/drawingml/2006/main" xmlns:r="http://schemas.openxmlformats.org/officeDocument/2006/relationships" xmlns:p="http://schemas.openxmlformats.org/presentationml/2006/main">
-  <p:tag name="SLIDO_ELEMENT" val="footer"/>
-</p:tagLst>
-</file>
-
-<file path=ppt/tags/tag23.xml><?xml version="1.0" encoding="utf-8"?>
-<p:tagLst xmlns:a="http://schemas.openxmlformats.org/drawingml/2006/main" xmlns:r="http://schemas.openxmlformats.org/officeDocument/2006/relationships" xmlns:p="http://schemas.openxmlformats.org/presentationml/2006/main">
-  <p:tag name="SLIDO_METADATA" val="eyJUaW1lc3RhbXAiOjE3MjcwNzcyMjZ9"/>
-  <p:tag name="SLIDO_TYPE" val="SlidoPoll"/>
-  <p:tag name="SLIDO_POLL_UUID" val="ac262b76-55bd-4ea9-bfb4-9f13f66dd8b7"/>
-  <p:tag name="SLIDO_POLL_QUESTION_UUID" val="83164306-14a9-4b23-b5b9-a275f33b2d84"/>
-  <p:tag name="SLIDO_TIMELINE" val="W3sicG9sbFF1ZXN0aW9uVXVpZCI6IjgzMTY0MzA2LTE0YTktNGIyMy1iNWI5LWEyNzVmMzNiMmQ4NCIsInNob3dSZXN1bHRzIjpmYWxzZSwic2hvd0NvcnJlY3RBbnN3ZXJzIjpmYWxzZSwidm90aW5nTG9ja2VkIjpmYWxzZX0seyJwb2xsUXVlc3Rpb25VdWlkIjoiODMxNjQzMDYtMTRhOS00YjIzLWI1YjktYTI3NWYzM2IyZDg0Iiwic2hvd1Jlc3VsdHMiOnRydWUsInNob3dDb3JyZWN0QW5zd2VycyI6ZmFsc2UsInZvdGluZ0xvY2tlZCI6dHJ1ZX0seyJwb2xsUXVlc3Rpb25VdWlkIjoiODMxNjQzMDYtMTRhOS00YjIzLWI1YjktYTI3NWYzM2IyZDg0Iiwic2hvd1Jlc3VsdHMiOnRydWUsInNob3dDb3JyZWN0QW5zd2VycyI6dHJ1ZSwidm90aW5nTG9ja2VkIjp0cnVlfV0="/>
-</p:tagLst>
-</file>
-
-<file path=ppt/tags/tag24.xml><?xml version="1.0" encoding="utf-8"?>
-<p:tagLst xmlns:a="http://schemas.openxmlformats.org/drawingml/2006/main" xmlns:r="http://schemas.openxmlformats.org/officeDocument/2006/relationships" xmlns:p="http://schemas.openxmlformats.org/presentationml/2006/main">
-  <p:tag name="SLIDO_ELEMENT" val="reminder"/>
-</p:tagLst>
-</file>
-
-<file path=ppt/tags/tag25.xml><?xml version="1.0" encoding="utf-8"?>
-<p:tagLst xmlns:a="http://schemas.openxmlformats.org/drawingml/2006/main" xmlns:r="http://schemas.openxmlformats.org/officeDocument/2006/relationships" xmlns:p="http://schemas.openxmlformats.org/presentationml/2006/main">
-  <p:tag name="SLIDO_ELEMENT" val="dotty"/>
-</p:tagLst>
-</file>
-
-<file path=ppt/tags/tag26.xml><?xml version="1.0" encoding="utf-8"?>
-<p:tagLst xmlns:a="http://schemas.openxmlformats.org/drawingml/2006/main" xmlns:r="http://schemas.openxmlformats.org/officeDocument/2006/relationships" xmlns:p="http://schemas.openxmlformats.org/presentationml/2006/main">
-  <p:tag name="SLIDO_ELEMENT" val="logo"/>
-</p:tagLst>
-</file>
-
-<file path=ppt/tags/tag27.xml><?xml version="1.0" encoding="utf-8"?>
-<p:tagLst xmlns:a="http://schemas.openxmlformats.org/drawingml/2006/main" xmlns:r="http://schemas.openxmlformats.org/officeDocument/2006/relationships" xmlns:p="http://schemas.openxmlformats.org/presentationml/2006/main">
-  <p:tag name="SLIDO_ELEMENT" val="interaction_image"/>
-  <p:tag name="INTERACTION_TYPE" val="Quiz"/>
-</p:tagLst>
-</file>
-
-<file path=ppt/tags/tag28.xml><?xml version="1.0" encoding="utf-8"?>
-<p:tagLst xmlns:a="http://schemas.openxmlformats.org/drawingml/2006/main" xmlns:r="http://schemas.openxmlformats.org/officeDocument/2006/relationships" xmlns:p="http://schemas.openxmlformats.org/presentationml/2006/main">
-  <p:tag name="SLIDO_ELEMENT" val="title"/>
-</p:tagLst>
-</file>
-
-<file path=ppt/tags/tag29.xml><?xml version="1.0" encoding="utf-8"?>
-<p:tagLst xmlns:a="http://schemas.openxmlformats.org/drawingml/2006/main" xmlns:r="http://schemas.openxmlformats.org/officeDocument/2006/relationships" xmlns:p="http://schemas.openxmlformats.org/presentationml/2006/main">
-  <p:tag name="SLIDO_ELEMENT" val="footer"/>
-</p:tagLst>
-</file>
-
-<file path=ppt/tags/tag3.xml><?xml version="1.0" encoding="utf-8"?>
-<p:tagLst xmlns:a="http://schemas.openxmlformats.org/drawingml/2006/main" xmlns:r="http://schemas.openxmlformats.org/officeDocument/2006/relationships" xmlns:p="http://schemas.openxmlformats.org/presentationml/2006/main">
-  <p:tag name="SLIDO_ELEMENT" val="reminder"/>
-</p:tagLst>
-</file>
-
-<file path=ppt/tags/tag30.xml><?xml version="1.0" encoding="utf-8"?>
-<p:tagLst xmlns:a="http://schemas.openxmlformats.org/drawingml/2006/main" xmlns:r="http://schemas.openxmlformats.org/officeDocument/2006/relationships" xmlns:p="http://schemas.openxmlformats.org/presentationml/2006/main">
-  <p:tag name="SLIDO_METADATA" val="eyJUaW1lc3RhbXAiOjE3MjcwNzcyMjd9"/>
-  <p:tag name="SLIDO_TYPE" val="SlidoPoll"/>
-  <p:tag name="SLIDO_POLL_UUID" val="ac262b76-55bd-4ea9-bfb4-9f13f66dd8b7"/>
-  <p:tag name="SLIDO_POLL_QUESTION_UUID" val="43ed1d94-592a-4525-b62e-aeb028473f84"/>
-  <p:tag name="SLIDO_TIMELINE" val="W3sicG9sbFF1ZXN0aW9uVXVpZCI6IjQzZWQxZDk0LTU5MmEtNDUyNS1iNjJlLWFlYjAyODQ3M2Y4NCIsInNob3dSZXN1bHRzIjpmYWxzZSwic2hvd0NvcnJlY3RBbnN3ZXJzIjpmYWxzZSwidm90aW5nTG9ja2VkIjpmYWxzZX0seyJwb2xsUXVlc3Rpb25VdWlkIjoiNDNlZDFkOTQtNTkyYS00NTI1LWI2MmUtYWViMDI4NDczZjg0Iiwic2hvd1Jlc3VsdHMiOnRydWUsInNob3dDb3JyZWN0QW5zd2VycyI6ZmFsc2UsInZvdGluZ0xvY2tlZCI6dHJ1ZX0seyJwb2xsUXVlc3Rpb25VdWlkIjoiNDNlZDFkOTQtNTkyYS00NTI1LWI2MmUtYWViMDI4NDczZjg0Iiwic2hvd1Jlc3VsdHMiOnRydWUsInNob3dDb3JyZWN0QW5zd2VycyI6dHJ1ZSwidm90aW5nTG9ja2VkIjp0cnVlfV0="/>
-</p:tagLst>
-</file>
-
-<file path=ppt/tags/tag31.xml><?xml version="1.0" encoding="utf-8"?>
-<p:tagLst xmlns:a="http://schemas.openxmlformats.org/drawingml/2006/main" xmlns:r="http://schemas.openxmlformats.org/officeDocument/2006/relationships" xmlns:p="http://schemas.openxmlformats.org/presentationml/2006/main">
-  <p:tag name="SLIDO_ELEMENT" val="reminder"/>
-</p:tagLst>
-</file>
-
-<file path=ppt/tags/tag32.xml><?xml version="1.0" encoding="utf-8"?>
-<p:tagLst xmlns:a="http://schemas.openxmlformats.org/drawingml/2006/main" xmlns:r="http://schemas.openxmlformats.org/officeDocument/2006/relationships" xmlns:p="http://schemas.openxmlformats.org/presentationml/2006/main">
-  <p:tag name="SLIDO_ELEMENT" val="dotty"/>
-</p:tagLst>
-</file>
-
-<file path=ppt/tags/tag33.xml><?xml version="1.0" encoding="utf-8"?>
-<p:tagLst xmlns:a="http://schemas.openxmlformats.org/drawingml/2006/main" xmlns:r="http://schemas.openxmlformats.org/officeDocument/2006/relationships" xmlns:p="http://schemas.openxmlformats.org/presentationml/2006/main">
-  <p:tag name="SLIDO_ELEMENT" val="logo"/>
-</p:tagLst>
-</file>
-
-<file path=ppt/tags/tag34.xml><?xml version="1.0" encoding="utf-8"?>
-<p:tagLst xmlns:a="http://schemas.openxmlformats.org/drawingml/2006/main" xmlns:r="http://schemas.openxmlformats.org/officeDocument/2006/relationships" xmlns:p="http://schemas.openxmlformats.org/presentationml/2006/main">
-  <p:tag name="SLIDO_ELEMENT" val="interaction_image"/>
-  <p:tag name="INTERACTION_TYPE" val="Quiz"/>
-</p:tagLst>
-</file>
-
-<file path=ppt/tags/tag35.xml><?xml version="1.0" encoding="utf-8"?>
-<p:tagLst xmlns:a="http://schemas.openxmlformats.org/drawingml/2006/main" xmlns:r="http://schemas.openxmlformats.org/officeDocument/2006/relationships" xmlns:p="http://schemas.openxmlformats.org/presentationml/2006/main">
-  <p:tag name="SLIDO_ELEMENT" val="title"/>
-</p:tagLst>
-</file>
-
-<file path=ppt/tags/tag36.xml><?xml version="1.0" encoding="utf-8"?>
-<p:tagLst xmlns:a="http://schemas.openxmlformats.org/drawingml/2006/main" xmlns:r="http://schemas.openxmlformats.org/officeDocument/2006/relationships" xmlns:p="http://schemas.openxmlformats.org/presentationml/2006/main">
-  <p:tag name="SLIDO_ELEMENT" val="footer"/>
-</p:tagLst>
-</file>
-
-<file path=ppt/tags/tag37.xml><?xml version="1.0" encoding="utf-8"?>
-<p:tagLst xmlns:a="http://schemas.openxmlformats.org/drawingml/2006/main" xmlns:r="http://schemas.openxmlformats.org/officeDocument/2006/relationships" xmlns:p="http://schemas.openxmlformats.org/presentationml/2006/main">
-  <p:tag name="SLIDO_METADATA" val="eyJUaW1lc3RhbXAiOjE3MjcwNzcyMjd9"/>
-  <p:tag name="SLIDO_TYPE" val="SlidoPoll"/>
-  <p:tag name="SLIDO_POLL_UUID" val="ac262b76-55bd-4ea9-bfb4-9f13f66dd8b7"/>
-  <p:tag name="SLIDO_POLL_QUESTION_UUID" val="58743f7b-5ba8-4e99-98c4-0cd516f0f767"/>
-  <p:tag name="SLIDO_TIMELINE" val="W3sicG9sbFF1ZXN0aW9uVXVpZCI6IjU4NzQzZjdiLTViYTgtNGU5OS05OGM0LTBjZDUxNmYwZjc2NyIsInNob3dSZXN1bHRzIjpmYWxzZSwic2hvd0NvcnJlY3RBbnN3ZXJzIjpmYWxzZSwidm90aW5nTG9ja2VkIjpmYWxzZX0seyJwb2xsUXVlc3Rpb25VdWlkIjoiNTg3NDNmN2ItNWJhOC00ZTk5LTk4YzQtMGNkNTE2ZjBmNzY3Iiwic2hvd1Jlc3VsdHMiOnRydWUsInNob3dDb3JyZWN0QW5zd2VycyI6ZmFsc2UsInZvdGluZ0xvY2tlZCI6dHJ1ZX0seyJwb2xsUXVlc3Rpb25VdWlkIjoiNTg3NDNmN2ItNWJhOC00ZTk5LTk4YzQtMGNkNTE2ZjBmNzY3Iiwic2hvd1Jlc3VsdHMiOnRydWUsInNob3dDb3JyZWN0QW5zd2VycyI6dHJ1ZSwidm90aW5nTG9ja2VkIjp0cnVlfV0="/>
-</p:tagLst>
-</file>
-
-<file path=ppt/tags/tag38.xml><?xml version="1.0" encoding="utf-8"?>
-<p:tagLst xmlns:a="http://schemas.openxmlformats.org/drawingml/2006/main" xmlns:r="http://schemas.openxmlformats.org/officeDocument/2006/relationships" xmlns:p="http://schemas.openxmlformats.org/presentationml/2006/main">
-  <p:tag name="SLIDO_ELEMENT" val="reminder"/>
-</p:tagLst>
-</file>
-
-<file path=ppt/tags/tag39.xml><?xml version="1.0" encoding="utf-8"?>
-<p:tagLst xmlns:a="http://schemas.openxmlformats.org/drawingml/2006/main" xmlns:r="http://schemas.openxmlformats.org/officeDocument/2006/relationships" xmlns:p="http://schemas.openxmlformats.org/presentationml/2006/main">
-  <p:tag name="SLIDO_ELEMENT" val="dotty"/>
-</p:tagLst>
-</file>
-
-<file path=ppt/tags/tag4.xml><?xml version="1.0" encoding="utf-8"?>
-<p:tagLst xmlns:a="http://schemas.openxmlformats.org/drawingml/2006/main" xmlns:r="http://schemas.openxmlformats.org/officeDocument/2006/relationships" xmlns:p="http://schemas.openxmlformats.org/presentationml/2006/main">
-  <p:tag name="SLIDO_ELEMENT" val="dotty"/>
-</p:tagLst>
-</file>
-
-<file path=ppt/tags/tag40.xml><?xml version="1.0" encoding="utf-8"?>
-<p:tagLst xmlns:a="http://schemas.openxmlformats.org/drawingml/2006/main" xmlns:r="http://schemas.openxmlformats.org/officeDocument/2006/relationships" xmlns:p="http://schemas.openxmlformats.org/presentationml/2006/main">
-  <p:tag name="SLIDO_ELEMENT" val="logo"/>
-</p:tagLst>
-</file>
-
-<file path=ppt/tags/tag41.xml><?xml version="1.0" encoding="utf-8"?>
-<p:tagLst xmlns:a="http://schemas.openxmlformats.org/drawingml/2006/main" xmlns:r="http://schemas.openxmlformats.org/officeDocument/2006/relationships" xmlns:p="http://schemas.openxmlformats.org/presentationml/2006/main">
-  <p:tag name="SLIDO_ELEMENT" val="interaction_image"/>
-  <p:tag name="INTERACTION_TYPE" val="Quiz"/>
-</p:tagLst>
-</file>
-
-<file path=ppt/tags/tag42.xml><?xml version="1.0" encoding="utf-8"?>
-<p:tagLst xmlns:a="http://schemas.openxmlformats.org/drawingml/2006/main" xmlns:r="http://schemas.openxmlformats.org/officeDocument/2006/relationships" xmlns:p="http://schemas.openxmlformats.org/presentationml/2006/main">
-  <p:tag name="SLIDO_ELEMENT" val="title"/>
-</p:tagLst>
-</file>
-
-<file path=ppt/tags/tag43.xml><?xml version="1.0" encoding="utf-8"?>
-<p:tagLst xmlns:a="http://schemas.openxmlformats.org/drawingml/2006/main" xmlns:r="http://schemas.openxmlformats.org/officeDocument/2006/relationships" xmlns:p="http://schemas.openxmlformats.org/presentationml/2006/main">
-  <p:tag name="SLIDO_ELEMENT" val="footer"/>
-</p:tagLst>
-</file>
-
-<file path=ppt/tags/tag44.xml><?xml version="1.0" encoding="utf-8"?>
-<p:tagLst xmlns:a="http://schemas.openxmlformats.org/drawingml/2006/main" xmlns:r="http://schemas.openxmlformats.org/officeDocument/2006/relationships" xmlns:p="http://schemas.openxmlformats.org/presentationml/2006/main">
-  <p:tag name="SLIDO_METADATA" val="eyJUaW1lc3RhbXAiOjE3MjcwNzcyMjd9"/>
-  <p:tag name="SLIDO_TYPE" val="SlidoPoll"/>
-  <p:tag name="SLIDO_POLL_UUID" val="ac262b76-55bd-4ea9-bfb4-9f13f66dd8b7"/>
-  <p:tag name="SLIDO_POLL_QUESTION_UUID" val="beb7face-4903-4678-9855-741b5e503280"/>
-  <p:tag name="SLIDO_TIMELINE" val="W3sicG9sbFF1ZXN0aW9uVXVpZCI6ImJlYjdmYWNlLTQ5MDMtNDY3OC05ODU1LTc0MWI1ZTUwMzI4MCIsInNob3dSZXN1bHRzIjpmYWxzZSwic2hvd0NvcnJlY3RBbnN3ZXJzIjpmYWxzZSwidm90aW5nTG9ja2VkIjpmYWxzZX0seyJwb2xsUXVlc3Rpb25VdWlkIjoiYmViN2ZhY2UtNDkwMy00Njc4LTk4NTUtNzQxYjVlNTAzMjgwIiwic2hvd1Jlc3VsdHMiOnRydWUsInNob3dDb3JyZWN0QW5zd2VycyI6ZmFsc2UsInZvdGluZ0xvY2tlZCI6dHJ1ZX0seyJwb2xsUXVlc3Rpb25VdWlkIjoiYmViN2ZhY2UtNDkwMy00Njc4LTk4NTUtNzQxYjVlNTAzMjgwIiwic2hvd1Jlc3VsdHMiOnRydWUsInNob3dDb3JyZWN0QW5zd2VycyI6dHJ1ZSwidm90aW5nTG9ja2VkIjp0cnVlfSx7InNjcmVlbiI6IlF1aXpMZWFkZXJib2FyZCIsInBvbGxRdWVzdGlvblV1aWQiOiJiZWI3ZmFjZS00OTAzLTQ2NzgtOTg1NS03NDFiNWU1MDMyODAiLCJzaG93UmVzdWx0cyI6dHJ1ZSwic2hvd0NvcnJlY3RBbnN3ZXJzIjp0cnVlLCJ2b3RpbmdMb2NrZWQiOnRydWV9XQ=="/>
-</p:tagLst>
-</file>
-
-<file path=ppt/tags/tag45.xml><?xml version="1.0" encoding="utf-8"?>
-<p:tagLst xmlns:a="http://schemas.openxmlformats.org/drawingml/2006/main" xmlns:r="http://schemas.openxmlformats.org/officeDocument/2006/relationships" xmlns:p="http://schemas.openxmlformats.org/presentationml/2006/main">
-  <p:tag name="SLIDO_ELEMENT" val="reminder"/>
-</p:tagLst>
-</file>
-
-<file path=ppt/tags/tag46.xml><?xml version="1.0" encoding="utf-8"?>
-<p:tagLst xmlns:a="http://schemas.openxmlformats.org/drawingml/2006/main" xmlns:r="http://schemas.openxmlformats.org/officeDocument/2006/relationships" xmlns:p="http://schemas.openxmlformats.org/presentationml/2006/main">
-  <p:tag name="SLIDO_ELEMENT" val="dotty"/>
-</p:tagLst>
-</file>
-
-<file path=ppt/tags/tag47.xml><?xml version="1.0" encoding="utf-8"?>
-<p:tagLst xmlns:a="http://schemas.openxmlformats.org/drawingml/2006/main" xmlns:r="http://schemas.openxmlformats.org/officeDocument/2006/relationships" xmlns:p="http://schemas.openxmlformats.org/presentationml/2006/main">
-  <p:tag name="SLIDO_ELEMENT" val="logo"/>
-</p:tagLst>
-</file>
-
-<file path=ppt/tags/tag48.xml><?xml version="1.0" encoding="utf-8"?>
-<p:tagLst xmlns:a="http://schemas.openxmlformats.org/drawingml/2006/main" xmlns:r="http://schemas.openxmlformats.org/officeDocument/2006/relationships" xmlns:p="http://schemas.openxmlformats.org/presentationml/2006/main">
-  <p:tag name="SLIDO_ELEMENT" val="interaction_image"/>
-  <p:tag name="INTERACTION_TYPE" val="Quiz"/>
-</p:tagLst>
-</file>
-
-<file path=ppt/tags/tag49.xml><?xml version="1.0" encoding="utf-8"?>
-<p:tagLst xmlns:a="http://schemas.openxmlformats.org/drawingml/2006/main" xmlns:r="http://schemas.openxmlformats.org/officeDocument/2006/relationships" xmlns:p="http://schemas.openxmlformats.org/presentationml/2006/main">
-  <p:tag name="SLIDO_ELEMENT" val="title"/>
-</p:tagLst>
-</file>
-
-<file path=ppt/tags/tag5.xml><?xml version="1.0" encoding="utf-8"?>
-<p:tagLst xmlns:a="http://schemas.openxmlformats.org/drawingml/2006/main" xmlns:r="http://schemas.openxmlformats.org/officeDocument/2006/relationships" xmlns:p="http://schemas.openxmlformats.org/presentationml/2006/main">
-  <p:tag name="SLIDO_ELEMENT" val="logo"/>
-</p:tagLst>
-</file>
-
-<file path=ppt/tags/tag50.xml><?xml version="1.0" encoding="utf-8"?>
-<p:tagLst xmlns:a="http://schemas.openxmlformats.org/drawingml/2006/main" xmlns:r="http://schemas.openxmlformats.org/officeDocument/2006/relationships" xmlns:p="http://schemas.openxmlformats.org/presentationml/2006/main">
-  <p:tag name="SLIDO_ELEMENT" val="footer"/>
-</p:tagLst>
-</file>
-
-<file path=ppt/tags/tag6.xml><?xml version="1.0" encoding="utf-8"?>
-<p:tagLst xmlns:a="http://schemas.openxmlformats.org/drawingml/2006/main" xmlns:r="http://schemas.openxmlformats.org/officeDocument/2006/relationships" xmlns:p="http://schemas.openxmlformats.org/presentationml/2006/main">
-  <p:tag name="SLIDO_ELEMENT" val="interaction_image"/>
-  <p:tag name="INTERACTION_TYPE" val="Quiz"/>
-</p:tagLst>
-</file>
-
-<file path=ppt/tags/tag7.xml><?xml version="1.0" encoding="utf-8"?>
-<p:tagLst xmlns:a="http://schemas.openxmlformats.org/drawingml/2006/main" xmlns:r="http://schemas.openxmlformats.org/officeDocument/2006/relationships" xmlns:p="http://schemas.openxmlformats.org/presentationml/2006/main">
-  <p:tag name="SLIDO_ELEMENT" val="title"/>
-</p:tagLst>
-</file>
-
-<file path=ppt/tags/tag8.xml><?xml version="1.0" encoding="utf-8"?>
-<p:tagLst xmlns:a="http://schemas.openxmlformats.org/drawingml/2006/main" xmlns:r="http://schemas.openxmlformats.org/officeDocument/2006/relationships" xmlns:p="http://schemas.openxmlformats.org/presentationml/2006/main">
-  <p:tag name="SLIDO_ELEMENT" val="footer"/>
-</p:tagLst>
-</file>
-
-<file path=ppt/tags/tag9.xml><?xml version="1.0" encoding="utf-8"?>
-<p:tagLst xmlns:a="http://schemas.openxmlformats.org/drawingml/2006/main" xmlns:r="http://schemas.openxmlformats.org/officeDocument/2006/relationships" xmlns:p="http://schemas.openxmlformats.org/presentationml/2006/main">
-  <p:tag name="SLIDO_METADATA" val="eyJUaW1lc3RhbXAiOjE3MjcwNzcyMjZ9"/>
-  <p:tag name="SLIDO_TYPE" val="SlidoPoll"/>
-  <p:tag name="SLIDO_POLL_UUID" val="ac262b76-55bd-4ea9-bfb4-9f13f66dd8b7"/>
-  <p:tag name="SLIDO_POLL_QUESTION_UUID" val="54c272a1-61e9-4090-b3e1-2f02d5cb97d0"/>
-  <p:tag name="SLIDO_TIMELINE" val="W3sicG9sbFF1ZXN0aW9uVXVpZCI6IjU0YzI3MmExLTYxZTktNDA5MC1iM2UxLTJmMDJkNWNiOTdkMCIsInNob3dSZXN1bHRzIjpmYWxzZSwic2hvd0NvcnJlY3RBbnN3ZXJzIjpmYWxzZSwidm90aW5nTG9ja2VkIjpmYWxzZX0seyJwb2xsUXVlc3Rpb25VdWlkIjoiNTRjMjcyYTEtNjFlOS00MDkwLWIzZTEtMmYwMmQ1Y2I5N2QwIiwic2hvd1Jlc3VsdHMiOnRydWUsInNob3dDb3JyZWN0QW5zd2VycyI6ZmFsc2UsInZvdGluZ0xvY2tlZCI6dHJ1ZX0seyJwb2xsUXVlc3Rpb25VdWlkIjoiNTRjMjcyYTEtNjFlOS00MDkwLWIzZTEtMmYwMmQ1Y2I5N2QwIiwic2hvd1Jlc3VsdHMiOnRydWUsInNob3dDb3JyZWN0QW5zd2VycyI6dHJ1ZSwidm90aW5nTG9ja2VkIjp0cnVlfV0="/>
 </p:tagLst>
 </file>
 

--- a/Mod-2_Conception-des-microservices/Mod-2_Conception-des-microservices.pptx
+++ b/Mod-2_Conception-des-microservices/Mod-2_Conception-des-microservices.pptx
@@ -5,7 +5,7 @@
     <p:sldMasterId id="2147483648" r:id="rId1"/>
   </p:sldMasterIdLst>
   <p:notesMasterIdLst>
-    <p:notesMasterId r:id="rId18"/>
+    <p:notesMasterId r:id="rId25"/>
   </p:notesMasterIdLst>
   <p:sldIdLst>
     <p:sldId id="256" r:id="rId2"/>
@@ -20,15 +20,22 @@
     <p:sldId id="285" r:id="rId11"/>
     <p:sldId id="281" r:id="rId12"/>
     <p:sldId id="286" r:id="rId13"/>
-    <p:sldId id="280" r:id="rId14"/>
-    <p:sldId id="277" r:id="rId15"/>
-    <p:sldId id="282" r:id="rId16"/>
-    <p:sldId id="273" r:id="rId17"/>
+    <p:sldId id="273" r:id="rId14"/>
+    <p:sldId id="287" r:id="rId15"/>
+    <p:sldId id="288" r:id="rId16"/>
+    <p:sldId id="289" r:id="rId17"/>
+    <p:sldId id="290" r:id="rId18"/>
+    <p:sldId id="291" r:id="rId19"/>
+    <p:sldId id="292" r:id="rId20"/>
+    <p:sldId id="293" r:id="rId21"/>
+    <p:sldId id="280" r:id="rId22"/>
+    <p:sldId id="277" r:id="rId23"/>
+    <p:sldId id="282" r:id="rId24"/>
   </p:sldIdLst>
   <p:sldSz cx="12192000" cy="6858000"/>
   <p:notesSz cx="6858000" cy="9144000"/>
   <p:custDataLst>
-    <p:tags r:id="rId19"/>
+    <p:tags r:id="rId26"/>
   </p:custDataLst>
   <p:defaultTextStyle>
     <a:defPPr>
@@ -145,14 +152,22 @@
           </p14:sldIdLst>
         </p14:section>
         <p14:section name="Quizz" id="{F4E9CED8-1E9B-47D7-946E-33A2F9CEB376}">
-          <p14:sldIdLst/>
+          <p14:sldIdLst>
+            <p14:sldId id="273"/>
+            <p14:sldId id="287"/>
+            <p14:sldId id="288"/>
+            <p14:sldId id="289"/>
+            <p14:sldId id="290"/>
+            <p14:sldId id="291"/>
+            <p14:sldId id="292"/>
+            <p14:sldId id="293"/>
+          </p14:sldIdLst>
         </p14:section>
         <p14:section name="Lab" id="{E0E5D6CF-D763-439F-8C69-E0CFBC15270E}">
           <p14:sldIdLst>
             <p14:sldId id="280"/>
             <p14:sldId id="277"/>
             <p14:sldId id="282"/>
-            <p14:sldId id="273"/>
           </p14:sldIdLst>
         </p14:section>
       </p14:sectionLst>
@@ -246,7 +261,7 @@
           <a:p>
             <a:fld id="{C5834006-E224-4B15-ACB2-C4D17A322463}" type="datetimeFigureOut">
               <a:rPr lang="fr-FR" smtClean="0"/>
-              <a:t>23/09/2024</a:t>
+              <a:t>14/10/2024</a:t>
             </a:fld>
             <a:endParaRPr lang="fr-FR"/>
           </a:p>
@@ -1097,7 +1112,7 @@
     </p:spTree>
     <p:extLst>
       <p:ext uri="{BB962C8B-B14F-4D97-AF65-F5344CB8AC3E}">
-        <p14:creationId xmlns:p14="http://schemas.microsoft.com/office/powerpoint/2010/main" val="1266876340"/>
+        <p14:creationId xmlns:p14="http://schemas.microsoft.com/office/powerpoint/2010/main" val="1741468182"/>
       </p:ext>
     </p:extLst>
   </p:cSld>
@@ -1172,7 +1187,7 @@
           <a:p>
             <a:fld id="{29446431-D0D5-4BC1-9605-93B358FA0494}" type="slidenum">
               <a:rPr lang="fr-FR" smtClean="0"/>
-              <a:t>16</a:t>
+              <a:t>21</a:t>
             </a:fld>
             <a:endParaRPr lang="fr-FR"/>
           </a:p>
@@ -1181,7 +1196,7 @@
     </p:spTree>
     <p:extLst>
       <p:ext uri="{BB962C8B-B14F-4D97-AF65-F5344CB8AC3E}">
-        <p14:creationId xmlns:p14="http://schemas.microsoft.com/office/powerpoint/2010/main" val="1741468182"/>
+        <p14:creationId xmlns:p14="http://schemas.microsoft.com/office/powerpoint/2010/main" val="1266876340"/>
       </p:ext>
     </p:extLst>
   </p:cSld>
@@ -1338,7 +1353,7 @@
           <a:p>
             <a:fld id="{B849485F-7AC7-41DC-A304-1A6CA201155A}" type="datetimeFigureOut">
               <a:rPr lang="fr-FR" smtClean="0"/>
-              <a:t>23/09/2024</a:t>
+              <a:t>14/10/2024</a:t>
             </a:fld>
             <a:endParaRPr lang="fr-FR"/>
           </a:p>
@@ -1536,7 +1551,7 @@
           <a:p>
             <a:fld id="{B849485F-7AC7-41DC-A304-1A6CA201155A}" type="datetimeFigureOut">
               <a:rPr lang="fr-FR" smtClean="0"/>
-              <a:t>23/09/2024</a:t>
+              <a:t>14/10/2024</a:t>
             </a:fld>
             <a:endParaRPr lang="fr-FR"/>
           </a:p>
@@ -1744,7 +1759,7 @@
           <a:p>
             <a:fld id="{B849485F-7AC7-41DC-A304-1A6CA201155A}" type="datetimeFigureOut">
               <a:rPr lang="fr-FR" smtClean="0"/>
-              <a:t>23/09/2024</a:t>
+              <a:t>14/10/2024</a:t>
             </a:fld>
             <a:endParaRPr lang="fr-FR"/>
           </a:p>
@@ -1942,7 +1957,7 @@
           <a:p>
             <a:fld id="{B849485F-7AC7-41DC-A304-1A6CA201155A}" type="datetimeFigureOut">
               <a:rPr lang="fr-FR" smtClean="0"/>
-              <a:t>23/09/2024</a:t>
+              <a:t>14/10/2024</a:t>
             </a:fld>
             <a:endParaRPr lang="fr-FR"/>
           </a:p>
@@ -2217,7 +2232,7 @@
           <a:p>
             <a:fld id="{B849485F-7AC7-41DC-A304-1A6CA201155A}" type="datetimeFigureOut">
               <a:rPr lang="fr-FR" smtClean="0"/>
-              <a:t>23/09/2024</a:t>
+              <a:t>14/10/2024</a:t>
             </a:fld>
             <a:endParaRPr lang="fr-FR"/>
           </a:p>
@@ -2482,7 +2497,7 @@
           <a:p>
             <a:fld id="{B849485F-7AC7-41DC-A304-1A6CA201155A}" type="datetimeFigureOut">
               <a:rPr lang="fr-FR" smtClean="0"/>
-              <a:t>23/09/2024</a:t>
+              <a:t>14/10/2024</a:t>
             </a:fld>
             <a:endParaRPr lang="fr-FR"/>
           </a:p>
@@ -2894,7 +2909,7 @@
           <a:p>
             <a:fld id="{B849485F-7AC7-41DC-A304-1A6CA201155A}" type="datetimeFigureOut">
               <a:rPr lang="fr-FR" smtClean="0"/>
-              <a:t>23/09/2024</a:t>
+              <a:t>14/10/2024</a:t>
             </a:fld>
             <a:endParaRPr lang="fr-FR"/>
           </a:p>
@@ -3035,7 +3050,7 @@
           <a:p>
             <a:fld id="{B849485F-7AC7-41DC-A304-1A6CA201155A}" type="datetimeFigureOut">
               <a:rPr lang="fr-FR" smtClean="0"/>
-              <a:t>23/09/2024</a:t>
+              <a:t>14/10/2024</a:t>
             </a:fld>
             <a:endParaRPr lang="fr-FR"/>
           </a:p>
@@ -3148,7 +3163,7 @@
           <a:p>
             <a:fld id="{B849485F-7AC7-41DC-A304-1A6CA201155A}" type="datetimeFigureOut">
               <a:rPr lang="fr-FR" smtClean="0"/>
-              <a:t>23/09/2024</a:t>
+              <a:t>14/10/2024</a:t>
             </a:fld>
             <a:endParaRPr lang="fr-FR"/>
           </a:p>
@@ -3459,7 +3474,7 @@
           <a:p>
             <a:fld id="{B849485F-7AC7-41DC-A304-1A6CA201155A}" type="datetimeFigureOut">
               <a:rPr lang="fr-FR" smtClean="0"/>
-              <a:t>23/09/2024</a:t>
+              <a:t>14/10/2024</a:t>
             </a:fld>
             <a:endParaRPr lang="fr-FR"/>
           </a:p>
@@ -3747,7 +3762,7 @@
           <a:p>
             <a:fld id="{B849485F-7AC7-41DC-A304-1A6CA201155A}" type="datetimeFigureOut">
               <a:rPr lang="fr-FR" smtClean="0"/>
-              <a:t>23/09/2024</a:t>
+              <a:t>14/10/2024</a:t>
             </a:fld>
             <a:endParaRPr lang="fr-FR"/>
           </a:p>
@@ -3988,7 +4003,7 @@
           <a:p>
             <a:fld id="{B849485F-7AC7-41DC-A304-1A6CA201155A}" type="datetimeFigureOut">
               <a:rPr lang="fr-FR" smtClean="0"/>
-              <a:t>23/09/2024</a:t>
+              <a:t>14/10/2024</a:t>
             </a:fld>
             <a:endParaRPr lang="fr-FR"/>
           </a:p>
@@ -4471,7 +4486,7 @@
           <a:p>
             <a:pPr algn="l"/>
             <a:r>
-              <a:rPr lang="fr-FR" sz="4500" b="1" dirty="0" err="1">
+              <a:rPr lang="fr-FR" sz="4500" b="1" dirty="0">
                 <a:solidFill>
                   <a:schemeClr val="tx2"/>
                 </a:solidFill>
@@ -4479,12 +4494,6 @@
               </a:rPr>
               <a:t>Microservices</a:t>
             </a:r>
-            <a:endParaRPr lang="fr-FR" sz="4500" b="1" dirty="0">
-              <a:solidFill>
-                <a:schemeClr val="tx2"/>
-              </a:solidFill>
-              <a:latin typeface="Lora" pitchFamily="2" charset="0"/>
-            </a:endParaRPr>
           </a:p>
         </p:txBody>
       </p:sp>
@@ -4562,23 +4571,8 @@
                 </a:solidFill>
                 <a:latin typeface="Lora" pitchFamily="2" charset="0"/>
               </a:rPr>
-              <a:t>Module 2: Conception des </a:t>
-            </a:r>
-            <a:r>
-              <a:rPr lang="fr-FR" sz="2400" b="1" dirty="0" err="1">
-                <a:solidFill>
-                  <a:schemeClr val="tx2"/>
-                </a:solidFill>
-                <a:latin typeface="Lora" pitchFamily="2" charset="0"/>
-              </a:rPr>
-              <a:t>microservices</a:t>
-            </a:r>
-            <a:endParaRPr lang="fr-FR" sz="2400" b="1" dirty="0">
-              <a:solidFill>
-                <a:schemeClr val="tx2"/>
-              </a:solidFill>
-              <a:latin typeface="Lora" pitchFamily="2" charset="0"/>
-            </a:endParaRPr>
+              <a:t>Module 2: Conception des microservices</a:t>
+            </a:r>
           </a:p>
         </p:txBody>
       </p:sp>
@@ -4648,15 +4642,7 @@
             </a:pPr>
             <a:r>
               <a:rPr lang="fr-FR" sz="2000" dirty="0"/>
-              <a:t>Une pratique courante dans la conception d’architecture </a:t>
-            </a:r>
-            <a:r>
-              <a:rPr lang="fr-FR" sz="2000" dirty="0" err="1"/>
-              <a:t>microservices</a:t>
-            </a:r>
-            <a:r>
-              <a:rPr lang="fr-FR" sz="2000" dirty="0"/>
-              <a:t> est de </a:t>
+              <a:t>Une pratique courante dans la conception d’architecture microservices est de </a:t>
             </a:r>
             <a:r>
               <a:rPr lang="fr-FR" sz="2000" b="1" dirty="0"/>
@@ -4684,15 +4670,7 @@
             </a:pPr>
             <a:r>
               <a:rPr lang="fr-FR" sz="2000" dirty="0"/>
-              <a:t>Toute création de nouveau </a:t>
-            </a:r>
-            <a:r>
-              <a:rPr lang="fr-FR" sz="2000" dirty="0" err="1"/>
-              <a:t>microservice</a:t>
-            </a:r>
-            <a:r>
-              <a:rPr lang="fr-FR" sz="2000" dirty="0"/>
-              <a:t> part donc de ce modèle.</a:t>
+              <a:t>Toute création de nouveau microservice part donc de ce modèle.</a:t>
             </a:r>
           </a:p>
           <a:p>
@@ -4821,15 +4799,7 @@
             </a:pPr>
             <a:r>
               <a:rPr lang="fr-FR" sz="2800" b="1" dirty="0"/>
-              <a:t>Conception des </a:t>
-            </a:r>
-            <a:r>
-              <a:rPr lang="fr-FR" sz="2800" b="1" dirty="0" err="1"/>
-              <a:t>microservices</a:t>
-            </a:r>
-            <a:r>
-              <a:rPr lang="fr-FR" sz="2800" b="1" dirty="0"/>
-              <a:t> : Les </a:t>
+              <a:t>Conception des microservices : Les </a:t>
             </a:r>
             <a:r>
               <a:rPr lang="fr-FR" sz="2800" b="1" dirty="0" err="1"/>
@@ -5519,15 +5489,7 @@
             </a:pPr>
             <a:r>
               <a:rPr lang="fr-FR" sz="2200" dirty="0"/>
-              <a:t>Maintenant que nous avons compris les </a:t>
-            </a:r>
-            <a:r>
-              <a:rPr lang="fr-FR" sz="2200" dirty="0" err="1"/>
-              <a:t>microservices</a:t>
-            </a:r>
-            <a:r>
-              <a:rPr lang="fr-FR" sz="2200" dirty="0"/>
-              <a:t>, comment découper notre application monolithe ?</a:t>
+              <a:t>Maintenant que nous avons compris les microservices, comment découper notre application monolithe ?</a:t>
             </a:r>
           </a:p>
           <a:p>
@@ -5964,10 +5926,10 @@
       </p:grpSpPr>
       <p:sp>
         <p:nvSpPr>
-          <p:cNvPr id="3" name="Espace réservé du contenu 2">
-            <a:extLst>
-              <a:ext uri="{FF2B5EF4-FFF2-40B4-BE49-F238E27FC236}">
-                <a16:creationId xmlns:a16="http://schemas.microsoft.com/office/drawing/2014/main" id="{5D1598F1-3F5E-181B-29E7-26081FFE38F7}"/>
+          <p:cNvPr id="4" name="Titre 1">
+            <a:extLst>
+              <a:ext uri="{FF2B5EF4-FFF2-40B4-BE49-F238E27FC236}">
+                <a16:creationId xmlns:a16="http://schemas.microsoft.com/office/drawing/2014/main" id="{0BBD490F-0135-83AC-A1D0-18C01882B938}"/>
               </a:ext>
             </a:extLst>
           </p:cNvPr>
@@ -5975,13 +5937,13 @@
             <a:spLocks noGrp="1"/>
           </p:cNvSpPr>
           <p:nvPr>
-            <p:ph idx="1"/>
+            <p:ph type="title"/>
           </p:nvPr>
         </p:nvSpPr>
         <p:spPr>
           <a:xfrm>
-            <a:off x="223520" y="1059656"/>
-            <a:ext cx="5872479" cy="5160163"/>
+            <a:off x="2681714" y="2713346"/>
+            <a:ext cx="6828572" cy="1128713"/>
           </a:xfrm>
         </p:spPr>
         <p:txBody>
@@ -5990,64 +5952,3433 @@
           </a:bodyPr>
           <a:lstStyle/>
           <a:p>
-            <a:pPr marL="0" indent="0">
-              <a:lnSpc>
-                <a:spcPct val="200000"/>
-              </a:lnSpc>
-              <a:buNone/>
+            <a:pPr algn="ctr"/>
+            <a:r>
+              <a:rPr lang="fr-FR" sz="4100" b="1" dirty="0">
+                <a:solidFill>
+                  <a:schemeClr val="tx2"/>
+                </a:solidFill>
+                <a:latin typeface="Lora" pitchFamily="2" charset="0"/>
+              </a:rPr>
+              <a:t>Contrôle de connaissances</a:t>
+            </a:r>
+          </a:p>
+        </p:txBody>
+      </p:sp>
+    </p:spTree>
+    <p:extLst>
+      <p:ext uri="{BB962C8B-B14F-4D97-AF65-F5344CB8AC3E}">
+        <p14:creationId xmlns:p14="http://schemas.microsoft.com/office/powerpoint/2010/main" val="1610341630"/>
+      </p:ext>
+    </p:extLst>
+  </p:cSld>
+  <p:clrMapOvr>
+    <a:masterClrMapping/>
+  </p:clrMapOvr>
+</p:sld>
+</file>
+
+<file path=ppt/slides/slide14.xml><?xml version="1.0" encoding="utf-8"?>
+<p:sld xmlns:a="http://schemas.openxmlformats.org/drawingml/2006/main" xmlns:r="http://schemas.openxmlformats.org/officeDocument/2006/relationships" xmlns:p="http://schemas.openxmlformats.org/presentationml/2006/main" showMasterSp="0">
+  <p:cSld>
+    <p:bg>
+      <p:bgPr>
+        <a:solidFill>
+          <a:srgbClr val="FFFFFF"/>
+        </a:solidFill>
+        <a:effectLst/>
+      </p:bgPr>
+    </p:bg>
+    <p:spTree>
+      <p:nvGrpSpPr>
+        <p:cNvPr id="1" name=""/>
+        <p:cNvGrpSpPr/>
+        <p:nvPr/>
+      </p:nvGrpSpPr>
+      <p:grpSpPr>
+        <a:xfrm>
+          <a:off x="0" y="0"/>
+          <a:ext cx="0" cy="0"/>
+          <a:chOff x="0" y="0"/>
+          <a:chExt cx="0" cy="0"/>
+        </a:xfrm>
+      </p:grpSpPr>
+      <p:sp>
+        <p:nvSpPr>
+          <p:cNvPr id="2" name="Rectangle : coins arrondis 1">
+            <a:extLst>
+              <a:ext uri="{FF2B5EF4-FFF2-40B4-BE49-F238E27FC236}">
+                <a16:creationId xmlns:a16="http://schemas.microsoft.com/office/drawing/2014/main" id="{60CB7320-AD62-5EAF-DF48-5110C079D630}"/>
+              </a:ext>
+            </a:extLst>
+          </p:cNvPr>
+          <p:cNvSpPr/>
+          <p:nvPr>
+            <p:custDataLst>
+              <p:tags r:id="rId2"/>
+            </p:custDataLst>
+          </p:nvPr>
+        </p:nvSpPr>
+        <p:spPr>
+          <a:xfrm>
+            <a:off x="6286500" y="430530"/>
+            <a:ext cx="5524500" cy="891540"/>
+          </a:xfrm>
+          <a:prstGeom prst="roundRect">
+            <a:avLst/>
+          </a:prstGeom>
+          <a:solidFill>
+            <a:srgbClr val="F4F4F4"/>
+          </a:solidFill>
+          <a:ln w="19050" cap="flat" cmpd="sng" algn="ctr">
+            <a:noFill/>
+            <a:prstDash val="solid"/>
+            <a:miter lim="800000"/>
+          </a:ln>
+          <a:effectLst/>
+          <a:extLst>
+            <a:ext uri="{91240B29-F687-4F45-9708-019B960494DF}">
+              <a14:hiddenLine xmlns:a14="http://schemas.microsoft.com/office/drawing/2010/main" w="19050" cap="flat" cmpd="sng" algn="ctr">
+                <a:solidFill>
+                  <a:schemeClr val="accent1">
+                    <a:shade val="15000"/>
+                  </a:schemeClr>
+                </a:solidFill>
+                <a:prstDash val="solid"/>
+                <a:miter lim="800000"/>
+              </a14:hiddenLine>
+            </a:ext>
+          </a:extLst>
+        </p:spPr>
+        <p:style>
+          <a:lnRef idx="2">
+            <a:schemeClr val="accent1">
+              <a:shade val="15000"/>
+            </a:schemeClr>
+          </a:lnRef>
+          <a:fillRef idx="1">
+            <a:schemeClr val="accent1"/>
+          </a:fillRef>
+          <a:effectRef idx="0">
+            <a:schemeClr val="accent1"/>
+          </a:effectRef>
+          <a:fontRef idx="minor">
+            <a:schemeClr val="lt1"/>
+          </a:fontRef>
+        </p:style>
+        <p:txBody>
+          <a:bodyPr lIns="317500" rIns="1143000" rtlCol="0" anchor="ctr">
+            <a:normAutofit/>
+          </a:bodyPr>
+          <a:lstStyle/>
+          <a:p>
+            <a:r>
+              <a:rPr lang="en-US" sz="2000">
+                <a:solidFill>
+                  <a:srgbClr val="5B5B5B"/>
+                </a:solidFill>
+              </a:rPr>
+              <a:t>Please download and install the Slido app on all computers you use</a:t>
+            </a:r>
+            <a:endParaRPr lang="fr-FR" sz="2000">
+              <a:solidFill>
+                <a:srgbClr val="5B5B5B"/>
+              </a:solidFill>
+            </a:endParaRPr>
+          </a:p>
+        </p:txBody>
+      </p:sp>
+      <p:pic>
+        <p:nvPicPr>
+          <p:cNvPr id="4" name="Graphique 3">
+            <a:extLst>
+              <a:ext uri="{FF2B5EF4-FFF2-40B4-BE49-F238E27FC236}">
+                <a16:creationId xmlns:a16="http://schemas.microsoft.com/office/drawing/2014/main" id="{5187F3FD-FFA6-84F4-55D0-4C4C9D2C8C1A}"/>
+              </a:ext>
+            </a:extLst>
+          </p:cNvPr>
+          <p:cNvPicPr>
+            <a:picLocks/>
+          </p:cNvPicPr>
+          <p:nvPr>
+            <p:custDataLst>
+              <p:tags r:id="rId3"/>
+            </p:custDataLst>
+          </p:nvPr>
+        </p:nvPicPr>
+        <p:blipFill>
+          <a:blip r:embed="rId9">
+            <a:extLst>
+              <a:ext uri="{96DAC541-7B7A-43D3-8B79-37D633B846F1}">
+                <asvg:svgBlip xmlns:asvg="http://schemas.microsoft.com/office/drawing/2016/SVG/main" r:embed="rId10"/>
+              </a:ext>
+            </a:extLst>
+          </a:blip>
+          <a:stretch>
+            <a:fillRect/>
+          </a:stretch>
+        </p:blipFill>
+        <p:spPr>
+          <a:xfrm>
+            <a:off x="10826048" y="577634"/>
+            <a:ext cx="597332" cy="597332"/>
+          </a:xfrm>
+          <a:prstGeom prst="rect">
+            <a:avLst/>
+          </a:prstGeom>
+        </p:spPr>
+      </p:pic>
+      <p:pic>
+        <p:nvPicPr>
+          <p:cNvPr id="6" name="Graphique 5">
+            <a:extLst>
+              <a:ext uri="{FF2B5EF4-FFF2-40B4-BE49-F238E27FC236}">
+                <a16:creationId xmlns:a16="http://schemas.microsoft.com/office/drawing/2014/main" id="{A5678D6A-851B-EC50-CD8C-ECAB86FE3E41}"/>
+              </a:ext>
+            </a:extLst>
+          </p:cNvPr>
+          <p:cNvPicPr>
+            <a:picLocks/>
+          </p:cNvPicPr>
+          <p:nvPr>
+            <p:custDataLst>
+              <p:tags r:id="rId4"/>
+            </p:custDataLst>
+          </p:nvPr>
+        </p:nvPicPr>
+        <p:blipFill>
+          <a:blip r:embed="rId11">
+            <a:extLst>
+              <a:ext uri="{96DAC541-7B7A-43D3-8B79-37D633B846F1}">
+                <asvg:svgBlip xmlns:asvg="http://schemas.microsoft.com/office/drawing/2016/SVG/main" r:embed="rId12"/>
+              </a:ext>
+            </a:extLst>
+          </a:blip>
+          <a:stretch>
+            <a:fillRect/>
+          </a:stretch>
+        </p:blipFill>
+        <p:spPr>
+          <a:xfrm>
+            <a:off x="3901440" y="617220"/>
+            <a:ext cx="1036320" cy="518160"/>
+          </a:xfrm>
+          <a:prstGeom prst="rect">
+            <a:avLst/>
+          </a:prstGeom>
+        </p:spPr>
+      </p:pic>
+      <p:pic>
+        <p:nvPicPr>
+          <p:cNvPr id="8" name="Graphique 7">
+            <a:extLst>
+              <a:ext uri="{FF2B5EF4-FFF2-40B4-BE49-F238E27FC236}">
+                <a16:creationId xmlns:a16="http://schemas.microsoft.com/office/drawing/2014/main" id="{CD756865-EBF8-45E9-CCF2-EF6AD4D48B36}"/>
+              </a:ext>
+            </a:extLst>
+          </p:cNvPr>
+          <p:cNvPicPr>
+            <a:picLocks/>
+          </p:cNvPicPr>
+          <p:nvPr>
+            <p:custDataLst>
+              <p:tags r:id="rId5"/>
+            </p:custDataLst>
+          </p:nvPr>
+        </p:nvPicPr>
+        <p:blipFill>
+          <a:blip r:embed="rId13">
+            <a:extLst>
+              <a:ext uri="{96DAC541-7B7A-43D3-8B79-37D633B846F1}">
+                <asvg:svgBlip xmlns:asvg="http://schemas.microsoft.com/office/drawing/2016/SVG/main" r:embed="rId14"/>
+              </a:ext>
+            </a:extLst>
+          </a:blip>
+          <a:stretch>
+            <a:fillRect/>
+          </a:stretch>
+        </p:blipFill>
+        <p:spPr>
+          <a:xfrm>
+            <a:off x="1158240" y="2270760"/>
+            <a:ext cx="2316480" cy="2316480"/>
+          </a:xfrm>
+          <a:prstGeom prst="rect">
+            <a:avLst/>
+          </a:prstGeom>
+        </p:spPr>
+      </p:pic>
+      <p:sp>
+        <p:nvSpPr>
+          <p:cNvPr id="9" name="Rectangle 8">
+            <a:extLst>
+              <a:ext uri="{FF2B5EF4-FFF2-40B4-BE49-F238E27FC236}">
+                <a16:creationId xmlns:a16="http://schemas.microsoft.com/office/drawing/2014/main" id="{5FAD2035-5687-35D9-4985-B187DED3C635}"/>
+              </a:ext>
+            </a:extLst>
+          </p:cNvPr>
+          <p:cNvSpPr/>
+          <p:nvPr>
+            <p:custDataLst>
+              <p:tags r:id="rId6"/>
+            </p:custDataLst>
+          </p:nvPr>
+        </p:nvSpPr>
+        <p:spPr>
+          <a:xfrm>
+            <a:off x="3901440" y="2571750"/>
+            <a:ext cx="7315199" cy="1714500"/>
+          </a:xfrm>
+          <a:prstGeom prst="rect">
+            <a:avLst/>
+          </a:prstGeom>
+          <a:noFill/>
+          <a:ln w="19050" cap="flat" cmpd="sng" algn="ctr">
+            <a:solidFill>
+              <a:srgbClr val="FFFFFF"/>
+            </a:solidFill>
+            <a:prstDash val="solid"/>
+            <a:miter lim="800000"/>
+          </a:ln>
+          <a:effectLst/>
+          <a:extLst>
+            <a:ext uri="{909E8E84-426E-40DD-AFC4-6F175D3DCCD1}">
+              <a14:hiddenFill xmlns:a14="http://schemas.microsoft.com/office/drawing/2010/main">
+                <a:solidFill>
+                  <a:schemeClr val="accent1"/>
+                </a:solidFill>
+              </a14:hiddenFill>
+            </a:ext>
+          </a:extLst>
+        </p:spPr>
+        <p:style>
+          <a:lnRef idx="2">
+            <a:schemeClr val="accent1">
+              <a:shade val="15000"/>
+            </a:schemeClr>
+          </a:lnRef>
+          <a:fillRef idx="1">
+            <a:schemeClr val="accent1"/>
+          </a:fillRef>
+          <a:effectRef idx="0">
+            <a:schemeClr val="accent1"/>
+          </a:effectRef>
+          <a:fontRef idx="minor">
+            <a:schemeClr val="lt1"/>
+          </a:fontRef>
+        </p:style>
+        <p:txBody>
+          <a:bodyPr rtlCol="0" anchor="ctr"/>
+          <a:lstStyle/>
+          <a:p>
+            <a:r>
+              <a:rPr lang="fr-FR" sz="4000" b="1">
+                <a:solidFill>
+                  <a:srgbClr val="5B5B5B"/>
+                </a:solidFill>
+              </a:rPr>
+              <a:t>Le "Bounded Context" dans le DDD permet de : (SELECTIONNER DEUX PROPOSITIONS)</a:t>
+            </a:r>
+          </a:p>
+        </p:txBody>
+      </p:sp>
+      <p:sp>
+        <p:nvSpPr>
+          <p:cNvPr id="10" name="Rectangle 9">
+            <a:extLst>
+              <a:ext uri="{FF2B5EF4-FFF2-40B4-BE49-F238E27FC236}">
+                <a16:creationId xmlns:a16="http://schemas.microsoft.com/office/drawing/2014/main" id="{7C0D1A81-85A5-2B3A-3401-835C52B580A1}"/>
+              </a:ext>
+            </a:extLst>
+          </p:cNvPr>
+          <p:cNvSpPr/>
+          <p:nvPr>
+            <p:custDataLst>
+              <p:tags r:id="rId7"/>
+            </p:custDataLst>
+          </p:nvPr>
+        </p:nvSpPr>
+        <p:spPr>
+          <a:xfrm>
+            <a:off x="3901440" y="6032500"/>
+            <a:ext cx="7315199" cy="518160"/>
+          </a:xfrm>
+          <a:prstGeom prst="rect">
+            <a:avLst/>
+          </a:prstGeom>
+          <a:noFill/>
+          <a:ln w="19050" cap="flat" cmpd="sng" algn="ctr">
+            <a:noFill/>
+            <a:prstDash val="solid"/>
+            <a:miter lim="800000"/>
+          </a:ln>
+          <a:effectLst/>
+          <a:extLst>
+            <a:ext uri="{909E8E84-426E-40DD-AFC4-6F175D3DCCD1}">
+              <a14:hiddenFill xmlns:a14="http://schemas.microsoft.com/office/drawing/2010/main">
+                <a:solidFill>
+                  <a:schemeClr val="accent1"/>
+                </a:solidFill>
+              </a14:hiddenFill>
+            </a:ext>
+            <a:ext uri="{91240B29-F687-4F45-9708-019B960494DF}">
+              <a14:hiddenLine xmlns:a14="http://schemas.microsoft.com/office/drawing/2010/main" w="19050" cap="flat" cmpd="sng" algn="ctr">
+                <a:solidFill>
+                  <a:schemeClr val="accent1">
+                    <a:shade val="15000"/>
+                  </a:schemeClr>
+                </a:solidFill>
+                <a:prstDash val="solid"/>
+                <a:miter lim="800000"/>
+              </a14:hiddenLine>
+            </a:ext>
+          </a:extLst>
+        </p:spPr>
+        <p:style>
+          <a:lnRef idx="2">
+            <a:schemeClr val="accent1">
+              <a:shade val="15000"/>
+            </a:schemeClr>
+          </a:lnRef>
+          <a:fillRef idx="1">
+            <a:schemeClr val="accent1"/>
+          </a:fillRef>
+          <a:effectRef idx="0">
+            <a:schemeClr val="accent1"/>
+          </a:effectRef>
+          <a:fontRef idx="minor">
+            <a:schemeClr val="lt1"/>
+          </a:fontRef>
+        </p:style>
+        <p:txBody>
+          <a:bodyPr rtlCol="0" anchor="ctr">
+            <a:normAutofit/>
+          </a:bodyPr>
+          <a:lstStyle/>
+          <a:p>
+            <a:r>
+              <a:rPr lang="en-US" sz="2200" b="1">
+                <a:solidFill>
+                  <a:srgbClr val="5B5B5B"/>
+                </a:solidFill>
+              </a:rPr>
+              <a:t>ⓘ</a:t>
+            </a:r>
+            <a:r>
+              <a:rPr lang="en-US" sz="2000">
+                <a:solidFill>
+                  <a:srgbClr val="5B5B5B"/>
+                </a:solidFill>
+              </a:rPr>
+              <a:t> Start presenting to display the poll results on this slide.</a:t>
+            </a:r>
+            <a:endParaRPr lang="fr-FR" sz="2000">
+              <a:solidFill>
+                <a:srgbClr val="5B5B5B"/>
+              </a:solidFill>
+            </a:endParaRPr>
+          </a:p>
+        </p:txBody>
+      </p:sp>
+    </p:spTree>
+    <p:custDataLst>
+      <p:tags r:id="rId1"/>
+    </p:custDataLst>
+    <p:extLst>
+      <p:ext uri="{BB962C8B-B14F-4D97-AF65-F5344CB8AC3E}">
+        <p14:creationId xmlns:p14="http://schemas.microsoft.com/office/powerpoint/2010/main" val="3531974573"/>
+      </p:ext>
+    </p:extLst>
+  </p:cSld>
+  <p:clrMapOvr>
+    <a:masterClrMapping/>
+  </p:clrMapOvr>
+  <p:timing>
+    <p:tnLst>
+      <p:par>
+        <p:cTn id="1" dur="indefinite" restart="never" nodeType="tmRoot">
+          <p:childTnLst>
+            <p:seq concurrent="1" nextAc="seek">
+              <p:cTn id="2" dur="indefinite" nodeType="mainSeq">
+                <p:childTnLst>
+                  <p:par>
+                    <p:cTn id="3" fill="hold">
+                      <p:stCondLst>
+                        <p:cond delay="indefinite"/>
+                      </p:stCondLst>
+                      <p:childTnLst>
+                        <p:par>
+                          <p:cTn id="4" fill="hold">
+                            <p:stCondLst>
+                              <p:cond delay="0"/>
+                            </p:stCondLst>
+                            <p:childTnLst>
+                              <p:par>
+                                <p:cTn id="5" presetID="26" presetClass="emph" presetSubtype="0" fill="hold" grpId="0" nodeType="clickEffect">
+                                  <p:stCondLst>
+                                    <p:cond delay="0"/>
+                                  </p:stCondLst>
+                                  <p:childTnLst>
+                                    <p:animEffect transition="out" filter="fade">
+                                      <p:cBhvr>
+                                        <p:cTn id="6" dur="50" tmFilter="0, 0; .2, .5; .8, .5; 1, 0"/>
+                                        <p:tgtEl>
+                                          <p:spTgt spid="9"/>
+                                        </p:tgtEl>
+                                      </p:cBhvr>
+                                    </p:animEffect>
+                                    <p:animScale>
+                                      <p:cBhvr>
+                                        <p:cTn id="7" dur="25" autoRev="1" fill="hold"/>
+                                        <p:tgtEl>
+                                          <p:spTgt spid="9"/>
+                                        </p:tgtEl>
+                                      </p:cBhvr>
+                                      <p:by x="105000" y="105000"/>
+                                    </p:animScale>
+                                  </p:childTnLst>
+                                </p:cTn>
+                              </p:par>
+                            </p:childTnLst>
+                          </p:cTn>
+                        </p:par>
+                      </p:childTnLst>
+                    </p:cTn>
+                  </p:par>
+                  <p:par>
+                    <p:cTn id="8" fill="hold">
+                      <p:stCondLst>
+                        <p:cond delay="indefinite"/>
+                      </p:stCondLst>
+                      <p:childTnLst>
+                        <p:par>
+                          <p:cTn id="9" fill="hold">
+                            <p:stCondLst>
+                              <p:cond delay="0"/>
+                            </p:stCondLst>
+                            <p:childTnLst>
+                              <p:par>
+                                <p:cTn id="10" presetID="26" presetClass="emph" presetSubtype="0" fill="hold" grpId="1" nodeType="clickEffect">
+                                  <p:stCondLst>
+                                    <p:cond delay="0"/>
+                                  </p:stCondLst>
+                                  <p:childTnLst>
+                                    <p:animEffect transition="out" filter="fade">
+                                      <p:cBhvr>
+                                        <p:cTn id="11" dur="50" tmFilter="0, 0; .2, .5; .8, .5; 1, 0"/>
+                                        <p:tgtEl>
+                                          <p:spTgt spid="9"/>
+                                        </p:tgtEl>
+                                      </p:cBhvr>
+                                    </p:animEffect>
+                                    <p:animScale>
+                                      <p:cBhvr>
+                                        <p:cTn id="12" dur="25" autoRev="1" fill="hold"/>
+                                        <p:tgtEl>
+                                          <p:spTgt spid="9"/>
+                                        </p:tgtEl>
+                                      </p:cBhvr>
+                                      <p:by x="105000" y="105000"/>
+                                    </p:animScale>
+                                  </p:childTnLst>
+                                </p:cTn>
+                              </p:par>
+                            </p:childTnLst>
+                          </p:cTn>
+                        </p:par>
+                      </p:childTnLst>
+                    </p:cTn>
+                  </p:par>
+                  <p:par>
+                    <p:cTn id="13" fill="hold">
+                      <p:stCondLst>
+                        <p:cond delay="indefinite"/>
+                      </p:stCondLst>
+                      <p:childTnLst>
+                        <p:par>
+                          <p:cTn id="14" fill="hold">
+                            <p:stCondLst>
+                              <p:cond delay="0"/>
+                            </p:stCondLst>
+                            <p:childTnLst>
+                              <p:par>
+                                <p:cTn id="15" presetID="26" presetClass="emph" presetSubtype="0" fill="hold" grpId="2" nodeType="clickEffect">
+                                  <p:stCondLst>
+                                    <p:cond delay="0"/>
+                                  </p:stCondLst>
+                                  <p:childTnLst>
+                                    <p:animEffect transition="out" filter="fade">
+                                      <p:cBhvr>
+                                        <p:cTn id="16" dur="50" tmFilter="0, 0; .2, .5; .8, .5; 1, 0"/>
+                                        <p:tgtEl>
+                                          <p:spTgt spid="9"/>
+                                        </p:tgtEl>
+                                      </p:cBhvr>
+                                    </p:animEffect>
+                                    <p:animScale>
+                                      <p:cBhvr>
+                                        <p:cTn id="17" dur="25" autoRev="1" fill="hold"/>
+                                        <p:tgtEl>
+                                          <p:spTgt spid="9"/>
+                                        </p:tgtEl>
+                                      </p:cBhvr>
+                                      <p:by x="105000" y="105000"/>
+                                    </p:animScale>
+                                  </p:childTnLst>
+                                </p:cTn>
+                              </p:par>
+                            </p:childTnLst>
+                          </p:cTn>
+                        </p:par>
+                      </p:childTnLst>
+                    </p:cTn>
+                  </p:par>
+                </p:childTnLst>
+              </p:cTn>
+              <p:prevCondLst>
+                <p:cond evt="onPrev" delay="0">
+                  <p:tgtEl>
+                    <p:sldTgt/>
+                  </p:tgtEl>
+                </p:cond>
+              </p:prevCondLst>
+              <p:nextCondLst>
+                <p:cond evt="onNext" delay="0">
+                  <p:tgtEl>
+                    <p:sldTgt/>
+                  </p:tgtEl>
+                </p:cond>
+              </p:nextCondLst>
+            </p:seq>
+          </p:childTnLst>
+        </p:cTn>
+      </p:par>
+    </p:tnLst>
+    <p:bldLst>
+      <p:bldP spid="9" grpId="0" animBg="1"/>
+      <p:bldP spid="9" grpId="1" animBg="1"/>
+      <p:bldP spid="9" grpId="2" animBg="1"/>
+    </p:bldLst>
+  </p:timing>
+</p:sld>
+</file>
+
+<file path=ppt/slides/slide15.xml><?xml version="1.0" encoding="utf-8"?>
+<p:sld xmlns:a="http://schemas.openxmlformats.org/drawingml/2006/main" xmlns:r="http://schemas.openxmlformats.org/officeDocument/2006/relationships" xmlns:p="http://schemas.openxmlformats.org/presentationml/2006/main" showMasterSp="0">
+  <p:cSld>
+    <p:bg>
+      <p:bgPr>
+        <a:solidFill>
+          <a:srgbClr val="FFFFFF"/>
+        </a:solidFill>
+        <a:effectLst/>
+      </p:bgPr>
+    </p:bg>
+    <p:spTree>
+      <p:nvGrpSpPr>
+        <p:cNvPr id="1" name=""/>
+        <p:cNvGrpSpPr/>
+        <p:nvPr/>
+      </p:nvGrpSpPr>
+      <p:grpSpPr>
+        <a:xfrm>
+          <a:off x="0" y="0"/>
+          <a:ext cx="0" cy="0"/>
+          <a:chOff x="0" y="0"/>
+          <a:chExt cx="0" cy="0"/>
+        </a:xfrm>
+      </p:grpSpPr>
+      <p:sp>
+        <p:nvSpPr>
+          <p:cNvPr id="2" name="Rectangle : coins arrondis 1">
+            <a:extLst>
+              <a:ext uri="{FF2B5EF4-FFF2-40B4-BE49-F238E27FC236}">
+                <a16:creationId xmlns:a16="http://schemas.microsoft.com/office/drawing/2014/main" id="{AF7EEA08-A735-8871-F3C1-602870D729D9}"/>
+              </a:ext>
+            </a:extLst>
+          </p:cNvPr>
+          <p:cNvSpPr/>
+          <p:nvPr>
+            <p:custDataLst>
+              <p:tags r:id="rId2"/>
+            </p:custDataLst>
+          </p:nvPr>
+        </p:nvSpPr>
+        <p:spPr>
+          <a:xfrm>
+            <a:off x="6286500" y="430530"/>
+            <a:ext cx="5524500" cy="891540"/>
+          </a:xfrm>
+          <a:prstGeom prst="roundRect">
+            <a:avLst/>
+          </a:prstGeom>
+          <a:solidFill>
+            <a:srgbClr val="F4F4F4"/>
+          </a:solidFill>
+          <a:ln w="19050" cap="flat" cmpd="sng" algn="ctr">
+            <a:noFill/>
+            <a:prstDash val="solid"/>
+            <a:miter lim="800000"/>
+          </a:ln>
+          <a:effectLst/>
+          <a:extLst>
+            <a:ext uri="{91240B29-F687-4F45-9708-019B960494DF}">
+              <a14:hiddenLine xmlns:a14="http://schemas.microsoft.com/office/drawing/2010/main" w="19050" cap="flat" cmpd="sng" algn="ctr">
+                <a:solidFill>
+                  <a:schemeClr val="accent1">
+                    <a:shade val="15000"/>
+                  </a:schemeClr>
+                </a:solidFill>
+                <a:prstDash val="solid"/>
+                <a:miter lim="800000"/>
+              </a14:hiddenLine>
+            </a:ext>
+          </a:extLst>
+        </p:spPr>
+        <p:style>
+          <a:lnRef idx="2">
+            <a:schemeClr val="accent1">
+              <a:shade val="15000"/>
+            </a:schemeClr>
+          </a:lnRef>
+          <a:fillRef idx="1">
+            <a:schemeClr val="accent1"/>
+          </a:fillRef>
+          <a:effectRef idx="0">
+            <a:schemeClr val="accent1"/>
+          </a:effectRef>
+          <a:fontRef idx="minor">
+            <a:schemeClr val="lt1"/>
+          </a:fontRef>
+        </p:style>
+        <p:txBody>
+          <a:bodyPr lIns="317500" rIns="1143000" rtlCol="0" anchor="ctr">
+            <a:normAutofit/>
+          </a:bodyPr>
+          <a:lstStyle/>
+          <a:p>
+            <a:r>
+              <a:rPr lang="en-US" sz="2000">
+                <a:solidFill>
+                  <a:srgbClr val="5B5B5B"/>
+                </a:solidFill>
+              </a:rPr>
+              <a:t>Please download and install the Slido app on all computers you use</a:t>
+            </a:r>
+            <a:endParaRPr lang="fr-FR" sz="2000">
+              <a:solidFill>
+                <a:srgbClr val="5B5B5B"/>
+              </a:solidFill>
+            </a:endParaRPr>
+          </a:p>
+        </p:txBody>
+      </p:sp>
+      <p:pic>
+        <p:nvPicPr>
+          <p:cNvPr id="4" name="Graphique 3">
+            <a:extLst>
+              <a:ext uri="{FF2B5EF4-FFF2-40B4-BE49-F238E27FC236}">
+                <a16:creationId xmlns:a16="http://schemas.microsoft.com/office/drawing/2014/main" id="{D23A052D-E7DE-5832-A198-7E9E78839EEE}"/>
+              </a:ext>
+            </a:extLst>
+          </p:cNvPr>
+          <p:cNvPicPr>
+            <a:picLocks/>
+          </p:cNvPicPr>
+          <p:nvPr>
+            <p:custDataLst>
+              <p:tags r:id="rId3"/>
+            </p:custDataLst>
+          </p:nvPr>
+        </p:nvPicPr>
+        <p:blipFill>
+          <a:blip r:embed="rId9">
+            <a:extLst>
+              <a:ext uri="{96DAC541-7B7A-43D3-8B79-37D633B846F1}">
+                <asvg:svgBlip xmlns:asvg="http://schemas.microsoft.com/office/drawing/2016/SVG/main" r:embed="rId10"/>
+              </a:ext>
+            </a:extLst>
+          </a:blip>
+          <a:stretch>
+            <a:fillRect/>
+          </a:stretch>
+        </p:blipFill>
+        <p:spPr>
+          <a:xfrm>
+            <a:off x="10826048" y="577634"/>
+            <a:ext cx="597332" cy="597332"/>
+          </a:xfrm>
+          <a:prstGeom prst="rect">
+            <a:avLst/>
+          </a:prstGeom>
+        </p:spPr>
+      </p:pic>
+      <p:pic>
+        <p:nvPicPr>
+          <p:cNvPr id="6" name="Graphique 5">
+            <a:extLst>
+              <a:ext uri="{FF2B5EF4-FFF2-40B4-BE49-F238E27FC236}">
+                <a16:creationId xmlns:a16="http://schemas.microsoft.com/office/drawing/2014/main" id="{C2B5D0E0-2ACA-B30E-4BE3-DB5856F17170}"/>
+              </a:ext>
+            </a:extLst>
+          </p:cNvPr>
+          <p:cNvPicPr>
+            <a:picLocks/>
+          </p:cNvPicPr>
+          <p:nvPr>
+            <p:custDataLst>
+              <p:tags r:id="rId4"/>
+            </p:custDataLst>
+          </p:nvPr>
+        </p:nvPicPr>
+        <p:blipFill>
+          <a:blip r:embed="rId11">
+            <a:extLst>
+              <a:ext uri="{96DAC541-7B7A-43D3-8B79-37D633B846F1}">
+                <asvg:svgBlip xmlns:asvg="http://schemas.microsoft.com/office/drawing/2016/SVG/main" r:embed="rId12"/>
+              </a:ext>
+            </a:extLst>
+          </a:blip>
+          <a:stretch>
+            <a:fillRect/>
+          </a:stretch>
+        </p:blipFill>
+        <p:spPr>
+          <a:xfrm>
+            <a:off x="3901440" y="617220"/>
+            <a:ext cx="1036320" cy="518160"/>
+          </a:xfrm>
+          <a:prstGeom prst="rect">
+            <a:avLst/>
+          </a:prstGeom>
+        </p:spPr>
+      </p:pic>
+      <p:pic>
+        <p:nvPicPr>
+          <p:cNvPr id="8" name="Graphique 7">
+            <a:extLst>
+              <a:ext uri="{FF2B5EF4-FFF2-40B4-BE49-F238E27FC236}">
+                <a16:creationId xmlns:a16="http://schemas.microsoft.com/office/drawing/2014/main" id="{AB2ECAB0-C114-063D-D889-AA2BEE1A0EB3}"/>
+              </a:ext>
+            </a:extLst>
+          </p:cNvPr>
+          <p:cNvPicPr>
+            <a:picLocks/>
+          </p:cNvPicPr>
+          <p:nvPr>
+            <p:custDataLst>
+              <p:tags r:id="rId5"/>
+            </p:custDataLst>
+          </p:nvPr>
+        </p:nvPicPr>
+        <p:blipFill>
+          <a:blip r:embed="rId13">
+            <a:extLst>
+              <a:ext uri="{96DAC541-7B7A-43D3-8B79-37D633B846F1}">
+                <asvg:svgBlip xmlns:asvg="http://schemas.microsoft.com/office/drawing/2016/SVG/main" r:embed="rId14"/>
+              </a:ext>
+            </a:extLst>
+          </a:blip>
+          <a:stretch>
+            <a:fillRect/>
+          </a:stretch>
+        </p:blipFill>
+        <p:spPr>
+          <a:xfrm>
+            <a:off x="1158240" y="2270760"/>
+            <a:ext cx="2316480" cy="2316480"/>
+          </a:xfrm>
+          <a:prstGeom prst="rect">
+            <a:avLst/>
+          </a:prstGeom>
+        </p:spPr>
+      </p:pic>
+      <p:sp>
+        <p:nvSpPr>
+          <p:cNvPr id="9" name="Rectangle 8">
+            <a:extLst>
+              <a:ext uri="{FF2B5EF4-FFF2-40B4-BE49-F238E27FC236}">
+                <a16:creationId xmlns:a16="http://schemas.microsoft.com/office/drawing/2014/main" id="{3E820634-1A73-AF98-EFD3-713B505BA394}"/>
+              </a:ext>
+            </a:extLst>
+          </p:cNvPr>
+          <p:cNvSpPr/>
+          <p:nvPr>
+            <p:custDataLst>
+              <p:tags r:id="rId6"/>
+            </p:custDataLst>
+          </p:nvPr>
+        </p:nvSpPr>
+        <p:spPr>
+          <a:xfrm>
+            <a:off x="3901440" y="2571750"/>
+            <a:ext cx="7315199" cy="1714500"/>
+          </a:xfrm>
+          <a:prstGeom prst="rect">
+            <a:avLst/>
+          </a:prstGeom>
+          <a:noFill/>
+          <a:ln w="19050" cap="flat" cmpd="sng" algn="ctr">
+            <a:solidFill>
+              <a:srgbClr val="FFFFFF"/>
+            </a:solidFill>
+            <a:prstDash val="solid"/>
+            <a:miter lim="800000"/>
+          </a:ln>
+          <a:effectLst/>
+          <a:extLst>
+            <a:ext uri="{909E8E84-426E-40DD-AFC4-6F175D3DCCD1}">
+              <a14:hiddenFill xmlns:a14="http://schemas.microsoft.com/office/drawing/2010/main">
+                <a:solidFill>
+                  <a:schemeClr val="accent1"/>
+                </a:solidFill>
+              </a14:hiddenFill>
+            </a:ext>
+          </a:extLst>
+        </p:spPr>
+        <p:style>
+          <a:lnRef idx="2">
+            <a:schemeClr val="accent1">
+              <a:shade val="15000"/>
+            </a:schemeClr>
+          </a:lnRef>
+          <a:fillRef idx="1">
+            <a:schemeClr val="accent1"/>
+          </a:fillRef>
+          <a:effectRef idx="0">
+            <a:schemeClr val="accent1"/>
+          </a:effectRef>
+          <a:fontRef idx="minor">
+            <a:schemeClr val="lt1"/>
+          </a:fontRef>
+        </p:style>
+        <p:txBody>
+          <a:bodyPr rtlCol="0" anchor="ctr"/>
+          <a:lstStyle/>
+          <a:p>
+            <a:r>
+              <a:rPr lang="fr-FR" sz="2400" b="1" dirty="0">
+                <a:solidFill>
+                  <a:srgbClr val="5B5B5B"/>
+                </a:solidFill>
+              </a:rPr>
+              <a:t>Un microservice peut avoir accès directement à la base de données d'un autre microservice pour récupérer des informations.</a:t>
+            </a:r>
+          </a:p>
+        </p:txBody>
+      </p:sp>
+      <p:sp>
+        <p:nvSpPr>
+          <p:cNvPr id="10" name="Rectangle 9">
+            <a:extLst>
+              <a:ext uri="{FF2B5EF4-FFF2-40B4-BE49-F238E27FC236}">
+                <a16:creationId xmlns:a16="http://schemas.microsoft.com/office/drawing/2014/main" id="{66E289F1-59CF-0489-FBA3-58E521E50FD0}"/>
+              </a:ext>
+            </a:extLst>
+          </p:cNvPr>
+          <p:cNvSpPr/>
+          <p:nvPr>
+            <p:custDataLst>
+              <p:tags r:id="rId7"/>
+            </p:custDataLst>
+          </p:nvPr>
+        </p:nvSpPr>
+        <p:spPr>
+          <a:xfrm>
+            <a:off x="3901440" y="6032500"/>
+            <a:ext cx="7315199" cy="518160"/>
+          </a:xfrm>
+          <a:prstGeom prst="rect">
+            <a:avLst/>
+          </a:prstGeom>
+          <a:noFill/>
+          <a:ln w="19050" cap="flat" cmpd="sng" algn="ctr">
+            <a:noFill/>
+            <a:prstDash val="solid"/>
+            <a:miter lim="800000"/>
+          </a:ln>
+          <a:effectLst/>
+          <a:extLst>
+            <a:ext uri="{909E8E84-426E-40DD-AFC4-6F175D3DCCD1}">
+              <a14:hiddenFill xmlns:a14="http://schemas.microsoft.com/office/drawing/2010/main">
+                <a:solidFill>
+                  <a:schemeClr val="accent1"/>
+                </a:solidFill>
+              </a14:hiddenFill>
+            </a:ext>
+            <a:ext uri="{91240B29-F687-4F45-9708-019B960494DF}">
+              <a14:hiddenLine xmlns:a14="http://schemas.microsoft.com/office/drawing/2010/main" w="19050" cap="flat" cmpd="sng" algn="ctr">
+                <a:solidFill>
+                  <a:schemeClr val="accent1">
+                    <a:shade val="15000"/>
+                  </a:schemeClr>
+                </a:solidFill>
+                <a:prstDash val="solid"/>
+                <a:miter lim="800000"/>
+              </a14:hiddenLine>
+            </a:ext>
+          </a:extLst>
+        </p:spPr>
+        <p:style>
+          <a:lnRef idx="2">
+            <a:schemeClr val="accent1">
+              <a:shade val="15000"/>
+            </a:schemeClr>
+          </a:lnRef>
+          <a:fillRef idx="1">
+            <a:schemeClr val="accent1"/>
+          </a:fillRef>
+          <a:effectRef idx="0">
+            <a:schemeClr val="accent1"/>
+          </a:effectRef>
+          <a:fontRef idx="minor">
+            <a:schemeClr val="lt1"/>
+          </a:fontRef>
+        </p:style>
+        <p:txBody>
+          <a:bodyPr rtlCol="0" anchor="ctr">
+            <a:normAutofit/>
+          </a:bodyPr>
+          <a:lstStyle/>
+          <a:p>
+            <a:r>
+              <a:rPr lang="en-US" sz="2200" b="1">
+                <a:solidFill>
+                  <a:srgbClr val="5B5B5B"/>
+                </a:solidFill>
+              </a:rPr>
+              <a:t>ⓘ</a:t>
+            </a:r>
+            <a:r>
+              <a:rPr lang="en-US" sz="2000">
+                <a:solidFill>
+                  <a:srgbClr val="5B5B5B"/>
+                </a:solidFill>
+              </a:rPr>
+              <a:t> Start presenting to display the poll results on this slide.</a:t>
+            </a:r>
+            <a:endParaRPr lang="fr-FR" sz="2000">
+              <a:solidFill>
+                <a:srgbClr val="5B5B5B"/>
+              </a:solidFill>
+            </a:endParaRPr>
+          </a:p>
+        </p:txBody>
+      </p:sp>
+    </p:spTree>
+    <p:custDataLst>
+      <p:tags r:id="rId1"/>
+    </p:custDataLst>
+    <p:extLst>
+      <p:ext uri="{BB962C8B-B14F-4D97-AF65-F5344CB8AC3E}">
+        <p14:creationId xmlns:p14="http://schemas.microsoft.com/office/powerpoint/2010/main" val="1005620945"/>
+      </p:ext>
+    </p:extLst>
+  </p:cSld>
+  <p:clrMapOvr>
+    <a:masterClrMapping/>
+  </p:clrMapOvr>
+  <p:timing>
+    <p:tnLst>
+      <p:par>
+        <p:cTn id="1" dur="indefinite" restart="never" nodeType="tmRoot">
+          <p:childTnLst>
+            <p:seq concurrent="1" nextAc="seek">
+              <p:cTn id="2" dur="indefinite" nodeType="mainSeq">
+                <p:childTnLst>
+                  <p:par>
+                    <p:cTn id="3" fill="hold">
+                      <p:stCondLst>
+                        <p:cond delay="indefinite"/>
+                      </p:stCondLst>
+                      <p:childTnLst>
+                        <p:par>
+                          <p:cTn id="4" fill="hold">
+                            <p:stCondLst>
+                              <p:cond delay="0"/>
+                            </p:stCondLst>
+                            <p:childTnLst>
+                              <p:par>
+                                <p:cTn id="5" presetID="26" presetClass="emph" presetSubtype="0" fill="hold" grpId="0" nodeType="clickEffect">
+                                  <p:stCondLst>
+                                    <p:cond delay="0"/>
+                                  </p:stCondLst>
+                                  <p:childTnLst>
+                                    <p:animEffect transition="out" filter="fade">
+                                      <p:cBhvr>
+                                        <p:cTn id="6" dur="50" tmFilter="0, 0; .2, .5; .8, .5; 1, 0"/>
+                                        <p:tgtEl>
+                                          <p:spTgt spid="9"/>
+                                        </p:tgtEl>
+                                      </p:cBhvr>
+                                    </p:animEffect>
+                                    <p:animScale>
+                                      <p:cBhvr>
+                                        <p:cTn id="7" dur="25" autoRev="1" fill="hold"/>
+                                        <p:tgtEl>
+                                          <p:spTgt spid="9"/>
+                                        </p:tgtEl>
+                                      </p:cBhvr>
+                                      <p:by x="105000" y="105000"/>
+                                    </p:animScale>
+                                  </p:childTnLst>
+                                </p:cTn>
+                              </p:par>
+                            </p:childTnLst>
+                          </p:cTn>
+                        </p:par>
+                      </p:childTnLst>
+                    </p:cTn>
+                  </p:par>
+                  <p:par>
+                    <p:cTn id="8" fill="hold">
+                      <p:stCondLst>
+                        <p:cond delay="indefinite"/>
+                      </p:stCondLst>
+                      <p:childTnLst>
+                        <p:par>
+                          <p:cTn id="9" fill="hold">
+                            <p:stCondLst>
+                              <p:cond delay="0"/>
+                            </p:stCondLst>
+                            <p:childTnLst>
+                              <p:par>
+                                <p:cTn id="10" presetID="26" presetClass="emph" presetSubtype="0" fill="hold" grpId="1" nodeType="clickEffect">
+                                  <p:stCondLst>
+                                    <p:cond delay="0"/>
+                                  </p:stCondLst>
+                                  <p:childTnLst>
+                                    <p:animEffect transition="out" filter="fade">
+                                      <p:cBhvr>
+                                        <p:cTn id="11" dur="50" tmFilter="0, 0; .2, .5; .8, .5; 1, 0"/>
+                                        <p:tgtEl>
+                                          <p:spTgt spid="9"/>
+                                        </p:tgtEl>
+                                      </p:cBhvr>
+                                    </p:animEffect>
+                                    <p:animScale>
+                                      <p:cBhvr>
+                                        <p:cTn id="12" dur="25" autoRev="1" fill="hold"/>
+                                        <p:tgtEl>
+                                          <p:spTgt spid="9"/>
+                                        </p:tgtEl>
+                                      </p:cBhvr>
+                                      <p:by x="105000" y="105000"/>
+                                    </p:animScale>
+                                  </p:childTnLst>
+                                </p:cTn>
+                              </p:par>
+                            </p:childTnLst>
+                          </p:cTn>
+                        </p:par>
+                      </p:childTnLst>
+                    </p:cTn>
+                  </p:par>
+                </p:childTnLst>
+              </p:cTn>
+              <p:prevCondLst>
+                <p:cond evt="onPrev" delay="0">
+                  <p:tgtEl>
+                    <p:sldTgt/>
+                  </p:tgtEl>
+                </p:cond>
+              </p:prevCondLst>
+              <p:nextCondLst>
+                <p:cond evt="onNext" delay="0">
+                  <p:tgtEl>
+                    <p:sldTgt/>
+                  </p:tgtEl>
+                </p:cond>
+              </p:nextCondLst>
+            </p:seq>
+          </p:childTnLst>
+        </p:cTn>
+      </p:par>
+    </p:tnLst>
+    <p:bldLst>
+      <p:bldP spid="9" grpId="0" animBg="1"/>
+      <p:bldP spid="9" grpId="1" animBg="1"/>
+    </p:bldLst>
+  </p:timing>
+</p:sld>
+</file>
+
+<file path=ppt/slides/slide16.xml><?xml version="1.0" encoding="utf-8"?>
+<p:sld xmlns:a="http://schemas.openxmlformats.org/drawingml/2006/main" xmlns:r="http://schemas.openxmlformats.org/officeDocument/2006/relationships" xmlns:p="http://schemas.openxmlformats.org/presentationml/2006/main" showMasterSp="0">
+  <p:cSld>
+    <p:bg>
+      <p:bgPr>
+        <a:solidFill>
+          <a:srgbClr val="FFFFFF"/>
+        </a:solidFill>
+        <a:effectLst/>
+      </p:bgPr>
+    </p:bg>
+    <p:spTree>
+      <p:nvGrpSpPr>
+        <p:cNvPr id="1" name=""/>
+        <p:cNvGrpSpPr/>
+        <p:nvPr/>
+      </p:nvGrpSpPr>
+      <p:grpSpPr>
+        <a:xfrm>
+          <a:off x="0" y="0"/>
+          <a:ext cx="0" cy="0"/>
+          <a:chOff x="0" y="0"/>
+          <a:chExt cx="0" cy="0"/>
+        </a:xfrm>
+      </p:grpSpPr>
+      <p:sp>
+        <p:nvSpPr>
+          <p:cNvPr id="2" name="Rectangle : coins arrondis 1">
+            <a:extLst>
+              <a:ext uri="{FF2B5EF4-FFF2-40B4-BE49-F238E27FC236}">
+                <a16:creationId xmlns:a16="http://schemas.microsoft.com/office/drawing/2014/main" id="{56BAE6A5-6DE7-41DF-D6B2-00DB73728984}"/>
+              </a:ext>
+            </a:extLst>
+          </p:cNvPr>
+          <p:cNvSpPr/>
+          <p:nvPr>
+            <p:custDataLst>
+              <p:tags r:id="rId2"/>
+            </p:custDataLst>
+          </p:nvPr>
+        </p:nvSpPr>
+        <p:spPr>
+          <a:xfrm>
+            <a:off x="6286500" y="430530"/>
+            <a:ext cx="5524500" cy="891540"/>
+          </a:xfrm>
+          <a:prstGeom prst="roundRect">
+            <a:avLst/>
+          </a:prstGeom>
+          <a:solidFill>
+            <a:srgbClr val="F4F4F4"/>
+          </a:solidFill>
+          <a:ln w="19050" cap="flat" cmpd="sng" algn="ctr">
+            <a:noFill/>
+            <a:prstDash val="solid"/>
+            <a:miter lim="800000"/>
+          </a:ln>
+          <a:effectLst/>
+          <a:extLst>
+            <a:ext uri="{91240B29-F687-4F45-9708-019B960494DF}">
+              <a14:hiddenLine xmlns:a14="http://schemas.microsoft.com/office/drawing/2010/main" w="19050" cap="flat" cmpd="sng" algn="ctr">
+                <a:solidFill>
+                  <a:schemeClr val="accent1">
+                    <a:shade val="15000"/>
+                  </a:schemeClr>
+                </a:solidFill>
+                <a:prstDash val="solid"/>
+                <a:miter lim="800000"/>
+              </a14:hiddenLine>
+            </a:ext>
+          </a:extLst>
+        </p:spPr>
+        <p:style>
+          <a:lnRef idx="2">
+            <a:schemeClr val="accent1">
+              <a:shade val="15000"/>
+            </a:schemeClr>
+          </a:lnRef>
+          <a:fillRef idx="1">
+            <a:schemeClr val="accent1"/>
+          </a:fillRef>
+          <a:effectRef idx="0">
+            <a:schemeClr val="accent1"/>
+          </a:effectRef>
+          <a:fontRef idx="minor">
+            <a:schemeClr val="lt1"/>
+          </a:fontRef>
+        </p:style>
+        <p:txBody>
+          <a:bodyPr lIns="317500" rIns="1143000" rtlCol="0" anchor="ctr">
+            <a:normAutofit/>
+          </a:bodyPr>
+          <a:lstStyle/>
+          <a:p>
+            <a:r>
+              <a:rPr lang="en-US" sz="2000">
+                <a:solidFill>
+                  <a:srgbClr val="5B5B5B"/>
+                </a:solidFill>
+              </a:rPr>
+              <a:t>Please download and install the Slido app on all computers you use</a:t>
+            </a:r>
+            <a:endParaRPr lang="fr-FR" sz="2000">
+              <a:solidFill>
+                <a:srgbClr val="5B5B5B"/>
+              </a:solidFill>
+            </a:endParaRPr>
+          </a:p>
+        </p:txBody>
+      </p:sp>
+      <p:pic>
+        <p:nvPicPr>
+          <p:cNvPr id="4" name="Graphique 3">
+            <a:extLst>
+              <a:ext uri="{FF2B5EF4-FFF2-40B4-BE49-F238E27FC236}">
+                <a16:creationId xmlns:a16="http://schemas.microsoft.com/office/drawing/2014/main" id="{B129B686-5C2B-872C-763C-3BB4B904553F}"/>
+              </a:ext>
+            </a:extLst>
+          </p:cNvPr>
+          <p:cNvPicPr>
+            <a:picLocks/>
+          </p:cNvPicPr>
+          <p:nvPr>
+            <p:custDataLst>
+              <p:tags r:id="rId3"/>
+            </p:custDataLst>
+          </p:nvPr>
+        </p:nvPicPr>
+        <p:blipFill>
+          <a:blip r:embed="rId9">
+            <a:extLst>
+              <a:ext uri="{96DAC541-7B7A-43D3-8B79-37D633B846F1}">
+                <asvg:svgBlip xmlns:asvg="http://schemas.microsoft.com/office/drawing/2016/SVG/main" r:embed="rId10"/>
+              </a:ext>
+            </a:extLst>
+          </a:blip>
+          <a:stretch>
+            <a:fillRect/>
+          </a:stretch>
+        </p:blipFill>
+        <p:spPr>
+          <a:xfrm>
+            <a:off x="10826048" y="577634"/>
+            <a:ext cx="597332" cy="597332"/>
+          </a:xfrm>
+          <a:prstGeom prst="rect">
+            <a:avLst/>
+          </a:prstGeom>
+        </p:spPr>
+      </p:pic>
+      <p:pic>
+        <p:nvPicPr>
+          <p:cNvPr id="6" name="Graphique 5">
+            <a:extLst>
+              <a:ext uri="{FF2B5EF4-FFF2-40B4-BE49-F238E27FC236}">
+                <a16:creationId xmlns:a16="http://schemas.microsoft.com/office/drawing/2014/main" id="{C578E19F-E4A7-A639-531F-425267DC5842}"/>
+              </a:ext>
+            </a:extLst>
+          </p:cNvPr>
+          <p:cNvPicPr>
+            <a:picLocks/>
+          </p:cNvPicPr>
+          <p:nvPr>
+            <p:custDataLst>
+              <p:tags r:id="rId4"/>
+            </p:custDataLst>
+          </p:nvPr>
+        </p:nvPicPr>
+        <p:blipFill>
+          <a:blip r:embed="rId11">
+            <a:extLst>
+              <a:ext uri="{96DAC541-7B7A-43D3-8B79-37D633B846F1}">
+                <asvg:svgBlip xmlns:asvg="http://schemas.microsoft.com/office/drawing/2016/SVG/main" r:embed="rId12"/>
+              </a:ext>
+            </a:extLst>
+          </a:blip>
+          <a:stretch>
+            <a:fillRect/>
+          </a:stretch>
+        </p:blipFill>
+        <p:spPr>
+          <a:xfrm>
+            <a:off x="3901440" y="617220"/>
+            <a:ext cx="1036320" cy="518160"/>
+          </a:xfrm>
+          <a:prstGeom prst="rect">
+            <a:avLst/>
+          </a:prstGeom>
+        </p:spPr>
+      </p:pic>
+      <p:pic>
+        <p:nvPicPr>
+          <p:cNvPr id="8" name="Graphique 7">
+            <a:extLst>
+              <a:ext uri="{FF2B5EF4-FFF2-40B4-BE49-F238E27FC236}">
+                <a16:creationId xmlns:a16="http://schemas.microsoft.com/office/drawing/2014/main" id="{1C993D74-7752-15C9-568E-55372F2A149A}"/>
+              </a:ext>
+            </a:extLst>
+          </p:cNvPr>
+          <p:cNvPicPr>
+            <a:picLocks/>
+          </p:cNvPicPr>
+          <p:nvPr>
+            <p:custDataLst>
+              <p:tags r:id="rId5"/>
+            </p:custDataLst>
+          </p:nvPr>
+        </p:nvPicPr>
+        <p:blipFill>
+          <a:blip r:embed="rId13">
+            <a:extLst>
+              <a:ext uri="{96DAC541-7B7A-43D3-8B79-37D633B846F1}">
+                <asvg:svgBlip xmlns:asvg="http://schemas.microsoft.com/office/drawing/2016/SVG/main" r:embed="rId14"/>
+              </a:ext>
+            </a:extLst>
+          </a:blip>
+          <a:stretch>
+            <a:fillRect/>
+          </a:stretch>
+        </p:blipFill>
+        <p:spPr>
+          <a:xfrm>
+            <a:off x="1158240" y="2270760"/>
+            <a:ext cx="2316480" cy="2316480"/>
+          </a:xfrm>
+          <a:prstGeom prst="rect">
+            <a:avLst/>
+          </a:prstGeom>
+        </p:spPr>
+      </p:pic>
+      <p:sp>
+        <p:nvSpPr>
+          <p:cNvPr id="9" name="Rectangle 8">
+            <a:extLst>
+              <a:ext uri="{FF2B5EF4-FFF2-40B4-BE49-F238E27FC236}">
+                <a16:creationId xmlns:a16="http://schemas.microsoft.com/office/drawing/2014/main" id="{D9E1F5CB-FF5C-BB06-6C55-C6866AFEB21D}"/>
+              </a:ext>
+            </a:extLst>
+          </p:cNvPr>
+          <p:cNvSpPr/>
+          <p:nvPr>
+            <p:custDataLst>
+              <p:tags r:id="rId6"/>
+            </p:custDataLst>
+          </p:nvPr>
+        </p:nvSpPr>
+        <p:spPr>
+          <a:xfrm>
+            <a:off x="3901440" y="2571750"/>
+            <a:ext cx="7315199" cy="1714500"/>
+          </a:xfrm>
+          <a:prstGeom prst="rect">
+            <a:avLst/>
+          </a:prstGeom>
+          <a:noFill/>
+          <a:ln w="19050" cap="flat" cmpd="sng" algn="ctr">
+            <a:solidFill>
+              <a:srgbClr val="FFFFFF"/>
+            </a:solidFill>
+            <a:prstDash val="solid"/>
+            <a:miter lim="800000"/>
+          </a:ln>
+          <a:effectLst/>
+          <a:extLst>
+            <a:ext uri="{909E8E84-426E-40DD-AFC4-6F175D3DCCD1}">
+              <a14:hiddenFill xmlns:a14="http://schemas.microsoft.com/office/drawing/2010/main">
+                <a:solidFill>
+                  <a:schemeClr val="accent1"/>
+                </a:solidFill>
+              </a14:hiddenFill>
+            </a:ext>
+          </a:extLst>
+        </p:spPr>
+        <p:style>
+          <a:lnRef idx="2">
+            <a:schemeClr val="accent1">
+              <a:shade val="15000"/>
+            </a:schemeClr>
+          </a:lnRef>
+          <a:fillRef idx="1">
+            <a:schemeClr val="accent1"/>
+          </a:fillRef>
+          <a:effectRef idx="0">
+            <a:schemeClr val="accent1"/>
+          </a:effectRef>
+          <a:fontRef idx="minor">
+            <a:schemeClr val="lt1"/>
+          </a:fontRef>
+        </p:style>
+        <p:txBody>
+          <a:bodyPr rtlCol="0" anchor="ctr"/>
+          <a:lstStyle/>
+          <a:p>
+            <a:r>
+              <a:rPr lang="fr-FR" sz="4000" b="1">
+                <a:solidFill>
+                  <a:srgbClr val="5B5B5B"/>
+                </a:solidFill>
+              </a:rPr>
+              <a:t>Qu'est-ce qu'un service anémique ?</a:t>
+            </a:r>
+          </a:p>
+        </p:txBody>
+      </p:sp>
+      <p:sp>
+        <p:nvSpPr>
+          <p:cNvPr id="10" name="Rectangle 9">
+            <a:extLst>
+              <a:ext uri="{FF2B5EF4-FFF2-40B4-BE49-F238E27FC236}">
+                <a16:creationId xmlns:a16="http://schemas.microsoft.com/office/drawing/2014/main" id="{15C5C778-3C8C-6D5D-3794-2932646265E2}"/>
+              </a:ext>
+            </a:extLst>
+          </p:cNvPr>
+          <p:cNvSpPr/>
+          <p:nvPr>
+            <p:custDataLst>
+              <p:tags r:id="rId7"/>
+            </p:custDataLst>
+          </p:nvPr>
+        </p:nvSpPr>
+        <p:spPr>
+          <a:xfrm>
+            <a:off x="3901440" y="6032500"/>
+            <a:ext cx="7315199" cy="518160"/>
+          </a:xfrm>
+          <a:prstGeom prst="rect">
+            <a:avLst/>
+          </a:prstGeom>
+          <a:noFill/>
+          <a:ln w="19050" cap="flat" cmpd="sng" algn="ctr">
+            <a:noFill/>
+            <a:prstDash val="solid"/>
+            <a:miter lim="800000"/>
+          </a:ln>
+          <a:effectLst/>
+          <a:extLst>
+            <a:ext uri="{909E8E84-426E-40DD-AFC4-6F175D3DCCD1}">
+              <a14:hiddenFill xmlns:a14="http://schemas.microsoft.com/office/drawing/2010/main">
+                <a:solidFill>
+                  <a:schemeClr val="accent1"/>
+                </a:solidFill>
+              </a14:hiddenFill>
+            </a:ext>
+            <a:ext uri="{91240B29-F687-4F45-9708-019B960494DF}">
+              <a14:hiddenLine xmlns:a14="http://schemas.microsoft.com/office/drawing/2010/main" w="19050" cap="flat" cmpd="sng" algn="ctr">
+                <a:solidFill>
+                  <a:schemeClr val="accent1">
+                    <a:shade val="15000"/>
+                  </a:schemeClr>
+                </a:solidFill>
+                <a:prstDash val="solid"/>
+                <a:miter lim="800000"/>
+              </a14:hiddenLine>
+            </a:ext>
+          </a:extLst>
+        </p:spPr>
+        <p:style>
+          <a:lnRef idx="2">
+            <a:schemeClr val="accent1">
+              <a:shade val="15000"/>
+            </a:schemeClr>
+          </a:lnRef>
+          <a:fillRef idx="1">
+            <a:schemeClr val="accent1"/>
+          </a:fillRef>
+          <a:effectRef idx="0">
+            <a:schemeClr val="accent1"/>
+          </a:effectRef>
+          <a:fontRef idx="minor">
+            <a:schemeClr val="lt1"/>
+          </a:fontRef>
+        </p:style>
+        <p:txBody>
+          <a:bodyPr rtlCol="0" anchor="ctr">
+            <a:normAutofit/>
+          </a:bodyPr>
+          <a:lstStyle/>
+          <a:p>
+            <a:r>
+              <a:rPr lang="en-US" sz="2200" b="1">
+                <a:solidFill>
+                  <a:srgbClr val="5B5B5B"/>
+                </a:solidFill>
+              </a:rPr>
+              <a:t>ⓘ</a:t>
+            </a:r>
+            <a:r>
+              <a:rPr lang="en-US" sz="2000">
+                <a:solidFill>
+                  <a:srgbClr val="5B5B5B"/>
+                </a:solidFill>
+              </a:rPr>
+              <a:t> Start presenting to display the poll results on this slide.</a:t>
+            </a:r>
+            <a:endParaRPr lang="fr-FR" sz="2000">
+              <a:solidFill>
+                <a:srgbClr val="5B5B5B"/>
+              </a:solidFill>
+            </a:endParaRPr>
+          </a:p>
+        </p:txBody>
+      </p:sp>
+    </p:spTree>
+    <p:custDataLst>
+      <p:tags r:id="rId1"/>
+    </p:custDataLst>
+    <p:extLst>
+      <p:ext uri="{BB962C8B-B14F-4D97-AF65-F5344CB8AC3E}">
+        <p14:creationId xmlns:p14="http://schemas.microsoft.com/office/powerpoint/2010/main" val="763254123"/>
+      </p:ext>
+    </p:extLst>
+  </p:cSld>
+  <p:clrMapOvr>
+    <a:masterClrMapping/>
+  </p:clrMapOvr>
+  <p:timing>
+    <p:tnLst>
+      <p:par>
+        <p:cTn id="1" dur="indefinite" restart="never" nodeType="tmRoot">
+          <p:childTnLst>
+            <p:seq concurrent="1" nextAc="seek">
+              <p:cTn id="2" dur="indefinite" nodeType="mainSeq">
+                <p:childTnLst>
+                  <p:par>
+                    <p:cTn id="3" fill="hold">
+                      <p:stCondLst>
+                        <p:cond delay="indefinite"/>
+                      </p:stCondLst>
+                      <p:childTnLst>
+                        <p:par>
+                          <p:cTn id="4" fill="hold">
+                            <p:stCondLst>
+                              <p:cond delay="0"/>
+                            </p:stCondLst>
+                            <p:childTnLst>
+                              <p:par>
+                                <p:cTn id="5" presetID="26" presetClass="emph" presetSubtype="0" fill="hold" grpId="0" nodeType="clickEffect">
+                                  <p:stCondLst>
+                                    <p:cond delay="0"/>
+                                  </p:stCondLst>
+                                  <p:childTnLst>
+                                    <p:animEffect transition="out" filter="fade">
+                                      <p:cBhvr>
+                                        <p:cTn id="6" dur="50" tmFilter="0, 0; .2, .5; .8, .5; 1, 0"/>
+                                        <p:tgtEl>
+                                          <p:spTgt spid="9"/>
+                                        </p:tgtEl>
+                                      </p:cBhvr>
+                                    </p:animEffect>
+                                    <p:animScale>
+                                      <p:cBhvr>
+                                        <p:cTn id="7" dur="25" autoRev="1" fill="hold"/>
+                                        <p:tgtEl>
+                                          <p:spTgt spid="9"/>
+                                        </p:tgtEl>
+                                      </p:cBhvr>
+                                      <p:by x="105000" y="105000"/>
+                                    </p:animScale>
+                                  </p:childTnLst>
+                                </p:cTn>
+                              </p:par>
+                            </p:childTnLst>
+                          </p:cTn>
+                        </p:par>
+                      </p:childTnLst>
+                    </p:cTn>
+                  </p:par>
+                  <p:par>
+                    <p:cTn id="8" fill="hold">
+                      <p:stCondLst>
+                        <p:cond delay="indefinite"/>
+                      </p:stCondLst>
+                      <p:childTnLst>
+                        <p:par>
+                          <p:cTn id="9" fill="hold">
+                            <p:stCondLst>
+                              <p:cond delay="0"/>
+                            </p:stCondLst>
+                            <p:childTnLst>
+                              <p:par>
+                                <p:cTn id="10" presetID="26" presetClass="emph" presetSubtype="0" fill="hold" grpId="1" nodeType="clickEffect">
+                                  <p:stCondLst>
+                                    <p:cond delay="0"/>
+                                  </p:stCondLst>
+                                  <p:childTnLst>
+                                    <p:animEffect transition="out" filter="fade">
+                                      <p:cBhvr>
+                                        <p:cTn id="11" dur="50" tmFilter="0, 0; .2, .5; .8, .5; 1, 0"/>
+                                        <p:tgtEl>
+                                          <p:spTgt spid="9"/>
+                                        </p:tgtEl>
+                                      </p:cBhvr>
+                                    </p:animEffect>
+                                    <p:animScale>
+                                      <p:cBhvr>
+                                        <p:cTn id="12" dur="25" autoRev="1" fill="hold"/>
+                                        <p:tgtEl>
+                                          <p:spTgt spid="9"/>
+                                        </p:tgtEl>
+                                      </p:cBhvr>
+                                      <p:by x="105000" y="105000"/>
+                                    </p:animScale>
+                                  </p:childTnLst>
+                                </p:cTn>
+                              </p:par>
+                            </p:childTnLst>
+                          </p:cTn>
+                        </p:par>
+                      </p:childTnLst>
+                    </p:cTn>
+                  </p:par>
+                </p:childTnLst>
+              </p:cTn>
+              <p:prevCondLst>
+                <p:cond evt="onPrev" delay="0">
+                  <p:tgtEl>
+                    <p:sldTgt/>
+                  </p:tgtEl>
+                </p:cond>
+              </p:prevCondLst>
+              <p:nextCondLst>
+                <p:cond evt="onNext" delay="0">
+                  <p:tgtEl>
+                    <p:sldTgt/>
+                  </p:tgtEl>
+                </p:cond>
+              </p:nextCondLst>
+            </p:seq>
+          </p:childTnLst>
+        </p:cTn>
+      </p:par>
+    </p:tnLst>
+    <p:bldLst>
+      <p:bldP spid="9" grpId="0" animBg="1"/>
+      <p:bldP spid="9" grpId="1" animBg="1"/>
+    </p:bldLst>
+  </p:timing>
+</p:sld>
+</file>
+
+<file path=ppt/slides/slide17.xml><?xml version="1.0" encoding="utf-8"?>
+<p:sld xmlns:a="http://schemas.openxmlformats.org/drawingml/2006/main" xmlns:r="http://schemas.openxmlformats.org/officeDocument/2006/relationships" xmlns:p="http://schemas.openxmlformats.org/presentationml/2006/main" showMasterSp="0">
+  <p:cSld>
+    <p:bg>
+      <p:bgPr>
+        <a:solidFill>
+          <a:srgbClr val="FFFFFF"/>
+        </a:solidFill>
+        <a:effectLst/>
+      </p:bgPr>
+    </p:bg>
+    <p:spTree>
+      <p:nvGrpSpPr>
+        <p:cNvPr id="1" name=""/>
+        <p:cNvGrpSpPr/>
+        <p:nvPr/>
+      </p:nvGrpSpPr>
+      <p:grpSpPr>
+        <a:xfrm>
+          <a:off x="0" y="0"/>
+          <a:ext cx="0" cy="0"/>
+          <a:chOff x="0" y="0"/>
+          <a:chExt cx="0" cy="0"/>
+        </a:xfrm>
+      </p:grpSpPr>
+      <p:sp>
+        <p:nvSpPr>
+          <p:cNvPr id="2" name="Rectangle : coins arrondis 1">
+            <a:extLst>
+              <a:ext uri="{FF2B5EF4-FFF2-40B4-BE49-F238E27FC236}">
+                <a16:creationId xmlns:a16="http://schemas.microsoft.com/office/drawing/2014/main" id="{2DD5BAA4-CB91-5D72-70E9-807D106F099E}"/>
+              </a:ext>
+            </a:extLst>
+          </p:cNvPr>
+          <p:cNvSpPr/>
+          <p:nvPr>
+            <p:custDataLst>
+              <p:tags r:id="rId2"/>
+            </p:custDataLst>
+          </p:nvPr>
+        </p:nvSpPr>
+        <p:spPr>
+          <a:xfrm>
+            <a:off x="6286500" y="430530"/>
+            <a:ext cx="5524500" cy="891540"/>
+          </a:xfrm>
+          <a:prstGeom prst="roundRect">
+            <a:avLst/>
+          </a:prstGeom>
+          <a:solidFill>
+            <a:srgbClr val="F4F4F4"/>
+          </a:solidFill>
+          <a:ln w="19050" cap="flat" cmpd="sng" algn="ctr">
+            <a:noFill/>
+            <a:prstDash val="solid"/>
+            <a:miter lim="800000"/>
+          </a:ln>
+          <a:effectLst/>
+          <a:extLst>
+            <a:ext uri="{91240B29-F687-4F45-9708-019B960494DF}">
+              <a14:hiddenLine xmlns:a14="http://schemas.microsoft.com/office/drawing/2010/main" w="19050" cap="flat" cmpd="sng" algn="ctr">
+                <a:solidFill>
+                  <a:schemeClr val="accent1">
+                    <a:shade val="15000"/>
+                  </a:schemeClr>
+                </a:solidFill>
+                <a:prstDash val="solid"/>
+                <a:miter lim="800000"/>
+              </a14:hiddenLine>
+            </a:ext>
+          </a:extLst>
+        </p:spPr>
+        <p:style>
+          <a:lnRef idx="2">
+            <a:schemeClr val="accent1">
+              <a:shade val="15000"/>
+            </a:schemeClr>
+          </a:lnRef>
+          <a:fillRef idx="1">
+            <a:schemeClr val="accent1"/>
+          </a:fillRef>
+          <a:effectRef idx="0">
+            <a:schemeClr val="accent1"/>
+          </a:effectRef>
+          <a:fontRef idx="minor">
+            <a:schemeClr val="lt1"/>
+          </a:fontRef>
+        </p:style>
+        <p:txBody>
+          <a:bodyPr lIns="317500" rIns="1143000" rtlCol="0" anchor="ctr">
+            <a:normAutofit/>
+          </a:bodyPr>
+          <a:lstStyle/>
+          <a:p>
+            <a:r>
+              <a:rPr lang="en-US" sz="2000">
+                <a:solidFill>
+                  <a:srgbClr val="5B5B5B"/>
+                </a:solidFill>
+              </a:rPr>
+              <a:t>Please download and install the Slido app on all computers you use</a:t>
+            </a:r>
+            <a:endParaRPr lang="fr-FR" sz="2000">
+              <a:solidFill>
+                <a:srgbClr val="5B5B5B"/>
+              </a:solidFill>
+            </a:endParaRPr>
+          </a:p>
+        </p:txBody>
+      </p:sp>
+      <p:pic>
+        <p:nvPicPr>
+          <p:cNvPr id="4" name="Graphique 3">
+            <a:extLst>
+              <a:ext uri="{FF2B5EF4-FFF2-40B4-BE49-F238E27FC236}">
+                <a16:creationId xmlns:a16="http://schemas.microsoft.com/office/drawing/2014/main" id="{F7419354-3A61-8159-F1E9-B87B65C256EA}"/>
+              </a:ext>
+            </a:extLst>
+          </p:cNvPr>
+          <p:cNvPicPr>
+            <a:picLocks/>
+          </p:cNvPicPr>
+          <p:nvPr>
+            <p:custDataLst>
+              <p:tags r:id="rId3"/>
+            </p:custDataLst>
+          </p:nvPr>
+        </p:nvPicPr>
+        <p:blipFill>
+          <a:blip r:embed="rId9">
+            <a:extLst>
+              <a:ext uri="{96DAC541-7B7A-43D3-8B79-37D633B846F1}">
+                <asvg:svgBlip xmlns:asvg="http://schemas.microsoft.com/office/drawing/2016/SVG/main" r:embed="rId10"/>
+              </a:ext>
+            </a:extLst>
+          </a:blip>
+          <a:stretch>
+            <a:fillRect/>
+          </a:stretch>
+        </p:blipFill>
+        <p:spPr>
+          <a:xfrm>
+            <a:off x="10826048" y="577634"/>
+            <a:ext cx="597332" cy="597332"/>
+          </a:xfrm>
+          <a:prstGeom prst="rect">
+            <a:avLst/>
+          </a:prstGeom>
+        </p:spPr>
+      </p:pic>
+      <p:pic>
+        <p:nvPicPr>
+          <p:cNvPr id="6" name="Graphique 5">
+            <a:extLst>
+              <a:ext uri="{FF2B5EF4-FFF2-40B4-BE49-F238E27FC236}">
+                <a16:creationId xmlns:a16="http://schemas.microsoft.com/office/drawing/2014/main" id="{2955A52D-CFD7-3791-32CF-8EE2DDA5EB65}"/>
+              </a:ext>
+            </a:extLst>
+          </p:cNvPr>
+          <p:cNvPicPr>
+            <a:picLocks/>
+          </p:cNvPicPr>
+          <p:nvPr>
+            <p:custDataLst>
+              <p:tags r:id="rId4"/>
+            </p:custDataLst>
+          </p:nvPr>
+        </p:nvPicPr>
+        <p:blipFill>
+          <a:blip r:embed="rId11">
+            <a:extLst>
+              <a:ext uri="{96DAC541-7B7A-43D3-8B79-37D633B846F1}">
+                <asvg:svgBlip xmlns:asvg="http://schemas.microsoft.com/office/drawing/2016/SVG/main" r:embed="rId12"/>
+              </a:ext>
+            </a:extLst>
+          </a:blip>
+          <a:stretch>
+            <a:fillRect/>
+          </a:stretch>
+        </p:blipFill>
+        <p:spPr>
+          <a:xfrm>
+            <a:off x="3901440" y="617220"/>
+            <a:ext cx="1036320" cy="518160"/>
+          </a:xfrm>
+          <a:prstGeom prst="rect">
+            <a:avLst/>
+          </a:prstGeom>
+        </p:spPr>
+      </p:pic>
+      <p:pic>
+        <p:nvPicPr>
+          <p:cNvPr id="8" name="Graphique 7">
+            <a:extLst>
+              <a:ext uri="{FF2B5EF4-FFF2-40B4-BE49-F238E27FC236}">
+                <a16:creationId xmlns:a16="http://schemas.microsoft.com/office/drawing/2014/main" id="{0E764B5C-5F80-DB8C-2364-87F82A92E8AF}"/>
+              </a:ext>
+            </a:extLst>
+          </p:cNvPr>
+          <p:cNvPicPr>
+            <a:picLocks/>
+          </p:cNvPicPr>
+          <p:nvPr>
+            <p:custDataLst>
+              <p:tags r:id="rId5"/>
+            </p:custDataLst>
+          </p:nvPr>
+        </p:nvPicPr>
+        <p:blipFill>
+          <a:blip r:embed="rId13">
+            <a:extLst>
+              <a:ext uri="{96DAC541-7B7A-43D3-8B79-37D633B846F1}">
+                <asvg:svgBlip xmlns:asvg="http://schemas.microsoft.com/office/drawing/2016/SVG/main" r:embed="rId14"/>
+              </a:ext>
+            </a:extLst>
+          </a:blip>
+          <a:stretch>
+            <a:fillRect/>
+          </a:stretch>
+        </p:blipFill>
+        <p:spPr>
+          <a:xfrm>
+            <a:off x="1158240" y="2270760"/>
+            <a:ext cx="2316480" cy="2316480"/>
+          </a:xfrm>
+          <a:prstGeom prst="rect">
+            <a:avLst/>
+          </a:prstGeom>
+        </p:spPr>
+      </p:pic>
+      <p:sp>
+        <p:nvSpPr>
+          <p:cNvPr id="9" name="Rectangle 8">
+            <a:extLst>
+              <a:ext uri="{FF2B5EF4-FFF2-40B4-BE49-F238E27FC236}">
+                <a16:creationId xmlns:a16="http://schemas.microsoft.com/office/drawing/2014/main" id="{CF2DC4DE-B9A2-ABD2-7229-7CAAED53E95A}"/>
+              </a:ext>
+            </a:extLst>
+          </p:cNvPr>
+          <p:cNvSpPr/>
+          <p:nvPr>
+            <p:custDataLst>
+              <p:tags r:id="rId6"/>
+            </p:custDataLst>
+          </p:nvPr>
+        </p:nvSpPr>
+        <p:spPr>
+          <a:xfrm>
+            <a:off x="3901440" y="2571750"/>
+            <a:ext cx="7315199" cy="1714500"/>
+          </a:xfrm>
+          <a:prstGeom prst="rect">
+            <a:avLst/>
+          </a:prstGeom>
+          <a:noFill/>
+          <a:ln w="19050" cap="flat" cmpd="sng" algn="ctr">
+            <a:solidFill>
+              <a:srgbClr val="FFFFFF"/>
+            </a:solidFill>
+            <a:prstDash val="solid"/>
+            <a:miter lim="800000"/>
+          </a:ln>
+          <a:effectLst/>
+          <a:extLst>
+            <a:ext uri="{909E8E84-426E-40DD-AFC4-6F175D3DCCD1}">
+              <a14:hiddenFill xmlns:a14="http://schemas.microsoft.com/office/drawing/2010/main">
+                <a:solidFill>
+                  <a:schemeClr val="accent1"/>
+                </a:solidFill>
+              </a14:hiddenFill>
+            </a:ext>
+          </a:extLst>
+        </p:spPr>
+        <p:style>
+          <a:lnRef idx="2">
+            <a:schemeClr val="accent1">
+              <a:shade val="15000"/>
+            </a:schemeClr>
+          </a:lnRef>
+          <a:fillRef idx="1">
+            <a:schemeClr val="accent1"/>
+          </a:fillRef>
+          <a:effectRef idx="0">
+            <a:schemeClr val="accent1"/>
+          </a:effectRef>
+          <a:fontRef idx="minor">
+            <a:schemeClr val="lt1"/>
+          </a:fontRef>
+        </p:style>
+        <p:txBody>
+          <a:bodyPr rtlCol="0" anchor="ctr"/>
+          <a:lstStyle/>
+          <a:p>
+            <a:r>
+              <a:rPr lang="fr-FR" sz="3800" b="1" dirty="0">
+                <a:solidFill>
+                  <a:srgbClr val="5B5B5B"/>
+                </a:solidFill>
+              </a:rPr>
+              <a:t>Pourquoi est-il important de versionner les API dans une architecture microservices ?</a:t>
+            </a:r>
+          </a:p>
+        </p:txBody>
+      </p:sp>
+      <p:sp>
+        <p:nvSpPr>
+          <p:cNvPr id="10" name="Rectangle 9">
+            <a:extLst>
+              <a:ext uri="{FF2B5EF4-FFF2-40B4-BE49-F238E27FC236}">
+                <a16:creationId xmlns:a16="http://schemas.microsoft.com/office/drawing/2014/main" id="{25577C88-7EB9-FDBE-651C-1845015969F9}"/>
+              </a:ext>
+            </a:extLst>
+          </p:cNvPr>
+          <p:cNvSpPr/>
+          <p:nvPr>
+            <p:custDataLst>
+              <p:tags r:id="rId7"/>
+            </p:custDataLst>
+          </p:nvPr>
+        </p:nvSpPr>
+        <p:spPr>
+          <a:xfrm>
+            <a:off x="3901440" y="6032500"/>
+            <a:ext cx="7315199" cy="518160"/>
+          </a:xfrm>
+          <a:prstGeom prst="rect">
+            <a:avLst/>
+          </a:prstGeom>
+          <a:noFill/>
+          <a:ln w="19050" cap="flat" cmpd="sng" algn="ctr">
+            <a:noFill/>
+            <a:prstDash val="solid"/>
+            <a:miter lim="800000"/>
+          </a:ln>
+          <a:effectLst/>
+          <a:extLst>
+            <a:ext uri="{909E8E84-426E-40DD-AFC4-6F175D3DCCD1}">
+              <a14:hiddenFill xmlns:a14="http://schemas.microsoft.com/office/drawing/2010/main">
+                <a:solidFill>
+                  <a:schemeClr val="accent1"/>
+                </a:solidFill>
+              </a14:hiddenFill>
+            </a:ext>
+            <a:ext uri="{91240B29-F687-4F45-9708-019B960494DF}">
+              <a14:hiddenLine xmlns:a14="http://schemas.microsoft.com/office/drawing/2010/main" w="19050" cap="flat" cmpd="sng" algn="ctr">
+                <a:solidFill>
+                  <a:schemeClr val="accent1">
+                    <a:shade val="15000"/>
+                  </a:schemeClr>
+                </a:solidFill>
+                <a:prstDash val="solid"/>
+                <a:miter lim="800000"/>
+              </a14:hiddenLine>
+            </a:ext>
+          </a:extLst>
+        </p:spPr>
+        <p:style>
+          <a:lnRef idx="2">
+            <a:schemeClr val="accent1">
+              <a:shade val="15000"/>
+            </a:schemeClr>
+          </a:lnRef>
+          <a:fillRef idx="1">
+            <a:schemeClr val="accent1"/>
+          </a:fillRef>
+          <a:effectRef idx="0">
+            <a:schemeClr val="accent1"/>
+          </a:effectRef>
+          <a:fontRef idx="minor">
+            <a:schemeClr val="lt1"/>
+          </a:fontRef>
+        </p:style>
+        <p:txBody>
+          <a:bodyPr rtlCol="0" anchor="ctr">
+            <a:normAutofit/>
+          </a:bodyPr>
+          <a:lstStyle/>
+          <a:p>
+            <a:r>
+              <a:rPr lang="en-US" sz="2200" b="1">
+                <a:solidFill>
+                  <a:srgbClr val="5B5B5B"/>
+                </a:solidFill>
+              </a:rPr>
+              <a:t>ⓘ</a:t>
+            </a:r>
+            <a:r>
+              <a:rPr lang="en-US" sz="2000">
+                <a:solidFill>
+                  <a:srgbClr val="5B5B5B"/>
+                </a:solidFill>
+              </a:rPr>
+              <a:t> Start presenting to display the poll results on this slide.</a:t>
+            </a:r>
+            <a:endParaRPr lang="fr-FR" sz="2000">
+              <a:solidFill>
+                <a:srgbClr val="5B5B5B"/>
+              </a:solidFill>
+            </a:endParaRPr>
+          </a:p>
+        </p:txBody>
+      </p:sp>
+    </p:spTree>
+    <p:custDataLst>
+      <p:tags r:id="rId1"/>
+    </p:custDataLst>
+    <p:extLst>
+      <p:ext uri="{BB962C8B-B14F-4D97-AF65-F5344CB8AC3E}">
+        <p14:creationId xmlns:p14="http://schemas.microsoft.com/office/powerpoint/2010/main" val="2771338718"/>
+      </p:ext>
+    </p:extLst>
+  </p:cSld>
+  <p:clrMapOvr>
+    <a:masterClrMapping/>
+  </p:clrMapOvr>
+  <p:timing>
+    <p:tnLst>
+      <p:par>
+        <p:cTn id="1" dur="indefinite" restart="never" nodeType="tmRoot">
+          <p:childTnLst>
+            <p:seq concurrent="1" nextAc="seek">
+              <p:cTn id="2" dur="indefinite" nodeType="mainSeq">
+                <p:childTnLst>
+                  <p:par>
+                    <p:cTn id="3" fill="hold">
+                      <p:stCondLst>
+                        <p:cond delay="indefinite"/>
+                      </p:stCondLst>
+                      <p:childTnLst>
+                        <p:par>
+                          <p:cTn id="4" fill="hold">
+                            <p:stCondLst>
+                              <p:cond delay="0"/>
+                            </p:stCondLst>
+                            <p:childTnLst>
+                              <p:par>
+                                <p:cTn id="5" presetID="26" presetClass="emph" presetSubtype="0" fill="hold" grpId="0" nodeType="clickEffect">
+                                  <p:stCondLst>
+                                    <p:cond delay="0"/>
+                                  </p:stCondLst>
+                                  <p:childTnLst>
+                                    <p:animEffect transition="out" filter="fade">
+                                      <p:cBhvr>
+                                        <p:cTn id="6" dur="50" tmFilter="0, 0; .2, .5; .8, .5; 1, 0"/>
+                                        <p:tgtEl>
+                                          <p:spTgt spid="9"/>
+                                        </p:tgtEl>
+                                      </p:cBhvr>
+                                    </p:animEffect>
+                                    <p:animScale>
+                                      <p:cBhvr>
+                                        <p:cTn id="7" dur="25" autoRev="1" fill="hold"/>
+                                        <p:tgtEl>
+                                          <p:spTgt spid="9"/>
+                                        </p:tgtEl>
+                                      </p:cBhvr>
+                                      <p:by x="105000" y="105000"/>
+                                    </p:animScale>
+                                  </p:childTnLst>
+                                </p:cTn>
+                              </p:par>
+                            </p:childTnLst>
+                          </p:cTn>
+                        </p:par>
+                      </p:childTnLst>
+                    </p:cTn>
+                  </p:par>
+                  <p:par>
+                    <p:cTn id="8" fill="hold">
+                      <p:stCondLst>
+                        <p:cond delay="indefinite"/>
+                      </p:stCondLst>
+                      <p:childTnLst>
+                        <p:par>
+                          <p:cTn id="9" fill="hold">
+                            <p:stCondLst>
+                              <p:cond delay="0"/>
+                            </p:stCondLst>
+                            <p:childTnLst>
+                              <p:par>
+                                <p:cTn id="10" presetID="26" presetClass="emph" presetSubtype="0" fill="hold" grpId="1" nodeType="clickEffect">
+                                  <p:stCondLst>
+                                    <p:cond delay="0"/>
+                                  </p:stCondLst>
+                                  <p:childTnLst>
+                                    <p:animEffect transition="out" filter="fade">
+                                      <p:cBhvr>
+                                        <p:cTn id="11" dur="50" tmFilter="0, 0; .2, .5; .8, .5; 1, 0"/>
+                                        <p:tgtEl>
+                                          <p:spTgt spid="9"/>
+                                        </p:tgtEl>
+                                      </p:cBhvr>
+                                    </p:animEffect>
+                                    <p:animScale>
+                                      <p:cBhvr>
+                                        <p:cTn id="12" dur="25" autoRev="1" fill="hold"/>
+                                        <p:tgtEl>
+                                          <p:spTgt spid="9"/>
+                                        </p:tgtEl>
+                                      </p:cBhvr>
+                                      <p:by x="105000" y="105000"/>
+                                    </p:animScale>
+                                  </p:childTnLst>
+                                </p:cTn>
+                              </p:par>
+                            </p:childTnLst>
+                          </p:cTn>
+                        </p:par>
+                      </p:childTnLst>
+                    </p:cTn>
+                  </p:par>
+                </p:childTnLst>
+              </p:cTn>
+              <p:prevCondLst>
+                <p:cond evt="onPrev" delay="0">
+                  <p:tgtEl>
+                    <p:sldTgt/>
+                  </p:tgtEl>
+                </p:cond>
+              </p:prevCondLst>
+              <p:nextCondLst>
+                <p:cond evt="onNext" delay="0">
+                  <p:tgtEl>
+                    <p:sldTgt/>
+                  </p:tgtEl>
+                </p:cond>
+              </p:nextCondLst>
+            </p:seq>
+          </p:childTnLst>
+        </p:cTn>
+      </p:par>
+    </p:tnLst>
+    <p:bldLst>
+      <p:bldP spid="9" grpId="0" animBg="1"/>
+      <p:bldP spid="9" grpId="1" animBg="1"/>
+    </p:bldLst>
+  </p:timing>
+</p:sld>
+</file>
+
+<file path=ppt/slides/slide18.xml><?xml version="1.0" encoding="utf-8"?>
+<p:sld xmlns:a="http://schemas.openxmlformats.org/drawingml/2006/main" xmlns:r="http://schemas.openxmlformats.org/officeDocument/2006/relationships" xmlns:p="http://schemas.openxmlformats.org/presentationml/2006/main" showMasterSp="0">
+  <p:cSld>
+    <p:bg>
+      <p:bgPr>
+        <a:solidFill>
+          <a:srgbClr val="FFFFFF"/>
+        </a:solidFill>
+        <a:effectLst/>
+      </p:bgPr>
+    </p:bg>
+    <p:spTree>
+      <p:nvGrpSpPr>
+        <p:cNvPr id="1" name=""/>
+        <p:cNvGrpSpPr/>
+        <p:nvPr/>
+      </p:nvGrpSpPr>
+      <p:grpSpPr>
+        <a:xfrm>
+          <a:off x="0" y="0"/>
+          <a:ext cx="0" cy="0"/>
+          <a:chOff x="0" y="0"/>
+          <a:chExt cx="0" cy="0"/>
+        </a:xfrm>
+      </p:grpSpPr>
+      <p:sp>
+        <p:nvSpPr>
+          <p:cNvPr id="2" name="Rectangle : coins arrondis 1">
+            <a:extLst>
+              <a:ext uri="{FF2B5EF4-FFF2-40B4-BE49-F238E27FC236}">
+                <a16:creationId xmlns:a16="http://schemas.microsoft.com/office/drawing/2014/main" id="{F6469695-51AB-FEA6-B405-428C36B8D86B}"/>
+              </a:ext>
+            </a:extLst>
+          </p:cNvPr>
+          <p:cNvSpPr/>
+          <p:nvPr>
+            <p:custDataLst>
+              <p:tags r:id="rId2"/>
+            </p:custDataLst>
+          </p:nvPr>
+        </p:nvSpPr>
+        <p:spPr>
+          <a:xfrm>
+            <a:off x="6286500" y="430530"/>
+            <a:ext cx="5524500" cy="891540"/>
+          </a:xfrm>
+          <a:prstGeom prst="roundRect">
+            <a:avLst/>
+          </a:prstGeom>
+          <a:solidFill>
+            <a:srgbClr val="F4F4F4"/>
+          </a:solidFill>
+          <a:ln w="19050" cap="flat" cmpd="sng" algn="ctr">
+            <a:noFill/>
+            <a:prstDash val="solid"/>
+            <a:miter lim="800000"/>
+          </a:ln>
+          <a:effectLst/>
+          <a:extLst>
+            <a:ext uri="{91240B29-F687-4F45-9708-019B960494DF}">
+              <a14:hiddenLine xmlns:a14="http://schemas.microsoft.com/office/drawing/2010/main" w="19050" cap="flat" cmpd="sng" algn="ctr">
+                <a:solidFill>
+                  <a:schemeClr val="accent1">
+                    <a:shade val="15000"/>
+                  </a:schemeClr>
+                </a:solidFill>
+                <a:prstDash val="solid"/>
+                <a:miter lim="800000"/>
+              </a14:hiddenLine>
+            </a:ext>
+          </a:extLst>
+        </p:spPr>
+        <p:style>
+          <a:lnRef idx="2">
+            <a:schemeClr val="accent1">
+              <a:shade val="15000"/>
+            </a:schemeClr>
+          </a:lnRef>
+          <a:fillRef idx="1">
+            <a:schemeClr val="accent1"/>
+          </a:fillRef>
+          <a:effectRef idx="0">
+            <a:schemeClr val="accent1"/>
+          </a:effectRef>
+          <a:fontRef idx="minor">
+            <a:schemeClr val="lt1"/>
+          </a:fontRef>
+        </p:style>
+        <p:txBody>
+          <a:bodyPr lIns="317500" rIns="1143000" rtlCol="0" anchor="ctr">
+            <a:normAutofit/>
+          </a:bodyPr>
+          <a:lstStyle/>
+          <a:p>
+            <a:r>
+              <a:rPr lang="en-US" sz="2000">
+                <a:solidFill>
+                  <a:srgbClr val="5B5B5B"/>
+                </a:solidFill>
+              </a:rPr>
+              <a:t>Please download and install the Slido app on all computers you use</a:t>
+            </a:r>
+            <a:endParaRPr lang="fr-FR" sz="2000">
+              <a:solidFill>
+                <a:srgbClr val="5B5B5B"/>
+              </a:solidFill>
+            </a:endParaRPr>
+          </a:p>
+        </p:txBody>
+      </p:sp>
+      <p:pic>
+        <p:nvPicPr>
+          <p:cNvPr id="4" name="Graphique 3">
+            <a:extLst>
+              <a:ext uri="{FF2B5EF4-FFF2-40B4-BE49-F238E27FC236}">
+                <a16:creationId xmlns:a16="http://schemas.microsoft.com/office/drawing/2014/main" id="{C12D82C9-0CE6-5314-4376-6C247591EB4C}"/>
+              </a:ext>
+            </a:extLst>
+          </p:cNvPr>
+          <p:cNvPicPr>
+            <a:picLocks/>
+          </p:cNvPicPr>
+          <p:nvPr>
+            <p:custDataLst>
+              <p:tags r:id="rId3"/>
+            </p:custDataLst>
+          </p:nvPr>
+        </p:nvPicPr>
+        <p:blipFill>
+          <a:blip r:embed="rId9">
+            <a:extLst>
+              <a:ext uri="{96DAC541-7B7A-43D3-8B79-37D633B846F1}">
+                <asvg:svgBlip xmlns:asvg="http://schemas.microsoft.com/office/drawing/2016/SVG/main" r:embed="rId10"/>
+              </a:ext>
+            </a:extLst>
+          </a:blip>
+          <a:stretch>
+            <a:fillRect/>
+          </a:stretch>
+        </p:blipFill>
+        <p:spPr>
+          <a:xfrm>
+            <a:off x="10826048" y="577634"/>
+            <a:ext cx="597332" cy="597332"/>
+          </a:xfrm>
+          <a:prstGeom prst="rect">
+            <a:avLst/>
+          </a:prstGeom>
+        </p:spPr>
+      </p:pic>
+      <p:pic>
+        <p:nvPicPr>
+          <p:cNvPr id="6" name="Graphique 5">
+            <a:extLst>
+              <a:ext uri="{FF2B5EF4-FFF2-40B4-BE49-F238E27FC236}">
+                <a16:creationId xmlns:a16="http://schemas.microsoft.com/office/drawing/2014/main" id="{B7305740-1131-82A2-4168-BEF09A1EB7E4}"/>
+              </a:ext>
+            </a:extLst>
+          </p:cNvPr>
+          <p:cNvPicPr>
+            <a:picLocks/>
+          </p:cNvPicPr>
+          <p:nvPr>
+            <p:custDataLst>
+              <p:tags r:id="rId4"/>
+            </p:custDataLst>
+          </p:nvPr>
+        </p:nvPicPr>
+        <p:blipFill>
+          <a:blip r:embed="rId11">
+            <a:extLst>
+              <a:ext uri="{96DAC541-7B7A-43D3-8B79-37D633B846F1}">
+                <asvg:svgBlip xmlns:asvg="http://schemas.microsoft.com/office/drawing/2016/SVG/main" r:embed="rId12"/>
+              </a:ext>
+            </a:extLst>
+          </a:blip>
+          <a:stretch>
+            <a:fillRect/>
+          </a:stretch>
+        </p:blipFill>
+        <p:spPr>
+          <a:xfrm>
+            <a:off x="3901440" y="617220"/>
+            <a:ext cx="1036320" cy="518160"/>
+          </a:xfrm>
+          <a:prstGeom prst="rect">
+            <a:avLst/>
+          </a:prstGeom>
+        </p:spPr>
+      </p:pic>
+      <p:pic>
+        <p:nvPicPr>
+          <p:cNvPr id="8" name="Graphique 7">
+            <a:extLst>
+              <a:ext uri="{FF2B5EF4-FFF2-40B4-BE49-F238E27FC236}">
+                <a16:creationId xmlns:a16="http://schemas.microsoft.com/office/drawing/2014/main" id="{F19C87FA-9E62-DE1F-7DE1-C83AB43A24C1}"/>
+              </a:ext>
+            </a:extLst>
+          </p:cNvPr>
+          <p:cNvPicPr>
+            <a:picLocks/>
+          </p:cNvPicPr>
+          <p:nvPr>
+            <p:custDataLst>
+              <p:tags r:id="rId5"/>
+            </p:custDataLst>
+          </p:nvPr>
+        </p:nvPicPr>
+        <p:blipFill>
+          <a:blip r:embed="rId13">
+            <a:extLst>
+              <a:ext uri="{96DAC541-7B7A-43D3-8B79-37D633B846F1}">
+                <asvg:svgBlip xmlns:asvg="http://schemas.microsoft.com/office/drawing/2016/SVG/main" r:embed="rId14"/>
+              </a:ext>
+            </a:extLst>
+          </a:blip>
+          <a:stretch>
+            <a:fillRect/>
+          </a:stretch>
+        </p:blipFill>
+        <p:spPr>
+          <a:xfrm>
+            <a:off x="1158240" y="2270760"/>
+            <a:ext cx="2316480" cy="2316480"/>
+          </a:xfrm>
+          <a:prstGeom prst="rect">
+            <a:avLst/>
+          </a:prstGeom>
+        </p:spPr>
+      </p:pic>
+      <p:sp>
+        <p:nvSpPr>
+          <p:cNvPr id="9" name="Rectangle 8">
+            <a:extLst>
+              <a:ext uri="{FF2B5EF4-FFF2-40B4-BE49-F238E27FC236}">
+                <a16:creationId xmlns:a16="http://schemas.microsoft.com/office/drawing/2014/main" id="{3F49276E-DA6C-7EFB-D55B-16DD05B390F6}"/>
+              </a:ext>
+            </a:extLst>
+          </p:cNvPr>
+          <p:cNvSpPr/>
+          <p:nvPr>
+            <p:custDataLst>
+              <p:tags r:id="rId6"/>
+            </p:custDataLst>
+          </p:nvPr>
+        </p:nvSpPr>
+        <p:spPr>
+          <a:xfrm>
+            <a:off x="3901440" y="2571750"/>
+            <a:ext cx="7315199" cy="1714500"/>
+          </a:xfrm>
+          <a:prstGeom prst="rect">
+            <a:avLst/>
+          </a:prstGeom>
+          <a:noFill/>
+          <a:ln w="19050" cap="flat" cmpd="sng" algn="ctr">
+            <a:solidFill>
+              <a:srgbClr val="FFFFFF"/>
+            </a:solidFill>
+            <a:prstDash val="solid"/>
+            <a:miter lim="800000"/>
+          </a:ln>
+          <a:effectLst/>
+          <a:extLst>
+            <a:ext uri="{909E8E84-426E-40DD-AFC4-6F175D3DCCD1}">
+              <a14:hiddenFill xmlns:a14="http://schemas.microsoft.com/office/drawing/2010/main">
+                <a:solidFill>
+                  <a:schemeClr val="accent1"/>
+                </a:solidFill>
+              </a14:hiddenFill>
+            </a:ext>
+          </a:extLst>
+        </p:spPr>
+        <p:style>
+          <a:lnRef idx="2">
+            <a:schemeClr val="accent1">
+              <a:shade val="15000"/>
+            </a:schemeClr>
+          </a:lnRef>
+          <a:fillRef idx="1">
+            <a:schemeClr val="accent1"/>
+          </a:fillRef>
+          <a:effectRef idx="0">
+            <a:schemeClr val="accent1"/>
+          </a:effectRef>
+          <a:fontRef idx="minor">
+            <a:schemeClr val="lt1"/>
+          </a:fontRef>
+        </p:style>
+        <p:txBody>
+          <a:bodyPr rtlCol="0" anchor="ctr"/>
+          <a:lstStyle/>
+          <a:p>
+            <a:r>
+              <a:rPr lang="fr-FR" sz="2400" b="1">
+                <a:solidFill>
+                  <a:srgbClr val="5B5B5B"/>
+                </a:solidFill>
+              </a:rPr>
+              <a:t>Le langage omniprésent (Ubiquitous Language) rend ambigüe la communication entre les développeurs et les équipes métiers.</a:t>
+            </a:r>
+          </a:p>
+        </p:txBody>
+      </p:sp>
+      <p:sp>
+        <p:nvSpPr>
+          <p:cNvPr id="10" name="Rectangle 9">
+            <a:extLst>
+              <a:ext uri="{FF2B5EF4-FFF2-40B4-BE49-F238E27FC236}">
+                <a16:creationId xmlns:a16="http://schemas.microsoft.com/office/drawing/2014/main" id="{6304014E-105C-EFA9-9FDA-8A7978B2A50B}"/>
+              </a:ext>
+            </a:extLst>
+          </p:cNvPr>
+          <p:cNvSpPr/>
+          <p:nvPr>
+            <p:custDataLst>
+              <p:tags r:id="rId7"/>
+            </p:custDataLst>
+          </p:nvPr>
+        </p:nvSpPr>
+        <p:spPr>
+          <a:xfrm>
+            <a:off x="3901440" y="6032500"/>
+            <a:ext cx="7315199" cy="518160"/>
+          </a:xfrm>
+          <a:prstGeom prst="rect">
+            <a:avLst/>
+          </a:prstGeom>
+          <a:noFill/>
+          <a:ln w="19050" cap="flat" cmpd="sng" algn="ctr">
+            <a:noFill/>
+            <a:prstDash val="solid"/>
+            <a:miter lim="800000"/>
+          </a:ln>
+          <a:effectLst/>
+          <a:extLst>
+            <a:ext uri="{909E8E84-426E-40DD-AFC4-6F175D3DCCD1}">
+              <a14:hiddenFill xmlns:a14="http://schemas.microsoft.com/office/drawing/2010/main">
+                <a:solidFill>
+                  <a:schemeClr val="accent1"/>
+                </a:solidFill>
+              </a14:hiddenFill>
+            </a:ext>
+            <a:ext uri="{91240B29-F687-4F45-9708-019B960494DF}">
+              <a14:hiddenLine xmlns:a14="http://schemas.microsoft.com/office/drawing/2010/main" w="19050" cap="flat" cmpd="sng" algn="ctr">
+                <a:solidFill>
+                  <a:schemeClr val="accent1">
+                    <a:shade val="15000"/>
+                  </a:schemeClr>
+                </a:solidFill>
+                <a:prstDash val="solid"/>
+                <a:miter lim="800000"/>
+              </a14:hiddenLine>
+            </a:ext>
+          </a:extLst>
+        </p:spPr>
+        <p:style>
+          <a:lnRef idx="2">
+            <a:schemeClr val="accent1">
+              <a:shade val="15000"/>
+            </a:schemeClr>
+          </a:lnRef>
+          <a:fillRef idx="1">
+            <a:schemeClr val="accent1"/>
+          </a:fillRef>
+          <a:effectRef idx="0">
+            <a:schemeClr val="accent1"/>
+          </a:effectRef>
+          <a:fontRef idx="minor">
+            <a:schemeClr val="lt1"/>
+          </a:fontRef>
+        </p:style>
+        <p:txBody>
+          <a:bodyPr rtlCol="0" anchor="ctr">
+            <a:normAutofit/>
+          </a:bodyPr>
+          <a:lstStyle/>
+          <a:p>
+            <a:r>
+              <a:rPr lang="en-US" sz="2200" b="1">
+                <a:solidFill>
+                  <a:srgbClr val="5B5B5B"/>
+                </a:solidFill>
+              </a:rPr>
+              <a:t>ⓘ</a:t>
+            </a:r>
+            <a:r>
+              <a:rPr lang="en-US" sz="2000">
+                <a:solidFill>
+                  <a:srgbClr val="5B5B5B"/>
+                </a:solidFill>
+              </a:rPr>
+              <a:t> Start presenting to display the poll results on this slide.</a:t>
+            </a:r>
+            <a:endParaRPr lang="fr-FR" sz="2000">
+              <a:solidFill>
+                <a:srgbClr val="5B5B5B"/>
+              </a:solidFill>
+            </a:endParaRPr>
+          </a:p>
+        </p:txBody>
+      </p:sp>
+    </p:spTree>
+    <p:custDataLst>
+      <p:tags r:id="rId1"/>
+    </p:custDataLst>
+    <p:extLst>
+      <p:ext uri="{BB962C8B-B14F-4D97-AF65-F5344CB8AC3E}">
+        <p14:creationId xmlns:p14="http://schemas.microsoft.com/office/powerpoint/2010/main" val="3423107429"/>
+      </p:ext>
+    </p:extLst>
+  </p:cSld>
+  <p:clrMapOvr>
+    <a:masterClrMapping/>
+  </p:clrMapOvr>
+  <p:timing>
+    <p:tnLst>
+      <p:par>
+        <p:cTn id="1" dur="indefinite" restart="never" nodeType="tmRoot">
+          <p:childTnLst>
+            <p:seq concurrent="1" nextAc="seek">
+              <p:cTn id="2" dur="indefinite" nodeType="mainSeq">
+                <p:childTnLst>
+                  <p:par>
+                    <p:cTn id="3" fill="hold">
+                      <p:stCondLst>
+                        <p:cond delay="indefinite"/>
+                      </p:stCondLst>
+                      <p:childTnLst>
+                        <p:par>
+                          <p:cTn id="4" fill="hold">
+                            <p:stCondLst>
+                              <p:cond delay="0"/>
+                            </p:stCondLst>
+                            <p:childTnLst>
+                              <p:par>
+                                <p:cTn id="5" presetID="26" presetClass="emph" presetSubtype="0" fill="hold" grpId="0" nodeType="clickEffect">
+                                  <p:stCondLst>
+                                    <p:cond delay="0"/>
+                                  </p:stCondLst>
+                                  <p:childTnLst>
+                                    <p:animEffect transition="out" filter="fade">
+                                      <p:cBhvr>
+                                        <p:cTn id="6" dur="50" tmFilter="0, 0; .2, .5; .8, .5; 1, 0"/>
+                                        <p:tgtEl>
+                                          <p:spTgt spid="9"/>
+                                        </p:tgtEl>
+                                      </p:cBhvr>
+                                    </p:animEffect>
+                                    <p:animScale>
+                                      <p:cBhvr>
+                                        <p:cTn id="7" dur="25" autoRev="1" fill="hold"/>
+                                        <p:tgtEl>
+                                          <p:spTgt spid="9"/>
+                                        </p:tgtEl>
+                                      </p:cBhvr>
+                                      <p:by x="105000" y="105000"/>
+                                    </p:animScale>
+                                  </p:childTnLst>
+                                </p:cTn>
+                              </p:par>
+                            </p:childTnLst>
+                          </p:cTn>
+                        </p:par>
+                      </p:childTnLst>
+                    </p:cTn>
+                  </p:par>
+                  <p:par>
+                    <p:cTn id="8" fill="hold">
+                      <p:stCondLst>
+                        <p:cond delay="indefinite"/>
+                      </p:stCondLst>
+                      <p:childTnLst>
+                        <p:par>
+                          <p:cTn id="9" fill="hold">
+                            <p:stCondLst>
+                              <p:cond delay="0"/>
+                            </p:stCondLst>
+                            <p:childTnLst>
+                              <p:par>
+                                <p:cTn id="10" presetID="26" presetClass="emph" presetSubtype="0" fill="hold" grpId="1" nodeType="clickEffect">
+                                  <p:stCondLst>
+                                    <p:cond delay="0"/>
+                                  </p:stCondLst>
+                                  <p:childTnLst>
+                                    <p:animEffect transition="out" filter="fade">
+                                      <p:cBhvr>
+                                        <p:cTn id="11" dur="50" tmFilter="0, 0; .2, .5; .8, .5; 1, 0"/>
+                                        <p:tgtEl>
+                                          <p:spTgt spid="9"/>
+                                        </p:tgtEl>
+                                      </p:cBhvr>
+                                    </p:animEffect>
+                                    <p:animScale>
+                                      <p:cBhvr>
+                                        <p:cTn id="12" dur="25" autoRev="1" fill="hold"/>
+                                        <p:tgtEl>
+                                          <p:spTgt spid="9"/>
+                                        </p:tgtEl>
+                                      </p:cBhvr>
+                                      <p:by x="105000" y="105000"/>
+                                    </p:animScale>
+                                  </p:childTnLst>
+                                </p:cTn>
+                              </p:par>
+                            </p:childTnLst>
+                          </p:cTn>
+                        </p:par>
+                      </p:childTnLst>
+                    </p:cTn>
+                  </p:par>
+                </p:childTnLst>
+              </p:cTn>
+              <p:prevCondLst>
+                <p:cond evt="onPrev" delay="0">
+                  <p:tgtEl>
+                    <p:sldTgt/>
+                  </p:tgtEl>
+                </p:cond>
+              </p:prevCondLst>
+              <p:nextCondLst>
+                <p:cond evt="onNext" delay="0">
+                  <p:tgtEl>
+                    <p:sldTgt/>
+                  </p:tgtEl>
+                </p:cond>
+              </p:nextCondLst>
+            </p:seq>
+          </p:childTnLst>
+        </p:cTn>
+      </p:par>
+    </p:tnLst>
+    <p:bldLst>
+      <p:bldP spid="9" grpId="0" animBg="1"/>
+      <p:bldP spid="9" grpId="1" animBg="1"/>
+    </p:bldLst>
+  </p:timing>
+</p:sld>
+</file>
+
+<file path=ppt/slides/slide19.xml><?xml version="1.0" encoding="utf-8"?>
+<p:sld xmlns:a="http://schemas.openxmlformats.org/drawingml/2006/main" xmlns:r="http://schemas.openxmlformats.org/officeDocument/2006/relationships" xmlns:p="http://schemas.openxmlformats.org/presentationml/2006/main" showMasterSp="0">
+  <p:cSld>
+    <p:bg>
+      <p:bgPr>
+        <a:solidFill>
+          <a:srgbClr val="FFFFFF"/>
+        </a:solidFill>
+        <a:effectLst/>
+      </p:bgPr>
+    </p:bg>
+    <p:spTree>
+      <p:nvGrpSpPr>
+        <p:cNvPr id="1" name=""/>
+        <p:cNvGrpSpPr/>
+        <p:nvPr/>
+      </p:nvGrpSpPr>
+      <p:grpSpPr>
+        <a:xfrm>
+          <a:off x="0" y="0"/>
+          <a:ext cx="0" cy="0"/>
+          <a:chOff x="0" y="0"/>
+          <a:chExt cx="0" cy="0"/>
+        </a:xfrm>
+      </p:grpSpPr>
+      <p:sp>
+        <p:nvSpPr>
+          <p:cNvPr id="2" name="Rectangle : coins arrondis 1">
+            <a:extLst>
+              <a:ext uri="{FF2B5EF4-FFF2-40B4-BE49-F238E27FC236}">
+                <a16:creationId xmlns:a16="http://schemas.microsoft.com/office/drawing/2014/main" id="{F68EF3C5-43F6-C5CB-3F54-1E30F7C7EB4E}"/>
+              </a:ext>
+            </a:extLst>
+          </p:cNvPr>
+          <p:cNvSpPr/>
+          <p:nvPr>
+            <p:custDataLst>
+              <p:tags r:id="rId2"/>
+            </p:custDataLst>
+          </p:nvPr>
+        </p:nvSpPr>
+        <p:spPr>
+          <a:xfrm>
+            <a:off x="6286500" y="430530"/>
+            <a:ext cx="5524500" cy="891540"/>
+          </a:xfrm>
+          <a:prstGeom prst="roundRect">
+            <a:avLst/>
+          </a:prstGeom>
+          <a:solidFill>
+            <a:srgbClr val="F4F4F4"/>
+          </a:solidFill>
+          <a:ln w="19050" cap="flat" cmpd="sng" algn="ctr">
+            <a:noFill/>
+            <a:prstDash val="solid"/>
+            <a:miter lim="800000"/>
+          </a:ln>
+          <a:effectLst/>
+          <a:extLst>
+            <a:ext uri="{91240B29-F687-4F45-9708-019B960494DF}">
+              <a14:hiddenLine xmlns:a14="http://schemas.microsoft.com/office/drawing/2010/main" w="19050" cap="flat" cmpd="sng" algn="ctr">
+                <a:solidFill>
+                  <a:schemeClr val="accent1">
+                    <a:shade val="15000"/>
+                  </a:schemeClr>
+                </a:solidFill>
+                <a:prstDash val="solid"/>
+                <a:miter lim="800000"/>
+              </a14:hiddenLine>
+            </a:ext>
+          </a:extLst>
+        </p:spPr>
+        <p:style>
+          <a:lnRef idx="2">
+            <a:schemeClr val="accent1">
+              <a:shade val="15000"/>
+            </a:schemeClr>
+          </a:lnRef>
+          <a:fillRef idx="1">
+            <a:schemeClr val="accent1"/>
+          </a:fillRef>
+          <a:effectRef idx="0">
+            <a:schemeClr val="accent1"/>
+          </a:effectRef>
+          <a:fontRef idx="minor">
+            <a:schemeClr val="lt1"/>
+          </a:fontRef>
+        </p:style>
+        <p:txBody>
+          <a:bodyPr lIns="317500" rIns="1143000" rtlCol="0" anchor="ctr">
+            <a:normAutofit/>
+          </a:bodyPr>
+          <a:lstStyle/>
+          <a:p>
+            <a:r>
+              <a:rPr lang="en-US" sz="2000">
+                <a:solidFill>
+                  <a:srgbClr val="5B5B5B"/>
+                </a:solidFill>
+              </a:rPr>
+              <a:t>Please download and install the Slido app on all computers you use</a:t>
+            </a:r>
+            <a:endParaRPr lang="fr-FR" sz="2000">
+              <a:solidFill>
+                <a:srgbClr val="5B5B5B"/>
+              </a:solidFill>
+            </a:endParaRPr>
+          </a:p>
+        </p:txBody>
+      </p:sp>
+      <p:pic>
+        <p:nvPicPr>
+          <p:cNvPr id="4" name="Graphique 3">
+            <a:extLst>
+              <a:ext uri="{FF2B5EF4-FFF2-40B4-BE49-F238E27FC236}">
+                <a16:creationId xmlns:a16="http://schemas.microsoft.com/office/drawing/2014/main" id="{B1191DB7-03B2-E5FE-8305-2EDE56AFF6E1}"/>
+              </a:ext>
+            </a:extLst>
+          </p:cNvPr>
+          <p:cNvPicPr>
+            <a:picLocks/>
+          </p:cNvPicPr>
+          <p:nvPr>
+            <p:custDataLst>
+              <p:tags r:id="rId3"/>
+            </p:custDataLst>
+          </p:nvPr>
+        </p:nvPicPr>
+        <p:blipFill>
+          <a:blip r:embed="rId9">
+            <a:extLst>
+              <a:ext uri="{96DAC541-7B7A-43D3-8B79-37D633B846F1}">
+                <asvg:svgBlip xmlns:asvg="http://schemas.microsoft.com/office/drawing/2016/SVG/main" r:embed="rId10"/>
+              </a:ext>
+            </a:extLst>
+          </a:blip>
+          <a:stretch>
+            <a:fillRect/>
+          </a:stretch>
+        </p:blipFill>
+        <p:spPr>
+          <a:xfrm>
+            <a:off x="10826048" y="577634"/>
+            <a:ext cx="597332" cy="597332"/>
+          </a:xfrm>
+          <a:prstGeom prst="rect">
+            <a:avLst/>
+          </a:prstGeom>
+        </p:spPr>
+      </p:pic>
+      <p:pic>
+        <p:nvPicPr>
+          <p:cNvPr id="6" name="Graphique 5">
+            <a:extLst>
+              <a:ext uri="{FF2B5EF4-FFF2-40B4-BE49-F238E27FC236}">
+                <a16:creationId xmlns:a16="http://schemas.microsoft.com/office/drawing/2014/main" id="{79A086D1-0323-E1CC-FA53-FA5A4866FF45}"/>
+              </a:ext>
+            </a:extLst>
+          </p:cNvPr>
+          <p:cNvPicPr>
+            <a:picLocks/>
+          </p:cNvPicPr>
+          <p:nvPr>
+            <p:custDataLst>
+              <p:tags r:id="rId4"/>
+            </p:custDataLst>
+          </p:nvPr>
+        </p:nvPicPr>
+        <p:blipFill>
+          <a:blip r:embed="rId11">
+            <a:extLst>
+              <a:ext uri="{96DAC541-7B7A-43D3-8B79-37D633B846F1}">
+                <asvg:svgBlip xmlns:asvg="http://schemas.microsoft.com/office/drawing/2016/SVG/main" r:embed="rId12"/>
+              </a:ext>
+            </a:extLst>
+          </a:blip>
+          <a:stretch>
+            <a:fillRect/>
+          </a:stretch>
+        </p:blipFill>
+        <p:spPr>
+          <a:xfrm>
+            <a:off x="3901440" y="617220"/>
+            <a:ext cx="1036320" cy="518160"/>
+          </a:xfrm>
+          <a:prstGeom prst="rect">
+            <a:avLst/>
+          </a:prstGeom>
+        </p:spPr>
+      </p:pic>
+      <p:pic>
+        <p:nvPicPr>
+          <p:cNvPr id="8" name="Graphique 7">
+            <a:extLst>
+              <a:ext uri="{FF2B5EF4-FFF2-40B4-BE49-F238E27FC236}">
+                <a16:creationId xmlns:a16="http://schemas.microsoft.com/office/drawing/2014/main" id="{EFDE8153-75A7-AC2B-9EB5-50BC04C720F4}"/>
+              </a:ext>
+            </a:extLst>
+          </p:cNvPr>
+          <p:cNvPicPr>
+            <a:picLocks/>
+          </p:cNvPicPr>
+          <p:nvPr>
+            <p:custDataLst>
+              <p:tags r:id="rId5"/>
+            </p:custDataLst>
+          </p:nvPr>
+        </p:nvPicPr>
+        <p:blipFill>
+          <a:blip r:embed="rId13">
+            <a:extLst>
+              <a:ext uri="{96DAC541-7B7A-43D3-8B79-37D633B846F1}">
+                <asvg:svgBlip xmlns:asvg="http://schemas.microsoft.com/office/drawing/2016/SVG/main" r:embed="rId14"/>
+              </a:ext>
+            </a:extLst>
+          </a:blip>
+          <a:stretch>
+            <a:fillRect/>
+          </a:stretch>
+        </p:blipFill>
+        <p:spPr>
+          <a:xfrm>
+            <a:off x="1158240" y="2270760"/>
+            <a:ext cx="2316480" cy="2316480"/>
+          </a:xfrm>
+          <a:prstGeom prst="rect">
+            <a:avLst/>
+          </a:prstGeom>
+        </p:spPr>
+      </p:pic>
+      <p:sp>
+        <p:nvSpPr>
+          <p:cNvPr id="9" name="Rectangle 8">
+            <a:extLst>
+              <a:ext uri="{FF2B5EF4-FFF2-40B4-BE49-F238E27FC236}">
+                <a16:creationId xmlns:a16="http://schemas.microsoft.com/office/drawing/2014/main" id="{7BD806CF-321C-EB53-D6BF-8E8120F2F97B}"/>
+              </a:ext>
+            </a:extLst>
+          </p:cNvPr>
+          <p:cNvSpPr/>
+          <p:nvPr>
+            <p:custDataLst>
+              <p:tags r:id="rId6"/>
+            </p:custDataLst>
+          </p:nvPr>
+        </p:nvSpPr>
+        <p:spPr>
+          <a:xfrm>
+            <a:off x="3901440" y="2571750"/>
+            <a:ext cx="7315199" cy="1714500"/>
+          </a:xfrm>
+          <a:prstGeom prst="rect">
+            <a:avLst/>
+          </a:prstGeom>
+          <a:noFill/>
+          <a:ln w="19050" cap="flat" cmpd="sng" algn="ctr">
+            <a:solidFill>
+              <a:srgbClr val="FFFFFF"/>
+            </a:solidFill>
+            <a:prstDash val="solid"/>
+            <a:miter lim="800000"/>
+          </a:ln>
+          <a:effectLst/>
+          <a:extLst>
+            <a:ext uri="{909E8E84-426E-40DD-AFC4-6F175D3DCCD1}">
+              <a14:hiddenFill xmlns:a14="http://schemas.microsoft.com/office/drawing/2010/main">
+                <a:solidFill>
+                  <a:schemeClr val="accent1"/>
+                </a:solidFill>
+              </a14:hiddenFill>
+            </a:ext>
+          </a:extLst>
+        </p:spPr>
+        <p:style>
+          <a:lnRef idx="2">
+            <a:schemeClr val="accent1">
+              <a:shade val="15000"/>
+            </a:schemeClr>
+          </a:lnRef>
+          <a:fillRef idx="1">
+            <a:schemeClr val="accent1"/>
+          </a:fillRef>
+          <a:effectRef idx="0">
+            <a:schemeClr val="accent1"/>
+          </a:effectRef>
+          <a:fontRef idx="minor">
+            <a:schemeClr val="lt1"/>
+          </a:fontRef>
+        </p:style>
+        <p:txBody>
+          <a:bodyPr rtlCol="0" anchor="ctr"/>
+          <a:lstStyle/>
+          <a:p>
+            <a:r>
+              <a:rPr lang="fr-FR" sz="2400" b="1" dirty="0">
+                <a:solidFill>
+                  <a:srgbClr val="5B5B5B"/>
+                </a:solidFill>
+              </a:rPr>
+              <a:t>Quels sont les avantages du Domain Driven Design (DDD) dans une architecture microservices ? (SELECTIONNER DEUX PROPOSITIONS)</a:t>
+            </a:r>
+          </a:p>
+        </p:txBody>
+      </p:sp>
+      <p:sp>
+        <p:nvSpPr>
+          <p:cNvPr id="10" name="Rectangle 9">
+            <a:extLst>
+              <a:ext uri="{FF2B5EF4-FFF2-40B4-BE49-F238E27FC236}">
+                <a16:creationId xmlns:a16="http://schemas.microsoft.com/office/drawing/2014/main" id="{DF7B6AAB-5991-E0E8-DFA2-A28C7902CF22}"/>
+              </a:ext>
+            </a:extLst>
+          </p:cNvPr>
+          <p:cNvSpPr/>
+          <p:nvPr>
+            <p:custDataLst>
+              <p:tags r:id="rId7"/>
+            </p:custDataLst>
+          </p:nvPr>
+        </p:nvSpPr>
+        <p:spPr>
+          <a:xfrm>
+            <a:off x="3901440" y="6032500"/>
+            <a:ext cx="7315199" cy="518160"/>
+          </a:xfrm>
+          <a:prstGeom prst="rect">
+            <a:avLst/>
+          </a:prstGeom>
+          <a:noFill/>
+          <a:ln w="19050" cap="flat" cmpd="sng" algn="ctr">
+            <a:noFill/>
+            <a:prstDash val="solid"/>
+            <a:miter lim="800000"/>
+          </a:ln>
+          <a:effectLst/>
+          <a:extLst>
+            <a:ext uri="{909E8E84-426E-40DD-AFC4-6F175D3DCCD1}">
+              <a14:hiddenFill xmlns:a14="http://schemas.microsoft.com/office/drawing/2010/main">
+                <a:solidFill>
+                  <a:schemeClr val="accent1"/>
+                </a:solidFill>
+              </a14:hiddenFill>
+            </a:ext>
+            <a:ext uri="{91240B29-F687-4F45-9708-019B960494DF}">
+              <a14:hiddenLine xmlns:a14="http://schemas.microsoft.com/office/drawing/2010/main" w="19050" cap="flat" cmpd="sng" algn="ctr">
+                <a:solidFill>
+                  <a:schemeClr val="accent1">
+                    <a:shade val="15000"/>
+                  </a:schemeClr>
+                </a:solidFill>
+                <a:prstDash val="solid"/>
+                <a:miter lim="800000"/>
+              </a14:hiddenLine>
+            </a:ext>
+          </a:extLst>
+        </p:spPr>
+        <p:style>
+          <a:lnRef idx="2">
+            <a:schemeClr val="accent1">
+              <a:shade val="15000"/>
+            </a:schemeClr>
+          </a:lnRef>
+          <a:fillRef idx="1">
+            <a:schemeClr val="accent1"/>
+          </a:fillRef>
+          <a:effectRef idx="0">
+            <a:schemeClr val="accent1"/>
+          </a:effectRef>
+          <a:fontRef idx="minor">
+            <a:schemeClr val="lt1"/>
+          </a:fontRef>
+        </p:style>
+        <p:txBody>
+          <a:bodyPr rtlCol="0" anchor="ctr">
+            <a:normAutofit/>
+          </a:bodyPr>
+          <a:lstStyle/>
+          <a:p>
+            <a:r>
+              <a:rPr lang="en-US" sz="2200" b="1">
+                <a:solidFill>
+                  <a:srgbClr val="5B5B5B"/>
+                </a:solidFill>
+              </a:rPr>
+              <a:t>ⓘ</a:t>
+            </a:r>
+            <a:r>
+              <a:rPr lang="en-US" sz="2000">
+                <a:solidFill>
+                  <a:srgbClr val="5B5B5B"/>
+                </a:solidFill>
+              </a:rPr>
+              <a:t> Start presenting to display the poll results on this slide.</a:t>
+            </a:r>
+            <a:endParaRPr lang="fr-FR" sz="2000">
+              <a:solidFill>
+                <a:srgbClr val="5B5B5B"/>
+              </a:solidFill>
+            </a:endParaRPr>
+          </a:p>
+        </p:txBody>
+      </p:sp>
+    </p:spTree>
+    <p:custDataLst>
+      <p:tags r:id="rId1"/>
+    </p:custDataLst>
+    <p:extLst>
+      <p:ext uri="{BB962C8B-B14F-4D97-AF65-F5344CB8AC3E}">
+        <p14:creationId xmlns:p14="http://schemas.microsoft.com/office/powerpoint/2010/main" val="766139912"/>
+      </p:ext>
+    </p:extLst>
+  </p:cSld>
+  <p:clrMapOvr>
+    <a:masterClrMapping/>
+  </p:clrMapOvr>
+  <p:timing>
+    <p:tnLst>
+      <p:par>
+        <p:cTn id="1" dur="indefinite" restart="never" nodeType="tmRoot">
+          <p:childTnLst>
+            <p:seq concurrent="1" nextAc="seek">
+              <p:cTn id="2" dur="indefinite" nodeType="mainSeq">
+                <p:childTnLst>
+                  <p:par>
+                    <p:cTn id="3" fill="hold">
+                      <p:stCondLst>
+                        <p:cond delay="indefinite"/>
+                      </p:stCondLst>
+                      <p:childTnLst>
+                        <p:par>
+                          <p:cTn id="4" fill="hold">
+                            <p:stCondLst>
+                              <p:cond delay="0"/>
+                            </p:stCondLst>
+                            <p:childTnLst>
+                              <p:par>
+                                <p:cTn id="5" presetID="26" presetClass="emph" presetSubtype="0" fill="hold" grpId="0" nodeType="clickEffect">
+                                  <p:stCondLst>
+                                    <p:cond delay="0"/>
+                                  </p:stCondLst>
+                                  <p:childTnLst>
+                                    <p:animEffect transition="out" filter="fade">
+                                      <p:cBhvr>
+                                        <p:cTn id="6" dur="50" tmFilter="0, 0; .2, .5; .8, .5; 1, 0"/>
+                                        <p:tgtEl>
+                                          <p:spTgt spid="9"/>
+                                        </p:tgtEl>
+                                      </p:cBhvr>
+                                    </p:animEffect>
+                                    <p:animScale>
+                                      <p:cBhvr>
+                                        <p:cTn id="7" dur="25" autoRev="1" fill="hold"/>
+                                        <p:tgtEl>
+                                          <p:spTgt spid="9"/>
+                                        </p:tgtEl>
+                                      </p:cBhvr>
+                                      <p:by x="105000" y="105000"/>
+                                    </p:animScale>
+                                  </p:childTnLst>
+                                </p:cTn>
+                              </p:par>
+                            </p:childTnLst>
+                          </p:cTn>
+                        </p:par>
+                      </p:childTnLst>
+                    </p:cTn>
+                  </p:par>
+                  <p:par>
+                    <p:cTn id="8" fill="hold">
+                      <p:stCondLst>
+                        <p:cond delay="indefinite"/>
+                      </p:stCondLst>
+                      <p:childTnLst>
+                        <p:par>
+                          <p:cTn id="9" fill="hold">
+                            <p:stCondLst>
+                              <p:cond delay="0"/>
+                            </p:stCondLst>
+                            <p:childTnLst>
+                              <p:par>
+                                <p:cTn id="10" presetID="26" presetClass="emph" presetSubtype="0" fill="hold" grpId="1" nodeType="clickEffect">
+                                  <p:stCondLst>
+                                    <p:cond delay="0"/>
+                                  </p:stCondLst>
+                                  <p:childTnLst>
+                                    <p:animEffect transition="out" filter="fade">
+                                      <p:cBhvr>
+                                        <p:cTn id="11" dur="50" tmFilter="0, 0; .2, .5; .8, .5; 1, 0"/>
+                                        <p:tgtEl>
+                                          <p:spTgt spid="9"/>
+                                        </p:tgtEl>
+                                      </p:cBhvr>
+                                    </p:animEffect>
+                                    <p:animScale>
+                                      <p:cBhvr>
+                                        <p:cTn id="12" dur="25" autoRev="1" fill="hold"/>
+                                        <p:tgtEl>
+                                          <p:spTgt spid="9"/>
+                                        </p:tgtEl>
+                                      </p:cBhvr>
+                                      <p:by x="105000" y="105000"/>
+                                    </p:animScale>
+                                  </p:childTnLst>
+                                </p:cTn>
+                              </p:par>
+                            </p:childTnLst>
+                          </p:cTn>
+                        </p:par>
+                      </p:childTnLst>
+                    </p:cTn>
+                  </p:par>
+                </p:childTnLst>
+              </p:cTn>
+              <p:prevCondLst>
+                <p:cond evt="onPrev" delay="0">
+                  <p:tgtEl>
+                    <p:sldTgt/>
+                  </p:tgtEl>
+                </p:cond>
+              </p:prevCondLst>
+              <p:nextCondLst>
+                <p:cond evt="onNext" delay="0">
+                  <p:tgtEl>
+                    <p:sldTgt/>
+                  </p:tgtEl>
+                </p:cond>
+              </p:nextCondLst>
+            </p:seq>
+          </p:childTnLst>
+        </p:cTn>
+      </p:par>
+    </p:tnLst>
+    <p:bldLst>
+      <p:bldP spid="9" grpId="0" animBg="1"/>
+      <p:bldP spid="9" grpId="1" animBg="1"/>
+    </p:bldLst>
+  </p:timing>
+</p:sld>
+</file>
+
+<file path=ppt/slides/slide2.xml><?xml version="1.0" encoding="utf-8"?>
+<p:sld xmlns:a="http://schemas.openxmlformats.org/drawingml/2006/main" xmlns:r="http://schemas.openxmlformats.org/officeDocument/2006/relationships" xmlns:p="http://schemas.openxmlformats.org/presentationml/2006/main">
+  <p:cSld>
+    <p:spTree>
+      <p:nvGrpSpPr>
+        <p:cNvPr id="1" name=""/>
+        <p:cNvGrpSpPr/>
+        <p:nvPr/>
+      </p:nvGrpSpPr>
+      <p:grpSpPr>
+        <a:xfrm>
+          <a:off x="0" y="0"/>
+          <a:ext cx="0" cy="0"/>
+          <a:chOff x="0" y="0"/>
+          <a:chExt cx="0" cy="0"/>
+        </a:xfrm>
+      </p:grpSpPr>
+      <p:sp>
+        <p:nvSpPr>
+          <p:cNvPr id="3" name="Espace réservé du contenu 2">
+            <a:extLst>
+              <a:ext uri="{FF2B5EF4-FFF2-40B4-BE49-F238E27FC236}">
+                <a16:creationId xmlns:a16="http://schemas.microsoft.com/office/drawing/2014/main" id="{5D1598F1-3F5E-181B-29E7-26081FFE38F7}"/>
+              </a:ext>
+            </a:extLst>
+          </p:cNvPr>
+          <p:cNvSpPr>
+            <a:spLocks noGrp="1"/>
+          </p:cNvSpPr>
+          <p:nvPr>
+            <p:ph idx="1"/>
+          </p:nvPr>
+        </p:nvSpPr>
+        <p:spPr>
+          <a:xfrm>
+            <a:off x="320040" y="1287145"/>
+            <a:ext cx="10515600" cy="4036695"/>
+          </a:xfrm>
+        </p:spPr>
+        <p:txBody>
+          <a:bodyPr>
+            <a:noAutofit/>
+          </a:bodyPr>
+          <a:lstStyle/>
+          <a:p>
+            <a:pPr>
+              <a:lnSpc>
+                <a:spcPct val="150000"/>
+              </a:lnSpc>
             </a:pPr>
             <a:r>
+              <a:rPr lang="fr-FR" sz="2200" dirty="0"/>
+              <a:t>Quelques questions de notre DSI</a:t>
+            </a:r>
+          </a:p>
+          <a:p>
+            <a:pPr>
+              <a:lnSpc>
+                <a:spcPct val="150000"/>
+              </a:lnSpc>
+            </a:pPr>
+            <a:r>
+              <a:rPr lang="fr-FR" sz="2200" dirty="0"/>
+              <a:t>Principes de découpage des microservices</a:t>
+            </a:r>
+          </a:p>
+          <a:p>
+            <a:pPr>
+              <a:lnSpc>
+                <a:spcPct val="150000"/>
+              </a:lnSpc>
+            </a:pPr>
+            <a:r>
+              <a:rPr lang="fr-FR" sz="2200" dirty="0"/>
+              <a:t>Principes de conception des microservices</a:t>
+            </a:r>
+          </a:p>
+          <a:p>
+            <a:pPr>
+              <a:lnSpc>
+                <a:spcPct val="150000"/>
+              </a:lnSpc>
+            </a:pPr>
+            <a:r>
+              <a:rPr lang="fr-FR" sz="2200" dirty="0"/>
+              <a:t>Répondre aux questions</a:t>
+            </a:r>
+          </a:p>
+          <a:p>
+            <a:pPr>
+              <a:lnSpc>
+                <a:spcPct val="150000"/>
+              </a:lnSpc>
+            </a:pPr>
+            <a:r>
+              <a:rPr lang="fr-FR" sz="2200" dirty="0"/>
+              <a:t>Contrôle de connaissances</a:t>
+            </a:r>
+          </a:p>
+          <a:p>
+            <a:pPr>
+              <a:lnSpc>
+                <a:spcPct val="150000"/>
+              </a:lnSpc>
+            </a:pPr>
+            <a:r>
               <a:rPr lang="fr-FR" sz="2200" b="1" dirty="0"/>
-              <a:t>Dans cet atelier, nous allons:</a:t>
+              <a:t>Atelier : Découper un monolithe en microservices</a:t>
             </a:r>
           </a:p>
           <a:p>
             <a:pPr>
               <a:lnSpc>
-                <a:spcPct val="200000"/>
+                <a:spcPct val="150000"/>
               </a:lnSpc>
             </a:pPr>
-            <a:r>
-              <a:rPr lang="fr-FR" sz="2200" dirty="0"/>
-              <a:t>Analyser notre architecture monolithique</a:t>
-            </a:r>
-          </a:p>
-          <a:p>
-            <a:pPr>
-              <a:lnSpc>
-                <a:spcPct val="200000"/>
-              </a:lnSpc>
-            </a:pPr>
-            <a:r>
-              <a:rPr lang="fr-FR" sz="2200" dirty="0"/>
-              <a:t>Identifier les contextes et les délimiter</a:t>
-            </a:r>
-          </a:p>
-          <a:p>
-            <a:pPr>
-              <a:lnSpc>
-                <a:spcPct val="200000"/>
-              </a:lnSpc>
-            </a:pPr>
-            <a:r>
-              <a:rPr lang="fr-FR" sz="2200" dirty="0"/>
-              <a:t>Identifier les contextes éligibles pour devenir des services</a:t>
-            </a:r>
-          </a:p>
-          <a:p>
-            <a:pPr>
-              <a:lnSpc>
-                <a:spcPct val="200000"/>
-              </a:lnSpc>
-            </a:pPr>
-            <a:r>
-              <a:rPr lang="fr-FR" sz="2200" dirty="0"/>
-              <a:t>Construire notre architecture </a:t>
-            </a:r>
-            <a:r>
-              <a:rPr lang="fr-FR" sz="2200" dirty="0" err="1"/>
-              <a:t>microservices</a:t>
-            </a:r>
             <a:endParaRPr lang="fr-FR" sz="2200" dirty="0"/>
           </a:p>
         </p:txBody>
@@ -6068,8 +9399,8 @@
         </p:nvSpPr>
         <p:spPr>
           <a:xfrm>
-            <a:off x="223520" y="229369"/>
-            <a:ext cx="7680960" cy="446074"/>
+            <a:off x="223520" y="309791"/>
+            <a:ext cx="3027680" cy="400368"/>
           </a:xfrm>
           <a:prstGeom prst="rect">
             <a:avLst/>
@@ -6101,13 +9432,8 @@
           <a:p>
             <a:r>
               <a:rPr lang="fr-FR" sz="2800" b="1" dirty="0"/>
-              <a:t>Atelier : Découper un monolithe en </a:t>
-            </a:r>
-            <a:r>
-              <a:rPr lang="fr-FR" sz="2800" b="1" dirty="0" err="1"/>
-              <a:t>microservices</a:t>
-            </a:r>
-            <a:endParaRPr lang="fr-FR" sz="2800" b="1" dirty="0"/>
+              <a:t>Dans ce module …</a:t>
+            </a:r>
           </a:p>
         </p:txBody>
       </p:sp>
@@ -6165,7 +9491,7 @@
         </p:nvSpPr>
         <p:spPr>
           <a:xfrm>
-            <a:off x="121794" y="6617710"/>
+            <a:off x="4324350" y="6643878"/>
             <a:ext cx="2890647" cy="214122"/>
           </a:xfrm>
           <a:prstGeom prst="rect">
@@ -6345,22 +9671,27 @@
               <a:buNone/>
             </a:pPr>
             <a:r>
-              <a:rPr lang="fr-FR" sz="1100" b="1" dirty="0">
+              <a:rPr lang="fr-FR" sz="1100" b="1">
                 <a:solidFill>
                   <a:schemeClr val="tx2"/>
                 </a:solidFill>
               </a:rPr>
               <a:t>Préparé et Présenté par Daniel  Lawson</a:t>
             </a:r>
+            <a:endParaRPr lang="fr-FR" sz="1100" b="1" dirty="0">
+              <a:solidFill>
+                <a:schemeClr val="tx2"/>
+              </a:solidFill>
+            </a:endParaRPr>
           </a:p>
         </p:txBody>
       </p:sp>
       <p:pic>
         <p:nvPicPr>
-          <p:cNvPr id="2050" name="Picture 2" descr="Science, Expérience, Recherche">
-            <a:extLst>
-              <a:ext uri="{FF2B5EF4-FFF2-40B4-BE49-F238E27FC236}">
-                <a16:creationId xmlns:a16="http://schemas.microsoft.com/office/drawing/2014/main" id="{2A162B4A-1099-686D-3511-A50E93291473}"/>
+          <p:cNvPr id="1026" name="Picture 2" descr="Flacons, Chimie, Chimique, Expérience">
+            <a:extLst>
+              <a:ext uri="{FF2B5EF4-FFF2-40B4-BE49-F238E27FC236}">
+                <a16:creationId xmlns:a16="http://schemas.microsoft.com/office/drawing/2014/main" id="{891AC83A-3460-B500-E04B-7A13E0314991}"/>
               </a:ext>
             </a:extLst>
           </p:cNvPr>
@@ -6370,7 +9701,7 @@
           <p:nvPr/>
         </p:nvPicPr>
         <p:blipFill>
-          <a:blip r:embed="rId3">
+          <a:blip r:embed="rId2">
             <a:extLst>
               <a:ext uri="{28A0092B-C50C-407E-A947-70E740481C1C}">
                 <a14:useLocalDpi xmlns:a14="http://schemas.microsoft.com/office/drawing/2010/main" val="0"/>
@@ -6384,8 +9715,8 @@
         </p:blipFill>
         <p:spPr bwMode="auto">
           <a:xfrm>
-            <a:off x="6217920" y="883920"/>
-            <a:ext cx="5974080" cy="5974080"/>
+            <a:off x="7214997" y="4155440"/>
+            <a:ext cx="1051964" cy="1083310"/>
           </a:xfrm>
           <a:prstGeom prst="rect">
             <a:avLst/>
@@ -6402,50 +9733,10 @@
           </a:extLst>
         </p:spPr>
       </p:pic>
-      <p:sp>
-        <p:nvSpPr>
-          <p:cNvPr id="2" name="ZoneTexte 1">
-            <a:extLst>
-              <a:ext uri="{FF2B5EF4-FFF2-40B4-BE49-F238E27FC236}">
-                <a16:creationId xmlns:a16="http://schemas.microsoft.com/office/drawing/2014/main" id="{B750248E-14FB-35CE-A7F3-F017DB5C389E}"/>
-              </a:ext>
-            </a:extLst>
-          </p:cNvPr>
-          <p:cNvSpPr txBox="1"/>
-          <p:nvPr/>
-        </p:nvSpPr>
-        <p:spPr>
-          <a:xfrm>
-            <a:off x="8504872" y="1152525"/>
-            <a:ext cx="1400175" cy="769441"/>
-          </a:xfrm>
-          <a:prstGeom prst="rect">
-            <a:avLst/>
-          </a:prstGeom>
-          <a:noFill/>
-        </p:spPr>
-        <p:txBody>
-          <a:bodyPr wrap="square" rtlCol="0">
-            <a:spAutoFit/>
-          </a:bodyPr>
-          <a:lstStyle/>
-          <a:p>
-            <a:pPr algn="ctr"/>
-            <a:r>
-              <a:rPr lang="fr-FR" sz="4400" b="1" dirty="0">
-                <a:solidFill>
-                  <a:schemeClr val="bg1"/>
-                </a:solidFill>
-              </a:rPr>
-              <a:t>LAB</a:t>
-            </a:r>
-          </a:p>
-        </p:txBody>
-      </p:sp>
     </p:spTree>
     <p:extLst>
       <p:ext uri="{BB962C8B-B14F-4D97-AF65-F5344CB8AC3E}">
-        <p14:creationId xmlns:p14="http://schemas.microsoft.com/office/powerpoint/2010/main" val="1619280332"/>
+        <p14:creationId xmlns:p14="http://schemas.microsoft.com/office/powerpoint/2010/main" val="1603475869"/>
       </p:ext>
     </p:extLst>
   </p:cSld>
@@ -6455,7 +9746,608 @@
 </p:sld>
 </file>
 
-<file path=ppt/slides/slide14.xml><?xml version="1.0" encoding="utf-8"?>
+<file path=ppt/slides/slide20.xml><?xml version="1.0" encoding="utf-8"?>
+<p:sld xmlns:a="http://schemas.openxmlformats.org/drawingml/2006/main" xmlns:r="http://schemas.openxmlformats.org/officeDocument/2006/relationships" xmlns:p="http://schemas.openxmlformats.org/presentationml/2006/main" showMasterSp="0">
+  <p:cSld>
+    <p:bg>
+      <p:bgPr>
+        <a:solidFill>
+          <a:srgbClr val="FFFFFF"/>
+        </a:solidFill>
+        <a:effectLst/>
+      </p:bgPr>
+    </p:bg>
+    <p:spTree>
+      <p:nvGrpSpPr>
+        <p:cNvPr id="1" name=""/>
+        <p:cNvGrpSpPr/>
+        <p:nvPr/>
+      </p:nvGrpSpPr>
+      <p:grpSpPr>
+        <a:xfrm>
+          <a:off x="0" y="0"/>
+          <a:ext cx="0" cy="0"/>
+          <a:chOff x="0" y="0"/>
+          <a:chExt cx="0" cy="0"/>
+        </a:xfrm>
+      </p:grpSpPr>
+      <p:sp>
+        <p:nvSpPr>
+          <p:cNvPr id="2" name="Rectangle : coins arrondis 1">
+            <a:extLst>
+              <a:ext uri="{FF2B5EF4-FFF2-40B4-BE49-F238E27FC236}">
+                <a16:creationId xmlns:a16="http://schemas.microsoft.com/office/drawing/2014/main" id="{EA23F1D6-C8C2-2AA3-27E4-F033CD3CA278}"/>
+              </a:ext>
+            </a:extLst>
+          </p:cNvPr>
+          <p:cNvSpPr/>
+          <p:nvPr>
+            <p:custDataLst>
+              <p:tags r:id="rId2"/>
+            </p:custDataLst>
+          </p:nvPr>
+        </p:nvSpPr>
+        <p:spPr>
+          <a:xfrm>
+            <a:off x="6286500" y="430530"/>
+            <a:ext cx="5524500" cy="891540"/>
+          </a:xfrm>
+          <a:prstGeom prst="roundRect">
+            <a:avLst/>
+          </a:prstGeom>
+          <a:solidFill>
+            <a:srgbClr val="F4F4F4"/>
+          </a:solidFill>
+          <a:ln w="19050" cap="flat" cmpd="sng" algn="ctr">
+            <a:noFill/>
+            <a:prstDash val="solid"/>
+            <a:miter lim="800000"/>
+          </a:ln>
+          <a:effectLst/>
+          <a:extLst>
+            <a:ext uri="{91240B29-F687-4F45-9708-019B960494DF}">
+              <a14:hiddenLine xmlns:a14="http://schemas.microsoft.com/office/drawing/2010/main" w="19050" cap="flat" cmpd="sng" algn="ctr">
+                <a:solidFill>
+                  <a:schemeClr val="accent1">
+                    <a:shade val="15000"/>
+                  </a:schemeClr>
+                </a:solidFill>
+                <a:prstDash val="solid"/>
+                <a:miter lim="800000"/>
+              </a14:hiddenLine>
+            </a:ext>
+          </a:extLst>
+        </p:spPr>
+        <p:style>
+          <a:lnRef idx="2">
+            <a:schemeClr val="accent1">
+              <a:shade val="15000"/>
+            </a:schemeClr>
+          </a:lnRef>
+          <a:fillRef idx="1">
+            <a:schemeClr val="accent1"/>
+          </a:fillRef>
+          <a:effectRef idx="0">
+            <a:schemeClr val="accent1"/>
+          </a:effectRef>
+          <a:fontRef idx="minor">
+            <a:schemeClr val="lt1"/>
+          </a:fontRef>
+        </p:style>
+        <p:txBody>
+          <a:bodyPr lIns="317500" rIns="1143000" rtlCol="0" anchor="ctr">
+            <a:normAutofit/>
+          </a:bodyPr>
+          <a:lstStyle/>
+          <a:p>
+            <a:r>
+              <a:rPr lang="en-US" sz="2000">
+                <a:solidFill>
+                  <a:srgbClr val="5B5B5B"/>
+                </a:solidFill>
+              </a:rPr>
+              <a:t>Please download and install the Slido app on all computers you use</a:t>
+            </a:r>
+            <a:endParaRPr lang="fr-FR" sz="2000">
+              <a:solidFill>
+                <a:srgbClr val="5B5B5B"/>
+              </a:solidFill>
+            </a:endParaRPr>
+          </a:p>
+        </p:txBody>
+      </p:sp>
+      <p:pic>
+        <p:nvPicPr>
+          <p:cNvPr id="4" name="Graphique 3">
+            <a:extLst>
+              <a:ext uri="{FF2B5EF4-FFF2-40B4-BE49-F238E27FC236}">
+                <a16:creationId xmlns:a16="http://schemas.microsoft.com/office/drawing/2014/main" id="{52C54BAB-F068-B590-960D-E816BAD2A216}"/>
+              </a:ext>
+            </a:extLst>
+          </p:cNvPr>
+          <p:cNvPicPr>
+            <a:picLocks/>
+          </p:cNvPicPr>
+          <p:nvPr>
+            <p:custDataLst>
+              <p:tags r:id="rId3"/>
+            </p:custDataLst>
+          </p:nvPr>
+        </p:nvPicPr>
+        <p:blipFill>
+          <a:blip r:embed="rId9">
+            <a:extLst>
+              <a:ext uri="{96DAC541-7B7A-43D3-8B79-37D633B846F1}">
+                <asvg:svgBlip xmlns:asvg="http://schemas.microsoft.com/office/drawing/2016/SVG/main" r:embed="rId10"/>
+              </a:ext>
+            </a:extLst>
+          </a:blip>
+          <a:stretch>
+            <a:fillRect/>
+          </a:stretch>
+        </p:blipFill>
+        <p:spPr>
+          <a:xfrm>
+            <a:off x="10826048" y="577634"/>
+            <a:ext cx="597332" cy="597332"/>
+          </a:xfrm>
+          <a:prstGeom prst="rect">
+            <a:avLst/>
+          </a:prstGeom>
+        </p:spPr>
+      </p:pic>
+      <p:pic>
+        <p:nvPicPr>
+          <p:cNvPr id="6" name="Graphique 5">
+            <a:extLst>
+              <a:ext uri="{FF2B5EF4-FFF2-40B4-BE49-F238E27FC236}">
+                <a16:creationId xmlns:a16="http://schemas.microsoft.com/office/drawing/2014/main" id="{E3AC3A82-216A-4007-1F57-F67BC75C37D9}"/>
+              </a:ext>
+            </a:extLst>
+          </p:cNvPr>
+          <p:cNvPicPr>
+            <a:picLocks/>
+          </p:cNvPicPr>
+          <p:nvPr>
+            <p:custDataLst>
+              <p:tags r:id="rId4"/>
+            </p:custDataLst>
+          </p:nvPr>
+        </p:nvPicPr>
+        <p:blipFill>
+          <a:blip r:embed="rId11">
+            <a:extLst>
+              <a:ext uri="{96DAC541-7B7A-43D3-8B79-37D633B846F1}">
+                <asvg:svgBlip xmlns:asvg="http://schemas.microsoft.com/office/drawing/2016/SVG/main" r:embed="rId12"/>
+              </a:ext>
+            </a:extLst>
+          </a:blip>
+          <a:stretch>
+            <a:fillRect/>
+          </a:stretch>
+        </p:blipFill>
+        <p:spPr>
+          <a:xfrm>
+            <a:off x="3901440" y="617220"/>
+            <a:ext cx="1036320" cy="518160"/>
+          </a:xfrm>
+          <a:prstGeom prst="rect">
+            <a:avLst/>
+          </a:prstGeom>
+        </p:spPr>
+      </p:pic>
+      <p:pic>
+        <p:nvPicPr>
+          <p:cNvPr id="8" name="Graphique 7">
+            <a:extLst>
+              <a:ext uri="{FF2B5EF4-FFF2-40B4-BE49-F238E27FC236}">
+                <a16:creationId xmlns:a16="http://schemas.microsoft.com/office/drawing/2014/main" id="{EA86AA5D-7D94-EF9D-C61F-BAD646650246}"/>
+              </a:ext>
+            </a:extLst>
+          </p:cNvPr>
+          <p:cNvPicPr>
+            <a:picLocks/>
+          </p:cNvPicPr>
+          <p:nvPr>
+            <p:custDataLst>
+              <p:tags r:id="rId5"/>
+            </p:custDataLst>
+          </p:nvPr>
+        </p:nvPicPr>
+        <p:blipFill>
+          <a:blip r:embed="rId13">
+            <a:extLst>
+              <a:ext uri="{96DAC541-7B7A-43D3-8B79-37D633B846F1}">
+                <asvg:svgBlip xmlns:asvg="http://schemas.microsoft.com/office/drawing/2016/SVG/main" r:embed="rId14"/>
+              </a:ext>
+            </a:extLst>
+          </a:blip>
+          <a:stretch>
+            <a:fillRect/>
+          </a:stretch>
+        </p:blipFill>
+        <p:spPr>
+          <a:xfrm>
+            <a:off x="1158240" y="2270760"/>
+            <a:ext cx="2316480" cy="2316480"/>
+          </a:xfrm>
+          <a:prstGeom prst="rect">
+            <a:avLst/>
+          </a:prstGeom>
+        </p:spPr>
+      </p:pic>
+      <p:sp>
+        <p:nvSpPr>
+          <p:cNvPr id="9" name="Rectangle 8">
+            <a:extLst>
+              <a:ext uri="{FF2B5EF4-FFF2-40B4-BE49-F238E27FC236}">
+                <a16:creationId xmlns:a16="http://schemas.microsoft.com/office/drawing/2014/main" id="{AD210805-A6E2-1FE5-FA77-69E52E224AFF}"/>
+              </a:ext>
+            </a:extLst>
+          </p:cNvPr>
+          <p:cNvSpPr/>
+          <p:nvPr>
+            <p:custDataLst>
+              <p:tags r:id="rId6"/>
+            </p:custDataLst>
+          </p:nvPr>
+        </p:nvSpPr>
+        <p:spPr>
+          <a:xfrm>
+            <a:off x="3901440" y="2571750"/>
+            <a:ext cx="7315199" cy="1714500"/>
+          </a:xfrm>
+          <a:prstGeom prst="rect">
+            <a:avLst/>
+          </a:prstGeom>
+          <a:noFill/>
+          <a:ln w="19050" cap="flat" cmpd="sng" algn="ctr">
+            <a:solidFill>
+              <a:srgbClr val="FFFFFF"/>
+            </a:solidFill>
+            <a:prstDash val="solid"/>
+            <a:miter lim="800000"/>
+          </a:ln>
+          <a:effectLst/>
+          <a:extLst>
+            <a:ext uri="{909E8E84-426E-40DD-AFC4-6F175D3DCCD1}">
+              <a14:hiddenFill xmlns:a14="http://schemas.microsoft.com/office/drawing/2010/main">
+                <a:solidFill>
+                  <a:schemeClr val="accent1"/>
+                </a:solidFill>
+              </a14:hiddenFill>
+            </a:ext>
+          </a:extLst>
+        </p:spPr>
+        <p:style>
+          <a:lnRef idx="2">
+            <a:schemeClr val="accent1">
+              <a:shade val="15000"/>
+            </a:schemeClr>
+          </a:lnRef>
+          <a:fillRef idx="1">
+            <a:schemeClr val="accent1"/>
+          </a:fillRef>
+          <a:effectRef idx="0">
+            <a:schemeClr val="accent1"/>
+          </a:effectRef>
+          <a:fontRef idx="minor">
+            <a:schemeClr val="lt1"/>
+          </a:fontRef>
+        </p:style>
+        <p:txBody>
+          <a:bodyPr rtlCol="0" anchor="ctr"/>
+          <a:lstStyle/>
+          <a:p>
+            <a:r>
+              <a:rPr lang="fr-FR" sz="2800" b="1" dirty="0">
+                <a:solidFill>
+                  <a:srgbClr val="5B5B5B"/>
+                </a:solidFill>
+              </a:rPr>
+              <a:t>Quel est l'avantage principal de l'utilisation de </a:t>
+            </a:r>
+            <a:r>
+              <a:rPr lang="fr-FR" sz="2800" b="1" dirty="0" err="1">
+                <a:solidFill>
+                  <a:srgbClr val="5B5B5B"/>
+                </a:solidFill>
+              </a:rPr>
+              <a:t>templates</a:t>
+            </a:r>
+            <a:r>
+              <a:rPr lang="fr-FR" sz="2800" b="1" dirty="0">
+                <a:solidFill>
+                  <a:srgbClr val="5B5B5B"/>
+                </a:solidFill>
+              </a:rPr>
+              <a:t> API dans le développement de microservices ?</a:t>
+            </a:r>
+          </a:p>
+        </p:txBody>
+      </p:sp>
+      <p:sp>
+        <p:nvSpPr>
+          <p:cNvPr id="10" name="Rectangle 9">
+            <a:extLst>
+              <a:ext uri="{FF2B5EF4-FFF2-40B4-BE49-F238E27FC236}">
+                <a16:creationId xmlns:a16="http://schemas.microsoft.com/office/drawing/2014/main" id="{E7557451-D671-F9C2-5154-83D0E0137935}"/>
+              </a:ext>
+            </a:extLst>
+          </p:cNvPr>
+          <p:cNvSpPr/>
+          <p:nvPr>
+            <p:custDataLst>
+              <p:tags r:id="rId7"/>
+            </p:custDataLst>
+          </p:nvPr>
+        </p:nvSpPr>
+        <p:spPr>
+          <a:xfrm>
+            <a:off x="3901440" y="6032500"/>
+            <a:ext cx="7315199" cy="518160"/>
+          </a:xfrm>
+          <a:prstGeom prst="rect">
+            <a:avLst/>
+          </a:prstGeom>
+          <a:noFill/>
+          <a:ln w="19050" cap="flat" cmpd="sng" algn="ctr">
+            <a:noFill/>
+            <a:prstDash val="solid"/>
+            <a:miter lim="800000"/>
+          </a:ln>
+          <a:effectLst/>
+          <a:extLst>
+            <a:ext uri="{909E8E84-426E-40DD-AFC4-6F175D3DCCD1}">
+              <a14:hiddenFill xmlns:a14="http://schemas.microsoft.com/office/drawing/2010/main">
+                <a:solidFill>
+                  <a:schemeClr val="accent1"/>
+                </a:solidFill>
+              </a14:hiddenFill>
+            </a:ext>
+            <a:ext uri="{91240B29-F687-4F45-9708-019B960494DF}">
+              <a14:hiddenLine xmlns:a14="http://schemas.microsoft.com/office/drawing/2010/main" w="19050" cap="flat" cmpd="sng" algn="ctr">
+                <a:solidFill>
+                  <a:schemeClr val="accent1">
+                    <a:shade val="15000"/>
+                  </a:schemeClr>
+                </a:solidFill>
+                <a:prstDash val="solid"/>
+                <a:miter lim="800000"/>
+              </a14:hiddenLine>
+            </a:ext>
+          </a:extLst>
+        </p:spPr>
+        <p:style>
+          <a:lnRef idx="2">
+            <a:schemeClr val="accent1">
+              <a:shade val="15000"/>
+            </a:schemeClr>
+          </a:lnRef>
+          <a:fillRef idx="1">
+            <a:schemeClr val="accent1"/>
+          </a:fillRef>
+          <a:effectRef idx="0">
+            <a:schemeClr val="accent1"/>
+          </a:effectRef>
+          <a:fontRef idx="minor">
+            <a:schemeClr val="lt1"/>
+          </a:fontRef>
+        </p:style>
+        <p:txBody>
+          <a:bodyPr rtlCol="0" anchor="ctr">
+            <a:normAutofit/>
+          </a:bodyPr>
+          <a:lstStyle/>
+          <a:p>
+            <a:r>
+              <a:rPr lang="en-US" sz="2200" b="1">
+                <a:solidFill>
+                  <a:srgbClr val="5B5B5B"/>
+                </a:solidFill>
+              </a:rPr>
+              <a:t>ⓘ</a:t>
+            </a:r>
+            <a:r>
+              <a:rPr lang="en-US" sz="2000">
+                <a:solidFill>
+                  <a:srgbClr val="5B5B5B"/>
+                </a:solidFill>
+              </a:rPr>
+              <a:t> Start presenting to display the poll results on this slide.</a:t>
+            </a:r>
+            <a:endParaRPr lang="fr-FR" sz="2000">
+              <a:solidFill>
+                <a:srgbClr val="5B5B5B"/>
+              </a:solidFill>
+            </a:endParaRPr>
+          </a:p>
+        </p:txBody>
+      </p:sp>
+    </p:spTree>
+    <p:custDataLst>
+      <p:tags r:id="rId1"/>
+    </p:custDataLst>
+    <p:extLst>
+      <p:ext uri="{BB962C8B-B14F-4D97-AF65-F5344CB8AC3E}">
+        <p14:creationId xmlns:p14="http://schemas.microsoft.com/office/powerpoint/2010/main" val="1339652441"/>
+      </p:ext>
+    </p:extLst>
+  </p:cSld>
+  <p:clrMapOvr>
+    <a:masterClrMapping/>
+  </p:clrMapOvr>
+  <p:timing>
+    <p:tnLst>
+      <p:par>
+        <p:cTn id="1" dur="indefinite" restart="never" nodeType="tmRoot">
+          <p:childTnLst>
+            <p:seq concurrent="1" nextAc="seek">
+              <p:cTn id="2" dur="indefinite" nodeType="mainSeq">
+                <p:childTnLst>
+                  <p:par>
+                    <p:cTn id="3" fill="hold">
+                      <p:stCondLst>
+                        <p:cond delay="indefinite"/>
+                      </p:stCondLst>
+                      <p:childTnLst>
+                        <p:par>
+                          <p:cTn id="4" fill="hold">
+                            <p:stCondLst>
+                              <p:cond delay="0"/>
+                            </p:stCondLst>
+                            <p:childTnLst>
+                              <p:par>
+                                <p:cTn id="5" presetID="26" presetClass="emph" presetSubtype="0" fill="hold" grpId="0" nodeType="clickEffect">
+                                  <p:stCondLst>
+                                    <p:cond delay="0"/>
+                                  </p:stCondLst>
+                                  <p:childTnLst>
+                                    <p:animEffect transition="out" filter="fade">
+                                      <p:cBhvr>
+                                        <p:cTn id="6" dur="50" tmFilter="0, 0; .2, .5; .8, .5; 1, 0"/>
+                                        <p:tgtEl>
+                                          <p:spTgt spid="9"/>
+                                        </p:tgtEl>
+                                      </p:cBhvr>
+                                    </p:animEffect>
+                                    <p:animScale>
+                                      <p:cBhvr>
+                                        <p:cTn id="7" dur="25" autoRev="1" fill="hold"/>
+                                        <p:tgtEl>
+                                          <p:spTgt spid="9"/>
+                                        </p:tgtEl>
+                                      </p:cBhvr>
+                                      <p:by x="105000" y="105000"/>
+                                    </p:animScale>
+                                  </p:childTnLst>
+                                </p:cTn>
+                              </p:par>
+                            </p:childTnLst>
+                          </p:cTn>
+                        </p:par>
+                      </p:childTnLst>
+                    </p:cTn>
+                  </p:par>
+                  <p:par>
+                    <p:cTn id="8" fill="hold">
+                      <p:stCondLst>
+                        <p:cond delay="indefinite"/>
+                      </p:stCondLst>
+                      <p:childTnLst>
+                        <p:par>
+                          <p:cTn id="9" fill="hold">
+                            <p:stCondLst>
+                              <p:cond delay="0"/>
+                            </p:stCondLst>
+                            <p:childTnLst>
+                              <p:par>
+                                <p:cTn id="10" presetID="26" presetClass="emph" presetSubtype="0" fill="hold" grpId="1" nodeType="clickEffect">
+                                  <p:stCondLst>
+                                    <p:cond delay="0"/>
+                                  </p:stCondLst>
+                                  <p:childTnLst>
+                                    <p:animEffect transition="out" filter="fade">
+                                      <p:cBhvr>
+                                        <p:cTn id="11" dur="50" tmFilter="0, 0; .2, .5; .8, .5; 1, 0"/>
+                                        <p:tgtEl>
+                                          <p:spTgt spid="9"/>
+                                        </p:tgtEl>
+                                      </p:cBhvr>
+                                    </p:animEffect>
+                                    <p:animScale>
+                                      <p:cBhvr>
+                                        <p:cTn id="12" dur="25" autoRev="1" fill="hold"/>
+                                        <p:tgtEl>
+                                          <p:spTgt spid="9"/>
+                                        </p:tgtEl>
+                                      </p:cBhvr>
+                                      <p:by x="105000" y="105000"/>
+                                    </p:animScale>
+                                  </p:childTnLst>
+                                </p:cTn>
+                              </p:par>
+                            </p:childTnLst>
+                          </p:cTn>
+                        </p:par>
+                      </p:childTnLst>
+                    </p:cTn>
+                  </p:par>
+                  <p:par>
+                    <p:cTn id="13" fill="hold">
+                      <p:stCondLst>
+                        <p:cond delay="indefinite"/>
+                      </p:stCondLst>
+                      <p:childTnLst>
+                        <p:par>
+                          <p:cTn id="14" fill="hold">
+                            <p:stCondLst>
+                              <p:cond delay="0"/>
+                            </p:stCondLst>
+                            <p:childTnLst>
+                              <p:par>
+                                <p:cTn id="15" presetID="26" presetClass="emph" presetSubtype="0" fill="hold" grpId="2" nodeType="clickEffect">
+                                  <p:stCondLst>
+                                    <p:cond delay="0"/>
+                                  </p:stCondLst>
+                                  <p:childTnLst>
+                                    <p:animEffect transition="out" filter="fade">
+                                      <p:cBhvr>
+                                        <p:cTn id="16" dur="50" tmFilter="0, 0; .2, .5; .8, .5; 1, 0"/>
+                                        <p:tgtEl>
+                                          <p:spTgt spid="9"/>
+                                        </p:tgtEl>
+                                      </p:cBhvr>
+                                    </p:animEffect>
+                                    <p:animScale>
+                                      <p:cBhvr>
+                                        <p:cTn id="17" dur="25" autoRev="1" fill="hold"/>
+                                        <p:tgtEl>
+                                          <p:spTgt spid="9"/>
+                                        </p:tgtEl>
+                                      </p:cBhvr>
+                                      <p:by x="105000" y="105000"/>
+                                    </p:animScale>
+                                  </p:childTnLst>
+                                </p:cTn>
+                              </p:par>
+                            </p:childTnLst>
+                          </p:cTn>
+                        </p:par>
+                      </p:childTnLst>
+                    </p:cTn>
+                  </p:par>
+                </p:childTnLst>
+              </p:cTn>
+              <p:prevCondLst>
+                <p:cond evt="onPrev" delay="0">
+                  <p:tgtEl>
+                    <p:sldTgt/>
+                  </p:tgtEl>
+                </p:cond>
+              </p:prevCondLst>
+              <p:nextCondLst>
+                <p:cond evt="onNext" delay="0">
+                  <p:tgtEl>
+                    <p:sldTgt/>
+                  </p:tgtEl>
+                </p:cond>
+              </p:nextCondLst>
+            </p:seq>
+          </p:childTnLst>
+        </p:cTn>
+      </p:par>
+    </p:tnLst>
+    <p:bldLst>
+      <p:bldP spid="9" grpId="0" animBg="1"/>
+      <p:bldP spid="9" grpId="1" animBg="1"/>
+      <p:bldP spid="9" grpId="2" animBg="1"/>
+    </p:bldLst>
+  </p:timing>
+</p:sld>
+</file>
+
+<file path=ppt/slides/slide21.xml><?xml version="1.0" encoding="utf-8"?>
 <p:sld xmlns:a="http://schemas.openxmlformats.org/drawingml/2006/main" xmlns:r="http://schemas.openxmlformats.org/officeDocument/2006/relationships" xmlns:p="http://schemas.openxmlformats.org/presentationml/2006/main">
   <p:cSld>
     <p:spTree>
@@ -6474,216 +10366,95 @@
       </p:grpSpPr>
       <p:sp>
         <p:nvSpPr>
-          <p:cNvPr id="6" name="Sous-titre 2">
-            <a:extLst>
-              <a:ext uri="{FF2B5EF4-FFF2-40B4-BE49-F238E27FC236}">
-                <a16:creationId xmlns:a16="http://schemas.microsoft.com/office/drawing/2014/main" id="{3BCD69F1-18A3-8D63-D68C-8F4620299F31}"/>
-              </a:ext>
-            </a:extLst>
-          </p:cNvPr>
-          <p:cNvSpPr txBox="1">
-            <a:spLocks/>
+          <p:cNvPr id="3" name="Espace réservé du contenu 2">
+            <a:extLst>
+              <a:ext uri="{FF2B5EF4-FFF2-40B4-BE49-F238E27FC236}">
+                <a16:creationId xmlns:a16="http://schemas.microsoft.com/office/drawing/2014/main" id="{5D1598F1-3F5E-181B-29E7-26081FFE38F7}"/>
+              </a:ext>
+            </a:extLst>
+          </p:cNvPr>
+          <p:cNvSpPr>
+            <a:spLocks noGrp="1"/>
           </p:cNvSpPr>
-          <p:nvPr/>
+          <p:nvPr>
+            <p:ph idx="1"/>
+          </p:nvPr>
         </p:nvSpPr>
         <p:spPr>
           <a:xfrm>
-            <a:off x="4533356" y="6517441"/>
-            <a:ext cx="2890647" cy="214122"/>
+            <a:off x="223520" y="1059656"/>
+            <a:ext cx="5872479" cy="5160163"/>
           </a:xfrm>
-          <a:prstGeom prst="rect">
-            <a:avLst/>
-          </a:prstGeom>
         </p:spPr>
         <p:txBody>
-          <a:bodyPr vert="horz" lIns="91440" tIns="45720" rIns="91440" bIns="45720" rtlCol="0">
+          <a:bodyPr>
             <a:noAutofit/>
           </a:bodyPr>
-          <a:lstStyle>
-            <a:lvl1pPr marL="228600" indent="-228600" algn="l" defTabSz="914400" rtl="0" eaLnBrk="1" latinLnBrk="0" hangingPunct="1">
-              <a:lnSpc>
-                <a:spcPct val="90000"/>
-              </a:lnSpc>
-              <a:spcBef>
-                <a:spcPts val="1000"/>
-              </a:spcBef>
-              <a:buFont typeface="Arial" panose="020B0604020202020204" pitchFamily="34" charset="0"/>
-              <a:buChar char="•"/>
-              <a:defRPr sz="2800" kern="1200">
-                <a:solidFill>
-                  <a:schemeClr val="tx1"/>
-                </a:solidFill>
-                <a:latin typeface="+mn-lt"/>
-                <a:ea typeface="+mn-ea"/>
-                <a:cs typeface="+mn-cs"/>
-              </a:defRPr>
-            </a:lvl1pPr>
-            <a:lvl2pPr marL="685800" indent="-228600" algn="l" defTabSz="914400" rtl="0" eaLnBrk="1" latinLnBrk="0" hangingPunct="1">
-              <a:lnSpc>
-                <a:spcPct val="90000"/>
-              </a:lnSpc>
-              <a:spcBef>
-                <a:spcPts val="500"/>
-              </a:spcBef>
-              <a:buFont typeface="Arial" panose="020B0604020202020204" pitchFamily="34" charset="0"/>
-              <a:buChar char="•"/>
-              <a:defRPr sz="2400" kern="1200">
-                <a:solidFill>
-                  <a:schemeClr val="tx1"/>
-                </a:solidFill>
-                <a:latin typeface="+mn-lt"/>
-                <a:ea typeface="+mn-ea"/>
-                <a:cs typeface="+mn-cs"/>
-              </a:defRPr>
-            </a:lvl2pPr>
-            <a:lvl3pPr marL="1143000" indent="-228600" algn="l" defTabSz="914400" rtl="0" eaLnBrk="1" latinLnBrk="0" hangingPunct="1">
-              <a:lnSpc>
-                <a:spcPct val="90000"/>
-              </a:lnSpc>
-              <a:spcBef>
-                <a:spcPts val="500"/>
-              </a:spcBef>
-              <a:buFont typeface="Arial" panose="020B0604020202020204" pitchFamily="34" charset="0"/>
-              <a:buChar char="•"/>
-              <a:defRPr sz="2000" kern="1200">
-                <a:solidFill>
-                  <a:schemeClr val="tx1"/>
-                </a:solidFill>
-                <a:latin typeface="+mn-lt"/>
-                <a:ea typeface="+mn-ea"/>
-                <a:cs typeface="+mn-cs"/>
-              </a:defRPr>
-            </a:lvl3pPr>
-            <a:lvl4pPr marL="1600200" indent="-228600" algn="l" defTabSz="914400" rtl="0" eaLnBrk="1" latinLnBrk="0" hangingPunct="1">
-              <a:lnSpc>
-                <a:spcPct val="90000"/>
-              </a:lnSpc>
-              <a:spcBef>
-                <a:spcPts val="500"/>
-              </a:spcBef>
-              <a:buFont typeface="Arial" panose="020B0604020202020204" pitchFamily="34" charset="0"/>
-              <a:buChar char="•"/>
-              <a:defRPr sz="1800" kern="1200">
-                <a:solidFill>
-                  <a:schemeClr val="tx1"/>
-                </a:solidFill>
-                <a:latin typeface="+mn-lt"/>
-                <a:ea typeface="+mn-ea"/>
-                <a:cs typeface="+mn-cs"/>
-              </a:defRPr>
-            </a:lvl4pPr>
-            <a:lvl5pPr marL="2057400" indent="-228600" algn="l" defTabSz="914400" rtl="0" eaLnBrk="1" latinLnBrk="0" hangingPunct="1">
-              <a:lnSpc>
-                <a:spcPct val="90000"/>
-              </a:lnSpc>
-              <a:spcBef>
-                <a:spcPts val="500"/>
-              </a:spcBef>
-              <a:buFont typeface="Arial" panose="020B0604020202020204" pitchFamily="34" charset="0"/>
-              <a:buChar char="•"/>
-              <a:defRPr sz="1800" kern="1200">
-                <a:solidFill>
-                  <a:schemeClr val="tx1"/>
-                </a:solidFill>
-                <a:latin typeface="+mn-lt"/>
-                <a:ea typeface="+mn-ea"/>
-                <a:cs typeface="+mn-cs"/>
-              </a:defRPr>
-            </a:lvl5pPr>
-            <a:lvl6pPr marL="2514600" indent="-228600" algn="l" defTabSz="914400" rtl="0" eaLnBrk="1" latinLnBrk="0" hangingPunct="1">
-              <a:lnSpc>
-                <a:spcPct val="90000"/>
-              </a:lnSpc>
-              <a:spcBef>
-                <a:spcPts val="500"/>
-              </a:spcBef>
-              <a:buFont typeface="Arial" panose="020B0604020202020204" pitchFamily="34" charset="0"/>
-              <a:buChar char="•"/>
-              <a:defRPr sz="1800" kern="1200">
-                <a:solidFill>
-                  <a:schemeClr val="tx1"/>
-                </a:solidFill>
-                <a:latin typeface="+mn-lt"/>
-                <a:ea typeface="+mn-ea"/>
-                <a:cs typeface="+mn-cs"/>
-              </a:defRPr>
-            </a:lvl6pPr>
-            <a:lvl7pPr marL="2971800" indent="-228600" algn="l" defTabSz="914400" rtl="0" eaLnBrk="1" latinLnBrk="0" hangingPunct="1">
-              <a:lnSpc>
-                <a:spcPct val="90000"/>
-              </a:lnSpc>
-              <a:spcBef>
-                <a:spcPts val="500"/>
-              </a:spcBef>
-              <a:buFont typeface="Arial" panose="020B0604020202020204" pitchFamily="34" charset="0"/>
-              <a:buChar char="•"/>
-              <a:defRPr sz="1800" kern="1200">
-                <a:solidFill>
-                  <a:schemeClr val="tx1"/>
-                </a:solidFill>
-                <a:latin typeface="+mn-lt"/>
-                <a:ea typeface="+mn-ea"/>
-                <a:cs typeface="+mn-cs"/>
-              </a:defRPr>
-            </a:lvl7pPr>
-            <a:lvl8pPr marL="3429000" indent="-228600" algn="l" defTabSz="914400" rtl="0" eaLnBrk="1" latinLnBrk="0" hangingPunct="1">
-              <a:lnSpc>
-                <a:spcPct val="90000"/>
-              </a:lnSpc>
-              <a:spcBef>
-                <a:spcPts val="500"/>
-              </a:spcBef>
-              <a:buFont typeface="Arial" panose="020B0604020202020204" pitchFamily="34" charset="0"/>
-              <a:buChar char="•"/>
-              <a:defRPr sz="1800" kern="1200">
-                <a:solidFill>
-                  <a:schemeClr val="tx1"/>
-                </a:solidFill>
-                <a:latin typeface="+mn-lt"/>
-                <a:ea typeface="+mn-ea"/>
-                <a:cs typeface="+mn-cs"/>
-              </a:defRPr>
-            </a:lvl8pPr>
-            <a:lvl9pPr marL="3886200" indent="-228600" algn="l" defTabSz="914400" rtl="0" eaLnBrk="1" latinLnBrk="0" hangingPunct="1">
-              <a:lnSpc>
-                <a:spcPct val="90000"/>
-              </a:lnSpc>
-              <a:spcBef>
-                <a:spcPts val="500"/>
-              </a:spcBef>
-              <a:buFont typeface="Arial" panose="020B0604020202020204" pitchFamily="34" charset="0"/>
-              <a:buChar char="•"/>
-              <a:defRPr sz="1800" kern="1200">
-                <a:solidFill>
-                  <a:schemeClr val="tx1"/>
-                </a:solidFill>
-                <a:latin typeface="+mn-lt"/>
-                <a:ea typeface="+mn-ea"/>
-                <a:cs typeface="+mn-cs"/>
-              </a:defRPr>
-            </a:lvl9pPr>
-          </a:lstStyle>
+          <a:lstStyle/>
           <a:p>
             <a:pPr marL="0" indent="0">
+              <a:lnSpc>
+                <a:spcPct val="200000"/>
+              </a:lnSpc>
               <a:buNone/>
             </a:pPr>
             <a:r>
-              <a:rPr lang="fr-FR" sz="1100" b="1" dirty="0">
-                <a:solidFill>
-                  <a:schemeClr val="tx2"/>
-                </a:solidFill>
-              </a:rPr>
-              <a:t>Préparé et Présenté par Daniel  Lawson</a:t>
+              <a:rPr lang="fr-FR" sz="2200" b="1" dirty="0"/>
+              <a:t>Dans cet atelier, nous allons:</a:t>
+            </a:r>
+          </a:p>
+          <a:p>
+            <a:pPr>
+              <a:lnSpc>
+                <a:spcPct val="200000"/>
+              </a:lnSpc>
+            </a:pPr>
+            <a:r>
+              <a:rPr lang="fr-FR" sz="2200" dirty="0"/>
+              <a:t>Analyser notre architecture monolithique</a:t>
+            </a:r>
+          </a:p>
+          <a:p>
+            <a:pPr>
+              <a:lnSpc>
+                <a:spcPct val="200000"/>
+              </a:lnSpc>
+            </a:pPr>
+            <a:r>
+              <a:rPr lang="fr-FR" sz="2200" dirty="0"/>
+              <a:t>Identifier les contextes et les délimiter</a:t>
+            </a:r>
+          </a:p>
+          <a:p>
+            <a:pPr>
+              <a:lnSpc>
+                <a:spcPct val="200000"/>
+              </a:lnSpc>
+            </a:pPr>
+            <a:r>
+              <a:rPr lang="fr-FR" sz="2200" dirty="0"/>
+              <a:t>Identifier les contextes éligibles pour devenir des services</a:t>
+            </a:r>
+          </a:p>
+          <a:p>
+            <a:pPr>
+              <a:lnSpc>
+                <a:spcPct val="200000"/>
+              </a:lnSpc>
+            </a:pPr>
+            <a:r>
+              <a:rPr lang="fr-FR" sz="2200" dirty="0"/>
+              <a:t>Construire notre architecture microservices</a:t>
             </a:r>
           </a:p>
         </p:txBody>
       </p:sp>
       <p:sp>
         <p:nvSpPr>
-          <p:cNvPr id="7" name="Titre 1">
-            <a:extLst>
-              <a:ext uri="{FF2B5EF4-FFF2-40B4-BE49-F238E27FC236}">
-                <a16:creationId xmlns:a16="http://schemas.microsoft.com/office/drawing/2014/main" id="{D122964A-2BA9-92D7-4F45-EFEFCAE30085}"/>
+          <p:cNvPr id="4" name="Titre 1">
+            <a:extLst>
+              <a:ext uri="{FF2B5EF4-FFF2-40B4-BE49-F238E27FC236}">
+                <a16:creationId xmlns:a16="http://schemas.microsoft.com/office/drawing/2014/main" id="{9F8046C7-59C6-E9C9-C220-2A88E0E8AA74}"/>
               </a:ext>
             </a:extLst>
           </p:cNvPr>
@@ -6727,22 +10498,17 @@
           <a:p>
             <a:r>
               <a:rPr lang="fr-FR" sz="2800" b="1" dirty="0"/>
-              <a:t>Atelier : Découper un monolithe en </a:t>
-            </a:r>
-            <a:r>
-              <a:rPr lang="fr-FR" sz="2800" b="1" dirty="0" err="1"/>
-              <a:t>microservices</a:t>
-            </a:r>
-            <a:endParaRPr lang="fr-FR" sz="2800" b="1" dirty="0"/>
+              <a:t>Atelier : Découper un monolithe en microservices</a:t>
+            </a:r>
           </a:p>
         </p:txBody>
       </p:sp>
       <p:cxnSp>
         <p:nvCxnSpPr>
-          <p:cNvPr id="8" name="Connecteur droit 7">
-            <a:extLst>
-              <a:ext uri="{FF2B5EF4-FFF2-40B4-BE49-F238E27FC236}">
-                <a16:creationId xmlns:a16="http://schemas.microsoft.com/office/drawing/2014/main" id="{532989CB-805A-AC94-902B-454502F05937}"/>
+          <p:cNvPr id="5" name="Connecteur droit 4">
+            <a:extLst>
+              <a:ext uri="{FF2B5EF4-FFF2-40B4-BE49-F238E27FC236}">
+                <a16:creationId xmlns:a16="http://schemas.microsoft.com/office/drawing/2014/main" id="{555718AF-B7AD-AAD3-6D4E-C60371FD6A96}"/>
               </a:ext>
             </a:extLst>
           </p:cNvPr>
@@ -6777,10 +10543,263 @@
       </p:cxnSp>
       <p:sp>
         <p:nvSpPr>
-          <p:cNvPr id="9" name="ZoneTexte 8">
-            <a:extLst>
-              <a:ext uri="{FF2B5EF4-FFF2-40B4-BE49-F238E27FC236}">
-                <a16:creationId xmlns:a16="http://schemas.microsoft.com/office/drawing/2014/main" id="{D15A4471-AA2D-82AE-EDE6-DA6191814647}"/>
+          <p:cNvPr id="6" name="Sous-titre 2">
+            <a:extLst>
+              <a:ext uri="{FF2B5EF4-FFF2-40B4-BE49-F238E27FC236}">
+                <a16:creationId xmlns:a16="http://schemas.microsoft.com/office/drawing/2014/main" id="{02826535-6718-FF2C-7532-A8BEE5D7C409}"/>
+              </a:ext>
+            </a:extLst>
+          </p:cNvPr>
+          <p:cNvSpPr txBox="1">
+            <a:spLocks/>
+          </p:cNvSpPr>
+          <p:nvPr/>
+        </p:nvSpPr>
+        <p:spPr>
+          <a:xfrm>
+            <a:off x="121794" y="6617710"/>
+            <a:ext cx="2890647" cy="214122"/>
+          </a:xfrm>
+          <a:prstGeom prst="rect">
+            <a:avLst/>
+          </a:prstGeom>
+        </p:spPr>
+        <p:txBody>
+          <a:bodyPr vert="horz" lIns="91440" tIns="45720" rIns="91440" bIns="45720" rtlCol="0">
+            <a:noAutofit/>
+          </a:bodyPr>
+          <a:lstStyle>
+            <a:lvl1pPr marL="228600" indent="-228600" algn="l" defTabSz="914400" rtl="0" eaLnBrk="1" latinLnBrk="0" hangingPunct="1">
+              <a:lnSpc>
+                <a:spcPct val="90000"/>
+              </a:lnSpc>
+              <a:spcBef>
+                <a:spcPts val="1000"/>
+              </a:spcBef>
+              <a:buFont typeface="Arial" panose="020B0604020202020204" pitchFamily="34" charset="0"/>
+              <a:buChar char="•"/>
+              <a:defRPr sz="2800" kern="1200">
+                <a:solidFill>
+                  <a:schemeClr val="tx1"/>
+                </a:solidFill>
+                <a:latin typeface="+mn-lt"/>
+                <a:ea typeface="+mn-ea"/>
+                <a:cs typeface="+mn-cs"/>
+              </a:defRPr>
+            </a:lvl1pPr>
+            <a:lvl2pPr marL="685800" indent="-228600" algn="l" defTabSz="914400" rtl="0" eaLnBrk="1" latinLnBrk="0" hangingPunct="1">
+              <a:lnSpc>
+                <a:spcPct val="90000"/>
+              </a:lnSpc>
+              <a:spcBef>
+                <a:spcPts val="500"/>
+              </a:spcBef>
+              <a:buFont typeface="Arial" panose="020B0604020202020204" pitchFamily="34" charset="0"/>
+              <a:buChar char="•"/>
+              <a:defRPr sz="2400" kern="1200">
+                <a:solidFill>
+                  <a:schemeClr val="tx1"/>
+                </a:solidFill>
+                <a:latin typeface="+mn-lt"/>
+                <a:ea typeface="+mn-ea"/>
+                <a:cs typeface="+mn-cs"/>
+              </a:defRPr>
+            </a:lvl2pPr>
+            <a:lvl3pPr marL="1143000" indent="-228600" algn="l" defTabSz="914400" rtl="0" eaLnBrk="1" latinLnBrk="0" hangingPunct="1">
+              <a:lnSpc>
+                <a:spcPct val="90000"/>
+              </a:lnSpc>
+              <a:spcBef>
+                <a:spcPts val="500"/>
+              </a:spcBef>
+              <a:buFont typeface="Arial" panose="020B0604020202020204" pitchFamily="34" charset="0"/>
+              <a:buChar char="•"/>
+              <a:defRPr sz="2000" kern="1200">
+                <a:solidFill>
+                  <a:schemeClr val="tx1"/>
+                </a:solidFill>
+                <a:latin typeface="+mn-lt"/>
+                <a:ea typeface="+mn-ea"/>
+                <a:cs typeface="+mn-cs"/>
+              </a:defRPr>
+            </a:lvl3pPr>
+            <a:lvl4pPr marL="1600200" indent="-228600" algn="l" defTabSz="914400" rtl="0" eaLnBrk="1" latinLnBrk="0" hangingPunct="1">
+              <a:lnSpc>
+                <a:spcPct val="90000"/>
+              </a:lnSpc>
+              <a:spcBef>
+                <a:spcPts val="500"/>
+              </a:spcBef>
+              <a:buFont typeface="Arial" panose="020B0604020202020204" pitchFamily="34" charset="0"/>
+              <a:buChar char="•"/>
+              <a:defRPr sz="1800" kern="1200">
+                <a:solidFill>
+                  <a:schemeClr val="tx1"/>
+                </a:solidFill>
+                <a:latin typeface="+mn-lt"/>
+                <a:ea typeface="+mn-ea"/>
+                <a:cs typeface="+mn-cs"/>
+              </a:defRPr>
+            </a:lvl4pPr>
+            <a:lvl5pPr marL="2057400" indent="-228600" algn="l" defTabSz="914400" rtl="0" eaLnBrk="1" latinLnBrk="0" hangingPunct="1">
+              <a:lnSpc>
+                <a:spcPct val="90000"/>
+              </a:lnSpc>
+              <a:spcBef>
+                <a:spcPts val="500"/>
+              </a:spcBef>
+              <a:buFont typeface="Arial" panose="020B0604020202020204" pitchFamily="34" charset="0"/>
+              <a:buChar char="•"/>
+              <a:defRPr sz="1800" kern="1200">
+                <a:solidFill>
+                  <a:schemeClr val="tx1"/>
+                </a:solidFill>
+                <a:latin typeface="+mn-lt"/>
+                <a:ea typeface="+mn-ea"/>
+                <a:cs typeface="+mn-cs"/>
+              </a:defRPr>
+            </a:lvl5pPr>
+            <a:lvl6pPr marL="2514600" indent="-228600" algn="l" defTabSz="914400" rtl="0" eaLnBrk="1" latinLnBrk="0" hangingPunct="1">
+              <a:lnSpc>
+                <a:spcPct val="90000"/>
+              </a:lnSpc>
+              <a:spcBef>
+                <a:spcPts val="500"/>
+              </a:spcBef>
+              <a:buFont typeface="Arial" panose="020B0604020202020204" pitchFamily="34" charset="0"/>
+              <a:buChar char="•"/>
+              <a:defRPr sz="1800" kern="1200">
+                <a:solidFill>
+                  <a:schemeClr val="tx1"/>
+                </a:solidFill>
+                <a:latin typeface="+mn-lt"/>
+                <a:ea typeface="+mn-ea"/>
+                <a:cs typeface="+mn-cs"/>
+              </a:defRPr>
+            </a:lvl6pPr>
+            <a:lvl7pPr marL="2971800" indent="-228600" algn="l" defTabSz="914400" rtl="0" eaLnBrk="1" latinLnBrk="0" hangingPunct="1">
+              <a:lnSpc>
+                <a:spcPct val="90000"/>
+              </a:lnSpc>
+              <a:spcBef>
+                <a:spcPts val="500"/>
+              </a:spcBef>
+              <a:buFont typeface="Arial" panose="020B0604020202020204" pitchFamily="34" charset="0"/>
+              <a:buChar char="•"/>
+              <a:defRPr sz="1800" kern="1200">
+                <a:solidFill>
+                  <a:schemeClr val="tx1"/>
+                </a:solidFill>
+                <a:latin typeface="+mn-lt"/>
+                <a:ea typeface="+mn-ea"/>
+                <a:cs typeface="+mn-cs"/>
+              </a:defRPr>
+            </a:lvl7pPr>
+            <a:lvl8pPr marL="3429000" indent="-228600" algn="l" defTabSz="914400" rtl="0" eaLnBrk="1" latinLnBrk="0" hangingPunct="1">
+              <a:lnSpc>
+                <a:spcPct val="90000"/>
+              </a:lnSpc>
+              <a:spcBef>
+                <a:spcPts val="500"/>
+              </a:spcBef>
+              <a:buFont typeface="Arial" panose="020B0604020202020204" pitchFamily="34" charset="0"/>
+              <a:buChar char="•"/>
+              <a:defRPr sz="1800" kern="1200">
+                <a:solidFill>
+                  <a:schemeClr val="tx1"/>
+                </a:solidFill>
+                <a:latin typeface="+mn-lt"/>
+                <a:ea typeface="+mn-ea"/>
+                <a:cs typeface="+mn-cs"/>
+              </a:defRPr>
+            </a:lvl8pPr>
+            <a:lvl9pPr marL="3886200" indent="-228600" algn="l" defTabSz="914400" rtl="0" eaLnBrk="1" latinLnBrk="0" hangingPunct="1">
+              <a:lnSpc>
+                <a:spcPct val="90000"/>
+              </a:lnSpc>
+              <a:spcBef>
+                <a:spcPts val="500"/>
+              </a:spcBef>
+              <a:buFont typeface="Arial" panose="020B0604020202020204" pitchFamily="34" charset="0"/>
+              <a:buChar char="•"/>
+              <a:defRPr sz="1800" kern="1200">
+                <a:solidFill>
+                  <a:schemeClr val="tx1"/>
+                </a:solidFill>
+                <a:latin typeface="+mn-lt"/>
+                <a:ea typeface="+mn-ea"/>
+                <a:cs typeface="+mn-cs"/>
+              </a:defRPr>
+            </a:lvl9pPr>
+          </a:lstStyle>
+          <a:p>
+            <a:pPr marL="0" indent="0">
+              <a:buNone/>
+            </a:pPr>
+            <a:r>
+              <a:rPr lang="fr-FR" sz="1100" b="1" dirty="0">
+                <a:solidFill>
+                  <a:schemeClr val="tx2"/>
+                </a:solidFill>
+              </a:rPr>
+              <a:t>Préparé et Présenté par Daniel  Lawson</a:t>
+            </a:r>
+          </a:p>
+        </p:txBody>
+      </p:sp>
+      <p:pic>
+        <p:nvPicPr>
+          <p:cNvPr id="2050" name="Picture 2" descr="Science, Expérience, Recherche">
+            <a:extLst>
+              <a:ext uri="{FF2B5EF4-FFF2-40B4-BE49-F238E27FC236}">
+                <a16:creationId xmlns:a16="http://schemas.microsoft.com/office/drawing/2014/main" id="{2A162B4A-1099-686D-3511-A50E93291473}"/>
+              </a:ext>
+            </a:extLst>
+          </p:cNvPr>
+          <p:cNvPicPr>
+            <a:picLocks noChangeAspect="1" noChangeArrowheads="1"/>
+          </p:cNvPicPr>
+          <p:nvPr/>
+        </p:nvPicPr>
+        <p:blipFill>
+          <a:blip r:embed="rId3">
+            <a:extLst>
+              <a:ext uri="{28A0092B-C50C-407E-A947-70E740481C1C}">
+                <a14:useLocalDpi xmlns:a14="http://schemas.microsoft.com/office/drawing/2010/main" val="0"/>
+              </a:ext>
+            </a:extLst>
+          </a:blip>
+          <a:srcRect/>
+          <a:stretch>
+            <a:fillRect/>
+          </a:stretch>
+        </p:blipFill>
+        <p:spPr bwMode="auto">
+          <a:xfrm>
+            <a:off x="6217920" y="883920"/>
+            <a:ext cx="5974080" cy="5974080"/>
+          </a:xfrm>
+          <a:prstGeom prst="rect">
+            <a:avLst/>
+          </a:prstGeom>
+          <a:noFill/>
+          <a:extLst>
+            <a:ext uri="{909E8E84-426E-40DD-AFC4-6F175D3DCCD1}">
+              <a14:hiddenFill xmlns:a14="http://schemas.microsoft.com/office/drawing/2010/main">
+                <a:solidFill>
+                  <a:srgbClr val="FFFFFF"/>
+                </a:solidFill>
+              </a14:hiddenFill>
+            </a:ext>
+          </a:extLst>
+        </p:spPr>
+      </p:pic>
+      <p:sp>
+        <p:nvSpPr>
+          <p:cNvPr id="2" name="ZoneTexte 1">
+            <a:extLst>
+              <a:ext uri="{FF2B5EF4-FFF2-40B4-BE49-F238E27FC236}">
+                <a16:creationId xmlns:a16="http://schemas.microsoft.com/office/drawing/2014/main" id="{B750248E-14FB-35CE-A7F3-F017DB5C389E}"/>
               </a:ext>
             </a:extLst>
           </p:cNvPr>
@@ -6789,8 +10808,8 @@
         </p:nvSpPr>
         <p:spPr>
           <a:xfrm>
-            <a:off x="223520" y="1072832"/>
-            <a:ext cx="6045200" cy="400110"/>
+            <a:off x="8504872" y="1152525"/>
+            <a:ext cx="1400175" cy="769441"/>
           </a:xfrm>
           <a:prstGeom prst="rect">
             <a:avLst/>
@@ -6803,131 +10822,22 @@
           </a:bodyPr>
           <a:lstStyle/>
           <a:p>
-            <a:r>
-              <a:rPr lang="fr-FR" sz="2000" b="1" dirty="0"/>
-              <a:t>Modules fonctionnels de l’application monolithe : </a:t>
-            </a:r>
-          </a:p>
-        </p:txBody>
-      </p:sp>
-      <p:sp>
-        <p:nvSpPr>
-          <p:cNvPr id="11" name="ZoneTexte 10">
-            <a:extLst>
-              <a:ext uri="{FF2B5EF4-FFF2-40B4-BE49-F238E27FC236}">
-                <a16:creationId xmlns:a16="http://schemas.microsoft.com/office/drawing/2014/main" id="{A4DA49AF-D8C2-23F8-43E6-82024B6DDBC9}"/>
-              </a:ext>
-            </a:extLst>
-          </p:cNvPr>
-          <p:cNvSpPr txBox="1"/>
-          <p:nvPr/>
-        </p:nvSpPr>
-        <p:spPr>
-          <a:xfrm>
-            <a:off x="223520" y="1678224"/>
-            <a:ext cx="11887200" cy="4801314"/>
-          </a:xfrm>
-          <a:prstGeom prst="rect">
-            <a:avLst/>
-          </a:prstGeom>
-          <a:noFill/>
-        </p:spPr>
-        <p:txBody>
-          <a:bodyPr wrap="square">
-            <a:spAutoFit/>
-          </a:bodyPr>
-          <a:lstStyle/>
-          <a:p>
-            <a:r>
-              <a:rPr lang="fr-FR" b="1" dirty="0"/>
-              <a:t>Catalogue des restaurants : </a:t>
-            </a:r>
-          </a:p>
-          <a:p>
-            <a:r>
-              <a:rPr lang="fr-FR" dirty="0"/>
-              <a:t>Gestion des restaurants (ajout, suppression, mise à jour), Gestion des menus (plats, prix, options personnalisées), </a:t>
-            </a:r>
-          </a:p>
-          <a:p>
-            <a:endParaRPr lang="fr-FR" dirty="0"/>
-          </a:p>
-          <a:p>
-            <a:r>
-              <a:rPr lang="fr-FR" b="1" dirty="0"/>
-              <a:t>Gestion des utilisateurs :</a:t>
-            </a:r>
-          </a:p>
-          <a:p>
-            <a:r>
-              <a:rPr lang="fr-FR" dirty="0"/>
-              <a:t>Inscription et connexion des utilisateurs (clients et restaurateurs), Gestion des rôles (client, restaurateur, livreur)</a:t>
-            </a:r>
-          </a:p>
-          <a:p>
-            <a:r>
-              <a:rPr lang="fr-FR" dirty="0"/>
-              <a:t>Profil utilisateur (adresses, préférences alimentaires)</a:t>
-            </a:r>
-          </a:p>
-          <a:p>
-            <a:endParaRPr lang="fr-FR" dirty="0"/>
-          </a:p>
-          <a:p>
-            <a:r>
-              <a:rPr lang="fr-FR" b="1" dirty="0"/>
-              <a:t>Commandes :</a:t>
-            </a:r>
-          </a:p>
-          <a:p>
-            <a:r>
-              <a:rPr lang="fr-FR" dirty="0"/>
-              <a:t>Création des commandes (sélection de plats, personnalisation), Calcul du prix total (plats, taxes, frais de livraison)</a:t>
-            </a:r>
-          </a:p>
-          <a:p>
-            <a:r>
-              <a:rPr lang="fr-FR" dirty="0"/>
-              <a:t>Suivi des statuts de commande (en attente, en cours, livrée)</a:t>
-            </a:r>
-          </a:p>
-          <a:p>
-            <a:endParaRPr lang="fr-FR" dirty="0"/>
-          </a:p>
-          <a:p>
-            <a:r>
-              <a:rPr lang="fr-FR" b="1" dirty="0"/>
-              <a:t>Paiements :</a:t>
-            </a:r>
-          </a:p>
-          <a:p>
-            <a:r>
-              <a:rPr lang="fr-FR" dirty="0"/>
-              <a:t>Gestion des moyens de paiement (cartes, PayPal, etc.), Validation des paiements en ligne, Gestion des remboursements</a:t>
-            </a:r>
-          </a:p>
-          <a:p>
-            <a:endParaRPr lang="fr-FR" dirty="0"/>
-          </a:p>
-          <a:p>
-            <a:r>
-              <a:rPr lang="fr-FR" b="1" dirty="0"/>
-              <a:t>Gestion des livreurs : </a:t>
-            </a:r>
-            <a:r>
-              <a:rPr lang="fr-FR" dirty="0"/>
-              <a:t>Attribution des commandes aux livreurs, Gestion des disponibilités des livreurs</a:t>
-            </a:r>
-          </a:p>
-          <a:p>
-            <a:endParaRPr lang="fr-FR" dirty="0"/>
+            <a:pPr algn="ctr"/>
+            <a:r>
+              <a:rPr lang="fr-FR" sz="4400" b="1" dirty="0">
+                <a:solidFill>
+                  <a:schemeClr val="bg1"/>
+                </a:solidFill>
+              </a:rPr>
+              <a:t>LAB</a:t>
+            </a:r>
           </a:p>
         </p:txBody>
       </p:sp>
     </p:spTree>
     <p:extLst>
       <p:ext uri="{BB962C8B-B14F-4D97-AF65-F5344CB8AC3E}">
-        <p14:creationId xmlns:p14="http://schemas.microsoft.com/office/powerpoint/2010/main" val="1850163373"/>
+        <p14:creationId xmlns:p14="http://schemas.microsoft.com/office/powerpoint/2010/main" val="1619280332"/>
       </p:ext>
     </p:extLst>
   </p:cSld>
@@ -6937,7 +10847,7 @@
 </p:sld>
 </file>
 
-<file path=ppt/slides/slide15.xml><?xml version="1.0" encoding="utf-8"?>
+<file path=ppt/slides/slide22.xml><?xml version="1.0" encoding="utf-8"?>
 <p:sld xmlns:a="http://schemas.openxmlformats.org/drawingml/2006/main" xmlns:r="http://schemas.openxmlformats.org/officeDocument/2006/relationships" xmlns:p="http://schemas.openxmlformats.org/presentationml/2006/main">
   <p:cSld>
     <p:spTree>
@@ -7209,13 +11119,8 @@
           <a:p>
             <a:r>
               <a:rPr lang="fr-FR" sz="2800" b="1" dirty="0"/>
-              <a:t>Atelier : Découper un monolithe en </a:t>
-            </a:r>
-            <a:r>
-              <a:rPr lang="fr-FR" sz="2800" b="1" dirty="0" err="1"/>
-              <a:t>microservices</a:t>
-            </a:r>
-            <a:endParaRPr lang="fr-FR" sz="2800" b="1" dirty="0"/>
+              <a:t>Atelier : Découper un monolithe en microservices</a:t>
+            </a:r>
           </a:p>
         </p:txBody>
       </p:sp>
@@ -7307,7 +11212,7 @@
         <p:spPr>
           <a:xfrm>
             <a:off x="223520" y="1678224"/>
-            <a:ext cx="11887200" cy="3693319"/>
+            <a:ext cx="11887200" cy="4801314"/>
           </a:xfrm>
           <a:prstGeom prst="rect">
             <a:avLst/>
@@ -7322,25 +11227,34 @@
           <a:p>
             <a:r>
               <a:rPr lang="fr-FR" b="1" dirty="0"/>
-              <a:t>Livraison et suivi des commandes :</a:t>
+              <a:t>Catalogue des restaurants : </a:t>
             </a:r>
           </a:p>
           <a:p>
             <a:r>
               <a:rPr lang="fr-FR" dirty="0"/>
-              <a:t>Suivi en temps réel des commandes (restaurant → livreur → client)</a:t>
+              <a:t>Gestion des restaurants (ajout, suppression, mise à jour), Gestion des menus (plats, prix, options personnalisées), </a:t>
+            </a:r>
+          </a:p>
+          <a:p>
+            <a:endParaRPr lang="fr-FR" dirty="0"/>
+          </a:p>
+          <a:p>
+            <a:r>
+              <a:rPr lang="fr-FR" b="1" dirty="0"/>
+              <a:t>Gestion des utilisateurs :</a:t>
             </a:r>
           </a:p>
           <a:p>
             <a:r>
               <a:rPr lang="fr-FR" dirty="0"/>
-              <a:t>Calcul automatique des itinéraires pour les livreurs</a:t>
+              <a:t>Inscription et connexion des utilisateurs (clients et restaurateurs), Gestion des rôles (client, restaurateur, livreur)</a:t>
             </a:r>
           </a:p>
           <a:p>
             <a:r>
               <a:rPr lang="fr-FR" dirty="0"/>
-              <a:t>Notifications en temps réel pour les clients et les livreurs (via SMS ou application)</a:t>
+              <a:t>Profil utilisateur (adresses, préférences alimentaires)</a:t>
             </a:r>
           </a:p>
           <a:p>
@@ -7349,19 +11263,19 @@
           <a:p>
             <a:r>
               <a:rPr lang="fr-FR" b="1" dirty="0"/>
-              <a:t>Système de notation et avis :</a:t>
+              <a:t>Commandes :</a:t>
             </a:r>
           </a:p>
           <a:p>
             <a:r>
               <a:rPr lang="fr-FR" dirty="0"/>
-              <a:t>Système de notation des restaurants et des livreurs par les clients</a:t>
+              <a:t>Création des commandes (sélection de plats, personnalisation), Calcul du prix total (plats, taxes, frais de livraison)</a:t>
             </a:r>
           </a:p>
           <a:p>
             <a:r>
               <a:rPr lang="fr-FR" dirty="0"/>
-              <a:t>Gestion des avis clients (commentaires, évaluations)</a:t>
+              <a:t>Suivi des statuts de commande (en attente, en cours, livrée)</a:t>
             </a:r>
           </a:p>
           <a:p>
@@ -7370,19 +11284,26 @@
           <a:p>
             <a:r>
               <a:rPr lang="fr-FR" b="1" dirty="0"/>
-              <a:t>Promotions et réductions :</a:t>
+              <a:t>Paiements :</a:t>
             </a:r>
           </a:p>
           <a:p>
             <a:r>
               <a:rPr lang="fr-FR" dirty="0"/>
-              <a:t>Gestion des codes promotionnels</a:t>
-            </a:r>
-          </a:p>
-          <a:p>
+              <a:t>Gestion des moyens de paiement (cartes, PayPal, etc.), Validation des paiements en ligne, Gestion des remboursements</a:t>
+            </a:r>
+          </a:p>
+          <a:p>
+            <a:endParaRPr lang="fr-FR" dirty="0"/>
+          </a:p>
+          <a:p>
+            <a:r>
+              <a:rPr lang="fr-FR" b="1" dirty="0"/>
+              <a:t>Gestion des livreurs : </a:t>
+            </a:r>
             <a:r>
               <a:rPr lang="fr-FR" dirty="0"/>
-              <a:t>Application automatique des réductions en fonction des conditions (restaurants participants, montants, etc.)</a:t>
+              <a:t>Attribution des commandes aux livreurs, Gestion des disponibilités des livreurs</a:t>
             </a:r>
           </a:p>
           <a:p>
@@ -7393,7 +11314,7 @@
     </p:spTree>
     <p:extLst>
       <p:ext uri="{BB962C8B-B14F-4D97-AF65-F5344CB8AC3E}">
-        <p14:creationId xmlns:p14="http://schemas.microsoft.com/office/powerpoint/2010/main" val="2650891039"/>
+        <p14:creationId xmlns:p14="http://schemas.microsoft.com/office/powerpoint/2010/main" val="1850163373"/>
       </p:ext>
     </p:extLst>
   </p:cSld>
@@ -7403,7 +11324,7 @@
 </p:sld>
 </file>
 
-<file path=ppt/slides/slide16.xml><?xml version="1.0" encoding="utf-8"?>
+<file path=ppt/slides/slide23.xml><?xml version="1.0" encoding="utf-8"?>
 <p:sld xmlns:a="http://schemas.openxmlformats.org/drawingml/2006/main" xmlns:r="http://schemas.openxmlformats.org/officeDocument/2006/relationships" xmlns:p="http://schemas.openxmlformats.org/presentationml/2006/main">
   <p:cSld>
     <p:spTree>
@@ -7422,199 +11343,10 @@
       </p:grpSpPr>
       <p:sp>
         <p:nvSpPr>
-          <p:cNvPr id="4" name="Titre 1">
-            <a:extLst>
-              <a:ext uri="{FF2B5EF4-FFF2-40B4-BE49-F238E27FC236}">
-                <a16:creationId xmlns:a16="http://schemas.microsoft.com/office/drawing/2014/main" id="{0BBD490F-0135-83AC-A1D0-18C01882B938}"/>
-              </a:ext>
-            </a:extLst>
-          </p:cNvPr>
-          <p:cNvSpPr>
-            <a:spLocks noGrp="1"/>
-          </p:cNvSpPr>
-          <p:nvPr>
-            <p:ph type="title"/>
-          </p:nvPr>
-        </p:nvSpPr>
-        <p:spPr>
-          <a:xfrm>
-            <a:off x="2681714" y="2713346"/>
-            <a:ext cx="6828572" cy="1128713"/>
-          </a:xfrm>
-        </p:spPr>
-        <p:txBody>
-          <a:bodyPr>
-            <a:noAutofit/>
-          </a:bodyPr>
-          <a:lstStyle/>
-          <a:p>
-            <a:pPr algn="ctr"/>
-            <a:r>
-              <a:rPr lang="fr-FR" sz="4100" b="1" dirty="0">
-                <a:solidFill>
-                  <a:schemeClr val="tx2"/>
-                </a:solidFill>
-                <a:latin typeface="Lora" pitchFamily="2" charset="0"/>
-              </a:rPr>
-              <a:t>Fin du module</a:t>
-            </a:r>
-          </a:p>
-        </p:txBody>
-      </p:sp>
-    </p:spTree>
-    <p:extLst>
-      <p:ext uri="{BB962C8B-B14F-4D97-AF65-F5344CB8AC3E}">
-        <p14:creationId xmlns:p14="http://schemas.microsoft.com/office/powerpoint/2010/main" val="1610341630"/>
-      </p:ext>
-    </p:extLst>
-  </p:cSld>
-  <p:clrMapOvr>
-    <a:masterClrMapping/>
-  </p:clrMapOvr>
-</p:sld>
-</file>
-
-<file path=ppt/slides/slide2.xml><?xml version="1.0" encoding="utf-8"?>
-<p:sld xmlns:a="http://schemas.openxmlformats.org/drawingml/2006/main" xmlns:r="http://schemas.openxmlformats.org/officeDocument/2006/relationships" xmlns:p="http://schemas.openxmlformats.org/presentationml/2006/main">
-  <p:cSld>
-    <p:spTree>
-      <p:nvGrpSpPr>
-        <p:cNvPr id="1" name=""/>
-        <p:cNvGrpSpPr/>
-        <p:nvPr/>
-      </p:nvGrpSpPr>
-      <p:grpSpPr>
-        <a:xfrm>
-          <a:off x="0" y="0"/>
-          <a:ext cx="0" cy="0"/>
-          <a:chOff x="0" y="0"/>
-          <a:chExt cx="0" cy="0"/>
-        </a:xfrm>
-      </p:grpSpPr>
-      <p:sp>
-        <p:nvSpPr>
-          <p:cNvPr id="3" name="Espace réservé du contenu 2">
-            <a:extLst>
-              <a:ext uri="{FF2B5EF4-FFF2-40B4-BE49-F238E27FC236}">
-                <a16:creationId xmlns:a16="http://schemas.microsoft.com/office/drawing/2014/main" id="{5D1598F1-3F5E-181B-29E7-26081FFE38F7}"/>
-              </a:ext>
-            </a:extLst>
-          </p:cNvPr>
-          <p:cNvSpPr>
-            <a:spLocks noGrp="1"/>
-          </p:cNvSpPr>
-          <p:nvPr>
-            <p:ph idx="1"/>
-          </p:nvPr>
-        </p:nvSpPr>
-        <p:spPr>
-          <a:xfrm>
-            <a:off x="320040" y="1287145"/>
-            <a:ext cx="10515600" cy="4036695"/>
-          </a:xfrm>
-        </p:spPr>
-        <p:txBody>
-          <a:bodyPr>
-            <a:noAutofit/>
-          </a:bodyPr>
-          <a:lstStyle/>
-          <a:p>
-            <a:pPr>
-              <a:lnSpc>
-                <a:spcPct val="150000"/>
-              </a:lnSpc>
-            </a:pPr>
-            <a:r>
-              <a:rPr lang="fr-FR" sz="2200" dirty="0"/>
-              <a:t>Quelques questions de notre DSI</a:t>
-            </a:r>
-          </a:p>
-          <a:p>
-            <a:pPr>
-              <a:lnSpc>
-                <a:spcPct val="150000"/>
-              </a:lnSpc>
-            </a:pPr>
-            <a:r>
-              <a:rPr lang="fr-FR" sz="2200" dirty="0"/>
-              <a:t>Principes de découpage des </a:t>
-            </a:r>
-            <a:r>
-              <a:rPr lang="fr-FR" sz="2200" dirty="0" err="1"/>
-              <a:t>microservices</a:t>
-            </a:r>
-            <a:endParaRPr lang="fr-FR" sz="2200" dirty="0"/>
-          </a:p>
-          <a:p>
-            <a:pPr>
-              <a:lnSpc>
-                <a:spcPct val="150000"/>
-              </a:lnSpc>
-            </a:pPr>
-            <a:r>
-              <a:rPr lang="fr-FR" sz="2200" dirty="0"/>
-              <a:t>Principes de conception des </a:t>
-            </a:r>
-            <a:r>
-              <a:rPr lang="fr-FR" sz="2200" dirty="0" err="1"/>
-              <a:t>microservices</a:t>
-            </a:r>
-            <a:endParaRPr lang="fr-FR" sz="2200" dirty="0"/>
-          </a:p>
-          <a:p>
-            <a:pPr>
-              <a:lnSpc>
-                <a:spcPct val="150000"/>
-              </a:lnSpc>
-            </a:pPr>
-            <a:r>
-              <a:rPr lang="fr-FR" sz="2200" dirty="0"/>
-              <a:t>Répondre aux questions</a:t>
-            </a:r>
-          </a:p>
-          <a:p>
-            <a:pPr>
-              <a:lnSpc>
-                <a:spcPct val="150000"/>
-              </a:lnSpc>
-            </a:pPr>
-            <a:r>
-              <a:rPr lang="fr-FR" sz="2200" dirty="0"/>
-              <a:t>Contrôle de connaissances</a:t>
-            </a:r>
-          </a:p>
-          <a:p>
-            <a:pPr>
-              <a:lnSpc>
-                <a:spcPct val="150000"/>
-              </a:lnSpc>
-            </a:pPr>
-            <a:r>
-              <a:rPr lang="fr-FR" sz="2200" b="1" dirty="0"/>
-              <a:t>Atelier : Découper un monolithe en </a:t>
-            </a:r>
-            <a:r>
-              <a:rPr lang="fr-FR" sz="2200" b="1" dirty="0" err="1"/>
-              <a:t>microservices</a:t>
-            </a:r>
-            <a:endParaRPr lang="fr-FR" sz="2200" b="1" dirty="0"/>
-          </a:p>
-          <a:p>
-            <a:pPr>
-              <a:lnSpc>
-                <a:spcPct val="150000"/>
-              </a:lnSpc>
-            </a:pPr>
-            <a:endParaRPr lang="fr-FR" sz="2200" dirty="0"/>
-          </a:p>
-        </p:txBody>
-      </p:sp>
-      <p:sp>
-        <p:nvSpPr>
-          <p:cNvPr id="4" name="Titre 1">
-            <a:extLst>
-              <a:ext uri="{FF2B5EF4-FFF2-40B4-BE49-F238E27FC236}">
-                <a16:creationId xmlns:a16="http://schemas.microsoft.com/office/drawing/2014/main" id="{9F8046C7-59C6-E9C9-C220-2A88E0E8AA74}"/>
+          <p:cNvPr id="6" name="Sous-titre 2">
+            <a:extLst>
+              <a:ext uri="{FF2B5EF4-FFF2-40B4-BE49-F238E27FC236}">
+                <a16:creationId xmlns:a16="http://schemas.microsoft.com/office/drawing/2014/main" id="{3BCD69F1-18A3-8D63-D68C-8F4620299F31}"/>
               </a:ext>
             </a:extLst>
           </p:cNvPr>
@@ -7625,8 +11357,214 @@
         </p:nvSpPr>
         <p:spPr>
           <a:xfrm>
-            <a:off x="223520" y="309791"/>
-            <a:ext cx="3027680" cy="400368"/>
+            <a:off x="4533356" y="6517441"/>
+            <a:ext cx="2890647" cy="214122"/>
+          </a:xfrm>
+          <a:prstGeom prst="rect">
+            <a:avLst/>
+          </a:prstGeom>
+        </p:spPr>
+        <p:txBody>
+          <a:bodyPr vert="horz" lIns="91440" tIns="45720" rIns="91440" bIns="45720" rtlCol="0">
+            <a:noAutofit/>
+          </a:bodyPr>
+          <a:lstStyle>
+            <a:lvl1pPr marL="228600" indent="-228600" algn="l" defTabSz="914400" rtl="0" eaLnBrk="1" latinLnBrk="0" hangingPunct="1">
+              <a:lnSpc>
+                <a:spcPct val="90000"/>
+              </a:lnSpc>
+              <a:spcBef>
+                <a:spcPts val="1000"/>
+              </a:spcBef>
+              <a:buFont typeface="Arial" panose="020B0604020202020204" pitchFamily="34" charset="0"/>
+              <a:buChar char="•"/>
+              <a:defRPr sz="2800" kern="1200">
+                <a:solidFill>
+                  <a:schemeClr val="tx1"/>
+                </a:solidFill>
+                <a:latin typeface="+mn-lt"/>
+                <a:ea typeface="+mn-ea"/>
+                <a:cs typeface="+mn-cs"/>
+              </a:defRPr>
+            </a:lvl1pPr>
+            <a:lvl2pPr marL="685800" indent="-228600" algn="l" defTabSz="914400" rtl="0" eaLnBrk="1" latinLnBrk="0" hangingPunct="1">
+              <a:lnSpc>
+                <a:spcPct val="90000"/>
+              </a:lnSpc>
+              <a:spcBef>
+                <a:spcPts val="500"/>
+              </a:spcBef>
+              <a:buFont typeface="Arial" panose="020B0604020202020204" pitchFamily="34" charset="0"/>
+              <a:buChar char="•"/>
+              <a:defRPr sz="2400" kern="1200">
+                <a:solidFill>
+                  <a:schemeClr val="tx1"/>
+                </a:solidFill>
+                <a:latin typeface="+mn-lt"/>
+                <a:ea typeface="+mn-ea"/>
+                <a:cs typeface="+mn-cs"/>
+              </a:defRPr>
+            </a:lvl2pPr>
+            <a:lvl3pPr marL="1143000" indent="-228600" algn="l" defTabSz="914400" rtl="0" eaLnBrk="1" latinLnBrk="0" hangingPunct="1">
+              <a:lnSpc>
+                <a:spcPct val="90000"/>
+              </a:lnSpc>
+              <a:spcBef>
+                <a:spcPts val="500"/>
+              </a:spcBef>
+              <a:buFont typeface="Arial" panose="020B0604020202020204" pitchFamily="34" charset="0"/>
+              <a:buChar char="•"/>
+              <a:defRPr sz="2000" kern="1200">
+                <a:solidFill>
+                  <a:schemeClr val="tx1"/>
+                </a:solidFill>
+                <a:latin typeface="+mn-lt"/>
+                <a:ea typeface="+mn-ea"/>
+                <a:cs typeface="+mn-cs"/>
+              </a:defRPr>
+            </a:lvl3pPr>
+            <a:lvl4pPr marL="1600200" indent="-228600" algn="l" defTabSz="914400" rtl="0" eaLnBrk="1" latinLnBrk="0" hangingPunct="1">
+              <a:lnSpc>
+                <a:spcPct val="90000"/>
+              </a:lnSpc>
+              <a:spcBef>
+                <a:spcPts val="500"/>
+              </a:spcBef>
+              <a:buFont typeface="Arial" panose="020B0604020202020204" pitchFamily="34" charset="0"/>
+              <a:buChar char="•"/>
+              <a:defRPr sz="1800" kern="1200">
+                <a:solidFill>
+                  <a:schemeClr val="tx1"/>
+                </a:solidFill>
+                <a:latin typeface="+mn-lt"/>
+                <a:ea typeface="+mn-ea"/>
+                <a:cs typeface="+mn-cs"/>
+              </a:defRPr>
+            </a:lvl4pPr>
+            <a:lvl5pPr marL="2057400" indent="-228600" algn="l" defTabSz="914400" rtl="0" eaLnBrk="1" latinLnBrk="0" hangingPunct="1">
+              <a:lnSpc>
+                <a:spcPct val="90000"/>
+              </a:lnSpc>
+              <a:spcBef>
+                <a:spcPts val="500"/>
+              </a:spcBef>
+              <a:buFont typeface="Arial" panose="020B0604020202020204" pitchFamily="34" charset="0"/>
+              <a:buChar char="•"/>
+              <a:defRPr sz="1800" kern="1200">
+                <a:solidFill>
+                  <a:schemeClr val="tx1"/>
+                </a:solidFill>
+                <a:latin typeface="+mn-lt"/>
+                <a:ea typeface="+mn-ea"/>
+                <a:cs typeface="+mn-cs"/>
+              </a:defRPr>
+            </a:lvl5pPr>
+            <a:lvl6pPr marL="2514600" indent="-228600" algn="l" defTabSz="914400" rtl="0" eaLnBrk="1" latinLnBrk="0" hangingPunct="1">
+              <a:lnSpc>
+                <a:spcPct val="90000"/>
+              </a:lnSpc>
+              <a:spcBef>
+                <a:spcPts val="500"/>
+              </a:spcBef>
+              <a:buFont typeface="Arial" panose="020B0604020202020204" pitchFamily="34" charset="0"/>
+              <a:buChar char="•"/>
+              <a:defRPr sz="1800" kern="1200">
+                <a:solidFill>
+                  <a:schemeClr val="tx1"/>
+                </a:solidFill>
+                <a:latin typeface="+mn-lt"/>
+                <a:ea typeface="+mn-ea"/>
+                <a:cs typeface="+mn-cs"/>
+              </a:defRPr>
+            </a:lvl6pPr>
+            <a:lvl7pPr marL="2971800" indent="-228600" algn="l" defTabSz="914400" rtl="0" eaLnBrk="1" latinLnBrk="0" hangingPunct="1">
+              <a:lnSpc>
+                <a:spcPct val="90000"/>
+              </a:lnSpc>
+              <a:spcBef>
+                <a:spcPts val="500"/>
+              </a:spcBef>
+              <a:buFont typeface="Arial" panose="020B0604020202020204" pitchFamily="34" charset="0"/>
+              <a:buChar char="•"/>
+              <a:defRPr sz="1800" kern="1200">
+                <a:solidFill>
+                  <a:schemeClr val="tx1"/>
+                </a:solidFill>
+                <a:latin typeface="+mn-lt"/>
+                <a:ea typeface="+mn-ea"/>
+                <a:cs typeface="+mn-cs"/>
+              </a:defRPr>
+            </a:lvl7pPr>
+            <a:lvl8pPr marL="3429000" indent="-228600" algn="l" defTabSz="914400" rtl="0" eaLnBrk="1" latinLnBrk="0" hangingPunct="1">
+              <a:lnSpc>
+                <a:spcPct val="90000"/>
+              </a:lnSpc>
+              <a:spcBef>
+                <a:spcPts val="500"/>
+              </a:spcBef>
+              <a:buFont typeface="Arial" panose="020B0604020202020204" pitchFamily="34" charset="0"/>
+              <a:buChar char="•"/>
+              <a:defRPr sz="1800" kern="1200">
+                <a:solidFill>
+                  <a:schemeClr val="tx1"/>
+                </a:solidFill>
+                <a:latin typeface="+mn-lt"/>
+                <a:ea typeface="+mn-ea"/>
+                <a:cs typeface="+mn-cs"/>
+              </a:defRPr>
+            </a:lvl8pPr>
+            <a:lvl9pPr marL="3886200" indent="-228600" algn="l" defTabSz="914400" rtl="0" eaLnBrk="1" latinLnBrk="0" hangingPunct="1">
+              <a:lnSpc>
+                <a:spcPct val="90000"/>
+              </a:lnSpc>
+              <a:spcBef>
+                <a:spcPts val="500"/>
+              </a:spcBef>
+              <a:buFont typeface="Arial" panose="020B0604020202020204" pitchFamily="34" charset="0"/>
+              <a:buChar char="•"/>
+              <a:defRPr sz="1800" kern="1200">
+                <a:solidFill>
+                  <a:schemeClr val="tx1"/>
+                </a:solidFill>
+                <a:latin typeface="+mn-lt"/>
+                <a:ea typeface="+mn-ea"/>
+                <a:cs typeface="+mn-cs"/>
+              </a:defRPr>
+            </a:lvl9pPr>
+          </a:lstStyle>
+          <a:p>
+            <a:pPr marL="0" indent="0">
+              <a:buNone/>
+            </a:pPr>
+            <a:r>
+              <a:rPr lang="fr-FR" sz="1100" b="1" dirty="0">
+                <a:solidFill>
+                  <a:schemeClr val="tx2"/>
+                </a:solidFill>
+              </a:rPr>
+              <a:t>Préparé et Présenté par Daniel  Lawson</a:t>
+            </a:r>
+          </a:p>
+        </p:txBody>
+      </p:sp>
+      <p:sp>
+        <p:nvSpPr>
+          <p:cNvPr id="7" name="Titre 1">
+            <a:extLst>
+              <a:ext uri="{FF2B5EF4-FFF2-40B4-BE49-F238E27FC236}">
+                <a16:creationId xmlns:a16="http://schemas.microsoft.com/office/drawing/2014/main" id="{D122964A-2BA9-92D7-4F45-EFEFCAE30085}"/>
+              </a:ext>
+            </a:extLst>
+          </p:cNvPr>
+          <p:cNvSpPr txBox="1">
+            <a:spLocks/>
+          </p:cNvSpPr>
+          <p:nvPr/>
+        </p:nvSpPr>
+        <p:spPr>
+          <a:xfrm>
+            <a:off x="223520" y="229369"/>
+            <a:ext cx="7680960" cy="446074"/>
           </a:xfrm>
           <a:prstGeom prst="rect">
             <a:avLst/>
@@ -7658,17 +11596,17 @@
           <a:p>
             <a:r>
               <a:rPr lang="fr-FR" sz="2800" b="1" dirty="0"/>
-              <a:t>Dans ce module …</a:t>
+              <a:t>Atelier : Découper un monolithe en microservices</a:t>
             </a:r>
           </a:p>
         </p:txBody>
       </p:sp>
       <p:cxnSp>
         <p:nvCxnSpPr>
-          <p:cNvPr id="5" name="Connecteur droit 4">
-            <a:extLst>
-              <a:ext uri="{FF2B5EF4-FFF2-40B4-BE49-F238E27FC236}">
-                <a16:creationId xmlns:a16="http://schemas.microsoft.com/office/drawing/2014/main" id="{555718AF-B7AD-AAD3-6D4E-C60371FD6A96}"/>
+          <p:cNvPr id="8" name="Connecteur droit 7">
+            <a:extLst>
+              <a:ext uri="{FF2B5EF4-FFF2-40B4-BE49-F238E27FC236}">
+                <a16:creationId xmlns:a16="http://schemas.microsoft.com/office/drawing/2014/main" id="{532989CB-805A-AC94-902B-454502F05937}"/>
               </a:ext>
             </a:extLst>
           </p:cNvPr>
@@ -7703,266 +11641,141 @@
       </p:cxnSp>
       <p:sp>
         <p:nvSpPr>
-          <p:cNvPr id="6" name="Sous-titre 2">
-            <a:extLst>
-              <a:ext uri="{FF2B5EF4-FFF2-40B4-BE49-F238E27FC236}">
-                <a16:creationId xmlns:a16="http://schemas.microsoft.com/office/drawing/2014/main" id="{02826535-6718-FF2C-7532-A8BEE5D7C409}"/>
-              </a:ext>
-            </a:extLst>
-          </p:cNvPr>
-          <p:cNvSpPr txBox="1">
-            <a:spLocks/>
-          </p:cNvSpPr>
+          <p:cNvPr id="9" name="ZoneTexte 8">
+            <a:extLst>
+              <a:ext uri="{FF2B5EF4-FFF2-40B4-BE49-F238E27FC236}">
+                <a16:creationId xmlns:a16="http://schemas.microsoft.com/office/drawing/2014/main" id="{D15A4471-AA2D-82AE-EDE6-DA6191814647}"/>
+              </a:ext>
+            </a:extLst>
+          </p:cNvPr>
+          <p:cNvSpPr txBox="1"/>
           <p:nvPr/>
         </p:nvSpPr>
         <p:spPr>
           <a:xfrm>
-            <a:off x="4324350" y="6643878"/>
-            <a:ext cx="2890647" cy="214122"/>
-          </a:xfrm>
-          <a:prstGeom prst="rect">
-            <a:avLst/>
-          </a:prstGeom>
-        </p:spPr>
-        <p:txBody>
-          <a:bodyPr vert="horz" lIns="91440" tIns="45720" rIns="91440" bIns="45720" rtlCol="0">
-            <a:noAutofit/>
-          </a:bodyPr>
-          <a:lstStyle>
-            <a:lvl1pPr marL="228600" indent="-228600" algn="l" defTabSz="914400" rtl="0" eaLnBrk="1" latinLnBrk="0" hangingPunct="1">
-              <a:lnSpc>
-                <a:spcPct val="90000"/>
-              </a:lnSpc>
-              <a:spcBef>
-                <a:spcPts val="1000"/>
-              </a:spcBef>
-              <a:buFont typeface="Arial" panose="020B0604020202020204" pitchFamily="34" charset="0"/>
-              <a:buChar char="•"/>
-              <a:defRPr sz="2800" kern="1200">
-                <a:solidFill>
-                  <a:schemeClr val="tx1"/>
-                </a:solidFill>
-                <a:latin typeface="+mn-lt"/>
-                <a:ea typeface="+mn-ea"/>
-                <a:cs typeface="+mn-cs"/>
-              </a:defRPr>
-            </a:lvl1pPr>
-            <a:lvl2pPr marL="685800" indent="-228600" algn="l" defTabSz="914400" rtl="0" eaLnBrk="1" latinLnBrk="0" hangingPunct="1">
-              <a:lnSpc>
-                <a:spcPct val="90000"/>
-              </a:lnSpc>
-              <a:spcBef>
-                <a:spcPts val="500"/>
-              </a:spcBef>
-              <a:buFont typeface="Arial" panose="020B0604020202020204" pitchFamily="34" charset="0"/>
-              <a:buChar char="•"/>
-              <a:defRPr sz="2400" kern="1200">
-                <a:solidFill>
-                  <a:schemeClr val="tx1"/>
-                </a:solidFill>
-                <a:latin typeface="+mn-lt"/>
-                <a:ea typeface="+mn-ea"/>
-                <a:cs typeface="+mn-cs"/>
-              </a:defRPr>
-            </a:lvl2pPr>
-            <a:lvl3pPr marL="1143000" indent="-228600" algn="l" defTabSz="914400" rtl="0" eaLnBrk="1" latinLnBrk="0" hangingPunct="1">
-              <a:lnSpc>
-                <a:spcPct val="90000"/>
-              </a:lnSpc>
-              <a:spcBef>
-                <a:spcPts val="500"/>
-              </a:spcBef>
-              <a:buFont typeface="Arial" panose="020B0604020202020204" pitchFamily="34" charset="0"/>
-              <a:buChar char="•"/>
-              <a:defRPr sz="2000" kern="1200">
-                <a:solidFill>
-                  <a:schemeClr val="tx1"/>
-                </a:solidFill>
-                <a:latin typeface="+mn-lt"/>
-                <a:ea typeface="+mn-ea"/>
-                <a:cs typeface="+mn-cs"/>
-              </a:defRPr>
-            </a:lvl3pPr>
-            <a:lvl4pPr marL="1600200" indent="-228600" algn="l" defTabSz="914400" rtl="0" eaLnBrk="1" latinLnBrk="0" hangingPunct="1">
-              <a:lnSpc>
-                <a:spcPct val="90000"/>
-              </a:lnSpc>
-              <a:spcBef>
-                <a:spcPts val="500"/>
-              </a:spcBef>
-              <a:buFont typeface="Arial" panose="020B0604020202020204" pitchFamily="34" charset="0"/>
-              <a:buChar char="•"/>
-              <a:defRPr sz="1800" kern="1200">
-                <a:solidFill>
-                  <a:schemeClr val="tx1"/>
-                </a:solidFill>
-                <a:latin typeface="+mn-lt"/>
-                <a:ea typeface="+mn-ea"/>
-                <a:cs typeface="+mn-cs"/>
-              </a:defRPr>
-            </a:lvl4pPr>
-            <a:lvl5pPr marL="2057400" indent="-228600" algn="l" defTabSz="914400" rtl="0" eaLnBrk="1" latinLnBrk="0" hangingPunct="1">
-              <a:lnSpc>
-                <a:spcPct val="90000"/>
-              </a:lnSpc>
-              <a:spcBef>
-                <a:spcPts val="500"/>
-              </a:spcBef>
-              <a:buFont typeface="Arial" panose="020B0604020202020204" pitchFamily="34" charset="0"/>
-              <a:buChar char="•"/>
-              <a:defRPr sz="1800" kern="1200">
-                <a:solidFill>
-                  <a:schemeClr val="tx1"/>
-                </a:solidFill>
-                <a:latin typeface="+mn-lt"/>
-                <a:ea typeface="+mn-ea"/>
-                <a:cs typeface="+mn-cs"/>
-              </a:defRPr>
-            </a:lvl5pPr>
-            <a:lvl6pPr marL="2514600" indent="-228600" algn="l" defTabSz="914400" rtl="0" eaLnBrk="1" latinLnBrk="0" hangingPunct="1">
-              <a:lnSpc>
-                <a:spcPct val="90000"/>
-              </a:lnSpc>
-              <a:spcBef>
-                <a:spcPts val="500"/>
-              </a:spcBef>
-              <a:buFont typeface="Arial" panose="020B0604020202020204" pitchFamily="34" charset="0"/>
-              <a:buChar char="•"/>
-              <a:defRPr sz="1800" kern="1200">
-                <a:solidFill>
-                  <a:schemeClr val="tx1"/>
-                </a:solidFill>
-                <a:latin typeface="+mn-lt"/>
-                <a:ea typeface="+mn-ea"/>
-                <a:cs typeface="+mn-cs"/>
-              </a:defRPr>
-            </a:lvl6pPr>
-            <a:lvl7pPr marL="2971800" indent="-228600" algn="l" defTabSz="914400" rtl="0" eaLnBrk="1" latinLnBrk="0" hangingPunct="1">
-              <a:lnSpc>
-                <a:spcPct val="90000"/>
-              </a:lnSpc>
-              <a:spcBef>
-                <a:spcPts val="500"/>
-              </a:spcBef>
-              <a:buFont typeface="Arial" panose="020B0604020202020204" pitchFamily="34" charset="0"/>
-              <a:buChar char="•"/>
-              <a:defRPr sz="1800" kern="1200">
-                <a:solidFill>
-                  <a:schemeClr val="tx1"/>
-                </a:solidFill>
-                <a:latin typeface="+mn-lt"/>
-                <a:ea typeface="+mn-ea"/>
-                <a:cs typeface="+mn-cs"/>
-              </a:defRPr>
-            </a:lvl7pPr>
-            <a:lvl8pPr marL="3429000" indent="-228600" algn="l" defTabSz="914400" rtl="0" eaLnBrk="1" latinLnBrk="0" hangingPunct="1">
-              <a:lnSpc>
-                <a:spcPct val="90000"/>
-              </a:lnSpc>
-              <a:spcBef>
-                <a:spcPts val="500"/>
-              </a:spcBef>
-              <a:buFont typeface="Arial" panose="020B0604020202020204" pitchFamily="34" charset="0"/>
-              <a:buChar char="•"/>
-              <a:defRPr sz="1800" kern="1200">
-                <a:solidFill>
-                  <a:schemeClr val="tx1"/>
-                </a:solidFill>
-                <a:latin typeface="+mn-lt"/>
-                <a:ea typeface="+mn-ea"/>
-                <a:cs typeface="+mn-cs"/>
-              </a:defRPr>
-            </a:lvl8pPr>
-            <a:lvl9pPr marL="3886200" indent="-228600" algn="l" defTabSz="914400" rtl="0" eaLnBrk="1" latinLnBrk="0" hangingPunct="1">
-              <a:lnSpc>
-                <a:spcPct val="90000"/>
-              </a:lnSpc>
-              <a:spcBef>
-                <a:spcPts val="500"/>
-              </a:spcBef>
-              <a:buFont typeface="Arial" panose="020B0604020202020204" pitchFamily="34" charset="0"/>
-              <a:buChar char="•"/>
-              <a:defRPr sz="1800" kern="1200">
-                <a:solidFill>
-                  <a:schemeClr val="tx1"/>
-                </a:solidFill>
-                <a:latin typeface="+mn-lt"/>
-                <a:ea typeface="+mn-ea"/>
-                <a:cs typeface="+mn-cs"/>
-              </a:defRPr>
-            </a:lvl9pPr>
-          </a:lstStyle>
-          <a:p>
-            <a:pPr marL="0" indent="0">
-              <a:buNone/>
-            </a:pPr>
-            <a:r>
-              <a:rPr lang="fr-FR" sz="1100" b="1">
-                <a:solidFill>
-                  <a:schemeClr val="tx2"/>
-                </a:solidFill>
-              </a:rPr>
-              <a:t>Préparé et Présenté par Daniel  Lawson</a:t>
-            </a:r>
-            <a:endParaRPr lang="fr-FR" sz="1100" b="1" dirty="0">
-              <a:solidFill>
-                <a:schemeClr val="tx2"/>
-              </a:solidFill>
-            </a:endParaRPr>
-          </a:p>
-        </p:txBody>
-      </p:sp>
-      <p:pic>
-        <p:nvPicPr>
-          <p:cNvPr id="1026" name="Picture 2" descr="Flacons, Chimie, Chimique, Expérience">
-            <a:extLst>
-              <a:ext uri="{FF2B5EF4-FFF2-40B4-BE49-F238E27FC236}">
-                <a16:creationId xmlns:a16="http://schemas.microsoft.com/office/drawing/2014/main" id="{891AC83A-3460-B500-E04B-7A13E0314991}"/>
-              </a:ext>
-            </a:extLst>
-          </p:cNvPr>
-          <p:cNvPicPr>
-            <a:picLocks noChangeAspect="1" noChangeArrowheads="1"/>
-          </p:cNvPicPr>
-          <p:nvPr/>
-        </p:nvPicPr>
-        <p:blipFill>
-          <a:blip r:embed="rId2">
-            <a:extLst>
-              <a:ext uri="{28A0092B-C50C-407E-A947-70E740481C1C}">
-                <a14:useLocalDpi xmlns:a14="http://schemas.microsoft.com/office/drawing/2010/main" val="0"/>
-              </a:ext>
-            </a:extLst>
-          </a:blip>
-          <a:srcRect/>
-          <a:stretch>
-            <a:fillRect/>
-          </a:stretch>
-        </p:blipFill>
-        <p:spPr bwMode="auto">
-          <a:xfrm>
-            <a:off x="7214997" y="4155440"/>
-            <a:ext cx="1051964" cy="1083310"/>
+            <a:off x="223520" y="1072832"/>
+            <a:ext cx="6045200" cy="400110"/>
           </a:xfrm>
           <a:prstGeom prst="rect">
             <a:avLst/>
           </a:prstGeom>
           <a:noFill/>
-          <a:extLst>
-            <a:ext uri="{909E8E84-426E-40DD-AFC4-6F175D3DCCD1}">
-              <a14:hiddenFill xmlns:a14="http://schemas.microsoft.com/office/drawing/2010/main">
-                <a:solidFill>
-                  <a:srgbClr val="FFFFFF"/>
-                </a:solidFill>
-              </a14:hiddenFill>
-            </a:ext>
-          </a:extLst>
         </p:spPr>
-      </p:pic>
+        <p:txBody>
+          <a:bodyPr wrap="square" rtlCol="0">
+            <a:spAutoFit/>
+          </a:bodyPr>
+          <a:lstStyle/>
+          <a:p>
+            <a:r>
+              <a:rPr lang="fr-FR" sz="2000" b="1" dirty="0"/>
+              <a:t>Modules fonctionnels de l’application monolithe : </a:t>
+            </a:r>
+          </a:p>
+        </p:txBody>
+      </p:sp>
+      <p:sp>
+        <p:nvSpPr>
+          <p:cNvPr id="11" name="ZoneTexte 10">
+            <a:extLst>
+              <a:ext uri="{FF2B5EF4-FFF2-40B4-BE49-F238E27FC236}">
+                <a16:creationId xmlns:a16="http://schemas.microsoft.com/office/drawing/2014/main" id="{A4DA49AF-D8C2-23F8-43E6-82024B6DDBC9}"/>
+              </a:ext>
+            </a:extLst>
+          </p:cNvPr>
+          <p:cNvSpPr txBox="1"/>
+          <p:nvPr/>
+        </p:nvSpPr>
+        <p:spPr>
+          <a:xfrm>
+            <a:off x="223520" y="1678224"/>
+            <a:ext cx="11887200" cy="3693319"/>
+          </a:xfrm>
+          <a:prstGeom prst="rect">
+            <a:avLst/>
+          </a:prstGeom>
+          <a:noFill/>
+        </p:spPr>
+        <p:txBody>
+          <a:bodyPr wrap="square">
+            <a:spAutoFit/>
+          </a:bodyPr>
+          <a:lstStyle/>
+          <a:p>
+            <a:r>
+              <a:rPr lang="fr-FR" b="1" dirty="0"/>
+              <a:t>Livraison et suivi des commandes :</a:t>
+            </a:r>
+          </a:p>
+          <a:p>
+            <a:r>
+              <a:rPr lang="fr-FR" dirty="0"/>
+              <a:t>Suivi en temps réel des commandes (restaurant → livreur → client)</a:t>
+            </a:r>
+          </a:p>
+          <a:p>
+            <a:r>
+              <a:rPr lang="fr-FR" dirty="0"/>
+              <a:t>Calcul automatique des itinéraires pour les livreurs</a:t>
+            </a:r>
+          </a:p>
+          <a:p>
+            <a:r>
+              <a:rPr lang="fr-FR" dirty="0"/>
+              <a:t>Notifications en temps réel pour les clients et les livreurs (via SMS ou application)</a:t>
+            </a:r>
+          </a:p>
+          <a:p>
+            <a:endParaRPr lang="fr-FR" dirty="0"/>
+          </a:p>
+          <a:p>
+            <a:r>
+              <a:rPr lang="fr-FR" b="1" dirty="0"/>
+              <a:t>Système de notation et avis :</a:t>
+            </a:r>
+          </a:p>
+          <a:p>
+            <a:r>
+              <a:rPr lang="fr-FR" dirty="0"/>
+              <a:t>Système de notation des restaurants et des livreurs par les clients</a:t>
+            </a:r>
+          </a:p>
+          <a:p>
+            <a:r>
+              <a:rPr lang="fr-FR" dirty="0"/>
+              <a:t>Gestion des avis clients (commentaires, évaluations)</a:t>
+            </a:r>
+          </a:p>
+          <a:p>
+            <a:endParaRPr lang="fr-FR" dirty="0"/>
+          </a:p>
+          <a:p>
+            <a:r>
+              <a:rPr lang="fr-FR" b="1" dirty="0"/>
+              <a:t>Promotions et réductions :</a:t>
+            </a:r>
+          </a:p>
+          <a:p>
+            <a:r>
+              <a:rPr lang="fr-FR" dirty="0"/>
+              <a:t>Gestion des codes promotionnels</a:t>
+            </a:r>
+          </a:p>
+          <a:p>
+            <a:r>
+              <a:rPr lang="fr-FR" dirty="0"/>
+              <a:t>Application automatique des réductions en fonction des conditions (restaurants participants, montants, etc.)</a:t>
+            </a:r>
+          </a:p>
+          <a:p>
+            <a:endParaRPr lang="fr-FR" dirty="0"/>
+          </a:p>
+        </p:txBody>
+      </p:sp>
     </p:spTree>
     <p:extLst>
       <p:ext uri="{BB962C8B-B14F-4D97-AF65-F5344CB8AC3E}">
-        <p14:creationId xmlns:p14="http://schemas.microsoft.com/office/powerpoint/2010/main" val="1603475869"/>
+        <p14:creationId xmlns:p14="http://schemas.microsoft.com/office/powerpoint/2010/main" val="2650891039"/>
       </p:ext>
     </p:extLst>
   </p:cSld>
@@ -8024,15 +11837,7 @@
             </a:pPr>
             <a:r>
               <a:rPr lang="fr-FR" sz="2200" dirty="0"/>
-              <a:t>Maintenant que nous avons compris les </a:t>
-            </a:r>
-            <a:r>
-              <a:rPr lang="fr-FR" sz="2200" dirty="0" err="1"/>
-              <a:t>microservices</a:t>
-            </a:r>
-            <a:r>
-              <a:rPr lang="fr-FR" sz="2200" dirty="0"/>
-              <a:t>, comment découper notre application monolithe ?</a:t>
+              <a:t>Maintenant que nous avons compris les microservices, comment découper notre application monolithe ?</a:t>
             </a:r>
           </a:p>
           <a:p>
@@ -8543,23 +12348,8 @@
                 </a:solidFill>
                 <a:latin typeface="Lora" pitchFamily="2" charset="0"/>
               </a:rPr>
-              <a:t>Découpage des </a:t>
-            </a:r>
-            <a:r>
-              <a:rPr lang="fr-FR" sz="4100" b="1" dirty="0" err="1">
-                <a:solidFill>
-                  <a:schemeClr val="tx2"/>
-                </a:solidFill>
-                <a:latin typeface="Lora" pitchFamily="2" charset="0"/>
-              </a:rPr>
-              <a:t>microservices</a:t>
-            </a:r>
-            <a:endParaRPr lang="fr-FR" sz="4100" b="1" dirty="0">
-              <a:solidFill>
-                <a:schemeClr val="tx2"/>
-              </a:solidFill>
-              <a:latin typeface="Lora" pitchFamily="2" charset="0"/>
-            </a:endParaRPr>
+              <a:t>Découpage des microservices</a:t>
+            </a:r>
           </a:p>
         </p:txBody>
       </p:sp>
@@ -8851,7 +12641,15 @@
             </a:pPr>
             <a:r>
               <a:rPr lang="fr-FR" sz="2200" dirty="0"/>
-              <a:t> C’est une approche de conception logicielle qui consiste à placer les concepts métier au centre des implémentations. Son but est de : </a:t>
+              <a:t> C’est une approche de conception logicielle qui consiste à </a:t>
+            </a:r>
+            <a:r>
+              <a:rPr lang="fr-FR" sz="2200" b="1" dirty="0"/>
+              <a:t>placer les concepts métier au centre des implémentations</a:t>
+            </a:r>
+            <a:r>
+              <a:rPr lang="fr-FR" sz="2200" dirty="0"/>
+              <a:t>. Son but est de : </a:t>
             </a:r>
           </a:p>
           <a:p>
@@ -8896,15 +12694,7 @@
             </a:pPr>
             <a:r>
               <a:rPr lang="fr-FR" sz="2200" dirty="0"/>
-              <a:t>Dans une architecture </a:t>
-            </a:r>
-            <a:r>
-              <a:rPr lang="fr-FR" sz="2200" dirty="0" err="1"/>
-              <a:t>microservices</a:t>
-            </a:r>
-            <a:r>
-              <a:rPr lang="fr-FR" sz="2200" dirty="0"/>
-              <a:t>, le DDD joue un rôle crucial en aidant à </a:t>
+              <a:t>Dans une architecture microservices, le DDD joue un rôle crucial en aidant à </a:t>
             </a:r>
             <a:r>
               <a:rPr lang="fr-FR" sz="2200" b="1" dirty="0"/>
@@ -9419,7 +13209,7 @@
             </a:pPr>
             <a:r>
               <a:rPr lang="fr-FR" sz="2200" dirty="0"/>
-              <a:t>Ils communiquent un changement d’état  importants dans le système. Cela permet </a:t>
+              <a:t>Ils communiquent un changement d’état importants dans le système. Cela permet </a:t>
             </a:r>
             <a:r>
               <a:rPr lang="fr-FR" sz="2200" b="1" dirty="0"/>
@@ -9427,15 +13217,7 @@
             </a:r>
             <a:r>
               <a:rPr lang="fr-FR" sz="2200" dirty="0"/>
-              <a:t>entre les </a:t>
-            </a:r>
-            <a:r>
-              <a:rPr lang="fr-FR" sz="2200" dirty="0" err="1"/>
-              <a:t>microservices</a:t>
-            </a:r>
-            <a:r>
-              <a:rPr lang="fr-FR" sz="2200" dirty="0"/>
-              <a:t>.</a:t>
+              <a:t>entre les microservices.</a:t>
             </a:r>
           </a:p>
         </p:txBody>
@@ -9809,15 +13591,7 @@
             </a:pPr>
             <a:r>
               <a:rPr lang="fr-FR" sz="2200" dirty="0"/>
-              <a:t>Tous les noms de table ne deviennent pas des </a:t>
-            </a:r>
-            <a:r>
-              <a:rPr lang="fr-FR" sz="2200" dirty="0" err="1"/>
-              <a:t>microservices</a:t>
-            </a:r>
-            <a:r>
-              <a:rPr lang="fr-FR" sz="2200" dirty="0"/>
-              <a:t> !</a:t>
+              <a:t>Tous les noms de table ne deviennent pas des microservices !</a:t>
             </a:r>
           </a:p>
           <a:p>
@@ -10303,23 +14077,8 @@
                 </a:solidFill>
                 <a:latin typeface="Lora" pitchFamily="2" charset="0"/>
               </a:rPr>
-              <a:t>Conception des </a:t>
-            </a:r>
-            <a:r>
-              <a:rPr lang="fr-FR" sz="4100" b="1" dirty="0" err="1">
-                <a:solidFill>
-                  <a:schemeClr val="tx2"/>
-                </a:solidFill>
-                <a:latin typeface="Lora" pitchFamily="2" charset="0"/>
-              </a:rPr>
-              <a:t>microservices</a:t>
-            </a:r>
-            <a:endParaRPr lang="fr-FR" sz="4100" b="1" dirty="0">
-              <a:solidFill>
-                <a:schemeClr val="tx2"/>
-              </a:solidFill>
-              <a:latin typeface="Lora" pitchFamily="2" charset="0"/>
-            </a:endParaRPr>
+              <a:t>Conception des microservices</a:t>
+            </a:r>
           </a:p>
         </p:txBody>
       </p:sp>
@@ -10595,15 +14354,7 @@
             </a:pPr>
             <a:r>
               <a:rPr lang="fr-FR" sz="2200" dirty="0"/>
-              <a:t>Les </a:t>
-            </a:r>
-            <a:r>
-              <a:rPr lang="fr-FR" sz="2200" dirty="0" err="1"/>
-              <a:t>microservices</a:t>
-            </a:r>
-            <a:r>
-              <a:rPr lang="fr-FR" sz="2200" dirty="0"/>
-              <a:t> sont essentiellement des APIs qui communiquent avec d’autres APIs. Deux points importants dans leur conception est alors à considérer :  le </a:t>
+              <a:t>Les microservices sont essentiellement des APIs qui communiquent avec d’autres APIs. Deux points importants dans leur conception sont alors à considérer :  le </a:t>
             </a:r>
             <a:r>
               <a:rPr lang="fr-FR" sz="2200" b="1" dirty="0"/>
@@ -10754,15 +14505,7 @@
             </a:pPr>
             <a:r>
               <a:rPr lang="fr-FR" sz="2800" b="1" dirty="0"/>
-              <a:t>Conception des </a:t>
-            </a:r>
-            <a:r>
-              <a:rPr lang="fr-FR" sz="2800" b="1" dirty="0" err="1"/>
-              <a:t>microservices</a:t>
-            </a:r>
-            <a:r>
-              <a:rPr lang="fr-FR" sz="2800" b="1" dirty="0"/>
-              <a:t> : </a:t>
+              <a:t>Conception des microservices : </a:t>
             </a:r>
             <a:r>
               <a:rPr lang="fr-FR" sz="2800" b="1" dirty="0" err="1"/>
@@ -11043,6 +14786,335 @@
   <p:tag name="SLIDO_PRESENTATION_ID" val="00000000-0000-0000-0000-000000000000"/>
   <p:tag name="SLIDO_EVENT_UUID" val="b71ed9fd-604a-4b2c-9ed4-e6fa2e98c9e6"/>
   <p:tag name="SLIDO_EVENT_SECTION_UUID" val="8a4036a7-68d3-4547-a9df-f623b7852a9e"/>
+</p:tagLst>
+</file>
+
+<file path=ppt/tags/tag10.xml><?xml version="1.0" encoding="utf-8"?>
+<p:tagLst xmlns:a="http://schemas.openxmlformats.org/drawingml/2006/main" xmlns:r="http://schemas.openxmlformats.org/officeDocument/2006/relationships" xmlns:p="http://schemas.openxmlformats.org/presentationml/2006/main">
+  <p:tag name="SLIDO_ELEMENT" val="reminder"/>
+</p:tagLst>
+</file>
+
+<file path=ppt/tags/tag11.xml><?xml version="1.0" encoding="utf-8"?>
+<p:tagLst xmlns:a="http://schemas.openxmlformats.org/drawingml/2006/main" xmlns:r="http://schemas.openxmlformats.org/officeDocument/2006/relationships" xmlns:p="http://schemas.openxmlformats.org/presentationml/2006/main">
+  <p:tag name="SLIDO_ELEMENT" val="dotty"/>
+</p:tagLst>
+</file>
+
+<file path=ppt/tags/tag12.xml><?xml version="1.0" encoding="utf-8"?>
+<p:tagLst xmlns:a="http://schemas.openxmlformats.org/drawingml/2006/main" xmlns:r="http://schemas.openxmlformats.org/officeDocument/2006/relationships" xmlns:p="http://schemas.openxmlformats.org/presentationml/2006/main">
+  <p:tag name="SLIDO_ELEMENT" val="logo"/>
+</p:tagLst>
+</file>
+
+<file path=ppt/tags/tag13.xml><?xml version="1.0" encoding="utf-8"?>
+<p:tagLst xmlns:a="http://schemas.openxmlformats.org/drawingml/2006/main" xmlns:r="http://schemas.openxmlformats.org/officeDocument/2006/relationships" xmlns:p="http://schemas.openxmlformats.org/presentationml/2006/main">
+  <p:tag name="SLIDO_ELEMENT" val="interaction_image"/>
+  <p:tag name="INTERACTION_TYPE" val="Quiz"/>
+</p:tagLst>
+</file>
+
+<file path=ppt/tags/tag14.xml><?xml version="1.0" encoding="utf-8"?>
+<p:tagLst xmlns:a="http://schemas.openxmlformats.org/drawingml/2006/main" xmlns:r="http://schemas.openxmlformats.org/officeDocument/2006/relationships" xmlns:p="http://schemas.openxmlformats.org/presentationml/2006/main">
+  <p:tag name="SLIDO_ELEMENT" val="title"/>
+</p:tagLst>
+</file>
+
+<file path=ppt/tags/tag15.xml><?xml version="1.0" encoding="utf-8"?>
+<p:tagLst xmlns:a="http://schemas.openxmlformats.org/drawingml/2006/main" xmlns:r="http://schemas.openxmlformats.org/officeDocument/2006/relationships" xmlns:p="http://schemas.openxmlformats.org/presentationml/2006/main">
+  <p:tag name="SLIDO_ELEMENT" val="footer"/>
+</p:tagLst>
+</file>
+
+<file path=ppt/tags/tag16.xml><?xml version="1.0" encoding="utf-8"?>
+<p:tagLst xmlns:a="http://schemas.openxmlformats.org/drawingml/2006/main" xmlns:r="http://schemas.openxmlformats.org/officeDocument/2006/relationships" xmlns:p="http://schemas.openxmlformats.org/presentationml/2006/main">
+  <p:tag name="SLIDO_METADATA" val="eyJUaW1lc3RhbXAiOjE3MjcwNzcyMjZ9"/>
+  <p:tag name="SLIDO_TYPE" val="SlidoPoll"/>
+  <p:tag name="SLIDO_POLL_UUID" val="ac262b76-55bd-4ea9-bfb4-9f13f66dd8b7"/>
+  <p:tag name="SLIDO_POLL_QUESTION_UUID" val="1b1e2948-19c8-4cad-b1da-bcc6f44d92dc"/>
+  <p:tag name="SLIDO_TIMELINE" val="W3sicG9sbFF1ZXN0aW9uVXVpZCI6IjFiMWUyOTQ4LTE5YzgtNGNhZC1iMWRhLWJjYzZmNDRkOTJkYyIsInNob3dSZXN1bHRzIjpmYWxzZSwic2hvd0NvcnJlY3RBbnN3ZXJzIjpmYWxzZSwidm90aW5nTG9ja2VkIjpmYWxzZX0seyJwb2xsUXVlc3Rpb25VdWlkIjoiMWIxZTI5NDgtMTljOC00Y2FkLWIxZGEtYmNjNmY0NGQ5MmRjIiwic2hvd1Jlc3VsdHMiOnRydWUsInNob3dDb3JyZWN0QW5zd2VycyI6ZmFsc2UsInZvdGluZ0xvY2tlZCI6dHJ1ZX0seyJwb2xsUXVlc3Rpb25VdWlkIjoiMWIxZTI5NDgtMTljOC00Y2FkLWIxZGEtYmNjNmY0NGQ5MmRjIiwic2hvd1Jlc3VsdHMiOnRydWUsInNob3dDb3JyZWN0QW5zd2VycyI6dHJ1ZSwidm90aW5nTG9ja2VkIjp0cnVlfV0="/>
+</p:tagLst>
+</file>
+
+<file path=ppt/tags/tag17.xml><?xml version="1.0" encoding="utf-8"?>
+<p:tagLst xmlns:a="http://schemas.openxmlformats.org/drawingml/2006/main" xmlns:r="http://schemas.openxmlformats.org/officeDocument/2006/relationships" xmlns:p="http://schemas.openxmlformats.org/presentationml/2006/main">
+  <p:tag name="SLIDO_ELEMENT" val="reminder"/>
+</p:tagLst>
+</file>
+
+<file path=ppt/tags/tag18.xml><?xml version="1.0" encoding="utf-8"?>
+<p:tagLst xmlns:a="http://schemas.openxmlformats.org/drawingml/2006/main" xmlns:r="http://schemas.openxmlformats.org/officeDocument/2006/relationships" xmlns:p="http://schemas.openxmlformats.org/presentationml/2006/main">
+  <p:tag name="SLIDO_ELEMENT" val="dotty"/>
+</p:tagLst>
+</file>
+
+<file path=ppt/tags/tag19.xml><?xml version="1.0" encoding="utf-8"?>
+<p:tagLst xmlns:a="http://schemas.openxmlformats.org/drawingml/2006/main" xmlns:r="http://schemas.openxmlformats.org/officeDocument/2006/relationships" xmlns:p="http://schemas.openxmlformats.org/presentationml/2006/main">
+  <p:tag name="SLIDO_ELEMENT" val="logo"/>
+</p:tagLst>
+</file>
+
+<file path=ppt/tags/tag2.xml><?xml version="1.0" encoding="utf-8"?>
+<p:tagLst xmlns:a="http://schemas.openxmlformats.org/drawingml/2006/main" xmlns:r="http://schemas.openxmlformats.org/officeDocument/2006/relationships" xmlns:p="http://schemas.openxmlformats.org/presentationml/2006/main">
+  <p:tag name="SLIDO_METADATA" val="eyJUaW1lc3RhbXAiOjE3MjcwNzcyMjZ9"/>
+  <p:tag name="SLIDO_TYPE" val="SlidoPoll"/>
+  <p:tag name="SLIDO_POLL_UUID" val="ac262b76-55bd-4ea9-bfb4-9f13f66dd8b7"/>
+  <p:tag name="SLIDO_POLL_QUESTION_UUID" val="f4d60df6-d77c-4050-80f5-f82eea279c42"/>
+  <p:tag name="SLIDO_TIMELINE" val="W3sic2NyZWVuIjoiUXVpekpvaW5pbmciLCJzaG93UmVzdWx0cyI6ZmFsc2UsInNob3dDb3JyZWN0QW5zd2VycyI6ZmFsc2UsInZvdGluZ0xvY2tlZCI6ZmFsc2V9LHsicG9sbFF1ZXN0aW9uVXVpZCI6ImY0ZDYwZGY2LWQ3N2MtNDA1MC04MGY1LWY4MmVlYTI3OWM0MiIsInNob3dSZXN1bHRzIjpmYWxzZSwic2hvd0NvcnJlY3RBbnN3ZXJzIjpmYWxzZSwidm90aW5nTG9ja2VkIjpmYWxzZX0seyJwb2xsUXVlc3Rpb25VdWlkIjoiZjRkNjBkZjYtZDc3Yy00MDUwLTgwZjUtZjgyZWVhMjc5YzQyIiwic2hvd1Jlc3VsdHMiOnRydWUsInNob3dDb3JyZWN0QW5zd2VycyI6ZmFsc2UsInZvdGluZ0xvY2tlZCI6dHJ1ZX0seyJwb2xsUXVlc3Rpb25VdWlkIjoiZjRkNjBkZjYtZDc3Yy00MDUwLTgwZjUtZjgyZWVhMjc5YzQyIiwic2hvd1Jlc3VsdHMiOnRydWUsInNob3dDb3JyZWN0QW5zd2VycyI6dHJ1ZSwidm90aW5nTG9ja2VkIjp0cnVlfV0="/>
+</p:tagLst>
+</file>
+
+<file path=ppt/tags/tag20.xml><?xml version="1.0" encoding="utf-8"?>
+<p:tagLst xmlns:a="http://schemas.openxmlformats.org/drawingml/2006/main" xmlns:r="http://schemas.openxmlformats.org/officeDocument/2006/relationships" xmlns:p="http://schemas.openxmlformats.org/presentationml/2006/main">
+  <p:tag name="SLIDO_ELEMENT" val="interaction_image"/>
+  <p:tag name="INTERACTION_TYPE" val="Quiz"/>
+</p:tagLst>
+</file>
+
+<file path=ppt/tags/tag21.xml><?xml version="1.0" encoding="utf-8"?>
+<p:tagLst xmlns:a="http://schemas.openxmlformats.org/drawingml/2006/main" xmlns:r="http://schemas.openxmlformats.org/officeDocument/2006/relationships" xmlns:p="http://schemas.openxmlformats.org/presentationml/2006/main">
+  <p:tag name="SLIDO_ELEMENT" val="title"/>
+</p:tagLst>
+</file>
+
+<file path=ppt/tags/tag22.xml><?xml version="1.0" encoding="utf-8"?>
+<p:tagLst xmlns:a="http://schemas.openxmlformats.org/drawingml/2006/main" xmlns:r="http://schemas.openxmlformats.org/officeDocument/2006/relationships" xmlns:p="http://schemas.openxmlformats.org/presentationml/2006/main">
+  <p:tag name="SLIDO_ELEMENT" val="footer"/>
+</p:tagLst>
+</file>
+
+<file path=ppt/tags/tag23.xml><?xml version="1.0" encoding="utf-8"?>
+<p:tagLst xmlns:a="http://schemas.openxmlformats.org/drawingml/2006/main" xmlns:r="http://schemas.openxmlformats.org/officeDocument/2006/relationships" xmlns:p="http://schemas.openxmlformats.org/presentationml/2006/main">
+  <p:tag name="SLIDO_METADATA" val="eyJUaW1lc3RhbXAiOjE3MjcwNzcyMjZ9"/>
+  <p:tag name="SLIDO_TYPE" val="SlidoPoll"/>
+  <p:tag name="SLIDO_POLL_UUID" val="ac262b76-55bd-4ea9-bfb4-9f13f66dd8b7"/>
+  <p:tag name="SLIDO_POLL_QUESTION_UUID" val="83164306-14a9-4b23-b5b9-a275f33b2d84"/>
+  <p:tag name="SLIDO_TIMELINE" val="W3sicG9sbFF1ZXN0aW9uVXVpZCI6IjgzMTY0MzA2LTE0YTktNGIyMy1iNWI5LWEyNzVmMzNiMmQ4NCIsInNob3dSZXN1bHRzIjpmYWxzZSwic2hvd0NvcnJlY3RBbnN3ZXJzIjpmYWxzZSwidm90aW5nTG9ja2VkIjpmYWxzZX0seyJwb2xsUXVlc3Rpb25VdWlkIjoiODMxNjQzMDYtMTRhOS00YjIzLWI1YjktYTI3NWYzM2IyZDg0Iiwic2hvd1Jlc3VsdHMiOnRydWUsInNob3dDb3JyZWN0QW5zd2VycyI6ZmFsc2UsInZvdGluZ0xvY2tlZCI6dHJ1ZX0seyJwb2xsUXVlc3Rpb25VdWlkIjoiODMxNjQzMDYtMTRhOS00YjIzLWI1YjktYTI3NWYzM2IyZDg0Iiwic2hvd1Jlc3VsdHMiOnRydWUsInNob3dDb3JyZWN0QW5zd2VycyI6dHJ1ZSwidm90aW5nTG9ja2VkIjp0cnVlfV0="/>
+</p:tagLst>
+</file>
+
+<file path=ppt/tags/tag24.xml><?xml version="1.0" encoding="utf-8"?>
+<p:tagLst xmlns:a="http://schemas.openxmlformats.org/drawingml/2006/main" xmlns:r="http://schemas.openxmlformats.org/officeDocument/2006/relationships" xmlns:p="http://schemas.openxmlformats.org/presentationml/2006/main">
+  <p:tag name="SLIDO_ELEMENT" val="reminder"/>
+</p:tagLst>
+</file>
+
+<file path=ppt/tags/tag25.xml><?xml version="1.0" encoding="utf-8"?>
+<p:tagLst xmlns:a="http://schemas.openxmlformats.org/drawingml/2006/main" xmlns:r="http://schemas.openxmlformats.org/officeDocument/2006/relationships" xmlns:p="http://schemas.openxmlformats.org/presentationml/2006/main">
+  <p:tag name="SLIDO_ELEMENT" val="dotty"/>
+</p:tagLst>
+</file>
+
+<file path=ppt/tags/tag26.xml><?xml version="1.0" encoding="utf-8"?>
+<p:tagLst xmlns:a="http://schemas.openxmlformats.org/drawingml/2006/main" xmlns:r="http://schemas.openxmlformats.org/officeDocument/2006/relationships" xmlns:p="http://schemas.openxmlformats.org/presentationml/2006/main">
+  <p:tag name="SLIDO_ELEMENT" val="logo"/>
+</p:tagLst>
+</file>
+
+<file path=ppt/tags/tag27.xml><?xml version="1.0" encoding="utf-8"?>
+<p:tagLst xmlns:a="http://schemas.openxmlformats.org/drawingml/2006/main" xmlns:r="http://schemas.openxmlformats.org/officeDocument/2006/relationships" xmlns:p="http://schemas.openxmlformats.org/presentationml/2006/main">
+  <p:tag name="SLIDO_ELEMENT" val="interaction_image"/>
+  <p:tag name="INTERACTION_TYPE" val="Quiz"/>
+</p:tagLst>
+</file>
+
+<file path=ppt/tags/tag28.xml><?xml version="1.0" encoding="utf-8"?>
+<p:tagLst xmlns:a="http://schemas.openxmlformats.org/drawingml/2006/main" xmlns:r="http://schemas.openxmlformats.org/officeDocument/2006/relationships" xmlns:p="http://schemas.openxmlformats.org/presentationml/2006/main">
+  <p:tag name="SLIDO_ELEMENT" val="title"/>
+</p:tagLst>
+</file>
+
+<file path=ppt/tags/tag29.xml><?xml version="1.0" encoding="utf-8"?>
+<p:tagLst xmlns:a="http://schemas.openxmlformats.org/drawingml/2006/main" xmlns:r="http://schemas.openxmlformats.org/officeDocument/2006/relationships" xmlns:p="http://schemas.openxmlformats.org/presentationml/2006/main">
+  <p:tag name="SLIDO_ELEMENT" val="footer"/>
+</p:tagLst>
+</file>
+
+<file path=ppt/tags/tag3.xml><?xml version="1.0" encoding="utf-8"?>
+<p:tagLst xmlns:a="http://schemas.openxmlformats.org/drawingml/2006/main" xmlns:r="http://schemas.openxmlformats.org/officeDocument/2006/relationships" xmlns:p="http://schemas.openxmlformats.org/presentationml/2006/main">
+  <p:tag name="SLIDO_ELEMENT" val="reminder"/>
+</p:tagLst>
+</file>
+
+<file path=ppt/tags/tag30.xml><?xml version="1.0" encoding="utf-8"?>
+<p:tagLst xmlns:a="http://schemas.openxmlformats.org/drawingml/2006/main" xmlns:r="http://schemas.openxmlformats.org/officeDocument/2006/relationships" xmlns:p="http://schemas.openxmlformats.org/presentationml/2006/main">
+  <p:tag name="SLIDO_METADATA" val="eyJUaW1lc3RhbXAiOjE3MjcwNzcyMjd9"/>
+  <p:tag name="SLIDO_TYPE" val="SlidoPoll"/>
+  <p:tag name="SLIDO_POLL_UUID" val="ac262b76-55bd-4ea9-bfb4-9f13f66dd8b7"/>
+  <p:tag name="SLIDO_POLL_QUESTION_UUID" val="43ed1d94-592a-4525-b62e-aeb028473f84"/>
+  <p:tag name="SLIDO_TIMELINE" val="W3sicG9sbFF1ZXN0aW9uVXVpZCI6IjQzZWQxZDk0LTU5MmEtNDUyNS1iNjJlLWFlYjAyODQ3M2Y4NCIsInNob3dSZXN1bHRzIjpmYWxzZSwic2hvd0NvcnJlY3RBbnN3ZXJzIjpmYWxzZSwidm90aW5nTG9ja2VkIjpmYWxzZX0seyJwb2xsUXVlc3Rpb25VdWlkIjoiNDNlZDFkOTQtNTkyYS00NTI1LWI2MmUtYWViMDI4NDczZjg0Iiwic2hvd1Jlc3VsdHMiOnRydWUsInNob3dDb3JyZWN0QW5zd2VycyI6ZmFsc2UsInZvdGluZ0xvY2tlZCI6dHJ1ZX0seyJwb2xsUXVlc3Rpb25VdWlkIjoiNDNlZDFkOTQtNTkyYS00NTI1LWI2MmUtYWViMDI4NDczZjg0Iiwic2hvd1Jlc3VsdHMiOnRydWUsInNob3dDb3JyZWN0QW5zd2VycyI6dHJ1ZSwidm90aW5nTG9ja2VkIjp0cnVlfV0="/>
+</p:tagLst>
+</file>
+
+<file path=ppt/tags/tag31.xml><?xml version="1.0" encoding="utf-8"?>
+<p:tagLst xmlns:a="http://schemas.openxmlformats.org/drawingml/2006/main" xmlns:r="http://schemas.openxmlformats.org/officeDocument/2006/relationships" xmlns:p="http://schemas.openxmlformats.org/presentationml/2006/main">
+  <p:tag name="SLIDO_ELEMENT" val="reminder"/>
+</p:tagLst>
+</file>
+
+<file path=ppt/tags/tag32.xml><?xml version="1.0" encoding="utf-8"?>
+<p:tagLst xmlns:a="http://schemas.openxmlformats.org/drawingml/2006/main" xmlns:r="http://schemas.openxmlformats.org/officeDocument/2006/relationships" xmlns:p="http://schemas.openxmlformats.org/presentationml/2006/main">
+  <p:tag name="SLIDO_ELEMENT" val="dotty"/>
+</p:tagLst>
+</file>
+
+<file path=ppt/tags/tag33.xml><?xml version="1.0" encoding="utf-8"?>
+<p:tagLst xmlns:a="http://schemas.openxmlformats.org/drawingml/2006/main" xmlns:r="http://schemas.openxmlformats.org/officeDocument/2006/relationships" xmlns:p="http://schemas.openxmlformats.org/presentationml/2006/main">
+  <p:tag name="SLIDO_ELEMENT" val="logo"/>
+</p:tagLst>
+</file>
+
+<file path=ppt/tags/tag34.xml><?xml version="1.0" encoding="utf-8"?>
+<p:tagLst xmlns:a="http://schemas.openxmlformats.org/drawingml/2006/main" xmlns:r="http://schemas.openxmlformats.org/officeDocument/2006/relationships" xmlns:p="http://schemas.openxmlformats.org/presentationml/2006/main">
+  <p:tag name="SLIDO_ELEMENT" val="interaction_image"/>
+  <p:tag name="INTERACTION_TYPE" val="Quiz"/>
+</p:tagLst>
+</file>
+
+<file path=ppt/tags/tag35.xml><?xml version="1.0" encoding="utf-8"?>
+<p:tagLst xmlns:a="http://schemas.openxmlformats.org/drawingml/2006/main" xmlns:r="http://schemas.openxmlformats.org/officeDocument/2006/relationships" xmlns:p="http://schemas.openxmlformats.org/presentationml/2006/main">
+  <p:tag name="SLIDO_ELEMENT" val="title"/>
+</p:tagLst>
+</file>
+
+<file path=ppt/tags/tag36.xml><?xml version="1.0" encoding="utf-8"?>
+<p:tagLst xmlns:a="http://schemas.openxmlformats.org/drawingml/2006/main" xmlns:r="http://schemas.openxmlformats.org/officeDocument/2006/relationships" xmlns:p="http://schemas.openxmlformats.org/presentationml/2006/main">
+  <p:tag name="SLIDO_ELEMENT" val="footer"/>
+</p:tagLst>
+</file>
+
+<file path=ppt/tags/tag37.xml><?xml version="1.0" encoding="utf-8"?>
+<p:tagLst xmlns:a="http://schemas.openxmlformats.org/drawingml/2006/main" xmlns:r="http://schemas.openxmlformats.org/officeDocument/2006/relationships" xmlns:p="http://schemas.openxmlformats.org/presentationml/2006/main">
+  <p:tag name="SLIDO_METADATA" val="eyJUaW1lc3RhbXAiOjE3MjcwNzcyMjd9"/>
+  <p:tag name="SLIDO_TYPE" val="SlidoPoll"/>
+  <p:tag name="SLIDO_POLL_UUID" val="ac262b76-55bd-4ea9-bfb4-9f13f66dd8b7"/>
+  <p:tag name="SLIDO_POLL_QUESTION_UUID" val="58743f7b-5ba8-4e99-98c4-0cd516f0f767"/>
+  <p:tag name="SLIDO_TIMELINE" val="W3sicG9sbFF1ZXN0aW9uVXVpZCI6IjU4NzQzZjdiLTViYTgtNGU5OS05OGM0LTBjZDUxNmYwZjc2NyIsInNob3dSZXN1bHRzIjpmYWxzZSwic2hvd0NvcnJlY3RBbnN3ZXJzIjpmYWxzZSwidm90aW5nTG9ja2VkIjpmYWxzZX0seyJwb2xsUXVlc3Rpb25VdWlkIjoiNTg3NDNmN2ItNWJhOC00ZTk5LTk4YzQtMGNkNTE2ZjBmNzY3Iiwic2hvd1Jlc3VsdHMiOnRydWUsInNob3dDb3JyZWN0QW5zd2VycyI6ZmFsc2UsInZvdGluZ0xvY2tlZCI6dHJ1ZX0seyJwb2xsUXVlc3Rpb25VdWlkIjoiNTg3NDNmN2ItNWJhOC00ZTk5LTk4YzQtMGNkNTE2ZjBmNzY3Iiwic2hvd1Jlc3VsdHMiOnRydWUsInNob3dDb3JyZWN0QW5zd2VycyI6dHJ1ZSwidm90aW5nTG9ja2VkIjp0cnVlfV0="/>
+</p:tagLst>
+</file>
+
+<file path=ppt/tags/tag38.xml><?xml version="1.0" encoding="utf-8"?>
+<p:tagLst xmlns:a="http://schemas.openxmlformats.org/drawingml/2006/main" xmlns:r="http://schemas.openxmlformats.org/officeDocument/2006/relationships" xmlns:p="http://schemas.openxmlformats.org/presentationml/2006/main">
+  <p:tag name="SLIDO_ELEMENT" val="reminder"/>
+</p:tagLst>
+</file>
+
+<file path=ppt/tags/tag39.xml><?xml version="1.0" encoding="utf-8"?>
+<p:tagLst xmlns:a="http://schemas.openxmlformats.org/drawingml/2006/main" xmlns:r="http://schemas.openxmlformats.org/officeDocument/2006/relationships" xmlns:p="http://schemas.openxmlformats.org/presentationml/2006/main">
+  <p:tag name="SLIDO_ELEMENT" val="dotty"/>
+</p:tagLst>
+</file>
+
+<file path=ppt/tags/tag4.xml><?xml version="1.0" encoding="utf-8"?>
+<p:tagLst xmlns:a="http://schemas.openxmlformats.org/drawingml/2006/main" xmlns:r="http://schemas.openxmlformats.org/officeDocument/2006/relationships" xmlns:p="http://schemas.openxmlformats.org/presentationml/2006/main">
+  <p:tag name="SLIDO_ELEMENT" val="dotty"/>
+</p:tagLst>
+</file>
+
+<file path=ppt/tags/tag40.xml><?xml version="1.0" encoding="utf-8"?>
+<p:tagLst xmlns:a="http://schemas.openxmlformats.org/drawingml/2006/main" xmlns:r="http://schemas.openxmlformats.org/officeDocument/2006/relationships" xmlns:p="http://schemas.openxmlformats.org/presentationml/2006/main">
+  <p:tag name="SLIDO_ELEMENT" val="logo"/>
+</p:tagLst>
+</file>
+
+<file path=ppt/tags/tag41.xml><?xml version="1.0" encoding="utf-8"?>
+<p:tagLst xmlns:a="http://schemas.openxmlformats.org/drawingml/2006/main" xmlns:r="http://schemas.openxmlformats.org/officeDocument/2006/relationships" xmlns:p="http://schemas.openxmlformats.org/presentationml/2006/main">
+  <p:tag name="SLIDO_ELEMENT" val="interaction_image"/>
+  <p:tag name="INTERACTION_TYPE" val="Quiz"/>
+</p:tagLst>
+</file>
+
+<file path=ppt/tags/tag42.xml><?xml version="1.0" encoding="utf-8"?>
+<p:tagLst xmlns:a="http://schemas.openxmlformats.org/drawingml/2006/main" xmlns:r="http://schemas.openxmlformats.org/officeDocument/2006/relationships" xmlns:p="http://schemas.openxmlformats.org/presentationml/2006/main">
+  <p:tag name="SLIDO_ELEMENT" val="title"/>
+</p:tagLst>
+</file>
+
+<file path=ppt/tags/tag43.xml><?xml version="1.0" encoding="utf-8"?>
+<p:tagLst xmlns:a="http://schemas.openxmlformats.org/drawingml/2006/main" xmlns:r="http://schemas.openxmlformats.org/officeDocument/2006/relationships" xmlns:p="http://schemas.openxmlformats.org/presentationml/2006/main">
+  <p:tag name="SLIDO_ELEMENT" val="footer"/>
+</p:tagLst>
+</file>
+
+<file path=ppt/tags/tag44.xml><?xml version="1.0" encoding="utf-8"?>
+<p:tagLst xmlns:a="http://schemas.openxmlformats.org/drawingml/2006/main" xmlns:r="http://schemas.openxmlformats.org/officeDocument/2006/relationships" xmlns:p="http://schemas.openxmlformats.org/presentationml/2006/main">
+  <p:tag name="SLIDO_METADATA" val="eyJUaW1lc3RhbXAiOjE3MjcwNzcyMjd9"/>
+  <p:tag name="SLIDO_TYPE" val="SlidoPoll"/>
+  <p:tag name="SLIDO_POLL_UUID" val="ac262b76-55bd-4ea9-bfb4-9f13f66dd8b7"/>
+  <p:tag name="SLIDO_POLL_QUESTION_UUID" val="beb7face-4903-4678-9855-741b5e503280"/>
+  <p:tag name="SLIDO_TIMELINE" val="W3sicG9sbFF1ZXN0aW9uVXVpZCI6ImJlYjdmYWNlLTQ5MDMtNDY3OC05ODU1LTc0MWI1ZTUwMzI4MCIsInNob3dSZXN1bHRzIjpmYWxzZSwic2hvd0NvcnJlY3RBbnN3ZXJzIjpmYWxzZSwidm90aW5nTG9ja2VkIjpmYWxzZX0seyJwb2xsUXVlc3Rpb25VdWlkIjoiYmViN2ZhY2UtNDkwMy00Njc4LTk4NTUtNzQxYjVlNTAzMjgwIiwic2hvd1Jlc3VsdHMiOnRydWUsInNob3dDb3JyZWN0QW5zd2VycyI6ZmFsc2UsInZvdGluZ0xvY2tlZCI6dHJ1ZX0seyJwb2xsUXVlc3Rpb25VdWlkIjoiYmViN2ZhY2UtNDkwMy00Njc4LTk4NTUtNzQxYjVlNTAzMjgwIiwic2hvd1Jlc3VsdHMiOnRydWUsInNob3dDb3JyZWN0QW5zd2VycyI6dHJ1ZSwidm90aW5nTG9ja2VkIjp0cnVlfSx7InNjcmVlbiI6IlF1aXpMZWFkZXJib2FyZCIsInBvbGxRdWVzdGlvblV1aWQiOiJiZWI3ZmFjZS00OTAzLTQ2NzgtOTg1NS03NDFiNWU1MDMyODAiLCJzaG93UmVzdWx0cyI6dHJ1ZSwic2hvd0NvcnJlY3RBbnN3ZXJzIjp0cnVlLCJ2b3RpbmdMb2NrZWQiOnRydWV9XQ=="/>
+</p:tagLst>
+</file>
+
+<file path=ppt/tags/tag45.xml><?xml version="1.0" encoding="utf-8"?>
+<p:tagLst xmlns:a="http://schemas.openxmlformats.org/drawingml/2006/main" xmlns:r="http://schemas.openxmlformats.org/officeDocument/2006/relationships" xmlns:p="http://schemas.openxmlformats.org/presentationml/2006/main">
+  <p:tag name="SLIDO_ELEMENT" val="reminder"/>
+</p:tagLst>
+</file>
+
+<file path=ppt/tags/tag46.xml><?xml version="1.0" encoding="utf-8"?>
+<p:tagLst xmlns:a="http://schemas.openxmlformats.org/drawingml/2006/main" xmlns:r="http://schemas.openxmlformats.org/officeDocument/2006/relationships" xmlns:p="http://schemas.openxmlformats.org/presentationml/2006/main">
+  <p:tag name="SLIDO_ELEMENT" val="dotty"/>
+</p:tagLst>
+</file>
+
+<file path=ppt/tags/tag47.xml><?xml version="1.0" encoding="utf-8"?>
+<p:tagLst xmlns:a="http://schemas.openxmlformats.org/drawingml/2006/main" xmlns:r="http://schemas.openxmlformats.org/officeDocument/2006/relationships" xmlns:p="http://schemas.openxmlformats.org/presentationml/2006/main">
+  <p:tag name="SLIDO_ELEMENT" val="logo"/>
+</p:tagLst>
+</file>
+
+<file path=ppt/tags/tag48.xml><?xml version="1.0" encoding="utf-8"?>
+<p:tagLst xmlns:a="http://schemas.openxmlformats.org/drawingml/2006/main" xmlns:r="http://schemas.openxmlformats.org/officeDocument/2006/relationships" xmlns:p="http://schemas.openxmlformats.org/presentationml/2006/main">
+  <p:tag name="SLIDO_ELEMENT" val="interaction_image"/>
+  <p:tag name="INTERACTION_TYPE" val="Quiz"/>
+</p:tagLst>
+</file>
+
+<file path=ppt/tags/tag49.xml><?xml version="1.0" encoding="utf-8"?>
+<p:tagLst xmlns:a="http://schemas.openxmlformats.org/drawingml/2006/main" xmlns:r="http://schemas.openxmlformats.org/officeDocument/2006/relationships" xmlns:p="http://schemas.openxmlformats.org/presentationml/2006/main">
+  <p:tag name="SLIDO_ELEMENT" val="title"/>
+</p:tagLst>
+</file>
+
+<file path=ppt/tags/tag5.xml><?xml version="1.0" encoding="utf-8"?>
+<p:tagLst xmlns:a="http://schemas.openxmlformats.org/drawingml/2006/main" xmlns:r="http://schemas.openxmlformats.org/officeDocument/2006/relationships" xmlns:p="http://schemas.openxmlformats.org/presentationml/2006/main">
+  <p:tag name="SLIDO_ELEMENT" val="logo"/>
+</p:tagLst>
+</file>
+
+<file path=ppt/tags/tag50.xml><?xml version="1.0" encoding="utf-8"?>
+<p:tagLst xmlns:a="http://schemas.openxmlformats.org/drawingml/2006/main" xmlns:r="http://schemas.openxmlformats.org/officeDocument/2006/relationships" xmlns:p="http://schemas.openxmlformats.org/presentationml/2006/main">
+  <p:tag name="SLIDO_ELEMENT" val="footer"/>
+</p:tagLst>
+</file>
+
+<file path=ppt/tags/tag6.xml><?xml version="1.0" encoding="utf-8"?>
+<p:tagLst xmlns:a="http://schemas.openxmlformats.org/drawingml/2006/main" xmlns:r="http://schemas.openxmlformats.org/officeDocument/2006/relationships" xmlns:p="http://schemas.openxmlformats.org/presentationml/2006/main">
+  <p:tag name="SLIDO_ELEMENT" val="interaction_image"/>
+  <p:tag name="INTERACTION_TYPE" val="Quiz"/>
+</p:tagLst>
+</file>
+
+<file path=ppt/tags/tag7.xml><?xml version="1.0" encoding="utf-8"?>
+<p:tagLst xmlns:a="http://schemas.openxmlformats.org/drawingml/2006/main" xmlns:r="http://schemas.openxmlformats.org/officeDocument/2006/relationships" xmlns:p="http://schemas.openxmlformats.org/presentationml/2006/main">
+  <p:tag name="SLIDO_ELEMENT" val="title"/>
+</p:tagLst>
+</file>
+
+<file path=ppt/tags/tag8.xml><?xml version="1.0" encoding="utf-8"?>
+<p:tagLst xmlns:a="http://schemas.openxmlformats.org/drawingml/2006/main" xmlns:r="http://schemas.openxmlformats.org/officeDocument/2006/relationships" xmlns:p="http://schemas.openxmlformats.org/presentationml/2006/main">
+  <p:tag name="SLIDO_ELEMENT" val="footer"/>
+</p:tagLst>
+</file>
+
+<file path=ppt/tags/tag9.xml><?xml version="1.0" encoding="utf-8"?>
+<p:tagLst xmlns:a="http://schemas.openxmlformats.org/drawingml/2006/main" xmlns:r="http://schemas.openxmlformats.org/officeDocument/2006/relationships" xmlns:p="http://schemas.openxmlformats.org/presentationml/2006/main">
+  <p:tag name="SLIDO_METADATA" val="eyJUaW1lc3RhbXAiOjE3MjcwNzcyMjZ9"/>
+  <p:tag name="SLIDO_TYPE" val="SlidoPoll"/>
+  <p:tag name="SLIDO_POLL_UUID" val="ac262b76-55bd-4ea9-bfb4-9f13f66dd8b7"/>
+  <p:tag name="SLIDO_POLL_QUESTION_UUID" val="54c272a1-61e9-4090-b3e1-2f02d5cb97d0"/>
+  <p:tag name="SLIDO_TIMELINE" val="W3sicG9sbFF1ZXN0aW9uVXVpZCI6IjU0YzI3MmExLTYxZTktNDA5MC1iM2UxLTJmMDJkNWNiOTdkMCIsInNob3dSZXN1bHRzIjpmYWxzZSwic2hvd0NvcnJlY3RBbnN3ZXJzIjpmYWxzZSwidm90aW5nTG9ja2VkIjpmYWxzZX0seyJwb2xsUXVlc3Rpb25VdWlkIjoiNTRjMjcyYTEtNjFlOS00MDkwLWIzZTEtMmYwMmQ1Y2I5N2QwIiwic2hvd1Jlc3VsdHMiOnRydWUsInNob3dDb3JyZWN0QW5zd2VycyI6ZmFsc2UsInZvdGluZ0xvY2tlZCI6dHJ1ZX0seyJwb2xsUXVlc3Rpb25VdWlkIjoiNTRjMjcyYTEtNjFlOS00MDkwLWIzZTEtMmYwMmQ1Y2I5N2QwIiwic2hvd1Jlc3VsdHMiOnRydWUsInNob3dDb3JyZWN0QW5zd2VycyI6dHJ1ZSwidm90aW5nTG9ja2VkIjp0cnVlfV0="/>
 </p:tagLst>
 </file>
 

--- a/Mod-2_Conception-des-microservices/Mod-2_Conception-des-microservices.pptx
+++ b/Mod-2_Conception-des-microservices/Mod-2_Conception-des-microservices.pptx
@@ -5,7 +5,7 @@
     <p:sldMasterId id="2147483648" r:id="rId1"/>
   </p:sldMasterIdLst>
   <p:notesMasterIdLst>
-    <p:notesMasterId r:id="rId25"/>
+    <p:notesMasterId r:id="rId18"/>
   </p:notesMasterIdLst>
   <p:sldIdLst>
     <p:sldId id="256" r:id="rId2"/>
@@ -20,22 +20,15 @@
     <p:sldId id="285" r:id="rId11"/>
     <p:sldId id="281" r:id="rId12"/>
     <p:sldId id="286" r:id="rId13"/>
-    <p:sldId id="273" r:id="rId14"/>
-    <p:sldId id="287" r:id="rId15"/>
-    <p:sldId id="288" r:id="rId16"/>
-    <p:sldId id="289" r:id="rId17"/>
-    <p:sldId id="290" r:id="rId18"/>
-    <p:sldId id="291" r:id="rId19"/>
-    <p:sldId id="292" r:id="rId20"/>
-    <p:sldId id="293" r:id="rId21"/>
-    <p:sldId id="280" r:id="rId22"/>
-    <p:sldId id="277" r:id="rId23"/>
-    <p:sldId id="282" r:id="rId24"/>
+    <p:sldId id="280" r:id="rId14"/>
+    <p:sldId id="277" r:id="rId15"/>
+    <p:sldId id="282" r:id="rId16"/>
+    <p:sldId id="294" r:id="rId17"/>
   </p:sldIdLst>
   <p:sldSz cx="12192000" cy="6858000"/>
   <p:notesSz cx="6858000" cy="9144000"/>
   <p:custDataLst>
-    <p:tags r:id="rId26"/>
+    <p:tags r:id="rId19"/>
   </p:custDataLst>
   <p:defaultTextStyle>
     <a:defPPr>
@@ -151,23 +144,12 @@
             <p14:sldId id="286"/>
           </p14:sldIdLst>
         </p14:section>
-        <p14:section name="Quizz" id="{F4E9CED8-1E9B-47D7-946E-33A2F9CEB376}">
-          <p14:sldIdLst>
-            <p14:sldId id="273"/>
-            <p14:sldId id="287"/>
-            <p14:sldId id="288"/>
-            <p14:sldId id="289"/>
-            <p14:sldId id="290"/>
-            <p14:sldId id="291"/>
-            <p14:sldId id="292"/>
-            <p14:sldId id="293"/>
-          </p14:sldIdLst>
-        </p14:section>
         <p14:section name="Lab" id="{E0E5D6CF-D763-439F-8C69-E0CFBC15270E}">
           <p14:sldIdLst>
             <p14:sldId id="280"/>
             <p14:sldId id="277"/>
             <p14:sldId id="282"/>
+            <p14:sldId id="294"/>
           </p14:sldIdLst>
         </p14:section>
       </p14:sectionLst>
@@ -1104,90 +1086,6 @@
             <a:fld id="{29446431-D0D5-4BC1-9605-93B358FA0494}" type="slidenum">
               <a:rPr lang="fr-FR" smtClean="0"/>
               <a:t>13</a:t>
-            </a:fld>
-            <a:endParaRPr lang="fr-FR"/>
-          </a:p>
-        </p:txBody>
-      </p:sp>
-    </p:spTree>
-    <p:extLst>
-      <p:ext uri="{BB962C8B-B14F-4D97-AF65-F5344CB8AC3E}">
-        <p14:creationId xmlns:p14="http://schemas.microsoft.com/office/powerpoint/2010/main" val="1741468182"/>
-      </p:ext>
-    </p:extLst>
-  </p:cSld>
-  <p:clrMapOvr>
-    <a:masterClrMapping/>
-  </p:clrMapOvr>
-</p:notes>
-</file>
-
-<file path=ppt/notesSlides/notesSlide8.xml><?xml version="1.0" encoding="utf-8"?>
-<p:notes xmlns:a="http://schemas.openxmlformats.org/drawingml/2006/main" xmlns:r="http://schemas.openxmlformats.org/officeDocument/2006/relationships" xmlns:p="http://schemas.openxmlformats.org/presentationml/2006/main">
-  <p:cSld>
-    <p:spTree>
-      <p:nvGrpSpPr>
-        <p:cNvPr id="1" name=""/>
-        <p:cNvGrpSpPr/>
-        <p:nvPr/>
-      </p:nvGrpSpPr>
-      <p:grpSpPr>
-        <a:xfrm>
-          <a:off x="0" y="0"/>
-          <a:ext cx="0" cy="0"/>
-          <a:chOff x="0" y="0"/>
-          <a:chExt cx="0" cy="0"/>
-        </a:xfrm>
-      </p:grpSpPr>
-      <p:sp>
-        <p:nvSpPr>
-          <p:cNvPr id="2" name="Espace réservé de l'image des diapositives 1"/>
-          <p:cNvSpPr>
-            <a:spLocks noGrp="1" noRot="1" noChangeAspect="1"/>
-          </p:cNvSpPr>
-          <p:nvPr>
-            <p:ph type="sldImg"/>
-          </p:nvPr>
-        </p:nvSpPr>
-        <p:spPr/>
-      </p:sp>
-      <p:sp>
-        <p:nvSpPr>
-          <p:cNvPr id="3" name="Espace réservé des notes 2"/>
-          <p:cNvSpPr>
-            <a:spLocks noGrp="1"/>
-          </p:cNvSpPr>
-          <p:nvPr>
-            <p:ph type="body" idx="1"/>
-          </p:nvPr>
-        </p:nvSpPr>
-        <p:spPr/>
-        <p:txBody>
-          <a:bodyPr/>
-          <a:lstStyle/>
-          <a:p>
-            <a:endParaRPr lang="fr-FR" dirty="0"/>
-          </a:p>
-        </p:txBody>
-      </p:sp>
-      <p:sp>
-        <p:nvSpPr>
-          <p:cNvPr id="4" name="Espace réservé du numéro de diapositive 3"/>
-          <p:cNvSpPr>
-            <a:spLocks noGrp="1"/>
-          </p:cNvSpPr>
-          <p:nvPr>
-            <p:ph type="sldNum" sz="quarter" idx="5"/>
-          </p:nvPr>
-        </p:nvSpPr>
-        <p:spPr/>
-        <p:txBody>
-          <a:bodyPr/>
-          <a:lstStyle/>
-          <a:p>
-            <a:fld id="{29446431-D0D5-4BC1-9605-93B358FA0494}" type="slidenum">
-              <a:rPr lang="fr-FR" smtClean="0"/>
-              <a:t>21</a:t>
             </a:fld>
             <a:endParaRPr lang="fr-FR"/>
           </a:p>
@@ -5926,10 +5824,10 @@
       </p:grpSpPr>
       <p:sp>
         <p:nvSpPr>
-          <p:cNvPr id="4" name="Titre 1">
-            <a:extLst>
-              <a:ext uri="{FF2B5EF4-FFF2-40B4-BE49-F238E27FC236}">
-                <a16:creationId xmlns:a16="http://schemas.microsoft.com/office/drawing/2014/main" id="{0BBD490F-0135-83AC-A1D0-18C01882B938}"/>
+          <p:cNvPr id="3" name="Espace réservé du contenu 2">
+            <a:extLst>
+              <a:ext uri="{FF2B5EF4-FFF2-40B4-BE49-F238E27FC236}">
+                <a16:creationId xmlns:a16="http://schemas.microsoft.com/office/drawing/2014/main" id="{5D1598F1-3F5E-181B-29E7-26081FFE38F7}"/>
               </a:ext>
             </a:extLst>
           </p:cNvPr>
@@ -5937,13 +5835,13 @@
             <a:spLocks noGrp="1"/>
           </p:cNvSpPr>
           <p:nvPr>
-            <p:ph type="title"/>
+            <p:ph idx="1"/>
           </p:nvPr>
         </p:nvSpPr>
         <p:spPr>
           <a:xfrm>
-            <a:off x="2681714" y="2713346"/>
-            <a:ext cx="6828572" cy="1128713"/>
+            <a:off x="223520" y="1059656"/>
+            <a:ext cx="5872479" cy="5160163"/>
           </a:xfrm>
         </p:spPr>
         <p:txBody>
@@ -5952,3460 +5850,86 @@
           </a:bodyPr>
           <a:lstStyle/>
           <a:p>
-            <a:pPr algn="ctr"/>
-            <a:r>
-              <a:rPr lang="fr-FR" sz="4100" b="1" dirty="0">
-                <a:solidFill>
-                  <a:schemeClr val="tx2"/>
-                </a:solidFill>
-                <a:latin typeface="Lora" pitchFamily="2" charset="0"/>
-              </a:rPr>
-              <a:t>Contrôle de connaissances</a:t>
-            </a:r>
-          </a:p>
-        </p:txBody>
-      </p:sp>
-    </p:spTree>
-    <p:extLst>
-      <p:ext uri="{BB962C8B-B14F-4D97-AF65-F5344CB8AC3E}">
-        <p14:creationId xmlns:p14="http://schemas.microsoft.com/office/powerpoint/2010/main" val="1610341630"/>
-      </p:ext>
-    </p:extLst>
-  </p:cSld>
-  <p:clrMapOvr>
-    <a:masterClrMapping/>
-  </p:clrMapOvr>
-</p:sld>
-</file>
-
-<file path=ppt/slides/slide14.xml><?xml version="1.0" encoding="utf-8"?>
-<p:sld xmlns:a="http://schemas.openxmlformats.org/drawingml/2006/main" xmlns:r="http://schemas.openxmlformats.org/officeDocument/2006/relationships" xmlns:p="http://schemas.openxmlformats.org/presentationml/2006/main" showMasterSp="0">
-  <p:cSld>
-    <p:bg>
-      <p:bgPr>
-        <a:solidFill>
-          <a:srgbClr val="FFFFFF"/>
-        </a:solidFill>
-        <a:effectLst/>
-      </p:bgPr>
-    </p:bg>
-    <p:spTree>
-      <p:nvGrpSpPr>
-        <p:cNvPr id="1" name=""/>
-        <p:cNvGrpSpPr/>
-        <p:nvPr/>
-      </p:nvGrpSpPr>
-      <p:grpSpPr>
-        <a:xfrm>
-          <a:off x="0" y="0"/>
-          <a:ext cx="0" cy="0"/>
-          <a:chOff x="0" y="0"/>
-          <a:chExt cx="0" cy="0"/>
-        </a:xfrm>
-      </p:grpSpPr>
-      <p:sp>
-        <p:nvSpPr>
-          <p:cNvPr id="2" name="Rectangle : coins arrondis 1">
-            <a:extLst>
-              <a:ext uri="{FF2B5EF4-FFF2-40B4-BE49-F238E27FC236}">
-                <a16:creationId xmlns:a16="http://schemas.microsoft.com/office/drawing/2014/main" id="{60CB7320-AD62-5EAF-DF48-5110C079D630}"/>
-              </a:ext>
-            </a:extLst>
-          </p:cNvPr>
-          <p:cNvSpPr/>
-          <p:nvPr>
-            <p:custDataLst>
-              <p:tags r:id="rId2"/>
-            </p:custDataLst>
-          </p:nvPr>
+            <a:pPr marL="0" indent="0">
+              <a:lnSpc>
+                <a:spcPct val="200000"/>
+              </a:lnSpc>
+              <a:buNone/>
+            </a:pPr>
+            <a:r>
+              <a:rPr lang="fr-FR" sz="2200" b="1" dirty="0"/>
+              <a:t>Dans cet atelier, nous allons:</a:t>
+            </a:r>
+          </a:p>
+          <a:p>
+            <a:pPr>
+              <a:lnSpc>
+                <a:spcPct val="200000"/>
+              </a:lnSpc>
+            </a:pPr>
+            <a:r>
+              <a:rPr lang="fr-FR" sz="2200" dirty="0"/>
+              <a:t>Analyser notre architecture monolithique</a:t>
+            </a:r>
+          </a:p>
+          <a:p>
+            <a:pPr>
+              <a:lnSpc>
+                <a:spcPct val="200000"/>
+              </a:lnSpc>
+            </a:pPr>
+            <a:r>
+              <a:rPr lang="fr-FR" sz="2200" dirty="0"/>
+              <a:t>Identifier les contextes et les délimiter</a:t>
+            </a:r>
+          </a:p>
+          <a:p>
+            <a:pPr>
+              <a:lnSpc>
+                <a:spcPct val="200000"/>
+              </a:lnSpc>
+            </a:pPr>
+            <a:r>
+              <a:rPr lang="fr-FR" sz="2200" dirty="0"/>
+              <a:t>Identifier les contextes éligibles pour devenir des services</a:t>
+            </a:r>
+          </a:p>
+          <a:p>
+            <a:pPr>
+              <a:lnSpc>
+                <a:spcPct val="200000"/>
+              </a:lnSpc>
+            </a:pPr>
+            <a:r>
+              <a:rPr lang="fr-FR" sz="2200" dirty="0"/>
+              <a:t>Construire notre architecture microservices</a:t>
+            </a:r>
+          </a:p>
+        </p:txBody>
+      </p:sp>
+      <p:sp>
+        <p:nvSpPr>
+          <p:cNvPr id="4" name="Titre 1">
+            <a:extLst>
+              <a:ext uri="{FF2B5EF4-FFF2-40B4-BE49-F238E27FC236}">
+                <a16:creationId xmlns:a16="http://schemas.microsoft.com/office/drawing/2014/main" id="{9F8046C7-59C6-E9C9-C220-2A88E0E8AA74}"/>
+              </a:ext>
+            </a:extLst>
+          </p:cNvPr>
+          <p:cNvSpPr txBox="1">
+            <a:spLocks/>
+          </p:cNvSpPr>
+          <p:nvPr/>
         </p:nvSpPr>
         <p:spPr>
           <a:xfrm>
-            <a:off x="6286500" y="430530"/>
-            <a:ext cx="5524500" cy="891540"/>
-          </a:xfrm>
-          <a:prstGeom prst="roundRect">
-            <a:avLst/>
-          </a:prstGeom>
-          <a:solidFill>
-            <a:srgbClr val="F4F4F4"/>
-          </a:solidFill>
-          <a:ln w="19050" cap="flat" cmpd="sng" algn="ctr">
-            <a:noFill/>
-            <a:prstDash val="solid"/>
-            <a:miter lim="800000"/>
-          </a:ln>
-          <a:effectLst/>
-          <a:extLst>
-            <a:ext uri="{91240B29-F687-4F45-9708-019B960494DF}">
-              <a14:hiddenLine xmlns:a14="http://schemas.microsoft.com/office/drawing/2010/main" w="19050" cap="flat" cmpd="sng" algn="ctr">
-                <a:solidFill>
-                  <a:schemeClr val="accent1">
-                    <a:shade val="15000"/>
-                  </a:schemeClr>
-                </a:solidFill>
-                <a:prstDash val="solid"/>
-                <a:miter lim="800000"/>
-              </a14:hiddenLine>
-            </a:ext>
-          </a:extLst>
-        </p:spPr>
-        <p:style>
-          <a:lnRef idx="2">
-            <a:schemeClr val="accent1">
-              <a:shade val="15000"/>
-            </a:schemeClr>
-          </a:lnRef>
-          <a:fillRef idx="1">
-            <a:schemeClr val="accent1"/>
-          </a:fillRef>
-          <a:effectRef idx="0">
-            <a:schemeClr val="accent1"/>
-          </a:effectRef>
-          <a:fontRef idx="minor">
-            <a:schemeClr val="lt1"/>
-          </a:fontRef>
-        </p:style>
-        <p:txBody>
-          <a:bodyPr lIns="317500" rIns="1143000" rtlCol="0" anchor="ctr">
-            <a:normAutofit/>
-          </a:bodyPr>
-          <a:lstStyle/>
-          <a:p>
-            <a:r>
-              <a:rPr lang="en-US" sz="2000">
-                <a:solidFill>
-                  <a:srgbClr val="5B5B5B"/>
-                </a:solidFill>
-              </a:rPr>
-              <a:t>Please download and install the Slido app on all computers you use</a:t>
-            </a:r>
-            <a:endParaRPr lang="fr-FR" sz="2000">
-              <a:solidFill>
-                <a:srgbClr val="5B5B5B"/>
-              </a:solidFill>
-            </a:endParaRPr>
-          </a:p>
-        </p:txBody>
-      </p:sp>
-      <p:pic>
-        <p:nvPicPr>
-          <p:cNvPr id="4" name="Graphique 3">
-            <a:extLst>
-              <a:ext uri="{FF2B5EF4-FFF2-40B4-BE49-F238E27FC236}">
-                <a16:creationId xmlns:a16="http://schemas.microsoft.com/office/drawing/2014/main" id="{5187F3FD-FFA6-84F4-55D0-4C4C9D2C8C1A}"/>
-              </a:ext>
-            </a:extLst>
-          </p:cNvPr>
-          <p:cNvPicPr>
-            <a:picLocks/>
-          </p:cNvPicPr>
-          <p:nvPr>
-            <p:custDataLst>
-              <p:tags r:id="rId3"/>
-            </p:custDataLst>
-          </p:nvPr>
-        </p:nvPicPr>
-        <p:blipFill>
-          <a:blip r:embed="rId9">
-            <a:extLst>
-              <a:ext uri="{96DAC541-7B7A-43D3-8B79-37D633B846F1}">
-                <asvg:svgBlip xmlns:asvg="http://schemas.microsoft.com/office/drawing/2016/SVG/main" r:embed="rId10"/>
-              </a:ext>
-            </a:extLst>
-          </a:blip>
-          <a:stretch>
-            <a:fillRect/>
-          </a:stretch>
-        </p:blipFill>
-        <p:spPr>
-          <a:xfrm>
-            <a:off x="10826048" y="577634"/>
-            <a:ext cx="597332" cy="597332"/>
+            <a:off x="223520" y="229369"/>
+            <a:ext cx="7680960" cy="446074"/>
           </a:xfrm>
           <a:prstGeom prst="rect">
             <a:avLst/>
           </a:prstGeom>
         </p:spPr>
-      </p:pic>
-      <p:pic>
-        <p:nvPicPr>
-          <p:cNvPr id="6" name="Graphique 5">
-            <a:extLst>
-              <a:ext uri="{FF2B5EF4-FFF2-40B4-BE49-F238E27FC236}">
-                <a16:creationId xmlns:a16="http://schemas.microsoft.com/office/drawing/2014/main" id="{A5678D6A-851B-EC50-CD8C-ECAB86FE3E41}"/>
-              </a:ext>
-            </a:extLst>
-          </p:cNvPr>
-          <p:cNvPicPr>
-            <a:picLocks/>
-          </p:cNvPicPr>
-          <p:nvPr>
-            <p:custDataLst>
-              <p:tags r:id="rId4"/>
-            </p:custDataLst>
-          </p:nvPr>
-        </p:nvPicPr>
-        <p:blipFill>
-          <a:blip r:embed="rId11">
-            <a:extLst>
-              <a:ext uri="{96DAC541-7B7A-43D3-8B79-37D633B846F1}">
-                <asvg:svgBlip xmlns:asvg="http://schemas.microsoft.com/office/drawing/2016/SVG/main" r:embed="rId12"/>
-              </a:ext>
-            </a:extLst>
-          </a:blip>
-          <a:stretch>
-            <a:fillRect/>
-          </a:stretch>
-        </p:blipFill>
-        <p:spPr>
-          <a:xfrm>
-            <a:off x="3901440" y="617220"/>
-            <a:ext cx="1036320" cy="518160"/>
-          </a:xfrm>
-          <a:prstGeom prst="rect">
-            <a:avLst/>
-          </a:prstGeom>
-        </p:spPr>
-      </p:pic>
-      <p:pic>
-        <p:nvPicPr>
-          <p:cNvPr id="8" name="Graphique 7">
-            <a:extLst>
-              <a:ext uri="{FF2B5EF4-FFF2-40B4-BE49-F238E27FC236}">
-                <a16:creationId xmlns:a16="http://schemas.microsoft.com/office/drawing/2014/main" id="{CD756865-EBF8-45E9-CCF2-EF6AD4D48B36}"/>
-              </a:ext>
-            </a:extLst>
-          </p:cNvPr>
-          <p:cNvPicPr>
-            <a:picLocks/>
-          </p:cNvPicPr>
-          <p:nvPr>
-            <p:custDataLst>
-              <p:tags r:id="rId5"/>
-            </p:custDataLst>
-          </p:nvPr>
-        </p:nvPicPr>
-        <p:blipFill>
-          <a:blip r:embed="rId13">
-            <a:extLst>
-              <a:ext uri="{96DAC541-7B7A-43D3-8B79-37D633B846F1}">
-                <asvg:svgBlip xmlns:asvg="http://schemas.microsoft.com/office/drawing/2016/SVG/main" r:embed="rId14"/>
-              </a:ext>
-            </a:extLst>
-          </a:blip>
-          <a:stretch>
-            <a:fillRect/>
-          </a:stretch>
-        </p:blipFill>
-        <p:spPr>
-          <a:xfrm>
-            <a:off x="1158240" y="2270760"/>
-            <a:ext cx="2316480" cy="2316480"/>
-          </a:xfrm>
-          <a:prstGeom prst="rect">
-            <a:avLst/>
-          </a:prstGeom>
-        </p:spPr>
-      </p:pic>
-      <p:sp>
-        <p:nvSpPr>
-          <p:cNvPr id="9" name="Rectangle 8">
-            <a:extLst>
-              <a:ext uri="{FF2B5EF4-FFF2-40B4-BE49-F238E27FC236}">
-                <a16:creationId xmlns:a16="http://schemas.microsoft.com/office/drawing/2014/main" id="{5FAD2035-5687-35D9-4985-B187DED3C635}"/>
-              </a:ext>
-            </a:extLst>
-          </p:cNvPr>
-          <p:cNvSpPr/>
-          <p:nvPr>
-            <p:custDataLst>
-              <p:tags r:id="rId6"/>
-            </p:custDataLst>
-          </p:nvPr>
-        </p:nvSpPr>
-        <p:spPr>
-          <a:xfrm>
-            <a:off x="3901440" y="2571750"/>
-            <a:ext cx="7315199" cy="1714500"/>
-          </a:xfrm>
-          <a:prstGeom prst="rect">
-            <a:avLst/>
-          </a:prstGeom>
-          <a:noFill/>
-          <a:ln w="19050" cap="flat" cmpd="sng" algn="ctr">
-            <a:solidFill>
-              <a:srgbClr val="FFFFFF"/>
-            </a:solidFill>
-            <a:prstDash val="solid"/>
-            <a:miter lim="800000"/>
-          </a:ln>
-          <a:effectLst/>
-          <a:extLst>
-            <a:ext uri="{909E8E84-426E-40DD-AFC4-6F175D3DCCD1}">
-              <a14:hiddenFill xmlns:a14="http://schemas.microsoft.com/office/drawing/2010/main">
-                <a:solidFill>
-                  <a:schemeClr val="accent1"/>
-                </a:solidFill>
-              </a14:hiddenFill>
-            </a:ext>
-          </a:extLst>
-        </p:spPr>
-        <p:style>
-          <a:lnRef idx="2">
-            <a:schemeClr val="accent1">
-              <a:shade val="15000"/>
-            </a:schemeClr>
-          </a:lnRef>
-          <a:fillRef idx="1">
-            <a:schemeClr val="accent1"/>
-          </a:fillRef>
-          <a:effectRef idx="0">
-            <a:schemeClr val="accent1"/>
-          </a:effectRef>
-          <a:fontRef idx="minor">
-            <a:schemeClr val="lt1"/>
-          </a:fontRef>
-        </p:style>
-        <p:txBody>
-          <a:bodyPr rtlCol="0" anchor="ctr"/>
-          <a:lstStyle/>
-          <a:p>
-            <a:r>
-              <a:rPr lang="fr-FR" sz="4000" b="1">
-                <a:solidFill>
-                  <a:srgbClr val="5B5B5B"/>
-                </a:solidFill>
-              </a:rPr>
-              <a:t>Le "Bounded Context" dans le DDD permet de : (SELECTIONNER DEUX PROPOSITIONS)</a:t>
-            </a:r>
-          </a:p>
-        </p:txBody>
-      </p:sp>
-      <p:sp>
-        <p:nvSpPr>
-          <p:cNvPr id="10" name="Rectangle 9">
-            <a:extLst>
-              <a:ext uri="{FF2B5EF4-FFF2-40B4-BE49-F238E27FC236}">
-                <a16:creationId xmlns:a16="http://schemas.microsoft.com/office/drawing/2014/main" id="{7C0D1A81-85A5-2B3A-3401-835C52B580A1}"/>
-              </a:ext>
-            </a:extLst>
-          </p:cNvPr>
-          <p:cNvSpPr/>
-          <p:nvPr>
-            <p:custDataLst>
-              <p:tags r:id="rId7"/>
-            </p:custDataLst>
-          </p:nvPr>
-        </p:nvSpPr>
-        <p:spPr>
-          <a:xfrm>
-            <a:off x="3901440" y="6032500"/>
-            <a:ext cx="7315199" cy="518160"/>
-          </a:xfrm>
-          <a:prstGeom prst="rect">
-            <a:avLst/>
-          </a:prstGeom>
-          <a:noFill/>
-          <a:ln w="19050" cap="flat" cmpd="sng" algn="ctr">
-            <a:noFill/>
-            <a:prstDash val="solid"/>
-            <a:miter lim="800000"/>
-          </a:ln>
-          <a:effectLst/>
-          <a:extLst>
-            <a:ext uri="{909E8E84-426E-40DD-AFC4-6F175D3DCCD1}">
-              <a14:hiddenFill xmlns:a14="http://schemas.microsoft.com/office/drawing/2010/main">
-                <a:solidFill>
-                  <a:schemeClr val="accent1"/>
-                </a:solidFill>
-              </a14:hiddenFill>
-            </a:ext>
-            <a:ext uri="{91240B29-F687-4F45-9708-019B960494DF}">
-              <a14:hiddenLine xmlns:a14="http://schemas.microsoft.com/office/drawing/2010/main" w="19050" cap="flat" cmpd="sng" algn="ctr">
-                <a:solidFill>
-                  <a:schemeClr val="accent1">
-                    <a:shade val="15000"/>
-                  </a:schemeClr>
-                </a:solidFill>
-                <a:prstDash val="solid"/>
-                <a:miter lim="800000"/>
-              </a14:hiddenLine>
-            </a:ext>
-          </a:extLst>
-        </p:spPr>
-        <p:style>
-          <a:lnRef idx="2">
-            <a:schemeClr val="accent1">
-              <a:shade val="15000"/>
-            </a:schemeClr>
-          </a:lnRef>
-          <a:fillRef idx="1">
-            <a:schemeClr val="accent1"/>
-          </a:fillRef>
-          <a:effectRef idx="0">
-            <a:schemeClr val="accent1"/>
-          </a:effectRef>
-          <a:fontRef idx="minor">
-            <a:schemeClr val="lt1"/>
-          </a:fontRef>
-        </p:style>
-        <p:txBody>
-          <a:bodyPr rtlCol="0" anchor="ctr">
-            <a:normAutofit/>
-          </a:bodyPr>
-          <a:lstStyle/>
-          <a:p>
-            <a:r>
-              <a:rPr lang="en-US" sz="2200" b="1">
-                <a:solidFill>
-                  <a:srgbClr val="5B5B5B"/>
-                </a:solidFill>
-              </a:rPr>
-              <a:t>ⓘ</a:t>
-            </a:r>
-            <a:r>
-              <a:rPr lang="en-US" sz="2000">
-                <a:solidFill>
-                  <a:srgbClr val="5B5B5B"/>
-                </a:solidFill>
-              </a:rPr>
-              <a:t> Start presenting to display the poll results on this slide.</a:t>
-            </a:r>
-            <a:endParaRPr lang="fr-FR" sz="2000">
-              <a:solidFill>
-                <a:srgbClr val="5B5B5B"/>
-              </a:solidFill>
-            </a:endParaRPr>
-          </a:p>
-        </p:txBody>
-      </p:sp>
-    </p:spTree>
-    <p:custDataLst>
-      <p:tags r:id="rId1"/>
-    </p:custDataLst>
-    <p:extLst>
-      <p:ext uri="{BB962C8B-B14F-4D97-AF65-F5344CB8AC3E}">
-        <p14:creationId xmlns:p14="http://schemas.microsoft.com/office/powerpoint/2010/main" val="3531974573"/>
-      </p:ext>
-    </p:extLst>
-  </p:cSld>
-  <p:clrMapOvr>
-    <a:masterClrMapping/>
-  </p:clrMapOvr>
-  <p:timing>
-    <p:tnLst>
-      <p:par>
-        <p:cTn id="1" dur="indefinite" restart="never" nodeType="tmRoot">
-          <p:childTnLst>
-            <p:seq concurrent="1" nextAc="seek">
-              <p:cTn id="2" dur="indefinite" nodeType="mainSeq">
-                <p:childTnLst>
-                  <p:par>
-                    <p:cTn id="3" fill="hold">
-                      <p:stCondLst>
-                        <p:cond delay="indefinite"/>
-                      </p:stCondLst>
-                      <p:childTnLst>
-                        <p:par>
-                          <p:cTn id="4" fill="hold">
-                            <p:stCondLst>
-                              <p:cond delay="0"/>
-                            </p:stCondLst>
-                            <p:childTnLst>
-                              <p:par>
-                                <p:cTn id="5" presetID="26" presetClass="emph" presetSubtype="0" fill="hold" grpId="0" nodeType="clickEffect">
-                                  <p:stCondLst>
-                                    <p:cond delay="0"/>
-                                  </p:stCondLst>
-                                  <p:childTnLst>
-                                    <p:animEffect transition="out" filter="fade">
-                                      <p:cBhvr>
-                                        <p:cTn id="6" dur="50" tmFilter="0, 0; .2, .5; .8, .5; 1, 0"/>
-                                        <p:tgtEl>
-                                          <p:spTgt spid="9"/>
-                                        </p:tgtEl>
-                                      </p:cBhvr>
-                                    </p:animEffect>
-                                    <p:animScale>
-                                      <p:cBhvr>
-                                        <p:cTn id="7" dur="25" autoRev="1" fill="hold"/>
-                                        <p:tgtEl>
-                                          <p:spTgt spid="9"/>
-                                        </p:tgtEl>
-                                      </p:cBhvr>
-                                      <p:by x="105000" y="105000"/>
-                                    </p:animScale>
-                                  </p:childTnLst>
-                                </p:cTn>
-                              </p:par>
-                            </p:childTnLst>
-                          </p:cTn>
-                        </p:par>
-                      </p:childTnLst>
-                    </p:cTn>
-                  </p:par>
-                  <p:par>
-                    <p:cTn id="8" fill="hold">
-                      <p:stCondLst>
-                        <p:cond delay="indefinite"/>
-                      </p:stCondLst>
-                      <p:childTnLst>
-                        <p:par>
-                          <p:cTn id="9" fill="hold">
-                            <p:stCondLst>
-                              <p:cond delay="0"/>
-                            </p:stCondLst>
-                            <p:childTnLst>
-                              <p:par>
-                                <p:cTn id="10" presetID="26" presetClass="emph" presetSubtype="0" fill="hold" grpId="1" nodeType="clickEffect">
-                                  <p:stCondLst>
-                                    <p:cond delay="0"/>
-                                  </p:stCondLst>
-                                  <p:childTnLst>
-                                    <p:animEffect transition="out" filter="fade">
-                                      <p:cBhvr>
-                                        <p:cTn id="11" dur="50" tmFilter="0, 0; .2, .5; .8, .5; 1, 0"/>
-                                        <p:tgtEl>
-                                          <p:spTgt spid="9"/>
-                                        </p:tgtEl>
-                                      </p:cBhvr>
-                                    </p:animEffect>
-                                    <p:animScale>
-                                      <p:cBhvr>
-                                        <p:cTn id="12" dur="25" autoRev="1" fill="hold"/>
-                                        <p:tgtEl>
-                                          <p:spTgt spid="9"/>
-                                        </p:tgtEl>
-                                      </p:cBhvr>
-                                      <p:by x="105000" y="105000"/>
-                                    </p:animScale>
-                                  </p:childTnLst>
-                                </p:cTn>
-                              </p:par>
-                            </p:childTnLst>
-                          </p:cTn>
-                        </p:par>
-                      </p:childTnLst>
-                    </p:cTn>
-                  </p:par>
-                  <p:par>
-                    <p:cTn id="13" fill="hold">
-                      <p:stCondLst>
-                        <p:cond delay="indefinite"/>
-                      </p:stCondLst>
-                      <p:childTnLst>
-                        <p:par>
-                          <p:cTn id="14" fill="hold">
-                            <p:stCondLst>
-                              <p:cond delay="0"/>
-                            </p:stCondLst>
-                            <p:childTnLst>
-                              <p:par>
-                                <p:cTn id="15" presetID="26" presetClass="emph" presetSubtype="0" fill="hold" grpId="2" nodeType="clickEffect">
-                                  <p:stCondLst>
-                                    <p:cond delay="0"/>
-                                  </p:stCondLst>
-                                  <p:childTnLst>
-                                    <p:animEffect transition="out" filter="fade">
-                                      <p:cBhvr>
-                                        <p:cTn id="16" dur="50" tmFilter="0, 0; .2, .5; .8, .5; 1, 0"/>
-                                        <p:tgtEl>
-                                          <p:spTgt spid="9"/>
-                                        </p:tgtEl>
-                                      </p:cBhvr>
-                                    </p:animEffect>
-                                    <p:animScale>
-                                      <p:cBhvr>
-                                        <p:cTn id="17" dur="25" autoRev="1" fill="hold"/>
-                                        <p:tgtEl>
-                                          <p:spTgt spid="9"/>
-                                        </p:tgtEl>
-                                      </p:cBhvr>
-                                      <p:by x="105000" y="105000"/>
-                                    </p:animScale>
-                                  </p:childTnLst>
-                                </p:cTn>
-                              </p:par>
-                            </p:childTnLst>
-                          </p:cTn>
-                        </p:par>
-                      </p:childTnLst>
-                    </p:cTn>
-                  </p:par>
-                </p:childTnLst>
-              </p:cTn>
-              <p:prevCondLst>
-                <p:cond evt="onPrev" delay="0">
-                  <p:tgtEl>
-                    <p:sldTgt/>
-                  </p:tgtEl>
-                </p:cond>
-              </p:prevCondLst>
-              <p:nextCondLst>
-                <p:cond evt="onNext" delay="0">
-                  <p:tgtEl>
-                    <p:sldTgt/>
-                  </p:tgtEl>
-                </p:cond>
-              </p:nextCondLst>
-            </p:seq>
-          </p:childTnLst>
-        </p:cTn>
-      </p:par>
-    </p:tnLst>
-    <p:bldLst>
-      <p:bldP spid="9" grpId="0" animBg="1"/>
-      <p:bldP spid="9" grpId="1" animBg="1"/>
-      <p:bldP spid="9" grpId="2" animBg="1"/>
-    </p:bldLst>
-  </p:timing>
-</p:sld>
-</file>
-
-<file path=ppt/slides/slide15.xml><?xml version="1.0" encoding="utf-8"?>
-<p:sld xmlns:a="http://schemas.openxmlformats.org/drawingml/2006/main" xmlns:r="http://schemas.openxmlformats.org/officeDocument/2006/relationships" xmlns:p="http://schemas.openxmlformats.org/presentationml/2006/main" showMasterSp="0">
-  <p:cSld>
-    <p:bg>
-      <p:bgPr>
-        <a:solidFill>
-          <a:srgbClr val="FFFFFF"/>
-        </a:solidFill>
-        <a:effectLst/>
-      </p:bgPr>
-    </p:bg>
-    <p:spTree>
-      <p:nvGrpSpPr>
-        <p:cNvPr id="1" name=""/>
-        <p:cNvGrpSpPr/>
-        <p:nvPr/>
-      </p:nvGrpSpPr>
-      <p:grpSpPr>
-        <a:xfrm>
-          <a:off x="0" y="0"/>
-          <a:ext cx="0" cy="0"/>
-          <a:chOff x="0" y="0"/>
-          <a:chExt cx="0" cy="0"/>
-        </a:xfrm>
-      </p:grpSpPr>
-      <p:sp>
-        <p:nvSpPr>
-          <p:cNvPr id="2" name="Rectangle : coins arrondis 1">
-            <a:extLst>
-              <a:ext uri="{FF2B5EF4-FFF2-40B4-BE49-F238E27FC236}">
-                <a16:creationId xmlns:a16="http://schemas.microsoft.com/office/drawing/2014/main" id="{AF7EEA08-A735-8871-F3C1-602870D729D9}"/>
-              </a:ext>
-            </a:extLst>
-          </p:cNvPr>
-          <p:cNvSpPr/>
-          <p:nvPr>
-            <p:custDataLst>
-              <p:tags r:id="rId2"/>
-            </p:custDataLst>
-          </p:nvPr>
-        </p:nvSpPr>
-        <p:spPr>
-          <a:xfrm>
-            <a:off x="6286500" y="430530"/>
-            <a:ext cx="5524500" cy="891540"/>
-          </a:xfrm>
-          <a:prstGeom prst="roundRect">
-            <a:avLst/>
-          </a:prstGeom>
-          <a:solidFill>
-            <a:srgbClr val="F4F4F4"/>
-          </a:solidFill>
-          <a:ln w="19050" cap="flat" cmpd="sng" algn="ctr">
-            <a:noFill/>
-            <a:prstDash val="solid"/>
-            <a:miter lim="800000"/>
-          </a:ln>
-          <a:effectLst/>
-          <a:extLst>
-            <a:ext uri="{91240B29-F687-4F45-9708-019B960494DF}">
-              <a14:hiddenLine xmlns:a14="http://schemas.microsoft.com/office/drawing/2010/main" w="19050" cap="flat" cmpd="sng" algn="ctr">
-                <a:solidFill>
-                  <a:schemeClr val="accent1">
-                    <a:shade val="15000"/>
-                  </a:schemeClr>
-                </a:solidFill>
-                <a:prstDash val="solid"/>
-                <a:miter lim="800000"/>
-              </a14:hiddenLine>
-            </a:ext>
-          </a:extLst>
-        </p:spPr>
-        <p:style>
-          <a:lnRef idx="2">
-            <a:schemeClr val="accent1">
-              <a:shade val="15000"/>
-            </a:schemeClr>
-          </a:lnRef>
-          <a:fillRef idx="1">
-            <a:schemeClr val="accent1"/>
-          </a:fillRef>
-          <a:effectRef idx="0">
-            <a:schemeClr val="accent1"/>
-          </a:effectRef>
-          <a:fontRef idx="minor">
-            <a:schemeClr val="lt1"/>
-          </a:fontRef>
-        </p:style>
-        <p:txBody>
-          <a:bodyPr lIns="317500" rIns="1143000" rtlCol="0" anchor="ctr">
-            <a:normAutofit/>
-          </a:bodyPr>
-          <a:lstStyle/>
-          <a:p>
-            <a:r>
-              <a:rPr lang="en-US" sz="2000">
-                <a:solidFill>
-                  <a:srgbClr val="5B5B5B"/>
-                </a:solidFill>
-              </a:rPr>
-              <a:t>Please download and install the Slido app on all computers you use</a:t>
-            </a:r>
-            <a:endParaRPr lang="fr-FR" sz="2000">
-              <a:solidFill>
-                <a:srgbClr val="5B5B5B"/>
-              </a:solidFill>
-            </a:endParaRPr>
-          </a:p>
-        </p:txBody>
-      </p:sp>
-      <p:pic>
-        <p:nvPicPr>
-          <p:cNvPr id="4" name="Graphique 3">
-            <a:extLst>
-              <a:ext uri="{FF2B5EF4-FFF2-40B4-BE49-F238E27FC236}">
-                <a16:creationId xmlns:a16="http://schemas.microsoft.com/office/drawing/2014/main" id="{D23A052D-E7DE-5832-A198-7E9E78839EEE}"/>
-              </a:ext>
-            </a:extLst>
-          </p:cNvPr>
-          <p:cNvPicPr>
-            <a:picLocks/>
-          </p:cNvPicPr>
-          <p:nvPr>
-            <p:custDataLst>
-              <p:tags r:id="rId3"/>
-            </p:custDataLst>
-          </p:nvPr>
-        </p:nvPicPr>
-        <p:blipFill>
-          <a:blip r:embed="rId9">
-            <a:extLst>
-              <a:ext uri="{96DAC541-7B7A-43D3-8B79-37D633B846F1}">
-                <asvg:svgBlip xmlns:asvg="http://schemas.microsoft.com/office/drawing/2016/SVG/main" r:embed="rId10"/>
-              </a:ext>
-            </a:extLst>
-          </a:blip>
-          <a:stretch>
-            <a:fillRect/>
-          </a:stretch>
-        </p:blipFill>
-        <p:spPr>
-          <a:xfrm>
-            <a:off x="10826048" y="577634"/>
-            <a:ext cx="597332" cy="597332"/>
-          </a:xfrm>
-          <a:prstGeom prst="rect">
-            <a:avLst/>
-          </a:prstGeom>
-        </p:spPr>
-      </p:pic>
-      <p:pic>
-        <p:nvPicPr>
-          <p:cNvPr id="6" name="Graphique 5">
-            <a:extLst>
-              <a:ext uri="{FF2B5EF4-FFF2-40B4-BE49-F238E27FC236}">
-                <a16:creationId xmlns:a16="http://schemas.microsoft.com/office/drawing/2014/main" id="{C2B5D0E0-2ACA-B30E-4BE3-DB5856F17170}"/>
-              </a:ext>
-            </a:extLst>
-          </p:cNvPr>
-          <p:cNvPicPr>
-            <a:picLocks/>
-          </p:cNvPicPr>
-          <p:nvPr>
-            <p:custDataLst>
-              <p:tags r:id="rId4"/>
-            </p:custDataLst>
-          </p:nvPr>
-        </p:nvPicPr>
-        <p:blipFill>
-          <a:blip r:embed="rId11">
-            <a:extLst>
-              <a:ext uri="{96DAC541-7B7A-43D3-8B79-37D633B846F1}">
-                <asvg:svgBlip xmlns:asvg="http://schemas.microsoft.com/office/drawing/2016/SVG/main" r:embed="rId12"/>
-              </a:ext>
-            </a:extLst>
-          </a:blip>
-          <a:stretch>
-            <a:fillRect/>
-          </a:stretch>
-        </p:blipFill>
-        <p:spPr>
-          <a:xfrm>
-            <a:off x="3901440" y="617220"/>
-            <a:ext cx="1036320" cy="518160"/>
-          </a:xfrm>
-          <a:prstGeom prst="rect">
-            <a:avLst/>
-          </a:prstGeom>
-        </p:spPr>
-      </p:pic>
-      <p:pic>
-        <p:nvPicPr>
-          <p:cNvPr id="8" name="Graphique 7">
-            <a:extLst>
-              <a:ext uri="{FF2B5EF4-FFF2-40B4-BE49-F238E27FC236}">
-                <a16:creationId xmlns:a16="http://schemas.microsoft.com/office/drawing/2014/main" id="{AB2ECAB0-C114-063D-D889-AA2BEE1A0EB3}"/>
-              </a:ext>
-            </a:extLst>
-          </p:cNvPr>
-          <p:cNvPicPr>
-            <a:picLocks/>
-          </p:cNvPicPr>
-          <p:nvPr>
-            <p:custDataLst>
-              <p:tags r:id="rId5"/>
-            </p:custDataLst>
-          </p:nvPr>
-        </p:nvPicPr>
-        <p:blipFill>
-          <a:blip r:embed="rId13">
-            <a:extLst>
-              <a:ext uri="{96DAC541-7B7A-43D3-8B79-37D633B846F1}">
-                <asvg:svgBlip xmlns:asvg="http://schemas.microsoft.com/office/drawing/2016/SVG/main" r:embed="rId14"/>
-              </a:ext>
-            </a:extLst>
-          </a:blip>
-          <a:stretch>
-            <a:fillRect/>
-          </a:stretch>
-        </p:blipFill>
-        <p:spPr>
-          <a:xfrm>
-            <a:off x="1158240" y="2270760"/>
-            <a:ext cx="2316480" cy="2316480"/>
-          </a:xfrm>
-          <a:prstGeom prst="rect">
-            <a:avLst/>
-          </a:prstGeom>
-        </p:spPr>
-      </p:pic>
-      <p:sp>
-        <p:nvSpPr>
-          <p:cNvPr id="9" name="Rectangle 8">
-            <a:extLst>
-              <a:ext uri="{FF2B5EF4-FFF2-40B4-BE49-F238E27FC236}">
-                <a16:creationId xmlns:a16="http://schemas.microsoft.com/office/drawing/2014/main" id="{3E820634-1A73-AF98-EFD3-713B505BA394}"/>
-              </a:ext>
-            </a:extLst>
-          </p:cNvPr>
-          <p:cNvSpPr/>
-          <p:nvPr>
-            <p:custDataLst>
-              <p:tags r:id="rId6"/>
-            </p:custDataLst>
-          </p:nvPr>
-        </p:nvSpPr>
-        <p:spPr>
-          <a:xfrm>
-            <a:off x="3901440" y="2571750"/>
-            <a:ext cx="7315199" cy="1714500"/>
-          </a:xfrm>
-          <a:prstGeom prst="rect">
-            <a:avLst/>
-          </a:prstGeom>
-          <a:noFill/>
-          <a:ln w="19050" cap="flat" cmpd="sng" algn="ctr">
-            <a:solidFill>
-              <a:srgbClr val="FFFFFF"/>
-            </a:solidFill>
-            <a:prstDash val="solid"/>
-            <a:miter lim="800000"/>
-          </a:ln>
-          <a:effectLst/>
-          <a:extLst>
-            <a:ext uri="{909E8E84-426E-40DD-AFC4-6F175D3DCCD1}">
-              <a14:hiddenFill xmlns:a14="http://schemas.microsoft.com/office/drawing/2010/main">
-                <a:solidFill>
-                  <a:schemeClr val="accent1"/>
-                </a:solidFill>
-              </a14:hiddenFill>
-            </a:ext>
-          </a:extLst>
-        </p:spPr>
-        <p:style>
-          <a:lnRef idx="2">
-            <a:schemeClr val="accent1">
-              <a:shade val="15000"/>
-            </a:schemeClr>
-          </a:lnRef>
-          <a:fillRef idx="1">
-            <a:schemeClr val="accent1"/>
-          </a:fillRef>
-          <a:effectRef idx="0">
-            <a:schemeClr val="accent1"/>
-          </a:effectRef>
-          <a:fontRef idx="minor">
-            <a:schemeClr val="lt1"/>
-          </a:fontRef>
-        </p:style>
-        <p:txBody>
-          <a:bodyPr rtlCol="0" anchor="ctr"/>
-          <a:lstStyle/>
-          <a:p>
-            <a:r>
-              <a:rPr lang="fr-FR" sz="2400" b="1" dirty="0">
-                <a:solidFill>
-                  <a:srgbClr val="5B5B5B"/>
-                </a:solidFill>
-              </a:rPr>
-              <a:t>Un microservice peut avoir accès directement à la base de données d'un autre microservice pour récupérer des informations.</a:t>
-            </a:r>
-          </a:p>
-        </p:txBody>
-      </p:sp>
-      <p:sp>
-        <p:nvSpPr>
-          <p:cNvPr id="10" name="Rectangle 9">
-            <a:extLst>
-              <a:ext uri="{FF2B5EF4-FFF2-40B4-BE49-F238E27FC236}">
-                <a16:creationId xmlns:a16="http://schemas.microsoft.com/office/drawing/2014/main" id="{66E289F1-59CF-0489-FBA3-58E521E50FD0}"/>
-              </a:ext>
-            </a:extLst>
-          </p:cNvPr>
-          <p:cNvSpPr/>
-          <p:nvPr>
-            <p:custDataLst>
-              <p:tags r:id="rId7"/>
-            </p:custDataLst>
-          </p:nvPr>
-        </p:nvSpPr>
-        <p:spPr>
-          <a:xfrm>
-            <a:off x="3901440" y="6032500"/>
-            <a:ext cx="7315199" cy="518160"/>
-          </a:xfrm>
-          <a:prstGeom prst="rect">
-            <a:avLst/>
-          </a:prstGeom>
-          <a:noFill/>
-          <a:ln w="19050" cap="flat" cmpd="sng" algn="ctr">
-            <a:noFill/>
-            <a:prstDash val="solid"/>
-            <a:miter lim="800000"/>
-          </a:ln>
-          <a:effectLst/>
-          <a:extLst>
-            <a:ext uri="{909E8E84-426E-40DD-AFC4-6F175D3DCCD1}">
-              <a14:hiddenFill xmlns:a14="http://schemas.microsoft.com/office/drawing/2010/main">
-                <a:solidFill>
-                  <a:schemeClr val="accent1"/>
-                </a:solidFill>
-              </a14:hiddenFill>
-            </a:ext>
-            <a:ext uri="{91240B29-F687-4F45-9708-019B960494DF}">
-              <a14:hiddenLine xmlns:a14="http://schemas.microsoft.com/office/drawing/2010/main" w="19050" cap="flat" cmpd="sng" algn="ctr">
-                <a:solidFill>
-                  <a:schemeClr val="accent1">
-                    <a:shade val="15000"/>
-                  </a:schemeClr>
-                </a:solidFill>
-                <a:prstDash val="solid"/>
-                <a:miter lim="800000"/>
-              </a14:hiddenLine>
-            </a:ext>
-          </a:extLst>
-        </p:spPr>
-        <p:style>
-          <a:lnRef idx="2">
-            <a:schemeClr val="accent1">
-              <a:shade val="15000"/>
-            </a:schemeClr>
-          </a:lnRef>
-          <a:fillRef idx="1">
-            <a:schemeClr val="accent1"/>
-          </a:fillRef>
-          <a:effectRef idx="0">
-            <a:schemeClr val="accent1"/>
-          </a:effectRef>
-          <a:fontRef idx="minor">
-            <a:schemeClr val="lt1"/>
-          </a:fontRef>
-        </p:style>
-        <p:txBody>
-          <a:bodyPr rtlCol="0" anchor="ctr">
-            <a:normAutofit/>
-          </a:bodyPr>
-          <a:lstStyle/>
-          <a:p>
-            <a:r>
-              <a:rPr lang="en-US" sz="2200" b="1">
-                <a:solidFill>
-                  <a:srgbClr val="5B5B5B"/>
-                </a:solidFill>
-              </a:rPr>
-              <a:t>ⓘ</a:t>
-            </a:r>
-            <a:r>
-              <a:rPr lang="en-US" sz="2000">
-                <a:solidFill>
-                  <a:srgbClr val="5B5B5B"/>
-                </a:solidFill>
-              </a:rPr>
-              <a:t> Start presenting to display the poll results on this slide.</a:t>
-            </a:r>
-            <a:endParaRPr lang="fr-FR" sz="2000">
-              <a:solidFill>
-                <a:srgbClr val="5B5B5B"/>
-              </a:solidFill>
-            </a:endParaRPr>
-          </a:p>
-        </p:txBody>
-      </p:sp>
-    </p:spTree>
-    <p:custDataLst>
-      <p:tags r:id="rId1"/>
-    </p:custDataLst>
-    <p:extLst>
-      <p:ext uri="{BB962C8B-B14F-4D97-AF65-F5344CB8AC3E}">
-        <p14:creationId xmlns:p14="http://schemas.microsoft.com/office/powerpoint/2010/main" val="1005620945"/>
-      </p:ext>
-    </p:extLst>
-  </p:cSld>
-  <p:clrMapOvr>
-    <a:masterClrMapping/>
-  </p:clrMapOvr>
-  <p:timing>
-    <p:tnLst>
-      <p:par>
-        <p:cTn id="1" dur="indefinite" restart="never" nodeType="tmRoot">
-          <p:childTnLst>
-            <p:seq concurrent="1" nextAc="seek">
-              <p:cTn id="2" dur="indefinite" nodeType="mainSeq">
-                <p:childTnLst>
-                  <p:par>
-                    <p:cTn id="3" fill="hold">
-                      <p:stCondLst>
-                        <p:cond delay="indefinite"/>
-                      </p:stCondLst>
-                      <p:childTnLst>
-                        <p:par>
-                          <p:cTn id="4" fill="hold">
-                            <p:stCondLst>
-                              <p:cond delay="0"/>
-                            </p:stCondLst>
-                            <p:childTnLst>
-                              <p:par>
-                                <p:cTn id="5" presetID="26" presetClass="emph" presetSubtype="0" fill="hold" grpId="0" nodeType="clickEffect">
-                                  <p:stCondLst>
-                                    <p:cond delay="0"/>
-                                  </p:stCondLst>
-                                  <p:childTnLst>
-                                    <p:animEffect transition="out" filter="fade">
-                                      <p:cBhvr>
-                                        <p:cTn id="6" dur="50" tmFilter="0, 0; .2, .5; .8, .5; 1, 0"/>
-                                        <p:tgtEl>
-                                          <p:spTgt spid="9"/>
-                                        </p:tgtEl>
-                                      </p:cBhvr>
-                                    </p:animEffect>
-                                    <p:animScale>
-                                      <p:cBhvr>
-                                        <p:cTn id="7" dur="25" autoRev="1" fill="hold"/>
-                                        <p:tgtEl>
-                                          <p:spTgt spid="9"/>
-                                        </p:tgtEl>
-                                      </p:cBhvr>
-                                      <p:by x="105000" y="105000"/>
-                                    </p:animScale>
-                                  </p:childTnLst>
-                                </p:cTn>
-                              </p:par>
-                            </p:childTnLst>
-                          </p:cTn>
-                        </p:par>
-                      </p:childTnLst>
-                    </p:cTn>
-                  </p:par>
-                  <p:par>
-                    <p:cTn id="8" fill="hold">
-                      <p:stCondLst>
-                        <p:cond delay="indefinite"/>
-                      </p:stCondLst>
-                      <p:childTnLst>
-                        <p:par>
-                          <p:cTn id="9" fill="hold">
-                            <p:stCondLst>
-                              <p:cond delay="0"/>
-                            </p:stCondLst>
-                            <p:childTnLst>
-                              <p:par>
-                                <p:cTn id="10" presetID="26" presetClass="emph" presetSubtype="0" fill="hold" grpId="1" nodeType="clickEffect">
-                                  <p:stCondLst>
-                                    <p:cond delay="0"/>
-                                  </p:stCondLst>
-                                  <p:childTnLst>
-                                    <p:animEffect transition="out" filter="fade">
-                                      <p:cBhvr>
-                                        <p:cTn id="11" dur="50" tmFilter="0, 0; .2, .5; .8, .5; 1, 0"/>
-                                        <p:tgtEl>
-                                          <p:spTgt spid="9"/>
-                                        </p:tgtEl>
-                                      </p:cBhvr>
-                                    </p:animEffect>
-                                    <p:animScale>
-                                      <p:cBhvr>
-                                        <p:cTn id="12" dur="25" autoRev="1" fill="hold"/>
-                                        <p:tgtEl>
-                                          <p:spTgt spid="9"/>
-                                        </p:tgtEl>
-                                      </p:cBhvr>
-                                      <p:by x="105000" y="105000"/>
-                                    </p:animScale>
-                                  </p:childTnLst>
-                                </p:cTn>
-                              </p:par>
-                            </p:childTnLst>
-                          </p:cTn>
-                        </p:par>
-                      </p:childTnLst>
-                    </p:cTn>
-                  </p:par>
-                </p:childTnLst>
-              </p:cTn>
-              <p:prevCondLst>
-                <p:cond evt="onPrev" delay="0">
-                  <p:tgtEl>
-                    <p:sldTgt/>
-                  </p:tgtEl>
-                </p:cond>
-              </p:prevCondLst>
-              <p:nextCondLst>
-                <p:cond evt="onNext" delay="0">
-                  <p:tgtEl>
-                    <p:sldTgt/>
-                  </p:tgtEl>
-                </p:cond>
-              </p:nextCondLst>
-            </p:seq>
-          </p:childTnLst>
-        </p:cTn>
-      </p:par>
-    </p:tnLst>
-    <p:bldLst>
-      <p:bldP spid="9" grpId="0" animBg="1"/>
-      <p:bldP spid="9" grpId="1" animBg="1"/>
-    </p:bldLst>
-  </p:timing>
-</p:sld>
-</file>
-
-<file path=ppt/slides/slide16.xml><?xml version="1.0" encoding="utf-8"?>
-<p:sld xmlns:a="http://schemas.openxmlformats.org/drawingml/2006/main" xmlns:r="http://schemas.openxmlformats.org/officeDocument/2006/relationships" xmlns:p="http://schemas.openxmlformats.org/presentationml/2006/main" showMasterSp="0">
-  <p:cSld>
-    <p:bg>
-      <p:bgPr>
-        <a:solidFill>
-          <a:srgbClr val="FFFFFF"/>
-        </a:solidFill>
-        <a:effectLst/>
-      </p:bgPr>
-    </p:bg>
-    <p:spTree>
-      <p:nvGrpSpPr>
-        <p:cNvPr id="1" name=""/>
-        <p:cNvGrpSpPr/>
-        <p:nvPr/>
-      </p:nvGrpSpPr>
-      <p:grpSpPr>
-        <a:xfrm>
-          <a:off x="0" y="0"/>
-          <a:ext cx="0" cy="0"/>
-          <a:chOff x="0" y="0"/>
-          <a:chExt cx="0" cy="0"/>
-        </a:xfrm>
-      </p:grpSpPr>
-      <p:sp>
-        <p:nvSpPr>
-          <p:cNvPr id="2" name="Rectangle : coins arrondis 1">
-            <a:extLst>
-              <a:ext uri="{FF2B5EF4-FFF2-40B4-BE49-F238E27FC236}">
-                <a16:creationId xmlns:a16="http://schemas.microsoft.com/office/drawing/2014/main" id="{56BAE6A5-6DE7-41DF-D6B2-00DB73728984}"/>
-              </a:ext>
-            </a:extLst>
-          </p:cNvPr>
-          <p:cNvSpPr/>
-          <p:nvPr>
-            <p:custDataLst>
-              <p:tags r:id="rId2"/>
-            </p:custDataLst>
-          </p:nvPr>
-        </p:nvSpPr>
-        <p:spPr>
-          <a:xfrm>
-            <a:off x="6286500" y="430530"/>
-            <a:ext cx="5524500" cy="891540"/>
-          </a:xfrm>
-          <a:prstGeom prst="roundRect">
-            <a:avLst/>
-          </a:prstGeom>
-          <a:solidFill>
-            <a:srgbClr val="F4F4F4"/>
-          </a:solidFill>
-          <a:ln w="19050" cap="flat" cmpd="sng" algn="ctr">
-            <a:noFill/>
-            <a:prstDash val="solid"/>
-            <a:miter lim="800000"/>
-          </a:ln>
-          <a:effectLst/>
-          <a:extLst>
-            <a:ext uri="{91240B29-F687-4F45-9708-019B960494DF}">
-              <a14:hiddenLine xmlns:a14="http://schemas.microsoft.com/office/drawing/2010/main" w="19050" cap="flat" cmpd="sng" algn="ctr">
-                <a:solidFill>
-                  <a:schemeClr val="accent1">
-                    <a:shade val="15000"/>
-                  </a:schemeClr>
-                </a:solidFill>
-                <a:prstDash val="solid"/>
-                <a:miter lim="800000"/>
-              </a14:hiddenLine>
-            </a:ext>
-          </a:extLst>
-        </p:spPr>
-        <p:style>
-          <a:lnRef idx="2">
-            <a:schemeClr val="accent1">
-              <a:shade val="15000"/>
-            </a:schemeClr>
-          </a:lnRef>
-          <a:fillRef idx="1">
-            <a:schemeClr val="accent1"/>
-          </a:fillRef>
-          <a:effectRef idx="0">
-            <a:schemeClr val="accent1"/>
-          </a:effectRef>
-          <a:fontRef idx="minor">
-            <a:schemeClr val="lt1"/>
-          </a:fontRef>
-        </p:style>
-        <p:txBody>
-          <a:bodyPr lIns="317500" rIns="1143000" rtlCol="0" anchor="ctr">
-            <a:normAutofit/>
-          </a:bodyPr>
-          <a:lstStyle/>
-          <a:p>
-            <a:r>
-              <a:rPr lang="en-US" sz="2000">
-                <a:solidFill>
-                  <a:srgbClr val="5B5B5B"/>
-                </a:solidFill>
-              </a:rPr>
-              <a:t>Please download and install the Slido app on all computers you use</a:t>
-            </a:r>
-            <a:endParaRPr lang="fr-FR" sz="2000">
-              <a:solidFill>
-                <a:srgbClr val="5B5B5B"/>
-              </a:solidFill>
-            </a:endParaRPr>
-          </a:p>
-        </p:txBody>
-      </p:sp>
-      <p:pic>
-        <p:nvPicPr>
-          <p:cNvPr id="4" name="Graphique 3">
-            <a:extLst>
-              <a:ext uri="{FF2B5EF4-FFF2-40B4-BE49-F238E27FC236}">
-                <a16:creationId xmlns:a16="http://schemas.microsoft.com/office/drawing/2014/main" id="{B129B686-5C2B-872C-763C-3BB4B904553F}"/>
-              </a:ext>
-            </a:extLst>
-          </p:cNvPr>
-          <p:cNvPicPr>
-            <a:picLocks/>
-          </p:cNvPicPr>
-          <p:nvPr>
-            <p:custDataLst>
-              <p:tags r:id="rId3"/>
-            </p:custDataLst>
-          </p:nvPr>
-        </p:nvPicPr>
-        <p:blipFill>
-          <a:blip r:embed="rId9">
-            <a:extLst>
-              <a:ext uri="{96DAC541-7B7A-43D3-8B79-37D633B846F1}">
-                <asvg:svgBlip xmlns:asvg="http://schemas.microsoft.com/office/drawing/2016/SVG/main" r:embed="rId10"/>
-              </a:ext>
-            </a:extLst>
-          </a:blip>
-          <a:stretch>
-            <a:fillRect/>
-          </a:stretch>
-        </p:blipFill>
-        <p:spPr>
-          <a:xfrm>
-            <a:off x="10826048" y="577634"/>
-            <a:ext cx="597332" cy="597332"/>
-          </a:xfrm>
-          <a:prstGeom prst="rect">
-            <a:avLst/>
-          </a:prstGeom>
-        </p:spPr>
-      </p:pic>
-      <p:pic>
-        <p:nvPicPr>
-          <p:cNvPr id="6" name="Graphique 5">
-            <a:extLst>
-              <a:ext uri="{FF2B5EF4-FFF2-40B4-BE49-F238E27FC236}">
-                <a16:creationId xmlns:a16="http://schemas.microsoft.com/office/drawing/2014/main" id="{C578E19F-E4A7-A639-531F-425267DC5842}"/>
-              </a:ext>
-            </a:extLst>
-          </p:cNvPr>
-          <p:cNvPicPr>
-            <a:picLocks/>
-          </p:cNvPicPr>
-          <p:nvPr>
-            <p:custDataLst>
-              <p:tags r:id="rId4"/>
-            </p:custDataLst>
-          </p:nvPr>
-        </p:nvPicPr>
-        <p:blipFill>
-          <a:blip r:embed="rId11">
-            <a:extLst>
-              <a:ext uri="{96DAC541-7B7A-43D3-8B79-37D633B846F1}">
-                <asvg:svgBlip xmlns:asvg="http://schemas.microsoft.com/office/drawing/2016/SVG/main" r:embed="rId12"/>
-              </a:ext>
-            </a:extLst>
-          </a:blip>
-          <a:stretch>
-            <a:fillRect/>
-          </a:stretch>
-        </p:blipFill>
-        <p:spPr>
-          <a:xfrm>
-            <a:off x="3901440" y="617220"/>
-            <a:ext cx="1036320" cy="518160"/>
-          </a:xfrm>
-          <a:prstGeom prst="rect">
-            <a:avLst/>
-          </a:prstGeom>
-        </p:spPr>
-      </p:pic>
-      <p:pic>
-        <p:nvPicPr>
-          <p:cNvPr id="8" name="Graphique 7">
-            <a:extLst>
-              <a:ext uri="{FF2B5EF4-FFF2-40B4-BE49-F238E27FC236}">
-                <a16:creationId xmlns:a16="http://schemas.microsoft.com/office/drawing/2014/main" id="{1C993D74-7752-15C9-568E-55372F2A149A}"/>
-              </a:ext>
-            </a:extLst>
-          </p:cNvPr>
-          <p:cNvPicPr>
-            <a:picLocks/>
-          </p:cNvPicPr>
-          <p:nvPr>
-            <p:custDataLst>
-              <p:tags r:id="rId5"/>
-            </p:custDataLst>
-          </p:nvPr>
-        </p:nvPicPr>
-        <p:blipFill>
-          <a:blip r:embed="rId13">
-            <a:extLst>
-              <a:ext uri="{96DAC541-7B7A-43D3-8B79-37D633B846F1}">
-                <asvg:svgBlip xmlns:asvg="http://schemas.microsoft.com/office/drawing/2016/SVG/main" r:embed="rId14"/>
-              </a:ext>
-            </a:extLst>
-          </a:blip>
-          <a:stretch>
-            <a:fillRect/>
-          </a:stretch>
-        </p:blipFill>
-        <p:spPr>
-          <a:xfrm>
-            <a:off x="1158240" y="2270760"/>
-            <a:ext cx="2316480" cy="2316480"/>
-          </a:xfrm>
-          <a:prstGeom prst="rect">
-            <a:avLst/>
-          </a:prstGeom>
-        </p:spPr>
-      </p:pic>
-      <p:sp>
-        <p:nvSpPr>
-          <p:cNvPr id="9" name="Rectangle 8">
-            <a:extLst>
-              <a:ext uri="{FF2B5EF4-FFF2-40B4-BE49-F238E27FC236}">
-                <a16:creationId xmlns:a16="http://schemas.microsoft.com/office/drawing/2014/main" id="{D9E1F5CB-FF5C-BB06-6C55-C6866AFEB21D}"/>
-              </a:ext>
-            </a:extLst>
-          </p:cNvPr>
-          <p:cNvSpPr/>
-          <p:nvPr>
-            <p:custDataLst>
-              <p:tags r:id="rId6"/>
-            </p:custDataLst>
-          </p:nvPr>
-        </p:nvSpPr>
-        <p:spPr>
-          <a:xfrm>
-            <a:off x="3901440" y="2571750"/>
-            <a:ext cx="7315199" cy="1714500"/>
-          </a:xfrm>
-          <a:prstGeom prst="rect">
-            <a:avLst/>
-          </a:prstGeom>
-          <a:noFill/>
-          <a:ln w="19050" cap="flat" cmpd="sng" algn="ctr">
-            <a:solidFill>
-              <a:srgbClr val="FFFFFF"/>
-            </a:solidFill>
-            <a:prstDash val="solid"/>
-            <a:miter lim="800000"/>
-          </a:ln>
-          <a:effectLst/>
-          <a:extLst>
-            <a:ext uri="{909E8E84-426E-40DD-AFC4-6F175D3DCCD1}">
-              <a14:hiddenFill xmlns:a14="http://schemas.microsoft.com/office/drawing/2010/main">
-                <a:solidFill>
-                  <a:schemeClr val="accent1"/>
-                </a:solidFill>
-              </a14:hiddenFill>
-            </a:ext>
-          </a:extLst>
-        </p:spPr>
-        <p:style>
-          <a:lnRef idx="2">
-            <a:schemeClr val="accent1">
-              <a:shade val="15000"/>
-            </a:schemeClr>
-          </a:lnRef>
-          <a:fillRef idx="1">
-            <a:schemeClr val="accent1"/>
-          </a:fillRef>
-          <a:effectRef idx="0">
-            <a:schemeClr val="accent1"/>
-          </a:effectRef>
-          <a:fontRef idx="minor">
-            <a:schemeClr val="lt1"/>
-          </a:fontRef>
-        </p:style>
-        <p:txBody>
-          <a:bodyPr rtlCol="0" anchor="ctr"/>
-          <a:lstStyle/>
-          <a:p>
-            <a:r>
-              <a:rPr lang="fr-FR" sz="4000" b="1">
-                <a:solidFill>
-                  <a:srgbClr val="5B5B5B"/>
-                </a:solidFill>
-              </a:rPr>
-              <a:t>Qu'est-ce qu'un service anémique ?</a:t>
-            </a:r>
-          </a:p>
-        </p:txBody>
-      </p:sp>
-      <p:sp>
-        <p:nvSpPr>
-          <p:cNvPr id="10" name="Rectangle 9">
-            <a:extLst>
-              <a:ext uri="{FF2B5EF4-FFF2-40B4-BE49-F238E27FC236}">
-                <a16:creationId xmlns:a16="http://schemas.microsoft.com/office/drawing/2014/main" id="{15C5C778-3C8C-6D5D-3794-2932646265E2}"/>
-              </a:ext>
-            </a:extLst>
-          </p:cNvPr>
-          <p:cNvSpPr/>
-          <p:nvPr>
-            <p:custDataLst>
-              <p:tags r:id="rId7"/>
-            </p:custDataLst>
-          </p:nvPr>
-        </p:nvSpPr>
-        <p:spPr>
-          <a:xfrm>
-            <a:off x="3901440" y="6032500"/>
-            <a:ext cx="7315199" cy="518160"/>
-          </a:xfrm>
-          <a:prstGeom prst="rect">
-            <a:avLst/>
-          </a:prstGeom>
-          <a:noFill/>
-          <a:ln w="19050" cap="flat" cmpd="sng" algn="ctr">
-            <a:noFill/>
-            <a:prstDash val="solid"/>
-            <a:miter lim="800000"/>
-          </a:ln>
-          <a:effectLst/>
-          <a:extLst>
-            <a:ext uri="{909E8E84-426E-40DD-AFC4-6F175D3DCCD1}">
-              <a14:hiddenFill xmlns:a14="http://schemas.microsoft.com/office/drawing/2010/main">
-                <a:solidFill>
-                  <a:schemeClr val="accent1"/>
-                </a:solidFill>
-              </a14:hiddenFill>
-            </a:ext>
-            <a:ext uri="{91240B29-F687-4F45-9708-019B960494DF}">
-              <a14:hiddenLine xmlns:a14="http://schemas.microsoft.com/office/drawing/2010/main" w="19050" cap="flat" cmpd="sng" algn="ctr">
-                <a:solidFill>
-                  <a:schemeClr val="accent1">
-                    <a:shade val="15000"/>
-                  </a:schemeClr>
-                </a:solidFill>
-                <a:prstDash val="solid"/>
-                <a:miter lim="800000"/>
-              </a14:hiddenLine>
-            </a:ext>
-          </a:extLst>
-        </p:spPr>
-        <p:style>
-          <a:lnRef idx="2">
-            <a:schemeClr val="accent1">
-              <a:shade val="15000"/>
-            </a:schemeClr>
-          </a:lnRef>
-          <a:fillRef idx="1">
-            <a:schemeClr val="accent1"/>
-          </a:fillRef>
-          <a:effectRef idx="0">
-            <a:schemeClr val="accent1"/>
-          </a:effectRef>
-          <a:fontRef idx="minor">
-            <a:schemeClr val="lt1"/>
-          </a:fontRef>
-        </p:style>
-        <p:txBody>
-          <a:bodyPr rtlCol="0" anchor="ctr">
-            <a:normAutofit/>
-          </a:bodyPr>
-          <a:lstStyle/>
-          <a:p>
-            <a:r>
-              <a:rPr lang="en-US" sz="2200" b="1">
-                <a:solidFill>
-                  <a:srgbClr val="5B5B5B"/>
-                </a:solidFill>
-              </a:rPr>
-              <a:t>ⓘ</a:t>
-            </a:r>
-            <a:r>
-              <a:rPr lang="en-US" sz="2000">
-                <a:solidFill>
-                  <a:srgbClr val="5B5B5B"/>
-                </a:solidFill>
-              </a:rPr>
-              <a:t> Start presenting to display the poll results on this slide.</a:t>
-            </a:r>
-            <a:endParaRPr lang="fr-FR" sz="2000">
-              <a:solidFill>
-                <a:srgbClr val="5B5B5B"/>
-              </a:solidFill>
-            </a:endParaRPr>
-          </a:p>
-        </p:txBody>
-      </p:sp>
-    </p:spTree>
-    <p:custDataLst>
-      <p:tags r:id="rId1"/>
-    </p:custDataLst>
-    <p:extLst>
-      <p:ext uri="{BB962C8B-B14F-4D97-AF65-F5344CB8AC3E}">
-        <p14:creationId xmlns:p14="http://schemas.microsoft.com/office/powerpoint/2010/main" val="763254123"/>
-      </p:ext>
-    </p:extLst>
-  </p:cSld>
-  <p:clrMapOvr>
-    <a:masterClrMapping/>
-  </p:clrMapOvr>
-  <p:timing>
-    <p:tnLst>
-      <p:par>
-        <p:cTn id="1" dur="indefinite" restart="never" nodeType="tmRoot">
-          <p:childTnLst>
-            <p:seq concurrent="1" nextAc="seek">
-              <p:cTn id="2" dur="indefinite" nodeType="mainSeq">
-                <p:childTnLst>
-                  <p:par>
-                    <p:cTn id="3" fill="hold">
-                      <p:stCondLst>
-                        <p:cond delay="indefinite"/>
-                      </p:stCondLst>
-                      <p:childTnLst>
-                        <p:par>
-                          <p:cTn id="4" fill="hold">
-                            <p:stCondLst>
-                              <p:cond delay="0"/>
-                            </p:stCondLst>
-                            <p:childTnLst>
-                              <p:par>
-                                <p:cTn id="5" presetID="26" presetClass="emph" presetSubtype="0" fill="hold" grpId="0" nodeType="clickEffect">
-                                  <p:stCondLst>
-                                    <p:cond delay="0"/>
-                                  </p:stCondLst>
-                                  <p:childTnLst>
-                                    <p:animEffect transition="out" filter="fade">
-                                      <p:cBhvr>
-                                        <p:cTn id="6" dur="50" tmFilter="0, 0; .2, .5; .8, .5; 1, 0"/>
-                                        <p:tgtEl>
-                                          <p:spTgt spid="9"/>
-                                        </p:tgtEl>
-                                      </p:cBhvr>
-                                    </p:animEffect>
-                                    <p:animScale>
-                                      <p:cBhvr>
-                                        <p:cTn id="7" dur="25" autoRev="1" fill="hold"/>
-                                        <p:tgtEl>
-                                          <p:spTgt spid="9"/>
-                                        </p:tgtEl>
-                                      </p:cBhvr>
-                                      <p:by x="105000" y="105000"/>
-                                    </p:animScale>
-                                  </p:childTnLst>
-                                </p:cTn>
-                              </p:par>
-                            </p:childTnLst>
-                          </p:cTn>
-                        </p:par>
-                      </p:childTnLst>
-                    </p:cTn>
-                  </p:par>
-                  <p:par>
-                    <p:cTn id="8" fill="hold">
-                      <p:stCondLst>
-                        <p:cond delay="indefinite"/>
-                      </p:stCondLst>
-                      <p:childTnLst>
-                        <p:par>
-                          <p:cTn id="9" fill="hold">
-                            <p:stCondLst>
-                              <p:cond delay="0"/>
-                            </p:stCondLst>
-                            <p:childTnLst>
-                              <p:par>
-                                <p:cTn id="10" presetID="26" presetClass="emph" presetSubtype="0" fill="hold" grpId="1" nodeType="clickEffect">
-                                  <p:stCondLst>
-                                    <p:cond delay="0"/>
-                                  </p:stCondLst>
-                                  <p:childTnLst>
-                                    <p:animEffect transition="out" filter="fade">
-                                      <p:cBhvr>
-                                        <p:cTn id="11" dur="50" tmFilter="0, 0; .2, .5; .8, .5; 1, 0"/>
-                                        <p:tgtEl>
-                                          <p:spTgt spid="9"/>
-                                        </p:tgtEl>
-                                      </p:cBhvr>
-                                    </p:animEffect>
-                                    <p:animScale>
-                                      <p:cBhvr>
-                                        <p:cTn id="12" dur="25" autoRev="1" fill="hold"/>
-                                        <p:tgtEl>
-                                          <p:spTgt spid="9"/>
-                                        </p:tgtEl>
-                                      </p:cBhvr>
-                                      <p:by x="105000" y="105000"/>
-                                    </p:animScale>
-                                  </p:childTnLst>
-                                </p:cTn>
-                              </p:par>
-                            </p:childTnLst>
-                          </p:cTn>
-                        </p:par>
-                      </p:childTnLst>
-                    </p:cTn>
-                  </p:par>
-                </p:childTnLst>
-              </p:cTn>
-              <p:prevCondLst>
-                <p:cond evt="onPrev" delay="0">
-                  <p:tgtEl>
-                    <p:sldTgt/>
-                  </p:tgtEl>
-                </p:cond>
-              </p:prevCondLst>
-              <p:nextCondLst>
-                <p:cond evt="onNext" delay="0">
-                  <p:tgtEl>
-                    <p:sldTgt/>
-                  </p:tgtEl>
-                </p:cond>
-              </p:nextCondLst>
-            </p:seq>
-          </p:childTnLst>
-        </p:cTn>
-      </p:par>
-    </p:tnLst>
-    <p:bldLst>
-      <p:bldP spid="9" grpId="0" animBg="1"/>
-      <p:bldP spid="9" grpId="1" animBg="1"/>
-    </p:bldLst>
-  </p:timing>
-</p:sld>
-</file>
-
-<file path=ppt/slides/slide17.xml><?xml version="1.0" encoding="utf-8"?>
-<p:sld xmlns:a="http://schemas.openxmlformats.org/drawingml/2006/main" xmlns:r="http://schemas.openxmlformats.org/officeDocument/2006/relationships" xmlns:p="http://schemas.openxmlformats.org/presentationml/2006/main" showMasterSp="0">
-  <p:cSld>
-    <p:bg>
-      <p:bgPr>
-        <a:solidFill>
-          <a:srgbClr val="FFFFFF"/>
-        </a:solidFill>
-        <a:effectLst/>
-      </p:bgPr>
-    </p:bg>
-    <p:spTree>
-      <p:nvGrpSpPr>
-        <p:cNvPr id="1" name=""/>
-        <p:cNvGrpSpPr/>
-        <p:nvPr/>
-      </p:nvGrpSpPr>
-      <p:grpSpPr>
-        <a:xfrm>
-          <a:off x="0" y="0"/>
-          <a:ext cx="0" cy="0"/>
-          <a:chOff x="0" y="0"/>
-          <a:chExt cx="0" cy="0"/>
-        </a:xfrm>
-      </p:grpSpPr>
-      <p:sp>
-        <p:nvSpPr>
-          <p:cNvPr id="2" name="Rectangle : coins arrondis 1">
-            <a:extLst>
-              <a:ext uri="{FF2B5EF4-FFF2-40B4-BE49-F238E27FC236}">
-                <a16:creationId xmlns:a16="http://schemas.microsoft.com/office/drawing/2014/main" id="{2DD5BAA4-CB91-5D72-70E9-807D106F099E}"/>
-              </a:ext>
-            </a:extLst>
-          </p:cNvPr>
-          <p:cNvSpPr/>
-          <p:nvPr>
-            <p:custDataLst>
-              <p:tags r:id="rId2"/>
-            </p:custDataLst>
-          </p:nvPr>
-        </p:nvSpPr>
-        <p:spPr>
-          <a:xfrm>
-            <a:off x="6286500" y="430530"/>
-            <a:ext cx="5524500" cy="891540"/>
-          </a:xfrm>
-          <a:prstGeom prst="roundRect">
-            <a:avLst/>
-          </a:prstGeom>
-          <a:solidFill>
-            <a:srgbClr val="F4F4F4"/>
-          </a:solidFill>
-          <a:ln w="19050" cap="flat" cmpd="sng" algn="ctr">
-            <a:noFill/>
-            <a:prstDash val="solid"/>
-            <a:miter lim="800000"/>
-          </a:ln>
-          <a:effectLst/>
-          <a:extLst>
-            <a:ext uri="{91240B29-F687-4F45-9708-019B960494DF}">
-              <a14:hiddenLine xmlns:a14="http://schemas.microsoft.com/office/drawing/2010/main" w="19050" cap="flat" cmpd="sng" algn="ctr">
-                <a:solidFill>
-                  <a:schemeClr val="accent1">
-                    <a:shade val="15000"/>
-                  </a:schemeClr>
-                </a:solidFill>
-                <a:prstDash val="solid"/>
-                <a:miter lim="800000"/>
-              </a14:hiddenLine>
-            </a:ext>
-          </a:extLst>
-        </p:spPr>
-        <p:style>
-          <a:lnRef idx="2">
-            <a:schemeClr val="accent1">
-              <a:shade val="15000"/>
-            </a:schemeClr>
-          </a:lnRef>
-          <a:fillRef idx="1">
-            <a:schemeClr val="accent1"/>
-          </a:fillRef>
-          <a:effectRef idx="0">
-            <a:schemeClr val="accent1"/>
-          </a:effectRef>
-          <a:fontRef idx="minor">
-            <a:schemeClr val="lt1"/>
-          </a:fontRef>
-        </p:style>
-        <p:txBody>
-          <a:bodyPr lIns="317500" rIns="1143000" rtlCol="0" anchor="ctr">
-            <a:normAutofit/>
-          </a:bodyPr>
-          <a:lstStyle/>
-          <a:p>
-            <a:r>
-              <a:rPr lang="en-US" sz="2000">
-                <a:solidFill>
-                  <a:srgbClr val="5B5B5B"/>
-                </a:solidFill>
-              </a:rPr>
-              <a:t>Please download and install the Slido app on all computers you use</a:t>
-            </a:r>
-            <a:endParaRPr lang="fr-FR" sz="2000">
-              <a:solidFill>
-                <a:srgbClr val="5B5B5B"/>
-              </a:solidFill>
-            </a:endParaRPr>
-          </a:p>
-        </p:txBody>
-      </p:sp>
-      <p:pic>
-        <p:nvPicPr>
-          <p:cNvPr id="4" name="Graphique 3">
-            <a:extLst>
-              <a:ext uri="{FF2B5EF4-FFF2-40B4-BE49-F238E27FC236}">
-                <a16:creationId xmlns:a16="http://schemas.microsoft.com/office/drawing/2014/main" id="{F7419354-3A61-8159-F1E9-B87B65C256EA}"/>
-              </a:ext>
-            </a:extLst>
-          </p:cNvPr>
-          <p:cNvPicPr>
-            <a:picLocks/>
-          </p:cNvPicPr>
-          <p:nvPr>
-            <p:custDataLst>
-              <p:tags r:id="rId3"/>
-            </p:custDataLst>
-          </p:nvPr>
-        </p:nvPicPr>
-        <p:blipFill>
-          <a:blip r:embed="rId9">
-            <a:extLst>
-              <a:ext uri="{96DAC541-7B7A-43D3-8B79-37D633B846F1}">
-                <asvg:svgBlip xmlns:asvg="http://schemas.microsoft.com/office/drawing/2016/SVG/main" r:embed="rId10"/>
-              </a:ext>
-            </a:extLst>
-          </a:blip>
-          <a:stretch>
-            <a:fillRect/>
-          </a:stretch>
-        </p:blipFill>
-        <p:spPr>
-          <a:xfrm>
-            <a:off x="10826048" y="577634"/>
-            <a:ext cx="597332" cy="597332"/>
-          </a:xfrm>
-          <a:prstGeom prst="rect">
-            <a:avLst/>
-          </a:prstGeom>
-        </p:spPr>
-      </p:pic>
-      <p:pic>
-        <p:nvPicPr>
-          <p:cNvPr id="6" name="Graphique 5">
-            <a:extLst>
-              <a:ext uri="{FF2B5EF4-FFF2-40B4-BE49-F238E27FC236}">
-                <a16:creationId xmlns:a16="http://schemas.microsoft.com/office/drawing/2014/main" id="{2955A52D-CFD7-3791-32CF-8EE2DDA5EB65}"/>
-              </a:ext>
-            </a:extLst>
-          </p:cNvPr>
-          <p:cNvPicPr>
-            <a:picLocks/>
-          </p:cNvPicPr>
-          <p:nvPr>
-            <p:custDataLst>
-              <p:tags r:id="rId4"/>
-            </p:custDataLst>
-          </p:nvPr>
-        </p:nvPicPr>
-        <p:blipFill>
-          <a:blip r:embed="rId11">
-            <a:extLst>
-              <a:ext uri="{96DAC541-7B7A-43D3-8B79-37D633B846F1}">
-                <asvg:svgBlip xmlns:asvg="http://schemas.microsoft.com/office/drawing/2016/SVG/main" r:embed="rId12"/>
-              </a:ext>
-            </a:extLst>
-          </a:blip>
-          <a:stretch>
-            <a:fillRect/>
-          </a:stretch>
-        </p:blipFill>
-        <p:spPr>
-          <a:xfrm>
-            <a:off x="3901440" y="617220"/>
-            <a:ext cx="1036320" cy="518160"/>
-          </a:xfrm>
-          <a:prstGeom prst="rect">
-            <a:avLst/>
-          </a:prstGeom>
-        </p:spPr>
-      </p:pic>
-      <p:pic>
-        <p:nvPicPr>
-          <p:cNvPr id="8" name="Graphique 7">
-            <a:extLst>
-              <a:ext uri="{FF2B5EF4-FFF2-40B4-BE49-F238E27FC236}">
-                <a16:creationId xmlns:a16="http://schemas.microsoft.com/office/drawing/2014/main" id="{0E764B5C-5F80-DB8C-2364-87F82A92E8AF}"/>
-              </a:ext>
-            </a:extLst>
-          </p:cNvPr>
-          <p:cNvPicPr>
-            <a:picLocks/>
-          </p:cNvPicPr>
-          <p:nvPr>
-            <p:custDataLst>
-              <p:tags r:id="rId5"/>
-            </p:custDataLst>
-          </p:nvPr>
-        </p:nvPicPr>
-        <p:blipFill>
-          <a:blip r:embed="rId13">
-            <a:extLst>
-              <a:ext uri="{96DAC541-7B7A-43D3-8B79-37D633B846F1}">
-                <asvg:svgBlip xmlns:asvg="http://schemas.microsoft.com/office/drawing/2016/SVG/main" r:embed="rId14"/>
-              </a:ext>
-            </a:extLst>
-          </a:blip>
-          <a:stretch>
-            <a:fillRect/>
-          </a:stretch>
-        </p:blipFill>
-        <p:spPr>
-          <a:xfrm>
-            <a:off x="1158240" y="2270760"/>
-            <a:ext cx="2316480" cy="2316480"/>
-          </a:xfrm>
-          <a:prstGeom prst="rect">
-            <a:avLst/>
-          </a:prstGeom>
-        </p:spPr>
-      </p:pic>
-      <p:sp>
-        <p:nvSpPr>
-          <p:cNvPr id="9" name="Rectangle 8">
-            <a:extLst>
-              <a:ext uri="{FF2B5EF4-FFF2-40B4-BE49-F238E27FC236}">
-                <a16:creationId xmlns:a16="http://schemas.microsoft.com/office/drawing/2014/main" id="{CF2DC4DE-B9A2-ABD2-7229-7CAAED53E95A}"/>
-              </a:ext>
-            </a:extLst>
-          </p:cNvPr>
-          <p:cNvSpPr/>
-          <p:nvPr>
-            <p:custDataLst>
-              <p:tags r:id="rId6"/>
-            </p:custDataLst>
-          </p:nvPr>
-        </p:nvSpPr>
-        <p:spPr>
-          <a:xfrm>
-            <a:off x="3901440" y="2571750"/>
-            <a:ext cx="7315199" cy="1714500"/>
-          </a:xfrm>
-          <a:prstGeom prst="rect">
-            <a:avLst/>
-          </a:prstGeom>
-          <a:noFill/>
-          <a:ln w="19050" cap="flat" cmpd="sng" algn="ctr">
-            <a:solidFill>
-              <a:srgbClr val="FFFFFF"/>
-            </a:solidFill>
-            <a:prstDash val="solid"/>
-            <a:miter lim="800000"/>
-          </a:ln>
-          <a:effectLst/>
-          <a:extLst>
-            <a:ext uri="{909E8E84-426E-40DD-AFC4-6F175D3DCCD1}">
-              <a14:hiddenFill xmlns:a14="http://schemas.microsoft.com/office/drawing/2010/main">
-                <a:solidFill>
-                  <a:schemeClr val="accent1"/>
-                </a:solidFill>
-              </a14:hiddenFill>
-            </a:ext>
-          </a:extLst>
-        </p:spPr>
-        <p:style>
-          <a:lnRef idx="2">
-            <a:schemeClr val="accent1">
-              <a:shade val="15000"/>
-            </a:schemeClr>
-          </a:lnRef>
-          <a:fillRef idx="1">
-            <a:schemeClr val="accent1"/>
-          </a:fillRef>
-          <a:effectRef idx="0">
-            <a:schemeClr val="accent1"/>
-          </a:effectRef>
-          <a:fontRef idx="minor">
-            <a:schemeClr val="lt1"/>
-          </a:fontRef>
-        </p:style>
-        <p:txBody>
-          <a:bodyPr rtlCol="0" anchor="ctr"/>
-          <a:lstStyle/>
-          <a:p>
-            <a:r>
-              <a:rPr lang="fr-FR" sz="3800" b="1" dirty="0">
-                <a:solidFill>
-                  <a:srgbClr val="5B5B5B"/>
-                </a:solidFill>
-              </a:rPr>
-              <a:t>Pourquoi est-il important de versionner les API dans une architecture microservices ?</a:t>
-            </a:r>
-          </a:p>
-        </p:txBody>
-      </p:sp>
-      <p:sp>
-        <p:nvSpPr>
-          <p:cNvPr id="10" name="Rectangle 9">
-            <a:extLst>
-              <a:ext uri="{FF2B5EF4-FFF2-40B4-BE49-F238E27FC236}">
-                <a16:creationId xmlns:a16="http://schemas.microsoft.com/office/drawing/2014/main" id="{25577C88-7EB9-FDBE-651C-1845015969F9}"/>
-              </a:ext>
-            </a:extLst>
-          </p:cNvPr>
-          <p:cNvSpPr/>
-          <p:nvPr>
-            <p:custDataLst>
-              <p:tags r:id="rId7"/>
-            </p:custDataLst>
-          </p:nvPr>
-        </p:nvSpPr>
-        <p:spPr>
-          <a:xfrm>
-            <a:off x="3901440" y="6032500"/>
-            <a:ext cx="7315199" cy="518160"/>
-          </a:xfrm>
-          <a:prstGeom prst="rect">
-            <a:avLst/>
-          </a:prstGeom>
-          <a:noFill/>
-          <a:ln w="19050" cap="flat" cmpd="sng" algn="ctr">
-            <a:noFill/>
-            <a:prstDash val="solid"/>
-            <a:miter lim="800000"/>
-          </a:ln>
-          <a:effectLst/>
-          <a:extLst>
-            <a:ext uri="{909E8E84-426E-40DD-AFC4-6F175D3DCCD1}">
-              <a14:hiddenFill xmlns:a14="http://schemas.microsoft.com/office/drawing/2010/main">
-                <a:solidFill>
-                  <a:schemeClr val="accent1"/>
-                </a:solidFill>
-              </a14:hiddenFill>
-            </a:ext>
-            <a:ext uri="{91240B29-F687-4F45-9708-019B960494DF}">
-              <a14:hiddenLine xmlns:a14="http://schemas.microsoft.com/office/drawing/2010/main" w="19050" cap="flat" cmpd="sng" algn="ctr">
-                <a:solidFill>
-                  <a:schemeClr val="accent1">
-                    <a:shade val="15000"/>
-                  </a:schemeClr>
-                </a:solidFill>
-                <a:prstDash val="solid"/>
-                <a:miter lim="800000"/>
-              </a14:hiddenLine>
-            </a:ext>
-          </a:extLst>
-        </p:spPr>
-        <p:style>
-          <a:lnRef idx="2">
-            <a:schemeClr val="accent1">
-              <a:shade val="15000"/>
-            </a:schemeClr>
-          </a:lnRef>
-          <a:fillRef idx="1">
-            <a:schemeClr val="accent1"/>
-          </a:fillRef>
-          <a:effectRef idx="0">
-            <a:schemeClr val="accent1"/>
-          </a:effectRef>
-          <a:fontRef idx="minor">
-            <a:schemeClr val="lt1"/>
-          </a:fontRef>
-        </p:style>
-        <p:txBody>
-          <a:bodyPr rtlCol="0" anchor="ctr">
-            <a:normAutofit/>
-          </a:bodyPr>
-          <a:lstStyle/>
-          <a:p>
-            <a:r>
-              <a:rPr lang="en-US" sz="2200" b="1">
-                <a:solidFill>
-                  <a:srgbClr val="5B5B5B"/>
-                </a:solidFill>
-              </a:rPr>
-              <a:t>ⓘ</a:t>
-            </a:r>
-            <a:r>
-              <a:rPr lang="en-US" sz="2000">
-                <a:solidFill>
-                  <a:srgbClr val="5B5B5B"/>
-                </a:solidFill>
-              </a:rPr>
-              <a:t> Start presenting to display the poll results on this slide.</a:t>
-            </a:r>
-            <a:endParaRPr lang="fr-FR" sz="2000">
-              <a:solidFill>
-                <a:srgbClr val="5B5B5B"/>
-              </a:solidFill>
-            </a:endParaRPr>
-          </a:p>
-        </p:txBody>
-      </p:sp>
-    </p:spTree>
-    <p:custDataLst>
-      <p:tags r:id="rId1"/>
-    </p:custDataLst>
-    <p:extLst>
-      <p:ext uri="{BB962C8B-B14F-4D97-AF65-F5344CB8AC3E}">
-        <p14:creationId xmlns:p14="http://schemas.microsoft.com/office/powerpoint/2010/main" val="2771338718"/>
-      </p:ext>
-    </p:extLst>
-  </p:cSld>
-  <p:clrMapOvr>
-    <a:masterClrMapping/>
-  </p:clrMapOvr>
-  <p:timing>
-    <p:tnLst>
-      <p:par>
-        <p:cTn id="1" dur="indefinite" restart="never" nodeType="tmRoot">
-          <p:childTnLst>
-            <p:seq concurrent="1" nextAc="seek">
-              <p:cTn id="2" dur="indefinite" nodeType="mainSeq">
-                <p:childTnLst>
-                  <p:par>
-                    <p:cTn id="3" fill="hold">
-                      <p:stCondLst>
-                        <p:cond delay="indefinite"/>
-                      </p:stCondLst>
-                      <p:childTnLst>
-                        <p:par>
-                          <p:cTn id="4" fill="hold">
-                            <p:stCondLst>
-                              <p:cond delay="0"/>
-                            </p:stCondLst>
-                            <p:childTnLst>
-                              <p:par>
-                                <p:cTn id="5" presetID="26" presetClass="emph" presetSubtype="0" fill="hold" grpId="0" nodeType="clickEffect">
-                                  <p:stCondLst>
-                                    <p:cond delay="0"/>
-                                  </p:stCondLst>
-                                  <p:childTnLst>
-                                    <p:animEffect transition="out" filter="fade">
-                                      <p:cBhvr>
-                                        <p:cTn id="6" dur="50" tmFilter="0, 0; .2, .5; .8, .5; 1, 0"/>
-                                        <p:tgtEl>
-                                          <p:spTgt spid="9"/>
-                                        </p:tgtEl>
-                                      </p:cBhvr>
-                                    </p:animEffect>
-                                    <p:animScale>
-                                      <p:cBhvr>
-                                        <p:cTn id="7" dur="25" autoRev="1" fill="hold"/>
-                                        <p:tgtEl>
-                                          <p:spTgt spid="9"/>
-                                        </p:tgtEl>
-                                      </p:cBhvr>
-                                      <p:by x="105000" y="105000"/>
-                                    </p:animScale>
-                                  </p:childTnLst>
-                                </p:cTn>
-                              </p:par>
-                            </p:childTnLst>
-                          </p:cTn>
-                        </p:par>
-                      </p:childTnLst>
-                    </p:cTn>
-                  </p:par>
-                  <p:par>
-                    <p:cTn id="8" fill="hold">
-                      <p:stCondLst>
-                        <p:cond delay="indefinite"/>
-                      </p:stCondLst>
-                      <p:childTnLst>
-                        <p:par>
-                          <p:cTn id="9" fill="hold">
-                            <p:stCondLst>
-                              <p:cond delay="0"/>
-                            </p:stCondLst>
-                            <p:childTnLst>
-                              <p:par>
-                                <p:cTn id="10" presetID="26" presetClass="emph" presetSubtype="0" fill="hold" grpId="1" nodeType="clickEffect">
-                                  <p:stCondLst>
-                                    <p:cond delay="0"/>
-                                  </p:stCondLst>
-                                  <p:childTnLst>
-                                    <p:animEffect transition="out" filter="fade">
-                                      <p:cBhvr>
-                                        <p:cTn id="11" dur="50" tmFilter="0, 0; .2, .5; .8, .5; 1, 0"/>
-                                        <p:tgtEl>
-                                          <p:spTgt spid="9"/>
-                                        </p:tgtEl>
-                                      </p:cBhvr>
-                                    </p:animEffect>
-                                    <p:animScale>
-                                      <p:cBhvr>
-                                        <p:cTn id="12" dur="25" autoRev="1" fill="hold"/>
-                                        <p:tgtEl>
-                                          <p:spTgt spid="9"/>
-                                        </p:tgtEl>
-                                      </p:cBhvr>
-                                      <p:by x="105000" y="105000"/>
-                                    </p:animScale>
-                                  </p:childTnLst>
-                                </p:cTn>
-                              </p:par>
-                            </p:childTnLst>
-                          </p:cTn>
-                        </p:par>
-                      </p:childTnLst>
-                    </p:cTn>
-                  </p:par>
-                </p:childTnLst>
-              </p:cTn>
-              <p:prevCondLst>
-                <p:cond evt="onPrev" delay="0">
-                  <p:tgtEl>
-                    <p:sldTgt/>
-                  </p:tgtEl>
-                </p:cond>
-              </p:prevCondLst>
-              <p:nextCondLst>
-                <p:cond evt="onNext" delay="0">
-                  <p:tgtEl>
-                    <p:sldTgt/>
-                  </p:tgtEl>
-                </p:cond>
-              </p:nextCondLst>
-            </p:seq>
-          </p:childTnLst>
-        </p:cTn>
-      </p:par>
-    </p:tnLst>
-    <p:bldLst>
-      <p:bldP spid="9" grpId="0" animBg="1"/>
-      <p:bldP spid="9" grpId="1" animBg="1"/>
-    </p:bldLst>
-  </p:timing>
-</p:sld>
-</file>
-
-<file path=ppt/slides/slide18.xml><?xml version="1.0" encoding="utf-8"?>
-<p:sld xmlns:a="http://schemas.openxmlformats.org/drawingml/2006/main" xmlns:r="http://schemas.openxmlformats.org/officeDocument/2006/relationships" xmlns:p="http://schemas.openxmlformats.org/presentationml/2006/main" showMasterSp="0">
-  <p:cSld>
-    <p:bg>
-      <p:bgPr>
-        <a:solidFill>
-          <a:srgbClr val="FFFFFF"/>
-        </a:solidFill>
-        <a:effectLst/>
-      </p:bgPr>
-    </p:bg>
-    <p:spTree>
-      <p:nvGrpSpPr>
-        <p:cNvPr id="1" name=""/>
-        <p:cNvGrpSpPr/>
-        <p:nvPr/>
-      </p:nvGrpSpPr>
-      <p:grpSpPr>
-        <a:xfrm>
-          <a:off x="0" y="0"/>
-          <a:ext cx="0" cy="0"/>
-          <a:chOff x="0" y="0"/>
-          <a:chExt cx="0" cy="0"/>
-        </a:xfrm>
-      </p:grpSpPr>
-      <p:sp>
-        <p:nvSpPr>
-          <p:cNvPr id="2" name="Rectangle : coins arrondis 1">
-            <a:extLst>
-              <a:ext uri="{FF2B5EF4-FFF2-40B4-BE49-F238E27FC236}">
-                <a16:creationId xmlns:a16="http://schemas.microsoft.com/office/drawing/2014/main" id="{F6469695-51AB-FEA6-B405-428C36B8D86B}"/>
-              </a:ext>
-            </a:extLst>
-          </p:cNvPr>
-          <p:cNvSpPr/>
-          <p:nvPr>
-            <p:custDataLst>
-              <p:tags r:id="rId2"/>
-            </p:custDataLst>
-          </p:nvPr>
-        </p:nvSpPr>
-        <p:spPr>
-          <a:xfrm>
-            <a:off x="6286500" y="430530"/>
-            <a:ext cx="5524500" cy="891540"/>
-          </a:xfrm>
-          <a:prstGeom prst="roundRect">
-            <a:avLst/>
-          </a:prstGeom>
-          <a:solidFill>
-            <a:srgbClr val="F4F4F4"/>
-          </a:solidFill>
-          <a:ln w="19050" cap="flat" cmpd="sng" algn="ctr">
-            <a:noFill/>
-            <a:prstDash val="solid"/>
-            <a:miter lim="800000"/>
-          </a:ln>
-          <a:effectLst/>
-          <a:extLst>
-            <a:ext uri="{91240B29-F687-4F45-9708-019B960494DF}">
-              <a14:hiddenLine xmlns:a14="http://schemas.microsoft.com/office/drawing/2010/main" w="19050" cap="flat" cmpd="sng" algn="ctr">
-                <a:solidFill>
-                  <a:schemeClr val="accent1">
-                    <a:shade val="15000"/>
-                  </a:schemeClr>
-                </a:solidFill>
-                <a:prstDash val="solid"/>
-                <a:miter lim="800000"/>
-              </a14:hiddenLine>
-            </a:ext>
-          </a:extLst>
-        </p:spPr>
-        <p:style>
-          <a:lnRef idx="2">
-            <a:schemeClr val="accent1">
-              <a:shade val="15000"/>
-            </a:schemeClr>
-          </a:lnRef>
-          <a:fillRef idx="1">
-            <a:schemeClr val="accent1"/>
-          </a:fillRef>
-          <a:effectRef idx="0">
-            <a:schemeClr val="accent1"/>
-          </a:effectRef>
-          <a:fontRef idx="minor">
-            <a:schemeClr val="lt1"/>
-          </a:fontRef>
-        </p:style>
-        <p:txBody>
-          <a:bodyPr lIns="317500" rIns="1143000" rtlCol="0" anchor="ctr">
-            <a:normAutofit/>
-          </a:bodyPr>
-          <a:lstStyle/>
-          <a:p>
-            <a:r>
-              <a:rPr lang="en-US" sz="2000">
-                <a:solidFill>
-                  <a:srgbClr val="5B5B5B"/>
-                </a:solidFill>
-              </a:rPr>
-              <a:t>Please download and install the Slido app on all computers you use</a:t>
-            </a:r>
-            <a:endParaRPr lang="fr-FR" sz="2000">
-              <a:solidFill>
-                <a:srgbClr val="5B5B5B"/>
-              </a:solidFill>
-            </a:endParaRPr>
-          </a:p>
-        </p:txBody>
-      </p:sp>
-      <p:pic>
-        <p:nvPicPr>
-          <p:cNvPr id="4" name="Graphique 3">
-            <a:extLst>
-              <a:ext uri="{FF2B5EF4-FFF2-40B4-BE49-F238E27FC236}">
-                <a16:creationId xmlns:a16="http://schemas.microsoft.com/office/drawing/2014/main" id="{C12D82C9-0CE6-5314-4376-6C247591EB4C}"/>
-              </a:ext>
-            </a:extLst>
-          </p:cNvPr>
-          <p:cNvPicPr>
-            <a:picLocks/>
-          </p:cNvPicPr>
-          <p:nvPr>
-            <p:custDataLst>
-              <p:tags r:id="rId3"/>
-            </p:custDataLst>
-          </p:nvPr>
-        </p:nvPicPr>
-        <p:blipFill>
-          <a:blip r:embed="rId9">
-            <a:extLst>
-              <a:ext uri="{96DAC541-7B7A-43D3-8B79-37D633B846F1}">
-                <asvg:svgBlip xmlns:asvg="http://schemas.microsoft.com/office/drawing/2016/SVG/main" r:embed="rId10"/>
-              </a:ext>
-            </a:extLst>
-          </a:blip>
-          <a:stretch>
-            <a:fillRect/>
-          </a:stretch>
-        </p:blipFill>
-        <p:spPr>
-          <a:xfrm>
-            <a:off x="10826048" y="577634"/>
-            <a:ext cx="597332" cy="597332"/>
-          </a:xfrm>
-          <a:prstGeom prst="rect">
-            <a:avLst/>
-          </a:prstGeom>
-        </p:spPr>
-      </p:pic>
-      <p:pic>
-        <p:nvPicPr>
-          <p:cNvPr id="6" name="Graphique 5">
-            <a:extLst>
-              <a:ext uri="{FF2B5EF4-FFF2-40B4-BE49-F238E27FC236}">
-                <a16:creationId xmlns:a16="http://schemas.microsoft.com/office/drawing/2014/main" id="{B7305740-1131-82A2-4168-BEF09A1EB7E4}"/>
-              </a:ext>
-            </a:extLst>
-          </p:cNvPr>
-          <p:cNvPicPr>
-            <a:picLocks/>
-          </p:cNvPicPr>
-          <p:nvPr>
-            <p:custDataLst>
-              <p:tags r:id="rId4"/>
-            </p:custDataLst>
-          </p:nvPr>
-        </p:nvPicPr>
-        <p:blipFill>
-          <a:blip r:embed="rId11">
-            <a:extLst>
-              <a:ext uri="{96DAC541-7B7A-43D3-8B79-37D633B846F1}">
-                <asvg:svgBlip xmlns:asvg="http://schemas.microsoft.com/office/drawing/2016/SVG/main" r:embed="rId12"/>
-              </a:ext>
-            </a:extLst>
-          </a:blip>
-          <a:stretch>
-            <a:fillRect/>
-          </a:stretch>
-        </p:blipFill>
-        <p:spPr>
-          <a:xfrm>
-            <a:off x="3901440" y="617220"/>
-            <a:ext cx="1036320" cy="518160"/>
-          </a:xfrm>
-          <a:prstGeom prst="rect">
-            <a:avLst/>
-          </a:prstGeom>
-        </p:spPr>
-      </p:pic>
-      <p:pic>
-        <p:nvPicPr>
-          <p:cNvPr id="8" name="Graphique 7">
-            <a:extLst>
-              <a:ext uri="{FF2B5EF4-FFF2-40B4-BE49-F238E27FC236}">
-                <a16:creationId xmlns:a16="http://schemas.microsoft.com/office/drawing/2014/main" id="{F19C87FA-9E62-DE1F-7DE1-C83AB43A24C1}"/>
-              </a:ext>
-            </a:extLst>
-          </p:cNvPr>
-          <p:cNvPicPr>
-            <a:picLocks/>
-          </p:cNvPicPr>
-          <p:nvPr>
-            <p:custDataLst>
-              <p:tags r:id="rId5"/>
-            </p:custDataLst>
-          </p:nvPr>
-        </p:nvPicPr>
-        <p:blipFill>
-          <a:blip r:embed="rId13">
-            <a:extLst>
-              <a:ext uri="{96DAC541-7B7A-43D3-8B79-37D633B846F1}">
-                <asvg:svgBlip xmlns:asvg="http://schemas.microsoft.com/office/drawing/2016/SVG/main" r:embed="rId14"/>
-              </a:ext>
-            </a:extLst>
-          </a:blip>
-          <a:stretch>
-            <a:fillRect/>
-          </a:stretch>
-        </p:blipFill>
-        <p:spPr>
-          <a:xfrm>
-            <a:off x="1158240" y="2270760"/>
-            <a:ext cx="2316480" cy="2316480"/>
-          </a:xfrm>
-          <a:prstGeom prst="rect">
-            <a:avLst/>
-          </a:prstGeom>
-        </p:spPr>
-      </p:pic>
-      <p:sp>
-        <p:nvSpPr>
-          <p:cNvPr id="9" name="Rectangle 8">
-            <a:extLst>
-              <a:ext uri="{FF2B5EF4-FFF2-40B4-BE49-F238E27FC236}">
-                <a16:creationId xmlns:a16="http://schemas.microsoft.com/office/drawing/2014/main" id="{3F49276E-DA6C-7EFB-D55B-16DD05B390F6}"/>
-              </a:ext>
-            </a:extLst>
-          </p:cNvPr>
-          <p:cNvSpPr/>
-          <p:nvPr>
-            <p:custDataLst>
-              <p:tags r:id="rId6"/>
-            </p:custDataLst>
-          </p:nvPr>
-        </p:nvSpPr>
-        <p:spPr>
-          <a:xfrm>
-            <a:off x="3901440" y="2571750"/>
-            <a:ext cx="7315199" cy="1714500"/>
-          </a:xfrm>
-          <a:prstGeom prst="rect">
-            <a:avLst/>
-          </a:prstGeom>
-          <a:noFill/>
-          <a:ln w="19050" cap="flat" cmpd="sng" algn="ctr">
-            <a:solidFill>
-              <a:srgbClr val="FFFFFF"/>
-            </a:solidFill>
-            <a:prstDash val="solid"/>
-            <a:miter lim="800000"/>
-          </a:ln>
-          <a:effectLst/>
-          <a:extLst>
-            <a:ext uri="{909E8E84-426E-40DD-AFC4-6F175D3DCCD1}">
-              <a14:hiddenFill xmlns:a14="http://schemas.microsoft.com/office/drawing/2010/main">
-                <a:solidFill>
-                  <a:schemeClr val="accent1"/>
-                </a:solidFill>
-              </a14:hiddenFill>
-            </a:ext>
-          </a:extLst>
-        </p:spPr>
-        <p:style>
-          <a:lnRef idx="2">
-            <a:schemeClr val="accent1">
-              <a:shade val="15000"/>
-            </a:schemeClr>
-          </a:lnRef>
-          <a:fillRef idx="1">
-            <a:schemeClr val="accent1"/>
-          </a:fillRef>
-          <a:effectRef idx="0">
-            <a:schemeClr val="accent1"/>
-          </a:effectRef>
-          <a:fontRef idx="minor">
-            <a:schemeClr val="lt1"/>
-          </a:fontRef>
-        </p:style>
-        <p:txBody>
-          <a:bodyPr rtlCol="0" anchor="ctr"/>
-          <a:lstStyle/>
-          <a:p>
-            <a:r>
-              <a:rPr lang="fr-FR" sz="2400" b="1">
-                <a:solidFill>
-                  <a:srgbClr val="5B5B5B"/>
-                </a:solidFill>
-              </a:rPr>
-              <a:t>Le langage omniprésent (Ubiquitous Language) rend ambigüe la communication entre les développeurs et les équipes métiers.</a:t>
-            </a:r>
-          </a:p>
-        </p:txBody>
-      </p:sp>
-      <p:sp>
-        <p:nvSpPr>
-          <p:cNvPr id="10" name="Rectangle 9">
-            <a:extLst>
-              <a:ext uri="{FF2B5EF4-FFF2-40B4-BE49-F238E27FC236}">
-                <a16:creationId xmlns:a16="http://schemas.microsoft.com/office/drawing/2014/main" id="{6304014E-105C-EFA9-9FDA-8A7978B2A50B}"/>
-              </a:ext>
-            </a:extLst>
-          </p:cNvPr>
-          <p:cNvSpPr/>
-          <p:nvPr>
-            <p:custDataLst>
-              <p:tags r:id="rId7"/>
-            </p:custDataLst>
-          </p:nvPr>
-        </p:nvSpPr>
-        <p:spPr>
-          <a:xfrm>
-            <a:off x="3901440" y="6032500"/>
-            <a:ext cx="7315199" cy="518160"/>
-          </a:xfrm>
-          <a:prstGeom prst="rect">
-            <a:avLst/>
-          </a:prstGeom>
-          <a:noFill/>
-          <a:ln w="19050" cap="flat" cmpd="sng" algn="ctr">
-            <a:noFill/>
-            <a:prstDash val="solid"/>
-            <a:miter lim="800000"/>
-          </a:ln>
-          <a:effectLst/>
-          <a:extLst>
-            <a:ext uri="{909E8E84-426E-40DD-AFC4-6F175D3DCCD1}">
-              <a14:hiddenFill xmlns:a14="http://schemas.microsoft.com/office/drawing/2010/main">
-                <a:solidFill>
-                  <a:schemeClr val="accent1"/>
-                </a:solidFill>
-              </a14:hiddenFill>
-            </a:ext>
-            <a:ext uri="{91240B29-F687-4F45-9708-019B960494DF}">
-              <a14:hiddenLine xmlns:a14="http://schemas.microsoft.com/office/drawing/2010/main" w="19050" cap="flat" cmpd="sng" algn="ctr">
-                <a:solidFill>
-                  <a:schemeClr val="accent1">
-                    <a:shade val="15000"/>
-                  </a:schemeClr>
-                </a:solidFill>
-                <a:prstDash val="solid"/>
-                <a:miter lim="800000"/>
-              </a14:hiddenLine>
-            </a:ext>
-          </a:extLst>
-        </p:spPr>
-        <p:style>
-          <a:lnRef idx="2">
-            <a:schemeClr val="accent1">
-              <a:shade val="15000"/>
-            </a:schemeClr>
-          </a:lnRef>
-          <a:fillRef idx="1">
-            <a:schemeClr val="accent1"/>
-          </a:fillRef>
-          <a:effectRef idx="0">
-            <a:schemeClr val="accent1"/>
-          </a:effectRef>
-          <a:fontRef idx="minor">
-            <a:schemeClr val="lt1"/>
-          </a:fontRef>
-        </p:style>
-        <p:txBody>
-          <a:bodyPr rtlCol="0" anchor="ctr">
-            <a:normAutofit/>
-          </a:bodyPr>
-          <a:lstStyle/>
-          <a:p>
-            <a:r>
-              <a:rPr lang="en-US" sz="2200" b="1">
-                <a:solidFill>
-                  <a:srgbClr val="5B5B5B"/>
-                </a:solidFill>
-              </a:rPr>
-              <a:t>ⓘ</a:t>
-            </a:r>
-            <a:r>
-              <a:rPr lang="en-US" sz="2000">
-                <a:solidFill>
-                  <a:srgbClr val="5B5B5B"/>
-                </a:solidFill>
-              </a:rPr>
-              <a:t> Start presenting to display the poll results on this slide.</a:t>
-            </a:r>
-            <a:endParaRPr lang="fr-FR" sz="2000">
-              <a:solidFill>
-                <a:srgbClr val="5B5B5B"/>
-              </a:solidFill>
-            </a:endParaRPr>
-          </a:p>
-        </p:txBody>
-      </p:sp>
-    </p:spTree>
-    <p:custDataLst>
-      <p:tags r:id="rId1"/>
-    </p:custDataLst>
-    <p:extLst>
-      <p:ext uri="{BB962C8B-B14F-4D97-AF65-F5344CB8AC3E}">
-        <p14:creationId xmlns:p14="http://schemas.microsoft.com/office/powerpoint/2010/main" val="3423107429"/>
-      </p:ext>
-    </p:extLst>
-  </p:cSld>
-  <p:clrMapOvr>
-    <a:masterClrMapping/>
-  </p:clrMapOvr>
-  <p:timing>
-    <p:tnLst>
-      <p:par>
-        <p:cTn id="1" dur="indefinite" restart="never" nodeType="tmRoot">
-          <p:childTnLst>
-            <p:seq concurrent="1" nextAc="seek">
-              <p:cTn id="2" dur="indefinite" nodeType="mainSeq">
-                <p:childTnLst>
-                  <p:par>
-                    <p:cTn id="3" fill="hold">
-                      <p:stCondLst>
-                        <p:cond delay="indefinite"/>
-                      </p:stCondLst>
-                      <p:childTnLst>
-                        <p:par>
-                          <p:cTn id="4" fill="hold">
-                            <p:stCondLst>
-                              <p:cond delay="0"/>
-                            </p:stCondLst>
-                            <p:childTnLst>
-                              <p:par>
-                                <p:cTn id="5" presetID="26" presetClass="emph" presetSubtype="0" fill="hold" grpId="0" nodeType="clickEffect">
-                                  <p:stCondLst>
-                                    <p:cond delay="0"/>
-                                  </p:stCondLst>
-                                  <p:childTnLst>
-                                    <p:animEffect transition="out" filter="fade">
-                                      <p:cBhvr>
-                                        <p:cTn id="6" dur="50" tmFilter="0, 0; .2, .5; .8, .5; 1, 0"/>
-                                        <p:tgtEl>
-                                          <p:spTgt spid="9"/>
-                                        </p:tgtEl>
-                                      </p:cBhvr>
-                                    </p:animEffect>
-                                    <p:animScale>
-                                      <p:cBhvr>
-                                        <p:cTn id="7" dur="25" autoRev="1" fill="hold"/>
-                                        <p:tgtEl>
-                                          <p:spTgt spid="9"/>
-                                        </p:tgtEl>
-                                      </p:cBhvr>
-                                      <p:by x="105000" y="105000"/>
-                                    </p:animScale>
-                                  </p:childTnLst>
-                                </p:cTn>
-                              </p:par>
-                            </p:childTnLst>
-                          </p:cTn>
-                        </p:par>
-                      </p:childTnLst>
-                    </p:cTn>
-                  </p:par>
-                  <p:par>
-                    <p:cTn id="8" fill="hold">
-                      <p:stCondLst>
-                        <p:cond delay="indefinite"/>
-                      </p:stCondLst>
-                      <p:childTnLst>
-                        <p:par>
-                          <p:cTn id="9" fill="hold">
-                            <p:stCondLst>
-                              <p:cond delay="0"/>
-                            </p:stCondLst>
-                            <p:childTnLst>
-                              <p:par>
-                                <p:cTn id="10" presetID="26" presetClass="emph" presetSubtype="0" fill="hold" grpId="1" nodeType="clickEffect">
-                                  <p:stCondLst>
-                                    <p:cond delay="0"/>
-                                  </p:stCondLst>
-                                  <p:childTnLst>
-                                    <p:animEffect transition="out" filter="fade">
-                                      <p:cBhvr>
-                                        <p:cTn id="11" dur="50" tmFilter="0, 0; .2, .5; .8, .5; 1, 0"/>
-                                        <p:tgtEl>
-                                          <p:spTgt spid="9"/>
-                                        </p:tgtEl>
-                                      </p:cBhvr>
-                                    </p:animEffect>
-                                    <p:animScale>
-                                      <p:cBhvr>
-                                        <p:cTn id="12" dur="25" autoRev="1" fill="hold"/>
-                                        <p:tgtEl>
-                                          <p:spTgt spid="9"/>
-                                        </p:tgtEl>
-                                      </p:cBhvr>
-                                      <p:by x="105000" y="105000"/>
-                                    </p:animScale>
-                                  </p:childTnLst>
-                                </p:cTn>
-                              </p:par>
-                            </p:childTnLst>
-                          </p:cTn>
-                        </p:par>
-                      </p:childTnLst>
-                    </p:cTn>
-                  </p:par>
-                </p:childTnLst>
-              </p:cTn>
-              <p:prevCondLst>
-                <p:cond evt="onPrev" delay="0">
-                  <p:tgtEl>
-                    <p:sldTgt/>
-                  </p:tgtEl>
-                </p:cond>
-              </p:prevCondLst>
-              <p:nextCondLst>
-                <p:cond evt="onNext" delay="0">
-                  <p:tgtEl>
-                    <p:sldTgt/>
-                  </p:tgtEl>
-                </p:cond>
-              </p:nextCondLst>
-            </p:seq>
-          </p:childTnLst>
-        </p:cTn>
-      </p:par>
-    </p:tnLst>
-    <p:bldLst>
-      <p:bldP spid="9" grpId="0" animBg="1"/>
-      <p:bldP spid="9" grpId="1" animBg="1"/>
-    </p:bldLst>
-  </p:timing>
-</p:sld>
-</file>
-
-<file path=ppt/slides/slide19.xml><?xml version="1.0" encoding="utf-8"?>
-<p:sld xmlns:a="http://schemas.openxmlformats.org/drawingml/2006/main" xmlns:r="http://schemas.openxmlformats.org/officeDocument/2006/relationships" xmlns:p="http://schemas.openxmlformats.org/presentationml/2006/main" showMasterSp="0">
-  <p:cSld>
-    <p:bg>
-      <p:bgPr>
-        <a:solidFill>
-          <a:srgbClr val="FFFFFF"/>
-        </a:solidFill>
-        <a:effectLst/>
-      </p:bgPr>
-    </p:bg>
-    <p:spTree>
-      <p:nvGrpSpPr>
-        <p:cNvPr id="1" name=""/>
-        <p:cNvGrpSpPr/>
-        <p:nvPr/>
-      </p:nvGrpSpPr>
-      <p:grpSpPr>
-        <a:xfrm>
-          <a:off x="0" y="0"/>
-          <a:ext cx="0" cy="0"/>
-          <a:chOff x="0" y="0"/>
-          <a:chExt cx="0" cy="0"/>
-        </a:xfrm>
-      </p:grpSpPr>
-      <p:sp>
-        <p:nvSpPr>
-          <p:cNvPr id="2" name="Rectangle : coins arrondis 1">
-            <a:extLst>
-              <a:ext uri="{FF2B5EF4-FFF2-40B4-BE49-F238E27FC236}">
-                <a16:creationId xmlns:a16="http://schemas.microsoft.com/office/drawing/2014/main" id="{F68EF3C5-43F6-C5CB-3F54-1E30F7C7EB4E}"/>
-              </a:ext>
-            </a:extLst>
-          </p:cNvPr>
-          <p:cNvSpPr/>
-          <p:nvPr>
-            <p:custDataLst>
-              <p:tags r:id="rId2"/>
-            </p:custDataLst>
-          </p:nvPr>
-        </p:nvSpPr>
-        <p:spPr>
-          <a:xfrm>
-            <a:off x="6286500" y="430530"/>
-            <a:ext cx="5524500" cy="891540"/>
-          </a:xfrm>
-          <a:prstGeom prst="roundRect">
-            <a:avLst/>
-          </a:prstGeom>
-          <a:solidFill>
-            <a:srgbClr val="F4F4F4"/>
-          </a:solidFill>
-          <a:ln w="19050" cap="flat" cmpd="sng" algn="ctr">
-            <a:noFill/>
-            <a:prstDash val="solid"/>
-            <a:miter lim="800000"/>
-          </a:ln>
-          <a:effectLst/>
-          <a:extLst>
-            <a:ext uri="{91240B29-F687-4F45-9708-019B960494DF}">
-              <a14:hiddenLine xmlns:a14="http://schemas.microsoft.com/office/drawing/2010/main" w="19050" cap="flat" cmpd="sng" algn="ctr">
-                <a:solidFill>
-                  <a:schemeClr val="accent1">
-                    <a:shade val="15000"/>
-                  </a:schemeClr>
-                </a:solidFill>
-                <a:prstDash val="solid"/>
-                <a:miter lim="800000"/>
-              </a14:hiddenLine>
-            </a:ext>
-          </a:extLst>
-        </p:spPr>
-        <p:style>
-          <a:lnRef idx="2">
-            <a:schemeClr val="accent1">
-              <a:shade val="15000"/>
-            </a:schemeClr>
-          </a:lnRef>
-          <a:fillRef idx="1">
-            <a:schemeClr val="accent1"/>
-          </a:fillRef>
-          <a:effectRef idx="0">
-            <a:schemeClr val="accent1"/>
-          </a:effectRef>
-          <a:fontRef idx="minor">
-            <a:schemeClr val="lt1"/>
-          </a:fontRef>
-        </p:style>
-        <p:txBody>
-          <a:bodyPr lIns="317500" rIns="1143000" rtlCol="0" anchor="ctr">
-            <a:normAutofit/>
-          </a:bodyPr>
-          <a:lstStyle/>
-          <a:p>
-            <a:r>
-              <a:rPr lang="en-US" sz="2000">
-                <a:solidFill>
-                  <a:srgbClr val="5B5B5B"/>
-                </a:solidFill>
-              </a:rPr>
-              <a:t>Please download and install the Slido app on all computers you use</a:t>
-            </a:r>
-            <a:endParaRPr lang="fr-FR" sz="2000">
-              <a:solidFill>
-                <a:srgbClr val="5B5B5B"/>
-              </a:solidFill>
-            </a:endParaRPr>
-          </a:p>
-        </p:txBody>
-      </p:sp>
-      <p:pic>
-        <p:nvPicPr>
-          <p:cNvPr id="4" name="Graphique 3">
-            <a:extLst>
-              <a:ext uri="{FF2B5EF4-FFF2-40B4-BE49-F238E27FC236}">
-                <a16:creationId xmlns:a16="http://schemas.microsoft.com/office/drawing/2014/main" id="{B1191DB7-03B2-E5FE-8305-2EDE56AFF6E1}"/>
-              </a:ext>
-            </a:extLst>
-          </p:cNvPr>
-          <p:cNvPicPr>
-            <a:picLocks/>
-          </p:cNvPicPr>
-          <p:nvPr>
-            <p:custDataLst>
-              <p:tags r:id="rId3"/>
-            </p:custDataLst>
-          </p:nvPr>
-        </p:nvPicPr>
-        <p:blipFill>
-          <a:blip r:embed="rId9">
-            <a:extLst>
-              <a:ext uri="{96DAC541-7B7A-43D3-8B79-37D633B846F1}">
-                <asvg:svgBlip xmlns:asvg="http://schemas.microsoft.com/office/drawing/2016/SVG/main" r:embed="rId10"/>
-              </a:ext>
-            </a:extLst>
-          </a:blip>
-          <a:stretch>
-            <a:fillRect/>
-          </a:stretch>
-        </p:blipFill>
-        <p:spPr>
-          <a:xfrm>
-            <a:off x="10826048" y="577634"/>
-            <a:ext cx="597332" cy="597332"/>
-          </a:xfrm>
-          <a:prstGeom prst="rect">
-            <a:avLst/>
-          </a:prstGeom>
-        </p:spPr>
-      </p:pic>
-      <p:pic>
-        <p:nvPicPr>
-          <p:cNvPr id="6" name="Graphique 5">
-            <a:extLst>
-              <a:ext uri="{FF2B5EF4-FFF2-40B4-BE49-F238E27FC236}">
-                <a16:creationId xmlns:a16="http://schemas.microsoft.com/office/drawing/2014/main" id="{79A086D1-0323-E1CC-FA53-FA5A4866FF45}"/>
-              </a:ext>
-            </a:extLst>
-          </p:cNvPr>
-          <p:cNvPicPr>
-            <a:picLocks/>
-          </p:cNvPicPr>
-          <p:nvPr>
-            <p:custDataLst>
-              <p:tags r:id="rId4"/>
-            </p:custDataLst>
-          </p:nvPr>
-        </p:nvPicPr>
-        <p:blipFill>
-          <a:blip r:embed="rId11">
-            <a:extLst>
-              <a:ext uri="{96DAC541-7B7A-43D3-8B79-37D633B846F1}">
-                <asvg:svgBlip xmlns:asvg="http://schemas.microsoft.com/office/drawing/2016/SVG/main" r:embed="rId12"/>
-              </a:ext>
-            </a:extLst>
-          </a:blip>
-          <a:stretch>
-            <a:fillRect/>
-          </a:stretch>
-        </p:blipFill>
-        <p:spPr>
-          <a:xfrm>
-            <a:off x="3901440" y="617220"/>
-            <a:ext cx="1036320" cy="518160"/>
-          </a:xfrm>
-          <a:prstGeom prst="rect">
-            <a:avLst/>
-          </a:prstGeom>
-        </p:spPr>
-      </p:pic>
-      <p:pic>
-        <p:nvPicPr>
-          <p:cNvPr id="8" name="Graphique 7">
-            <a:extLst>
-              <a:ext uri="{FF2B5EF4-FFF2-40B4-BE49-F238E27FC236}">
-                <a16:creationId xmlns:a16="http://schemas.microsoft.com/office/drawing/2014/main" id="{EFDE8153-75A7-AC2B-9EB5-50BC04C720F4}"/>
-              </a:ext>
-            </a:extLst>
-          </p:cNvPr>
-          <p:cNvPicPr>
-            <a:picLocks/>
-          </p:cNvPicPr>
-          <p:nvPr>
-            <p:custDataLst>
-              <p:tags r:id="rId5"/>
-            </p:custDataLst>
-          </p:nvPr>
-        </p:nvPicPr>
-        <p:blipFill>
-          <a:blip r:embed="rId13">
-            <a:extLst>
-              <a:ext uri="{96DAC541-7B7A-43D3-8B79-37D633B846F1}">
-                <asvg:svgBlip xmlns:asvg="http://schemas.microsoft.com/office/drawing/2016/SVG/main" r:embed="rId14"/>
-              </a:ext>
-            </a:extLst>
-          </a:blip>
-          <a:stretch>
-            <a:fillRect/>
-          </a:stretch>
-        </p:blipFill>
-        <p:spPr>
-          <a:xfrm>
-            <a:off x="1158240" y="2270760"/>
-            <a:ext cx="2316480" cy="2316480"/>
-          </a:xfrm>
-          <a:prstGeom prst="rect">
-            <a:avLst/>
-          </a:prstGeom>
-        </p:spPr>
-      </p:pic>
-      <p:sp>
-        <p:nvSpPr>
-          <p:cNvPr id="9" name="Rectangle 8">
-            <a:extLst>
-              <a:ext uri="{FF2B5EF4-FFF2-40B4-BE49-F238E27FC236}">
-                <a16:creationId xmlns:a16="http://schemas.microsoft.com/office/drawing/2014/main" id="{7BD806CF-321C-EB53-D6BF-8E8120F2F97B}"/>
-              </a:ext>
-            </a:extLst>
-          </p:cNvPr>
-          <p:cNvSpPr/>
-          <p:nvPr>
-            <p:custDataLst>
-              <p:tags r:id="rId6"/>
-            </p:custDataLst>
-          </p:nvPr>
-        </p:nvSpPr>
-        <p:spPr>
-          <a:xfrm>
-            <a:off x="3901440" y="2571750"/>
-            <a:ext cx="7315199" cy="1714500"/>
-          </a:xfrm>
-          <a:prstGeom prst="rect">
-            <a:avLst/>
-          </a:prstGeom>
-          <a:noFill/>
-          <a:ln w="19050" cap="flat" cmpd="sng" algn="ctr">
-            <a:solidFill>
-              <a:srgbClr val="FFFFFF"/>
-            </a:solidFill>
-            <a:prstDash val="solid"/>
-            <a:miter lim="800000"/>
-          </a:ln>
-          <a:effectLst/>
-          <a:extLst>
-            <a:ext uri="{909E8E84-426E-40DD-AFC4-6F175D3DCCD1}">
-              <a14:hiddenFill xmlns:a14="http://schemas.microsoft.com/office/drawing/2010/main">
-                <a:solidFill>
-                  <a:schemeClr val="accent1"/>
-                </a:solidFill>
-              </a14:hiddenFill>
-            </a:ext>
-          </a:extLst>
-        </p:spPr>
-        <p:style>
-          <a:lnRef idx="2">
-            <a:schemeClr val="accent1">
-              <a:shade val="15000"/>
-            </a:schemeClr>
-          </a:lnRef>
-          <a:fillRef idx="1">
-            <a:schemeClr val="accent1"/>
-          </a:fillRef>
-          <a:effectRef idx="0">
-            <a:schemeClr val="accent1"/>
-          </a:effectRef>
-          <a:fontRef idx="minor">
-            <a:schemeClr val="lt1"/>
-          </a:fontRef>
-        </p:style>
-        <p:txBody>
-          <a:bodyPr rtlCol="0" anchor="ctr"/>
-          <a:lstStyle/>
-          <a:p>
-            <a:r>
-              <a:rPr lang="fr-FR" sz="2400" b="1" dirty="0">
-                <a:solidFill>
-                  <a:srgbClr val="5B5B5B"/>
-                </a:solidFill>
-              </a:rPr>
-              <a:t>Quels sont les avantages du Domain Driven Design (DDD) dans une architecture microservices ? (SELECTIONNER DEUX PROPOSITIONS)</a:t>
-            </a:r>
-          </a:p>
-        </p:txBody>
-      </p:sp>
-      <p:sp>
-        <p:nvSpPr>
-          <p:cNvPr id="10" name="Rectangle 9">
-            <a:extLst>
-              <a:ext uri="{FF2B5EF4-FFF2-40B4-BE49-F238E27FC236}">
-                <a16:creationId xmlns:a16="http://schemas.microsoft.com/office/drawing/2014/main" id="{DF7B6AAB-5991-E0E8-DFA2-A28C7902CF22}"/>
-              </a:ext>
-            </a:extLst>
-          </p:cNvPr>
-          <p:cNvSpPr/>
-          <p:nvPr>
-            <p:custDataLst>
-              <p:tags r:id="rId7"/>
-            </p:custDataLst>
-          </p:nvPr>
-        </p:nvSpPr>
-        <p:spPr>
-          <a:xfrm>
-            <a:off x="3901440" y="6032500"/>
-            <a:ext cx="7315199" cy="518160"/>
-          </a:xfrm>
-          <a:prstGeom prst="rect">
-            <a:avLst/>
-          </a:prstGeom>
-          <a:noFill/>
-          <a:ln w="19050" cap="flat" cmpd="sng" algn="ctr">
-            <a:noFill/>
-            <a:prstDash val="solid"/>
-            <a:miter lim="800000"/>
-          </a:ln>
-          <a:effectLst/>
-          <a:extLst>
-            <a:ext uri="{909E8E84-426E-40DD-AFC4-6F175D3DCCD1}">
-              <a14:hiddenFill xmlns:a14="http://schemas.microsoft.com/office/drawing/2010/main">
-                <a:solidFill>
-                  <a:schemeClr val="accent1"/>
-                </a:solidFill>
-              </a14:hiddenFill>
-            </a:ext>
-            <a:ext uri="{91240B29-F687-4F45-9708-019B960494DF}">
-              <a14:hiddenLine xmlns:a14="http://schemas.microsoft.com/office/drawing/2010/main" w="19050" cap="flat" cmpd="sng" algn="ctr">
-                <a:solidFill>
-                  <a:schemeClr val="accent1">
-                    <a:shade val="15000"/>
-                  </a:schemeClr>
-                </a:solidFill>
-                <a:prstDash val="solid"/>
-                <a:miter lim="800000"/>
-              </a14:hiddenLine>
-            </a:ext>
-          </a:extLst>
-        </p:spPr>
-        <p:style>
-          <a:lnRef idx="2">
-            <a:schemeClr val="accent1">
-              <a:shade val="15000"/>
-            </a:schemeClr>
-          </a:lnRef>
-          <a:fillRef idx="1">
-            <a:schemeClr val="accent1"/>
-          </a:fillRef>
-          <a:effectRef idx="0">
-            <a:schemeClr val="accent1"/>
-          </a:effectRef>
-          <a:fontRef idx="minor">
-            <a:schemeClr val="lt1"/>
-          </a:fontRef>
-        </p:style>
-        <p:txBody>
-          <a:bodyPr rtlCol="0" anchor="ctr">
-            <a:normAutofit/>
-          </a:bodyPr>
-          <a:lstStyle/>
-          <a:p>
-            <a:r>
-              <a:rPr lang="en-US" sz="2200" b="1">
-                <a:solidFill>
-                  <a:srgbClr val="5B5B5B"/>
-                </a:solidFill>
-              </a:rPr>
-              <a:t>ⓘ</a:t>
-            </a:r>
-            <a:r>
-              <a:rPr lang="en-US" sz="2000">
-                <a:solidFill>
-                  <a:srgbClr val="5B5B5B"/>
-                </a:solidFill>
-              </a:rPr>
-              <a:t> Start presenting to display the poll results on this slide.</a:t>
-            </a:r>
-            <a:endParaRPr lang="fr-FR" sz="2000">
-              <a:solidFill>
-                <a:srgbClr val="5B5B5B"/>
-              </a:solidFill>
-            </a:endParaRPr>
-          </a:p>
-        </p:txBody>
-      </p:sp>
-    </p:spTree>
-    <p:custDataLst>
-      <p:tags r:id="rId1"/>
-    </p:custDataLst>
-    <p:extLst>
-      <p:ext uri="{BB962C8B-B14F-4D97-AF65-F5344CB8AC3E}">
-        <p14:creationId xmlns:p14="http://schemas.microsoft.com/office/powerpoint/2010/main" val="766139912"/>
-      </p:ext>
-    </p:extLst>
-  </p:cSld>
-  <p:clrMapOvr>
-    <a:masterClrMapping/>
-  </p:clrMapOvr>
-  <p:timing>
-    <p:tnLst>
-      <p:par>
-        <p:cTn id="1" dur="indefinite" restart="never" nodeType="tmRoot">
-          <p:childTnLst>
-            <p:seq concurrent="1" nextAc="seek">
-              <p:cTn id="2" dur="indefinite" nodeType="mainSeq">
-                <p:childTnLst>
-                  <p:par>
-                    <p:cTn id="3" fill="hold">
-                      <p:stCondLst>
-                        <p:cond delay="indefinite"/>
-                      </p:stCondLst>
-                      <p:childTnLst>
-                        <p:par>
-                          <p:cTn id="4" fill="hold">
-                            <p:stCondLst>
-                              <p:cond delay="0"/>
-                            </p:stCondLst>
-                            <p:childTnLst>
-                              <p:par>
-                                <p:cTn id="5" presetID="26" presetClass="emph" presetSubtype="0" fill="hold" grpId="0" nodeType="clickEffect">
-                                  <p:stCondLst>
-                                    <p:cond delay="0"/>
-                                  </p:stCondLst>
-                                  <p:childTnLst>
-                                    <p:animEffect transition="out" filter="fade">
-                                      <p:cBhvr>
-                                        <p:cTn id="6" dur="50" tmFilter="0, 0; .2, .5; .8, .5; 1, 0"/>
-                                        <p:tgtEl>
-                                          <p:spTgt spid="9"/>
-                                        </p:tgtEl>
-                                      </p:cBhvr>
-                                    </p:animEffect>
-                                    <p:animScale>
-                                      <p:cBhvr>
-                                        <p:cTn id="7" dur="25" autoRev="1" fill="hold"/>
-                                        <p:tgtEl>
-                                          <p:spTgt spid="9"/>
-                                        </p:tgtEl>
-                                      </p:cBhvr>
-                                      <p:by x="105000" y="105000"/>
-                                    </p:animScale>
-                                  </p:childTnLst>
-                                </p:cTn>
-                              </p:par>
-                            </p:childTnLst>
-                          </p:cTn>
-                        </p:par>
-                      </p:childTnLst>
-                    </p:cTn>
-                  </p:par>
-                  <p:par>
-                    <p:cTn id="8" fill="hold">
-                      <p:stCondLst>
-                        <p:cond delay="indefinite"/>
-                      </p:stCondLst>
-                      <p:childTnLst>
-                        <p:par>
-                          <p:cTn id="9" fill="hold">
-                            <p:stCondLst>
-                              <p:cond delay="0"/>
-                            </p:stCondLst>
-                            <p:childTnLst>
-                              <p:par>
-                                <p:cTn id="10" presetID="26" presetClass="emph" presetSubtype="0" fill="hold" grpId="1" nodeType="clickEffect">
-                                  <p:stCondLst>
-                                    <p:cond delay="0"/>
-                                  </p:stCondLst>
-                                  <p:childTnLst>
-                                    <p:animEffect transition="out" filter="fade">
-                                      <p:cBhvr>
-                                        <p:cTn id="11" dur="50" tmFilter="0, 0; .2, .5; .8, .5; 1, 0"/>
-                                        <p:tgtEl>
-                                          <p:spTgt spid="9"/>
-                                        </p:tgtEl>
-                                      </p:cBhvr>
-                                    </p:animEffect>
-                                    <p:animScale>
-                                      <p:cBhvr>
-                                        <p:cTn id="12" dur="25" autoRev="1" fill="hold"/>
-                                        <p:tgtEl>
-                                          <p:spTgt spid="9"/>
-                                        </p:tgtEl>
-                                      </p:cBhvr>
-                                      <p:by x="105000" y="105000"/>
-                                    </p:animScale>
-                                  </p:childTnLst>
-                                </p:cTn>
-                              </p:par>
-                            </p:childTnLst>
-                          </p:cTn>
-                        </p:par>
-                      </p:childTnLst>
-                    </p:cTn>
-                  </p:par>
-                </p:childTnLst>
-              </p:cTn>
-              <p:prevCondLst>
-                <p:cond evt="onPrev" delay="0">
-                  <p:tgtEl>
-                    <p:sldTgt/>
-                  </p:tgtEl>
-                </p:cond>
-              </p:prevCondLst>
-              <p:nextCondLst>
-                <p:cond evt="onNext" delay="0">
-                  <p:tgtEl>
-                    <p:sldTgt/>
-                  </p:tgtEl>
-                </p:cond>
-              </p:nextCondLst>
-            </p:seq>
-          </p:childTnLst>
-        </p:cTn>
-      </p:par>
-    </p:tnLst>
-    <p:bldLst>
-      <p:bldP spid="9" grpId="0" animBg="1"/>
-      <p:bldP spid="9" grpId="1" animBg="1"/>
-    </p:bldLst>
-  </p:timing>
-</p:sld>
-</file>
-
-<file path=ppt/slides/slide2.xml><?xml version="1.0" encoding="utf-8"?>
-<p:sld xmlns:a="http://schemas.openxmlformats.org/drawingml/2006/main" xmlns:r="http://schemas.openxmlformats.org/officeDocument/2006/relationships" xmlns:p="http://schemas.openxmlformats.org/presentationml/2006/main">
-  <p:cSld>
-    <p:spTree>
-      <p:nvGrpSpPr>
-        <p:cNvPr id="1" name=""/>
-        <p:cNvGrpSpPr/>
-        <p:nvPr/>
-      </p:nvGrpSpPr>
-      <p:grpSpPr>
-        <a:xfrm>
-          <a:off x="0" y="0"/>
-          <a:ext cx="0" cy="0"/>
-          <a:chOff x="0" y="0"/>
-          <a:chExt cx="0" cy="0"/>
-        </a:xfrm>
-      </p:grpSpPr>
-      <p:sp>
-        <p:nvSpPr>
-          <p:cNvPr id="3" name="Espace réservé du contenu 2">
-            <a:extLst>
-              <a:ext uri="{FF2B5EF4-FFF2-40B4-BE49-F238E27FC236}">
-                <a16:creationId xmlns:a16="http://schemas.microsoft.com/office/drawing/2014/main" id="{5D1598F1-3F5E-181B-29E7-26081FFE38F7}"/>
-              </a:ext>
-            </a:extLst>
-          </p:cNvPr>
-          <p:cNvSpPr>
-            <a:spLocks noGrp="1"/>
-          </p:cNvSpPr>
-          <p:nvPr>
-            <p:ph idx="1"/>
-          </p:nvPr>
-        </p:nvSpPr>
-        <p:spPr>
-          <a:xfrm>
-            <a:off x="320040" y="1287145"/>
-            <a:ext cx="10515600" cy="4036695"/>
-          </a:xfrm>
-        </p:spPr>
-        <p:txBody>
-          <a:bodyPr>
-            <a:noAutofit/>
-          </a:bodyPr>
-          <a:lstStyle/>
-          <a:p>
-            <a:pPr>
-              <a:lnSpc>
-                <a:spcPct val="150000"/>
-              </a:lnSpc>
-            </a:pPr>
-            <a:r>
-              <a:rPr lang="fr-FR" sz="2200" dirty="0"/>
-              <a:t>Quelques questions de notre DSI</a:t>
-            </a:r>
-          </a:p>
-          <a:p>
-            <a:pPr>
-              <a:lnSpc>
-                <a:spcPct val="150000"/>
-              </a:lnSpc>
-            </a:pPr>
-            <a:r>
-              <a:rPr lang="fr-FR" sz="2200" dirty="0"/>
-              <a:t>Principes de découpage des microservices</a:t>
-            </a:r>
-          </a:p>
-          <a:p>
-            <a:pPr>
-              <a:lnSpc>
-                <a:spcPct val="150000"/>
-              </a:lnSpc>
-            </a:pPr>
-            <a:r>
-              <a:rPr lang="fr-FR" sz="2200" dirty="0"/>
-              <a:t>Principes de conception des microservices</a:t>
-            </a:r>
-          </a:p>
-          <a:p>
-            <a:pPr>
-              <a:lnSpc>
-                <a:spcPct val="150000"/>
-              </a:lnSpc>
-            </a:pPr>
-            <a:r>
-              <a:rPr lang="fr-FR" sz="2200" dirty="0"/>
-              <a:t>Répondre aux questions</a:t>
-            </a:r>
-          </a:p>
-          <a:p>
-            <a:pPr>
-              <a:lnSpc>
-                <a:spcPct val="150000"/>
-              </a:lnSpc>
-            </a:pPr>
-            <a:r>
-              <a:rPr lang="fr-FR" sz="2200" dirty="0"/>
-              <a:t>Contrôle de connaissances</a:t>
-            </a:r>
-          </a:p>
-          <a:p>
-            <a:pPr>
-              <a:lnSpc>
-                <a:spcPct val="150000"/>
-              </a:lnSpc>
-            </a:pPr>
-            <a:r>
-              <a:rPr lang="fr-FR" sz="2200" b="1" dirty="0"/>
-              <a:t>Atelier : Découper un monolithe en microservices</a:t>
-            </a:r>
-          </a:p>
-          <a:p>
-            <a:pPr>
-              <a:lnSpc>
-                <a:spcPct val="150000"/>
-              </a:lnSpc>
-            </a:pPr>
-            <a:endParaRPr lang="fr-FR" sz="2200" dirty="0"/>
-          </a:p>
-        </p:txBody>
-      </p:sp>
-      <p:sp>
-        <p:nvSpPr>
-          <p:cNvPr id="4" name="Titre 1">
-            <a:extLst>
-              <a:ext uri="{FF2B5EF4-FFF2-40B4-BE49-F238E27FC236}">
-                <a16:creationId xmlns:a16="http://schemas.microsoft.com/office/drawing/2014/main" id="{9F8046C7-59C6-E9C9-C220-2A88E0E8AA74}"/>
-              </a:ext>
-            </a:extLst>
-          </p:cNvPr>
-          <p:cNvSpPr txBox="1">
-            <a:spLocks/>
-          </p:cNvSpPr>
-          <p:nvPr/>
-        </p:nvSpPr>
-        <p:spPr>
-          <a:xfrm>
-            <a:off x="223520" y="309791"/>
-            <a:ext cx="3027680" cy="400368"/>
-          </a:xfrm>
-          <a:prstGeom prst="rect">
-            <a:avLst/>
-          </a:prstGeom>
-        </p:spPr>
         <p:txBody>
           <a:bodyPr vert="horz" lIns="91440" tIns="45720" rIns="91440" bIns="45720" rtlCol="0" anchor="ctr">
             <a:noAutofit/>
@@ -9432,7 +5956,7 @@
           <a:p>
             <a:r>
               <a:rPr lang="fr-FR" sz="2800" b="1" dirty="0"/>
-              <a:t>Dans ce module …</a:t>
+              <a:t>Atelier : Découper un monolithe en microservices</a:t>
             </a:r>
           </a:p>
         </p:txBody>
@@ -9491,7 +6015,7 @@
         </p:nvSpPr>
         <p:spPr>
           <a:xfrm>
-            <a:off x="4324350" y="6643878"/>
+            <a:off x="121794" y="6617710"/>
             <a:ext cx="2890647" cy="214122"/>
           </a:xfrm>
           <a:prstGeom prst="rect">
@@ -9671,27 +6195,22 @@
               <a:buNone/>
             </a:pPr>
             <a:r>
-              <a:rPr lang="fr-FR" sz="1100" b="1">
+              <a:rPr lang="fr-FR" sz="1100" b="1" dirty="0">
                 <a:solidFill>
                   <a:schemeClr val="tx2"/>
                 </a:solidFill>
               </a:rPr>
               <a:t>Préparé et Présenté par Daniel  Lawson</a:t>
             </a:r>
-            <a:endParaRPr lang="fr-FR" sz="1100" b="1" dirty="0">
-              <a:solidFill>
-                <a:schemeClr val="tx2"/>
-              </a:solidFill>
-            </a:endParaRPr>
           </a:p>
         </p:txBody>
       </p:sp>
       <p:pic>
         <p:nvPicPr>
-          <p:cNvPr id="1026" name="Picture 2" descr="Flacons, Chimie, Chimique, Expérience">
-            <a:extLst>
-              <a:ext uri="{FF2B5EF4-FFF2-40B4-BE49-F238E27FC236}">
-                <a16:creationId xmlns:a16="http://schemas.microsoft.com/office/drawing/2014/main" id="{891AC83A-3460-B500-E04B-7A13E0314991}"/>
+          <p:cNvPr id="2050" name="Picture 2" descr="Science, Expérience, Recherche">
+            <a:extLst>
+              <a:ext uri="{FF2B5EF4-FFF2-40B4-BE49-F238E27FC236}">
+                <a16:creationId xmlns:a16="http://schemas.microsoft.com/office/drawing/2014/main" id="{2A162B4A-1099-686D-3511-A50E93291473}"/>
               </a:ext>
             </a:extLst>
           </p:cNvPr>
@@ -9701,7 +6220,7 @@
           <p:nvPr/>
         </p:nvPicPr>
         <p:blipFill>
-          <a:blip r:embed="rId2">
+          <a:blip r:embed="rId3">
             <a:extLst>
               <a:ext uri="{28A0092B-C50C-407E-A947-70E740481C1C}">
                 <a14:useLocalDpi xmlns:a14="http://schemas.microsoft.com/office/drawing/2010/main" val="0"/>
@@ -9715,8 +6234,8 @@
         </p:blipFill>
         <p:spPr bwMode="auto">
           <a:xfrm>
-            <a:off x="7214997" y="4155440"/>
-            <a:ext cx="1051964" cy="1083310"/>
+            <a:off x="6217920" y="883920"/>
+            <a:ext cx="5974080" cy="5974080"/>
           </a:xfrm>
           <a:prstGeom prst="rect">
             <a:avLst/>
@@ -9733,10 +6252,50 @@
           </a:extLst>
         </p:spPr>
       </p:pic>
+      <p:sp>
+        <p:nvSpPr>
+          <p:cNvPr id="2" name="ZoneTexte 1">
+            <a:extLst>
+              <a:ext uri="{FF2B5EF4-FFF2-40B4-BE49-F238E27FC236}">
+                <a16:creationId xmlns:a16="http://schemas.microsoft.com/office/drawing/2014/main" id="{B750248E-14FB-35CE-A7F3-F017DB5C389E}"/>
+              </a:ext>
+            </a:extLst>
+          </p:cNvPr>
+          <p:cNvSpPr txBox="1"/>
+          <p:nvPr/>
+        </p:nvSpPr>
+        <p:spPr>
+          <a:xfrm>
+            <a:off x="8504872" y="1152525"/>
+            <a:ext cx="1400175" cy="769441"/>
+          </a:xfrm>
+          <a:prstGeom prst="rect">
+            <a:avLst/>
+          </a:prstGeom>
+          <a:noFill/>
+        </p:spPr>
+        <p:txBody>
+          <a:bodyPr wrap="square" rtlCol="0">
+            <a:spAutoFit/>
+          </a:bodyPr>
+          <a:lstStyle/>
+          <a:p>
+            <a:pPr algn="ctr"/>
+            <a:r>
+              <a:rPr lang="fr-FR" sz="4400" b="1" dirty="0">
+                <a:solidFill>
+                  <a:schemeClr val="bg1"/>
+                </a:solidFill>
+              </a:rPr>
+              <a:t>LAB</a:t>
+            </a:r>
+          </a:p>
+        </p:txBody>
+      </p:sp>
     </p:spTree>
     <p:extLst>
       <p:ext uri="{BB962C8B-B14F-4D97-AF65-F5344CB8AC3E}">
-        <p14:creationId xmlns:p14="http://schemas.microsoft.com/office/powerpoint/2010/main" val="1603475869"/>
+        <p14:creationId xmlns:p14="http://schemas.microsoft.com/office/powerpoint/2010/main" val="1619280332"/>
       </p:ext>
     </p:extLst>
   </p:cSld>
@@ -9746,608 +6305,7 @@
 </p:sld>
 </file>
 
-<file path=ppt/slides/slide20.xml><?xml version="1.0" encoding="utf-8"?>
-<p:sld xmlns:a="http://schemas.openxmlformats.org/drawingml/2006/main" xmlns:r="http://schemas.openxmlformats.org/officeDocument/2006/relationships" xmlns:p="http://schemas.openxmlformats.org/presentationml/2006/main" showMasterSp="0">
-  <p:cSld>
-    <p:bg>
-      <p:bgPr>
-        <a:solidFill>
-          <a:srgbClr val="FFFFFF"/>
-        </a:solidFill>
-        <a:effectLst/>
-      </p:bgPr>
-    </p:bg>
-    <p:spTree>
-      <p:nvGrpSpPr>
-        <p:cNvPr id="1" name=""/>
-        <p:cNvGrpSpPr/>
-        <p:nvPr/>
-      </p:nvGrpSpPr>
-      <p:grpSpPr>
-        <a:xfrm>
-          <a:off x="0" y="0"/>
-          <a:ext cx="0" cy="0"/>
-          <a:chOff x="0" y="0"/>
-          <a:chExt cx="0" cy="0"/>
-        </a:xfrm>
-      </p:grpSpPr>
-      <p:sp>
-        <p:nvSpPr>
-          <p:cNvPr id="2" name="Rectangle : coins arrondis 1">
-            <a:extLst>
-              <a:ext uri="{FF2B5EF4-FFF2-40B4-BE49-F238E27FC236}">
-                <a16:creationId xmlns:a16="http://schemas.microsoft.com/office/drawing/2014/main" id="{EA23F1D6-C8C2-2AA3-27E4-F033CD3CA278}"/>
-              </a:ext>
-            </a:extLst>
-          </p:cNvPr>
-          <p:cNvSpPr/>
-          <p:nvPr>
-            <p:custDataLst>
-              <p:tags r:id="rId2"/>
-            </p:custDataLst>
-          </p:nvPr>
-        </p:nvSpPr>
-        <p:spPr>
-          <a:xfrm>
-            <a:off x="6286500" y="430530"/>
-            <a:ext cx="5524500" cy="891540"/>
-          </a:xfrm>
-          <a:prstGeom prst="roundRect">
-            <a:avLst/>
-          </a:prstGeom>
-          <a:solidFill>
-            <a:srgbClr val="F4F4F4"/>
-          </a:solidFill>
-          <a:ln w="19050" cap="flat" cmpd="sng" algn="ctr">
-            <a:noFill/>
-            <a:prstDash val="solid"/>
-            <a:miter lim="800000"/>
-          </a:ln>
-          <a:effectLst/>
-          <a:extLst>
-            <a:ext uri="{91240B29-F687-4F45-9708-019B960494DF}">
-              <a14:hiddenLine xmlns:a14="http://schemas.microsoft.com/office/drawing/2010/main" w="19050" cap="flat" cmpd="sng" algn="ctr">
-                <a:solidFill>
-                  <a:schemeClr val="accent1">
-                    <a:shade val="15000"/>
-                  </a:schemeClr>
-                </a:solidFill>
-                <a:prstDash val="solid"/>
-                <a:miter lim="800000"/>
-              </a14:hiddenLine>
-            </a:ext>
-          </a:extLst>
-        </p:spPr>
-        <p:style>
-          <a:lnRef idx="2">
-            <a:schemeClr val="accent1">
-              <a:shade val="15000"/>
-            </a:schemeClr>
-          </a:lnRef>
-          <a:fillRef idx="1">
-            <a:schemeClr val="accent1"/>
-          </a:fillRef>
-          <a:effectRef idx="0">
-            <a:schemeClr val="accent1"/>
-          </a:effectRef>
-          <a:fontRef idx="minor">
-            <a:schemeClr val="lt1"/>
-          </a:fontRef>
-        </p:style>
-        <p:txBody>
-          <a:bodyPr lIns="317500" rIns="1143000" rtlCol="0" anchor="ctr">
-            <a:normAutofit/>
-          </a:bodyPr>
-          <a:lstStyle/>
-          <a:p>
-            <a:r>
-              <a:rPr lang="en-US" sz="2000">
-                <a:solidFill>
-                  <a:srgbClr val="5B5B5B"/>
-                </a:solidFill>
-              </a:rPr>
-              <a:t>Please download and install the Slido app on all computers you use</a:t>
-            </a:r>
-            <a:endParaRPr lang="fr-FR" sz="2000">
-              <a:solidFill>
-                <a:srgbClr val="5B5B5B"/>
-              </a:solidFill>
-            </a:endParaRPr>
-          </a:p>
-        </p:txBody>
-      </p:sp>
-      <p:pic>
-        <p:nvPicPr>
-          <p:cNvPr id="4" name="Graphique 3">
-            <a:extLst>
-              <a:ext uri="{FF2B5EF4-FFF2-40B4-BE49-F238E27FC236}">
-                <a16:creationId xmlns:a16="http://schemas.microsoft.com/office/drawing/2014/main" id="{52C54BAB-F068-B590-960D-E816BAD2A216}"/>
-              </a:ext>
-            </a:extLst>
-          </p:cNvPr>
-          <p:cNvPicPr>
-            <a:picLocks/>
-          </p:cNvPicPr>
-          <p:nvPr>
-            <p:custDataLst>
-              <p:tags r:id="rId3"/>
-            </p:custDataLst>
-          </p:nvPr>
-        </p:nvPicPr>
-        <p:blipFill>
-          <a:blip r:embed="rId9">
-            <a:extLst>
-              <a:ext uri="{96DAC541-7B7A-43D3-8B79-37D633B846F1}">
-                <asvg:svgBlip xmlns:asvg="http://schemas.microsoft.com/office/drawing/2016/SVG/main" r:embed="rId10"/>
-              </a:ext>
-            </a:extLst>
-          </a:blip>
-          <a:stretch>
-            <a:fillRect/>
-          </a:stretch>
-        </p:blipFill>
-        <p:spPr>
-          <a:xfrm>
-            <a:off x="10826048" y="577634"/>
-            <a:ext cx="597332" cy="597332"/>
-          </a:xfrm>
-          <a:prstGeom prst="rect">
-            <a:avLst/>
-          </a:prstGeom>
-        </p:spPr>
-      </p:pic>
-      <p:pic>
-        <p:nvPicPr>
-          <p:cNvPr id="6" name="Graphique 5">
-            <a:extLst>
-              <a:ext uri="{FF2B5EF4-FFF2-40B4-BE49-F238E27FC236}">
-                <a16:creationId xmlns:a16="http://schemas.microsoft.com/office/drawing/2014/main" id="{E3AC3A82-216A-4007-1F57-F67BC75C37D9}"/>
-              </a:ext>
-            </a:extLst>
-          </p:cNvPr>
-          <p:cNvPicPr>
-            <a:picLocks/>
-          </p:cNvPicPr>
-          <p:nvPr>
-            <p:custDataLst>
-              <p:tags r:id="rId4"/>
-            </p:custDataLst>
-          </p:nvPr>
-        </p:nvPicPr>
-        <p:blipFill>
-          <a:blip r:embed="rId11">
-            <a:extLst>
-              <a:ext uri="{96DAC541-7B7A-43D3-8B79-37D633B846F1}">
-                <asvg:svgBlip xmlns:asvg="http://schemas.microsoft.com/office/drawing/2016/SVG/main" r:embed="rId12"/>
-              </a:ext>
-            </a:extLst>
-          </a:blip>
-          <a:stretch>
-            <a:fillRect/>
-          </a:stretch>
-        </p:blipFill>
-        <p:spPr>
-          <a:xfrm>
-            <a:off x="3901440" y="617220"/>
-            <a:ext cx="1036320" cy="518160"/>
-          </a:xfrm>
-          <a:prstGeom prst="rect">
-            <a:avLst/>
-          </a:prstGeom>
-        </p:spPr>
-      </p:pic>
-      <p:pic>
-        <p:nvPicPr>
-          <p:cNvPr id="8" name="Graphique 7">
-            <a:extLst>
-              <a:ext uri="{FF2B5EF4-FFF2-40B4-BE49-F238E27FC236}">
-                <a16:creationId xmlns:a16="http://schemas.microsoft.com/office/drawing/2014/main" id="{EA86AA5D-7D94-EF9D-C61F-BAD646650246}"/>
-              </a:ext>
-            </a:extLst>
-          </p:cNvPr>
-          <p:cNvPicPr>
-            <a:picLocks/>
-          </p:cNvPicPr>
-          <p:nvPr>
-            <p:custDataLst>
-              <p:tags r:id="rId5"/>
-            </p:custDataLst>
-          </p:nvPr>
-        </p:nvPicPr>
-        <p:blipFill>
-          <a:blip r:embed="rId13">
-            <a:extLst>
-              <a:ext uri="{96DAC541-7B7A-43D3-8B79-37D633B846F1}">
-                <asvg:svgBlip xmlns:asvg="http://schemas.microsoft.com/office/drawing/2016/SVG/main" r:embed="rId14"/>
-              </a:ext>
-            </a:extLst>
-          </a:blip>
-          <a:stretch>
-            <a:fillRect/>
-          </a:stretch>
-        </p:blipFill>
-        <p:spPr>
-          <a:xfrm>
-            <a:off x="1158240" y="2270760"/>
-            <a:ext cx="2316480" cy="2316480"/>
-          </a:xfrm>
-          <a:prstGeom prst="rect">
-            <a:avLst/>
-          </a:prstGeom>
-        </p:spPr>
-      </p:pic>
-      <p:sp>
-        <p:nvSpPr>
-          <p:cNvPr id="9" name="Rectangle 8">
-            <a:extLst>
-              <a:ext uri="{FF2B5EF4-FFF2-40B4-BE49-F238E27FC236}">
-                <a16:creationId xmlns:a16="http://schemas.microsoft.com/office/drawing/2014/main" id="{AD210805-A6E2-1FE5-FA77-69E52E224AFF}"/>
-              </a:ext>
-            </a:extLst>
-          </p:cNvPr>
-          <p:cNvSpPr/>
-          <p:nvPr>
-            <p:custDataLst>
-              <p:tags r:id="rId6"/>
-            </p:custDataLst>
-          </p:nvPr>
-        </p:nvSpPr>
-        <p:spPr>
-          <a:xfrm>
-            <a:off x="3901440" y="2571750"/>
-            <a:ext cx="7315199" cy="1714500"/>
-          </a:xfrm>
-          <a:prstGeom prst="rect">
-            <a:avLst/>
-          </a:prstGeom>
-          <a:noFill/>
-          <a:ln w="19050" cap="flat" cmpd="sng" algn="ctr">
-            <a:solidFill>
-              <a:srgbClr val="FFFFFF"/>
-            </a:solidFill>
-            <a:prstDash val="solid"/>
-            <a:miter lim="800000"/>
-          </a:ln>
-          <a:effectLst/>
-          <a:extLst>
-            <a:ext uri="{909E8E84-426E-40DD-AFC4-6F175D3DCCD1}">
-              <a14:hiddenFill xmlns:a14="http://schemas.microsoft.com/office/drawing/2010/main">
-                <a:solidFill>
-                  <a:schemeClr val="accent1"/>
-                </a:solidFill>
-              </a14:hiddenFill>
-            </a:ext>
-          </a:extLst>
-        </p:spPr>
-        <p:style>
-          <a:lnRef idx="2">
-            <a:schemeClr val="accent1">
-              <a:shade val="15000"/>
-            </a:schemeClr>
-          </a:lnRef>
-          <a:fillRef idx="1">
-            <a:schemeClr val="accent1"/>
-          </a:fillRef>
-          <a:effectRef idx="0">
-            <a:schemeClr val="accent1"/>
-          </a:effectRef>
-          <a:fontRef idx="minor">
-            <a:schemeClr val="lt1"/>
-          </a:fontRef>
-        </p:style>
-        <p:txBody>
-          <a:bodyPr rtlCol="0" anchor="ctr"/>
-          <a:lstStyle/>
-          <a:p>
-            <a:r>
-              <a:rPr lang="fr-FR" sz="2800" b="1" dirty="0">
-                <a:solidFill>
-                  <a:srgbClr val="5B5B5B"/>
-                </a:solidFill>
-              </a:rPr>
-              <a:t>Quel est l'avantage principal de l'utilisation de </a:t>
-            </a:r>
-            <a:r>
-              <a:rPr lang="fr-FR" sz="2800" b="1" dirty="0" err="1">
-                <a:solidFill>
-                  <a:srgbClr val="5B5B5B"/>
-                </a:solidFill>
-              </a:rPr>
-              <a:t>templates</a:t>
-            </a:r>
-            <a:r>
-              <a:rPr lang="fr-FR" sz="2800" b="1" dirty="0">
-                <a:solidFill>
-                  <a:srgbClr val="5B5B5B"/>
-                </a:solidFill>
-              </a:rPr>
-              <a:t> API dans le développement de microservices ?</a:t>
-            </a:r>
-          </a:p>
-        </p:txBody>
-      </p:sp>
-      <p:sp>
-        <p:nvSpPr>
-          <p:cNvPr id="10" name="Rectangle 9">
-            <a:extLst>
-              <a:ext uri="{FF2B5EF4-FFF2-40B4-BE49-F238E27FC236}">
-                <a16:creationId xmlns:a16="http://schemas.microsoft.com/office/drawing/2014/main" id="{E7557451-D671-F9C2-5154-83D0E0137935}"/>
-              </a:ext>
-            </a:extLst>
-          </p:cNvPr>
-          <p:cNvSpPr/>
-          <p:nvPr>
-            <p:custDataLst>
-              <p:tags r:id="rId7"/>
-            </p:custDataLst>
-          </p:nvPr>
-        </p:nvSpPr>
-        <p:spPr>
-          <a:xfrm>
-            <a:off x="3901440" y="6032500"/>
-            <a:ext cx="7315199" cy="518160"/>
-          </a:xfrm>
-          <a:prstGeom prst="rect">
-            <a:avLst/>
-          </a:prstGeom>
-          <a:noFill/>
-          <a:ln w="19050" cap="flat" cmpd="sng" algn="ctr">
-            <a:noFill/>
-            <a:prstDash val="solid"/>
-            <a:miter lim="800000"/>
-          </a:ln>
-          <a:effectLst/>
-          <a:extLst>
-            <a:ext uri="{909E8E84-426E-40DD-AFC4-6F175D3DCCD1}">
-              <a14:hiddenFill xmlns:a14="http://schemas.microsoft.com/office/drawing/2010/main">
-                <a:solidFill>
-                  <a:schemeClr val="accent1"/>
-                </a:solidFill>
-              </a14:hiddenFill>
-            </a:ext>
-            <a:ext uri="{91240B29-F687-4F45-9708-019B960494DF}">
-              <a14:hiddenLine xmlns:a14="http://schemas.microsoft.com/office/drawing/2010/main" w="19050" cap="flat" cmpd="sng" algn="ctr">
-                <a:solidFill>
-                  <a:schemeClr val="accent1">
-                    <a:shade val="15000"/>
-                  </a:schemeClr>
-                </a:solidFill>
-                <a:prstDash val="solid"/>
-                <a:miter lim="800000"/>
-              </a14:hiddenLine>
-            </a:ext>
-          </a:extLst>
-        </p:spPr>
-        <p:style>
-          <a:lnRef idx="2">
-            <a:schemeClr val="accent1">
-              <a:shade val="15000"/>
-            </a:schemeClr>
-          </a:lnRef>
-          <a:fillRef idx="1">
-            <a:schemeClr val="accent1"/>
-          </a:fillRef>
-          <a:effectRef idx="0">
-            <a:schemeClr val="accent1"/>
-          </a:effectRef>
-          <a:fontRef idx="minor">
-            <a:schemeClr val="lt1"/>
-          </a:fontRef>
-        </p:style>
-        <p:txBody>
-          <a:bodyPr rtlCol="0" anchor="ctr">
-            <a:normAutofit/>
-          </a:bodyPr>
-          <a:lstStyle/>
-          <a:p>
-            <a:r>
-              <a:rPr lang="en-US" sz="2200" b="1">
-                <a:solidFill>
-                  <a:srgbClr val="5B5B5B"/>
-                </a:solidFill>
-              </a:rPr>
-              <a:t>ⓘ</a:t>
-            </a:r>
-            <a:r>
-              <a:rPr lang="en-US" sz="2000">
-                <a:solidFill>
-                  <a:srgbClr val="5B5B5B"/>
-                </a:solidFill>
-              </a:rPr>
-              <a:t> Start presenting to display the poll results on this slide.</a:t>
-            </a:r>
-            <a:endParaRPr lang="fr-FR" sz="2000">
-              <a:solidFill>
-                <a:srgbClr val="5B5B5B"/>
-              </a:solidFill>
-            </a:endParaRPr>
-          </a:p>
-        </p:txBody>
-      </p:sp>
-    </p:spTree>
-    <p:custDataLst>
-      <p:tags r:id="rId1"/>
-    </p:custDataLst>
-    <p:extLst>
-      <p:ext uri="{BB962C8B-B14F-4D97-AF65-F5344CB8AC3E}">
-        <p14:creationId xmlns:p14="http://schemas.microsoft.com/office/powerpoint/2010/main" val="1339652441"/>
-      </p:ext>
-    </p:extLst>
-  </p:cSld>
-  <p:clrMapOvr>
-    <a:masterClrMapping/>
-  </p:clrMapOvr>
-  <p:timing>
-    <p:tnLst>
-      <p:par>
-        <p:cTn id="1" dur="indefinite" restart="never" nodeType="tmRoot">
-          <p:childTnLst>
-            <p:seq concurrent="1" nextAc="seek">
-              <p:cTn id="2" dur="indefinite" nodeType="mainSeq">
-                <p:childTnLst>
-                  <p:par>
-                    <p:cTn id="3" fill="hold">
-                      <p:stCondLst>
-                        <p:cond delay="indefinite"/>
-                      </p:stCondLst>
-                      <p:childTnLst>
-                        <p:par>
-                          <p:cTn id="4" fill="hold">
-                            <p:stCondLst>
-                              <p:cond delay="0"/>
-                            </p:stCondLst>
-                            <p:childTnLst>
-                              <p:par>
-                                <p:cTn id="5" presetID="26" presetClass="emph" presetSubtype="0" fill="hold" grpId="0" nodeType="clickEffect">
-                                  <p:stCondLst>
-                                    <p:cond delay="0"/>
-                                  </p:stCondLst>
-                                  <p:childTnLst>
-                                    <p:animEffect transition="out" filter="fade">
-                                      <p:cBhvr>
-                                        <p:cTn id="6" dur="50" tmFilter="0, 0; .2, .5; .8, .5; 1, 0"/>
-                                        <p:tgtEl>
-                                          <p:spTgt spid="9"/>
-                                        </p:tgtEl>
-                                      </p:cBhvr>
-                                    </p:animEffect>
-                                    <p:animScale>
-                                      <p:cBhvr>
-                                        <p:cTn id="7" dur="25" autoRev="1" fill="hold"/>
-                                        <p:tgtEl>
-                                          <p:spTgt spid="9"/>
-                                        </p:tgtEl>
-                                      </p:cBhvr>
-                                      <p:by x="105000" y="105000"/>
-                                    </p:animScale>
-                                  </p:childTnLst>
-                                </p:cTn>
-                              </p:par>
-                            </p:childTnLst>
-                          </p:cTn>
-                        </p:par>
-                      </p:childTnLst>
-                    </p:cTn>
-                  </p:par>
-                  <p:par>
-                    <p:cTn id="8" fill="hold">
-                      <p:stCondLst>
-                        <p:cond delay="indefinite"/>
-                      </p:stCondLst>
-                      <p:childTnLst>
-                        <p:par>
-                          <p:cTn id="9" fill="hold">
-                            <p:stCondLst>
-                              <p:cond delay="0"/>
-                            </p:stCondLst>
-                            <p:childTnLst>
-                              <p:par>
-                                <p:cTn id="10" presetID="26" presetClass="emph" presetSubtype="0" fill="hold" grpId="1" nodeType="clickEffect">
-                                  <p:stCondLst>
-                                    <p:cond delay="0"/>
-                                  </p:stCondLst>
-                                  <p:childTnLst>
-                                    <p:animEffect transition="out" filter="fade">
-                                      <p:cBhvr>
-                                        <p:cTn id="11" dur="50" tmFilter="0, 0; .2, .5; .8, .5; 1, 0"/>
-                                        <p:tgtEl>
-                                          <p:spTgt spid="9"/>
-                                        </p:tgtEl>
-                                      </p:cBhvr>
-                                    </p:animEffect>
-                                    <p:animScale>
-                                      <p:cBhvr>
-                                        <p:cTn id="12" dur="25" autoRev="1" fill="hold"/>
-                                        <p:tgtEl>
-                                          <p:spTgt spid="9"/>
-                                        </p:tgtEl>
-                                      </p:cBhvr>
-                                      <p:by x="105000" y="105000"/>
-                                    </p:animScale>
-                                  </p:childTnLst>
-                                </p:cTn>
-                              </p:par>
-                            </p:childTnLst>
-                          </p:cTn>
-                        </p:par>
-                      </p:childTnLst>
-                    </p:cTn>
-                  </p:par>
-                  <p:par>
-                    <p:cTn id="13" fill="hold">
-                      <p:stCondLst>
-                        <p:cond delay="indefinite"/>
-                      </p:stCondLst>
-                      <p:childTnLst>
-                        <p:par>
-                          <p:cTn id="14" fill="hold">
-                            <p:stCondLst>
-                              <p:cond delay="0"/>
-                            </p:stCondLst>
-                            <p:childTnLst>
-                              <p:par>
-                                <p:cTn id="15" presetID="26" presetClass="emph" presetSubtype="0" fill="hold" grpId="2" nodeType="clickEffect">
-                                  <p:stCondLst>
-                                    <p:cond delay="0"/>
-                                  </p:stCondLst>
-                                  <p:childTnLst>
-                                    <p:animEffect transition="out" filter="fade">
-                                      <p:cBhvr>
-                                        <p:cTn id="16" dur="50" tmFilter="0, 0; .2, .5; .8, .5; 1, 0"/>
-                                        <p:tgtEl>
-                                          <p:spTgt spid="9"/>
-                                        </p:tgtEl>
-                                      </p:cBhvr>
-                                    </p:animEffect>
-                                    <p:animScale>
-                                      <p:cBhvr>
-                                        <p:cTn id="17" dur="25" autoRev="1" fill="hold"/>
-                                        <p:tgtEl>
-                                          <p:spTgt spid="9"/>
-                                        </p:tgtEl>
-                                      </p:cBhvr>
-                                      <p:by x="105000" y="105000"/>
-                                    </p:animScale>
-                                  </p:childTnLst>
-                                </p:cTn>
-                              </p:par>
-                            </p:childTnLst>
-                          </p:cTn>
-                        </p:par>
-                      </p:childTnLst>
-                    </p:cTn>
-                  </p:par>
-                </p:childTnLst>
-              </p:cTn>
-              <p:prevCondLst>
-                <p:cond evt="onPrev" delay="0">
-                  <p:tgtEl>
-                    <p:sldTgt/>
-                  </p:tgtEl>
-                </p:cond>
-              </p:prevCondLst>
-              <p:nextCondLst>
-                <p:cond evt="onNext" delay="0">
-                  <p:tgtEl>
-                    <p:sldTgt/>
-                  </p:tgtEl>
-                </p:cond>
-              </p:nextCondLst>
-            </p:seq>
-          </p:childTnLst>
-        </p:cTn>
-      </p:par>
-    </p:tnLst>
-    <p:bldLst>
-      <p:bldP spid="9" grpId="0" animBg="1"/>
-      <p:bldP spid="9" grpId="1" animBg="1"/>
-      <p:bldP spid="9" grpId="2" animBg="1"/>
-    </p:bldLst>
-  </p:timing>
-</p:sld>
-</file>
-
-<file path=ppt/slides/slide21.xml><?xml version="1.0" encoding="utf-8"?>
+<file path=ppt/slides/slide14.xml><?xml version="1.0" encoding="utf-8"?>
 <p:sld xmlns:a="http://schemas.openxmlformats.org/drawingml/2006/main" xmlns:r="http://schemas.openxmlformats.org/officeDocument/2006/relationships" xmlns:p="http://schemas.openxmlformats.org/presentationml/2006/main">
   <p:cSld>
     <p:spTree>
@@ -10366,95 +6324,216 @@
       </p:grpSpPr>
       <p:sp>
         <p:nvSpPr>
-          <p:cNvPr id="3" name="Espace réservé du contenu 2">
-            <a:extLst>
-              <a:ext uri="{FF2B5EF4-FFF2-40B4-BE49-F238E27FC236}">
-                <a16:creationId xmlns:a16="http://schemas.microsoft.com/office/drawing/2014/main" id="{5D1598F1-3F5E-181B-29E7-26081FFE38F7}"/>
-              </a:ext>
-            </a:extLst>
-          </p:cNvPr>
-          <p:cNvSpPr>
-            <a:spLocks noGrp="1"/>
-          </p:cNvSpPr>
-          <p:nvPr>
-            <p:ph idx="1"/>
-          </p:nvPr>
+          <p:cNvPr id="6" name="Sous-titre 2">
+            <a:extLst>
+              <a:ext uri="{FF2B5EF4-FFF2-40B4-BE49-F238E27FC236}">
+                <a16:creationId xmlns:a16="http://schemas.microsoft.com/office/drawing/2014/main" id="{3BCD69F1-18A3-8D63-D68C-8F4620299F31}"/>
+              </a:ext>
+            </a:extLst>
+          </p:cNvPr>
+          <p:cNvSpPr txBox="1">
+            <a:spLocks/>
+          </p:cNvSpPr>
+          <p:nvPr/>
         </p:nvSpPr>
         <p:spPr>
           <a:xfrm>
-            <a:off x="223520" y="1059656"/>
-            <a:ext cx="5872479" cy="5160163"/>
+            <a:off x="4533356" y="6517441"/>
+            <a:ext cx="2890647" cy="214122"/>
           </a:xfrm>
+          <a:prstGeom prst="rect">
+            <a:avLst/>
+          </a:prstGeom>
         </p:spPr>
         <p:txBody>
-          <a:bodyPr>
+          <a:bodyPr vert="horz" lIns="91440" tIns="45720" rIns="91440" bIns="45720" rtlCol="0">
             <a:noAutofit/>
           </a:bodyPr>
-          <a:lstStyle/>
+          <a:lstStyle>
+            <a:lvl1pPr marL="228600" indent="-228600" algn="l" defTabSz="914400" rtl="0" eaLnBrk="1" latinLnBrk="0" hangingPunct="1">
+              <a:lnSpc>
+                <a:spcPct val="90000"/>
+              </a:lnSpc>
+              <a:spcBef>
+                <a:spcPts val="1000"/>
+              </a:spcBef>
+              <a:buFont typeface="Arial" panose="020B0604020202020204" pitchFamily="34" charset="0"/>
+              <a:buChar char="•"/>
+              <a:defRPr sz="2800" kern="1200">
+                <a:solidFill>
+                  <a:schemeClr val="tx1"/>
+                </a:solidFill>
+                <a:latin typeface="+mn-lt"/>
+                <a:ea typeface="+mn-ea"/>
+                <a:cs typeface="+mn-cs"/>
+              </a:defRPr>
+            </a:lvl1pPr>
+            <a:lvl2pPr marL="685800" indent="-228600" algn="l" defTabSz="914400" rtl="0" eaLnBrk="1" latinLnBrk="0" hangingPunct="1">
+              <a:lnSpc>
+                <a:spcPct val="90000"/>
+              </a:lnSpc>
+              <a:spcBef>
+                <a:spcPts val="500"/>
+              </a:spcBef>
+              <a:buFont typeface="Arial" panose="020B0604020202020204" pitchFamily="34" charset="0"/>
+              <a:buChar char="•"/>
+              <a:defRPr sz="2400" kern="1200">
+                <a:solidFill>
+                  <a:schemeClr val="tx1"/>
+                </a:solidFill>
+                <a:latin typeface="+mn-lt"/>
+                <a:ea typeface="+mn-ea"/>
+                <a:cs typeface="+mn-cs"/>
+              </a:defRPr>
+            </a:lvl2pPr>
+            <a:lvl3pPr marL="1143000" indent="-228600" algn="l" defTabSz="914400" rtl="0" eaLnBrk="1" latinLnBrk="0" hangingPunct="1">
+              <a:lnSpc>
+                <a:spcPct val="90000"/>
+              </a:lnSpc>
+              <a:spcBef>
+                <a:spcPts val="500"/>
+              </a:spcBef>
+              <a:buFont typeface="Arial" panose="020B0604020202020204" pitchFamily="34" charset="0"/>
+              <a:buChar char="•"/>
+              <a:defRPr sz="2000" kern="1200">
+                <a:solidFill>
+                  <a:schemeClr val="tx1"/>
+                </a:solidFill>
+                <a:latin typeface="+mn-lt"/>
+                <a:ea typeface="+mn-ea"/>
+                <a:cs typeface="+mn-cs"/>
+              </a:defRPr>
+            </a:lvl3pPr>
+            <a:lvl4pPr marL="1600200" indent="-228600" algn="l" defTabSz="914400" rtl="0" eaLnBrk="1" latinLnBrk="0" hangingPunct="1">
+              <a:lnSpc>
+                <a:spcPct val="90000"/>
+              </a:lnSpc>
+              <a:spcBef>
+                <a:spcPts val="500"/>
+              </a:spcBef>
+              <a:buFont typeface="Arial" panose="020B0604020202020204" pitchFamily="34" charset="0"/>
+              <a:buChar char="•"/>
+              <a:defRPr sz="1800" kern="1200">
+                <a:solidFill>
+                  <a:schemeClr val="tx1"/>
+                </a:solidFill>
+                <a:latin typeface="+mn-lt"/>
+                <a:ea typeface="+mn-ea"/>
+                <a:cs typeface="+mn-cs"/>
+              </a:defRPr>
+            </a:lvl4pPr>
+            <a:lvl5pPr marL="2057400" indent="-228600" algn="l" defTabSz="914400" rtl="0" eaLnBrk="1" latinLnBrk="0" hangingPunct="1">
+              <a:lnSpc>
+                <a:spcPct val="90000"/>
+              </a:lnSpc>
+              <a:spcBef>
+                <a:spcPts val="500"/>
+              </a:spcBef>
+              <a:buFont typeface="Arial" panose="020B0604020202020204" pitchFamily="34" charset="0"/>
+              <a:buChar char="•"/>
+              <a:defRPr sz="1800" kern="1200">
+                <a:solidFill>
+                  <a:schemeClr val="tx1"/>
+                </a:solidFill>
+                <a:latin typeface="+mn-lt"/>
+                <a:ea typeface="+mn-ea"/>
+                <a:cs typeface="+mn-cs"/>
+              </a:defRPr>
+            </a:lvl5pPr>
+            <a:lvl6pPr marL="2514600" indent="-228600" algn="l" defTabSz="914400" rtl="0" eaLnBrk="1" latinLnBrk="0" hangingPunct="1">
+              <a:lnSpc>
+                <a:spcPct val="90000"/>
+              </a:lnSpc>
+              <a:spcBef>
+                <a:spcPts val="500"/>
+              </a:spcBef>
+              <a:buFont typeface="Arial" panose="020B0604020202020204" pitchFamily="34" charset="0"/>
+              <a:buChar char="•"/>
+              <a:defRPr sz="1800" kern="1200">
+                <a:solidFill>
+                  <a:schemeClr val="tx1"/>
+                </a:solidFill>
+                <a:latin typeface="+mn-lt"/>
+                <a:ea typeface="+mn-ea"/>
+                <a:cs typeface="+mn-cs"/>
+              </a:defRPr>
+            </a:lvl6pPr>
+            <a:lvl7pPr marL="2971800" indent="-228600" algn="l" defTabSz="914400" rtl="0" eaLnBrk="1" latinLnBrk="0" hangingPunct="1">
+              <a:lnSpc>
+                <a:spcPct val="90000"/>
+              </a:lnSpc>
+              <a:spcBef>
+                <a:spcPts val="500"/>
+              </a:spcBef>
+              <a:buFont typeface="Arial" panose="020B0604020202020204" pitchFamily="34" charset="0"/>
+              <a:buChar char="•"/>
+              <a:defRPr sz="1800" kern="1200">
+                <a:solidFill>
+                  <a:schemeClr val="tx1"/>
+                </a:solidFill>
+                <a:latin typeface="+mn-lt"/>
+                <a:ea typeface="+mn-ea"/>
+                <a:cs typeface="+mn-cs"/>
+              </a:defRPr>
+            </a:lvl7pPr>
+            <a:lvl8pPr marL="3429000" indent="-228600" algn="l" defTabSz="914400" rtl="0" eaLnBrk="1" latinLnBrk="0" hangingPunct="1">
+              <a:lnSpc>
+                <a:spcPct val="90000"/>
+              </a:lnSpc>
+              <a:spcBef>
+                <a:spcPts val="500"/>
+              </a:spcBef>
+              <a:buFont typeface="Arial" panose="020B0604020202020204" pitchFamily="34" charset="0"/>
+              <a:buChar char="•"/>
+              <a:defRPr sz="1800" kern="1200">
+                <a:solidFill>
+                  <a:schemeClr val="tx1"/>
+                </a:solidFill>
+                <a:latin typeface="+mn-lt"/>
+                <a:ea typeface="+mn-ea"/>
+                <a:cs typeface="+mn-cs"/>
+              </a:defRPr>
+            </a:lvl8pPr>
+            <a:lvl9pPr marL="3886200" indent="-228600" algn="l" defTabSz="914400" rtl="0" eaLnBrk="1" latinLnBrk="0" hangingPunct="1">
+              <a:lnSpc>
+                <a:spcPct val="90000"/>
+              </a:lnSpc>
+              <a:spcBef>
+                <a:spcPts val="500"/>
+              </a:spcBef>
+              <a:buFont typeface="Arial" panose="020B0604020202020204" pitchFamily="34" charset="0"/>
+              <a:buChar char="•"/>
+              <a:defRPr sz="1800" kern="1200">
+                <a:solidFill>
+                  <a:schemeClr val="tx1"/>
+                </a:solidFill>
+                <a:latin typeface="+mn-lt"/>
+                <a:ea typeface="+mn-ea"/>
+                <a:cs typeface="+mn-cs"/>
+              </a:defRPr>
+            </a:lvl9pPr>
+          </a:lstStyle>
           <a:p>
             <a:pPr marL="0" indent="0">
-              <a:lnSpc>
-                <a:spcPct val="200000"/>
-              </a:lnSpc>
               <a:buNone/>
             </a:pPr>
             <a:r>
-              <a:rPr lang="fr-FR" sz="2200" b="1" dirty="0"/>
-              <a:t>Dans cet atelier, nous allons:</a:t>
-            </a:r>
-          </a:p>
-          <a:p>
-            <a:pPr>
-              <a:lnSpc>
-                <a:spcPct val="200000"/>
-              </a:lnSpc>
-            </a:pPr>
-            <a:r>
-              <a:rPr lang="fr-FR" sz="2200" dirty="0"/>
-              <a:t>Analyser notre architecture monolithique</a:t>
-            </a:r>
-          </a:p>
-          <a:p>
-            <a:pPr>
-              <a:lnSpc>
-                <a:spcPct val="200000"/>
-              </a:lnSpc>
-            </a:pPr>
-            <a:r>
-              <a:rPr lang="fr-FR" sz="2200" dirty="0"/>
-              <a:t>Identifier les contextes et les délimiter</a:t>
-            </a:r>
-          </a:p>
-          <a:p>
-            <a:pPr>
-              <a:lnSpc>
-                <a:spcPct val="200000"/>
-              </a:lnSpc>
-            </a:pPr>
-            <a:r>
-              <a:rPr lang="fr-FR" sz="2200" dirty="0"/>
-              <a:t>Identifier les contextes éligibles pour devenir des services</a:t>
-            </a:r>
-          </a:p>
-          <a:p>
-            <a:pPr>
-              <a:lnSpc>
-                <a:spcPct val="200000"/>
-              </a:lnSpc>
-            </a:pPr>
-            <a:r>
-              <a:rPr lang="fr-FR" sz="2200" dirty="0"/>
-              <a:t>Construire notre architecture microservices</a:t>
-            </a:r>
-          </a:p>
-        </p:txBody>
-      </p:sp>
-      <p:sp>
-        <p:nvSpPr>
-          <p:cNvPr id="4" name="Titre 1">
-            <a:extLst>
-              <a:ext uri="{FF2B5EF4-FFF2-40B4-BE49-F238E27FC236}">
-                <a16:creationId xmlns:a16="http://schemas.microsoft.com/office/drawing/2014/main" id="{9F8046C7-59C6-E9C9-C220-2A88E0E8AA74}"/>
+              <a:rPr lang="fr-FR" sz="1100" b="1" dirty="0">
+                <a:solidFill>
+                  <a:schemeClr val="tx2"/>
+                </a:solidFill>
+              </a:rPr>
+              <a:t>Préparé et Présenté par Daniel  Lawson</a:t>
+            </a:r>
+          </a:p>
+        </p:txBody>
+      </p:sp>
+      <p:sp>
+        <p:nvSpPr>
+          <p:cNvPr id="7" name="Titre 1">
+            <a:extLst>
+              <a:ext uri="{FF2B5EF4-FFF2-40B4-BE49-F238E27FC236}">
+                <a16:creationId xmlns:a16="http://schemas.microsoft.com/office/drawing/2014/main" id="{D122964A-2BA9-92D7-4F45-EFEFCAE30085}"/>
               </a:ext>
             </a:extLst>
           </p:cNvPr>
@@ -10505,10 +6584,10 @@
       </p:sp>
       <p:cxnSp>
         <p:nvCxnSpPr>
-          <p:cNvPr id="5" name="Connecteur droit 4">
-            <a:extLst>
-              <a:ext uri="{FF2B5EF4-FFF2-40B4-BE49-F238E27FC236}">
-                <a16:creationId xmlns:a16="http://schemas.microsoft.com/office/drawing/2014/main" id="{555718AF-B7AD-AAD3-6D4E-C60371FD6A96}"/>
+          <p:cNvPr id="8" name="Connecteur droit 7">
+            <a:extLst>
+              <a:ext uri="{FF2B5EF4-FFF2-40B4-BE49-F238E27FC236}">
+                <a16:creationId xmlns:a16="http://schemas.microsoft.com/office/drawing/2014/main" id="{532989CB-805A-AC94-902B-454502F05937}"/>
               </a:ext>
             </a:extLst>
           </p:cNvPr>
@@ -10543,273 +6622,20 @@
       </p:cxnSp>
       <p:sp>
         <p:nvSpPr>
-          <p:cNvPr id="6" name="Sous-titre 2">
-            <a:extLst>
-              <a:ext uri="{FF2B5EF4-FFF2-40B4-BE49-F238E27FC236}">
-                <a16:creationId xmlns:a16="http://schemas.microsoft.com/office/drawing/2014/main" id="{02826535-6718-FF2C-7532-A8BEE5D7C409}"/>
-              </a:ext>
-            </a:extLst>
-          </p:cNvPr>
-          <p:cNvSpPr txBox="1">
-            <a:spLocks/>
-          </p:cNvSpPr>
+          <p:cNvPr id="9" name="ZoneTexte 8">
+            <a:extLst>
+              <a:ext uri="{FF2B5EF4-FFF2-40B4-BE49-F238E27FC236}">
+                <a16:creationId xmlns:a16="http://schemas.microsoft.com/office/drawing/2014/main" id="{D15A4471-AA2D-82AE-EDE6-DA6191814647}"/>
+              </a:ext>
+            </a:extLst>
+          </p:cNvPr>
+          <p:cNvSpPr txBox="1"/>
           <p:nvPr/>
         </p:nvSpPr>
         <p:spPr>
           <a:xfrm>
-            <a:off x="121794" y="6617710"/>
-            <a:ext cx="2890647" cy="214122"/>
-          </a:xfrm>
-          <a:prstGeom prst="rect">
-            <a:avLst/>
-          </a:prstGeom>
-        </p:spPr>
-        <p:txBody>
-          <a:bodyPr vert="horz" lIns="91440" tIns="45720" rIns="91440" bIns="45720" rtlCol="0">
-            <a:noAutofit/>
-          </a:bodyPr>
-          <a:lstStyle>
-            <a:lvl1pPr marL="228600" indent="-228600" algn="l" defTabSz="914400" rtl="0" eaLnBrk="1" latinLnBrk="0" hangingPunct="1">
-              <a:lnSpc>
-                <a:spcPct val="90000"/>
-              </a:lnSpc>
-              <a:spcBef>
-                <a:spcPts val="1000"/>
-              </a:spcBef>
-              <a:buFont typeface="Arial" panose="020B0604020202020204" pitchFamily="34" charset="0"/>
-              <a:buChar char="•"/>
-              <a:defRPr sz="2800" kern="1200">
-                <a:solidFill>
-                  <a:schemeClr val="tx1"/>
-                </a:solidFill>
-                <a:latin typeface="+mn-lt"/>
-                <a:ea typeface="+mn-ea"/>
-                <a:cs typeface="+mn-cs"/>
-              </a:defRPr>
-            </a:lvl1pPr>
-            <a:lvl2pPr marL="685800" indent="-228600" algn="l" defTabSz="914400" rtl="0" eaLnBrk="1" latinLnBrk="0" hangingPunct="1">
-              <a:lnSpc>
-                <a:spcPct val="90000"/>
-              </a:lnSpc>
-              <a:spcBef>
-                <a:spcPts val="500"/>
-              </a:spcBef>
-              <a:buFont typeface="Arial" panose="020B0604020202020204" pitchFamily="34" charset="0"/>
-              <a:buChar char="•"/>
-              <a:defRPr sz="2400" kern="1200">
-                <a:solidFill>
-                  <a:schemeClr val="tx1"/>
-                </a:solidFill>
-                <a:latin typeface="+mn-lt"/>
-                <a:ea typeface="+mn-ea"/>
-                <a:cs typeface="+mn-cs"/>
-              </a:defRPr>
-            </a:lvl2pPr>
-            <a:lvl3pPr marL="1143000" indent="-228600" algn="l" defTabSz="914400" rtl="0" eaLnBrk="1" latinLnBrk="0" hangingPunct="1">
-              <a:lnSpc>
-                <a:spcPct val="90000"/>
-              </a:lnSpc>
-              <a:spcBef>
-                <a:spcPts val="500"/>
-              </a:spcBef>
-              <a:buFont typeface="Arial" panose="020B0604020202020204" pitchFamily="34" charset="0"/>
-              <a:buChar char="•"/>
-              <a:defRPr sz="2000" kern="1200">
-                <a:solidFill>
-                  <a:schemeClr val="tx1"/>
-                </a:solidFill>
-                <a:latin typeface="+mn-lt"/>
-                <a:ea typeface="+mn-ea"/>
-                <a:cs typeface="+mn-cs"/>
-              </a:defRPr>
-            </a:lvl3pPr>
-            <a:lvl4pPr marL="1600200" indent="-228600" algn="l" defTabSz="914400" rtl="0" eaLnBrk="1" latinLnBrk="0" hangingPunct="1">
-              <a:lnSpc>
-                <a:spcPct val="90000"/>
-              </a:lnSpc>
-              <a:spcBef>
-                <a:spcPts val="500"/>
-              </a:spcBef>
-              <a:buFont typeface="Arial" panose="020B0604020202020204" pitchFamily="34" charset="0"/>
-              <a:buChar char="•"/>
-              <a:defRPr sz="1800" kern="1200">
-                <a:solidFill>
-                  <a:schemeClr val="tx1"/>
-                </a:solidFill>
-                <a:latin typeface="+mn-lt"/>
-                <a:ea typeface="+mn-ea"/>
-                <a:cs typeface="+mn-cs"/>
-              </a:defRPr>
-            </a:lvl4pPr>
-            <a:lvl5pPr marL="2057400" indent="-228600" algn="l" defTabSz="914400" rtl="0" eaLnBrk="1" latinLnBrk="0" hangingPunct="1">
-              <a:lnSpc>
-                <a:spcPct val="90000"/>
-              </a:lnSpc>
-              <a:spcBef>
-                <a:spcPts val="500"/>
-              </a:spcBef>
-              <a:buFont typeface="Arial" panose="020B0604020202020204" pitchFamily="34" charset="0"/>
-              <a:buChar char="•"/>
-              <a:defRPr sz="1800" kern="1200">
-                <a:solidFill>
-                  <a:schemeClr val="tx1"/>
-                </a:solidFill>
-                <a:latin typeface="+mn-lt"/>
-                <a:ea typeface="+mn-ea"/>
-                <a:cs typeface="+mn-cs"/>
-              </a:defRPr>
-            </a:lvl5pPr>
-            <a:lvl6pPr marL="2514600" indent="-228600" algn="l" defTabSz="914400" rtl="0" eaLnBrk="1" latinLnBrk="0" hangingPunct="1">
-              <a:lnSpc>
-                <a:spcPct val="90000"/>
-              </a:lnSpc>
-              <a:spcBef>
-                <a:spcPts val="500"/>
-              </a:spcBef>
-              <a:buFont typeface="Arial" panose="020B0604020202020204" pitchFamily="34" charset="0"/>
-              <a:buChar char="•"/>
-              <a:defRPr sz="1800" kern="1200">
-                <a:solidFill>
-                  <a:schemeClr val="tx1"/>
-                </a:solidFill>
-                <a:latin typeface="+mn-lt"/>
-                <a:ea typeface="+mn-ea"/>
-                <a:cs typeface="+mn-cs"/>
-              </a:defRPr>
-            </a:lvl6pPr>
-            <a:lvl7pPr marL="2971800" indent="-228600" algn="l" defTabSz="914400" rtl="0" eaLnBrk="1" latinLnBrk="0" hangingPunct="1">
-              <a:lnSpc>
-                <a:spcPct val="90000"/>
-              </a:lnSpc>
-              <a:spcBef>
-                <a:spcPts val="500"/>
-              </a:spcBef>
-              <a:buFont typeface="Arial" panose="020B0604020202020204" pitchFamily="34" charset="0"/>
-              <a:buChar char="•"/>
-              <a:defRPr sz="1800" kern="1200">
-                <a:solidFill>
-                  <a:schemeClr val="tx1"/>
-                </a:solidFill>
-                <a:latin typeface="+mn-lt"/>
-                <a:ea typeface="+mn-ea"/>
-                <a:cs typeface="+mn-cs"/>
-              </a:defRPr>
-            </a:lvl7pPr>
-            <a:lvl8pPr marL="3429000" indent="-228600" algn="l" defTabSz="914400" rtl="0" eaLnBrk="1" latinLnBrk="0" hangingPunct="1">
-              <a:lnSpc>
-                <a:spcPct val="90000"/>
-              </a:lnSpc>
-              <a:spcBef>
-                <a:spcPts val="500"/>
-              </a:spcBef>
-              <a:buFont typeface="Arial" panose="020B0604020202020204" pitchFamily="34" charset="0"/>
-              <a:buChar char="•"/>
-              <a:defRPr sz="1800" kern="1200">
-                <a:solidFill>
-                  <a:schemeClr val="tx1"/>
-                </a:solidFill>
-                <a:latin typeface="+mn-lt"/>
-                <a:ea typeface="+mn-ea"/>
-                <a:cs typeface="+mn-cs"/>
-              </a:defRPr>
-            </a:lvl8pPr>
-            <a:lvl9pPr marL="3886200" indent="-228600" algn="l" defTabSz="914400" rtl="0" eaLnBrk="1" latinLnBrk="0" hangingPunct="1">
-              <a:lnSpc>
-                <a:spcPct val="90000"/>
-              </a:lnSpc>
-              <a:spcBef>
-                <a:spcPts val="500"/>
-              </a:spcBef>
-              <a:buFont typeface="Arial" panose="020B0604020202020204" pitchFamily="34" charset="0"/>
-              <a:buChar char="•"/>
-              <a:defRPr sz="1800" kern="1200">
-                <a:solidFill>
-                  <a:schemeClr val="tx1"/>
-                </a:solidFill>
-                <a:latin typeface="+mn-lt"/>
-                <a:ea typeface="+mn-ea"/>
-                <a:cs typeface="+mn-cs"/>
-              </a:defRPr>
-            </a:lvl9pPr>
-          </a:lstStyle>
-          <a:p>
-            <a:pPr marL="0" indent="0">
-              <a:buNone/>
-            </a:pPr>
-            <a:r>
-              <a:rPr lang="fr-FR" sz="1100" b="1" dirty="0">
-                <a:solidFill>
-                  <a:schemeClr val="tx2"/>
-                </a:solidFill>
-              </a:rPr>
-              <a:t>Préparé et Présenté par Daniel  Lawson</a:t>
-            </a:r>
-          </a:p>
-        </p:txBody>
-      </p:sp>
-      <p:pic>
-        <p:nvPicPr>
-          <p:cNvPr id="2050" name="Picture 2" descr="Science, Expérience, Recherche">
-            <a:extLst>
-              <a:ext uri="{FF2B5EF4-FFF2-40B4-BE49-F238E27FC236}">
-                <a16:creationId xmlns:a16="http://schemas.microsoft.com/office/drawing/2014/main" id="{2A162B4A-1099-686D-3511-A50E93291473}"/>
-              </a:ext>
-            </a:extLst>
-          </p:cNvPr>
-          <p:cNvPicPr>
-            <a:picLocks noChangeAspect="1" noChangeArrowheads="1"/>
-          </p:cNvPicPr>
-          <p:nvPr/>
-        </p:nvPicPr>
-        <p:blipFill>
-          <a:blip r:embed="rId3">
-            <a:extLst>
-              <a:ext uri="{28A0092B-C50C-407E-A947-70E740481C1C}">
-                <a14:useLocalDpi xmlns:a14="http://schemas.microsoft.com/office/drawing/2010/main" val="0"/>
-              </a:ext>
-            </a:extLst>
-          </a:blip>
-          <a:srcRect/>
-          <a:stretch>
-            <a:fillRect/>
-          </a:stretch>
-        </p:blipFill>
-        <p:spPr bwMode="auto">
-          <a:xfrm>
-            <a:off x="6217920" y="883920"/>
-            <a:ext cx="5974080" cy="5974080"/>
-          </a:xfrm>
-          <a:prstGeom prst="rect">
-            <a:avLst/>
-          </a:prstGeom>
-          <a:noFill/>
-          <a:extLst>
-            <a:ext uri="{909E8E84-426E-40DD-AFC4-6F175D3DCCD1}">
-              <a14:hiddenFill xmlns:a14="http://schemas.microsoft.com/office/drawing/2010/main">
-                <a:solidFill>
-                  <a:srgbClr val="FFFFFF"/>
-                </a:solidFill>
-              </a14:hiddenFill>
-            </a:ext>
-          </a:extLst>
-        </p:spPr>
-      </p:pic>
-      <p:sp>
-        <p:nvSpPr>
-          <p:cNvPr id="2" name="ZoneTexte 1">
-            <a:extLst>
-              <a:ext uri="{FF2B5EF4-FFF2-40B4-BE49-F238E27FC236}">
-                <a16:creationId xmlns:a16="http://schemas.microsoft.com/office/drawing/2014/main" id="{B750248E-14FB-35CE-A7F3-F017DB5C389E}"/>
-              </a:ext>
-            </a:extLst>
-          </p:cNvPr>
-          <p:cNvSpPr txBox="1"/>
-          <p:nvPr/>
-        </p:nvSpPr>
-        <p:spPr>
-          <a:xfrm>
-            <a:off x="8504872" y="1152525"/>
-            <a:ext cx="1400175" cy="769441"/>
+            <a:off x="223520" y="1072832"/>
+            <a:ext cx="6045200" cy="400110"/>
           </a:xfrm>
           <a:prstGeom prst="rect">
             <a:avLst/>
@@ -10822,22 +6648,131 @@
           </a:bodyPr>
           <a:lstStyle/>
           <a:p>
-            <a:pPr algn="ctr"/>
-            <a:r>
-              <a:rPr lang="fr-FR" sz="4400" b="1" dirty="0">
-                <a:solidFill>
-                  <a:schemeClr val="bg1"/>
-                </a:solidFill>
-              </a:rPr>
-              <a:t>LAB</a:t>
-            </a:r>
+            <a:r>
+              <a:rPr lang="fr-FR" sz="2000" b="1" dirty="0"/>
+              <a:t>Modules fonctionnels de l’application monolithe : </a:t>
+            </a:r>
+          </a:p>
+        </p:txBody>
+      </p:sp>
+      <p:sp>
+        <p:nvSpPr>
+          <p:cNvPr id="11" name="ZoneTexte 10">
+            <a:extLst>
+              <a:ext uri="{FF2B5EF4-FFF2-40B4-BE49-F238E27FC236}">
+                <a16:creationId xmlns:a16="http://schemas.microsoft.com/office/drawing/2014/main" id="{A4DA49AF-D8C2-23F8-43E6-82024B6DDBC9}"/>
+              </a:ext>
+            </a:extLst>
+          </p:cNvPr>
+          <p:cNvSpPr txBox="1"/>
+          <p:nvPr/>
+        </p:nvSpPr>
+        <p:spPr>
+          <a:xfrm>
+            <a:off x="223520" y="1678224"/>
+            <a:ext cx="11887200" cy="4801314"/>
+          </a:xfrm>
+          <a:prstGeom prst="rect">
+            <a:avLst/>
+          </a:prstGeom>
+          <a:noFill/>
+        </p:spPr>
+        <p:txBody>
+          <a:bodyPr wrap="square">
+            <a:spAutoFit/>
+          </a:bodyPr>
+          <a:lstStyle/>
+          <a:p>
+            <a:r>
+              <a:rPr lang="fr-FR" b="1" dirty="0"/>
+              <a:t>Catalogue des restaurants : </a:t>
+            </a:r>
+          </a:p>
+          <a:p>
+            <a:r>
+              <a:rPr lang="fr-FR" dirty="0"/>
+              <a:t>Gestion des restaurants (ajout, suppression, mise à jour), Gestion des menus (plats, prix, options personnalisées), </a:t>
+            </a:r>
+          </a:p>
+          <a:p>
+            <a:endParaRPr lang="fr-FR" dirty="0"/>
+          </a:p>
+          <a:p>
+            <a:r>
+              <a:rPr lang="fr-FR" b="1" dirty="0"/>
+              <a:t>Gestion des utilisateurs :</a:t>
+            </a:r>
+          </a:p>
+          <a:p>
+            <a:r>
+              <a:rPr lang="fr-FR" dirty="0"/>
+              <a:t>Inscription et connexion des utilisateurs (clients et restaurateurs), Gestion des rôles (client, restaurateur, livreur)</a:t>
+            </a:r>
+          </a:p>
+          <a:p>
+            <a:r>
+              <a:rPr lang="fr-FR" dirty="0"/>
+              <a:t>Profil utilisateur (adresses, préférences alimentaires)</a:t>
+            </a:r>
+          </a:p>
+          <a:p>
+            <a:endParaRPr lang="fr-FR" dirty="0"/>
+          </a:p>
+          <a:p>
+            <a:r>
+              <a:rPr lang="fr-FR" b="1" dirty="0"/>
+              <a:t>Commandes :</a:t>
+            </a:r>
+          </a:p>
+          <a:p>
+            <a:r>
+              <a:rPr lang="fr-FR" dirty="0"/>
+              <a:t>Création des commandes (sélection de plats, personnalisation), Calcul du prix total (plats, taxes, frais de livraison)</a:t>
+            </a:r>
+          </a:p>
+          <a:p>
+            <a:r>
+              <a:rPr lang="fr-FR" dirty="0"/>
+              <a:t>Suivi des statuts de commande (en attente, en cours, livrée)</a:t>
+            </a:r>
+          </a:p>
+          <a:p>
+            <a:endParaRPr lang="fr-FR" dirty="0"/>
+          </a:p>
+          <a:p>
+            <a:r>
+              <a:rPr lang="fr-FR" b="1" dirty="0"/>
+              <a:t>Paiements :</a:t>
+            </a:r>
+          </a:p>
+          <a:p>
+            <a:r>
+              <a:rPr lang="fr-FR" dirty="0"/>
+              <a:t>Gestion des moyens de paiement (cartes, PayPal, etc.), Validation des paiements en ligne, Gestion des remboursements</a:t>
+            </a:r>
+          </a:p>
+          <a:p>
+            <a:endParaRPr lang="fr-FR" dirty="0"/>
+          </a:p>
+          <a:p>
+            <a:r>
+              <a:rPr lang="fr-FR" b="1" dirty="0"/>
+              <a:t>Gestion des livreurs : </a:t>
+            </a:r>
+            <a:r>
+              <a:rPr lang="fr-FR" dirty="0"/>
+              <a:t>Attribution des commandes aux livreurs, Gestion des disponibilités des livreurs</a:t>
+            </a:r>
+          </a:p>
+          <a:p>
+            <a:endParaRPr lang="fr-FR" dirty="0"/>
           </a:p>
         </p:txBody>
       </p:sp>
     </p:spTree>
     <p:extLst>
       <p:ext uri="{BB962C8B-B14F-4D97-AF65-F5344CB8AC3E}">
-        <p14:creationId xmlns:p14="http://schemas.microsoft.com/office/powerpoint/2010/main" val="1619280332"/>
+        <p14:creationId xmlns:p14="http://schemas.microsoft.com/office/powerpoint/2010/main" val="1850163373"/>
       </p:ext>
     </p:extLst>
   </p:cSld>
@@ -10847,7 +6782,7 @@
 </p:sld>
 </file>
 
-<file path=ppt/slides/slide22.xml><?xml version="1.0" encoding="utf-8"?>
+<file path=ppt/slides/slide15.xml><?xml version="1.0" encoding="utf-8"?>
 <p:sld xmlns:a="http://schemas.openxmlformats.org/drawingml/2006/main" xmlns:r="http://schemas.openxmlformats.org/officeDocument/2006/relationships" xmlns:p="http://schemas.openxmlformats.org/presentationml/2006/main">
   <p:cSld>
     <p:spTree>
@@ -11212,7 +7147,7 @@
         <p:spPr>
           <a:xfrm>
             <a:off x="223520" y="1678224"/>
-            <a:ext cx="11887200" cy="4801314"/>
+            <a:ext cx="11887200" cy="3693319"/>
           </a:xfrm>
           <a:prstGeom prst="rect">
             <a:avLst/>
@@ -11227,13 +7162,25 @@
           <a:p>
             <a:r>
               <a:rPr lang="fr-FR" b="1" dirty="0"/>
-              <a:t>Catalogue des restaurants : </a:t>
+              <a:t>Livraison et suivi des commandes :</a:t>
             </a:r>
           </a:p>
           <a:p>
             <a:r>
               <a:rPr lang="fr-FR" dirty="0"/>
-              <a:t>Gestion des restaurants (ajout, suppression, mise à jour), Gestion des menus (plats, prix, options personnalisées), </a:t>
+              <a:t>Suivi en temps réel des commandes (restaurant → livreur → client)</a:t>
+            </a:r>
+          </a:p>
+          <a:p>
+            <a:r>
+              <a:rPr lang="fr-FR" dirty="0"/>
+              <a:t>Calcul automatique des itinéraires pour les livreurs</a:t>
+            </a:r>
+          </a:p>
+          <a:p>
+            <a:r>
+              <a:rPr lang="fr-FR" dirty="0"/>
+              <a:t>Notifications en temps réel pour les clients et les livreurs (via SMS ou application)</a:t>
             </a:r>
           </a:p>
           <a:p>
@@ -11242,19 +7189,19 @@
           <a:p>
             <a:r>
               <a:rPr lang="fr-FR" b="1" dirty="0"/>
-              <a:t>Gestion des utilisateurs :</a:t>
+              <a:t>Système de notation et avis :</a:t>
             </a:r>
           </a:p>
           <a:p>
             <a:r>
               <a:rPr lang="fr-FR" dirty="0"/>
-              <a:t>Inscription et connexion des utilisateurs (clients et restaurateurs), Gestion des rôles (client, restaurateur, livreur)</a:t>
+              <a:t>Système de notation des restaurants et des livreurs par les clients</a:t>
             </a:r>
           </a:p>
           <a:p>
             <a:r>
               <a:rPr lang="fr-FR" dirty="0"/>
-              <a:t>Profil utilisateur (adresses, préférences alimentaires)</a:t>
+              <a:t>Gestion des avis clients (commentaires, évaluations)</a:t>
             </a:r>
           </a:p>
           <a:p>
@@ -11263,47 +7210,19 @@
           <a:p>
             <a:r>
               <a:rPr lang="fr-FR" b="1" dirty="0"/>
-              <a:t>Commandes :</a:t>
+              <a:t>Promotions et réductions :</a:t>
             </a:r>
           </a:p>
           <a:p>
             <a:r>
               <a:rPr lang="fr-FR" dirty="0"/>
-              <a:t>Création des commandes (sélection de plats, personnalisation), Calcul du prix total (plats, taxes, frais de livraison)</a:t>
+              <a:t>Gestion des codes promotionnels</a:t>
             </a:r>
           </a:p>
           <a:p>
             <a:r>
               <a:rPr lang="fr-FR" dirty="0"/>
-              <a:t>Suivi des statuts de commande (en attente, en cours, livrée)</a:t>
-            </a:r>
-          </a:p>
-          <a:p>
-            <a:endParaRPr lang="fr-FR" dirty="0"/>
-          </a:p>
-          <a:p>
-            <a:r>
-              <a:rPr lang="fr-FR" b="1" dirty="0"/>
-              <a:t>Paiements :</a:t>
-            </a:r>
-          </a:p>
-          <a:p>
-            <a:r>
-              <a:rPr lang="fr-FR" dirty="0"/>
-              <a:t>Gestion des moyens de paiement (cartes, PayPal, etc.), Validation des paiements en ligne, Gestion des remboursements</a:t>
-            </a:r>
-          </a:p>
-          <a:p>
-            <a:endParaRPr lang="fr-FR" dirty="0"/>
-          </a:p>
-          <a:p>
-            <a:r>
-              <a:rPr lang="fr-FR" b="1" dirty="0"/>
-              <a:t>Gestion des livreurs : </a:t>
-            </a:r>
-            <a:r>
-              <a:rPr lang="fr-FR" dirty="0"/>
-              <a:t>Attribution des commandes aux livreurs, Gestion des disponibilités des livreurs</a:t>
+              <a:t>Application automatique des réductions en fonction des conditions (restaurants participants, montants, etc.)</a:t>
             </a:r>
           </a:p>
           <a:p>
@@ -11314,7 +7233,7 @@
     </p:spTree>
     <p:extLst>
       <p:ext uri="{BB962C8B-B14F-4D97-AF65-F5344CB8AC3E}">
-        <p14:creationId xmlns:p14="http://schemas.microsoft.com/office/powerpoint/2010/main" val="1850163373"/>
+        <p14:creationId xmlns:p14="http://schemas.microsoft.com/office/powerpoint/2010/main" val="2650891039"/>
       </p:ext>
     </p:extLst>
   </p:cSld>
@@ -11324,7 +7243,7 @@
 </p:sld>
 </file>
 
-<file path=ppt/slides/slide23.xml><?xml version="1.0" encoding="utf-8"?>
+<file path=ppt/slides/slide16.xml><?xml version="1.0" encoding="utf-8"?>
 <p:sld xmlns:a="http://schemas.openxmlformats.org/drawingml/2006/main" xmlns:r="http://schemas.openxmlformats.org/officeDocument/2006/relationships" xmlns:p="http://schemas.openxmlformats.org/presentationml/2006/main">
   <p:cSld>
     <p:spTree>
@@ -11343,10 +7262,185 @@
       </p:grpSpPr>
       <p:sp>
         <p:nvSpPr>
-          <p:cNvPr id="6" name="Sous-titre 2">
-            <a:extLst>
-              <a:ext uri="{FF2B5EF4-FFF2-40B4-BE49-F238E27FC236}">
-                <a16:creationId xmlns:a16="http://schemas.microsoft.com/office/drawing/2014/main" id="{3BCD69F1-18A3-8D63-D68C-8F4620299F31}"/>
+          <p:cNvPr id="3" name="ZoneTexte 2">
+            <a:extLst>
+              <a:ext uri="{FF2B5EF4-FFF2-40B4-BE49-F238E27FC236}">
+                <a16:creationId xmlns:a16="http://schemas.microsoft.com/office/drawing/2014/main" id="{0A088750-6E52-3EB9-2C35-A5C7D459EC76}"/>
+              </a:ext>
+            </a:extLst>
+          </p:cNvPr>
+          <p:cNvSpPr txBox="1"/>
+          <p:nvPr/>
+        </p:nvSpPr>
+        <p:spPr>
+          <a:xfrm>
+            <a:off x="3152775" y="3067362"/>
+            <a:ext cx="5886450" cy="723275"/>
+          </a:xfrm>
+          <a:prstGeom prst="rect">
+            <a:avLst/>
+          </a:prstGeom>
+          <a:noFill/>
+        </p:spPr>
+        <p:txBody>
+          <a:bodyPr wrap="square">
+            <a:spAutoFit/>
+          </a:bodyPr>
+          <a:lstStyle/>
+          <a:p>
+            <a:pPr algn="ctr"/>
+            <a:r>
+              <a:rPr lang="fr-FR" sz="4100" b="1" dirty="0">
+                <a:solidFill>
+                  <a:schemeClr val="tx2"/>
+                </a:solidFill>
+                <a:latin typeface="Lora" pitchFamily="2" charset="0"/>
+              </a:rPr>
+              <a:t>Fin du module</a:t>
+            </a:r>
+            <a:endParaRPr lang="fr-FR" sz="4100" dirty="0"/>
+          </a:p>
+        </p:txBody>
+      </p:sp>
+    </p:spTree>
+    <p:extLst>
+      <p:ext uri="{BB962C8B-B14F-4D97-AF65-F5344CB8AC3E}">
+        <p14:creationId xmlns:p14="http://schemas.microsoft.com/office/powerpoint/2010/main" val="183448337"/>
+      </p:ext>
+    </p:extLst>
+  </p:cSld>
+  <p:clrMapOvr>
+    <a:masterClrMapping/>
+  </p:clrMapOvr>
+</p:sld>
+</file>
+
+<file path=ppt/slides/slide2.xml><?xml version="1.0" encoding="utf-8"?>
+<p:sld xmlns:a="http://schemas.openxmlformats.org/drawingml/2006/main" xmlns:r="http://schemas.openxmlformats.org/officeDocument/2006/relationships" xmlns:p="http://schemas.openxmlformats.org/presentationml/2006/main">
+  <p:cSld>
+    <p:spTree>
+      <p:nvGrpSpPr>
+        <p:cNvPr id="1" name=""/>
+        <p:cNvGrpSpPr/>
+        <p:nvPr/>
+      </p:nvGrpSpPr>
+      <p:grpSpPr>
+        <a:xfrm>
+          <a:off x="0" y="0"/>
+          <a:ext cx="0" cy="0"/>
+          <a:chOff x="0" y="0"/>
+          <a:chExt cx="0" cy="0"/>
+        </a:xfrm>
+      </p:grpSpPr>
+      <p:sp>
+        <p:nvSpPr>
+          <p:cNvPr id="3" name="Espace réservé du contenu 2">
+            <a:extLst>
+              <a:ext uri="{FF2B5EF4-FFF2-40B4-BE49-F238E27FC236}">
+                <a16:creationId xmlns:a16="http://schemas.microsoft.com/office/drawing/2014/main" id="{5D1598F1-3F5E-181B-29E7-26081FFE38F7}"/>
+              </a:ext>
+            </a:extLst>
+          </p:cNvPr>
+          <p:cNvSpPr>
+            <a:spLocks noGrp="1"/>
+          </p:cNvSpPr>
+          <p:nvPr>
+            <p:ph idx="1"/>
+          </p:nvPr>
+        </p:nvSpPr>
+        <p:spPr>
+          <a:xfrm>
+            <a:off x="320040" y="1287145"/>
+            <a:ext cx="10515600" cy="4036695"/>
+          </a:xfrm>
+        </p:spPr>
+        <p:txBody>
+          <a:bodyPr>
+            <a:noAutofit/>
+          </a:bodyPr>
+          <a:lstStyle/>
+          <a:p>
+            <a:pPr>
+              <a:lnSpc>
+                <a:spcPct val="150000"/>
+              </a:lnSpc>
+            </a:pPr>
+            <a:r>
+              <a:rPr lang="fr-FR" sz="2200" dirty="0"/>
+              <a:t>Quelques questions de notre DSI</a:t>
+            </a:r>
+          </a:p>
+          <a:p>
+            <a:pPr>
+              <a:lnSpc>
+                <a:spcPct val="150000"/>
+              </a:lnSpc>
+            </a:pPr>
+            <a:r>
+              <a:rPr lang="fr-FR" sz="2200" dirty="0"/>
+              <a:t>Principes de découpage des microservices</a:t>
+            </a:r>
+          </a:p>
+          <a:p>
+            <a:pPr>
+              <a:lnSpc>
+                <a:spcPct val="150000"/>
+              </a:lnSpc>
+            </a:pPr>
+            <a:r>
+              <a:rPr lang="fr-FR" sz="2200" dirty="0"/>
+              <a:t>Principes de conception des microservices</a:t>
+            </a:r>
+          </a:p>
+          <a:p>
+            <a:pPr>
+              <a:lnSpc>
+                <a:spcPct val="150000"/>
+              </a:lnSpc>
+            </a:pPr>
+            <a:r>
+              <a:rPr lang="fr-FR" sz="2200" dirty="0"/>
+              <a:t>Répondre aux questions</a:t>
+            </a:r>
+          </a:p>
+          <a:p>
+            <a:pPr>
+              <a:lnSpc>
+                <a:spcPct val="150000"/>
+              </a:lnSpc>
+            </a:pPr>
+            <a:r>
+              <a:rPr lang="fr-FR" sz="2200" dirty="0"/>
+              <a:t>Contrôle de connaissances</a:t>
+            </a:r>
+          </a:p>
+          <a:p>
+            <a:pPr>
+              <a:lnSpc>
+                <a:spcPct val="150000"/>
+              </a:lnSpc>
+            </a:pPr>
+            <a:r>
+              <a:rPr lang="fr-FR" sz="2200" b="1" dirty="0"/>
+              <a:t>Atelier : Découper un monolithe en microservices</a:t>
+            </a:r>
+          </a:p>
+          <a:p>
+            <a:pPr>
+              <a:lnSpc>
+                <a:spcPct val="150000"/>
+              </a:lnSpc>
+            </a:pPr>
+            <a:endParaRPr lang="fr-FR" sz="2200" dirty="0"/>
+          </a:p>
+        </p:txBody>
+      </p:sp>
+      <p:sp>
+        <p:nvSpPr>
+          <p:cNvPr id="4" name="Titre 1">
+            <a:extLst>
+              <a:ext uri="{FF2B5EF4-FFF2-40B4-BE49-F238E27FC236}">
+                <a16:creationId xmlns:a16="http://schemas.microsoft.com/office/drawing/2014/main" id="{9F8046C7-59C6-E9C9-C220-2A88E0E8AA74}"/>
               </a:ext>
             </a:extLst>
           </p:cNvPr>
@@ -11357,220 +7451,14 @@
         </p:nvSpPr>
         <p:spPr>
           <a:xfrm>
-            <a:off x="4533356" y="6517441"/>
-            <a:ext cx="2890647" cy="214122"/>
+            <a:off x="223520" y="309791"/>
+            <a:ext cx="3027680" cy="400368"/>
           </a:xfrm>
           <a:prstGeom prst="rect">
             <a:avLst/>
           </a:prstGeom>
         </p:spPr>
         <p:txBody>
-          <a:bodyPr vert="horz" lIns="91440" tIns="45720" rIns="91440" bIns="45720" rtlCol="0">
-            <a:noAutofit/>
-          </a:bodyPr>
-          <a:lstStyle>
-            <a:lvl1pPr marL="228600" indent="-228600" algn="l" defTabSz="914400" rtl="0" eaLnBrk="1" latinLnBrk="0" hangingPunct="1">
-              <a:lnSpc>
-                <a:spcPct val="90000"/>
-              </a:lnSpc>
-              <a:spcBef>
-                <a:spcPts val="1000"/>
-              </a:spcBef>
-              <a:buFont typeface="Arial" panose="020B0604020202020204" pitchFamily="34" charset="0"/>
-              <a:buChar char="•"/>
-              <a:defRPr sz="2800" kern="1200">
-                <a:solidFill>
-                  <a:schemeClr val="tx1"/>
-                </a:solidFill>
-                <a:latin typeface="+mn-lt"/>
-                <a:ea typeface="+mn-ea"/>
-                <a:cs typeface="+mn-cs"/>
-              </a:defRPr>
-            </a:lvl1pPr>
-            <a:lvl2pPr marL="685800" indent="-228600" algn="l" defTabSz="914400" rtl="0" eaLnBrk="1" latinLnBrk="0" hangingPunct="1">
-              <a:lnSpc>
-                <a:spcPct val="90000"/>
-              </a:lnSpc>
-              <a:spcBef>
-                <a:spcPts val="500"/>
-              </a:spcBef>
-              <a:buFont typeface="Arial" panose="020B0604020202020204" pitchFamily="34" charset="0"/>
-              <a:buChar char="•"/>
-              <a:defRPr sz="2400" kern="1200">
-                <a:solidFill>
-                  <a:schemeClr val="tx1"/>
-                </a:solidFill>
-                <a:latin typeface="+mn-lt"/>
-                <a:ea typeface="+mn-ea"/>
-                <a:cs typeface="+mn-cs"/>
-              </a:defRPr>
-            </a:lvl2pPr>
-            <a:lvl3pPr marL="1143000" indent="-228600" algn="l" defTabSz="914400" rtl="0" eaLnBrk="1" latinLnBrk="0" hangingPunct="1">
-              <a:lnSpc>
-                <a:spcPct val="90000"/>
-              </a:lnSpc>
-              <a:spcBef>
-                <a:spcPts val="500"/>
-              </a:spcBef>
-              <a:buFont typeface="Arial" panose="020B0604020202020204" pitchFamily="34" charset="0"/>
-              <a:buChar char="•"/>
-              <a:defRPr sz="2000" kern="1200">
-                <a:solidFill>
-                  <a:schemeClr val="tx1"/>
-                </a:solidFill>
-                <a:latin typeface="+mn-lt"/>
-                <a:ea typeface="+mn-ea"/>
-                <a:cs typeface="+mn-cs"/>
-              </a:defRPr>
-            </a:lvl3pPr>
-            <a:lvl4pPr marL="1600200" indent="-228600" algn="l" defTabSz="914400" rtl="0" eaLnBrk="1" latinLnBrk="0" hangingPunct="1">
-              <a:lnSpc>
-                <a:spcPct val="90000"/>
-              </a:lnSpc>
-              <a:spcBef>
-                <a:spcPts val="500"/>
-              </a:spcBef>
-              <a:buFont typeface="Arial" panose="020B0604020202020204" pitchFamily="34" charset="0"/>
-              <a:buChar char="•"/>
-              <a:defRPr sz="1800" kern="1200">
-                <a:solidFill>
-                  <a:schemeClr val="tx1"/>
-                </a:solidFill>
-                <a:latin typeface="+mn-lt"/>
-                <a:ea typeface="+mn-ea"/>
-                <a:cs typeface="+mn-cs"/>
-              </a:defRPr>
-            </a:lvl4pPr>
-            <a:lvl5pPr marL="2057400" indent="-228600" algn="l" defTabSz="914400" rtl="0" eaLnBrk="1" latinLnBrk="0" hangingPunct="1">
-              <a:lnSpc>
-                <a:spcPct val="90000"/>
-              </a:lnSpc>
-              <a:spcBef>
-                <a:spcPts val="500"/>
-              </a:spcBef>
-              <a:buFont typeface="Arial" panose="020B0604020202020204" pitchFamily="34" charset="0"/>
-              <a:buChar char="•"/>
-              <a:defRPr sz="1800" kern="1200">
-                <a:solidFill>
-                  <a:schemeClr val="tx1"/>
-                </a:solidFill>
-                <a:latin typeface="+mn-lt"/>
-                <a:ea typeface="+mn-ea"/>
-                <a:cs typeface="+mn-cs"/>
-              </a:defRPr>
-            </a:lvl5pPr>
-            <a:lvl6pPr marL="2514600" indent="-228600" algn="l" defTabSz="914400" rtl="0" eaLnBrk="1" latinLnBrk="0" hangingPunct="1">
-              <a:lnSpc>
-                <a:spcPct val="90000"/>
-              </a:lnSpc>
-              <a:spcBef>
-                <a:spcPts val="500"/>
-              </a:spcBef>
-              <a:buFont typeface="Arial" panose="020B0604020202020204" pitchFamily="34" charset="0"/>
-              <a:buChar char="•"/>
-              <a:defRPr sz="1800" kern="1200">
-                <a:solidFill>
-                  <a:schemeClr val="tx1"/>
-                </a:solidFill>
-                <a:latin typeface="+mn-lt"/>
-                <a:ea typeface="+mn-ea"/>
-                <a:cs typeface="+mn-cs"/>
-              </a:defRPr>
-            </a:lvl6pPr>
-            <a:lvl7pPr marL="2971800" indent="-228600" algn="l" defTabSz="914400" rtl="0" eaLnBrk="1" latinLnBrk="0" hangingPunct="1">
-              <a:lnSpc>
-                <a:spcPct val="90000"/>
-              </a:lnSpc>
-              <a:spcBef>
-                <a:spcPts val="500"/>
-              </a:spcBef>
-              <a:buFont typeface="Arial" panose="020B0604020202020204" pitchFamily="34" charset="0"/>
-              <a:buChar char="•"/>
-              <a:defRPr sz="1800" kern="1200">
-                <a:solidFill>
-                  <a:schemeClr val="tx1"/>
-                </a:solidFill>
-                <a:latin typeface="+mn-lt"/>
-                <a:ea typeface="+mn-ea"/>
-                <a:cs typeface="+mn-cs"/>
-              </a:defRPr>
-            </a:lvl7pPr>
-            <a:lvl8pPr marL="3429000" indent="-228600" algn="l" defTabSz="914400" rtl="0" eaLnBrk="1" latinLnBrk="0" hangingPunct="1">
-              <a:lnSpc>
-                <a:spcPct val="90000"/>
-              </a:lnSpc>
-              <a:spcBef>
-                <a:spcPts val="500"/>
-              </a:spcBef>
-              <a:buFont typeface="Arial" panose="020B0604020202020204" pitchFamily="34" charset="0"/>
-              <a:buChar char="•"/>
-              <a:defRPr sz="1800" kern="1200">
-                <a:solidFill>
-                  <a:schemeClr val="tx1"/>
-                </a:solidFill>
-                <a:latin typeface="+mn-lt"/>
-                <a:ea typeface="+mn-ea"/>
-                <a:cs typeface="+mn-cs"/>
-              </a:defRPr>
-            </a:lvl8pPr>
-            <a:lvl9pPr marL="3886200" indent="-228600" algn="l" defTabSz="914400" rtl="0" eaLnBrk="1" latinLnBrk="0" hangingPunct="1">
-              <a:lnSpc>
-                <a:spcPct val="90000"/>
-              </a:lnSpc>
-              <a:spcBef>
-                <a:spcPts val="500"/>
-              </a:spcBef>
-              <a:buFont typeface="Arial" panose="020B0604020202020204" pitchFamily="34" charset="0"/>
-              <a:buChar char="•"/>
-              <a:defRPr sz="1800" kern="1200">
-                <a:solidFill>
-                  <a:schemeClr val="tx1"/>
-                </a:solidFill>
-                <a:latin typeface="+mn-lt"/>
-                <a:ea typeface="+mn-ea"/>
-                <a:cs typeface="+mn-cs"/>
-              </a:defRPr>
-            </a:lvl9pPr>
-          </a:lstStyle>
-          <a:p>
-            <a:pPr marL="0" indent="0">
-              <a:buNone/>
-            </a:pPr>
-            <a:r>
-              <a:rPr lang="fr-FR" sz="1100" b="1" dirty="0">
-                <a:solidFill>
-                  <a:schemeClr val="tx2"/>
-                </a:solidFill>
-              </a:rPr>
-              <a:t>Préparé et Présenté par Daniel  Lawson</a:t>
-            </a:r>
-          </a:p>
-        </p:txBody>
-      </p:sp>
-      <p:sp>
-        <p:nvSpPr>
-          <p:cNvPr id="7" name="Titre 1">
-            <a:extLst>
-              <a:ext uri="{FF2B5EF4-FFF2-40B4-BE49-F238E27FC236}">
-                <a16:creationId xmlns:a16="http://schemas.microsoft.com/office/drawing/2014/main" id="{D122964A-2BA9-92D7-4F45-EFEFCAE30085}"/>
-              </a:ext>
-            </a:extLst>
-          </p:cNvPr>
-          <p:cNvSpPr txBox="1">
-            <a:spLocks/>
-          </p:cNvSpPr>
-          <p:nvPr/>
-        </p:nvSpPr>
-        <p:spPr>
-          <a:xfrm>
-            <a:off x="223520" y="229369"/>
-            <a:ext cx="7680960" cy="446074"/>
-          </a:xfrm>
-          <a:prstGeom prst="rect">
-            <a:avLst/>
-          </a:prstGeom>
-        </p:spPr>
-        <p:txBody>
           <a:bodyPr vert="horz" lIns="91440" tIns="45720" rIns="91440" bIns="45720" rtlCol="0" anchor="ctr">
             <a:noAutofit/>
           </a:bodyPr>
@@ -11596,17 +7484,17 @@
           <a:p>
             <a:r>
               <a:rPr lang="fr-FR" sz="2800" b="1" dirty="0"/>
-              <a:t>Atelier : Découper un monolithe en microservices</a:t>
+              <a:t>Dans ce module …</a:t>
             </a:r>
           </a:p>
         </p:txBody>
       </p:sp>
       <p:cxnSp>
         <p:nvCxnSpPr>
-          <p:cNvPr id="8" name="Connecteur droit 7">
-            <a:extLst>
-              <a:ext uri="{FF2B5EF4-FFF2-40B4-BE49-F238E27FC236}">
-                <a16:creationId xmlns:a16="http://schemas.microsoft.com/office/drawing/2014/main" id="{532989CB-805A-AC94-902B-454502F05937}"/>
+          <p:cNvPr id="5" name="Connecteur droit 4">
+            <a:extLst>
+              <a:ext uri="{FF2B5EF4-FFF2-40B4-BE49-F238E27FC236}">
+                <a16:creationId xmlns:a16="http://schemas.microsoft.com/office/drawing/2014/main" id="{555718AF-B7AD-AAD3-6D4E-C60371FD6A96}"/>
               </a:ext>
             </a:extLst>
           </p:cNvPr>
@@ -11641,141 +7529,266 @@
       </p:cxnSp>
       <p:sp>
         <p:nvSpPr>
-          <p:cNvPr id="9" name="ZoneTexte 8">
-            <a:extLst>
-              <a:ext uri="{FF2B5EF4-FFF2-40B4-BE49-F238E27FC236}">
-                <a16:creationId xmlns:a16="http://schemas.microsoft.com/office/drawing/2014/main" id="{D15A4471-AA2D-82AE-EDE6-DA6191814647}"/>
-              </a:ext>
-            </a:extLst>
-          </p:cNvPr>
-          <p:cNvSpPr txBox="1"/>
+          <p:cNvPr id="6" name="Sous-titre 2">
+            <a:extLst>
+              <a:ext uri="{FF2B5EF4-FFF2-40B4-BE49-F238E27FC236}">
+                <a16:creationId xmlns:a16="http://schemas.microsoft.com/office/drawing/2014/main" id="{02826535-6718-FF2C-7532-A8BEE5D7C409}"/>
+              </a:ext>
+            </a:extLst>
+          </p:cNvPr>
+          <p:cNvSpPr txBox="1">
+            <a:spLocks/>
+          </p:cNvSpPr>
           <p:nvPr/>
         </p:nvSpPr>
         <p:spPr>
           <a:xfrm>
-            <a:off x="223520" y="1072832"/>
-            <a:ext cx="6045200" cy="400110"/>
+            <a:off x="4324350" y="6643878"/>
+            <a:ext cx="2890647" cy="214122"/>
+          </a:xfrm>
+          <a:prstGeom prst="rect">
+            <a:avLst/>
+          </a:prstGeom>
+        </p:spPr>
+        <p:txBody>
+          <a:bodyPr vert="horz" lIns="91440" tIns="45720" rIns="91440" bIns="45720" rtlCol="0">
+            <a:noAutofit/>
+          </a:bodyPr>
+          <a:lstStyle>
+            <a:lvl1pPr marL="228600" indent="-228600" algn="l" defTabSz="914400" rtl="0" eaLnBrk="1" latinLnBrk="0" hangingPunct="1">
+              <a:lnSpc>
+                <a:spcPct val="90000"/>
+              </a:lnSpc>
+              <a:spcBef>
+                <a:spcPts val="1000"/>
+              </a:spcBef>
+              <a:buFont typeface="Arial" panose="020B0604020202020204" pitchFamily="34" charset="0"/>
+              <a:buChar char="•"/>
+              <a:defRPr sz="2800" kern="1200">
+                <a:solidFill>
+                  <a:schemeClr val="tx1"/>
+                </a:solidFill>
+                <a:latin typeface="+mn-lt"/>
+                <a:ea typeface="+mn-ea"/>
+                <a:cs typeface="+mn-cs"/>
+              </a:defRPr>
+            </a:lvl1pPr>
+            <a:lvl2pPr marL="685800" indent="-228600" algn="l" defTabSz="914400" rtl="0" eaLnBrk="1" latinLnBrk="0" hangingPunct="1">
+              <a:lnSpc>
+                <a:spcPct val="90000"/>
+              </a:lnSpc>
+              <a:spcBef>
+                <a:spcPts val="500"/>
+              </a:spcBef>
+              <a:buFont typeface="Arial" panose="020B0604020202020204" pitchFamily="34" charset="0"/>
+              <a:buChar char="•"/>
+              <a:defRPr sz="2400" kern="1200">
+                <a:solidFill>
+                  <a:schemeClr val="tx1"/>
+                </a:solidFill>
+                <a:latin typeface="+mn-lt"/>
+                <a:ea typeface="+mn-ea"/>
+                <a:cs typeface="+mn-cs"/>
+              </a:defRPr>
+            </a:lvl2pPr>
+            <a:lvl3pPr marL="1143000" indent="-228600" algn="l" defTabSz="914400" rtl="0" eaLnBrk="1" latinLnBrk="0" hangingPunct="1">
+              <a:lnSpc>
+                <a:spcPct val="90000"/>
+              </a:lnSpc>
+              <a:spcBef>
+                <a:spcPts val="500"/>
+              </a:spcBef>
+              <a:buFont typeface="Arial" panose="020B0604020202020204" pitchFamily="34" charset="0"/>
+              <a:buChar char="•"/>
+              <a:defRPr sz="2000" kern="1200">
+                <a:solidFill>
+                  <a:schemeClr val="tx1"/>
+                </a:solidFill>
+                <a:latin typeface="+mn-lt"/>
+                <a:ea typeface="+mn-ea"/>
+                <a:cs typeface="+mn-cs"/>
+              </a:defRPr>
+            </a:lvl3pPr>
+            <a:lvl4pPr marL="1600200" indent="-228600" algn="l" defTabSz="914400" rtl="0" eaLnBrk="1" latinLnBrk="0" hangingPunct="1">
+              <a:lnSpc>
+                <a:spcPct val="90000"/>
+              </a:lnSpc>
+              <a:spcBef>
+                <a:spcPts val="500"/>
+              </a:spcBef>
+              <a:buFont typeface="Arial" panose="020B0604020202020204" pitchFamily="34" charset="0"/>
+              <a:buChar char="•"/>
+              <a:defRPr sz="1800" kern="1200">
+                <a:solidFill>
+                  <a:schemeClr val="tx1"/>
+                </a:solidFill>
+                <a:latin typeface="+mn-lt"/>
+                <a:ea typeface="+mn-ea"/>
+                <a:cs typeface="+mn-cs"/>
+              </a:defRPr>
+            </a:lvl4pPr>
+            <a:lvl5pPr marL="2057400" indent="-228600" algn="l" defTabSz="914400" rtl="0" eaLnBrk="1" latinLnBrk="0" hangingPunct="1">
+              <a:lnSpc>
+                <a:spcPct val="90000"/>
+              </a:lnSpc>
+              <a:spcBef>
+                <a:spcPts val="500"/>
+              </a:spcBef>
+              <a:buFont typeface="Arial" panose="020B0604020202020204" pitchFamily="34" charset="0"/>
+              <a:buChar char="•"/>
+              <a:defRPr sz="1800" kern="1200">
+                <a:solidFill>
+                  <a:schemeClr val="tx1"/>
+                </a:solidFill>
+                <a:latin typeface="+mn-lt"/>
+                <a:ea typeface="+mn-ea"/>
+                <a:cs typeface="+mn-cs"/>
+              </a:defRPr>
+            </a:lvl5pPr>
+            <a:lvl6pPr marL="2514600" indent="-228600" algn="l" defTabSz="914400" rtl="0" eaLnBrk="1" latinLnBrk="0" hangingPunct="1">
+              <a:lnSpc>
+                <a:spcPct val="90000"/>
+              </a:lnSpc>
+              <a:spcBef>
+                <a:spcPts val="500"/>
+              </a:spcBef>
+              <a:buFont typeface="Arial" panose="020B0604020202020204" pitchFamily="34" charset="0"/>
+              <a:buChar char="•"/>
+              <a:defRPr sz="1800" kern="1200">
+                <a:solidFill>
+                  <a:schemeClr val="tx1"/>
+                </a:solidFill>
+                <a:latin typeface="+mn-lt"/>
+                <a:ea typeface="+mn-ea"/>
+                <a:cs typeface="+mn-cs"/>
+              </a:defRPr>
+            </a:lvl6pPr>
+            <a:lvl7pPr marL="2971800" indent="-228600" algn="l" defTabSz="914400" rtl="0" eaLnBrk="1" latinLnBrk="0" hangingPunct="1">
+              <a:lnSpc>
+                <a:spcPct val="90000"/>
+              </a:lnSpc>
+              <a:spcBef>
+                <a:spcPts val="500"/>
+              </a:spcBef>
+              <a:buFont typeface="Arial" panose="020B0604020202020204" pitchFamily="34" charset="0"/>
+              <a:buChar char="•"/>
+              <a:defRPr sz="1800" kern="1200">
+                <a:solidFill>
+                  <a:schemeClr val="tx1"/>
+                </a:solidFill>
+                <a:latin typeface="+mn-lt"/>
+                <a:ea typeface="+mn-ea"/>
+                <a:cs typeface="+mn-cs"/>
+              </a:defRPr>
+            </a:lvl7pPr>
+            <a:lvl8pPr marL="3429000" indent="-228600" algn="l" defTabSz="914400" rtl="0" eaLnBrk="1" latinLnBrk="0" hangingPunct="1">
+              <a:lnSpc>
+                <a:spcPct val="90000"/>
+              </a:lnSpc>
+              <a:spcBef>
+                <a:spcPts val="500"/>
+              </a:spcBef>
+              <a:buFont typeface="Arial" panose="020B0604020202020204" pitchFamily="34" charset="0"/>
+              <a:buChar char="•"/>
+              <a:defRPr sz="1800" kern="1200">
+                <a:solidFill>
+                  <a:schemeClr val="tx1"/>
+                </a:solidFill>
+                <a:latin typeface="+mn-lt"/>
+                <a:ea typeface="+mn-ea"/>
+                <a:cs typeface="+mn-cs"/>
+              </a:defRPr>
+            </a:lvl8pPr>
+            <a:lvl9pPr marL="3886200" indent="-228600" algn="l" defTabSz="914400" rtl="0" eaLnBrk="1" latinLnBrk="0" hangingPunct="1">
+              <a:lnSpc>
+                <a:spcPct val="90000"/>
+              </a:lnSpc>
+              <a:spcBef>
+                <a:spcPts val="500"/>
+              </a:spcBef>
+              <a:buFont typeface="Arial" panose="020B0604020202020204" pitchFamily="34" charset="0"/>
+              <a:buChar char="•"/>
+              <a:defRPr sz="1800" kern="1200">
+                <a:solidFill>
+                  <a:schemeClr val="tx1"/>
+                </a:solidFill>
+                <a:latin typeface="+mn-lt"/>
+                <a:ea typeface="+mn-ea"/>
+                <a:cs typeface="+mn-cs"/>
+              </a:defRPr>
+            </a:lvl9pPr>
+          </a:lstStyle>
+          <a:p>
+            <a:pPr marL="0" indent="0">
+              <a:buNone/>
+            </a:pPr>
+            <a:r>
+              <a:rPr lang="fr-FR" sz="1100" b="1">
+                <a:solidFill>
+                  <a:schemeClr val="tx2"/>
+                </a:solidFill>
+              </a:rPr>
+              <a:t>Préparé et Présenté par Daniel  Lawson</a:t>
+            </a:r>
+            <a:endParaRPr lang="fr-FR" sz="1100" b="1" dirty="0">
+              <a:solidFill>
+                <a:schemeClr val="tx2"/>
+              </a:solidFill>
+            </a:endParaRPr>
+          </a:p>
+        </p:txBody>
+      </p:sp>
+      <p:pic>
+        <p:nvPicPr>
+          <p:cNvPr id="1026" name="Picture 2" descr="Flacons, Chimie, Chimique, Expérience">
+            <a:extLst>
+              <a:ext uri="{FF2B5EF4-FFF2-40B4-BE49-F238E27FC236}">
+                <a16:creationId xmlns:a16="http://schemas.microsoft.com/office/drawing/2014/main" id="{891AC83A-3460-B500-E04B-7A13E0314991}"/>
+              </a:ext>
+            </a:extLst>
+          </p:cNvPr>
+          <p:cNvPicPr>
+            <a:picLocks noChangeAspect="1" noChangeArrowheads="1"/>
+          </p:cNvPicPr>
+          <p:nvPr/>
+        </p:nvPicPr>
+        <p:blipFill>
+          <a:blip r:embed="rId2">
+            <a:extLst>
+              <a:ext uri="{28A0092B-C50C-407E-A947-70E740481C1C}">
+                <a14:useLocalDpi xmlns:a14="http://schemas.microsoft.com/office/drawing/2010/main" val="0"/>
+              </a:ext>
+            </a:extLst>
+          </a:blip>
+          <a:srcRect/>
+          <a:stretch>
+            <a:fillRect/>
+          </a:stretch>
+        </p:blipFill>
+        <p:spPr bwMode="auto">
+          <a:xfrm>
+            <a:off x="7214997" y="4155440"/>
+            <a:ext cx="1051964" cy="1083310"/>
           </a:xfrm>
           <a:prstGeom prst="rect">
             <a:avLst/>
           </a:prstGeom>
           <a:noFill/>
+          <a:extLst>
+            <a:ext uri="{909E8E84-426E-40DD-AFC4-6F175D3DCCD1}">
+              <a14:hiddenFill xmlns:a14="http://schemas.microsoft.com/office/drawing/2010/main">
+                <a:solidFill>
+                  <a:srgbClr val="FFFFFF"/>
+                </a:solidFill>
+              </a14:hiddenFill>
+            </a:ext>
+          </a:extLst>
         </p:spPr>
-        <p:txBody>
-          <a:bodyPr wrap="square" rtlCol="0">
-            <a:spAutoFit/>
-          </a:bodyPr>
-          <a:lstStyle/>
-          <a:p>
-            <a:r>
-              <a:rPr lang="fr-FR" sz="2000" b="1" dirty="0"/>
-              <a:t>Modules fonctionnels de l’application monolithe : </a:t>
-            </a:r>
-          </a:p>
-        </p:txBody>
-      </p:sp>
-      <p:sp>
-        <p:nvSpPr>
-          <p:cNvPr id="11" name="ZoneTexte 10">
-            <a:extLst>
-              <a:ext uri="{FF2B5EF4-FFF2-40B4-BE49-F238E27FC236}">
-                <a16:creationId xmlns:a16="http://schemas.microsoft.com/office/drawing/2014/main" id="{A4DA49AF-D8C2-23F8-43E6-82024B6DDBC9}"/>
-              </a:ext>
-            </a:extLst>
-          </p:cNvPr>
-          <p:cNvSpPr txBox="1"/>
-          <p:nvPr/>
-        </p:nvSpPr>
-        <p:spPr>
-          <a:xfrm>
-            <a:off x="223520" y="1678224"/>
-            <a:ext cx="11887200" cy="3693319"/>
-          </a:xfrm>
-          <a:prstGeom prst="rect">
-            <a:avLst/>
-          </a:prstGeom>
-          <a:noFill/>
-        </p:spPr>
-        <p:txBody>
-          <a:bodyPr wrap="square">
-            <a:spAutoFit/>
-          </a:bodyPr>
-          <a:lstStyle/>
-          <a:p>
-            <a:r>
-              <a:rPr lang="fr-FR" b="1" dirty="0"/>
-              <a:t>Livraison et suivi des commandes :</a:t>
-            </a:r>
-          </a:p>
-          <a:p>
-            <a:r>
-              <a:rPr lang="fr-FR" dirty="0"/>
-              <a:t>Suivi en temps réel des commandes (restaurant → livreur → client)</a:t>
-            </a:r>
-          </a:p>
-          <a:p>
-            <a:r>
-              <a:rPr lang="fr-FR" dirty="0"/>
-              <a:t>Calcul automatique des itinéraires pour les livreurs</a:t>
-            </a:r>
-          </a:p>
-          <a:p>
-            <a:r>
-              <a:rPr lang="fr-FR" dirty="0"/>
-              <a:t>Notifications en temps réel pour les clients et les livreurs (via SMS ou application)</a:t>
-            </a:r>
-          </a:p>
-          <a:p>
-            <a:endParaRPr lang="fr-FR" dirty="0"/>
-          </a:p>
-          <a:p>
-            <a:r>
-              <a:rPr lang="fr-FR" b="1" dirty="0"/>
-              <a:t>Système de notation et avis :</a:t>
-            </a:r>
-          </a:p>
-          <a:p>
-            <a:r>
-              <a:rPr lang="fr-FR" dirty="0"/>
-              <a:t>Système de notation des restaurants et des livreurs par les clients</a:t>
-            </a:r>
-          </a:p>
-          <a:p>
-            <a:r>
-              <a:rPr lang="fr-FR" dirty="0"/>
-              <a:t>Gestion des avis clients (commentaires, évaluations)</a:t>
-            </a:r>
-          </a:p>
-          <a:p>
-            <a:endParaRPr lang="fr-FR" dirty="0"/>
-          </a:p>
-          <a:p>
-            <a:r>
-              <a:rPr lang="fr-FR" b="1" dirty="0"/>
-              <a:t>Promotions et réductions :</a:t>
-            </a:r>
-          </a:p>
-          <a:p>
-            <a:r>
-              <a:rPr lang="fr-FR" dirty="0"/>
-              <a:t>Gestion des codes promotionnels</a:t>
-            </a:r>
-          </a:p>
-          <a:p>
-            <a:r>
-              <a:rPr lang="fr-FR" dirty="0"/>
-              <a:t>Application automatique des réductions en fonction des conditions (restaurants participants, montants, etc.)</a:t>
-            </a:r>
-          </a:p>
-          <a:p>
-            <a:endParaRPr lang="fr-FR" dirty="0"/>
-          </a:p>
-        </p:txBody>
-      </p:sp>
+      </p:pic>
     </p:spTree>
     <p:extLst>
       <p:ext uri="{BB962C8B-B14F-4D97-AF65-F5344CB8AC3E}">
-        <p14:creationId xmlns:p14="http://schemas.microsoft.com/office/powerpoint/2010/main" val="2650891039"/>
+        <p14:creationId xmlns:p14="http://schemas.microsoft.com/office/powerpoint/2010/main" val="1603475869"/>
       </p:ext>
     </p:extLst>
   </p:cSld>
@@ -14786,335 +10799,6 @@
   <p:tag name="SLIDO_PRESENTATION_ID" val="00000000-0000-0000-0000-000000000000"/>
   <p:tag name="SLIDO_EVENT_UUID" val="b71ed9fd-604a-4b2c-9ed4-e6fa2e98c9e6"/>
   <p:tag name="SLIDO_EVENT_SECTION_UUID" val="8a4036a7-68d3-4547-a9df-f623b7852a9e"/>
-</p:tagLst>
-</file>
-
-<file path=ppt/tags/tag10.xml><?xml version="1.0" encoding="utf-8"?>
-<p:tagLst xmlns:a="http://schemas.openxmlformats.org/drawingml/2006/main" xmlns:r="http://schemas.openxmlformats.org/officeDocument/2006/relationships" xmlns:p="http://schemas.openxmlformats.org/presentationml/2006/main">
-  <p:tag name="SLIDO_ELEMENT" val="reminder"/>
-</p:tagLst>
-</file>
-
-<file path=ppt/tags/tag11.xml><?xml version="1.0" encoding="utf-8"?>
-<p:tagLst xmlns:a="http://schemas.openxmlformats.org/drawingml/2006/main" xmlns:r="http://schemas.openxmlformats.org/officeDocument/2006/relationships" xmlns:p="http://schemas.openxmlformats.org/presentationml/2006/main">
-  <p:tag name="SLIDO_ELEMENT" val="dotty"/>
-</p:tagLst>
-</file>
-
-<file path=ppt/tags/tag12.xml><?xml version="1.0" encoding="utf-8"?>
-<p:tagLst xmlns:a="http://schemas.openxmlformats.org/drawingml/2006/main" xmlns:r="http://schemas.openxmlformats.org/officeDocument/2006/relationships" xmlns:p="http://schemas.openxmlformats.org/presentationml/2006/main">
-  <p:tag name="SLIDO_ELEMENT" val="logo"/>
-</p:tagLst>
-</file>
-
-<file path=ppt/tags/tag13.xml><?xml version="1.0" encoding="utf-8"?>
-<p:tagLst xmlns:a="http://schemas.openxmlformats.org/drawingml/2006/main" xmlns:r="http://schemas.openxmlformats.org/officeDocument/2006/relationships" xmlns:p="http://schemas.openxmlformats.org/presentationml/2006/main">
-  <p:tag name="SLIDO_ELEMENT" val="interaction_image"/>
-  <p:tag name="INTERACTION_TYPE" val="Quiz"/>
-</p:tagLst>
-</file>
-
-<file path=ppt/tags/tag14.xml><?xml version="1.0" encoding="utf-8"?>
-<p:tagLst xmlns:a="http://schemas.openxmlformats.org/drawingml/2006/main" xmlns:r="http://schemas.openxmlformats.org/officeDocument/2006/relationships" xmlns:p="http://schemas.openxmlformats.org/presentationml/2006/main">
-  <p:tag name="SLIDO_ELEMENT" val="title"/>
-</p:tagLst>
-</file>
-
-<file path=ppt/tags/tag15.xml><?xml version="1.0" encoding="utf-8"?>
-<p:tagLst xmlns:a="http://schemas.openxmlformats.org/drawingml/2006/main" xmlns:r="http://schemas.openxmlformats.org/officeDocument/2006/relationships" xmlns:p="http://schemas.openxmlformats.org/presentationml/2006/main">
-  <p:tag name="SLIDO_ELEMENT" val="footer"/>
-</p:tagLst>
-</file>
-
-<file path=ppt/tags/tag16.xml><?xml version="1.0" encoding="utf-8"?>
-<p:tagLst xmlns:a="http://schemas.openxmlformats.org/drawingml/2006/main" xmlns:r="http://schemas.openxmlformats.org/officeDocument/2006/relationships" xmlns:p="http://schemas.openxmlformats.org/presentationml/2006/main">
-  <p:tag name="SLIDO_METADATA" val="eyJUaW1lc3RhbXAiOjE3MjcwNzcyMjZ9"/>
-  <p:tag name="SLIDO_TYPE" val="SlidoPoll"/>
-  <p:tag name="SLIDO_POLL_UUID" val="ac262b76-55bd-4ea9-bfb4-9f13f66dd8b7"/>
-  <p:tag name="SLIDO_POLL_QUESTION_UUID" val="1b1e2948-19c8-4cad-b1da-bcc6f44d92dc"/>
-  <p:tag name="SLIDO_TIMELINE" val="W3sicG9sbFF1ZXN0aW9uVXVpZCI6IjFiMWUyOTQ4LTE5YzgtNGNhZC1iMWRhLWJjYzZmNDRkOTJkYyIsInNob3dSZXN1bHRzIjpmYWxzZSwic2hvd0NvcnJlY3RBbnN3ZXJzIjpmYWxzZSwidm90aW5nTG9ja2VkIjpmYWxzZX0seyJwb2xsUXVlc3Rpb25VdWlkIjoiMWIxZTI5NDgtMTljOC00Y2FkLWIxZGEtYmNjNmY0NGQ5MmRjIiwic2hvd1Jlc3VsdHMiOnRydWUsInNob3dDb3JyZWN0QW5zd2VycyI6ZmFsc2UsInZvdGluZ0xvY2tlZCI6dHJ1ZX0seyJwb2xsUXVlc3Rpb25VdWlkIjoiMWIxZTI5NDgtMTljOC00Y2FkLWIxZGEtYmNjNmY0NGQ5MmRjIiwic2hvd1Jlc3VsdHMiOnRydWUsInNob3dDb3JyZWN0QW5zd2VycyI6dHJ1ZSwidm90aW5nTG9ja2VkIjp0cnVlfV0="/>
-</p:tagLst>
-</file>
-
-<file path=ppt/tags/tag17.xml><?xml version="1.0" encoding="utf-8"?>
-<p:tagLst xmlns:a="http://schemas.openxmlformats.org/drawingml/2006/main" xmlns:r="http://schemas.openxmlformats.org/officeDocument/2006/relationships" xmlns:p="http://schemas.openxmlformats.org/presentationml/2006/main">
-  <p:tag name="SLIDO_ELEMENT" val="reminder"/>
-</p:tagLst>
-</file>
-
-<file path=ppt/tags/tag18.xml><?xml version="1.0" encoding="utf-8"?>
-<p:tagLst xmlns:a="http://schemas.openxmlformats.org/drawingml/2006/main" xmlns:r="http://schemas.openxmlformats.org/officeDocument/2006/relationships" xmlns:p="http://schemas.openxmlformats.org/presentationml/2006/main">
-  <p:tag name="SLIDO_ELEMENT" val="dotty"/>
-</p:tagLst>
-</file>
-
-<file path=ppt/tags/tag19.xml><?xml version="1.0" encoding="utf-8"?>
-<p:tagLst xmlns:a="http://schemas.openxmlformats.org/drawingml/2006/main" xmlns:r="http://schemas.openxmlformats.org/officeDocument/2006/relationships" xmlns:p="http://schemas.openxmlformats.org/presentationml/2006/main">
-  <p:tag name="SLIDO_ELEMENT" val="logo"/>
-</p:tagLst>
-</file>
-
-<file path=ppt/tags/tag2.xml><?xml version="1.0" encoding="utf-8"?>
-<p:tagLst xmlns:a="http://schemas.openxmlformats.org/drawingml/2006/main" xmlns:r="http://schemas.openxmlformats.org/officeDocument/2006/relationships" xmlns:p="http://schemas.openxmlformats.org/presentationml/2006/main">
-  <p:tag name="SLIDO_METADATA" val="eyJUaW1lc3RhbXAiOjE3MjcwNzcyMjZ9"/>
-  <p:tag name="SLIDO_TYPE" val="SlidoPoll"/>
-  <p:tag name="SLIDO_POLL_UUID" val="ac262b76-55bd-4ea9-bfb4-9f13f66dd8b7"/>
-  <p:tag name="SLIDO_POLL_QUESTION_UUID" val="f4d60df6-d77c-4050-80f5-f82eea279c42"/>
-  <p:tag name="SLIDO_TIMELINE" val="W3sic2NyZWVuIjoiUXVpekpvaW5pbmciLCJzaG93UmVzdWx0cyI6ZmFsc2UsInNob3dDb3JyZWN0QW5zd2VycyI6ZmFsc2UsInZvdGluZ0xvY2tlZCI6ZmFsc2V9LHsicG9sbFF1ZXN0aW9uVXVpZCI6ImY0ZDYwZGY2LWQ3N2MtNDA1MC04MGY1LWY4MmVlYTI3OWM0MiIsInNob3dSZXN1bHRzIjpmYWxzZSwic2hvd0NvcnJlY3RBbnN3ZXJzIjpmYWxzZSwidm90aW5nTG9ja2VkIjpmYWxzZX0seyJwb2xsUXVlc3Rpb25VdWlkIjoiZjRkNjBkZjYtZDc3Yy00MDUwLTgwZjUtZjgyZWVhMjc5YzQyIiwic2hvd1Jlc3VsdHMiOnRydWUsInNob3dDb3JyZWN0QW5zd2VycyI6ZmFsc2UsInZvdGluZ0xvY2tlZCI6dHJ1ZX0seyJwb2xsUXVlc3Rpb25VdWlkIjoiZjRkNjBkZjYtZDc3Yy00MDUwLTgwZjUtZjgyZWVhMjc5YzQyIiwic2hvd1Jlc3VsdHMiOnRydWUsInNob3dDb3JyZWN0QW5zd2VycyI6dHJ1ZSwidm90aW5nTG9ja2VkIjp0cnVlfV0="/>
-</p:tagLst>
-</file>
-
-<file path=ppt/tags/tag20.xml><?xml version="1.0" encoding="utf-8"?>
-<p:tagLst xmlns:a="http://schemas.openxmlformats.org/drawingml/2006/main" xmlns:r="http://schemas.openxmlformats.org/officeDocument/2006/relationships" xmlns:p="http://schemas.openxmlformats.org/presentationml/2006/main">
-  <p:tag name="SLIDO_ELEMENT" val="interaction_image"/>
-  <p:tag name="INTERACTION_TYPE" val="Quiz"/>
-</p:tagLst>
-</file>
-
-<file path=ppt/tags/tag21.xml><?xml version="1.0" encoding="utf-8"?>
-<p:tagLst xmlns:a="http://schemas.openxmlformats.org/drawingml/2006/main" xmlns:r="http://schemas.openxmlformats.org/officeDocument/2006/relationships" xmlns:p="http://schemas.openxmlformats.org/presentationml/2006/main">
-  <p:tag name="SLIDO_ELEMENT" val="title"/>
-</p:tagLst>
-</file>
-
-<file path=ppt/tags/tag22.xml><?xml version="1.0" encoding="utf-8"?>
-<p:tagLst xmlns:a="http://schemas.openxmlformats.org/drawingml/2006/main" xmlns:r="http://schemas.openxmlformats.org/officeDocument/2006/relationships" xmlns:p="http://schemas.openxmlformats.org/presentationml/2006/main">
-  <p:tag name="SLIDO_ELEMENT" val="footer"/>
-</p:tagLst>
-</file>
-
-<file path=ppt/tags/tag23.xml><?xml version="1.0" encoding="utf-8"?>
-<p:tagLst xmlns:a="http://schemas.openxmlformats.org/drawingml/2006/main" xmlns:r="http://schemas.openxmlformats.org/officeDocument/2006/relationships" xmlns:p="http://schemas.openxmlformats.org/presentationml/2006/main">
-  <p:tag name="SLIDO_METADATA" val="eyJUaW1lc3RhbXAiOjE3MjcwNzcyMjZ9"/>
-  <p:tag name="SLIDO_TYPE" val="SlidoPoll"/>
-  <p:tag name="SLIDO_POLL_UUID" val="ac262b76-55bd-4ea9-bfb4-9f13f66dd8b7"/>
-  <p:tag name="SLIDO_POLL_QUESTION_UUID" val="83164306-14a9-4b23-b5b9-a275f33b2d84"/>
-  <p:tag name="SLIDO_TIMELINE" val="W3sicG9sbFF1ZXN0aW9uVXVpZCI6IjgzMTY0MzA2LTE0YTktNGIyMy1iNWI5LWEyNzVmMzNiMmQ4NCIsInNob3dSZXN1bHRzIjpmYWxzZSwic2hvd0NvcnJlY3RBbnN3ZXJzIjpmYWxzZSwidm90aW5nTG9ja2VkIjpmYWxzZX0seyJwb2xsUXVlc3Rpb25VdWlkIjoiODMxNjQzMDYtMTRhOS00YjIzLWI1YjktYTI3NWYzM2IyZDg0Iiwic2hvd1Jlc3VsdHMiOnRydWUsInNob3dDb3JyZWN0QW5zd2VycyI6ZmFsc2UsInZvdGluZ0xvY2tlZCI6dHJ1ZX0seyJwb2xsUXVlc3Rpb25VdWlkIjoiODMxNjQzMDYtMTRhOS00YjIzLWI1YjktYTI3NWYzM2IyZDg0Iiwic2hvd1Jlc3VsdHMiOnRydWUsInNob3dDb3JyZWN0QW5zd2VycyI6dHJ1ZSwidm90aW5nTG9ja2VkIjp0cnVlfV0="/>
-</p:tagLst>
-</file>
-
-<file path=ppt/tags/tag24.xml><?xml version="1.0" encoding="utf-8"?>
-<p:tagLst xmlns:a="http://schemas.openxmlformats.org/drawingml/2006/main" xmlns:r="http://schemas.openxmlformats.org/officeDocument/2006/relationships" xmlns:p="http://schemas.openxmlformats.org/presentationml/2006/main">
-  <p:tag name="SLIDO_ELEMENT" val="reminder"/>
-</p:tagLst>
-</file>
-
-<file path=ppt/tags/tag25.xml><?xml version="1.0" encoding="utf-8"?>
-<p:tagLst xmlns:a="http://schemas.openxmlformats.org/drawingml/2006/main" xmlns:r="http://schemas.openxmlformats.org/officeDocument/2006/relationships" xmlns:p="http://schemas.openxmlformats.org/presentationml/2006/main">
-  <p:tag name="SLIDO_ELEMENT" val="dotty"/>
-</p:tagLst>
-</file>
-
-<file path=ppt/tags/tag26.xml><?xml version="1.0" encoding="utf-8"?>
-<p:tagLst xmlns:a="http://schemas.openxmlformats.org/drawingml/2006/main" xmlns:r="http://schemas.openxmlformats.org/officeDocument/2006/relationships" xmlns:p="http://schemas.openxmlformats.org/presentationml/2006/main">
-  <p:tag name="SLIDO_ELEMENT" val="logo"/>
-</p:tagLst>
-</file>
-
-<file path=ppt/tags/tag27.xml><?xml version="1.0" encoding="utf-8"?>
-<p:tagLst xmlns:a="http://schemas.openxmlformats.org/drawingml/2006/main" xmlns:r="http://schemas.openxmlformats.org/officeDocument/2006/relationships" xmlns:p="http://schemas.openxmlformats.org/presentationml/2006/main">
-  <p:tag name="SLIDO_ELEMENT" val="interaction_image"/>
-  <p:tag name="INTERACTION_TYPE" val="Quiz"/>
-</p:tagLst>
-</file>
-
-<file path=ppt/tags/tag28.xml><?xml version="1.0" encoding="utf-8"?>
-<p:tagLst xmlns:a="http://schemas.openxmlformats.org/drawingml/2006/main" xmlns:r="http://schemas.openxmlformats.org/officeDocument/2006/relationships" xmlns:p="http://schemas.openxmlformats.org/presentationml/2006/main">
-  <p:tag name="SLIDO_ELEMENT" val="title"/>
-</p:tagLst>
-</file>
-
-<file path=ppt/tags/tag29.xml><?xml version="1.0" encoding="utf-8"?>
-<p:tagLst xmlns:a="http://schemas.openxmlformats.org/drawingml/2006/main" xmlns:r="http://schemas.openxmlformats.org/officeDocument/2006/relationships" xmlns:p="http://schemas.openxmlformats.org/presentationml/2006/main">
-  <p:tag name="SLIDO_ELEMENT" val="footer"/>
-</p:tagLst>
-</file>
-
-<file path=ppt/tags/tag3.xml><?xml version="1.0" encoding="utf-8"?>
-<p:tagLst xmlns:a="http://schemas.openxmlformats.org/drawingml/2006/main" xmlns:r="http://schemas.openxmlformats.org/officeDocument/2006/relationships" xmlns:p="http://schemas.openxmlformats.org/presentationml/2006/main">
-  <p:tag name="SLIDO_ELEMENT" val="reminder"/>
-</p:tagLst>
-</file>
-
-<file path=ppt/tags/tag30.xml><?xml version="1.0" encoding="utf-8"?>
-<p:tagLst xmlns:a="http://schemas.openxmlformats.org/drawingml/2006/main" xmlns:r="http://schemas.openxmlformats.org/officeDocument/2006/relationships" xmlns:p="http://schemas.openxmlformats.org/presentationml/2006/main">
-  <p:tag name="SLIDO_METADATA" val="eyJUaW1lc3RhbXAiOjE3MjcwNzcyMjd9"/>
-  <p:tag name="SLIDO_TYPE" val="SlidoPoll"/>
-  <p:tag name="SLIDO_POLL_UUID" val="ac262b76-55bd-4ea9-bfb4-9f13f66dd8b7"/>
-  <p:tag name="SLIDO_POLL_QUESTION_UUID" val="43ed1d94-592a-4525-b62e-aeb028473f84"/>
-  <p:tag name="SLIDO_TIMELINE" val="W3sicG9sbFF1ZXN0aW9uVXVpZCI6IjQzZWQxZDk0LTU5MmEtNDUyNS1iNjJlLWFlYjAyODQ3M2Y4NCIsInNob3dSZXN1bHRzIjpmYWxzZSwic2hvd0NvcnJlY3RBbnN3ZXJzIjpmYWxzZSwidm90aW5nTG9ja2VkIjpmYWxzZX0seyJwb2xsUXVlc3Rpb25VdWlkIjoiNDNlZDFkOTQtNTkyYS00NTI1LWI2MmUtYWViMDI4NDczZjg0Iiwic2hvd1Jlc3VsdHMiOnRydWUsInNob3dDb3JyZWN0QW5zd2VycyI6ZmFsc2UsInZvdGluZ0xvY2tlZCI6dHJ1ZX0seyJwb2xsUXVlc3Rpb25VdWlkIjoiNDNlZDFkOTQtNTkyYS00NTI1LWI2MmUtYWViMDI4NDczZjg0Iiwic2hvd1Jlc3VsdHMiOnRydWUsInNob3dDb3JyZWN0QW5zd2VycyI6dHJ1ZSwidm90aW5nTG9ja2VkIjp0cnVlfV0="/>
-</p:tagLst>
-</file>
-
-<file path=ppt/tags/tag31.xml><?xml version="1.0" encoding="utf-8"?>
-<p:tagLst xmlns:a="http://schemas.openxmlformats.org/drawingml/2006/main" xmlns:r="http://schemas.openxmlformats.org/officeDocument/2006/relationships" xmlns:p="http://schemas.openxmlformats.org/presentationml/2006/main">
-  <p:tag name="SLIDO_ELEMENT" val="reminder"/>
-</p:tagLst>
-</file>
-
-<file path=ppt/tags/tag32.xml><?xml version="1.0" encoding="utf-8"?>
-<p:tagLst xmlns:a="http://schemas.openxmlformats.org/drawingml/2006/main" xmlns:r="http://schemas.openxmlformats.org/officeDocument/2006/relationships" xmlns:p="http://schemas.openxmlformats.org/presentationml/2006/main">
-  <p:tag name="SLIDO_ELEMENT" val="dotty"/>
-</p:tagLst>
-</file>
-
-<file path=ppt/tags/tag33.xml><?xml version="1.0" encoding="utf-8"?>
-<p:tagLst xmlns:a="http://schemas.openxmlformats.org/drawingml/2006/main" xmlns:r="http://schemas.openxmlformats.org/officeDocument/2006/relationships" xmlns:p="http://schemas.openxmlformats.org/presentationml/2006/main">
-  <p:tag name="SLIDO_ELEMENT" val="logo"/>
-</p:tagLst>
-</file>
-
-<file path=ppt/tags/tag34.xml><?xml version="1.0" encoding="utf-8"?>
-<p:tagLst xmlns:a="http://schemas.openxmlformats.org/drawingml/2006/main" xmlns:r="http://schemas.openxmlformats.org/officeDocument/2006/relationships" xmlns:p="http://schemas.openxmlformats.org/presentationml/2006/main">
-  <p:tag name="SLIDO_ELEMENT" val="interaction_image"/>
-  <p:tag name="INTERACTION_TYPE" val="Quiz"/>
-</p:tagLst>
-</file>
-
-<file path=ppt/tags/tag35.xml><?xml version="1.0" encoding="utf-8"?>
-<p:tagLst xmlns:a="http://schemas.openxmlformats.org/drawingml/2006/main" xmlns:r="http://schemas.openxmlformats.org/officeDocument/2006/relationships" xmlns:p="http://schemas.openxmlformats.org/presentationml/2006/main">
-  <p:tag name="SLIDO_ELEMENT" val="title"/>
-</p:tagLst>
-</file>
-
-<file path=ppt/tags/tag36.xml><?xml version="1.0" encoding="utf-8"?>
-<p:tagLst xmlns:a="http://schemas.openxmlformats.org/drawingml/2006/main" xmlns:r="http://schemas.openxmlformats.org/officeDocument/2006/relationships" xmlns:p="http://schemas.openxmlformats.org/presentationml/2006/main">
-  <p:tag name="SLIDO_ELEMENT" val="footer"/>
-</p:tagLst>
-</file>
-
-<file path=ppt/tags/tag37.xml><?xml version="1.0" encoding="utf-8"?>
-<p:tagLst xmlns:a="http://schemas.openxmlformats.org/drawingml/2006/main" xmlns:r="http://schemas.openxmlformats.org/officeDocument/2006/relationships" xmlns:p="http://schemas.openxmlformats.org/presentationml/2006/main">
-  <p:tag name="SLIDO_METADATA" val="eyJUaW1lc3RhbXAiOjE3MjcwNzcyMjd9"/>
-  <p:tag name="SLIDO_TYPE" val="SlidoPoll"/>
-  <p:tag name="SLIDO_POLL_UUID" val="ac262b76-55bd-4ea9-bfb4-9f13f66dd8b7"/>
-  <p:tag name="SLIDO_POLL_QUESTION_UUID" val="58743f7b-5ba8-4e99-98c4-0cd516f0f767"/>
-  <p:tag name="SLIDO_TIMELINE" val="W3sicG9sbFF1ZXN0aW9uVXVpZCI6IjU4NzQzZjdiLTViYTgtNGU5OS05OGM0LTBjZDUxNmYwZjc2NyIsInNob3dSZXN1bHRzIjpmYWxzZSwic2hvd0NvcnJlY3RBbnN3ZXJzIjpmYWxzZSwidm90aW5nTG9ja2VkIjpmYWxzZX0seyJwb2xsUXVlc3Rpb25VdWlkIjoiNTg3NDNmN2ItNWJhOC00ZTk5LTk4YzQtMGNkNTE2ZjBmNzY3Iiwic2hvd1Jlc3VsdHMiOnRydWUsInNob3dDb3JyZWN0QW5zd2VycyI6ZmFsc2UsInZvdGluZ0xvY2tlZCI6dHJ1ZX0seyJwb2xsUXVlc3Rpb25VdWlkIjoiNTg3NDNmN2ItNWJhOC00ZTk5LTk4YzQtMGNkNTE2ZjBmNzY3Iiwic2hvd1Jlc3VsdHMiOnRydWUsInNob3dDb3JyZWN0QW5zd2VycyI6dHJ1ZSwidm90aW5nTG9ja2VkIjp0cnVlfV0="/>
-</p:tagLst>
-</file>
-
-<file path=ppt/tags/tag38.xml><?xml version="1.0" encoding="utf-8"?>
-<p:tagLst xmlns:a="http://schemas.openxmlformats.org/drawingml/2006/main" xmlns:r="http://schemas.openxmlformats.org/officeDocument/2006/relationships" xmlns:p="http://schemas.openxmlformats.org/presentationml/2006/main">
-  <p:tag name="SLIDO_ELEMENT" val="reminder"/>
-</p:tagLst>
-</file>
-
-<file path=ppt/tags/tag39.xml><?xml version="1.0" encoding="utf-8"?>
-<p:tagLst xmlns:a="http://schemas.openxmlformats.org/drawingml/2006/main" xmlns:r="http://schemas.openxmlformats.org/officeDocument/2006/relationships" xmlns:p="http://schemas.openxmlformats.org/presentationml/2006/main">
-  <p:tag name="SLIDO_ELEMENT" val="dotty"/>
-</p:tagLst>
-</file>
-
-<file path=ppt/tags/tag4.xml><?xml version="1.0" encoding="utf-8"?>
-<p:tagLst xmlns:a="http://schemas.openxmlformats.org/drawingml/2006/main" xmlns:r="http://schemas.openxmlformats.org/officeDocument/2006/relationships" xmlns:p="http://schemas.openxmlformats.org/presentationml/2006/main">
-  <p:tag name="SLIDO_ELEMENT" val="dotty"/>
-</p:tagLst>
-</file>
-
-<file path=ppt/tags/tag40.xml><?xml version="1.0" encoding="utf-8"?>
-<p:tagLst xmlns:a="http://schemas.openxmlformats.org/drawingml/2006/main" xmlns:r="http://schemas.openxmlformats.org/officeDocument/2006/relationships" xmlns:p="http://schemas.openxmlformats.org/presentationml/2006/main">
-  <p:tag name="SLIDO_ELEMENT" val="logo"/>
-</p:tagLst>
-</file>
-
-<file path=ppt/tags/tag41.xml><?xml version="1.0" encoding="utf-8"?>
-<p:tagLst xmlns:a="http://schemas.openxmlformats.org/drawingml/2006/main" xmlns:r="http://schemas.openxmlformats.org/officeDocument/2006/relationships" xmlns:p="http://schemas.openxmlformats.org/presentationml/2006/main">
-  <p:tag name="SLIDO_ELEMENT" val="interaction_image"/>
-  <p:tag name="INTERACTION_TYPE" val="Quiz"/>
-</p:tagLst>
-</file>
-
-<file path=ppt/tags/tag42.xml><?xml version="1.0" encoding="utf-8"?>
-<p:tagLst xmlns:a="http://schemas.openxmlformats.org/drawingml/2006/main" xmlns:r="http://schemas.openxmlformats.org/officeDocument/2006/relationships" xmlns:p="http://schemas.openxmlformats.org/presentationml/2006/main">
-  <p:tag name="SLIDO_ELEMENT" val="title"/>
-</p:tagLst>
-</file>
-
-<file path=ppt/tags/tag43.xml><?xml version="1.0" encoding="utf-8"?>
-<p:tagLst xmlns:a="http://schemas.openxmlformats.org/drawingml/2006/main" xmlns:r="http://schemas.openxmlformats.org/officeDocument/2006/relationships" xmlns:p="http://schemas.openxmlformats.org/presentationml/2006/main">
-  <p:tag name="SLIDO_ELEMENT" val="footer"/>
-</p:tagLst>
-</file>
-
-<file path=ppt/tags/tag44.xml><?xml version="1.0" encoding="utf-8"?>
-<p:tagLst xmlns:a="http://schemas.openxmlformats.org/drawingml/2006/main" xmlns:r="http://schemas.openxmlformats.org/officeDocument/2006/relationships" xmlns:p="http://schemas.openxmlformats.org/presentationml/2006/main">
-  <p:tag name="SLIDO_METADATA" val="eyJUaW1lc3RhbXAiOjE3MjcwNzcyMjd9"/>
-  <p:tag name="SLIDO_TYPE" val="SlidoPoll"/>
-  <p:tag name="SLIDO_POLL_UUID" val="ac262b76-55bd-4ea9-bfb4-9f13f66dd8b7"/>
-  <p:tag name="SLIDO_POLL_QUESTION_UUID" val="beb7face-4903-4678-9855-741b5e503280"/>
-  <p:tag name="SLIDO_TIMELINE" val="W3sicG9sbFF1ZXN0aW9uVXVpZCI6ImJlYjdmYWNlLTQ5MDMtNDY3OC05ODU1LTc0MWI1ZTUwMzI4MCIsInNob3dSZXN1bHRzIjpmYWxzZSwic2hvd0NvcnJlY3RBbnN3ZXJzIjpmYWxzZSwidm90aW5nTG9ja2VkIjpmYWxzZX0seyJwb2xsUXVlc3Rpb25VdWlkIjoiYmViN2ZhY2UtNDkwMy00Njc4LTk4NTUtNzQxYjVlNTAzMjgwIiwic2hvd1Jlc3VsdHMiOnRydWUsInNob3dDb3JyZWN0QW5zd2VycyI6ZmFsc2UsInZvdGluZ0xvY2tlZCI6dHJ1ZX0seyJwb2xsUXVlc3Rpb25VdWlkIjoiYmViN2ZhY2UtNDkwMy00Njc4LTk4NTUtNzQxYjVlNTAzMjgwIiwic2hvd1Jlc3VsdHMiOnRydWUsInNob3dDb3JyZWN0QW5zd2VycyI6dHJ1ZSwidm90aW5nTG9ja2VkIjp0cnVlfSx7InNjcmVlbiI6IlF1aXpMZWFkZXJib2FyZCIsInBvbGxRdWVzdGlvblV1aWQiOiJiZWI3ZmFjZS00OTAzLTQ2NzgtOTg1NS03NDFiNWU1MDMyODAiLCJzaG93UmVzdWx0cyI6dHJ1ZSwic2hvd0NvcnJlY3RBbnN3ZXJzIjp0cnVlLCJ2b3RpbmdMb2NrZWQiOnRydWV9XQ=="/>
-</p:tagLst>
-</file>
-
-<file path=ppt/tags/tag45.xml><?xml version="1.0" encoding="utf-8"?>
-<p:tagLst xmlns:a="http://schemas.openxmlformats.org/drawingml/2006/main" xmlns:r="http://schemas.openxmlformats.org/officeDocument/2006/relationships" xmlns:p="http://schemas.openxmlformats.org/presentationml/2006/main">
-  <p:tag name="SLIDO_ELEMENT" val="reminder"/>
-</p:tagLst>
-</file>
-
-<file path=ppt/tags/tag46.xml><?xml version="1.0" encoding="utf-8"?>
-<p:tagLst xmlns:a="http://schemas.openxmlformats.org/drawingml/2006/main" xmlns:r="http://schemas.openxmlformats.org/officeDocument/2006/relationships" xmlns:p="http://schemas.openxmlformats.org/presentationml/2006/main">
-  <p:tag name="SLIDO_ELEMENT" val="dotty"/>
-</p:tagLst>
-</file>
-
-<file path=ppt/tags/tag47.xml><?xml version="1.0" encoding="utf-8"?>
-<p:tagLst xmlns:a="http://schemas.openxmlformats.org/drawingml/2006/main" xmlns:r="http://schemas.openxmlformats.org/officeDocument/2006/relationships" xmlns:p="http://schemas.openxmlformats.org/presentationml/2006/main">
-  <p:tag name="SLIDO_ELEMENT" val="logo"/>
-</p:tagLst>
-</file>
-
-<file path=ppt/tags/tag48.xml><?xml version="1.0" encoding="utf-8"?>
-<p:tagLst xmlns:a="http://schemas.openxmlformats.org/drawingml/2006/main" xmlns:r="http://schemas.openxmlformats.org/officeDocument/2006/relationships" xmlns:p="http://schemas.openxmlformats.org/presentationml/2006/main">
-  <p:tag name="SLIDO_ELEMENT" val="interaction_image"/>
-  <p:tag name="INTERACTION_TYPE" val="Quiz"/>
-</p:tagLst>
-</file>
-
-<file path=ppt/tags/tag49.xml><?xml version="1.0" encoding="utf-8"?>
-<p:tagLst xmlns:a="http://schemas.openxmlformats.org/drawingml/2006/main" xmlns:r="http://schemas.openxmlformats.org/officeDocument/2006/relationships" xmlns:p="http://schemas.openxmlformats.org/presentationml/2006/main">
-  <p:tag name="SLIDO_ELEMENT" val="title"/>
-</p:tagLst>
-</file>
-
-<file path=ppt/tags/tag5.xml><?xml version="1.0" encoding="utf-8"?>
-<p:tagLst xmlns:a="http://schemas.openxmlformats.org/drawingml/2006/main" xmlns:r="http://schemas.openxmlformats.org/officeDocument/2006/relationships" xmlns:p="http://schemas.openxmlformats.org/presentationml/2006/main">
-  <p:tag name="SLIDO_ELEMENT" val="logo"/>
-</p:tagLst>
-</file>
-
-<file path=ppt/tags/tag50.xml><?xml version="1.0" encoding="utf-8"?>
-<p:tagLst xmlns:a="http://schemas.openxmlformats.org/drawingml/2006/main" xmlns:r="http://schemas.openxmlformats.org/officeDocument/2006/relationships" xmlns:p="http://schemas.openxmlformats.org/presentationml/2006/main">
-  <p:tag name="SLIDO_ELEMENT" val="footer"/>
-</p:tagLst>
-</file>
-
-<file path=ppt/tags/tag6.xml><?xml version="1.0" encoding="utf-8"?>
-<p:tagLst xmlns:a="http://schemas.openxmlformats.org/drawingml/2006/main" xmlns:r="http://schemas.openxmlformats.org/officeDocument/2006/relationships" xmlns:p="http://schemas.openxmlformats.org/presentationml/2006/main">
-  <p:tag name="SLIDO_ELEMENT" val="interaction_image"/>
-  <p:tag name="INTERACTION_TYPE" val="Quiz"/>
-</p:tagLst>
-</file>
-
-<file path=ppt/tags/tag7.xml><?xml version="1.0" encoding="utf-8"?>
-<p:tagLst xmlns:a="http://schemas.openxmlformats.org/drawingml/2006/main" xmlns:r="http://schemas.openxmlformats.org/officeDocument/2006/relationships" xmlns:p="http://schemas.openxmlformats.org/presentationml/2006/main">
-  <p:tag name="SLIDO_ELEMENT" val="title"/>
-</p:tagLst>
-</file>
-
-<file path=ppt/tags/tag8.xml><?xml version="1.0" encoding="utf-8"?>
-<p:tagLst xmlns:a="http://schemas.openxmlformats.org/drawingml/2006/main" xmlns:r="http://schemas.openxmlformats.org/officeDocument/2006/relationships" xmlns:p="http://schemas.openxmlformats.org/presentationml/2006/main">
-  <p:tag name="SLIDO_ELEMENT" val="footer"/>
-</p:tagLst>
-</file>
-
-<file path=ppt/tags/tag9.xml><?xml version="1.0" encoding="utf-8"?>
-<p:tagLst xmlns:a="http://schemas.openxmlformats.org/drawingml/2006/main" xmlns:r="http://schemas.openxmlformats.org/officeDocument/2006/relationships" xmlns:p="http://schemas.openxmlformats.org/presentationml/2006/main">
-  <p:tag name="SLIDO_METADATA" val="eyJUaW1lc3RhbXAiOjE3MjcwNzcyMjZ9"/>
-  <p:tag name="SLIDO_TYPE" val="SlidoPoll"/>
-  <p:tag name="SLIDO_POLL_UUID" val="ac262b76-55bd-4ea9-bfb4-9f13f66dd8b7"/>
-  <p:tag name="SLIDO_POLL_QUESTION_UUID" val="54c272a1-61e9-4090-b3e1-2f02d5cb97d0"/>
-  <p:tag name="SLIDO_TIMELINE" val="W3sicG9sbFF1ZXN0aW9uVXVpZCI6IjU0YzI3MmExLTYxZTktNDA5MC1iM2UxLTJmMDJkNWNiOTdkMCIsInNob3dSZXN1bHRzIjpmYWxzZSwic2hvd0NvcnJlY3RBbnN3ZXJzIjpmYWxzZSwidm90aW5nTG9ja2VkIjpmYWxzZX0seyJwb2xsUXVlc3Rpb25VdWlkIjoiNTRjMjcyYTEtNjFlOS00MDkwLWIzZTEtMmYwMmQ1Y2I5N2QwIiwic2hvd1Jlc3VsdHMiOnRydWUsInNob3dDb3JyZWN0QW5zd2VycyI6ZmFsc2UsInZvdGluZ0xvY2tlZCI6dHJ1ZX0seyJwb2xsUXVlc3Rpb25VdWlkIjoiNTRjMjcyYTEtNjFlOS00MDkwLWIzZTEtMmYwMmQ1Y2I5N2QwIiwic2hvd1Jlc3VsdHMiOnRydWUsInNob3dDb3JyZWN0QW5zd2VycyI6dHJ1ZSwidm90aW5nTG9ja2VkIjp0cnVlfV0="/>
 </p:tagLst>
 </file>
 
